--- a/spatial_relation_vector.pptx
+++ b/spatial_relation_vector.pptx
@@ -5,7 +5,7 @@
     <p:sldMasterId id="2147483660" r:id="rId1"/>
   </p:sldMasterIdLst>
   <p:notesMasterIdLst>
-    <p:notesMasterId r:id="rId25"/>
+    <p:notesMasterId r:id="rId26"/>
   </p:notesMasterIdLst>
   <p:sldIdLst>
     <p:sldId id="256" r:id="rId2"/>
@@ -23,14 +23,15 @@
     <p:sldId id="275" r:id="rId14"/>
     <p:sldId id="276" r:id="rId15"/>
     <p:sldId id="279" r:id="rId16"/>
-    <p:sldId id="280" r:id="rId17"/>
-    <p:sldId id="282" r:id="rId18"/>
-    <p:sldId id="283" r:id="rId19"/>
-    <p:sldId id="285" r:id="rId20"/>
-    <p:sldId id="286" r:id="rId21"/>
-    <p:sldId id="284" r:id="rId22"/>
-    <p:sldId id="287" r:id="rId23"/>
-    <p:sldId id="277" r:id="rId24"/>
+    <p:sldId id="288" r:id="rId17"/>
+    <p:sldId id="280" r:id="rId18"/>
+    <p:sldId id="282" r:id="rId19"/>
+    <p:sldId id="283" r:id="rId20"/>
+    <p:sldId id="285" r:id="rId21"/>
+    <p:sldId id="286" r:id="rId22"/>
+    <p:sldId id="284" r:id="rId23"/>
+    <p:sldId id="287" r:id="rId24"/>
+    <p:sldId id="277" r:id="rId25"/>
   </p:sldIdLst>
   <p:sldSz cx="12192000" cy="6858000"/>
   <p:notesSz cx="6858000" cy="9144000"/>
@@ -225,7 +226,7 @@
           <a:p>
             <a:fld id="{84E607D3-C6DE-49C0-9A33-FA3231C691CA}" type="datetimeFigureOut">
               <a:rPr lang="en-US" smtClean="0"/>
-              <a:t>12/17/22</a:t>
+              <a:t>19-Dec-22</a:t>
             </a:fld>
             <a:endParaRPr lang="en-US" dirty="0"/>
           </a:p>
@@ -639,7 +640,7 @@
           <a:p>
             <a:fld id="{B2B149FD-7C5B-4276-A951-5649DCFA9F7C}" type="datetimeFigureOut">
               <a:rPr lang="en-US" smtClean="0"/>
-              <a:t>12/17/22</a:t>
+              <a:t>19-Dec-22</a:t>
             </a:fld>
             <a:endParaRPr lang="en-US" dirty="0"/>
           </a:p>
@@ -837,7 +838,7 @@
           <a:p>
             <a:fld id="{B2B149FD-7C5B-4276-A951-5649DCFA9F7C}" type="datetimeFigureOut">
               <a:rPr lang="en-US" smtClean="0"/>
-              <a:t>12/17/22</a:t>
+              <a:t>19-Dec-22</a:t>
             </a:fld>
             <a:endParaRPr lang="en-US" dirty="0"/>
           </a:p>
@@ -1045,7 +1046,7 @@
           <a:p>
             <a:fld id="{B2B149FD-7C5B-4276-A951-5649DCFA9F7C}" type="datetimeFigureOut">
               <a:rPr lang="en-US" smtClean="0"/>
-              <a:t>12/17/22</a:t>
+              <a:t>19-Dec-22</a:t>
             </a:fld>
             <a:endParaRPr lang="en-US" dirty="0"/>
           </a:p>
@@ -1243,7 +1244,7 @@
           <a:p>
             <a:fld id="{B2B149FD-7C5B-4276-A951-5649DCFA9F7C}" type="datetimeFigureOut">
               <a:rPr lang="en-US" smtClean="0"/>
-              <a:t>12/17/22</a:t>
+              <a:t>19-Dec-22</a:t>
             </a:fld>
             <a:endParaRPr lang="en-US" dirty="0"/>
           </a:p>
@@ -1518,7 +1519,7 @@
           <a:p>
             <a:fld id="{B2B149FD-7C5B-4276-A951-5649DCFA9F7C}" type="datetimeFigureOut">
               <a:rPr lang="en-US" smtClean="0"/>
-              <a:t>12/17/22</a:t>
+              <a:t>19-Dec-22</a:t>
             </a:fld>
             <a:endParaRPr lang="en-US" dirty="0"/>
           </a:p>
@@ -1783,7 +1784,7 @@
           <a:p>
             <a:fld id="{B2B149FD-7C5B-4276-A951-5649DCFA9F7C}" type="datetimeFigureOut">
               <a:rPr lang="en-US" smtClean="0"/>
-              <a:t>12/17/22</a:t>
+              <a:t>19-Dec-22</a:t>
             </a:fld>
             <a:endParaRPr lang="en-US" dirty="0"/>
           </a:p>
@@ -2195,7 +2196,7 @@
           <a:p>
             <a:fld id="{B2B149FD-7C5B-4276-A951-5649DCFA9F7C}" type="datetimeFigureOut">
               <a:rPr lang="en-US" smtClean="0"/>
-              <a:t>12/17/22</a:t>
+              <a:t>19-Dec-22</a:t>
             </a:fld>
             <a:endParaRPr lang="en-US" dirty="0"/>
           </a:p>
@@ -2336,7 +2337,7 @@
           <a:p>
             <a:fld id="{B2B149FD-7C5B-4276-A951-5649DCFA9F7C}" type="datetimeFigureOut">
               <a:rPr lang="en-US" smtClean="0"/>
-              <a:t>12/17/22</a:t>
+              <a:t>19-Dec-22</a:t>
             </a:fld>
             <a:endParaRPr lang="en-US" dirty="0"/>
           </a:p>
@@ -2449,7 +2450,7 @@
           <a:p>
             <a:fld id="{B2B149FD-7C5B-4276-A951-5649DCFA9F7C}" type="datetimeFigureOut">
               <a:rPr lang="en-US" smtClean="0"/>
-              <a:t>12/17/22</a:t>
+              <a:t>19-Dec-22</a:t>
             </a:fld>
             <a:endParaRPr lang="en-US" dirty="0"/>
           </a:p>
@@ -2760,7 +2761,7 @@
           <a:p>
             <a:fld id="{B2B149FD-7C5B-4276-A951-5649DCFA9F7C}" type="datetimeFigureOut">
               <a:rPr lang="en-US" smtClean="0"/>
-              <a:t>12/17/22</a:t>
+              <a:t>19-Dec-22</a:t>
             </a:fld>
             <a:endParaRPr lang="en-US" dirty="0"/>
           </a:p>
@@ -3048,7 +3049,7 @@
           <a:p>
             <a:fld id="{B2B149FD-7C5B-4276-A951-5649DCFA9F7C}" type="datetimeFigureOut">
               <a:rPr lang="en-US" smtClean="0"/>
-              <a:t>12/17/22</a:t>
+              <a:t>19-Dec-22</a:t>
             </a:fld>
             <a:endParaRPr lang="en-US" dirty="0"/>
           </a:p>
@@ -3289,7 +3290,7 @@
           <a:p>
             <a:fld id="{B2B149FD-7C5B-4276-A951-5649DCFA9F7C}" type="datetimeFigureOut">
               <a:rPr lang="en-US" smtClean="0"/>
-              <a:t>12/17/22</a:t>
+              <a:t>19-Dec-22</a:t>
             </a:fld>
             <a:endParaRPr lang="en-US" dirty="0"/>
           </a:p>
@@ -7590,19 +7591,7 @@
             </a:r>
             <a:r>
               <a:rPr lang="en-US" dirty="0"/>
-              <a:t>, </a:t>
-            </a:r>
-            <a:r>
-              <a:rPr lang="en-US" dirty="0">
-                <a:highlight>
-                  <a:srgbClr val="00FF00"/>
-                </a:highlight>
-              </a:rPr>
-              <a:t>Small</a:t>
-            </a:r>
-            <a:r>
-              <a:rPr lang="en-US" dirty="0"/>
-              <a:t>, Red, Left</a:t>
+              <a:t>, Small, Red, Left</a:t>
             </a:r>
           </a:p>
           <a:p>
@@ -8077,19 +8066,7 @@
             </a:r>
             <a:r>
               <a:rPr lang="en-US" dirty="0"/>
-              <a:t>, </a:t>
-            </a:r>
-            <a:r>
-              <a:rPr lang="en-US" dirty="0">
-                <a:highlight>
-                  <a:srgbClr val="00FF00"/>
-                </a:highlight>
-              </a:rPr>
-              <a:t>Small</a:t>
-            </a:r>
-            <a:r>
-              <a:rPr lang="en-US" dirty="0"/>
-              <a:t>, Red, Left</a:t>
+              <a:t>, Small, Red, Left</a:t>
             </a:r>
           </a:p>
           <a:p>
@@ -8419,7 +8396,7 @@
                   <a:srgbClr val="00FF00"/>
                 </a:highlight>
               </a:rPr>
-              <a:t>Small</a:t>
+              <a:t>Big</a:t>
             </a:r>
             <a:r>
               <a:rPr lang="en-US" dirty="0"/>
@@ -8486,7 +8463,7 @@
         <p:spPr>
           <a:xfrm>
             <a:off x="6711088" y="1092746"/>
-            <a:ext cx="2892905" cy="2031325"/>
+            <a:ext cx="2892905" cy="2585323"/>
           </a:xfrm>
           <a:prstGeom prst="rect">
             <a:avLst/>
@@ -8511,7 +8488,7 @@
             </a:pPr>
             <a:r>
               <a:rPr lang="en-US" dirty="0"/>
-              <a:t>Sphere, small.</a:t>
+              <a:t>Sphere, Big</a:t>
             </a:r>
           </a:p>
           <a:p>
@@ -8521,7 +8498,7 @@
             </a:pPr>
             <a:r>
               <a:rPr lang="en-US" dirty="0"/>
-              <a:t>Sphere, behind</a:t>
+              <a:t>Big, Behind</a:t>
             </a:r>
           </a:p>
           <a:p>
@@ -8531,7 +8508,7 @@
             </a:pPr>
             <a:r>
               <a:rPr lang="en-US" dirty="0"/>
-              <a:t>Cube, big</a:t>
+              <a:t>Sphere, Behind</a:t>
             </a:r>
           </a:p>
           <a:p>
@@ -8541,7 +8518,7 @@
             </a:pPr>
             <a:r>
               <a:rPr lang="en-US" dirty="0"/>
-              <a:t>Big, Front</a:t>
+              <a:t>Sphere, Big, Behind</a:t>
             </a:r>
           </a:p>
           <a:p>
@@ -8551,7 +8528,7 @@
             </a:pPr>
             <a:r>
               <a:rPr lang="en-US" dirty="0"/>
-              <a:t>Cube, Front</a:t>
+              <a:t>Cube, big</a:t>
             </a:r>
           </a:p>
           <a:p>
@@ -8561,6 +8538,26 @@
             </a:pPr>
             <a:r>
               <a:rPr lang="en-US" dirty="0"/>
+              <a:t>Big, Front</a:t>
+            </a:r>
+          </a:p>
+          <a:p>
+            <a:pPr marL="285750" indent="-285750">
+              <a:buFont typeface="Arial" panose="020B0604020202020204" pitchFamily="34" charset="0"/>
+              <a:buChar char="•"/>
+            </a:pPr>
+            <a:r>
+              <a:rPr lang="en-US" dirty="0"/>
+              <a:t>Cube, Front</a:t>
+            </a:r>
+          </a:p>
+          <a:p>
+            <a:pPr marL="285750" indent="-285750">
+              <a:buFont typeface="Arial" panose="020B0604020202020204" pitchFamily="34" charset="0"/>
+              <a:buChar char="•"/>
+            </a:pPr>
+            <a:r>
+              <a:rPr lang="en-US" dirty="0"/>
               <a:t>Cube, big, Front</a:t>
             </a:r>
           </a:p>
@@ -8580,7 +8577,7 @@
         </p:nvSpPr>
         <p:spPr>
           <a:xfrm>
-            <a:off x="7236606" y="3549264"/>
+            <a:off x="6711088" y="3779926"/>
             <a:ext cx="1012503" cy="369332"/>
           </a:xfrm>
           <a:prstGeom prst="rect">
@@ -8672,19 +8669,7 @@
             </a:r>
             <a:r>
               <a:rPr lang="en-US" dirty="0"/>
-              <a:t>, </a:t>
-            </a:r>
-            <a:r>
-              <a:rPr lang="en-US" dirty="0">
-                <a:highlight>
-                  <a:srgbClr val="00FF00"/>
-                </a:highlight>
-              </a:rPr>
-              <a:t>Small</a:t>
-            </a:r>
-            <a:r>
-              <a:rPr lang="en-US" dirty="0"/>
-              <a:t>, Red, Left</a:t>
+              <a:t>, Big, Red, Left</a:t>
             </a:r>
           </a:p>
           <a:p>
@@ -9159,19 +9144,7 @@
             </a:r>
             <a:r>
               <a:rPr lang="en-US" dirty="0"/>
-              <a:t>, </a:t>
-            </a:r>
-            <a:r>
-              <a:rPr lang="en-US" dirty="0">
-                <a:highlight>
-                  <a:srgbClr val="00FF00"/>
-                </a:highlight>
-              </a:rPr>
-              <a:t>Small</a:t>
-            </a:r>
-            <a:r>
-              <a:rPr lang="en-US" dirty="0"/>
-              <a:t>, Red, Left</a:t>
+              <a:t>, Big, Red, Left</a:t>
             </a:r>
           </a:p>
           <a:p>
@@ -9501,7 +9474,7 @@
                   <a:srgbClr val="00FF00"/>
                 </a:highlight>
               </a:rPr>
-              <a:t>Small</a:t>
+              <a:t>Big</a:t>
             </a:r>
             <a:r>
               <a:rPr lang="en-US" dirty="0"/>
@@ -9532,8 +9505,8 @@
         </p:nvSpPr>
         <p:spPr>
           <a:xfrm>
-            <a:off x="6822518" y="487384"/>
-            <a:ext cx="4442537" cy="646331"/>
+            <a:off x="6601801" y="498440"/>
+            <a:ext cx="4442537" cy="369332"/>
           </a:xfrm>
           <a:prstGeom prst="rect">
             <a:avLst/>
@@ -9551,20 +9524,14 @@
               <a:t>First, search attribute by attribute</a:t>
             </a:r>
           </a:p>
-          <a:p>
-            <a:r>
-              <a:rPr lang="en-US" dirty="0"/>
-              <a:t>Then, add attributes as  priors to each rules</a:t>
-            </a:r>
-          </a:p>
-        </p:txBody>
-      </p:sp>
-      <p:sp>
-        <p:nvSpPr>
-          <p:cNvPr id="15" name="TextBox 14">
-            <a:extLst>
-              <a:ext uri="{FF2B5EF4-FFF2-40B4-BE49-F238E27FC236}">
-                <a16:creationId xmlns:a16="http://schemas.microsoft.com/office/drawing/2014/main" id="{CA059608-3EAB-1E9D-2CB0-D20D3A206D77}"/>
+        </p:txBody>
+      </p:sp>
+      <p:sp>
+        <p:nvSpPr>
+          <p:cNvPr id="14" name="TextBox 13">
+            <a:extLst>
+              <a:ext uri="{FF2B5EF4-FFF2-40B4-BE49-F238E27FC236}">
+                <a16:creationId xmlns:a16="http://schemas.microsoft.com/office/drawing/2014/main" id="{77D7668C-374B-DD95-6723-44C959CECB4E}"/>
               </a:ext>
             </a:extLst>
           </p:cNvPr>
@@ -9573,8 +9540,8 @@
         </p:nvSpPr>
         <p:spPr>
           <a:xfrm>
-            <a:off x="6623046" y="1286891"/>
-            <a:ext cx="4442537" cy="3693319"/>
+            <a:off x="6711088" y="1092746"/>
+            <a:ext cx="2892905" cy="2585323"/>
           </a:xfrm>
           <a:prstGeom prst="rect">
             <a:avLst/>
@@ -9587,43 +9554,19 @@
           </a:bodyPr>
           <a:lstStyle/>
           <a:p>
+            <a:r>
+              <a:rPr lang="en-US" dirty="0"/>
+              <a:t>Rules can be found</a:t>
+            </a:r>
+          </a:p>
+          <a:p>
             <a:pPr marL="285750" indent="-285750">
               <a:buFont typeface="Arial" panose="020B0604020202020204" pitchFamily="34" charset="0"/>
               <a:buChar char="•"/>
             </a:pPr>
             <a:r>
               <a:rPr lang="en-US" dirty="0"/>
-              <a:t>Sphere, small</a:t>
-            </a:r>
-          </a:p>
-          <a:p>
-            <a:pPr marL="742950" lvl="1" indent="-285750">
-              <a:buFont typeface="Arial" panose="020B0604020202020204" pitchFamily="34" charset="0"/>
-              <a:buChar char="•"/>
-            </a:pPr>
-            <a:r>
-              <a:rPr lang="en-US" dirty="0"/>
-              <a:t>red(2)</a:t>
-            </a:r>
-          </a:p>
-          <a:p>
-            <a:pPr marL="742950" lvl="1" indent="-285750">
-              <a:buFont typeface="Arial" panose="020B0604020202020204" pitchFamily="34" charset="0"/>
-              <a:buChar char="•"/>
-            </a:pPr>
-            <a:r>
-              <a:rPr lang="en-US" dirty="0"/>
-              <a:t>left(2)</a:t>
-            </a:r>
-          </a:p>
-          <a:p>
-            <a:pPr marL="742950" lvl="1" indent="-285750">
-              <a:buFont typeface="Arial" panose="020B0604020202020204" pitchFamily="34" charset="0"/>
-              <a:buChar char="•"/>
-            </a:pPr>
-            <a:r>
-              <a:rPr lang="en-US" dirty="0"/>
-              <a:t>Left, red (2)</a:t>
+              <a:t>Sphere, Big</a:t>
             </a:r>
           </a:p>
           <a:p>
@@ -9633,7 +9576,7 @@
             </a:pPr>
             <a:r>
               <a:rPr lang="en-US" dirty="0"/>
-              <a:t>Sphere, behind</a:t>
+              <a:t>Big, Behind</a:t>
             </a:r>
           </a:p>
           <a:p>
@@ -9643,27 +9586,7 @@
             </a:pPr>
             <a:r>
               <a:rPr lang="en-US" dirty="0"/>
-              <a:t>Cube, big</a:t>
-            </a:r>
-          </a:p>
-          <a:p>
-            <a:pPr marL="742950" lvl="1" indent="-285750">
-              <a:buFont typeface="Arial" panose="020B0604020202020204" pitchFamily="34" charset="0"/>
-              <a:buChar char="•"/>
-            </a:pPr>
-            <a:r>
-              <a:rPr lang="en-US" dirty="0"/>
-              <a:t>Front (3)</a:t>
-            </a:r>
-          </a:p>
-          <a:p>
-            <a:pPr marL="742950" lvl="1" indent="-285750">
-              <a:buFont typeface="Arial" panose="020B0604020202020204" pitchFamily="34" charset="0"/>
-              <a:buChar char="•"/>
-            </a:pPr>
-            <a:r>
-              <a:rPr lang="en-US" dirty="0"/>
-              <a:t>Green, Front (2)</a:t>
+              <a:t>Sphere, Behind</a:t>
             </a:r>
           </a:p>
           <a:p>
@@ -9673,27 +9596,7 @@
             </a:pPr>
             <a:r>
               <a:rPr lang="en-US" dirty="0"/>
-              <a:t>Big, Front</a:t>
-            </a:r>
-          </a:p>
-          <a:p>
-            <a:pPr marL="742950" lvl="1" indent="-285750">
-              <a:buFont typeface="Arial" panose="020B0604020202020204" pitchFamily="34" charset="0"/>
-              <a:buChar char="•"/>
-            </a:pPr>
-            <a:r>
-              <a:rPr lang="en-US" dirty="0"/>
-              <a:t>Cube (3)</a:t>
-            </a:r>
-          </a:p>
-          <a:p>
-            <a:pPr marL="742950" lvl="1" indent="-285750">
-              <a:buFont typeface="Arial" panose="020B0604020202020204" pitchFamily="34" charset="0"/>
-              <a:buChar char="•"/>
-            </a:pPr>
-            <a:r>
-              <a:rPr lang="en-US" dirty="0"/>
-              <a:t>Cube, Green (2)</a:t>
+              <a:t>Sphere, Big, Behind</a:t>
             </a:r>
           </a:p>
           <a:p>
@@ -9703,7 +9606,7 @@
             </a:pPr>
             <a:r>
               <a:rPr lang="en-US" dirty="0"/>
-              <a:t>Cube, Front </a:t>
+              <a:t>Cube, big</a:t>
             </a:r>
           </a:p>
           <a:p>
@@ -9713,7 +9616,27 @@
             </a:pPr>
             <a:r>
               <a:rPr lang="en-US" dirty="0"/>
-              <a:t>Cube, Big, Front</a:t>
+              <a:t>Big, Front</a:t>
+            </a:r>
+          </a:p>
+          <a:p>
+            <a:pPr marL="285750" indent="-285750">
+              <a:buFont typeface="Arial" panose="020B0604020202020204" pitchFamily="34" charset="0"/>
+              <a:buChar char="•"/>
+            </a:pPr>
+            <a:r>
+              <a:rPr lang="en-US" dirty="0"/>
+              <a:t>Cube, Front</a:t>
+            </a:r>
+          </a:p>
+          <a:p>
+            <a:pPr marL="285750" indent="-285750">
+              <a:buFont typeface="Arial" panose="020B0604020202020204" pitchFamily="34" charset="0"/>
+              <a:buChar char="•"/>
+            </a:pPr>
+            <a:r>
+              <a:rPr lang="en-US" dirty="0"/>
+              <a:t>Cube, big, Front</a:t>
             </a:r>
           </a:p>
         </p:txBody>
@@ -9723,7 +9646,7 @@
           <p:cNvPr id="4" name="TextBox 3">
             <a:extLst>
               <a:ext uri="{FF2B5EF4-FFF2-40B4-BE49-F238E27FC236}">
-                <a16:creationId xmlns:a16="http://schemas.microsoft.com/office/drawing/2014/main" id="{AA39B9DA-1915-347A-DF50-A6A1B1AD827F}"/>
+                <a16:creationId xmlns:a16="http://schemas.microsoft.com/office/drawing/2014/main" id="{887F491C-B8A4-AC40-8467-CC280FAD66D7}"/>
               </a:ext>
             </a:extLst>
           </p:cNvPr>
@@ -9732,8 +9655,8 @@
         </p:nvSpPr>
         <p:spPr>
           <a:xfrm>
-            <a:off x="6623046" y="5402141"/>
-            <a:ext cx="1186140" cy="369332"/>
+            <a:off x="6711088" y="3779926"/>
+            <a:ext cx="1012503" cy="369332"/>
           </a:xfrm>
           <a:prstGeom prst="rect">
             <a:avLst/>
@@ -9748,7 +9671,7 @@
           <a:p>
             <a:r>
               <a:rPr lang="en-US" dirty="0"/>
-              <a:t>7 rules</a:t>
+              <a:t>6 rules</a:t>
             </a:r>
           </a:p>
         </p:txBody>
@@ -9756,7 +9679,7 @@
     </p:spTree>
     <p:extLst>
       <p:ext uri="{BB962C8B-B14F-4D97-AF65-F5344CB8AC3E}">
-        <p14:creationId xmlns:p14="http://schemas.microsoft.com/office/powerpoint/2010/main" val="2111177412"/>
+        <p14:creationId xmlns:p14="http://schemas.microsoft.com/office/powerpoint/2010/main" val="2242468758"/>
       </p:ext>
     </p:extLst>
   </p:cSld>
@@ -9783,114 +9706,6 @@
           <a:chExt cx="0" cy="0"/>
         </a:xfrm>
       </p:grpSpPr>
-      <p:pic>
-        <p:nvPicPr>
-          <p:cNvPr id="25" name="Picture 24">
-            <a:extLst>
-              <a:ext uri="{FF2B5EF4-FFF2-40B4-BE49-F238E27FC236}">
-                <a16:creationId xmlns:a16="http://schemas.microsoft.com/office/drawing/2014/main" id="{0F1B27DF-2D2E-8860-533F-120F28114A7F}"/>
-              </a:ext>
-            </a:extLst>
-          </p:cNvPr>
-          <p:cNvPicPr>
-            <a:picLocks noChangeAspect="1"/>
-          </p:cNvPicPr>
-          <p:nvPr/>
-        </p:nvPicPr>
-        <p:blipFill>
-          <a:blip r:embed="rId2">
-            <a:extLst>
-              <a:ext uri="{28A0092B-C50C-407E-A947-70E740481C1C}">
-                <a14:useLocalDpi xmlns:a14="http://schemas.microsoft.com/office/drawing/2010/main" val="0"/>
-              </a:ext>
-            </a:extLst>
-          </a:blip>
-          <a:stretch>
-            <a:fillRect/>
-          </a:stretch>
-        </p:blipFill>
-        <p:spPr>
-          <a:xfrm>
-            <a:off x="356539" y="4734367"/>
-            <a:ext cx="2019600" cy="2019600"/>
-          </a:xfrm>
-          <a:prstGeom prst="rect">
-            <a:avLst/>
-          </a:prstGeom>
-        </p:spPr>
-      </p:pic>
-      <p:pic>
-        <p:nvPicPr>
-          <p:cNvPr id="13" name="Picture 12" descr="A picture containing vector graphics&#10;&#10;Description automatically generated">
-            <a:extLst>
-              <a:ext uri="{FF2B5EF4-FFF2-40B4-BE49-F238E27FC236}">
-                <a16:creationId xmlns:a16="http://schemas.microsoft.com/office/drawing/2014/main" id="{F585A31C-DB00-684D-FD72-D1A8398A0EEC}"/>
-              </a:ext>
-            </a:extLst>
-          </p:cNvPr>
-          <p:cNvPicPr>
-            <a:picLocks noChangeAspect="1"/>
-          </p:cNvPicPr>
-          <p:nvPr/>
-        </p:nvPicPr>
-        <p:blipFill>
-          <a:blip r:embed="rId3">
-            <a:extLst>
-              <a:ext uri="{28A0092B-C50C-407E-A947-70E740481C1C}">
-                <a14:useLocalDpi xmlns:a14="http://schemas.microsoft.com/office/drawing/2010/main" val="0"/>
-              </a:ext>
-            </a:extLst>
-          </a:blip>
-          <a:stretch>
-            <a:fillRect/>
-          </a:stretch>
-        </p:blipFill>
-        <p:spPr>
-          <a:xfrm>
-            <a:off x="381188" y="2729268"/>
-            <a:ext cx="2019600" cy="2019600"/>
-          </a:xfrm>
-          <a:prstGeom prst="rect">
-            <a:avLst/>
-          </a:prstGeom>
-        </p:spPr>
-      </p:pic>
-      <p:pic>
-        <p:nvPicPr>
-          <p:cNvPr id="5" name="Picture 4">
-            <a:extLst>
-              <a:ext uri="{FF2B5EF4-FFF2-40B4-BE49-F238E27FC236}">
-                <a16:creationId xmlns:a16="http://schemas.microsoft.com/office/drawing/2014/main" id="{8B2CD27F-C52C-2F1C-A79B-EFE9DC8ADEDD}"/>
-              </a:ext>
-            </a:extLst>
-          </p:cNvPr>
-          <p:cNvPicPr>
-            <a:picLocks noChangeAspect="1"/>
-          </p:cNvPicPr>
-          <p:nvPr/>
-        </p:nvPicPr>
-        <p:blipFill>
-          <a:blip r:embed="rId4">
-            <a:extLst>
-              <a:ext uri="{28A0092B-C50C-407E-A947-70E740481C1C}">
-                <a14:useLocalDpi xmlns:a14="http://schemas.microsoft.com/office/drawing/2010/main" val="0"/>
-              </a:ext>
-            </a:extLst>
-          </a:blip>
-          <a:stretch>
-            <a:fillRect/>
-          </a:stretch>
-        </p:blipFill>
-        <p:spPr>
-          <a:xfrm>
-            <a:off x="396637" y="625621"/>
-            <a:ext cx="2019600" cy="2019600"/>
-          </a:xfrm>
-          <a:prstGeom prst="rect">
-            <a:avLst/>
-          </a:prstGeom>
-        </p:spPr>
-      </p:pic>
       <p:sp>
         <p:nvSpPr>
           <p:cNvPr id="6" name="TextBox 5">
@@ -9918,6 +9733,72 @@
             <a:spAutoFit/>
           </a:bodyPr>
           <a:lstStyle/>
+          <a:p>
+            <a:pPr marL="342900" indent="-342900">
+              <a:buAutoNum type="alphaUcPeriod"/>
+            </a:pPr>
+            <a:r>
+              <a:rPr lang="en-US" dirty="0">
+                <a:highlight>
+                  <a:srgbClr val="FFFF00"/>
+                </a:highlight>
+              </a:rPr>
+              <a:t>Sphere</a:t>
+            </a:r>
+            <a:r>
+              <a:rPr lang="en-US" dirty="0"/>
+              <a:t>, </a:t>
+            </a:r>
+            <a:r>
+              <a:rPr lang="en-US" dirty="0">
+                <a:highlight>
+                  <a:srgbClr val="00FF00"/>
+                </a:highlight>
+              </a:rPr>
+              <a:t>Small</a:t>
+            </a:r>
+            <a:r>
+              <a:rPr lang="en-US" dirty="0"/>
+              <a:t>, Red, Left</a:t>
+            </a:r>
+          </a:p>
+          <a:p>
+            <a:pPr marL="342900" indent="-342900">
+              <a:buAutoNum type="alphaUcPeriod"/>
+            </a:pPr>
+            <a:r>
+              <a:rPr lang="en-US" dirty="0">
+                <a:highlight>
+                  <a:srgbClr val="FFFF00"/>
+                </a:highlight>
+              </a:rPr>
+              <a:t>Sphere</a:t>
+            </a:r>
+            <a:r>
+              <a:rPr lang="en-US" dirty="0"/>
+              <a:t>, </a:t>
+            </a:r>
+            <a:r>
+              <a:rPr lang="en-US" dirty="0">
+                <a:highlight>
+                  <a:srgbClr val="00FF00"/>
+                </a:highlight>
+              </a:rPr>
+              <a:t>Big</a:t>
+            </a:r>
+            <a:r>
+              <a:rPr lang="en-US" dirty="0"/>
+              <a:t>, Green, </a:t>
+            </a:r>
+            <a:r>
+              <a:rPr lang="en-US" dirty="0">
+                <a:highlight>
+                  <a:srgbClr val="FF00FF"/>
+                </a:highlight>
+              </a:rPr>
+              <a:t>Behind</a:t>
+            </a:r>
+          </a:p>
           <a:p>
             <a:pPr marL="342900" indent="-342900">
               <a:buAutoNum type="alphaUcPeriod"/>
@@ -9937,119 +9818,58 @@
             <a:r>
               <a:rPr lang="en-US" dirty="0">
                 <a:highlight>
-                  <a:srgbClr val="FFFF00"/>
+                  <a:srgbClr val="00FF00"/>
                 </a:highlight>
               </a:rPr>
               <a:t>Big</a:t>
             </a:r>
             <a:r>
               <a:rPr lang="en-US" dirty="0"/>
-              <a:t>, Blue, </a:t>
+              <a:t>, Green, </a:t>
             </a:r>
             <a:r>
               <a:rPr lang="en-US" dirty="0">
                 <a:highlight>
-                  <a:srgbClr val="FFFF00"/>
+                  <a:srgbClr val="FF00FF"/>
                 </a:highlight>
               </a:rPr>
               <a:t>Front</a:t>
             </a:r>
           </a:p>
           <a:p>
-            <a:pPr marL="342900" indent="-342900">
-              <a:buAutoNum type="alphaUcPeriod"/>
-            </a:pPr>
-            <a:r>
-              <a:rPr lang="en-US" dirty="0">
-                <a:highlight>
-                  <a:srgbClr val="FFFF00"/>
-                </a:highlight>
-              </a:rPr>
-              <a:t>Sphere</a:t>
-            </a:r>
-            <a:r>
-              <a:rPr lang="en-US" dirty="0"/>
-              <a:t>, </a:t>
-            </a:r>
-            <a:r>
-              <a:rPr lang="en-US" dirty="0">
-                <a:highlight>
-                  <a:srgbClr val="FFFF00"/>
-                </a:highlight>
-              </a:rPr>
-              <a:t>Big</a:t>
-            </a:r>
-            <a:r>
-              <a:rPr lang="en-US" dirty="0"/>
-              <a:t>, </a:t>
-            </a:r>
-            <a:r>
-              <a:rPr lang="en-US" dirty="0">
-                <a:highlight>
-                  <a:srgbClr val="FFFF00"/>
-                </a:highlight>
-              </a:rPr>
-              <a:t>Red</a:t>
-            </a:r>
-            <a:r>
-              <a:rPr lang="en-US" dirty="0"/>
-              <a:t>, </a:t>
-            </a:r>
-            <a:r>
-              <a:rPr lang="en-US" dirty="0">
-                <a:highlight>
-                  <a:srgbClr val="FFFF00"/>
-                </a:highlight>
-              </a:rPr>
-              <a:t>Behind</a:t>
-            </a:r>
-          </a:p>
-          <a:p>
-            <a:pPr marL="342900" indent="-342900">
-              <a:buAutoNum type="alphaUcPeriod"/>
-            </a:pPr>
-            <a:r>
-              <a:rPr lang="en-US" dirty="0">
-                <a:highlight>
-                  <a:srgbClr val="FFFF00"/>
-                </a:highlight>
-              </a:rPr>
-              <a:t>Sphere</a:t>
-            </a:r>
-            <a:r>
-              <a:rPr lang="en-US" dirty="0"/>
-              <a:t>, </a:t>
-            </a:r>
-            <a:r>
-              <a:rPr lang="en-US" dirty="0">
-                <a:highlight>
-                  <a:srgbClr val="FFFF00"/>
-                </a:highlight>
-              </a:rPr>
-              <a:t>Small</a:t>
-            </a:r>
-            <a:r>
-              <a:rPr lang="en-US" dirty="0"/>
-              <a:t>, </a:t>
-            </a:r>
-            <a:r>
-              <a:rPr lang="en-US" dirty="0">
-                <a:highlight>
-                  <a:srgbClr val="FFFF00"/>
-                </a:highlight>
-              </a:rPr>
-              <a:t>Red</a:t>
-            </a:r>
-            <a:r>
-              <a:rPr lang="en-US" dirty="0"/>
-              <a:t>, Right</a:t>
-            </a:r>
-          </a:p>
-          <a:p>
             <a:endParaRPr lang="en-US" dirty="0"/>
           </a:p>
         </p:txBody>
       </p:sp>
+      <p:pic>
+        <p:nvPicPr>
+          <p:cNvPr id="16" name="Picture 15">
+            <a:extLst>
+              <a:ext uri="{FF2B5EF4-FFF2-40B4-BE49-F238E27FC236}">
+                <a16:creationId xmlns:a16="http://schemas.microsoft.com/office/drawing/2014/main" id="{1389A628-622F-57A0-5F11-47FD5941C511}"/>
+              </a:ext>
+            </a:extLst>
+          </p:cNvPr>
+          <p:cNvPicPr>
+            <a:picLocks noChangeAspect="1"/>
+          </p:cNvPicPr>
+          <p:nvPr/>
+        </p:nvPicPr>
+        <p:blipFill rotWithShape="1">
+          <a:blip r:embed="rId2"/>
+          <a:srcRect l="4531" r="7" b="7"/>
+          <a:stretch/>
+        </p:blipFill>
+        <p:spPr>
+          <a:xfrm>
+            <a:off x="491968" y="487384"/>
+            <a:ext cx="1928086" cy="2019600"/>
+          </a:xfrm>
+          <a:prstGeom prst="rect">
+            <a:avLst/>
+          </a:prstGeom>
+        </p:spPr>
+      </p:pic>
       <p:sp>
         <p:nvSpPr>
           <p:cNvPr id="17" name="Oval 16">
@@ -10064,7 +9884,7 @@
         </p:nvSpPr>
         <p:spPr>
           <a:xfrm>
-            <a:off x="608188" y="1873872"/>
+            <a:off x="607595" y="1401090"/>
             <a:ext cx="405233" cy="420414"/>
           </a:xfrm>
           <a:prstGeom prst="ellipse">
@@ -10113,7 +9933,7 @@
         </p:nvSpPr>
         <p:spPr>
           <a:xfrm>
-            <a:off x="810804" y="1210420"/>
+            <a:off x="1456013" y="729218"/>
             <a:ext cx="405233" cy="420414"/>
           </a:xfrm>
           <a:prstGeom prst="ellipse">
@@ -10162,7 +9982,7 @@
         </p:nvSpPr>
         <p:spPr>
           <a:xfrm>
-            <a:off x="1887940" y="1352803"/>
+            <a:off x="1922664" y="1964184"/>
             <a:ext cx="405233" cy="420414"/>
           </a:xfrm>
           <a:prstGeom prst="ellipse">
@@ -10197,6 +10017,35 @@
           </a:p>
         </p:txBody>
       </p:sp>
+      <p:pic>
+        <p:nvPicPr>
+          <p:cNvPr id="20" name="Picture 19" descr="Icon&#10;&#10;Description automatically generated">
+            <a:extLst>
+              <a:ext uri="{FF2B5EF4-FFF2-40B4-BE49-F238E27FC236}">
+                <a16:creationId xmlns:a16="http://schemas.microsoft.com/office/drawing/2014/main" id="{9CAC6693-94AB-68D2-06AA-234BA1470D3D}"/>
+              </a:ext>
+            </a:extLst>
+          </p:cNvPr>
+          <p:cNvPicPr>
+            <a:picLocks noChangeAspect="1"/>
+          </p:cNvPicPr>
+          <p:nvPr/>
+        </p:nvPicPr>
+        <p:blipFill rotWithShape="1">
+          <a:blip r:embed="rId3"/>
+          <a:srcRect l="4108" r="3" b="3"/>
+          <a:stretch/>
+        </p:blipFill>
+        <p:spPr>
+          <a:xfrm>
+            <a:off x="497796" y="2575306"/>
+            <a:ext cx="1936633" cy="2019600"/>
+          </a:xfrm>
+          <a:prstGeom prst="rect">
+            <a:avLst/>
+          </a:prstGeom>
+        </p:spPr>
+      </p:pic>
       <p:sp>
         <p:nvSpPr>
           <p:cNvPr id="21" name="Oval 20">
@@ -10211,7 +10060,7 @@
         </p:nvSpPr>
         <p:spPr>
           <a:xfrm>
-            <a:off x="1592631" y="4164138"/>
+            <a:off x="2020649" y="3544178"/>
             <a:ext cx="405233" cy="420414"/>
           </a:xfrm>
           <a:prstGeom prst="ellipse">
@@ -10260,7 +10109,7 @@
         </p:nvSpPr>
         <p:spPr>
           <a:xfrm>
-            <a:off x="1886548" y="3026979"/>
+            <a:off x="1862509" y="2703657"/>
             <a:ext cx="405233" cy="420414"/>
           </a:xfrm>
           <a:prstGeom prst="ellipse">
@@ -10309,7 +10158,7 @@
         </p:nvSpPr>
         <p:spPr>
           <a:xfrm>
-            <a:off x="412538" y="3521611"/>
+            <a:off x="651373" y="3506086"/>
             <a:ext cx="405233" cy="420414"/>
           </a:xfrm>
           <a:prstGeom prst="ellipse">
@@ -10381,7 +10230,7 @@
                   <a:srgbClr val="FFFF00"/>
                 </a:highlight>
               </a:rPr>
-              <a:t>Cube</a:t>
+              <a:t>Sphere</a:t>
             </a:r>
             <a:r>
               <a:rPr lang="en-US" dirty="0"/>
@@ -10390,14 +10239,14 @@
             <a:r>
               <a:rPr lang="en-US" dirty="0">
                 <a:highlight>
-                  <a:srgbClr val="FFFF00"/>
+                  <a:srgbClr val="00FF00"/>
                 </a:highlight>
               </a:rPr>
-              <a:t>Big</a:t>
-            </a:r>
-            <a:r>
-              <a:rPr lang="en-US" dirty="0"/>
-              <a:t>, Blue, Left</a:t>
+              <a:t>Small</a:t>
+            </a:r>
+            <a:r>
+              <a:rPr lang="en-US" dirty="0"/>
+              <a:t>, Red, Left</a:t>
             </a:r>
           </a:p>
           <a:p>
@@ -10419,22 +10268,35 @@
             <a:r>
               <a:rPr lang="en-US" dirty="0">
                 <a:highlight>
-                  <a:srgbClr val="FFFF00"/>
+                  <a:srgbClr val="00FF00"/>
                 </a:highlight>
               </a:rPr>
-              <a:t>Small</a:t>
-            </a:r>
-            <a:r>
-              <a:rPr lang="en-US" dirty="0"/>
-              <a:t>, </a:t>
-            </a:r>
+              <a:t>Big</a:t>
+            </a:r>
+            <a:r>
+              <a:rPr lang="en-US" dirty="0"/>
+              <a:t>, Blue, </a:t>
+            </a:r>
+            <a:r>
+              <a:rPr lang="en-US" dirty="0">
+                <a:highlight>
+                  <a:srgbClr val="FF00FF"/>
+                </a:highlight>
+              </a:rPr>
+              <a:t>Behind</a:t>
+            </a:r>
+          </a:p>
+          <a:p>
+            <a:pPr marL="342900" indent="-342900">
+              <a:buAutoNum type="alphaUcPeriod"/>
+            </a:pPr>
             <a:r>
               <a:rPr lang="en-US" dirty="0">
                 <a:highlight>
                   <a:srgbClr val="FFFF00"/>
                 </a:highlight>
               </a:rPr>
-              <a:t>Red</a:t>
+              <a:t>Cube</a:t>
             </a:r>
             <a:r>
               <a:rPr lang="en-US" dirty="0"/>
@@ -10443,44 +10305,19 @@
             <a:r>
               <a:rPr lang="en-US" dirty="0">
                 <a:highlight>
-                  <a:srgbClr val="FFFF00"/>
-                </a:highlight>
-              </a:rPr>
-              <a:t>Behind</a:t>
-            </a:r>
-          </a:p>
-          <a:p>
-            <a:pPr marL="342900" indent="-342900">
-              <a:buAutoNum type="alphaUcPeriod"/>
-            </a:pPr>
-            <a:r>
-              <a:rPr lang="en-US" dirty="0">
-                <a:highlight>
-                  <a:srgbClr val="FFFF00"/>
-                </a:highlight>
-              </a:rPr>
-              <a:t>Sphere</a:t>
-            </a:r>
-            <a:r>
-              <a:rPr lang="en-US" dirty="0"/>
-              <a:t>, </a:t>
-            </a:r>
-            <a:r>
-              <a:rPr lang="en-US" dirty="0">
-                <a:highlight>
-                  <a:srgbClr val="FFFF00"/>
+                  <a:srgbClr val="00FF00"/>
                 </a:highlight>
               </a:rPr>
               <a:t>Big</a:t>
             </a:r>
             <a:r>
               <a:rPr lang="en-US" dirty="0"/>
-              <a:t>, Green, </a:t>
+              <a:t>, Blue, </a:t>
             </a:r>
             <a:r>
               <a:rPr lang="en-US" dirty="0">
                 <a:highlight>
-                  <a:srgbClr val="FFFF00"/>
+                  <a:srgbClr val="FF00FF"/>
                 </a:highlight>
               </a:rPr>
               <a:t>Front</a:t>
@@ -10526,6 +10363,35 @@
           </a:p>
         </p:txBody>
       </p:sp>
+      <p:pic>
+        <p:nvPicPr>
+          <p:cNvPr id="7" name="Picture 6" descr="A picture containing orange&#10;&#10;Description automatically generated">
+            <a:extLst>
+              <a:ext uri="{FF2B5EF4-FFF2-40B4-BE49-F238E27FC236}">
+                <a16:creationId xmlns:a16="http://schemas.microsoft.com/office/drawing/2014/main" id="{ECBDCDEC-9659-E34E-E348-B9CFEC57DF66}"/>
+              </a:ext>
+            </a:extLst>
+          </p:cNvPr>
+          <p:cNvPicPr>
+            <a:picLocks noChangeAspect="1"/>
+          </p:cNvPicPr>
+          <p:nvPr/>
+        </p:nvPicPr>
+        <p:blipFill rotWithShape="1">
+          <a:blip r:embed="rId4"/>
+          <a:srcRect r="3935" b="2"/>
+          <a:stretch/>
+        </p:blipFill>
+        <p:spPr>
+          <a:xfrm>
+            <a:off x="496028" y="4723257"/>
+            <a:ext cx="1940168" cy="2019600"/>
+          </a:xfrm>
+          <a:prstGeom prst="rect">
+            <a:avLst/>
+          </a:prstGeom>
+        </p:spPr>
+      </p:pic>
       <p:sp>
         <p:nvSpPr>
           <p:cNvPr id="9" name="Oval 8">
@@ -10540,7 +10406,7 @@
         </p:nvSpPr>
         <p:spPr>
           <a:xfrm>
-            <a:off x="417579" y="6058210"/>
+            <a:off x="1406437" y="6160409"/>
             <a:ext cx="405233" cy="420414"/>
           </a:xfrm>
           <a:prstGeom prst="ellipse">
@@ -10589,7 +10455,7 @@
         </p:nvSpPr>
         <p:spPr>
           <a:xfrm>
-            <a:off x="1390988" y="5451112"/>
+            <a:off x="1456013" y="5465613"/>
             <a:ext cx="405233" cy="420414"/>
           </a:xfrm>
           <a:prstGeom prst="ellipse">
@@ -10639,7 +10505,7 @@
         <p:spPr>
           <a:xfrm>
             <a:off x="2673678" y="5380494"/>
-            <a:ext cx="3422322" cy="923330"/>
+            <a:ext cx="3422322" cy="646331"/>
           </a:xfrm>
           <a:prstGeom prst="rect">
             <a:avLst/>
@@ -10651,6 +10517,43 @@
             <a:spAutoFit/>
           </a:bodyPr>
           <a:lstStyle/>
+          <a:p>
+            <a:pPr marL="342900" indent="-342900">
+              <a:buAutoNum type="alphaUcPeriod"/>
+            </a:pPr>
+            <a:r>
+              <a:rPr lang="en-US" dirty="0">
+                <a:highlight>
+                  <a:srgbClr val="FFFF00"/>
+                </a:highlight>
+              </a:rPr>
+              <a:t>Cube</a:t>
+            </a:r>
+            <a:r>
+              <a:rPr lang="en-US" dirty="0"/>
+              <a:t>, </a:t>
+            </a:r>
+            <a:r>
+              <a:rPr lang="en-US" dirty="0">
+                <a:highlight>
+                  <a:srgbClr val="00FF00"/>
+                </a:highlight>
+              </a:rPr>
+              <a:t>Big</a:t>
+            </a:r>
+            <a:r>
+              <a:rPr lang="en-US" dirty="0"/>
+              <a:t>, Green, </a:t>
+            </a:r>
+            <a:r>
+              <a:rPr lang="en-US" dirty="0">
+                <a:highlight>
+                  <a:srgbClr val="FF00FF"/>
+                </a:highlight>
+              </a:rPr>
+              <a:t>Front</a:t>
+            </a:r>
+          </a:p>
           <a:p>
             <a:pPr marL="342900" indent="-342900">
               <a:buAutoNum type="alphaUcPeriod"/>
@@ -10670,109 +10573,19 @@
             <a:r>
               <a:rPr lang="en-US" dirty="0">
                 <a:highlight>
-                  <a:srgbClr val="FFFF00"/>
-                </a:highlight>
-              </a:rPr>
-              <a:t>Big</a:t>
-            </a:r>
-            <a:r>
-              <a:rPr lang="en-US" dirty="0"/>
-              <a:t>, Green, </a:t>
-            </a:r>
-            <a:r>
-              <a:rPr lang="en-US" dirty="0">
-                <a:highlight>
-                  <a:srgbClr val="FFFF00"/>
-                </a:highlight>
-              </a:rPr>
-              <a:t>Front</a:t>
-            </a:r>
-          </a:p>
-          <a:p>
-            <a:pPr marL="342900" indent="-342900">
-              <a:buAutoNum type="alphaUcPeriod"/>
-            </a:pPr>
-            <a:r>
-              <a:rPr lang="en-US" dirty="0">
-                <a:highlight>
-                  <a:srgbClr val="FFFF00"/>
-                </a:highlight>
-              </a:rPr>
-              <a:t>Cube</a:t>
-            </a:r>
-            <a:r>
-              <a:rPr lang="en-US" dirty="0"/>
-              <a:t>, </a:t>
-            </a:r>
-            <a:r>
-              <a:rPr lang="en-US" dirty="0">
-                <a:highlight>
-                  <a:srgbClr val="FFFF00"/>
-                </a:highlight>
-              </a:rPr>
-              <a:t>Big</a:t>
-            </a:r>
-            <a:r>
-              <a:rPr lang="en-US" dirty="0"/>
-              <a:t>, </a:t>
-            </a:r>
-            <a:r>
-              <a:rPr lang="en-US" dirty="0">
-                <a:highlight>
-                  <a:srgbClr val="FFFF00"/>
-                </a:highlight>
-              </a:rPr>
-              <a:t>Red</a:t>
-            </a:r>
-            <a:r>
-              <a:rPr lang="en-US" dirty="0"/>
-              <a:t>, Right</a:t>
-            </a:r>
-          </a:p>
-          <a:p>
-            <a:pPr marL="342900" indent="-342900">
-              <a:buAutoNum type="alphaUcPeriod"/>
-            </a:pPr>
-            <a:r>
-              <a:rPr lang="en-US" dirty="0">
-                <a:highlight>
-                  <a:srgbClr val="FFFF00"/>
-                </a:highlight>
-              </a:rPr>
-              <a:t>Sphere</a:t>
-            </a:r>
-            <a:r>
-              <a:rPr lang="en-US" dirty="0"/>
-              <a:t>, </a:t>
-            </a:r>
-            <a:r>
-              <a:rPr lang="en-US" dirty="0">
-                <a:highlight>
-                  <a:srgbClr val="FFFF00"/>
+                  <a:srgbClr val="00FF00"/>
                 </a:highlight>
               </a:rPr>
               <a:t>Small</a:t>
             </a:r>
             <a:r>
               <a:rPr lang="en-US" dirty="0"/>
-              <a:t>, </a:t>
+              <a:t>, Blue, </a:t>
             </a:r>
             <a:r>
               <a:rPr lang="en-US" dirty="0">
                 <a:highlight>
-                  <a:srgbClr val="FFFF00"/>
-                </a:highlight>
-              </a:rPr>
-              <a:t>Red</a:t>
-            </a:r>
-            <a:r>
-              <a:rPr lang="en-US" dirty="0"/>
-              <a:t>, </a:t>
-            </a:r>
-            <a:r>
-              <a:rPr lang="en-US" dirty="0">
-                <a:highlight>
-                  <a:srgbClr val="FFFF00"/>
+                  <a:srgbClr val="FF00FF"/>
                 </a:highlight>
               </a:rPr>
               <a:t>Behind</a:t>
@@ -10794,8 +10607,8 @@
         </p:nvSpPr>
         <p:spPr>
           <a:xfrm>
-            <a:off x="6601801" y="498440"/>
-            <a:ext cx="4442537" cy="369332"/>
+            <a:off x="6529555" y="487384"/>
+            <a:ext cx="4442537" cy="646331"/>
           </a:xfrm>
           <a:prstGeom prst="rect">
             <a:avLst/>
@@ -10813,14 +10626,20 @@
               <a:t>First, search attribute by attribute</a:t>
             </a:r>
           </a:p>
-        </p:txBody>
-      </p:sp>
-      <p:sp>
-        <p:nvSpPr>
-          <p:cNvPr id="14" name="TextBox 13">
-            <a:extLst>
-              <a:ext uri="{FF2B5EF4-FFF2-40B4-BE49-F238E27FC236}">
-                <a16:creationId xmlns:a16="http://schemas.microsoft.com/office/drawing/2014/main" id="{77D7668C-374B-DD95-6723-44C959CECB4E}"/>
+          <a:p>
+            <a:r>
+              <a:rPr lang="en-US" dirty="0"/>
+              <a:t>Then, add attributes as  priors to each rules</a:t>
+            </a:r>
+          </a:p>
+        </p:txBody>
+      </p:sp>
+      <p:sp>
+        <p:nvSpPr>
+          <p:cNvPr id="15" name="TextBox 14">
+            <a:extLst>
+              <a:ext uri="{FF2B5EF4-FFF2-40B4-BE49-F238E27FC236}">
+                <a16:creationId xmlns:a16="http://schemas.microsoft.com/office/drawing/2014/main" id="{CA059608-3EAB-1E9D-2CB0-D20D3A206D77}"/>
               </a:ext>
             </a:extLst>
           </p:cNvPr>
@@ -10829,8 +10648,8 @@
         </p:nvSpPr>
         <p:spPr>
           <a:xfrm>
-            <a:off x="6977898" y="1079703"/>
-            <a:ext cx="2892905" cy="2862322"/>
+            <a:off x="7216116" y="1401090"/>
+            <a:ext cx="2529832" cy="3693319"/>
           </a:xfrm>
           <a:prstGeom prst="rect">
             <a:avLst/>
@@ -10843,19 +10662,43 @@
           </a:bodyPr>
           <a:lstStyle/>
           <a:p>
-            <a:r>
-              <a:rPr lang="en-US" dirty="0"/>
-              <a:t>Rules can be found</a:t>
-            </a:r>
-          </a:p>
-          <a:p>
             <a:pPr marL="285750" indent="-285750">
               <a:buFont typeface="Arial" panose="020B0604020202020204" pitchFamily="34" charset="0"/>
               <a:buChar char="•"/>
             </a:pPr>
             <a:r>
               <a:rPr lang="en-US" dirty="0"/>
-              <a:t>Big, Cube</a:t>
+              <a:t>Sphere, small</a:t>
+            </a:r>
+          </a:p>
+          <a:p>
+            <a:pPr marL="742950" lvl="1" indent="-285750">
+              <a:buFont typeface="Arial" panose="020B0604020202020204" pitchFamily="34" charset="0"/>
+              <a:buChar char="•"/>
+            </a:pPr>
+            <a:r>
+              <a:rPr lang="en-US" dirty="0"/>
+              <a:t>red(2)</a:t>
+            </a:r>
+          </a:p>
+          <a:p>
+            <a:pPr marL="742950" lvl="1" indent="-285750">
+              <a:buFont typeface="Arial" panose="020B0604020202020204" pitchFamily="34" charset="0"/>
+              <a:buChar char="•"/>
+            </a:pPr>
+            <a:r>
+              <a:rPr lang="en-US" dirty="0"/>
+              <a:t>left(2)</a:t>
+            </a:r>
+          </a:p>
+          <a:p>
+            <a:pPr marL="742950" lvl="1" indent="-285750">
+              <a:buFont typeface="Arial" panose="020B0604020202020204" pitchFamily="34" charset="0"/>
+              <a:buChar char="•"/>
+            </a:pPr>
+            <a:r>
+              <a:rPr lang="en-US" dirty="0"/>
+              <a:t>Left, red (2)</a:t>
             </a:r>
           </a:p>
           <a:p>
@@ -10865,7 +10708,7 @@
             </a:pPr>
             <a:r>
               <a:rPr lang="en-US" dirty="0"/>
-              <a:t>Big, Sphere</a:t>
+              <a:t>Sphere, behind</a:t>
             </a:r>
           </a:p>
           <a:p>
@@ -10875,7 +10718,27 @@
             </a:pPr>
             <a:r>
               <a:rPr lang="en-US" dirty="0"/>
-              <a:t>Sphere, Behind</a:t>
+              <a:t>Cube, big</a:t>
+            </a:r>
+          </a:p>
+          <a:p>
+            <a:pPr marL="742950" lvl="1" indent="-285750">
+              <a:buFont typeface="Arial" panose="020B0604020202020204" pitchFamily="34" charset="0"/>
+              <a:buChar char="•"/>
+            </a:pPr>
+            <a:r>
+              <a:rPr lang="en-US" dirty="0"/>
+              <a:t>Front (3)</a:t>
+            </a:r>
+          </a:p>
+          <a:p>
+            <a:pPr marL="742950" lvl="1" indent="-285750">
+              <a:buFont typeface="Arial" panose="020B0604020202020204" pitchFamily="34" charset="0"/>
+              <a:buChar char="•"/>
+            </a:pPr>
+            <a:r>
+              <a:rPr lang="en-US" dirty="0"/>
+              <a:t>Green, Front (2)</a:t>
             </a:r>
           </a:p>
           <a:p>
@@ -10885,7 +10748,27 @@
             </a:pPr>
             <a:r>
               <a:rPr lang="en-US" dirty="0"/>
-              <a:t>Red, Behind</a:t>
+              <a:t>Big, Front</a:t>
+            </a:r>
+          </a:p>
+          <a:p>
+            <a:pPr marL="742950" lvl="1" indent="-285750">
+              <a:buFont typeface="Arial" panose="020B0604020202020204" pitchFamily="34" charset="0"/>
+              <a:buChar char="•"/>
+            </a:pPr>
+            <a:r>
+              <a:rPr lang="en-US" dirty="0"/>
+              <a:t>Cube (3)</a:t>
+            </a:r>
+          </a:p>
+          <a:p>
+            <a:pPr marL="742950" lvl="1" indent="-285750">
+              <a:buFont typeface="Arial" panose="020B0604020202020204" pitchFamily="34" charset="0"/>
+              <a:buChar char="•"/>
+            </a:pPr>
+            <a:r>
+              <a:rPr lang="en-US" dirty="0"/>
+              <a:t>Cube, Green (2)</a:t>
             </a:r>
           </a:p>
           <a:p>
@@ -10895,7 +10778,7 @@
             </a:pPr>
             <a:r>
               <a:rPr lang="en-US" dirty="0"/>
-              <a:t>Sphere, Red, Behind</a:t>
+              <a:t>Cube, Front </a:t>
             </a:r>
           </a:p>
           <a:p>
@@ -10905,37 +10788,7 @@
             </a:pPr>
             <a:r>
               <a:rPr lang="en-US" dirty="0"/>
-              <a:t>Sphere, Small</a:t>
-            </a:r>
-          </a:p>
-          <a:p>
-            <a:pPr marL="285750" indent="-285750">
-              <a:buFont typeface="Arial" panose="020B0604020202020204" pitchFamily="34" charset="0"/>
-              <a:buChar char="•"/>
-            </a:pPr>
-            <a:r>
-              <a:rPr lang="en-US" dirty="0"/>
-              <a:t>Sphere, Red</a:t>
-            </a:r>
-          </a:p>
-          <a:p>
-            <a:pPr marL="285750" indent="-285750">
-              <a:buFont typeface="Arial" panose="020B0604020202020204" pitchFamily="34" charset="0"/>
-              <a:buChar char="•"/>
-            </a:pPr>
-            <a:r>
-              <a:rPr lang="en-US" dirty="0"/>
-              <a:t>Small Red,</a:t>
-            </a:r>
-          </a:p>
-          <a:p>
-            <a:pPr marL="285750" indent="-285750">
-              <a:buFont typeface="Arial" panose="020B0604020202020204" pitchFamily="34" charset="0"/>
-              <a:buChar char="•"/>
-            </a:pPr>
-            <a:r>
-              <a:rPr lang="en-US" dirty="0"/>
-              <a:t>Sphere, Small, Red</a:t>
+              <a:t>Cube, Big, Front</a:t>
             </a:r>
           </a:p>
         </p:txBody>
@@ -10945,7 +10798,7 @@
           <p:cNvPr id="4" name="TextBox 3">
             <a:extLst>
               <a:ext uri="{FF2B5EF4-FFF2-40B4-BE49-F238E27FC236}">
-                <a16:creationId xmlns:a16="http://schemas.microsoft.com/office/drawing/2014/main" id="{887F491C-B8A4-AC40-8467-CC280FAD66D7}"/>
+                <a16:creationId xmlns:a16="http://schemas.microsoft.com/office/drawing/2014/main" id="{AA39B9DA-1915-347A-DF50-A6A1B1AD827F}"/>
               </a:ext>
             </a:extLst>
           </p:cNvPr>
@@ -10954,8 +10807,8 @@
         </p:nvSpPr>
         <p:spPr>
           <a:xfrm>
-            <a:off x="6977898" y="4153956"/>
-            <a:ext cx="1012503" cy="369332"/>
+            <a:off x="7294892" y="5334327"/>
+            <a:ext cx="1186140" cy="369332"/>
           </a:xfrm>
           <a:prstGeom prst="rect">
             <a:avLst/>
@@ -10970,56 +10823,7 @@
           <a:p>
             <a:r>
               <a:rPr lang="en-US" dirty="0"/>
-              <a:t>9 rules</a:t>
-            </a:r>
-          </a:p>
-        </p:txBody>
-      </p:sp>
-      <p:sp>
-        <p:nvSpPr>
-          <p:cNvPr id="26" name="Oval 25">
-            <a:extLst>
-              <a:ext uri="{FF2B5EF4-FFF2-40B4-BE49-F238E27FC236}">
-                <a16:creationId xmlns:a16="http://schemas.microsoft.com/office/drawing/2014/main" id="{5D26DD76-FFF7-A832-FD87-4674211A33AF}"/>
-              </a:ext>
-            </a:extLst>
-          </p:cNvPr>
-          <p:cNvSpPr/>
-          <p:nvPr/>
-        </p:nvSpPr>
-        <p:spPr>
-          <a:xfrm>
-            <a:off x="615154" y="5018792"/>
-            <a:ext cx="405233" cy="420414"/>
-          </a:xfrm>
-          <a:prstGeom prst="ellipse">
-            <a:avLst/>
-          </a:prstGeom>
-        </p:spPr>
-        <p:style>
-          <a:lnRef idx="2">
-            <a:schemeClr val="accent1">
-              <a:shade val="50000"/>
-            </a:schemeClr>
-          </a:lnRef>
-          <a:fillRef idx="1">
-            <a:schemeClr val="accent1"/>
-          </a:fillRef>
-          <a:effectRef idx="0">
-            <a:schemeClr val="accent1"/>
-          </a:effectRef>
-          <a:fontRef idx="minor">
-            <a:schemeClr val="lt1"/>
-          </a:fontRef>
-        </p:style>
-        <p:txBody>
-          <a:bodyPr rtlCol="0" anchor="ctr"/>
-          <a:lstStyle/>
-          <a:p>
-            <a:pPr algn="ctr"/>
-            <a:r>
-              <a:rPr lang="en-US" dirty="0"/>
-              <a:t>C</a:t>
+              <a:t>7 rules</a:t>
             </a:r>
           </a:p>
         </p:txBody>
@@ -11027,7 +10831,7 @@
     </p:spTree>
     <p:extLst>
       <p:ext uri="{BB962C8B-B14F-4D97-AF65-F5344CB8AC3E}">
-        <p14:creationId xmlns:p14="http://schemas.microsoft.com/office/powerpoint/2010/main" val="2932168644"/>
+        <p14:creationId xmlns:p14="http://schemas.microsoft.com/office/powerpoint/2010/main" val="2111177412"/>
       </p:ext>
     </p:extLst>
   </p:cSld>
@@ -12053,10 +11857,10 @@
       </p:sp>
       <p:sp>
         <p:nvSpPr>
-          <p:cNvPr id="14" name="TextBox 13">
-            <a:extLst>
-              <a:ext uri="{FF2B5EF4-FFF2-40B4-BE49-F238E27FC236}">
-                <a16:creationId xmlns:a16="http://schemas.microsoft.com/office/drawing/2014/main" id="{77D7668C-374B-DD95-6723-44C959CECB4E}"/>
+          <p:cNvPr id="12" name="TextBox 11">
+            <a:extLst>
+              <a:ext uri="{FF2B5EF4-FFF2-40B4-BE49-F238E27FC236}">
+                <a16:creationId xmlns:a16="http://schemas.microsoft.com/office/drawing/2014/main" id="{4A5DC98C-CEC8-CAEC-15C2-E88D0D5706D9}"/>
               </a:ext>
             </a:extLst>
           </p:cNvPr>
@@ -12065,8 +11869,8 @@
         </p:nvSpPr>
         <p:spPr>
           <a:xfrm>
-            <a:off x="6977898" y="1440245"/>
-            <a:ext cx="2892905" cy="4247317"/>
+            <a:off x="6601801" y="498440"/>
+            <a:ext cx="4442537" cy="369332"/>
           </a:xfrm>
           <a:prstGeom prst="rect">
             <a:avLst/>
@@ -12081,6 +11885,41 @@
           <a:p>
             <a:r>
               <a:rPr lang="en-US" dirty="0"/>
+              <a:t>First, search attribute by attribute</a:t>
+            </a:r>
+          </a:p>
+        </p:txBody>
+      </p:sp>
+      <p:sp>
+        <p:nvSpPr>
+          <p:cNvPr id="14" name="TextBox 13">
+            <a:extLst>
+              <a:ext uri="{FF2B5EF4-FFF2-40B4-BE49-F238E27FC236}">
+                <a16:creationId xmlns:a16="http://schemas.microsoft.com/office/drawing/2014/main" id="{77D7668C-374B-DD95-6723-44C959CECB4E}"/>
+              </a:ext>
+            </a:extLst>
+          </p:cNvPr>
+          <p:cNvSpPr txBox="1"/>
+          <p:nvPr/>
+        </p:nvSpPr>
+        <p:spPr>
+          <a:xfrm>
+            <a:off x="6977898" y="1079703"/>
+            <a:ext cx="2892905" cy="2862322"/>
+          </a:xfrm>
+          <a:prstGeom prst="rect">
+            <a:avLst/>
+          </a:prstGeom>
+          <a:noFill/>
+        </p:spPr>
+        <p:txBody>
+          <a:bodyPr wrap="square" rtlCol="0">
+            <a:spAutoFit/>
+          </a:bodyPr>
+          <a:lstStyle/>
+          <a:p>
+            <a:r>
+              <a:rPr lang="en-US" dirty="0"/>
               <a:t>Rules can be found</a:t>
             </a:r>
           </a:p>
@@ -12095,26 +11934,6 @@
             </a:r>
           </a:p>
           <a:p>
-            <a:pPr marL="742950" lvl="1" indent="-285750">
-              <a:buFont typeface="Arial" panose="020B0604020202020204" pitchFamily="34" charset="0"/>
-              <a:buChar char="•"/>
-            </a:pPr>
-            <a:r>
-              <a:rPr lang="en-US" dirty="0"/>
-              <a:t>Blue (2)</a:t>
-            </a:r>
-          </a:p>
-          <a:p>
-            <a:pPr marL="742950" lvl="1" indent="-285750">
-              <a:buFont typeface="Arial" panose="020B0604020202020204" pitchFamily="34" charset="0"/>
-              <a:buChar char="•"/>
-            </a:pPr>
-            <a:r>
-              <a:rPr lang="en-US" dirty="0"/>
-              <a:t>Blue Front (1)</a:t>
-            </a:r>
-          </a:p>
-          <a:p>
             <a:pPr marL="285750" indent="-285750">
               <a:buFont typeface="Arial" panose="020B0604020202020204" pitchFamily="34" charset="0"/>
               <a:buChar char="•"/>
@@ -12175,43 +11994,13 @@
             </a:r>
           </a:p>
           <a:p>
-            <a:pPr marL="742950" lvl="1" indent="-285750">
-              <a:buFont typeface="Arial" panose="020B0604020202020204" pitchFamily="34" charset="0"/>
-              <a:buChar char="•"/>
-            </a:pPr>
-            <a:r>
-              <a:rPr lang="en-US" dirty="0"/>
-              <a:t>Small (3)</a:t>
-            </a:r>
-          </a:p>
-          <a:p>
-            <a:pPr marL="742950" lvl="1" indent="-285750">
-              <a:buFont typeface="Arial" panose="020B0604020202020204" pitchFamily="34" charset="0"/>
-              <a:buChar char="•"/>
-            </a:pPr>
-            <a:r>
-              <a:rPr lang="en-US" dirty="0"/>
-              <a:t>Small Right (1)</a:t>
-            </a:r>
-          </a:p>
-          <a:p>
             <a:pPr marL="285750" indent="-285750">
               <a:buFont typeface="Arial" panose="020B0604020202020204" pitchFamily="34" charset="0"/>
               <a:buChar char="•"/>
             </a:pPr>
             <a:r>
               <a:rPr lang="en-US" dirty="0"/>
-              <a:t>Small Red</a:t>
-            </a:r>
-          </a:p>
-          <a:p>
-            <a:pPr marL="742950" lvl="1" indent="-285750">
-              <a:buFont typeface="Arial" panose="020B0604020202020204" pitchFamily="34" charset="0"/>
-              <a:buChar char="•"/>
-            </a:pPr>
-            <a:r>
-              <a:rPr lang="en-US" dirty="0"/>
-              <a:t>Sphere, Right (1)</a:t>
+              <a:t>Small Red,</a:t>
             </a:r>
           </a:p>
           <a:p>
@@ -12240,7 +12029,7 @@
         </p:nvSpPr>
         <p:spPr>
           <a:xfrm>
-            <a:off x="6977898" y="5934492"/>
+            <a:off x="6977898" y="4153956"/>
             <a:ext cx="1012503" cy="369332"/>
           </a:xfrm>
           <a:prstGeom prst="rect">
@@ -12256,7 +12045,7 @@
           <a:p>
             <a:r>
               <a:rPr lang="en-US" dirty="0"/>
-              <a:t>5 rules</a:t>
+              <a:t>9 rules</a:t>
             </a:r>
           </a:p>
         </p:txBody>
@@ -12310,51 +12099,10 @@
           </a:p>
         </p:txBody>
       </p:sp>
-      <p:sp>
-        <p:nvSpPr>
-          <p:cNvPr id="2" name="TextBox 1">
-            <a:extLst>
-              <a:ext uri="{FF2B5EF4-FFF2-40B4-BE49-F238E27FC236}">
-                <a16:creationId xmlns:a16="http://schemas.microsoft.com/office/drawing/2014/main" id="{CA64DCF3-DAA5-8513-6D8C-2D48A5668748}"/>
-              </a:ext>
-            </a:extLst>
-          </p:cNvPr>
-          <p:cNvSpPr txBox="1"/>
-          <p:nvPr/>
-        </p:nvSpPr>
-        <p:spPr>
-          <a:xfrm>
-            <a:off x="6822518" y="487384"/>
-            <a:ext cx="4442537" cy="646331"/>
-          </a:xfrm>
-          <a:prstGeom prst="rect">
-            <a:avLst/>
-          </a:prstGeom>
-          <a:noFill/>
-        </p:spPr>
-        <p:txBody>
-          <a:bodyPr wrap="square" rtlCol="0">
-            <a:spAutoFit/>
-          </a:bodyPr>
-          <a:lstStyle/>
-          <a:p>
-            <a:r>
-              <a:rPr lang="en-US" dirty="0"/>
-              <a:t>First, search attribute by attribute</a:t>
-            </a:r>
-          </a:p>
-          <a:p>
-            <a:r>
-              <a:rPr lang="en-US" dirty="0"/>
-              <a:t>Then, add attributes as  priors to each rules</a:t>
-            </a:r>
-          </a:p>
-        </p:txBody>
-      </p:sp>
     </p:spTree>
     <p:extLst>
       <p:ext uri="{BB962C8B-B14F-4D97-AF65-F5344CB8AC3E}">
-        <p14:creationId xmlns:p14="http://schemas.microsoft.com/office/powerpoint/2010/main" val="3475406260"/>
+        <p14:creationId xmlns:p14="http://schemas.microsoft.com/office/powerpoint/2010/main" val="2932168644"/>
       </p:ext>
     </p:extLst>
   </p:cSld>
@@ -12383,15 +12131,15 @@
       </p:grpSpPr>
       <p:pic>
         <p:nvPicPr>
-          <p:cNvPr id="2" name="Picture 2">
-            <a:extLst>
-              <a:ext uri="{FF2B5EF4-FFF2-40B4-BE49-F238E27FC236}">
-                <a16:creationId xmlns:a16="http://schemas.microsoft.com/office/drawing/2014/main" id="{2173C773-10D5-2FE3-0482-D71CF55B926A}"/>
+          <p:cNvPr id="25" name="Picture 24">
+            <a:extLst>
+              <a:ext uri="{FF2B5EF4-FFF2-40B4-BE49-F238E27FC236}">
+                <a16:creationId xmlns:a16="http://schemas.microsoft.com/office/drawing/2014/main" id="{0F1B27DF-2D2E-8860-533F-120F28114A7F}"/>
               </a:ext>
             </a:extLst>
           </p:cNvPr>
           <p:cNvPicPr>
-            <a:picLocks noChangeAspect="1" noChangeArrowheads="1"/>
+            <a:picLocks noChangeAspect="1"/>
           </p:cNvPicPr>
           <p:nvPr/>
         </p:nvPicPr>
@@ -12403,42 +12151,31 @@
               </a:ext>
             </a:extLst>
           </a:blip>
-          <a:srcRect/>
           <a:stretch>
             <a:fillRect/>
           </a:stretch>
         </p:blipFill>
-        <p:spPr bwMode="auto">
-          <a:xfrm>
-            <a:off x="73187" y="188784"/>
-            <a:ext cx="3038885" cy="2026236"/>
+        <p:spPr>
+          <a:xfrm>
+            <a:off x="356539" y="4734367"/>
+            <a:ext cx="2019600" cy="2019600"/>
           </a:xfrm>
           <a:prstGeom prst="rect">
             <a:avLst/>
           </a:prstGeom>
-          <a:noFill/>
-          <a:extLst>
-            <a:ext uri="{909E8E84-426E-40DD-AFC4-6F175D3DCCD1}">
-              <a14:hiddenFill xmlns:a14="http://schemas.microsoft.com/office/drawing/2010/main">
-                <a:solidFill>
-                  <a:srgbClr val="FFFFFF"/>
-                </a:solidFill>
-              </a14:hiddenFill>
-            </a:ext>
-          </a:extLst>
         </p:spPr>
       </p:pic>
       <p:pic>
         <p:nvPicPr>
-          <p:cNvPr id="7" name="Picture 4">
-            <a:extLst>
-              <a:ext uri="{FF2B5EF4-FFF2-40B4-BE49-F238E27FC236}">
-                <a16:creationId xmlns:a16="http://schemas.microsoft.com/office/drawing/2014/main" id="{0C336ECA-0517-9C03-462B-76648529BA81}"/>
+          <p:cNvPr id="13" name="Picture 12" descr="A picture containing vector graphics&#10;&#10;Description automatically generated">
+            <a:extLst>
+              <a:ext uri="{FF2B5EF4-FFF2-40B4-BE49-F238E27FC236}">
+                <a16:creationId xmlns:a16="http://schemas.microsoft.com/office/drawing/2014/main" id="{F585A31C-DB00-684D-FD72-D1A8398A0EEC}"/>
               </a:ext>
             </a:extLst>
           </p:cNvPr>
           <p:cNvPicPr>
-            <a:picLocks noChangeAspect="1" noChangeArrowheads="1"/>
+            <a:picLocks noChangeAspect="1"/>
           </p:cNvPicPr>
           <p:nvPr/>
         </p:nvPicPr>
@@ -12450,42 +12187,31 @@
               </a:ext>
             </a:extLst>
           </a:blip>
-          <a:srcRect/>
           <a:stretch>
             <a:fillRect/>
           </a:stretch>
         </p:blipFill>
-        <p:spPr bwMode="auto">
-          <a:xfrm>
-            <a:off x="73188" y="2323650"/>
-            <a:ext cx="2856390" cy="2137468"/>
+        <p:spPr>
+          <a:xfrm>
+            <a:off x="381188" y="2729268"/>
+            <a:ext cx="2019600" cy="2019600"/>
           </a:xfrm>
           <a:prstGeom prst="rect">
             <a:avLst/>
           </a:prstGeom>
-          <a:noFill/>
-          <a:extLst>
-            <a:ext uri="{909E8E84-426E-40DD-AFC4-6F175D3DCCD1}">
-              <a14:hiddenFill xmlns:a14="http://schemas.microsoft.com/office/drawing/2010/main">
-                <a:solidFill>
-                  <a:srgbClr val="FFFFFF"/>
-                </a:solidFill>
-              </a14:hiddenFill>
-            </a:ext>
-          </a:extLst>
         </p:spPr>
       </p:pic>
       <p:pic>
         <p:nvPicPr>
-          <p:cNvPr id="8" name="Picture 6">
-            <a:extLst>
-              <a:ext uri="{FF2B5EF4-FFF2-40B4-BE49-F238E27FC236}">
-                <a16:creationId xmlns:a16="http://schemas.microsoft.com/office/drawing/2014/main" id="{D75CCB94-0794-BF1E-825F-4D31AF7C35B0}"/>
+          <p:cNvPr id="5" name="Picture 4">
+            <a:extLst>
+              <a:ext uri="{FF2B5EF4-FFF2-40B4-BE49-F238E27FC236}">
+                <a16:creationId xmlns:a16="http://schemas.microsoft.com/office/drawing/2014/main" id="{8B2CD27F-C52C-2F1C-A79B-EFE9DC8ADEDD}"/>
               </a:ext>
             </a:extLst>
           </p:cNvPr>
           <p:cNvPicPr>
-            <a:picLocks noChangeAspect="1" noChangeArrowheads="1"/>
+            <a:picLocks noChangeAspect="1"/>
           </p:cNvPicPr>
           <p:nvPr/>
         </p:nvPicPr>
@@ -12497,29 +12223,18 @@
               </a:ext>
             </a:extLst>
           </a:blip>
-          <a:srcRect/>
           <a:stretch>
             <a:fillRect/>
           </a:stretch>
         </p:blipFill>
-        <p:spPr bwMode="auto">
-          <a:xfrm>
-            <a:off x="73187" y="4569748"/>
-            <a:ext cx="3038886" cy="2155663"/>
+        <p:spPr>
+          <a:xfrm>
+            <a:off x="396637" y="625621"/>
+            <a:ext cx="2019600" cy="2019600"/>
           </a:xfrm>
           <a:prstGeom prst="rect">
             <a:avLst/>
           </a:prstGeom>
-          <a:noFill/>
-          <a:extLst>
-            <a:ext uri="{909E8E84-426E-40DD-AFC4-6F175D3DCCD1}">
-              <a14:hiddenFill xmlns:a14="http://schemas.microsoft.com/office/drawing/2010/main">
-                <a:solidFill>
-                  <a:srgbClr val="FFFFFF"/>
-                </a:solidFill>
-              </a14:hiddenFill>
-            </a:ext>
-          </a:extLst>
         </p:spPr>
       </p:pic>
       <p:sp>
@@ -12536,7 +12251,7 @@
         </p:nvSpPr>
         <p:spPr>
           <a:xfrm>
-            <a:off x="3071791" y="883750"/>
+            <a:off x="2616863" y="962846"/>
             <a:ext cx="3422322" cy="1200329"/>
           </a:xfrm>
           <a:prstGeom prst="rect">
@@ -12989,7 +12704,7 @@
         </p:nvSpPr>
         <p:spPr>
           <a:xfrm>
-            <a:off x="3154930" y="2921446"/>
+            <a:off x="2588006" y="2984941"/>
             <a:ext cx="3422322" cy="1200329"/>
           </a:xfrm>
           <a:prstGeom prst="rect">
@@ -13119,6 +12834,41 @@
           </a:p>
           <a:p>
             <a:endParaRPr lang="en-US" dirty="0"/>
+          </a:p>
+        </p:txBody>
+      </p:sp>
+      <p:sp>
+        <p:nvSpPr>
+          <p:cNvPr id="3" name="TextBox 2">
+            <a:extLst>
+              <a:ext uri="{FF2B5EF4-FFF2-40B4-BE49-F238E27FC236}">
+                <a16:creationId xmlns:a16="http://schemas.microsoft.com/office/drawing/2014/main" id="{B5C314BA-CA09-0A3A-C4A3-97F4CD6E4B9A}"/>
+              </a:ext>
+            </a:extLst>
+          </p:cNvPr>
+          <p:cNvSpPr txBox="1"/>
+          <p:nvPr/>
+        </p:nvSpPr>
+        <p:spPr>
+          <a:xfrm>
+            <a:off x="1012828" y="49730"/>
+            <a:ext cx="655503" cy="369332"/>
+          </a:xfrm>
+          <a:prstGeom prst="rect">
+            <a:avLst/>
+          </a:prstGeom>
+          <a:noFill/>
+        </p:spPr>
+        <p:txBody>
+          <a:bodyPr wrap="square" rtlCol="0">
+            <a:spAutoFit/>
+          </a:bodyPr>
+          <a:lstStyle/>
+          <a:p>
+            <a:r>
+              <a:rPr lang="en-US" dirty="0"/>
+              <a:t>Train</a:t>
+            </a:r>
           </a:p>
         </p:txBody>
       </p:sp>
@@ -13234,7 +12984,7 @@
         </p:nvSpPr>
         <p:spPr>
           <a:xfrm>
-            <a:off x="3320950" y="5331833"/>
+            <a:off x="2673678" y="5380494"/>
             <a:ext cx="3422322" cy="923330"/>
           </a:xfrm>
           <a:prstGeom prst="rect">
@@ -13378,10 +13128,10 @@
       </p:sp>
       <p:sp>
         <p:nvSpPr>
-          <p:cNvPr id="12" name="TextBox 11">
-            <a:extLst>
-              <a:ext uri="{FF2B5EF4-FFF2-40B4-BE49-F238E27FC236}">
-                <a16:creationId xmlns:a16="http://schemas.microsoft.com/office/drawing/2014/main" id="{4A5DC98C-CEC8-CAEC-15C2-E88D0D5706D9}"/>
+          <p:cNvPr id="14" name="TextBox 13">
+            <a:extLst>
+              <a:ext uri="{FF2B5EF4-FFF2-40B4-BE49-F238E27FC236}">
+                <a16:creationId xmlns:a16="http://schemas.microsoft.com/office/drawing/2014/main" id="{77D7668C-374B-DD95-6723-44C959CECB4E}"/>
               </a:ext>
             </a:extLst>
           </p:cNvPr>
@@ -13390,8 +13140,8 @@
         </p:nvSpPr>
         <p:spPr>
           <a:xfrm>
-            <a:off x="7442593" y="683106"/>
-            <a:ext cx="4442537" cy="369332"/>
+            <a:off x="6977898" y="1440245"/>
+            <a:ext cx="2892905" cy="4247317"/>
           </a:xfrm>
           <a:prstGeom prst="rect">
             <a:avLst/>
@@ -13406,17 +13156,157 @@
           <a:p>
             <a:r>
               <a:rPr lang="en-US" dirty="0"/>
-              <a:t>First, search attribute by attribute</a:t>
-            </a:r>
-          </a:p>
-        </p:txBody>
-      </p:sp>
-      <p:sp>
-        <p:nvSpPr>
-          <p:cNvPr id="14" name="TextBox 13">
-            <a:extLst>
-              <a:ext uri="{FF2B5EF4-FFF2-40B4-BE49-F238E27FC236}">
-                <a16:creationId xmlns:a16="http://schemas.microsoft.com/office/drawing/2014/main" id="{77D7668C-374B-DD95-6723-44C959CECB4E}"/>
+              <a:t>Rules can be found</a:t>
+            </a:r>
+          </a:p>
+          <a:p>
+            <a:pPr marL="285750" indent="-285750">
+              <a:buFont typeface="Arial" panose="020B0604020202020204" pitchFamily="34" charset="0"/>
+              <a:buChar char="•"/>
+            </a:pPr>
+            <a:r>
+              <a:rPr lang="en-US" dirty="0"/>
+              <a:t>Big, Cube</a:t>
+            </a:r>
+          </a:p>
+          <a:p>
+            <a:pPr marL="742950" lvl="1" indent="-285750">
+              <a:buFont typeface="Arial" panose="020B0604020202020204" pitchFamily="34" charset="0"/>
+              <a:buChar char="•"/>
+            </a:pPr>
+            <a:r>
+              <a:rPr lang="en-US" dirty="0"/>
+              <a:t>Blue (2)</a:t>
+            </a:r>
+          </a:p>
+          <a:p>
+            <a:pPr marL="742950" lvl="1" indent="-285750">
+              <a:buFont typeface="Arial" panose="020B0604020202020204" pitchFamily="34" charset="0"/>
+              <a:buChar char="•"/>
+            </a:pPr>
+            <a:r>
+              <a:rPr lang="en-US" dirty="0"/>
+              <a:t>Blue Front (1)</a:t>
+            </a:r>
+          </a:p>
+          <a:p>
+            <a:pPr marL="285750" indent="-285750">
+              <a:buFont typeface="Arial" panose="020B0604020202020204" pitchFamily="34" charset="0"/>
+              <a:buChar char="•"/>
+            </a:pPr>
+            <a:r>
+              <a:rPr lang="en-US" dirty="0"/>
+              <a:t>Big, Sphere</a:t>
+            </a:r>
+          </a:p>
+          <a:p>
+            <a:pPr marL="285750" indent="-285750">
+              <a:buFont typeface="Arial" panose="020B0604020202020204" pitchFamily="34" charset="0"/>
+              <a:buChar char="•"/>
+            </a:pPr>
+            <a:r>
+              <a:rPr lang="en-US" dirty="0"/>
+              <a:t>Sphere, Behind</a:t>
+            </a:r>
+          </a:p>
+          <a:p>
+            <a:pPr marL="285750" indent="-285750">
+              <a:buFont typeface="Arial" panose="020B0604020202020204" pitchFamily="34" charset="0"/>
+              <a:buChar char="•"/>
+            </a:pPr>
+            <a:r>
+              <a:rPr lang="en-US" dirty="0"/>
+              <a:t>Red, Behind</a:t>
+            </a:r>
+          </a:p>
+          <a:p>
+            <a:pPr marL="285750" indent="-285750">
+              <a:buFont typeface="Arial" panose="020B0604020202020204" pitchFamily="34" charset="0"/>
+              <a:buChar char="•"/>
+            </a:pPr>
+            <a:r>
+              <a:rPr lang="en-US" dirty="0"/>
+              <a:t>Sphere, Red, Behind</a:t>
+            </a:r>
+          </a:p>
+          <a:p>
+            <a:pPr marL="285750" indent="-285750">
+              <a:buFont typeface="Arial" panose="020B0604020202020204" pitchFamily="34" charset="0"/>
+              <a:buChar char="•"/>
+            </a:pPr>
+            <a:r>
+              <a:rPr lang="en-US" dirty="0"/>
+              <a:t>Sphere, Small</a:t>
+            </a:r>
+          </a:p>
+          <a:p>
+            <a:pPr marL="285750" indent="-285750">
+              <a:buFont typeface="Arial" panose="020B0604020202020204" pitchFamily="34" charset="0"/>
+              <a:buChar char="•"/>
+            </a:pPr>
+            <a:r>
+              <a:rPr lang="en-US" dirty="0"/>
+              <a:t>Sphere, Red</a:t>
+            </a:r>
+          </a:p>
+          <a:p>
+            <a:pPr marL="742950" lvl="1" indent="-285750">
+              <a:buFont typeface="Arial" panose="020B0604020202020204" pitchFamily="34" charset="0"/>
+              <a:buChar char="•"/>
+            </a:pPr>
+            <a:r>
+              <a:rPr lang="en-US" dirty="0"/>
+              <a:t>Small (3)</a:t>
+            </a:r>
+          </a:p>
+          <a:p>
+            <a:pPr marL="742950" lvl="1" indent="-285750">
+              <a:buFont typeface="Arial" panose="020B0604020202020204" pitchFamily="34" charset="0"/>
+              <a:buChar char="•"/>
+            </a:pPr>
+            <a:r>
+              <a:rPr lang="en-US" dirty="0"/>
+              <a:t>Small Right (1)</a:t>
+            </a:r>
+          </a:p>
+          <a:p>
+            <a:pPr marL="285750" indent="-285750">
+              <a:buFont typeface="Arial" panose="020B0604020202020204" pitchFamily="34" charset="0"/>
+              <a:buChar char="•"/>
+            </a:pPr>
+            <a:r>
+              <a:rPr lang="en-US" dirty="0"/>
+              <a:t>Small Red</a:t>
+            </a:r>
+          </a:p>
+          <a:p>
+            <a:pPr marL="742950" lvl="1" indent="-285750">
+              <a:buFont typeface="Arial" panose="020B0604020202020204" pitchFamily="34" charset="0"/>
+              <a:buChar char="•"/>
+            </a:pPr>
+            <a:r>
+              <a:rPr lang="en-US" dirty="0"/>
+              <a:t>Sphere, Right (1)</a:t>
+            </a:r>
+          </a:p>
+          <a:p>
+            <a:pPr marL="285750" indent="-285750">
+              <a:buFont typeface="Arial" panose="020B0604020202020204" pitchFamily="34" charset="0"/>
+              <a:buChar char="•"/>
+            </a:pPr>
+            <a:r>
+              <a:rPr lang="en-US" dirty="0"/>
+              <a:t>Sphere, Small, Red</a:t>
+            </a:r>
+          </a:p>
+        </p:txBody>
+      </p:sp>
+      <p:sp>
+        <p:nvSpPr>
+          <p:cNvPr id="4" name="TextBox 3">
+            <a:extLst>
+              <a:ext uri="{FF2B5EF4-FFF2-40B4-BE49-F238E27FC236}">
+                <a16:creationId xmlns:a16="http://schemas.microsoft.com/office/drawing/2014/main" id="{887F491C-B8A4-AC40-8467-CC280FAD66D7}"/>
               </a:ext>
             </a:extLst>
           </p:cNvPr>
@@ -13425,8 +13315,8 @@
         </p:nvSpPr>
         <p:spPr>
           <a:xfrm>
-            <a:off x="7908240" y="1352803"/>
-            <a:ext cx="2892905" cy="2862322"/>
+            <a:off x="6977898" y="5934492"/>
+            <a:ext cx="1012503" cy="369332"/>
           </a:xfrm>
           <a:prstGeom prst="rect">
             <a:avLst/>
@@ -13441,132 +13331,7 @@
           <a:p>
             <a:r>
               <a:rPr lang="en-US" dirty="0"/>
-              <a:t>Rules can be found</a:t>
-            </a:r>
-          </a:p>
-          <a:p>
-            <a:pPr marL="285750" indent="-285750">
-              <a:buFont typeface="Arial" panose="020B0604020202020204" pitchFamily="34" charset="0"/>
-              <a:buChar char="•"/>
-            </a:pPr>
-            <a:r>
-              <a:rPr lang="en-US" dirty="0"/>
-              <a:t>Big, Cube</a:t>
-            </a:r>
-          </a:p>
-          <a:p>
-            <a:pPr marL="285750" indent="-285750">
-              <a:buFont typeface="Arial" panose="020B0604020202020204" pitchFamily="34" charset="0"/>
-              <a:buChar char="•"/>
-            </a:pPr>
-            <a:r>
-              <a:rPr lang="en-US" dirty="0"/>
-              <a:t>Big, Sphere</a:t>
-            </a:r>
-          </a:p>
-          <a:p>
-            <a:pPr marL="285750" indent="-285750">
-              <a:buFont typeface="Arial" panose="020B0604020202020204" pitchFamily="34" charset="0"/>
-              <a:buChar char="•"/>
-            </a:pPr>
-            <a:r>
-              <a:rPr lang="en-US" dirty="0"/>
-              <a:t>Sphere, Behind</a:t>
-            </a:r>
-          </a:p>
-          <a:p>
-            <a:pPr marL="285750" indent="-285750">
-              <a:buFont typeface="Arial" panose="020B0604020202020204" pitchFamily="34" charset="0"/>
-              <a:buChar char="•"/>
-            </a:pPr>
-            <a:r>
-              <a:rPr lang="en-US" dirty="0"/>
-              <a:t>Red, Behind</a:t>
-            </a:r>
-          </a:p>
-          <a:p>
-            <a:pPr marL="285750" indent="-285750">
-              <a:buFont typeface="Arial" panose="020B0604020202020204" pitchFamily="34" charset="0"/>
-              <a:buChar char="•"/>
-            </a:pPr>
-            <a:r>
-              <a:rPr lang="en-US" dirty="0"/>
-              <a:t>Sphere, Red, Behind</a:t>
-            </a:r>
-          </a:p>
-          <a:p>
-            <a:pPr marL="285750" indent="-285750">
-              <a:buFont typeface="Arial" panose="020B0604020202020204" pitchFamily="34" charset="0"/>
-              <a:buChar char="•"/>
-            </a:pPr>
-            <a:r>
-              <a:rPr lang="en-US" dirty="0"/>
-              <a:t>Sphere, Small</a:t>
-            </a:r>
-          </a:p>
-          <a:p>
-            <a:pPr marL="285750" indent="-285750">
-              <a:buFont typeface="Arial" panose="020B0604020202020204" pitchFamily="34" charset="0"/>
-              <a:buChar char="•"/>
-            </a:pPr>
-            <a:r>
-              <a:rPr lang="en-US" dirty="0"/>
-              <a:t>Sphere, Red</a:t>
-            </a:r>
-          </a:p>
-          <a:p>
-            <a:pPr marL="285750" indent="-285750">
-              <a:buFont typeface="Arial" panose="020B0604020202020204" pitchFamily="34" charset="0"/>
-              <a:buChar char="•"/>
-            </a:pPr>
-            <a:r>
-              <a:rPr lang="en-US" dirty="0"/>
-              <a:t>Small Red,</a:t>
-            </a:r>
-          </a:p>
-          <a:p>
-            <a:pPr marL="285750" indent="-285750">
-              <a:buFont typeface="Arial" panose="020B0604020202020204" pitchFamily="34" charset="0"/>
-              <a:buChar char="•"/>
-            </a:pPr>
-            <a:r>
-              <a:rPr lang="en-US" dirty="0"/>
-              <a:t>Sphere, Small, Red</a:t>
-            </a:r>
-          </a:p>
-        </p:txBody>
-      </p:sp>
-      <p:sp>
-        <p:nvSpPr>
-          <p:cNvPr id="4" name="TextBox 3">
-            <a:extLst>
-              <a:ext uri="{FF2B5EF4-FFF2-40B4-BE49-F238E27FC236}">
-                <a16:creationId xmlns:a16="http://schemas.microsoft.com/office/drawing/2014/main" id="{887F491C-B8A4-AC40-8467-CC280FAD66D7}"/>
-              </a:ext>
-            </a:extLst>
-          </p:cNvPr>
-          <p:cNvSpPr txBox="1"/>
-          <p:nvPr/>
-        </p:nvSpPr>
-        <p:spPr>
-          <a:xfrm>
-            <a:off x="7908240" y="4569748"/>
-            <a:ext cx="1012503" cy="369332"/>
-          </a:xfrm>
-          <a:prstGeom prst="rect">
-            <a:avLst/>
-          </a:prstGeom>
-          <a:noFill/>
-        </p:spPr>
-        <p:txBody>
-          <a:bodyPr wrap="square" rtlCol="0">
-            <a:spAutoFit/>
-          </a:bodyPr>
-          <a:lstStyle/>
-          <a:p>
-            <a:r>
-              <a:rPr lang="en-US" dirty="0"/>
-              <a:t>9 rules</a:t>
+              <a:t>5 rules</a:t>
             </a:r>
           </a:p>
         </p:txBody>
@@ -13620,10 +13385,51 @@
           </a:p>
         </p:txBody>
       </p:sp>
+      <p:sp>
+        <p:nvSpPr>
+          <p:cNvPr id="2" name="TextBox 1">
+            <a:extLst>
+              <a:ext uri="{FF2B5EF4-FFF2-40B4-BE49-F238E27FC236}">
+                <a16:creationId xmlns:a16="http://schemas.microsoft.com/office/drawing/2014/main" id="{CA64DCF3-DAA5-8513-6D8C-2D48A5668748}"/>
+              </a:ext>
+            </a:extLst>
+          </p:cNvPr>
+          <p:cNvSpPr txBox="1"/>
+          <p:nvPr/>
+        </p:nvSpPr>
+        <p:spPr>
+          <a:xfrm>
+            <a:off x="6822518" y="487384"/>
+            <a:ext cx="4442537" cy="646331"/>
+          </a:xfrm>
+          <a:prstGeom prst="rect">
+            <a:avLst/>
+          </a:prstGeom>
+          <a:noFill/>
+        </p:spPr>
+        <p:txBody>
+          <a:bodyPr wrap="square" rtlCol="0">
+            <a:spAutoFit/>
+          </a:bodyPr>
+          <a:lstStyle/>
+          <a:p>
+            <a:r>
+              <a:rPr lang="en-US" dirty="0"/>
+              <a:t>First, search attribute by attribute</a:t>
+            </a:r>
+          </a:p>
+          <a:p>
+            <a:r>
+              <a:rPr lang="en-US" dirty="0"/>
+              <a:t>Then, add attributes as  priors to each rules</a:t>
+            </a:r>
+          </a:p>
+        </p:txBody>
+      </p:sp>
     </p:spTree>
     <p:extLst>
       <p:ext uri="{BB962C8B-B14F-4D97-AF65-F5344CB8AC3E}">
-        <p14:creationId xmlns:p14="http://schemas.microsoft.com/office/powerpoint/2010/main" val="2674403913"/>
+        <p14:creationId xmlns:p14="http://schemas.microsoft.com/office/powerpoint/2010/main" val="3475406260"/>
       </p:ext>
     </p:extLst>
   </p:cSld>
@@ -15457,7 +15263,7 @@
     </p:spTree>
     <p:extLst>
       <p:ext uri="{BB962C8B-B14F-4D97-AF65-F5344CB8AC3E}">
-        <p14:creationId xmlns:p14="http://schemas.microsoft.com/office/powerpoint/2010/main" val="936425008"/>
+        <p14:creationId xmlns:p14="http://schemas.microsoft.com/office/powerpoint/2010/main" val="2674403913"/>
       </p:ext>
     </p:extLst>
   </p:cSld>
@@ -15484,12 +15290,153 @@
           <a:chExt cx="0" cy="0"/>
         </a:xfrm>
       </p:grpSpPr>
-      <p:sp>
-        <p:nvSpPr>
-          <p:cNvPr id="4" name="TextBox 3">
-            <a:extLst>
-              <a:ext uri="{FF2B5EF4-FFF2-40B4-BE49-F238E27FC236}">
-                <a16:creationId xmlns:a16="http://schemas.microsoft.com/office/drawing/2014/main" id="{BA8162A7-CA46-E5D9-CD66-53849C6285C6}"/>
+      <p:pic>
+        <p:nvPicPr>
+          <p:cNvPr id="2" name="Picture 2">
+            <a:extLst>
+              <a:ext uri="{FF2B5EF4-FFF2-40B4-BE49-F238E27FC236}">
+                <a16:creationId xmlns:a16="http://schemas.microsoft.com/office/drawing/2014/main" id="{2173C773-10D5-2FE3-0482-D71CF55B926A}"/>
+              </a:ext>
+            </a:extLst>
+          </p:cNvPr>
+          <p:cNvPicPr>
+            <a:picLocks noChangeAspect="1" noChangeArrowheads="1"/>
+          </p:cNvPicPr>
+          <p:nvPr/>
+        </p:nvPicPr>
+        <p:blipFill>
+          <a:blip r:embed="rId2">
+            <a:extLst>
+              <a:ext uri="{28A0092B-C50C-407E-A947-70E740481C1C}">
+                <a14:useLocalDpi xmlns:a14="http://schemas.microsoft.com/office/drawing/2010/main" val="0"/>
+              </a:ext>
+            </a:extLst>
+          </a:blip>
+          <a:srcRect/>
+          <a:stretch>
+            <a:fillRect/>
+          </a:stretch>
+        </p:blipFill>
+        <p:spPr bwMode="auto">
+          <a:xfrm>
+            <a:off x="73187" y="188784"/>
+            <a:ext cx="3038885" cy="2026236"/>
+          </a:xfrm>
+          <a:prstGeom prst="rect">
+            <a:avLst/>
+          </a:prstGeom>
+          <a:noFill/>
+          <a:extLst>
+            <a:ext uri="{909E8E84-426E-40DD-AFC4-6F175D3DCCD1}">
+              <a14:hiddenFill xmlns:a14="http://schemas.microsoft.com/office/drawing/2010/main">
+                <a:solidFill>
+                  <a:srgbClr val="FFFFFF"/>
+                </a:solidFill>
+              </a14:hiddenFill>
+            </a:ext>
+          </a:extLst>
+        </p:spPr>
+      </p:pic>
+      <p:pic>
+        <p:nvPicPr>
+          <p:cNvPr id="7" name="Picture 4">
+            <a:extLst>
+              <a:ext uri="{FF2B5EF4-FFF2-40B4-BE49-F238E27FC236}">
+                <a16:creationId xmlns:a16="http://schemas.microsoft.com/office/drawing/2014/main" id="{0C336ECA-0517-9C03-462B-76648529BA81}"/>
+              </a:ext>
+            </a:extLst>
+          </p:cNvPr>
+          <p:cNvPicPr>
+            <a:picLocks noChangeAspect="1" noChangeArrowheads="1"/>
+          </p:cNvPicPr>
+          <p:nvPr/>
+        </p:nvPicPr>
+        <p:blipFill>
+          <a:blip r:embed="rId3">
+            <a:extLst>
+              <a:ext uri="{28A0092B-C50C-407E-A947-70E740481C1C}">
+                <a14:useLocalDpi xmlns:a14="http://schemas.microsoft.com/office/drawing/2010/main" val="0"/>
+              </a:ext>
+            </a:extLst>
+          </a:blip>
+          <a:srcRect/>
+          <a:stretch>
+            <a:fillRect/>
+          </a:stretch>
+        </p:blipFill>
+        <p:spPr bwMode="auto">
+          <a:xfrm>
+            <a:off x="73188" y="2323650"/>
+            <a:ext cx="2856390" cy="2137468"/>
+          </a:xfrm>
+          <a:prstGeom prst="rect">
+            <a:avLst/>
+          </a:prstGeom>
+          <a:noFill/>
+          <a:extLst>
+            <a:ext uri="{909E8E84-426E-40DD-AFC4-6F175D3DCCD1}">
+              <a14:hiddenFill xmlns:a14="http://schemas.microsoft.com/office/drawing/2010/main">
+                <a:solidFill>
+                  <a:srgbClr val="FFFFFF"/>
+                </a:solidFill>
+              </a14:hiddenFill>
+            </a:ext>
+          </a:extLst>
+        </p:spPr>
+      </p:pic>
+      <p:pic>
+        <p:nvPicPr>
+          <p:cNvPr id="8" name="Picture 6">
+            <a:extLst>
+              <a:ext uri="{FF2B5EF4-FFF2-40B4-BE49-F238E27FC236}">
+                <a16:creationId xmlns:a16="http://schemas.microsoft.com/office/drawing/2014/main" id="{D75CCB94-0794-BF1E-825F-4D31AF7C35B0}"/>
+              </a:ext>
+            </a:extLst>
+          </p:cNvPr>
+          <p:cNvPicPr>
+            <a:picLocks noChangeAspect="1" noChangeArrowheads="1"/>
+          </p:cNvPicPr>
+          <p:nvPr/>
+        </p:nvPicPr>
+        <p:blipFill>
+          <a:blip r:embed="rId4">
+            <a:extLst>
+              <a:ext uri="{28A0092B-C50C-407E-A947-70E740481C1C}">
+                <a14:useLocalDpi xmlns:a14="http://schemas.microsoft.com/office/drawing/2010/main" val="0"/>
+              </a:ext>
+            </a:extLst>
+          </a:blip>
+          <a:srcRect/>
+          <a:stretch>
+            <a:fillRect/>
+          </a:stretch>
+        </p:blipFill>
+        <p:spPr bwMode="auto">
+          <a:xfrm>
+            <a:off x="73187" y="4569748"/>
+            <a:ext cx="3038886" cy="2155663"/>
+          </a:xfrm>
+          <a:prstGeom prst="rect">
+            <a:avLst/>
+          </a:prstGeom>
+          <a:noFill/>
+          <a:extLst>
+            <a:ext uri="{909E8E84-426E-40DD-AFC4-6F175D3DCCD1}">
+              <a14:hiddenFill xmlns:a14="http://schemas.microsoft.com/office/drawing/2010/main">
+                <a:solidFill>
+                  <a:srgbClr val="FFFFFF"/>
+                </a:solidFill>
+              </a14:hiddenFill>
+            </a:ext>
+          </a:extLst>
+        </p:spPr>
+      </p:pic>
+      <p:sp>
+        <p:nvSpPr>
+          <p:cNvPr id="6" name="TextBox 5">
+            <a:extLst>
+              <a:ext uri="{FF2B5EF4-FFF2-40B4-BE49-F238E27FC236}">
+                <a16:creationId xmlns:a16="http://schemas.microsoft.com/office/drawing/2014/main" id="{353061C3-FEA3-E95B-5669-5CC96E1B21AE}"/>
               </a:ext>
             </a:extLst>
           </p:cNvPr>
@@ -15498,8 +15445,8 @@
         </p:nvSpPr>
         <p:spPr>
           <a:xfrm>
-            <a:off x="736100" y="730302"/>
-            <a:ext cx="5150992" cy="3139321"/>
+            <a:off x="3071791" y="883750"/>
+            <a:ext cx="3422322" cy="1200329"/>
           </a:xfrm>
           <a:prstGeom prst="rect">
             <a:avLst/>
@@ -15512,95 +15459,143 @@
           </a:bodyPr>
           <a:lstStyle/>
           <a:p>
-            <a:r>
-              <a:rPr lang="en-US" dirty="0"/>
-              <a:t>Imagine there is a new vacant bedroom, </a:t>
-            </a:r>
-          </a:p>
-          <a:p>
-            <a:r>
-              <a:rPr lang="en-US" dirty="0"/>
-              <a:t>Now, we put some furniture inside</a:t>
-            </a:r>
-          </a:p>
-          <a:p>
-            <a:pPr marL="285750" indent="-285750">
-              <a:buFont typeface="Arial" panose="020B0604020202020204" pitchFamily="34" charset="0"/>
-              <a:buChar char="•"/>
-            </a:pPr>
-            <a:r>
-              <a:rPr lang="en-US" dirty="0"/>
-              <a:t>A bed</a:t>
-            </a:r>
-          </a:p>
-          <a:p>
-            <a:pPr marL="285750" indent="-285750">
-              <a:buFont typeface="Arial" panose="020B0604020202020204" pitchFamily="34" charset="0"/>
-              <a:buChar char="•"/>
-            </a:pPr>
-            <a:r>
-              <a:rPr lang="en-US" dirty="0"/>
-              <a:t>A wardrobe</a:t>
-            </a:r>
-          </a:p>
-          <a:p>
-            <a:pPr marL="285750" indent="-285750">
-              <a:buFont typeface="Arial" panose="020B0604020202020204" pitchFamily="34" charset="0"/>
-              <a:buChar char="•"/>
-            </a:pPr>
-            <a:r>
-              <a:rPr lang="en-US" dirty="0"/>
-              <a:t>An armchair</a:t>
-            </a:r>
-          </a:p>
-          <a:p>
-            <a:pPr marL="285750" indent="-285750">
-              <a:buFont typeface="Arial" panose="020B0604020202020204" pitchFamily="34" charset="0"/>
-              <a:buChar char="•"/>
-            </a:pPr>
-            <a:r>
-              <a:rPr lang="en-US" dirty="0"/>
-              <a:t>A carpet</a:t>
-            </a:r>
-          </a:p>
-          <a:p>
-            <a:pPr marL="285750" indent="-285750">
-              <a:buFont typeface="Arial" panose="020B0604020202020204" pitchFamily="34" charset="0"/>
-              <a:buChar char="•"/>
-            </a:pPr>
-            <a:r>
-              <a:rPr lang="en-US" dirty="0"/>
-              <a:t>Two bedside tables</a:t>
-            </a:r>
-          </a:p>
-          <a:p>
-            <a:pPr marL="285750" indent="-285750">
-              <a:buFont typeface="Arial" panose="020B0604020202020204" pitchFamily="34" charset="0"/>
-              <a:buChar char="•"/>
-            </a:pPr>
+            <a:pPr marL="342900" indent="-342900">
+              <a:buAutoNum type="alphaUcPeriod"/>
+            </a:pPr>
+            <a:r>
+              <a:rPr lang="en-US" dirty="0">
+                <a:highlight>
+                  <a:srgbClr val="FFFF00"/>
+                </a:highlight>
+              </a:rPr>
+              <a:t>Cube</a:t>
+            </a:r>
+            <a:r>
+              <a:rPr lang="en-US" dirty="0"/>
+              <a:t>, </a:t>
+            </a:r>
+            <a:r>
+              <a:rPr lang="en-US" dirty="0">
+                <a:highlight>
+                  <a:srgbClr val="FFFF00"/>
+                </a:highlight>
+              </a:rPr>
+              <a:t>Big</a:t>
+            </a:r>
+            <a:r>
+              <a:rPr lang="en-US" dirty="0"/>
+              <a:t>, Blue, </a:t>
+            </a:r>
+            <a:r>
+              <a:rPr lang="en-US" dirty="0">
+                <a:highlight>
+                  <a:srgbClr val="FFFF00"/>
+                </a:highlight>
+              </a:rPr>
+              <a:t>Front</a:t>
+            </a:r>
+          </a:p>
+          <a:p>
+            <a:pPr marL="342900" indent="-342900">
+              <a:buAutoNum type="alphaUcPeriod"/>
+            </a:pPr>
+            <a:r>
+              <a:rPr lang="en-US" dirty="0">
+                <a:highlight>
+                  <a:srgbClr val="FFFF00"/>
+                </a:highlight>
+              </a:rPr>
+              <a:t>Sphere</a:t>
+            </a:r>
+            <a:r>
+              <a:rPr lang="en-US" dirty="0"/>
+              <a:t>, </a:t>
+            </a:r>
+            <a:r>
+              <a:rPr lang="en-US" dirty="0">
+                <a:highlight>
+                  <a:srgbClr val="FFFF00"/>
+                </a:highlight>
+              </a:rPr>
+              <a:t>Big</a:t>
+            </a:r>
+            <a:r>
+              <a:rPr lang="en-US" dirty="0"/>
+              <a:t>, </a:t>
+            </a:r>
+            <a:r>
+              <a:rPr lang="en-US" dirty="0">
+                <a:highlight>
+                  <a:srgbClr val="FFFF00"/>
+                </a:highlight>
+              </a:rPr>
+              <a:t>Red</a:t>
+            </a:r>
+            <a:r>
+              <a:rPr lang="en-US" dirty="0"/>
+              <a:t>, </a:t>
+            </a:r>
+            <a:r>
+              <a:rPr lang="en-US" dirty="0">
+                <a:highlight>
+                  <a:srgbClr val="FFFF00"/>
+                </a:highlight>
+              </a:rPr>
+              <a:t>Behind</a:t>
+            </a:r>
+          </a:p>
+          <a:p>
+            <a:pPr marL="342900" indent="-342900">
+              <a:buAutoNum type="alphaUcPeriod"/>
+            </a:pPr>
+            <a:r>
+              <a:rPr lang="en-US" dirty="0">
+                <a:highlight>
+                  <a:srgbClr val="FFFF00"/>
+                </a:highlight>
+              </a:rPr>
+              <a:t>Sphere</a:t>
+            </a:r>
+            <a:r>
+              <a:rPr lang="en-US" dirty="0"/>
+              <a:t>, </a:t>
+            </a:r>
+            <a:r>
+              <a:rPr lang="en-US" dirty="0">
+                <a:highlight>
+                  <a:srgbClr val="FFFF00"/>
+                </a:highlight>
+              </a:rPr>
+              <a:t>Small</a:t>
+            </a:r>
+            <a:r>
+              <a:rPr lang="en-US" dirty="0"/>
+              <a:t>, </a:t>
+            </a:r>
+            <a:r>
+              <a:rPr lang="en-US" dirty="0">
+                <a:highlight>
+                  <a:srgbClr val="FFFF00"/>
+                </a:highlight>
+              </a:rPr>
+              <a:t>Red</a:t>
+            </a:r>
+            <a:r>
+              <a:rPr lang="en-US" dirty="0"/>
+              <a:t>, Right</a:t>
+            </a:r>
+          </a:p>
+          <a:p>
             <a:endParaRPr lang="en-US" dirty="0"/>
           </a:p>
-          <a:p>
-            <a:pPr marL="285750" indent="-285750">
-              <a:buFont typeface="Arial" panose="020B0604020202020204" pitchFamily="34" charset="0"/>
-              <a:buChar char="•"/>
-            </a:pPr>
-            <a:endParaRPr lang="en-US" dirty="0"/>
-          </a:p>
-          <a:p>
-            <a:r>
-              <a:rPr lang="en-US" dirty="0"/>
-              <a:t>How to automatically decide the positions of these objects?</a:t>
-            </a:r>
-          </a:p>
-        </p:txBody>
-      </p:sp>
-      <p:sp>
-        <p:nvSpPr>
-          <p:cNvPr id="5" name="Oval 4">
-            <a:extLst>
-              <a:ext uri="{FF2B5EF4-FFF2-40B4-BE49-F238E27FC236}">
-                <a16:creationId xmlns:a16="http://schemas.microsoft.com/office/drawing/2014/main" id="{7016D2C4-C1DA-7C14-DE3A-2D43E503DED5}"/>
+        </p:txBody>
+      </p:sp>
+      <p:sp>
+        <p:nvSpPr>
+          <p:cNvPr id="17" name="Oval 16">
+            <a:extLst>
+              <a:ext uri="{FF2B5EF4-FFF2-40B4-BE49-F238E27FC236}">
+                <a16:creationId xmlns:a16="http://schemas.microsoft.com/office/drawing/2014/main" id="{6673F793-5107-84F5-1EFC-9F96C5152DF1}"/>
               </a:ext>
             </a:extLst>
           </p:cNvPr>
@@ -15609,7 +15604,7 @@
         </p:nvSpPr>
         <p:spPr>
           <a:xfrm>
-            <a:off x="1193814" y="5792707"/>
+            <a:off x="608188" y="1873872"/>
             <a:ext cx="405233" cy="420414"/>
           </a:xfrm>
           <a:prstGeom prst="ellipse">
@@ -15646,10 +15641,10 @@
       </p:sp>
       <p:sp>
         <p:nvSpPr>
-          <p:cNvPr id="6" name="Oval 5">
-            <a:extLst>
-              <a:ext uri="{FF2B5EF4-FFF2-40B4-BE49-F238E27FC236}">
-                <a16:creationId xmlns:a16="http://schemas.microsoft.com/office/drawing/2014/main" id="{79743750-3C5B-E257-AB51-D091010F16AB}"/>
+          <p:cNvPr id="18" name="Oval 17">
+            <a:extLst>
+              <a:ext uri="{FF2B5EF4-FFF2-40B4-BE49-F238E27FC236}">
+                <a16:creationId xmlns:a16="http://schemas.microsoft.com/office/drawing/2014/main" id="{D0D73A21-5B4E-ABCA-68EA-71F9B38C43C6}"/>
               </a:ext>
             </a:extLst>
           </p:cNvPr>
@@ -15658,7 +15653,7 @@
         </p:nvSpPr>
         <p:spPr>
           <a:xfrm>
-            <a:off x="2601374" y="6002914"/>
+            <a:off x="810804" y="1210420"/>
             <a:ext cx="405233" cy="420414"/>
           </a:xfrm>
           <a:prstGeom prst="ellipse">
@@ -15695,10 +15690,10 @@
       </p:sp>
       <p:sp>
         <p:nvSpPr>
-          <p:cNvPr id="7" name="Oval 6">
-            <a:extLst>
-              <a:ext uri="{FF2B5EF4-FFF2-40B4-BE49-F238E27FC236}">
-                <a16:creationId xmlns:a16="http://schemas.microsoft.com/office/drawing/2014/main" id="{D3F11292-5AEB-03A5-870C-046C6A8F83A7}"/>
+          <p:cNvPr id="19" name="Oval 18">
+            <a:extLst>
+              <a:ext uri="{FF2B5EF4-FFF2-40B4-BE49-F238E27FC236}">
+                <a16:creationId xmlns:a16="http://schemas.microsoft.com/office/drawing/2014/main" id="{13BE3EF0-293C-F0D3-60A0-2DF596361A8F}"/>
               </a:ext>
             </a:extLst>
           </p:cNvPr>
@@ -15707,7 +15702,7 @@
         </p:nvSpPr>
         <p:spPr>
           <a:xfrm>
-            <a:off x="3706465" y="6002914"/>
+            <a:off x="1887940" y="1352803"/>
             <a:ext cx="405233" cy="420414"/>
           </a:xfrm>
           <a:prstGeom prst="ellipse">
@@ -15744,10 +15739,157 @@
       </p:sp>
       <p:sp>
         <p:nvSpPr>
-          <p:cNvPr id="10" name="TextBox 9">
-            <a:extLst>
-              <a:ext uri="{FF2B5EF4-FFF2-40B4-BE49-F238E27FC236}">
-                <a16:creationId xmlns:a16="http://schemas.microsoft.com/office/drawing/2014/main" id="{36CD8D63-730C-3AD2-1C56-046C66ACEDD2}"/>
+          <p:cNvPr id="21" name="Oval 20">
+            <a:extLst>
+              <a:ext uri="{FF2B5EF4-FFF2-40B4-BE49-F238E27FC236}">
+                <a16:creationId xmlns:a16="http://schemas.microsoft.com/office/drawing/2014/main" id="{5A422E20-512A-3BA5-CB2A-71D0AA856232}"/>
+              </a:ext>
+            </a:extLst>
+          </p:cNvPr>
+          <p:cNvSpPr/>
+          <p:nvPr/>
+        </p:nvSpPr>
+        <p:spPr>
+          <a:xfrm>
+            <a:off x="1592631" y="4164138"/>
+            <a:ext cx="405233" cy="420414"/>
+          </a:xfrm>
+          <a:prstGeom prst="ellipse">
+            <a:avLst/>
+          </a:prstGeom>
+        </p:spPr>
+        <p:style>
+          <a:lnRef idx="2">
+            <a:schemeClr val="accent1">
+              <a:shade val="50000"/>
+            </a:schemeClr>
+          </a:lnRef>
+          <a:fillRef idx="1">
+            <a:schemeClr val="accent1"/>
+          </a:fillRef>
+          <a:effectRef idx="0">
+            <a:schemeClr val="accent1"/>
+          </a:effectRef>
+          <a:fontRef idx="minor">
+            <a:schemeClr val="lt1"/>
+          </a:fontRef>
+        </p:style>
+        <p:txBody>
+          <a:bodyPr rtlCol="0" anchor="ctr"/>
+          <a:lstStyle/>
+          <a:p>
+            <a:pPr algn="ctr"/>
+            <a:r>
+              <a:rPr lang="en-US" dirty="0"/>
+              <a:t>C</a:t>
+            </a:r>
+          </a:p>
+        </p:txBody>
+      </p:sp>
+      <p:sp>
+        <p:nvSpPr>
+          <p:cNvPr id="22" name="Oval 21">
+            <a:extLst>
+              <a:ext uri="{FF2B5EF4-FFF2-40B4-BE49-F238E27FC236}">
+                <a16:creationId xmlns:a16="http://schemas.microsoft.com/office/drawing/2014/main" id="{6ADF25AD-B46C-5331-B932-8C38061BE185}"/>
+              </a:ext>
+            </a:extLst>
+          </p:cNvPr>
+          <p:cNvSpPr/>
+          <p:nvPr/>
+        </p:nvSpPr>
+        <p:spPr>
+          <a:xfrm>
+            <a:off x="1886548" y="3026979"/>
+            <a:ext cx="405233" cy="420414"/>
+          </a:xfrm>
+          <a:prstGeom prst="ellipse">
+            <a:avLst/>
+          </a:prstGeom>
+        </p:spPr>
+        <p:style>
+          <a:lnRef idx="2">
+            <a:schemeClr val="accent1">
+              <a:shade val="50000"/>
+            </a:schemeClr>
+          </a:lnRef>
+          <a:fillRef idx="1">
+            <a:schemeClr val="accent1"/>
+          </a:fillRef>
+          <a:effectRef idx="0">
+            <a:schemeClr val="accent1"/>
+          </a:effectRef>
+          <a:fontRef idx="minor">
+            <a:schemeClr val="lt1"/>
+          </a:fontRef>
+        </p:style>
+        <p:txBody>
+          <a:bodyPr rtlCol="0" anchor="ctr"/>
+          <a:lstStyle/>
+          <a:p>
+            <a:pPr algn="ctr"/>
+            <a:r>
+              <a:rPr lang="en-US" dirty="0"/>
+              <a:t>B</a:t>
+            </a:r>
+          </a:p>
+        </p:txBody>
+      </p:sp>
+      <p:sp>
+        <p:nvSpPr>
+          <p:cNvPr id="23" name="Oval 22">
+            <a:extLst>
+              <a:ext uri="{FF2B5EF4-FFF2-40B4-BE49-F238E27FC236}">
+                <a16:creationId xmlns:a16="http://schemas.microsoft.com/office/drawing/2014/main" id="{96A39515-039B-9CEE-A14E-6D8AB6177386}"/>
+              </a:ext>
+            </a:extLst>
+          </p:cNvPr>
+          <p:cNvSpPr/>
+          <p:nvPr/>
+        </p:nvSpPr>
+        <p:spPr>
+          <a:xfrm>
+            <a:off x="412538" y="3521611"/>
+            <a:ext cx="405233" cy="420414"/>
+          </a:xfrm>
+          <a:prstGeom prst="ellipse">
+            <a:avLst/>
+          </a:prstGeom>
+        </p:spPr>
+        <p:style>
+          <a:lnRef idx="2">
+            <a:schemeClr val="accent1">
+              <a:shade val="50000"/>
+            </a:schemeClr>
+          </a:lnRef>
+          <a:fillRef idx="1">
+            <a:schemeClr val="accent1"/>
+          </a:fillRef>
+          <a:effectRef idx="0">
+            <a:schemeClr val="accent1"/>
+          </a:effectRef>
+          <a:fontRef idx="minor">
+            <a:schemeClr val="lt1"/>
+          </a:fontRef>
+        </p:style>
+        <p:txBody>
+          <a:bodyPr rtlCol="0" anchor="ctr"/>
+          <a:lstStyle/>
+          <a:p>
+            <a:pPr algn="ctr"/>
+            <a:r>
+              <a:rPr lang="en-US" dirty="0"/>
+              <a:t>A</a:t>
+            </a:r>
+          </a:p>
+        </p:txBody>
+      </p:sp>
+      <p:sp>
+        <p:nvSpPr>
+          <p:cNvPr id="24" name="TextBox 23">
+            <a:extLst>
+              <a:ext uri="{FF2B5EF4-FFF2-40B4-BE49-F238E27FC236}">
+                <a16:creationId xmlns:a16="http://schemas.microsoft.com/office/drawing/2014/main" id="{5DBA867C-5671-D3B4-4B39-5E0E5CEE5876}"/>
               </a:ext>
             </a:extLst>
           </p:cNvPr>
@@ -15756,8 +15898,8 @@
         </p:nvSpPr>
         <p:spPr>
           <a:xfrm>
-            <a:off x="6407436" y="1007301"/>
-            <a:ext cx="5150992" cy="1477328"/>
+            <a:off x="3154930" y="2921446"/>
+            <a:ext cx="3422322" cy="1200329"/>
           </a:xfrm>
           <a:prstGeom prst="rect">
             <a:avLst/>
@@ -15770,21 +15912,619 @@
           </a:bodyPr>
           <a:lstStyle/>
           <a:p>
-            <a:r>
-              <a:rPr lang="en-US" dirty="0"/>
-              <a:t>Crazier, if there is a bedroom, how should it look like.</a:t>
-            </a:r>
-          </a:p>
-          <a:p>
-            <a:r>
-              <a:rPr lang="en-US" dirty="0"/>
-              <a:t>Possibly, there is a bed, a wardrobe, some paintings, lights, carpets. </a:t>
-            </a:r>
-          </a:p>
-          <a:p>
-            <a:r>
-              <a:rPr lang="en-US" dirty="0"/>
-              <a:t>Can AI think about with it and place everything properly?</a:t>
+            <a:pPr marL="342900" indent="-342900">
+              <a:buAutoNum type="alphaUcPeriod"/>
+            </a:pPr>
+            <a:r>
+              <a:rPr lang="en-US" dirty="0">
+                <a:highlight>
+                  <a:srgbClr val="FFFF00"/>
+                </a:highlight>
+              </a:rPr>
+              <a:t>Cube</a:t>
+            </a:r>
+            <a:r>
+              <a:rPr lang="en-US" dirty="0"/>
+              <a:t>, </a:t>
+            </a:r>
+            <a:r>
+              <a:rPr lang="en-US" dirty="0">
+                <a:highlight>
+                  <a:srgbClr val="FFFF00"/>
+                </a:highlight>
+              </a:rPr>
+              <a:t>Big</a:t>
+            </a:r>
+            <a:r>
+              <a:rPr lang="en-US" dirty="0"/>
+              <a:t>, Blue, Left</a:t>
+            </a:r>
+          </a:p>
+          <a:p>
+            <a:pPr marL="342900" indent="-342900">
+              <a:buAutoNum type="alphaUcPeriod"/>
+            </a:pPr>
+            <a:r>
+              <a:rPr lang="en-US" dirty="0">
+                <a:highlight>
+                  <a:srgbClr val="FFFF00"/>
+                </a:highlight>
+              </a:rPr>
+              <a:t>Sphere</a:t>
+            </a:r>
+            <a:r>
+              <a:rPr lang="en-US" dirty="0"/>
+              <a:t>, </a:t>
+            </a:r>
+            <a:r>
+              <a:rPr lang="en-US" dirty="0">
+                <a:highlight>
+                  <a:srgbClr val="FFFF00"/>
+                </a:highlight>
+              </a:rPr>
+              <a:t>Small</a:t>
+            </a:r>
+            <a:r>
+              <a:rPr lang="en-US" dirty="0"/>
+              <a:t>, </a:t>
+            </a:r>
+            <a:r>
+              <a:rPr lang="en-US" dirty="0">
+                <a:highlight>
+                  <a:srgbClr val="FFFF00"/>
+                </a:highlight>
+              </a:rPr>
+              <a:t>Red</a:t>
+            </a:r>
+            <a:r>
+              <a:rPr lang="en-US" dirty="0"/>
+              <a:t>, </a:t>
+            </a:r>
+            <a:r>
+              <a:rPr lang="en-US" dirty="0">
+                <a:highlight>
+                  <a:srgbClr val="FFFF00"/>
+                </a:highlight>
+              </a:rPr>
+              <a:t>Behind</a:t>
+            </a:r>
+          </a:p>
+          <a:p>
+            <a:pPr marL="342900" indent="-342900">
+              <a:buAutoNum type="alphaUcPeriod"/>
+            </a:pPr>
+            <a:r>
+              <a:rPr lang="en-US" dirty="0">
+                <a:highlight>
+                  <a:srgbClr val="FFFF00"/>
+                </a:highlight>
+              </a:rPr>
+              <a:t>Sphere</a:t>
+            </a:r>
+            <a:r>
+              <a:rPr lang="en-US" dirty="0"/>
+              <a:t>, </a:t>
+            </a:r>
+            <a:r>
+              <a:rPr lang="en-US" dirty="0">
+                <a:highlight>
+                  <a:srgbClr val="FFFF00"/>
+                </a:highlight>
+              </a:rPr>
+              <a:t>Big</a:t>
+            </a:r>
+            <a:r>
+              <a:rPr lang="en-US" dirty="0"/>
+              <a:t>, Green, </a:t>
+            </a:r>
+            <a:r>
+              <a:rPr lang="en-US" dirty="0">
+                <a:highlight>
+                  <a:srgbClr val="FFFF00"/>
+                </a:highlight>
+              </a:rPr>
+              <a:t>Front</a:t>
+            </a:r>
+          </a:p>
+          <a:p>
+            <a:endParaRPr lang="en-US" dirty="0"/>
+          </a:p>
+        </p:txBody>
+      </p:sp>
+      <p:sp>
+        <p:nvSpPr>
+          <p:cNvPr id="9" name="Oval 8">
+            <a:extLst>
+              <a:ext uri="{FF2B5EF4-FFF2-40B4-BE49-F238E27FC236}">
+                <a16:creationId xmlns:a16="http://schemas.microsoft.com/office/drawing/2014/main" id="{4EA29935-2A2A-B43E-C1A0-0D6082F12A7B}"/>
+              </a:ext>
+            </a:extLst>
+          </p:cNvPr>
+          <p:cNvSpPr/>
+          <p:nvPr/>
+        </p:nvSpPr>
+        <p:spPr>
+          <a:xfrm>
+            <a:off x="417579" y="6058210"/>
+            <a:ext cx="405233" cy="420414"/>
+          </a:xfrm>
+          <a:prstGeom prst="ellipse">
+            <a:avLst/>
+          </a:prstGeom>
+        </p:spPr>
+        <p:style>
+          <a:lnRef idx="2">
+            <a:schemeClr val="accent1">
+              <a:shade val="50000"/>
+            </a:schemeClr>
+          </a:lnRef>
+          <a:fillRef idx="1">
+            <a:schemeClr val="accent1"/>
+          </a:fillRef>
+          <a:effectRef idx="0">
+            <a:schemeClr val="accent1"/>
+          </a:effectRef>
+          <a:fontRef idx="minor">
+            <a:schemeClr val="lt1"/>
+          </a:fontRef>
+        </p:style>
+        <p:txBody>
+          <a:bodyPr rtlCol="0" anchor="ctr"/>
+          <a:lstStyle/>
+          <a:p>
+            <a:pPr algn="ctr"/>
+            <a:r>
+              <a:rPr lang="en-US" dirty="0"/>
+              <a:t>A</a:t>
+            </a:r>
+          </a:p>
+        </p:txBody>
+      </p:sp>
+      <p:sp>
+        <p:nvSpPr>
+          <p:cNvPr id="10" name="Oval 9">
+            <a:extLst>
+              <a:ext uri="{FF2B5EF4-FFF2-40B4-BE49-F238E27FC236}">
+                <a16:creationId xmlns:a16="http://schemas.microsoft.com/office/drawing/2014/main" id="{9DAA15ED-2077-3B94-D487-7AD1D37A352F}"/>
+              </a:ext>
+            </a:extLst>
+          </p:cNvPr>
+          <p:cNvSpPr/>
+          <p:nvPr/>
+        </p:nvSpPr>
+        <p:spPr>
+          <a:xfrm>
+            <a:off x="1390988" y="5451112"/>
+            <a:ext cx="405233" cy="420414"/>
+          </a:xfrm>
+          <a:prstGeom prst="ellipse">
+            <a:avLst/>
+          </a:prstGeom>
+        </p:spPr>
+        <p:style>
+          <a:lnRef idx="2">
+            <a:schemeClr val="accent1">
+              <a:shade val="50000"/>
+            </a:schemeClr>
+          </a:lnRef>
+          <a:fillRef idx="1">
+            <a:schemeClr val="accent1"/>
+          </a:fillRef>
+          <a:effectRef idx="0">
+            <a:schemeClr val="accent1"/>
+          </a:effectRef>
+          <a:fontRef idx="minor">
+            <a:schemeClr val="lt1"/>
+          </a:fontRef>
+        </p:style>
+        <p:txBody>
+          <a:bodyPr rtlCol="0" anchor="ctr"/>
+          <a:lstStyle/>
+          <a:p>
+            <a:pPr algn="ctr"/>
+            <a:r>
+              <a:rPr lang="en-US" dirty="0"/>
+              <a:t>B</a:t>
+            </a:r>
+          </a:p>
+        </p:txBody>
+      </p:sp>
+      <p:sp>
+        <p:nvSpPr>
+          <p:cNvPr id="11" name="TextBox 10">
+            <a:extLst>
+              <a:ext uri="{FF2B5EF4-FFF2-40B4-BE49-F238E27FC236}">
+                <a16:creationId xmlns:a16="http://schemas.microsoft.com/office/drawing/2014/main" id="{A322CBD9-F434-4AD6-1C15-8925F243D897}"/>
+              </a:ext>
+            </a:extLst>
+          </p:cNvPr>
+          <p:cNvSpPr txBox="1"/>
+          <p:nvPr/>
+        </p:nvSpPr>
+        <p:spPr>
+          <a:xfrm>
+            <a:off x="3320950" y="5331833"/>
+            <a:ext cx="3422322" cy="923330"/>
+          </a:xfrm>
+          <a:prstGeom prst="rect">
+            <a:avLst/>
+          </a:prstGeom>
+          <a:noFill/>
+        </p:spPr>
+        <p:txBody>
+          <a:bodyPr wrap="square" rtlCol="0">
+            <a:spAutoFit/>
+          </a:bodyPr>
+          <a:lstStyle/>
+          <a:p>
+            <a:pPr marL="342900" indent="-342900">
+              <a:buAutoNum type="alphaUcPeriod"/>
+            </a:pPr>
+            <a:r>
+              <a:rPr lang="en-US" dirty="0">
+                <a:highlight>
+                  <a:srgbClr val="FFFF00"/>
+                </a:highlight>
+              </a:rPr>
+              <a:t>Sphere</a:t>
+            </a:r>
+            <a:r>
+              <a:rPr lang="en-US" dirty="0"/>
+              <a:t>, </a:t>
+            </a:r>
+            <a:r>
+              <a:rPr lang="en-US" dirty="0">
+                <a:highlight>
+                  <a:srgbClr val="FFFF00"/>
+                </a:highlight>
+              </a:rPr>
+              <a:t>Big</a:t>
+            </a:r>
+            <a:r>
+              <a:rPr lang="en-US" dirty="0"/>
+              <a:t>, Green, </a:t>
+            </a:r>
+            <a:r>
+              <a:rPr lang="en-US" dirty="0">
+                <a:highlight>
+                  <a:srgbClr val="FFFF00"/>
+                </a:highlight>
+              </a:rPr>
+              <a:t>Front</a:t>
+            </a:r>
+          </a:p>
+          <a:p>
+            <a:pPr marL="342900" indent="-342900">
+              <a:buAutoNum type="alphaUcPeriod"/>
+            </a:pPr>
+            <a:r>
+              <a:rPr lang="en-US" dirty="0">
+                <a:highlight>
+                  <a:srgbClr val="FFFF00"/>
+                </a:highlight>
+              </a:rPr>
+              <a:t>Cube</a:t>
+            </a:r>
+            <a:r>
+              <a:rPr lang="en-US" dirty="0"/>
+              <a:t>, </a:t>
+            </a:r>
+            <a:r>
+              <a:rPr lang="en-US" dirty="0">
+                <a:highlight>
+                  <a:srgbClr val="FFFF00"/>
+                </a:highlight>
+              </a:rPr>
+              <a:t>Big</a:t>
+            </a:r>
+            <a:r>
+              <a:rPr lang="en-US" dirty="0"/>
+              <a:t>, </a:t>
+            </a:r>
+            <a:r>
+              <a:rPr lang="en-US" dirty="0">
+                <a:highlight>
+                  <a:srgbClr val="FFFF00"/>
+                </a:highlight>
+              </a:rPr>
+              <a:t>Red</a:t>
+            </a:r>
+            <a:r>
+              <a:rPr lang="en-US" dirty="0"/>
+              <a:t>, Right</a:t>
+            </a:r>
+          </a:p>
+          <a:p>
+            <a:pPr marL="342900" indent="-342900">
+              <a:buAutoNum type="alphaUcPeriod"/>
+            </a:pPr>
+            <a:r>
+              <a:rPr lang="en-US" dirty="0">
+                <a:highlight>
+                  <a:srgbClr val="FFFF00"/>
+                </a:highlight>
+              </a:rPr>
+              <a:t>Sphere</a:t>
+            </a:r>
+            <a:r>
+              <a:rPr lang="en-US" dirty="0"/>
+              <a:t>, </a:t>
+            </a:r>
+            <a:r>
+              <a:rPr lang="en-US" dirty="0">
+                <a:highlight>
+                  <a:srgbClr val="FFFF00"/>
+                </a:highlight>
+              </a:rPr>
+              <a:t>Small</a:t>
+            </a:r>
+            <a:r>
+              <a:rPr lang="en-US" dirty="0"/>
+              <a:t>, </a:t>
+            </a:r>
+            <a:r>
+              <a:rPr lang="en-US" dirty="0">
+                <a:highlight>
+                  <a:srgbClr val="FFFF00"/>
+                </a:highlight>
+              </a:rPr>
+              <a:t>Red</a:t>
+            </a:r>
+            <a:r>
+              <a:rPr lang="en-US" dirty="0"/>
+              <a:t>, </a:t>
+            </a:r>
+            <a:r>
+              <a:rPr lang="en-US" dirty="0">
+                <a:highlight>
+                  <a:srgbClr val="FFFF00"/>
+                </a:highlight>
+              </a:rPr>
+              <a:t>Behind</a:t>
+            </a:r>
+          </a:p>
+        </p:txBody>
+      </p:sp>
+      <p:sp>
+        <p:nvSpPr>
+          <p:cNvPr id="12" name="TextBox 11">
+            <a:extLst>
+              <a:ext uri="{FF2B5EF4-FFF2-40B4-BE49-F238E27FC236}">
+                <a16:creationId xmlns:a16="http://schemas.microsoft.com/office/drawing/2014/main" id="{4A5DC98C-CEC8-CAEC-15C2-E88D0D5706D9}"/>
+              </a:ext>
+            </a:extLst>
+          </p:cNvPr>
+          <p:cNvSpPr txBox="1"/>
+          <p:nvPr/>
+        </p:nvSpPr>
+        <p:spPr>
+          <a:xfrm>
+            <a:off x="7442593" y="683106"/>
+            <a:ext cx="4442537" cy="369332"/>
+          </a:xfrm>
+          <a:prstGeom prst="rect">
+            <a:avLst/>
+          </a:prstGeom>
+          <a:noFill/>
+        </p:spPr>
+        <p:txBody>
+          <a:bodyPr wrap="square" rtlCol="0">
+            <a:spAutoFit/>
+          </a:bodyPr>
+          <a:lstStyle/>
+          <a:p>
+            <a:r>
+              <a:rPr lang="en-US" dirty="0"/>
+              <a:t>First, search attribute by attribute</a:t>
+            </a:r>
+          </a:p>
+        </p:txBody>
+      </p:sp>
+      <p:sp>
+        <p:nvSpPr>
+          <p:cNvPr id="14" name="TextBox 13">
+            <a:extLst>
+              <a:ext uri="{FF2B5EF4-FFF2-40B4-BE49-F238E27FC236}">
+                <a16:creationId xmlns:a16="http://schemas.microsoft.com/office/drawing/2014/main" id="{77D7668C-374B-DD95-6723-44C959CECB4E}"/>
+              </a:ext>
+            </a:extLst>
+          </p:cNvPr>
+          <p:cNvSpPr txBox="1"/>
+          <p:nvPr/>
+        </p:nvSpPr>
+        <p:spPr>
+          <a:xfrm>
+            <a:off x="7908240" y="1352803"/>
+            <a:ext cx="2892905" cy="2862322"/>
+          </a:xfrm>
+          <a:prstGeom prst="rect">
+            <a:avLst/>
+          </a:prstGeom>
+          <a:noFill/>
+        </p:spPr>
+        <p:txBody>
+          <a:bodyPr wrap="square" rtlCol="0">
+            <a:spAutoFit/>
+          </a:bodyPr>
+          <a:lstStyle/>
+          <a:p>
+            <a:r>
+              <a:rPr lang="en-US" dirty="0"/>
+              <a:t>Rules can be found</a:t>
+            </a:r>
+          </a:p>
+          <a:p>
+            <a:pPr marL="285750" indent="-285750">
+              <a:buFont typeface="Arial" panose="020B0604020202020204" pitchFamily="34" charset="0"/>
+              <a:buChar char="•"/>
+            </a:pPr>
+            <a:r>
+              <a:rPr lang="en-US" dirty="0"/>
+              <a:t>Big, Cube</a:t>
+            </a:r>
+          </a:p>
+          <a:p>
+            <a:pPr marL="285750" indent="-285750">
+              <a:buFont typeface="Arial" panose="020B0604020202020204" pitchFamily="34" charset="0"/>
+              <a:buChar char="•"/>
+            </a:pPr>
+            <a:r>
+              <a:rPr lang="en-US" dirty="0"/>
+              <a:t>Big, Sphere</a:t>
+            </a:r>
+          </a:p>
+          <a:p>
+            <a:pPr marL="285750" indent="-285750">
+              <a:buFont typeface="Arial" panose="020B0604020202020204" pitchFamily="34" charset="0"/>
+              <a:buChar char="•"/>
+            </a:pPr>
+            <a:r>
+              <a:rPr lang="en-US" dirty="0"/>
+              <a:t>Sphere, Behind</a:t>
+            </a:r>
+          </a:p>
+          <a:p>
+            <a:pPr marL="285750" indent="-285750">
+              <a:buFont typeface="Arial" panose="020B0604020202020204" pitchFamily="34" charset="0"/>
+              <a:buChar char="•"/>
+            </a:pPr>
+            <a:r>
+              <a:rPr lang="en-US" dirty="0"/>
+              <a:t>Red, Behind</a:t>
+            </a:r>
+          </a:p>
+          <a:p>
+            <a:pPr marL="285750" indent="-285750">
+              <a:buFont typeface="Arial" panose="020B0604020202020204" pitchFamily="34" charset="0"/>
+              <a:buChar char="•"/>
+            </a:pPr>
+            <a:r>
+              <a:rPr lang="en-US" dirty="0"/>
+              <a:t>Sphere, Red, Behind</a:t>
+            </a:r>
+          </a:p>
+          <a:p>
+            <a:pPr marL="285750" indent="-285750">
+              <a:buFont typeface="Arial" panose="020B0604020202020204" pitchFamily="34" charset="0"/>
+              <a:buChar char="•"/>
+            </a:pPr>
+            <a:r>
+              <a:rPr lang="en-US" dirty="0"/>
+              <a:t>Sphere, Small</a:t>
+            </a:r>
+          </a:p>
+          <a:p>
+            <a:pPr marL="285750" indent="-285750">
+              <a:buFont typeface="Arial" panose="020B0604020202020204" pitchFamily="34" charset="0"/>
+              <a:buChar char="•"/>
+            </a:pPr>
+            <a:r>
+              <a:rPr lang="en-US" dirty="0"/>
+              <a:t>Sphere, Red</a:t>
+            </a:r>
+          </a:p>
+          <a:p>
+            <a:pPr marL="285750" indent="-285750">
+              <a:buFont typeface="Arial" panose="020B0604020202020204" pitchFamily="34" charset="0"/>
+              <a:buChar char="•"/>
+            </a:pPr>
+            <a:r>
+              <a:rPr lang="en-US" dirty="0"/>
+              <a:t>Small Red,</a:t>
+            </a:r>
+          </a:p>
+          <a:p>
+            <a:pPr marL="285750" indent="-285750">
+              <a:buFont typeface="Arial" panose="020B0604020202020204" pitchFamily="34" charset="0"/>
+              <a:buChar char="•"/>
+            </a:pPr>
+            <a:r>
+              <a:rPr lang="en-US" dirty="0"/>
+              <a:t>Sphere, Small, Red</a:t>
+            </a:r>
+          </a:p>
+        </p:txBody>
+      </p:sp>
+      <p:sp>
+        <p:nvSpPr>
+          <p:cNvPr id="4" name="TextBox 3">
+            <a:extLst>
+              <a:ext uri="{FF2B5EF4-FFF2-40B4-BE49-F238E27FC236}">
+                <a16:creationId xmlns:a16="http://schemas.microsoft.com/office/drawing/2014/main" id="{887F491C-B8A4-AC40-8467-CC280FAD66D7}"/>
+              </a:ext>
+            </a:extLst>
+          </p:cNvPr>
+          <p:cNvSpPr txBox="1"/>
+          <p:nvPr/>
+        </p:nvSpPr>
+        <p:spPr>
+          <a:xfrm>
+            <a:off x="7908240" y="4569748"/>
+            <a:ext cx="1012503" cy="369332"/>
+          </a:xfrm>
+          <a:prstGeom prst="rect">
+            <a:avLst/>
+          </a:prstGeom>
+          <a:noFill/>
+        </p:spPr>
+        <p:txBody>
+          <a:bodyPr wrap="square" rtlCol="0">
+            <a:spAutoFit/>
+          </a:bodyPr>
+          <a:lstStyle/>
+          <a:p>
+            <a:r>
+              <a:rPr lang="en-US" dirty="0"/>
+              <a:t>9 rules</a:t>
+            </a:r>
+          </a:p>
+        </p:txBody>
+      </p:sp>
+      <p:sp>
+        <p:nvSpPr>
+          <p:cNvPr id="26" name="Oval 25">
+            <a:extLst>
+              <a:ext uri="{FF2B5EF4-FFF2-40B4-BE49-F238E27FC236}">
+                <a16:creationId xmlns:a16="http://schemas.microsoft.com/office/drawing/2014/main" id="{5D26DD76-FFF7-A832-FD87-4674211A33AF}"/>
+              </a:ext>
+            </a:extLst>
+          </p:cNvPr>
+          <p:cNvSpPr/>
+          <p:nvPr/>
+        </p:nvSpPr>
+        <p:spPr>
+          <a:xfrm>
+            <a:off x="615154" y="5018792"/>
+            <a:ext cx="405233" cy="420414"/>
+          </a:xfrm>
+          <a:prstGeom prst="ellipse">
+            <a:avLst/>
+          </a:prstGeom>
+        </p:spPr>
+        <p:style>
+          <a:lnRef idx="2">
+            <a:schemeClr val="accent1">
+              <a:shade val="50000"/>
+            </a:schemeClr>
+          </a:lnRef>
+          <a:fillRef idx="1">
+            <a:schemeClr val="accent1"/>
+          </a:fillRef>
+          <a:effectRef idx="0">
+            <a:schemeClr val="accent1"/>
+          </a:effectRef>
+          <a:fontRef idx="minor">
+            <a:schemeClr val="lt1"/>
+          </a:fontRef>
+        </p:style>
+        <p:txBody>
+          <a:bodyPr rtlCol="0" anchor="ctr"/>
+          <a:lstStyle/>
+          <a:p>
+            <a:pPr algn="ctr"/>
+            <a:r>
+              <a:rPr lang="en-US" dirty="0"/>
+              <a:t>C</a:t>
             </a:r>
           </a:p>
         </p:txBody>
@@ -15792,7 +16532,7 @@
     </p:spTree>
     <p:extLst>
       <p:ext uri="{BB962C8B-B14F-4D97-AF65-F5344CB8AC3E}">
-        <p14:creationId xmlns:p14="http://schemas.microsoft.com/office/powerpoint/2010/main" val="2837795320"/>
+        <p14:creationId xmlns:p14="http://schemas.microsoft.com/office/powerpoint/2010/main" val="936425008"/>
       </p:ext>
     </p:extLst>
   </p:cSld>
@@ -15834,7 +16574,7 @@
         <p:spPr>
           <a:xfrm>
             <a:off x="736100" y="730302"/>
-            <a:ext cx="5150992" cy="5078313"/>
+            <a:ext cx="5150992" cy="3139321"/>
           </a:xfrm>
           <a:prstGeom prst="rect">
             <a:avLst/>
@@ -15847,67 +16587,25 @@
           </a:bodyPr>
           <a:lstStyle/>
           <a:p>
+            <a:r>
+              <a:rPr lang="en-US" dirty="0"/>
+              <a:t>Imagine there is a new vacant bedroom, </a:t>
+            </a:r>
+          </a:p>
+          <a:p>
+            <a:r>
+              <a:rPr lang="en-US" dirty="0"/>
+              <a:t>Now, we put some furniture inside</a:t>
+            </a:r>
+          </a:p>
+          <a:p>
             <a:pPr marL="285750" indent="-285750">
               <a:buFont typeface="Arial" panose="020B0604020202020204" pitchFamily="34" charset="0"/>
               <a:buChar char="•"/>
             </a:pPr>
-            <a:endParaRPr lang="en-US" dirty="0"/>
-          </a:p>
-          <a:p>
-            <a:r>
-              <a:rPr lang="en-US" dirty="0"/>
-              <a:t>How to automatically decide the positions of these objects?</a:t>
-            </a:r>
-          </a:p>
-          <a:p>
-            <a:endParaRPr lang="en-US" dirty="0"/>
-          </a:p>
-          <a:p>
-            <a:r>
-              <a:rPr lang="en-US" dirty="0"/>
-              <a:t>Training image</a:t>
-            </a:r>
-          </a:p>
-          <a:p>
-            <a:endParaRPr lang="en-US" dirty="0"/>
-          </a:p>
-          <a:p>
-            <a:pPr marL="342900" indent="-342900">
-              <a:buAutoNum type="alphaUcPeriod"/>
-            </a:pPr>
-            <a:r>
-              <a:rPr lang="en-US" dirty="0"/>
-              <a:t>phone, bed (phone on the bed)</a:t>
-            </a:r>
-          </a:p>
-          <a:p>
-            <a:pPr marL="342900" indent="-342900">
-              <a:buAutoNum type="alphaUcPeriod"/>
-            </a:pPr>
-            <a:r>
-              <a:rPr lang="en-US" dirty="0"/>
-              <a:t>phone, desk (phone on the desk)</a:t>
-            </a:r>
-          </a:p>
-          <a:p>
-            <a:pPr marL="342900" indent="-342900">
-              <a:buAutoNum type="alphaUcPeriod"/>
-            </a:pPr>
-            <a:r>
-              <a:rPr lang="en-US" dirty="0"/>
-              <a:t>phone, desk, bed (phone on the desk)</a:t>
-            </a:r>
-          </a:p>
-          <a:p>
-            <a:pPr marL="342900" indent="-342900">
-              <a:buAutoNum type="alphaUcPeriod"/>
-            </a:pPr>
-            <a:endParaRPr lang="en-US" dirty="0"/>
-          </a:p>
-          <a:p>
-            <a:r>
-              <a:rPr lang="en-US" dirty="0"/>
-              <a:t>5 relations</a:t>
+            <a:r>
+              <a:rPr lang="en-US" dirty="0"/>
+              <a:t>A bed</a:t>
             </a:r>
           </a:p>
           <a:p>
@@ -15917,7 +16615,7 @@
             </a:pPr>
             <a:r>
               <a:rPr lang="en-US" dirty="0"/>
-              <a:t>Left</a:t>
+              <a:t>A wardrobe</a:t>
             </a:r>
           </a:p>
           <a:p>
@@ -15927,7 +16625,7 @@
             </a:pPr>
             <a:r>
               <a:rPr lang="en-US" dirty="0"/>
-              <a:t>Right</a:t>
+              <a:t>An armchair</a:t>
             </a:r>
           </a:p>
           <a:p>
@@ -15937,7 +16635,7 @@
             </a:pPr>
             <a:r>
               <a:rPr lang="en-US" dirty="0"/>
-              <a:t>Front</a:t>
+              <a:t>A carpet</a:t>
             </a:r>
           </a:p>
           <a:p>
@@ -15947,7 +16645,7 @@
             </a:pPr>
             <a:r>
               <a:rPr lang="en-US" dirty="0"/>
-              <a:t>Behind</a:t>
+              <a:t>Two bedside tables</a:t>
             </a:r>
           </a:p>
           <a:p>
@@ -15955,23 +16653,20 @@
               <a:buFont typeface="Arial" panose="020B0604020202020204" pitchFamily="34" charset="0"/>
               <a:buChar char="•"/>
             </a:pPr>
-            <a:r>
-              <a:rPr lang="en-US" dirty="0"/>
-              <a:t>Above</a:t>
-            </a:r>
+            <a:endParaRPr lang="en-US" dirty="0"/>
           </a:p>
           <a:p>
             <a:pPr marL="285750" indent="-285750">
               <a:buFont typeface="Arial" panose="020B0604020202020204" pitchFamily="34" charset="0"/>
               <a:buChar char="•"/>
             </a:pPr>
-            <a:r>
-              <a:rPr lang="en-US" dirty="0"/>
-              <a:t>On</a:t>
-            </a:r>
-          </a:p>
-          <a:p>
             <a:endParaRPr lang="en-US" dirty="0"/>
+          </a:p>
+          <a:p>
+            <a:r>
+              <a:rPr lang="en-US" dirty="0"/>
+              <a:t>How to automatically decide the positions of these objects?</a:t>
+            </a:r>
           </a:p>
         </p:txBody>
       </p:sp>
@@ -16124,6 +16819,386 @@
       </p:sp>
       <p:sp>
         <p:nvSpPr>
+          <p:cNvPr id="10" name="TextBox 9">
+            <a:extLst>
+              <a:ext uri="{FF2B5EF4-FFF2-40B4-BE49-F238E27FC236}">
+                <a16:creationId xmlns:a16="http://schemas.microsoft.com/office/drawing/2014/main" id="{36CD8D63-730C-3AD2-1C56-046C66ACEDD2}"/>
+              </a:ext>
+            </a:extLst>
+          </p:cNvPr>
+          <p:cNvSpPr txBox="1"/>
+          <p:nvPr/>
+        </p:nvSpPr>
+        <p:spPr>
+          <a:xfrm>
+            <a:off x="6407436" y="1007301"/>
+            <a:ext cx="5150992" cy="1477328"/>
+          </a:xfrm>
+          <a:prstGeom prst="rect">
+            <a:avLst/>
+          </a:prstGeom>
+          <a:noFill/>
+        </p:spPr>
+        <p:txBody>
+          <a:bodyPr wrap="square" rtlCol="0">
+            <a:spAutoFit/>
+          </a:bodyPr>
+          <a:lstStyle/>
+          <a:p>
+            <a:r>
+              <a:rPr lang="en-US" dirty="0"/>
+              <a:t>Crazier, if there is a bedroom, how should it look like.</a:t>
+            </a:r>
+          </a:p>
+          <a:p>
+            <a:r>
+              <a:rPr lang="en-US" dirty="0"/>
+              <a:t>Possibly, there is a bed, a wardrobe, some paintings, lights, carpets. </a:t>
+            </a:r>
+          </a:p>
+          <a:p>
+            <a:r>
+              <a:rPr lang="en-US" dirty="0"/>
+              <a:t>Can AI think about with it and place everything properly?</a:t>
+            </a:r>
+          </a:p>
+        </p:txBody>
+      </p:sp>
+    </p:spTree>
+    <p:extLst>
+      <p:ext uri="{BB962C8B-B14F-4D97-AF65-F5344CB8AC3E}">
+        <p14:creationId xmlns:p14="http://schemas.microsoft.com/office/powerpoint/2010/main" val="2837795320"/>
+      </p:ext>
+    </p:extLst>
+  </p:cSld>
+  <p:clrMapOvr>
+    <a:masterClrMapping/>
+  </p:clrMapOvr>
+</p:sld>
+</file>
+
+<file path=ppt/slides/slide23.xml><?xml version="1.0" encoding="utf-8"?>
+<p:sld xmlns:a="http://schemas.openxmlformats.org/drawingml/2006/main" xmlns:r="http://schemas.openxmlformats.org/officeDocument/2006/relationships" xmlns:p="http://schemas.openxmlformats.org/presentationml/2006/main">
+  <p:cSld>
+    <p:spTree>
+      <p:nvGrpSpPr>
+        <p:cNvPr id="1" name=""/>
+        <p:cNvGrpSpPr/>
+        <p:nvPr/>
+      </p:nvGrpSpPr>
+      <p:grpSpPr>
+        <a:xfrm>
+          <a:off x="0" y="0"/>
+          <a:ext cx="0" cy="0"/>
+          <a:chOff x="0" y="0"/>
+          <a:chExt cx="0" cy="0"/>
+        </a:xfrm>
+      </p:grpSpPr>
+      <p:sp>
+        <p:nvSpPr>
+          <p:cNvPr id="4" name="TextBox 3">
+            <a:extLst>
+              <a:ext uri="{FF2B5EF4-FFF2-40B4-BE49-F238E27FC236}">
+                <a16:creationId xmlns:a16="http://schemas.microsoft.com/office/drawing/2014/main" id="{BA8162A7-CA46-E5D9-CD66-53849C6285C6}"/>
+              </a:ext>
+            </a:extLst>
+          </p:cNvPr>
+          <p:cNvSpPr txBox="1"/>
+          <p:nvPr/>
+        </p:nvSpPr>
+        <p:spPr>
+          <a:xfrm>
+            <a:off x="736100" y="730302"/>
+            <a:ext cx="5150992" cy="5078313"/>
+          </a:xfrm>
+          <a:prstGeom prst="rect">
+            <a:avLst/>
+          </a:prstGeom>
+          <a:noFill/>
+        </p:spPr>
+        <p:txBody>
+          <a:bodyPr wrap="square" rtlCol="0">
+            <a:spAutoFit/>
+          </a:bodyPr>
+          <a:lstStyle/>
+          <a:p>
+            <a:pPr marL="285750" indent="-285750">
+              <a:buFont typeface="Arial" panose="020B0604020202020204" pitchFamily="34" charset="0"/>
+              <a:buChar char="•"/>
+            </a:pPr>
+            <a:endParaRPr lang="en-US" dirty="0"/>
+          </a:p>
+          <a:p>
+            <a:r>
+              <a:rPr lang="en-US" dirty="0"/>
+              <a:t>How to automatically decide the positions of these objects?</a:t>
+            </a:r>
+          </a:p>
+          <a:p>
+            <a:endParaRPr lang="en-US" dirty="0"/>
+          </a:p>
+          <a:p>
+            <a:r>
+              <a:rPr lang="en-US" dirty="0"/>
+              <a:t>Training image</a:t>
+            </a:r>
+          </a:p>
+          <a:p>
+            <a:endParaRPr lang="en-US" dirty="0"/>
+          </a:p>
+          <a:p>
+            <a:pPr marL="342900" indent="-342900">
+              <a:buAutoNum type="alphaUcPeriod"/>
+            </a:pPr>
+            <a:r>
+              <a:rPr lang="en-US" dirty="0"/>
+              <a:t>phone, bed (phone on the bed)</a:t>
+            </a:r>
+          </a:p>
+          <a:p>
+            <a:pPr marL="342900" indent="-342900">
+              <a:buAutoNum type="alphaUcPeriod"/>
+            </a:pPr>
+            <a:r>
+              <a:rPr lang="en-US" dirty="0"/>
+              <a:t>phone, desk (phone on the desk)</a:t>
+            </a:r>
+          </a:p>
+          <a:p>
+            <a:pPr marL="342900" indent="-342900">
+              <a:buAutoNum type="alphaUcPeriod"/>
+            </a:pPr>
+            <a:r>
+              <a:rPr lang="en-US" dirty="0"/>
+              <a:t>phone, desk, bed (phone on the desk)</a:t>
+            </a:r>
+          </a:p>
+          <a:p>
+            <a:pPr marL="342900" indent="-342900">
+              <a:buAutoNum type="alphaUcPeriod"/>
+            </a:pPr>
+            <a:endParaRPr lang="en-US" dirty="0"/>
+          </a:p>
+          <a:p>
+            <a:r>
+              <a:rPr lang="en-US" dirty="0"/>
+              <a:t>5 relations</a:t>
+            </a:r>
+          </a:p>
+          <a:p>
+            <a:pPr marL="285750" indent="-285750">
+              <a:buFont typeface="Arial" panose="020B0604020202020204" pitchFamily="34" charset="0"/>
+              <a:buChar char="•"/>
+            </a:pPr>
+            <a:r>
+              <a:rPr lang="en-US" dirty="0"/>
+              <a:t>Left</a:t>
+            </a:r>
+          </a:p>
+          <a:p>
+            <a:pPr marL="285750" indent="-285750">
+              <a:buFont typeface="Arial" panose="020B0604020202020204" pitchFamily="34" charset="0"/>
+              <a:buChar char="•"/>
+            </a:pPr>
+            <a:r>
+              <a:rPr lang="en-US" dirty="0"/>
+              <a:t>Right</a:t>
+            </a:r>
+          </a:p>
+          <a:p>
+            <a:pPr marL="285750" indent="-285750">
+              <a:buFont typeface="Arial" panose="020B0604020202020204" pitchFamily="34" charset="0"/>
+              <a:buChar char="•"/>
+            </a:pPr>
+            <a:r>
+              <a:rPr lang="en-US" dirty="0"/>
+              <a:t>Front</a:t>
+            </a:r>
+          </a:p>
+          <a:p>
+            <a:pPr marL="285750" indent="-285750">
+              <a:buFont typeface="Arial" panose="020B0604020202020204" pitchFamily="34" charset="0"/>
+              <a:buChar char="•"/>
+            </a:pPr>
+            <a:r>
+              <a:rPr lang="en-US" dirty="0"/>
+              <a:t>Behind</a:t>
+            </a:r>
+          </a:p>
+          <a:p>
+            <a:pPr marL="285750" indent="-285750">
+              <a:buFont typeface="Arial" panose="020B0604020202020204" pitchFamily="34" charset="0"/>
+              <a:buChar char="•"/>
+            </a:pPr>
+            <a:r>
+              <a:rPr lang="en-US" dirty="0"/>
+              <a:t>Above</a:t>
+            </a:r>
+          </a:p>
+          <a:p>
+            <a:pPr marL="285750" indent="-285750">
+              <a:buFont typeface="Arial" panose="020B0604020202020204" pitchFamily="34" charset="0"/>
+              <a:buChar char="•"/>
+            </a:pPr>
+            <a:r>
+              <a:rPr lang="en-US" dirty="0"/>
+              <a:t>On</a:t>
+            </a:r>
+          </a:p>
+          <a:p>
+            <a:endParaRPr lang="en-US" dirty="0"/>
+          </a:p>
+        </p:txBody>
+      </p:sp>
+      <p:sp>
+        <p:nvSpPr>
+          <p:cNvPr id="5" name="Oval 4">
+            <a:extLst>
+              <a:ext uri="{FF2B5EF4-FFF2-40B4-BE49-F238E27FC236}">
+                <a16:creationId xmlns:a16="http://schemas.microsoft.com/office/drawing/2014/main" id="{7016D2C4-C1DA-7C14-DE3A-2D43E503DED5}"/>
+              </a:ext>
+            </a:extLst>
+          </p:cNvPr>
+          <p:cNvSpPr/>
+          <p:nvPr/>
+        </p:nvSpPr>
+        <p:spPr>
+          <a:xfrm>
+            <a:off x="1193814" y="5792707"/>
+            <a:ext cx="405233" cy="420414"/>
+          </a:xfrm>
+          <a:prstGeom prst="ellipse">
+            <a:avLst/>
+          </a:prstGeom>
+        </p:spPr>
+        <p:style>
+          <a:lnRef idx="2">
+            <a:schemeClr val="accent1">
+              <a:shade val="50000"/>
+            </a:schemeClr>
+          </a:lnRef>
+          <a:fillRef idx="1">
+            <a:schemeClr val="accent1"/>
+          </a:fillRef>
+          <a:effectRef idx="0">
+            <a:schemeClr val="accent1"/>
+          </a:effectRef>
+          <a:fontRef idx="minor">
+            <a:schemeClr val="lt1"/>
+          </a:fontRef>
+        </p:style>
+        <p:txBody>
+          <a:bodyPr rtlCol="0" anchor="ctr"/>
+          <a:lstStyle/>
+          <a:p>
+            <a:pPr algn="ctr"/>
+            <a:r>
+              <a:rPr lang="en-US" dirty="0"/>
+              <a:t>A</a:t>
+            </a:r>
+          </a:p>
+        </p:txBody>
+      </p:sp>
+      <p:sp>
+        <p:nvSpPr>
+          <p:cNvPr id="6" name="Oval 5">
+            <a:extLst>
+              <a:ext uri="{FF2B5EF4-FFF2-40B4-BE49-F238E27FC236}">
+                <a16:creationId xmlns:a16="http://schemas.microsoft.com/office/drawing/2014/main" id="{79743750-3C5B-E257-AB51-D091010F16AB}"/>
+              </a:ext>
+            </a:extLst>
+          </p:cNvPr>
+          <p:cNvSpPr/>
+          <p:nvPr/>
+        </p:nvSpPr>
+        <p:spPr>
+          <a:xfrm>
+            <a:off x="2601374" y="6002914"/>
+            <a:ext cx="405233" cy="420414"/>
+          </a:xfrm>
+          <a:prstGeom prst="ellipse">
+            <a:avLst/>
+          </a:prstGeom>
+        </p:spPr>
+        <p:style>
+          <a:lnRef idx="2">
+            <a:schemeClr val="accent1">
+              <a:shade val="50000"/>
+            </a:schemeClr>
+          </a:lnRef>
+          <a:fillRef idx="1">
+            <a:schemeClr val="accent1"/>
+          </a:fillRef>
+          <a:effectRef idx="0">
+            <a:schemeClr val="accent1"/>
+          </a:effectRef>
+          <a:fontRef idx="minor">
+            <a:schemeClr val="lt1"/>
+          </a:fontRef>
+        </p:style>
+        <p:txBody>
+          <a:bodyPr rtlCol="0" anchor="ctr"/>
+          <a:lstStyle/>
+          <a:p>
+            <a:pPr algn="ctr"/>
+            <a:r>
+              <a:rPr lang="en-US" dirty="0"/>
+              <a:t>B</a:t>
+            </a:r>
+          </a:p>
+        </p:txBody>
+      </p:sp>
+      <p:sp>
+        <p:nvSpPr>
+          <p:cNvPr id="7" name="Oval 6">
+            <a:extLst>
+              <a:ext uri="{FF2B5EF4-FFF2-40B4-BE49-F238E27FC236}">
+                <a16:creationId xmlns:a16="http://schemas.microsoft.com/office/drawing/2014/main" id="{D3F11292-5AEB-03A5-870C-046C6A8F83A7}"/>
+              </a:ext>
+            </a:extLst>
+          </p:cNvPr>
+          <p:cNvSpPr/>
+          <p:nvPr/>
+        </p:nvSpPr>
+        <p:spPr>
+          <a:xfrm>
+            <a:off x="3706465" y="6002914"/>
+            <a:ext cx="405233" cy="420414"/>
+          </a:xfrm>
+          <a:prstGeom prst="ellipse">
+            <a:avLst/>
+          </a:prstGeom>
+        </p:spPr>
+        <p:style>
+          <a:lnRef idx="2">
+            <a:schemeClr val="accent1">
+              <a:shade val="50000"/>
+            </a:schemeClr>
+          </a:lnRef>
+          <a:fillRef idx="1">
+            <a:schemeClr val="accent1"/>
+          </a:fillRef>
+          <a:effectRef idx="0">
+            <a:schemeClr val="accent1"/>
+          </a:effectRef>
+          <a:fontRef idx="minor">
+            <a:schemeClr val="lt1"/>
+          </a:fontRef>
+        </p:style>
+        <p:txBody>
+          <a:bodyPr rtlCol="0" anchor="ctr"/>
+          <a:lstStyle/>
+          <a:p>
+            <a:pPr algn="ctr"/>
+            <a:r>
+              <a:rPr lang="en-US" dirty="0"/>
+              <a:t>C</a:t>
+            </a:r>
+          </a:p>
+        </p:txBody>
+      </p:sp>
+      <p:sp>
+        <p:nvSpPr>
           <p:cNvPr id="2" name="TextBox 1">
             <a:extLst>
               <a:ext uri="{FF2B5EF4-FFF2-40B4-BE49-F238E27FC236}">
@@ -16304,7 +17379,7 @@
 </p:sld>
 </file>
 
-<file path=ppt/slides/slide23.xml><?xml version="1.0" encoding="utf-8"?>
+<file path=ppt/slides/slide24.xml><?xml version="1.0" encoding="utf-8"?>
 <p:sld xmlns:a="http://schemas.openxmlformats.org/drawingml/2006/main" xmlns:r="http://schemas.openxmlformats.org/officeDocument/2006/relationships" xmlns:p="http://schemas.openxmlformats.org/presentationml/2006/main">
   <p:cSld>
     <p:spTree>

--- a/spatial_relation_vector.pptx
+++ b/spatial_relation_vector.pptx
@@ -5,7 +5,7 @@
     <p:sldMasterId id="2147483660" r:id="rId1"/>
   </p:sldMasterIdLst>
   <p:notesMasterIdLst>
-    <p:notesMasterId r:id="rId26"/>
+    <p:notesMasterId r:id="rId25"/>
   </p:notesMasterIdLst>
   <p:sldIdLst>
     <p:sldId id="256" r:id="rId2"/>
@@ -23,15 +23,14 @@
     <p:sldId id="275" r:id="rId14"/>
     <p:sldId id="276" r:id="rId15"/>
     <p:sldId id="279" r:id="rId16"/>
-    <p:sldId id="288" r:id="rId17"/>
-    <p:sldId id="280" r:id="rId18"/>
-    <p:sldId id="282" r:id="rId19"/>
-    <p:sldId id="283" r:id="rId20"/>
-    <p:sldId id="285" r:id="rId21"/>
-    <p:sldId id="286" r:id="rId22"/>
-    <p:sldId id="284" r:id="rId23"/>
-    <p:sldId id="287" r:id="rId24"/>
-    <p:sldId id="277" r:id="rId25"/>
+    <p:sldId id="280" r:id="rId17"/>
+    <p:sldId id="282" r:id="rId18"/>
+    <p:sldId id="283" r:id="rId19"/>
+    <p:sldId id="285" r:id="rId20"/>
+    <p:sldId id="286" r:id="rId21"/>
+    <p:sldId id="284" r:id="rId22"/>
+    <p:sldId id="287" r:id="rId23"/>
+    <p:sldId id="277" r:id="rId24"/>
   </p:sldIdLst>
   <p:sldSz cx="12192000" cy="6858000"/>
   <p:notesSz cx="6858000" cy="9144000"/>
@@ -226,7 +225,7 @@
           <a:p>
             <a:fld id="{84E607D3-C6DE-49C0-9A33-FA3231C691CA}" type="datetimeFigureOut">
               <a:rPr lang="en-US" smtClean="0"/>
-              <a:t>19-Dec-22</a:t>
+              <a:t>12/20/22</a:t>
             </a:fld>
             <a:endParaRPr lang="en-US" dirty="0"/>
           </a:p>
@@ -640,7 +639,7 @@
           <a:p>
             <a:fld id="{B2B149FD-7C5B-4276-A951-5649DCFA9F7C}" type="datetimeFigureOut">
               <a:rPr lang="en-US" smtClean="0"/>
-              <a:t>19-Dec-22</a:t>
+              <a:t>12/20/22</a:t>
             </a:fld>
             <a:endParaRPr lang="en-US" dirty="0"/>
           </a:p>
@@ -838,7 +837,7 @@
           <a:p>
             <a:fld id="{B2B149FD-7C5B-4276-A951-5649DCFA9F7C}" type="datetimeFigureOut">
               <a:rPr lang="en-US" smtClean="0"/>
-              <a:t>19-Dec-22</a:t>
+              <a:t>12/20/22</a:t>
             </a:fld>
             <a:endParaRPr lang="en-US" dirty="0"/>
           </a:p>
@@ -1046,7 +1045,7 @@
           <a:p>
             <a:fld id="{B2B149FD-7C5B-4276-A951-5649DCFA9F7C}" type="datetimeFigureOut">
               <a:rPr lang="en-US" smtClean="0"/>
-              <a:t>19-Dec-22</a:t>
+              <a:t>12/20/22</a:t>
             </a:fld>
             <a:endParaRPr lang="en-US" dirty="0"/>
           </a:p>
@@ -1244,7 +1243,7 @@
           <a:p>
             <a:fld id="{B2B149FD-7C5B-4276-A951-5649DCFA9F7C}" type="datetimeFigureOut">
               <a:rPr lang="en-US" smtClean="0"/>
-              <a:t>19-Dec-22</a:t>
+              <a:t>12/20/22</a:t>
             </a:fld>
             <a:endParaRPr lang="en-US" dirty="0"/>
           </a:p>
@@ -1519,7 +1518,7 @@
           <a:p>
             <a:fld id="{B2B149FD-7C5B-4276-A951-5649DCFA9F7C}" type="datetimeFigureOut">
               <a:rPr lang="en-US" smtClean="0"/>
-              <a:t>19-Dec-22</a:t>
+              <a:t>12/20/22</a:t>
             </a:fld>
             <a:endParaRPr lang="en-US" dirty="0"/>
           </a:p>
@@ -1784,7 +1783,7 @@
           <a:p>
             <a:fld id="{B2B149FD-7C5B-4276-A951-5649DCFA9F7C}" type="datetimeFigureOut">
               <a:rPr lang="en-US" smtClean="0"/>
-              <a:t>19-Dec-22</a:t>
+              <a:t>12/20/22</a:t>
             </a:fld>
             <a:endParaRPr lang="en-US" dirty="0"/>
           </a:p>
@@ -2196,7 +2195,7 @@
           <a:p>
             <a:fld id="{B2B149FD-7C5B-4276-A951-5649DCFA9F7C}" type="datetimeFigureOut">
               <a:rPr lang="en-US" smtClean="0"/>
-              <a:t>19-Dec-22</a:t>
+              <a:t>12/20/22</a:t>
             </a:fld>
             <a:endParaRPr lang="en-US" dirty="0"/>
           </a:p>
@@ -2337,7 +2336,7 @@
           <a:p>
             <a:fld id="{B2B149FD-7C5B-4276-A951-5649DCFA9F7C}" type="datetimeFigureOut">
               <a:rPr lang="en-US" smtClean="0"/>
-              <a:t>19-Dec-22</a:t>
+              <a:t>12/20/22</a:t>
             </a:fld>
             <a:endParaRPr lang="en-US" dirty="0"/>
           </a:p>
@@ -2450,7 +2449,7 @@
           <a:p>
             <a:fld id="{B2B149FD-7C5B-4276-A951-5649DCFA9F7C}" type="datetimeFigureOut">
               <a:rPr lang="en-US" smtClean="0"/>
-              <a:t>19-Dec-22</a:t>
+              <a:t>12/20/22</a:t>
             </a:fld>
             <a:endParaRPr lang="en-US" dirty="0"/>
           </a:p>
@@ -2761,7 +2760,7 @@
           <a:p>
             <a:fld id="{B2B149FD-7C5B-4276-A951-5649DCFA9F7C}" type="datetimeFigureOut">
               <a:rPr lang="en-US" smtClean="0"/>
-              <a:t>19-Dec-22</a:t>
+              <a:t>12/20/22</a:t>
             </a:fld>
             <a:endParaRPr lang="en-US" dirty="0"/>
           </a:p>
@@ -3049,7 +3048,7 @@
           <a:p>
             <a:fld id="{B2B149FD-7C5B-4276-A951-5649DCFA9F7C}" type="datetimeFigureOut">
               <a:rPr lang="en-US" smtClean="0"/>
-              <a:t>19-Dec-22</a:t>
+              <a:t>12/20/22</a:t>
             </a:fld>
             <a:endParaRPr lang="en-US" dirty="0"/>
           </a:p>
@@ -3290,7 +3289,7 @@
           <a:p>
             <a:fld id="{B2B149FD-7C5B-4276-A951-5649DCFA9F7C}" type="datetimeFigureOut">
               <a:rPr lang="en-US" smtClean="0"/>
-              <a:t>19-Dec-22</a:t>
+              <a:t>12/20/22</a:t>
             </a:fld>
             <a:endParaRPr lang="en-US" dirty="0"/>
           </a:p>
@@ -8428,7 +8427,7 @@
         <p:spPr>
           <a:xfrm>
             <a:off x="6601801" y="498440"/>
-            <a:ext cx="4442537" cy="369332"/>
+            <a:ext cx="4442537" cy="646331"/>
           </a:xfrm>
           <a:prstGeom prst="rect">
             <a:avLst/>
@@ -8446,6 +8445,12 @@
               <a:t>First, search attribute by attribute</a:t>
             </a:r>
           </a:p>
+          <a:p>
+            <a:r>
+              <a:rPr lang="en-US" dirty="0"/>
+              <a:t>Find objects that exist in all images</a:t>
+            </a:r>
+          </a:p>
         </p:txBody>
       </p:sp>
       <p:sp>
@@ -8462,8 +8467,8 @@
         </p:nvSpPr>
         <p:spPr>
           <a:xfrm>
-            <a:off x="6711088" y="1092746"/>
-            <a:ext cx="2892905" cy="2585323"/>
+            <a:off x="6669382" y="1692279"/>
+            <a:ext cx="3882177" cy="2585323"/>
           </a:xfrm>
           <a:prstGeom prst="rect">
             <a:avLst/>
@@ -8478,7 +8483,7 @@
           <a:p>
             <a:r>
               <a:rPr lang="en-US" dirty="0"/>
-              <a:t>Rules can be found</a:t>
+              <a:t>Rules can be found (not complete )</a:t>
             </a:r>
           </a:p>
           <a:p>
@@ -8577,7 +8582,7 @@
         </p:nvSpPr>
         <p:spPr>
           <a:xfrm>
-            <a:off x="6711088" y="3779926"/>
+            <a:off x="6854926" y="4594906"/>
             <a:ext cx="1012503" cy="369332"/>
           </a:xfrm>
           <a:prstGeom prst="rect">
@@ -8593,7 +8598,7 @@
           <a:p>
             <a:r>
               <a:rPr lang="en-US" dirty="0"/>
-              <a:t>6 rules</a:t>
+              <a:t>8 rules</a:t>
             </a:r>
           </a:p>
         </p:txBody>
@@ -8669,7 +8674,19 @@
             </a:r>
             <a:r>
               <a:rPr lang="en-US" dirty="0"/>
-              <a:t>, Big, Red, Left</a:t>
+              <a:t>, </a:t>
+            </a:r>
+            <a:r>
+              <a:rPr lang="en-US" dirty="0">
+                <a:highlight>
+                  <a:srgbClr val="00FF00"/>
+                </a:highlight>
+              </a:rPr>
+              <a:t>Small</a:t>
+            </a:r>
+            <a:r>
+              <a:rPr lang="en-US" dirty="0"/>
+              <a:t>, Red, Left</a:t>
             </a:r>
           </a:p>
           <a:p>
@@ -9144,7 +9161,19 @@
             </a:r>
             <a:r>
               <a:rPr lang="en-US" dirty="0"/>
-              <a:t>, Big, Red, Left</a:t>
+              <a:t>, </a:t>
+            </a:r>
+            <a:r>
+              <a:rPr lang="en-US" dirty="0">
+                <a:highlight>
+                  <a:srgbClr val="00FF00"/>
+                </a:highlight>
+              </a:rPr>
+              <a:t>Small</a:t>
+            </a:r>
+            <a:r>
+              <a:rPr lang="en-US" dirty="0"/>
+              <a:t>, Red, Left</a:t>
             </a:r>
           </a:p>
           <a:p>
@@ -9474,7 +9503,7 @@
                   <a:srgbClr val="00FF00"/>
                 </a:highlight>
               </a:rPr>
-              <a:t>Big</a:t>
+              <a:t>Small</a:t>
             </a:r>
             <a:r>
               <a:rPr lang="en-US" dirty="0"/>
@@ -9505,8 +9534,8 @@
         </p:nvSpPr>
         <p:spPr>
           <a:xfrm>
-            <a:off x="6601801" y="498440"/>
-            <a:ext cx="4442537" cy="369332"/>
+            <a:off x="6529555" y="487384"/>
+            <a:ext cx="4442537" cy="646331"/>
           </a:xfrm>
           <a:prstGeom prst="rect">
             <a:avLst/>
@@ -9524,14 +9553,20 @@
               <a:t>First, search attribute by attribute</a:t>
             </a:r>
           </a:p>
-        </p:txBody>
-      </p:sp>
-      <p:sp>
-        <p:nvSpPr>
-          <p:cNvPr id="14" name="TextBox 13">
-            <a:extLst>
-              <a:ext uri="{FF2B5EF4-FFF2-40B4-BE49-F238E27FC236}">
-                <a16:creationId xmlns:a16="http://schemas.microsoft.com/office/drawing/2014/main" id="{77D7668C-374B-DD95-6723-44C959CECB4E}"/>
+          <a:p>
+            <a:r>
+              <a:rPr lang="en-US" dirty="0"/>
+              <a:t>Then, add attributes as  priors to each rules</a:t>
+            </a:r>
+          </a:p>
+        </p:txBody>
+      </p:sp>
+      <p:sp>
+        <p:nvSpPr>
+          <p:cNvPr id="15" name="TextBox 14">
+            <a:extLst>
+              <a:ext uri="{FF2B5EF4-FFF2-40B4-BE49-F238E27FC236}">
+                <a16:creationId xmlns:a16="http://schemas.microsoft.com/office/drawing/2014/main" id="{CA059608-3EAB-1E9D-2CB0-D20D3A206D77}"/>
               </a:ext>
             </a:extLst>
           </p:cNvPr>
@@ -9540,8 +9575,8 @@
         </p:nvSpPr>
         <p:spPr>
           <a:xfrm>
-            <a:off x="6711088" y="1092746"/>
-            <a:ext cx="2892905" cy="2585323"/>
+            <a:off x="6887342" y="1401090"/>
+            <a:ext cx="2790913" cy="3693319"/>
           </a:xfrm>
           <a:prstGeom prst="rect">
             <a:avLst/>
@@ -9554,19 +9589,43 @@
           </a:bodyPr>
           <a:lstStyle/>
           <a:p>
-            <a:r>
-              <a:rPr lang="en-US" dirty="0"/>
-              <a:t>Rules can be found</a:t>
-            </a:r>
-          </a:p>
-          <a:p>
             <a:pPr marL="285750" indent="-285750">
               <a:buFont typeface="Arial" panose="020B0604020202020204" pitchFamily="34" charset="0"/>
               <a:buChar char="•"/>
             </a:pPr>
             <a:r>
               <a:rPr lang="en-US" dirty="0"/>
-              <a:t>Sphere, Big</a:t>
+              <a:t>Sphere, small</a:t>
+            </a:r>
+          </a:p>
+          <a:p>
+            <a:pPr marL="742950" lvl="1" indent="-285750">
+              <a:buFont typeface="Arial" panose="020B0604020202020204" pitchFamily="34" charset="0"/>
+              <a:buChar char="•"/>
+            </a:pPr>
+            <a:r>
+              <a:rPr lang="en-US" dirty="0"/>
+              <a:t>red(2)</a:t>
+            </a:r>
+          </a:p>
+          <a:p>
+            <a:pPr marL="742950" lvl="1" indent="-285750">
+              <a:buFont typeface="Arial" panose="020B0604020202020204" pitchFamily="34" charset="0"/>
+              <a:buChar char="•"/>
+            </a:pPr>
+            <a:r>
+              <a:rPr lang="en-US" dirty="0"/>
+              <a:t>left(2)</a:t>
+            </a:r>
+          </a:p>
+          <a:p>
+            <a:pPr marL="742950" lvl="1" indent="-285750">
+              <a:buFont typeface="Arial" panose="020B0604020202020204" pitchFamily="34" charset="0"/>
+              <a:buChar char="•"/>
+            </a:pPr>
+            <a:r>
+              <a:rPr lang="en-US" dirty="0"/>
+              <a:t>Left, red (2)</a:t>
             </a:r>
           </a:p>
           <a:p>
@@ -9576,7 +9635,7 @@
             </a:pPr>
             <a:r>
               <a:rPr lang="en-US" dirty="0"/>
-              <a:t>Big, Behind</a:t>
+              <a:t>Sphere, behind</a:t>
             </a:r>
           </a:p>
           <a:p>
@@ -9586,7 +9645,27 @@
             </a:pPr>
             <a:r>
               <a:rPr lang="en-US" dirty="0"/>
-              <a:t>Sphere, Behind</a:t>
+              <a:t>Cube, big</a:t>
+            </a:r>
+          </a:p>
+          <a:p>
+            <a:pPr marL="742950" lvl="1" indent="-285750">
+              <a:buFont typeface="Arial" panose="020B0604020202020204" pitchFamily="34" charset="0"/>
+              <a:buChar char="•"/>
+            </a:pPr>
+            <a:r>
+              <a:rPr lang="en-US" dirty="0"/>
+              <a:t>Front (3)</a:t>
+            </a:r>
+          </a:p>
+          <a:p>
+            <a:pPr marL="742950" lvl="1" indent="-285750">
+              <a:buFont typeface="Arial" panose="020B0604020202020204" pitchFamily="34" charset="0"/>
+              <a:buChar char="•"/>
+            </a:pPr>
+            <a:r>
+              <a:rPr lang="en-US" dirty="0"/>
+              <a:t>Green, Front (2)</a:t>
             </a:r>
           </a:p>
           <a:p>
@@ -9596,7 +9675,27 @@
             </a:pPr>
             <a:r>
               <a:rPr lang="en-US" dirty="0"/>
-              <a:t>Sphere, Big, Behind</a:t>
+              <a:t>Big, Front</a:t>
+            </a:r>
+          </a:p>
+          <a:p>
+            <a:pPr marL="742950" lvl="1" indent="-285750">
+              <a:buFont typeface="Arial" panose="020B0604020202020204" pitchFamily="34" charset="0"/>
+              <a:buChar char="•"/>
+            </a:pPr>
+            <a:r>
+              <a:rPr lang="en-US" dirty="0"/>
+              <a:t>Cube (3)</a:t>
+            </a:r>
+          </a:p>
+          <a:p>
+            <a:pPr marL="742950" lvl="1" indent="-285750">
+              <a:buFont typeface="Arial" panose="020B0604020202020204" pitchFamily="34" charset="0"/>
+              <a:buChar char="•"/>
+            </a:pPr>
+            <a:r>
+              <a:rPr lang="en-US" dirty="0"/>
+              <a:t>Cube, Green (2)</a:t>
             </a:r>
           </a:p>
           <a:p>
@@ -9606,7 +9705,7 @@
             </a:pPr>
             <a:r>
               <a:rPr lang="en-US" dirty="0"/>
-              <a:t>Cube, big</a:t>
+              <a:t>Cube, Front </a:t>
             </a:r>
           </a:p>
           <a:p>
@@ -9616,27 +9715,7 @@
             </a:pPr>
             <a:r>
               <a:rPr lang="en-US" dirty="0"/>
-              <a:t>Big, Front</a:t>
-            </a:r>
-          </a:p>
-          <a:p>
-            <a:pPr marL="285750" indent="-285750">
-              <a:buFont typeface="Arial" panose="020B0604020202020204" pitchFamily="34" charset="0"/>
-              <a:buChar char="•"/>
-            </a:pPr>
-            <a:r>
-              <a:rPr lang="en-US" dirty="0"/>
-              <a:t>Cube, Front</a:t>
-            </a:r>
-          </a:p>
-          <a:p>
-            <a:pPr marL="285750" indent="-285750">
-              <a:buFont typeface="Arial" panose="020B0604020202020204" pitchFamily="34" charset="0"/>
-              <a:buChar char="•"/>
-            </a:pPr>
-            <a:r>
-              <a:rPr lang="en-US" dirty="0"/>
-              <a:t>Cube, big, Front</a:t>
+              <a:t>Cube, Big, Front</a:t>
             </a:r>
           </a:p>
         </p:txBody>
@@ -9646,7 +9725,7 @@
           <p:cNvPr id="4" name="TextBox 3">
             <a:extLst>
               <a:ext uri="{FF2B5EF4-FFF2-40B4-BE49-F238E27FC236}">
-                <a16:creationId xmlns:a16="http://schemas.microsoft.com/office/drawing/2014/main" id="{887F491C-B8A4-AC40-8467-CC280FAD66D7}"/>
+                <a16:creationId xmlns:a16="http://schemas.microsoft.com/office/drawing/2014/main" id="{AA39B9DA-1915-347A-DF50-A6A1B1AD827F}"/>
               </a:ext>
             </a:extLst>
           </p:cNvPr>
@@ -9655,8 +9734,8 @@
         </p:nvSpPr>
         <p:spPr>
           <a:xfrm>
-            <a:off x="6711088" y="3779926"/>
-            <a:ext cx="1012503" cy="369332"/>
+            <a:off x="9520647" y="6373525"/>
+            <a:ext cx="2529832" cy="369332"/>
           </a:xfrm>
           <a:prstGeom prst="rect">
             <a:avLst/>
@@ -9671,7 +9750,42 @@
           <a:p>
             <a:r>
               <a:rPr lang="en-US" dirty="0"/>
-              <a:t>6 rules</a:t>
+              <a:t>Exist Rule/ For All Rule</a:t>
+            </a:r>
+          </a:p>
+        </p:txBody>
+      </p:sp>
+      <p:sp>
+        <p:nvSpPr>
+          <p:cNvPr id="2" name="TextBox 1">
+            <a:extLst>
+              <a:ext uri="{FF2B5EF4-FFF2-40B4-BE49-F238E27FC236}">
+                <a16:creationId xmlns:a16="http://schemas.microsoft.com/office/drawing/2014/main" id="{5EEB7A4B-7112-AC99-258A-BBE44514AE4E}"/>
+              </a:ext>
+            </a:extLst>
+          </p:cNvPr>
+          <p:cNvSpPr txBox="1"/>
+          <p:nvPr/>
+        </p:nvSpPr>
+        <p:spPr>
+          <a:xfrm>
+            <a:off x="7447292" y="5486727"/>
+            <a:ext cx="1186140" cy="369332"/>
+          </a:xfrm>
+          <a:prstGeom prst="rect">
+            <a:avLst/>
+          </a:prstGeom>
+          <a:noFill/>
+        </p:spPr>
+        <p:txBody>
+          <a:bodyPr wrap="square" rtlCol="0">
+            <a:spAutoFit/>
+          </a:bodyPr>
+          <a:lstStyle/>
+          <a:p>
+            <a:r>
+              <a:rPr lang="en-US" dirty="0"/>
+              <a:t>7 rules</a:t>
             </a:r>
           </a:p>
         </p:txBody>
@@ -9679,7 +9793,7 @@
     </p:spTree>
     <p:extLst>
       <p:ext uri="{BB962C8B-B14F-4D97-AF65-F5344CB8AC3E}">
-        <p14:creationId xmlns:p14="http://schemas.microsoft.com/office/powerpoint/2010/main" val="2242468758"/>
+        <p14:creationId xmlns:p14="http://schemas.microsoft.com/office/powerpoint/2010/main" val="2111177412"/>
       </p:ext>
     </p:extLst>
   </p:cSld>
@@ -9706,6 +9820,114 @@
           <a:chExt cx="0" cy="0"/>
         </a:xfrm>
       </p:grpSpPr>
+      <p:pic>
+        <p:nvPicPr>
+          <p:cNvPr id="25" name="Picture 24">
+            <a:extLst>
+              <a:ext uri="{FF2B5EF4-FFF2-40B4-BE49-F238E27FC236}">
+                <a16:creationId xmlns:a16="http://schemas.microsoft.com/office/drawing/2014/main" id="{0F1B27DF-2D2E-8860-533F-120F28114A7F}"/>
+              </a:ext>
+            </a:extLst>
+          </p:cNvPr>
+          <p:cNvPicPr>
+            <a:picLocks noChangeAspect="1"/>
+          </p:cNvPicPr>
+          <p:nvPr/>
+        </p:nvPicPr>
+        <p:blipFill>
+          <a:blip r:embed="rId2">
+            <a:extLst>
+              <a:ext uri="{28A0092B-C50C-407E-A947-70E740481C1C}">
+                <a14:useLocalDpi xmlns:a14="http://schemas.microsoft.com/office/drawing/2010/main" val="0"/>
+              </a:ext>
+            </a:extLst>
+          </a:blip>
+          <a:stretch>
+            <a:fillRect/>
+          </a:stretch>
+        </p:blipFill>
+        <p:spPr>
+          <a:xfrm>
+            <a:off x="356539" y="4734367"/>
+            <a:ext cx="2019600" cy="2019600"/>
+          </a:xfrm>
+          <a:prstGeom prst="rect">
+            <a:avLst/>
+          </a:prstGeom>
+        </p:spPr>
+      </p:pic>
+      <p:pic>
+        <p:nvPicPr>
+          <p:cNvPr id="13" name="Picture 12" descr="A picture containing vector graphics&#10;&#10;Description automatically generated">
+            <a:extLst>
+              <a:ext uri="{FF2B5EF4-FFF2-40B4-BE49-F238E27FC236}">
+                <a16:creationId xmlns:a16="http://schemas.microsoft.com/office/drawing/2014/main" id="{F585A31C-DB00-684D-FD72-D1A8398A0EEC}"/>
+              </a:ext>
+            </a:extLst>
+          </p:cNvPr>
+          <p:cNvPicPr>
+            <a:picLocks noChangeAspect="1"/>
+          </p:cNvPicPr>
+          <p:nvPr/>
+        </p:nvPicPr>
+        <p:blipFill>
+          <a:blip r:embed="rId3">
+            <a:extLst>
+              <a:ext uri="{28A0092B-C50C-407E-A947-70E740481C1C}">
+                <a14:useLocalDpi xmlns:a14="http://schemas.microsoft.com/office/drawing/2010/main" val="0"/>
+              </a:ext>
+            </a:extLst>
+          </a:blip>
+          <a:stretch>
+            <a:fillRect/>
+          </a:stretch>
+        </p:blipFill>
+        <p:spPr>
+          <a:xfrm>
+            <a:off x="381188" y="2729268"/>
+            <a:ext cx="2019600" cy="2019600"/>
+          </a:xfrm>
+          <a:prstGeom prst="rect">
+            <a:avLst/>
+          </a:prstGeom>
+        </p:spPr>
+      </p:pic>
+      <p:pic>
+        <p:nvPicPr>
+          <p:cNvPr id="5" name="Picture 4">
+            <a:extLst>
+              <a:ext uri="{FF2B5EF4-FFF2-40B4-BE49-F238E27FC236}">
+                <a16:creationId xmlns:a16="http://schemas.microsoft.com/office/drawing/2014/main" id="{8B2CD27F-C52C-2F1C-A79B-EFE9DC8ADEDD}"/>
+              </a:ext>
+            </a:extLst>
+          </p:cNvPr>
+          <p:cNvPicPr>
+            <a:picLocks noChangeAspect="1"/>
+          </p:cNvPicPr>
+          <p:nvPr/>
+        </p:nvPicPr>
+        <p:blipFill>
+          <a:blip r:embed="rId4">
+            <a:extLst>
+              <a:ext uri="{28A0092B-C50C-407E-A947-70E740481C1C}">
+                <a14:useLocalDpi xmlns:a14="http://schemas.microsoft.com/office/drawing/2010/main" val="0"/>
+              </a:ext>
+            </a:extLst>
+          </a:blip>
+          <a:stretch>
+            <a:fillRect/>
+          </a:stretch>
+        </p:blipFill>
+        <p:spPr>
+          <a:xfrm>
+            <a:off x="396637" y="625621"/>
+            <a:ext cx="2019600" cy="2019600"/>
+          </a:xfrm>
+          <a:prstGeom prst="rect">
+            <a:avLst/>
+          </a:prstGeom>
+        </p:spPr>
+      </p:pic>
       <p:sp>
         <p:nvSpPr>
           <p:cNvPr id="6" name="TextBox 5">
@@ -9733,6 +9955,43 @@
             <a:spAutoFit/>
           </a:bodyPr>
           <a:lstStyle/>
+          <a:p>
+            <a:pPr marL="342900" indent="-342900">
+              <a:buAutoNum type="alphaUcPeriod"/>
+            </a:pPr>
+            <a:r>
+              <a:rPr lang="en-US" dirty="0">
+                <a:highlight>
+                  <a:srgbClr val="FFFF00"/>
+                </a:highlight>
+              </a:rPr>
+              <a:t>Cube</a:t>
+            </a:r>
+            <a:r>
+              <a:rPr lang="en-US" dirty="0"/>
+              <a:t>, </a:t>
+            </a:r>
+            <a:r>
+              <a:rPr lang="en-US" dirty="0">
+                <a:highlight>
+                  <a:srgbClr val="FFFF00"/>
+                </a:highlight>
+              </a:rPr>
+              <a:t>Big</a:t>
+            </a:r>
+            <a:r>
+              <a:rPr lang="en-US" dirty="0"/>
+              <a:t>, Blue, </a:t>
+            </a:r>
+            <a:r>
+              <a:rPr lang="en-US" dirty="0">
+                <a:highlight>
+                  <a:srgbClr val="FFFF00"/>
+                </a:highlight>
+              </a:rPr>
+              <a:t>Front</a:t>
+            </a:r>
+          </a:p>
           <a:p>
             <a:pPr marL="342900" indent="-342900">
               <a:buAutoNum type="alphaUcPeriod"/>
@@ -9752,14 +10011,34 @@
             <a:r>
               <a:rPr lang="en-US" dirty="0">
                 <a:highlight>
-                  <a:srgbClr val="00FF00"/>
+                  <a:srgbClr val="FFFF00"/>
                 </a:highlight>
               </a:rPr>
-              <a:t>Small</a:t>
-            </a:r>
-            <a:r>
-              <a:rPr lang="en-US" dirty="0"/>
-              <a:t>, Red, Left</a:t>
+              <a:t>Big</a:t>
+            </a:r>
+            <a:r>
+              <a:rPr lang="en-US" dirty="0"/>
+              <a:t>, </a:t>
+            </a:r>
+            <a:r>
+              <a:rPr lang="en-US" dirty="0">
+                <a:highlight>
+                  <a:srgbClr val="FFFF00"/>
+                </a:highlight>
+              </a:rPr>
+              <a:t>Red</a:t>
+            </a:r>
+            <a:r>
+              <a:rPr lang="en-US" dirty="0"/>
+              <a:t>, </a:t>
+            </a:r>
+            <a:r>
+              <a:rPr lang="en-US" dirty="0">
+                <a:highlight>
+                  <a:srgbClr val="FFFF00"/>
+                </a:highlight>
+              </a:rPr>
+              <a:t>Behind</a:t>
             </a:r>
           </a:p>
           <a:p>
@@ -9781,59 +10060,26 @@
             <a:r>
               <a:rPr lang="en-US" dirty="0">
                 <a:highlight>
-                  <a:srgbClr val="00FF00"/>
+                  <a:srgbClr val="FFFF00"/>
                 </a:highlight>
               </a:rPr>
-              <a:t>Big</a:t>
-            </a:r>
-            <a:r>
-              <a:rPr lang="en-US" dirty="0"/>
-              <a:t>, Green, </a:t>
-            </a:r>
-            <a:r>
-              <a:rPr lang="en-US" dirty="0">
-                <a:highlight>
-                  <a:srgbClr val="FF00FF"/>
-                </a:highlight>
-              </a:rPr>
-              <a:t>Behind</a:t>
-            </a:r>
-          </a:p>
-          <a:p>
-            <a:pPr marL="342900" indent="-342900">
-              <a:buAutoNum type="alphaUcPeriod"/>
-            </a:pPr>
+              <a:t>Small</a:t>
+            </a:r>
+            <a:r>
+              <a:rPr lang="en-US" dirty="0"/>
+              <a:t>, </a:t>
+            </a:r>
             <a:r>
               <a:rPr lang="en-US" dirty="0">
                 <a:highlight>
                   <a:srgbClr val="FFFF00"/>
                 </a:highlight>
               </a:rPr>
-              <a:t>Cube</a:t>
-            </a:r>
-            <a:r>
-              <a:rPr lang="en-US" dirty="0"/>
-              <a:t>, </a:t>
-            </a:r>
-            <a:r>
-              <a:rPr lang="en-US" dirty="0">
-                <a:highlight>
-                  <a:srgbClr val="00FF00"/>
-                </a:highlight>
-              </a:rPr>
-              <a:t>Big</a:t>
-            </a:r>
-            <a:r>
-              <a:rPr lang="en-US" dirty="0"/>
-              <a:t>, Green, </a:t>
-            </a:r>
-            <a:r>
-              <a:rPr lang="en-US" dirty="0">
-                <a:highlight>
-                  <a:srgbClr val="FF00FF"/>
-                </a:highlight>
-              </a:rPr>
-              <a:t>Front</a:t>
+              <a:t>Red</a:t>
+            </a:r>
+            <a:r>
+              <a:rPr lang="en-US" dirty="0"/>
+              <a:t>, Right</a:t>
             </a:r>
           </a:p>
           <a:p>
@@ -9841,35 +10087,6 @@
           </a:p>
         </p:txBody>
       </p:sp>
-      <p:pic>
-        <p:nvPicPr>
-          <p:cNvPr id="16" name="Picture 15">
-            <a:extLst>
-              <a:ext uri="{FF2B5EF4-FFF2-40B4-BE49-F238E27FC236}">
-                <a16:creationId xmlns:a16="http://schemas.microsoft.com/office/drawing/2014/main" id="{1389A628-622F-57A0-5F11-47FD5941C511}"/>
-              </a:ext>
-            </a:extLst>
-          </p:cNvPr>
-          <p:cNvPicPr>
-            <a:picLocks noChangeAspect="1"/>
-          </p:cNvPicPr>
-          <p:nvPr/>
-        </p:nvPicPr>
-        <p:blipFill rotWithShape="1">
-          <a:blip r:embed="rId2"/>
-          <a:srcRect l="4531" r="7" b="7"/>
-          <a:stretch/>
-        </p:blipFill>
-        <p:spPr>
-          <a:xfrm>
-            <a:off x="491968" y="487384"/>
-            <a:ext cx="1928086" cy="2019600"/>
-          </a:xfrm>
-          <a:prstGeom prst="rect">
-            <a:avLst/>
-          </a:prstGeom>
-        </p:spPr>
-      </p:pic>
       <p:sp>
         <p:nvSpPr>
           <p:cNvPr id="17" name="Oval 16">
@@ -9884,7 +10101,7 @@
         </p:nvSpPr>
         <p:spPr>
           <a:xfrm>
-            <a:off x="607595" y="1401090"/>
+            <a:off x="608188" y="1873872"/>
             <a:ext cx="405233" cy="420414"/>
           </a:xfrm>
           <a:prstGeom prst="ellipse">
@@ -9933,7 +10150,7 @@
         </p:nvSpPr>
         <p:spPr>
           <a:xfrm>
-            <a:off x="1456013" y="729218"/>
+            <a:off x="810804" y="1210420"/>
             <a:ext cx="405233" cy="420414"/>
           </a:xfrm>
           <a:prstGeom prst="ellipse">
@@ -9982,7 +10199,7 @@
         </p:nvSpPr>
         <p:spPr>
           <a:xfrm>
-            <a:off x="1922664" y="1964184"/>
+            <a:off x="1887940" y="1352803"/>
             <a:ext cx="405233" cy="420414"/>
           </a:xfrm>
           <a:prstGeom prst="ellipse">
@@ -10017,35 +10234,6 @@
           </a:p>
         </p:txBody>
       </p:sp>
-      <p:pic>
-        <p:nvPicPr>
-          <p:cNvPr id="20" name="Picture 19" descr="Icon&#10;&#10;Description automatically generated">
-            <a:extLst>
-              <a:ext uri="{FF2B5EF4-FFF2-40B4-BE49-F238E27FC236}">
-                <a16:creationId xmlns:a16="http://schemas.microsoft.com/office/drawing/2014/main" id="{9CAC6693-94AB-68D2-06AA-234BA1470D3D}"/>
-              </a:ext>
-            </a:extLst>
-          </p:cNvPr>
-          <p:cNvPicPr>
-            <a:picLocks noChangeAspect="1"/>
-          </p:cNvPicPr>
-          <p:nvPr/>
-        </p:nvPicPr>
-        <p:blipFill rotWithShape="1">
-          <a:blip r:embed="rId3"/>
-          <a:srcRect l="4108" r="3" b="3"/>
-          <a:stretch/>
-        </p:blipFill>
-        <p:spPr>
-          <a:xfrm>
-            <a:off x="497796" y="2575306"/>
-            <a:ext cx="1936633" cy="2019600"/>
-          </a:xfrm>
-          <a:prstGeom prst="rect">
-            <a:avLst/>
-          </a:prstGeom>
-        </p:spPr>
-      </p:pic>
       <p:sp>
         <p:nvSpPr>
           <p:cNvPr id="21" name="Oval 20">
@@ -10060,7 +10248,7 @@
         </p:nvSpPr>
         <p:spPr>
           <a:xfrm>
-            <a:off x="2020649" y="3544178"/>
+            <a:off x="1592631" y="4164138"/>
             <a:ext cx="405233" cy="420414"/>
           </a:xfrm>
           <a:prstGeom prst="ellipse">
@@ -10109,7 +10297,7 @@
         </p:nvSpPr>
         <p:spPr>
           <a:xfrm>
-            <a:off x="1862509" y="2703657"/>
+            <a:off x="1886548" y="3026979"/>
             <a:ext cx="405233" cy="420414"/>
           </a:xfrm>
           <a:prstGeom prst="ellipse">
@@ -10158,7 +10346,7 @@
         </p:nvSpPr>
         <p:spPr>
           <a:xfrm>
-            <a:off x="651373" y="3506086"/>
+            <a:off x="412538" y="3521611"/>
             <a:ext cx="405233" cy="420414"/>
           </a:xfrm>
           <a:prstGeom prst="ellipse">
@@ -10230,7 +10418,7 @@
                   <a:srgbClr val="FFFF00"/>
                 </a:highlight>
               </a:rPr>
-              <a:t>Sphere</a:t>
+              <a:t>Cube</a:t>
             </a:r>
             <a:r>
               <a:rPr lang="en-US" dirty="0"/>
@@ -10239,14 +10427,14 @@
             <a:r>
               <a:rPr lang="en-US" dirty="0">
                 <a:highlight>
-                  <a:srgbClr val="00FF00"/>
+                  <a:srgbClr val="FFFF00"/>
                 </a:highlight>
               </a:rPr>
-              <a:t>Small</a:t>
-            </a:r>
-            <a:r>
-              <a:rPr lang="en-US" dirty="0"/>
-              <a:t>, Red, Left</a:t>
+              <a:t>Big</a:t>
+            </a:r>
+            <a:r>
+              <a:rPr lang="en-US" dirty="0"/>
+              <a:t>, Blue, Left</a:t>
             </a:r>
           </a:p>
           <a:p>
@@ -10268,35 +10456,22 @@
             <a:r>
               <a:rPr lang="en-US" dirty="0">
                 <a:highlight>
-                  <a:srgbClr val="00FF00"/>
+                  <a:srgbClr val="FFFF00"/>
                 </a:highlight>
               </a:rPr>
-              <a:t>Big</a:t>
-            </a:r>
-            <a:r>
-              <a:rPr lang="en-US" dirty="0"/>
-              <a:t>, Blue, </a:t>
-            </a:r>
-            <a:r>
-              <a:rPr lang="en-US" dirty="0">
-                <a:highlight>
-                  <a:srgbClr val="FF00FF"/>
-                </a:highlight>
-              </a:rPr>
-              <a:t>Behind</a:t>
-            </a:r>
-          </a:p>
-          <a:p>
-            <a:pPr marL="342900" indent="-342900">
-              <a:buAutoNum type="alphaUcPeriod"/>
-            </a:pPr>
+              <a:t>Small</a:t>
+            </a:r>
+            <a:r>
+              <a:rPr lang="en-US" dirty="0"/>
+              <a:t>, </a:t>
+            </a:r>
             <a:r>
               <a:rPr lang="en-US" dirty="0">
                 <a:highlight>
                   <a:srgbClr val="FFFF00"/>
                 </a:highlight>
               </a:rPr>
-              <a:t>Cube</a:t>
+              <a:t>Red</a:t>
             </a:r>
             <a:r>
               <a:rPr lang="en-US" dirty="0"/>
@@ -10305,19 +10480,44 @@
             <a:r>
               <a:rPr lang="en-US" dirty="0">
                 <a:highlight>
-                  <a:srgbClr val="00FF00"/>
+                  <a:srgbClr val="FFFF00"/>
+                </a:highlight>
+              </a:rPr>
+              <a:t>Behind</a:t>
+            </a:r>
+          </a:p>
+          <a:p>
+            <a:pPr marL="342900" indent="-342900">
+              <a:buAutoNum type="alphaUcPeriod"/>
+            </a:pPr>
+            <a:r>
+              <a:rPr lang="en-US" dirty="0">
+                <a:highlight>
+                  <a:srgbClr val="FFFF00"/>
+                </a:highlight>
+              </a:rPr>
+              <a:t>Sphere</a:t>
+            </a:r>
+            <a:r>
+              <a:rPr lang="en-US" dirty="0"/>
+              <a:t>, </a:t>
+            </a:r>
+            <a:r>
+              <a:rPr lang="en-US" dirty="0">
+                <a:highlight>
+                  <a:srgbClr val="FFFF00"/>
                 </a:highlight>
               </a:rPr>
               <a:t>Big</a:t>
             </a:r>
             <a:r>
               <a:rPr lang="en-US" dirty="0"/>
-              <a:t>, Blue, </a:t>
+              <a:t>, Green, </a:t>
             </a:r>
             <a:r>
               <a:rPr lang="en-US" dirty="0">
                 <a:highlight>
-                  <a:srgbClr val="FF00FF"/>
+                  <a:srgbClr val="FFFF00"/>
                 </a:highlight>
               </a:rPr>
               <a:t>Front</a:t>
@@ -10363,35 +10563,6 @@
           </a:p>
         </p:txBody>
       </p:sp>
-      <p:pic>
-        <p:nvPicPr>
-          <p:cNvPr id="7" name="Picture 6" descr="A picture containing orange&#10;&#10;Description automatically generated">
-            <a:extLst>
-              <a:ext uri="{FF2B5EF4-FFF2-40B4-BE49-F238E27FC236}">
-                <a16:creationId xmlns:a16="http://schemas.microsoft.com/office/drawing/2014/main" id="{ECBDCDEC-9659-E34E-E348-B9CFEC57DF66}"/>
-              </a:ext>
-            </a:extLst>
-          </p:cNvPr>
-          <p:cNvPicPr>
-            <a:picLocks noChangeAspect="1"/>
-          </p:cNvPicPr>
-          <p:nvPr/>
-        </p:nvPicPr>
-        <p:blipFill rotWithShape="1">
-          <a:blip r:embed="rId4"/>
-          <a:srcRect r="3935" b="2"/>
-          <a:stretch/>
-        </p:blipFill>
-        <p:spPr>
-          <a:xfrm>
-            <a:off x="496028" y="4723257"/>
-            <a:ext cx="1940168" cy="2019600"/>
-          </a:xfrm>
-          <a:prstGeom prst="rect">
-            <a:avLst/>
-          </a:prstGeom>
-        </p:spPr>
-      </p:pic>
       <p:sp>
         <p:nvSpPr>
           <p:cNvPr id="9" name="Oval 8">
@@ -10406,7 +10577,7 @@
         </p:nvSpPr>
         <p:spPr>
           <a:xfrm>
-            <a:off x="1406437" y="6160409"/>
+            <a:off x="417579" y="6058210"/>
             <a:ext cx="405233" cy="420414"/>
           </a:xfrm>
           <a:prstGeom prst="ellipse">
@@ -10455,7 +10626,7 @@
         </p:nvSpPr>
         <p:spPr>
           <a:xfrm>
-            <a:off x="1456013" y="5465613"/>
+            <a:off x="1390988" y="5451112"/>
             <a:ext cx="405233" cy="420414"/>
           </a:xfrm>
           <a:prstGeom prst="ellipse">
@@ -10505,7 +10676,7 @@
         <p:spPr>
           <a:xfrm>
             <a:off x="2673678" y="5380494"/>
-            <a:ext cx="3422322" cy="646331"/>
+            <a:ext cx="3422322" cy="923330"/>
           </a:xfrm>
           <a:prstGeom prst="rect">
             <a:avLst/>
@@ -10517,6 +10688,43 @@
             <a:spAutoFit/>
           </a:bodyPr>
           <a:lstStyle/>
+          <a:p>
+            <a:pPr marL="342900" indent="-342900">
+              <a:buAutoNum type="alphaUcPeriod"/>
+            </a:pPr>
+            <a:r>
+              <a:rPr lang="en-US" dirty="0">
+                <a:highlight>
+                  <a:srgbClr val="FFFF00"/>
+                </a:highlight>
+              </a:rPr>
+              <a:t>Sphere</a:t>
+            </a:r>
+            <a:r>
+              <a:rPr lang="en-US" dirty="0"/>
+              <a:t>, </a:t>
+            </a:r>
+            <a:r>
+              <a:rPr lang="en-US" dirty="0">
+                <a:highlight>
+                  <a:srgbClr val="FFFF00"/>
+                </a:highlight>
+              </a:rPr>
+              <a:t>Big</a:t>
+            </a:r>
+            <a:r>
+              <a:rPr lang="en-US" dirty="0"/>
+              <a:t>, Green, </a:t>
+            </a:r>
+            <a:r>
+              <a:rPr lang="en-US" dirty="0">
+                <a:highlight>
+                  <a:srgbClr val="FFFF00"/>
+                </a:highlight>
+              </a:rPr>
+              <a:t>Front</a:t>
+            </a:r>
+          </a:p>
           <a:p>
             <a:pPr marL="342900" indent="-342900">
               <a:buAutoNum type="alphaUcPeriod"/>
@@ -10536,22 +10744,26 @@
             <a:r>
               <a:rPr lang="en-US" dirty="0">
                 <a:highlight>
-                  <a:srgbClr val="00FF00"/>
+                  <a:srgbClr val="FFFF00"/>
                 </a:highlight>
               </a:rPr>
               <a:t>Big</a:t>
             </a:r>
             <a:r>
               <a:rPr lang="en-US" dirty="0"/>
-              <a:t>, Green, </a:t>
+              <a:t>, </a:t>
             </a:r>
             <a:r>
               <a:rPr lang="en-US" dirty="0">
                 <a:highlight>
-                  <a:srgbClr val="FF00FF"/>
+                  <a:srgbClr val="FFFF00"/>
                 </a:highlight>
               </a:rPr>
-              <a:t>Front</a:t>
+              <a:t>Red</a:t>
+            </a:r>
+            <a:r>
+              <a:rPr lang="en-US" dirty="0"/>
+              <a:t>, Right</a:t>
             </a:r>
           </a:p>
           <a:p>
@@ -10573,19 +10785,31 @@
             <a:r>
               <a:rPr lang="en-US" dirty="0">
                 <a:highlight>
-                  <a:srgbClr val="00FF00"/>
+                  <a:srgbClr val="FFFF00"/>
                 </a:highlight>
               </a:rPr>
               <a:t>Small</a:t>
             </a:r>
             <a:r>
               <a:rPr lang="en-US" dirty="0"/>
-              <a:t>, Blue, </a:t>
+              <a:t>, </a:t>
             </a:r>
             <a:r>
               <a:rPr lang="en-US" dirty="0">
                 <a:highlight>
-                  <a:srgbClr val="FF00FF"/>
+                  <a:srgbClr val="FFFF00"/>
+                </a:highlight>
+              </a:rPr>
+              <a:t>Red</a:t>
+            </a:r>
+            <a:r>
+              <a:rPr lang="en-US" dirty="0"/>
+              <a:t>, </a:t>
+            </a:r>
+            <a:r>
+              <a:rPr lang="en-US" dirty="0">
+                <a:highlight>
+                  <a:srgbClr val="FFFF00"/>
                 </a:highlight>
               </a:rPr>
               <a:t>Behind</a:t>
@@ -10607,8 +10831,8 @@
         </p:nvSpPr>
         <p:spPr>
           <a:xfrm>
-            <a:off x="6529555" y="487384"/>
-            <a:ext cx="4442537" cy="646331"/>
+            <a:off x="6601801" y="498440"/>
+            <a:ext cx="4442537" cy="369332"/>
           </a:xfrm>
           <a:prstGeom prst="rect">
             <a:avLst/>
@@ -10626,20 +10850,14 @@
               <a:t>First, search attribute by attribute</a:t>
             </a:r>
           </a:p>
-          <a:p>
-            <a:r>
-              <a:rPr lang="en-US" dirty="0"/>
-              <a:t>Then, add attributes as  priors to each rules</a:t>
-            </a:r>
-          </a:p>
-        </p:txBody>
-      </p:sp>
-      <p:sp>
-        <p:nvSpPr>
-          <p:cNvPr id="15" name="TextBox 14">
-            <a:extLst>
-              <a:ext uri="{FF2B5EF4-FFF2-40B4-BE49-F238E27FC236}">
-                <a16:creationId xmlns:a16="http://schemas.microsoft.com/office/drawing/2014/main" id="{CA059608-3EAB-1E9D-2CB0-D20D3A206D77}"/>
+        </p:txBody>
+      </p:sp>
+      <p:sp>
+        <p:nvSpPr>
+          <p:cNvPr id="14" name="TextBox 13">
+            <a:extLst>
+              <a:ext uri="{FF2B5EF4-FFF2-40B4-BE49-F238E27FC236}">
+                <a16:creationId xmlns:a16="http://schemas.microsoft.com/office/drawing/2014/main" id="{77D7668C-374B-DD95-6723-44C959CECB4E}"/>
               </a:ext>
             </a:extLst>
           </p:cNvPr>
@@ -10648,8 +10866,8 @@
         </p:nvSpPr>
         <p:spPr>
           <a:xfrm>
-            <a:off x="7216116" y="1401090"/>
-            <a:ext cx="2529832" cy="3693319"/>
+            <a:off x="6977898" y="1079703"/>
+            <a:ext cx="2892905" cy="2862322"/>
           </a:xfrm>
           <a:prstGeom prst="rect">
             <a:avLst/>
@@ -10662,43 +10880,19 @@
           </a:bodyPr>
           <a:lstStyle/>
           <a:p>
+            <a:r>
+              <a:rPr lang="en-US" dirty="0"/>
+              <a:t>Rules can be found</a:t>
+            </a:r>
+          </a:p>
+          <a:p>
             <a:pPr marL="285750" indent="-285750">
               <a:buFont typeface="Arial" panose="020B0604020202020204" pitchFamily="34" charset="0"/>
               <a:buChar char="•"/>
             </a:pPr>
             <a:r>
               <a:rPr lang="en-US" dirty="0"/>
-              <a:t>Sphere, small</a:t>
-            </a:r>
-          </a:p>
-          <a:p>
-            <a:pPr marL="742950" lvl="1" indent="-285750">
-              <a:buFont typeface="Arial" panose="020B0604020202020204" pitchFamily="34" charset="0"/>
-              <a:buChar char="•"/>
-            </a:pPr>
-            <a:r>
-              <a:rPr lang="en-US" dirty="0"/>
-              <a:t>red(2)</a:t>
-            </a:r>
-          </a:p>
-          <a:p>
-            <a:pPr marL="742950" lvl="1" indent="-285750">
-              <a:buFont typeface="Arial" panose="020B0604020202020204" pitchFamily="34" charset="0"/>
-              <a:buChar char="•"/>
-            </a:pPr>
-            <a:r>
-              <a:rPr lang="en-US" dirty="0"/>
-              <a:t>left(2)</a:t>
-            </a:r>
-          </a:p>
-          <a:p>
-            <a:pPr marL="742950" lvl="1" indent="-285750">
-              <a:buFont typeface="Arial" panose="020B0604020202020204" pitchFamily="34" charset="0"/>
-              <a:buChar char="•"/>
-            </a:pPr>
-            <a:r>
-              <a:rPr lang="en-US" dirty="0"/>
-              <a:t>Left, red (2)</a:t>
+              <a:t>Big, Cube</a:t>
             </a:r>
           </a:p>
           <a:p>
@@ -10708,7 +10902,7 @@
             </a:pPr>
             <a:r>
               <a:rPr lang="en-US" dirty="0"/>
-              <a:t>Sphere, behind</a:t>
+              <a:t>Big, Sphere</a:t>
             </a:r>
           </a:p>
           <a:p>
@@ -10718,27 +10912,7 @@
             </a:pPr>
             <a:r>
               <a:rPr lang="en-US" dirty="0"/>
-              <a:t>Cube, big</a:t>
-            </a:r>
-          </a:p>
-          <a:p>
-            <a:pPr marL="742950" lvl="1" indent="-285750">
-              <a:buFont typeface="Arial" panose="020B0604020202020204" pitchFamily="34" charset="0"/>
-              <a:buChar char="•"/>
-            </a:pPr>
-            <a:r>
-              <a:rPr lang="en-US" dirty="0"/>
-              <a:t>Front (3)</a:t>
-            </a:r>
-          </a:p>
-          <a:p>
-            <a:pPr marL="742950" lvl="1" indent="-285750">
-              <a:buFont typeface="Arial" panose="020B0604020202020204" pitchFamily="34" charset="0"/>
-              <a:buChar char="•"/>
-            </a:pPr>
-            <a:r>
-              <a:rPr lang="en-US" dirty="0"/>
-              <a:t>Green, Front (2)</a:t>
+              <a:t>Sphere, Behind</a:t>
             </a:r>
           </a:p>
           <a:p>
@@ -10748,27 +10922,7 @@
             </a:pPr>
             <a:r>
               <a:rPr lang="en-US" dirty="0"/>
-              <a:t>Big, Front</a:t>
-            </a:r>
-          </a:p>
-          <a:p>
-            <a:pPr marL="742950" lvl="1" indent="-285750">
-              <a:buFont typeface="Arial" panose="020B0604020202020204" pitchFamily="34" charset="0"/>
-              <a:buChar char="•"/>
-            </a:pPr>
-            <a:r>
-              <a:rPr lang="en-US" dirty="0"/>
-              <a:t>Cube (3)</a:t>
-            </a:r>
-          </a:p>
-          <a:p>
-            <a:pPr marL="742950" lvl="1" indent="-285750">
-              <a:buFont typeface="Arial" panose="020B0604020202020204" pitchFamily="34" charset="0"/>
-              <a:buChar char="•"/>
-            </a:pPr>
-            <a:r>
-              <a:rPr lang="en-US" dirty="0"/>
-              <a:t>Cube, Green (2)</a:t>
+              <a:t>Red, Behind</a:t>
             </a:r>
           </a:p>
           <a:p>
@@ -10778,7 +10932,7 @@
             </a:pPr>
             <a:r>
               <a:rPr lang="en-US" dirty="0"/>
-              <a:t>Cube, Front </a:t>
+              <a:t>Sphere, Red, Behind</a:t>
             </a:r>
           </a:p>
           <a:p>
@@ -10788,7 +10942,37 @@
             </a:pPr>
             <a:r>
               <a:rPr lang="en-US" dirty="0"/>
-              <a:t>Cube, Big, Front</a:t>
+              <a:t>Sphere, Small</a:t>
+            </a:r>
+          </a:p>
+          <a:p>
+            <a:pPr marL="285750" indent="-285750">
+              <a:buFont typeface="Arial" panose="020B0604020202020204" pitchFamily="34" charset="0"/>
+              <a:buChar char="•"/>
+            </a:pPr>
+            <a:r>
+              <a:rPr lang="en-US" dirty="0"/>
+              <a:t>Sphere, Red</a:t>
+            </a:r>
+          </a:p>
+          <a:p>
+            <a:pPr marL="285750" indent="-285750">
+              <a:buFont typeface="Arial" panose="020B0604020202020204" pitchFamily="34" charset="0"/>
+              <a:buChar char="•"/>
+            </a:pPr>
+            <a:r>
+              <a:rPr lang="en-US" dirty="0"/>
+              <a:t>Small Red,</a:t>
+            </a:r>
+          </a:p>
+          <a:p>
+            <a:pPr marL="285750" indent="-285750">
+              <a:buFont typeface="Arial" panose="020B0604020202020204" pitchFamily="34" charset="0"/>
+              <a:buChar char="•"/>
+            </a:pPr>
+            <a:r>
+              <a:rPr lang="en-US" dirty="0"/>
+              <a:t>Sphere, Small, Red</a:t>
             </a:r>
           </a:p>
         </p:txBody>
@@ -10798,7 +10982,7 @@
           <p:cNvPr id="4" name="TextBox 3">
             <a:extLst>
               <a:ext uri="{FF2B5EF4-FFF2-40B4-BE49-F238E27FC236}">
-                <a16:creationId xmlns:a16="http://schemas.microsoft.com/office/drawing/2014/main" id="{AA39B9DA-1915-347A-DF50-A6A1B1AD827F}"/>
+                <a16:creationId xmlns:a16="http://schemas.microsoft.com/office/drawing/2014/main" id="{887F491C-B8A4-AC40-8467-CC280FAD66D7}"/>
               </a:ext>
             </a:extLst>
           </p:cNvPr>
@@ -10807,8 +10991,8 @@
         </p:nvSpPr>
         <p:spPr>
           <a:xfrm>
-            <a:off x="7294892" y="5334327"/>
-            <a:ext cx="1186140" cy="369332"/>
+            <a:off x="6977898" y="4153956"/>
+            <a:ext cx="1012503" cy="369332"/>
           </a:xfrm>
           <a:prstGeom prst="rect">
             <a:avLst/>
@@ -10823,7 +11007,56 @@
           <a:p>
             <a:r>
               <a:rPr lang="en-US" dirty="0"/>
-              <a:t>7 rules</a:t>
+              <a:t>9 rules</a:t>
+            </a:r>
+          </a:p>
+        </p:txBody>
+      </p:sp>
+      <p:sp>
+        <p:nvSpPr>
+          <p:cNvPr id="26" name="Oval 25">
+            <a:extLst>
+              <a:ext uri="{FF2B5EF4-FFF2-40B4-BE49-F238E27FC236}">
+                <a16:creationId xmlns:a16="http://schemas.microsoft.com/office/drawing/2014/main" id="{5D26DD76-FFF7-A832-FD87-4674211A33AF}"/>
+              </a:ext>
+            </a:extLst>
+          </p:cNvPr>
+          <p:cNvSpPr/>
+          <p:nvPr/>
+        </p:nvSpPr>
+        <p:spPr>
+          <a:xfrm>
+            <a:off x="615154" y="5018792"/>
+            <a:ext cx="405233" cy="420414"/>
+          </a:xfrm>
+          <a:prstGeom prst="ellipse">
+            <a:avLst/>
+          </a:prstGeom>
+        </p:spPr>
+        <p:style>
+          <a:lnRef idx="2">
+            <a:schemeClr val="accent1">
+              <a:shade val="50000"/>
+            </a:schemeClr>
+          </a:lnRef>
+          <a:fillRef idx="1">
+            <a:schemeClr val="accent1"/>
+          </a:fillRef>
+          <a:effectRef idx="0">
+            <a:schemeClr val="accent1"/>
+          </a:effectRef>
+          <a:fontRef idx="minor">
+            <a:schemeClr val="lt1"/>
+          </a:fontRef>
+        </p:style>
+        <p:txBody>
+          <a:bodyPr rtlCol="0" anchor="ctr"/>
+          <a:lstStyle/>
+          <a:p>
+            <a:pPr algn="ctr"/>
+            <a:r>
+              <a:rPr lang="en-US" dirty="0"/>
+              <a:t>C</a:t>
             </a:r>
           </a:p>
         </p:txBody>
@@ -10831,7 +11064,7 @@
     </p:spTree>
     <p:extLst>
       <p:ext uri="{BB962C8B-B14F-4D97-AF65-F5344CB8AC3E}">
-        <p14:creationId xmlns:p14="http://schemas.microsoft.com/office/powerpoint/2010/main" val="2111177412"/>
+        <p14:creationId xmlns:p14="http://schemas.microsoft.com/office/powerpoint/2010/main" val="2932168644"/>
       </p:ext>
     </p:extLst>
   </p:cSld>
@@ -11857,10 +12090,10 @@
       </p:sp>
       <p:sp>
         <p:nvSpPr>
-          <p:cNvPr id="12" name="TextBox 11">
-            <a:extLst>
-              <a:ext uri="{FF2B5EF4-FFF2-40B4-BE49-F238E27FC236}">
-                <a16:creationId xmlns:a16="http://schemas.microsoft.com/office/drawing/2014/main" id="{4A5DC98C-CEC8-CAEC-15C2-E88D0D5706D9}"/>
+          <p:cNvPr id="14" name="TextBox 13">
+            <a:extLst>
+              <a:ext uri="{FF2B5EF4-FFF2-40B4-BE49-F238E27FC236}">
+                <a16:creationId xmlns:a16="http://schemas.microsoft.com/office/drawing/2014/main" id="{77D7668C-374B-DD95-6723-44C959CECB4E}"/>
               </a:ext>
             </a:extLst>
           </p:cNvPr>
@@ -11869,8 +12102,8 @@
         </p:nvSpPr>
         <p:spPr>
           <a:xfrm>
-            <a:off x="6601801" y="498440"/>
-            <a:ext cx="4442537" cy="369332"/>
+            <a:off x="6977898" y="1440245"/>
+            <a:ext cx="2892905" cy="4247317"/>
           </a:xfrm>
           <a:prstGeom prst="rect">
             <a:avLst/>
@@ -11885,17 +12118,157 @@
           <a:p>
             <a:r>
               <a:rPr lang="en-US" dirty="0"/>
-              <a:t>First, search attribute by attribute</a:t>
-            </a:r>
-          </a:p>
-        </p:txBody>
-      </p:sp>
-      <p:sp>
-        <p:nvSpPr>
-          <p:cNvPr id="14" name="TextBox 13">
-            <a:extLst>
-              <a:ext uri="{FF2B5EF4-FFF2-40B4-BE49-F238E27FC236}">
-                <a16:creationId xmlns:a16="http://schemas.microsoft.com/office/drawing/2014/main" id="{77D7668C-374B-DD95-6723-44C959CECB4E}"/>
+              <a:t>Rules can be found</a:t>
+            </a:r>
+          </a:p>
+          <a:p>
+            <a:pPr marL="285750" indent="-285750">
+              <a:buFont typeface="Arial" panose="020B0604020202020204" pitchFamily="34" charset="0"/>
+              <a:buChar char="•"/>
+            </a:pPr>
+            <a:r>
+              <a:rPr lang="en-US" dirty="0"/>
+              <a:t>Big, Cube</a:t>
+            </a:r>
+          </a:p>
+          <a:p>
+            <a:pPr marL="742950" lvl="1" indent="-285750">
+              <a:buFont typeface="Arial" panose="020B0604020202020204" pitchFamily="34" charset="0"/>
+              <a:buChar char="•"/>
+            </a:pPr>
+            <a:r>
+              <a:rPr lang="en-US" dirty="0"/>
+              <a:t>Blue (2)</a:t>
+            </a:r>
+          </a:p>
+          <a:p>
+            <a:pPr marL="742950" lvl="1" indent="-285750">
+              <a:buFont typeface="Arial" panose="020B0604020202020204" pitchFamily="34" charset="0"/>
+              <a:buChar char="•"/>
+            </a:pPr>
+            <a:r>
+              <a:rPr lang="en-US" dirty="0"/>
+              <a:t>Blue Front (1)</a:t>
+            </a:r>
+          </a:p>
+          <a:p>
+            <a:pPr marL="285750" indent="-285750">
+              <a:buFont typeface="Arial" panose="020B0604020202020204" pitchFamily="34" charset="0"/>
+              <a:buChar char="•"/>
+            </a:pPr>
+            <a:r>
+              <a:rPr lang="en-US" dirty="0"/>
+              <a:t>Big, Sphere</a:t>
+            </a:r>
+          </a:p>
+          <a:p>
+            <a:pPr marL="285750" indent="-285750">
+              <a:buFont typeface="Arial" panose="020B0604020202020204" pitchFamily="34" charset="0"/>
+              <a:buChar char="•"/>
+            </a:pPr>
+            <a:r>
+              <a:rPr lang="en-US" dirty="0"/>
+              <a:t>Sphere, Behind</a:t>
+            </a:r>
+          </a:p>
+          <a:p>
+            <a:pPr marL="285750" indent="-285750">
+              <a:buFont typeface="Arial" panose="020B0604020202020204" pitchFamily="34" charset="0"/>
+              <a:buChar char="•"/>
+            </a:pPr>
+            <a:r>
+              <a:rPr lang="en-US" dirty="0"/>
+              <a:t>Red, Behind</a:t>
+            </a:r>
+          </a:p>
+          <a:p>
+            <a:pPr marL="285750" indent="-285750">
+              <a:buFont typeface="Arial" panose="020B0604020202020204" pitchFamily="34" charset="0"/>
+              <a:buChar char="•"/>
+            </a:pPr>
+            <a:r>
+              <a:rPr lang="en-US" dirty="0"/>
+              <a:t>Sphere, Red, Behind</a:t>
+            </a:r>
+          </a:p>
+          <a:p>
+            <a:pPr marL="285750" indent="-285750">
+              <a:buFont typeface="Arial" panose="020B0604020202020204" pitchFamily="34" charset="0"/>
+              <a:buChar char="•"/>
+            </a:pPr>
+            <a:r>
+              <a:rPr lang="en-US" dirty="0"/>
+              <a:t>Sphere, Small</a:t>
+            </a:r>
+          </a:p>
+          <a:p>
+            <a:pPr marL="285750" indent="-285750">
+              <a:buFont typeface="Arial" panose="020B0604020202020204" pitchFamily="34" charset="0"/>
+              <a:buChar char="•"/>
+            </a:pPr>
+            <a:r>
+              <a:rPr lang="en-US" dirty="0"/>
+              <a:t>Sphere, Red</a:t>
+            </a:r>
+          </a:p>
+          <a:p>
+            <a:pPr marL="742950" lvl="1" indent="-285750">
+              <a:buFont typeface="Arial" panose="020B0604020202020204" pitchFamily="34" charset="0"/>
+              <a:buChar char="•"/>
+            </a:pPr>
+            <a:r>
+              <a:rPr lang="en-US" dirty="0"/>
+              <a:t>Small (3)</a:t>
+            </a:r>
+          </a:p>
+          <a:p>
+            <a:pPr marL="742950" lvl="1" indent="-285750">
+              <a:buFont typeface="Arial" panose="020B0604020202020204" pitchFamily="34" charset="0"/>
+              <a:buChar char="•"/>
+            </a:pPr>
+            <a:r>
+              <a:rPr lang="en-US" dirty="0"/>
+              <a:t>Small Right (1)</a:t>
+            </a:r>
+          </a:p>
+          <a:p>
+            <a:pPr marL="285750" indent="-285750">
+              <a:buFont typeface="Arial" panose="020B0604020202020204" pitchFamily="34" charset="0"/>
+              <a:buChar char="•"/>
+            </a:pPr>
+            <a:r>
+              <a:rPr lang="en-US" dirty="0"/>
+              <a:t>Small Red</a:t>
+            </a:r>
+          </a:p>
+          <a:p>
+            <a:pPr marL="742950" lvl="1" indent="-285750">
+              <a:buFont typeface="Arial" panose="020B0604020202020204" pitchFamily="34" charset="0"/>
+              <a:buChar char="•"/>
+            </a:pPr>
+            <a:r>
+              <a:rPr lang="en-US" dirty="0"/>
+              <a:t>Sphere, Right (1)</a:t>
+            </a:r>
+          </a:p>
+          <a:p>
+            <a:pPr marL="285750" indent="-285750">
+              <a:buFont typeface="Arial" panose="020B0604020202020204" pitchFamily="34" charset="0"/>
+              <a:buChar char="•"/>
+            </a:pPr>
+            <a:r>
+              <a:rPr lang="en-US" dirty="0"/>
+              <a:t>Sphere, Small, Red</a:t>
+            </a:r>
+          </a:p>
+        </p:txBody>
+      </p:sp>
+      <p:sp>
+        <p:nvSpPr>
+          <p:cNvPr id="4" name="TextBox 3">
+            <a:extLst>
+              <a:ext uri="{FF2B5EF4-FFF2-40B4-BE49-F238E27FC236}">
+                <a16:creationId xmlns:a16="http://schemas.microsoft.com/office/drawing/2014/main" id="{887F491C-B8A4-AC40-8467-CC280FAD66D7}"/>
               </a:ext>
             </a:extLst>
           </p:cNvPr>
@@ -11904,8 +12277,8 @@
         </p:nvSpPr>
         <p:spPr>
           <a:xfrm>
-            <a:off x="6977898" y="1079703"/>
-            <a:ext cx="2892905" cy="2862322"/>
+            <a:off x="6977898" y="5934492"/>
+            <a:ext cx="1012503" cy="369332"/>
           </a:xfrm>
           <a:prstGeom prst="rect">
             <a:avLst/>
@@ -11920,132 +12293,7 @@
           <a:p>
             <a:r>
               <a:rPr lang="en-US" dirty="0"/>
-              <a:t>Rules can be found</a:t>
-            </a:r>
-          </a:p>
-          <a:p>
-            <a:pPr marL="285750" indent="-285750">
-              <a:buFont typeface="Arial" panose="020B0604020202020204" pitchFamily="34" charset="0"/>
-              <a:buChar char="•"/>
-            </a:pPr>
-            <a:r>
-              <a:rPr lang="en-US" dirty="0"/>
-              <a:t>Big, Cube</a:t>
-            </a:r>
-          </a:p>
-          <a:p>
-            <a:pPr marL="285750" indent="-285750">
-              <a:buFont typeface="Arial" panose="020B0604020202020204" pitchFamily="34" charset="0"/>
-              <a:buChar char="•"/>
-            </a:pPr>
-            <a:r>
-              <a:rPr lang="en-US" dirty="0"/>
-              <a:t>Big, Sphere</a:t>
-            </a:r>
-          </a:p>
-          <a:p>
-            <a:pPr marL="285750" indent="-285750">
-              <a:buFont typeface="Arial" panose="020B0604020202020204" pitchFamily="34" charset="0"/>
-              <a:buChar char="•"/>
-            </a:pPr>
-            <a:r>
-              <a:rPr lang="en-US" dirty="0"/>
-              <a:t>Sphere, Behind</a:t>
-            </a:r>
-          </a:p>
-          <a:p>
-            <a:pPr marL="285750" indent="-285750">
-              <a:buFont typeface="Arial" panose="020B0604020202020204" pitchFamily="34" charset="0"/>
-              <a:buChar char="•"/>
-            </a:pPr>
-            <a:r>
-              <a:rPr lang="en-US" dirty="0"/>
-              <a:t>Red, Behind</a:t>
-            </a:r>
-          </a:p>
-          <a:p>
-            <a:pPr marL="285750" indent="-285750">
-              <a:buFont typeface="Arial" panose="020B0604020202020204" pitchFamily="34" charset="0"/>
-              <a:buChar char="•"/>
-            </a:pPr>
-            <a:r>
-              <a:rPr lang="en-US" dirty="0"/>
-              <a:t>Sphere, Red, Behind</a:t>
-            </a:r>
-          </a:p>
-          <a:p>
-            <a:pPr marL="285750" indent="-285750">
-              <a:buFont typeface="Arial" panose="020B0604020202020204" pitchFamily="34" charset="0"/>
-              <a:buChar char="•"/>
-            </a:pPr>
-            <a:r>
-              <a:rPr lang="en-US" dirty="0"/>
-              <a:t>Sphere, Small</a:t>
-            </a:r>
-          </a:p>
-          <a:p>
-            <a:pPr marL="285750" indent="-285750">
-              <a:buFont typeface="Arial" panose="020B0604020202020204" pitchFamily="34" charset="0"/>
-              <a:buChar char="•"/>
-            </a:pPr>
-            <a:r>
-              <a:rPr lang="en-US" dirty="0"/>
-              <a:t>Sphere, Red</a:t>
-            </a:r>
-          </a:p>
-          <a:p>
-            <a:pPr marL="285750" indent="-285750">
-              <a:buFont typeface="Arial" panose="020B0604020202020204" pitchFamily="34" charset="0"/>
-              <a:buChar char="•"/>
-            </a:pPr>
-            <a:r>
-              <a:rPr lang="en-US" dirty="0"/>
-              <a:t>Small Red,</a:t>
-            </a:r>
-          </a:p>
-          <a:p>
-            <a:pPr marL="285750" indent="-285750">
-              <a:buFont typeface="Arial" panose="020B0604020202020204" pitchFamily="34" charset="0"/>
-              <a:buChar char="•"/>
-            </a:pPr>
-            <a:r>
-              <a:rPr lang="en-US" dirty="0"/>
-              <a:t>Sphere, Small, Red</a:t>
-            </a:r>
-          </a:p>
-        </p:txBody>
-      </p:sp>
-      <p:sp>
-        <p:nvSpPr>
-          <p:cNvPr id="4" name="TextBox 3">
-            <a:extLst>
-              <a:ext uri="{FF2B5EF4-FFF2-40B4-BE49-F238E27FC236}">
-                <a16:creationId xmlns:a16="http://schemas.microsoft.com/office/drawing/2014/main" id="{887F491C-B8A4-AC40-8467-CC280FAD66D7}"/>
-              </a:ext>
-            </a:extLst>
-          </p:cNvPr>
-          <p:cNvSpPr txBox="1"/>
-          <p:nvPr/>
-        </p:nvSpPr>
-        <p:spPr>
-          <a:xfrm>
-            <a:off x="6977898" y="4153956"/>
-            <a:ext cx="1012503" cy="369332"/>
-          </a:xfrm>
-          <a:prstGeom prst="rect">
-            <a:avLst/>
-          </a:prstGeom>
-          <a:noFill/>
-        </p:spPr>
-        <p:txBody>
-          <a:bodyPr wrap="square" rtlCol="0">
-            <a:spAutoFit/>
-          </a:bodyPr>
-          <a:lstStyle/>
-          <a:p>
-            <a:r>
-              <a:rPr lang="en-US" dirty="0"/>
-              <a:t>9 rules</a:t>
+              <a:t>5 rules</a:t>
             </a:r>
           </a:p>
         </p:txBody>
@@ -12099,10 +12347,51 @@
           </a:p>
         </p:txBody>
       </p:sp>
+      <p:sp>
+        <p:nvSpPr>
+          <p:cNvPr id="2" name="TextBox 1">
+            <a:extLst>
+              <a:ext uri="{FF2B5EF4-FFF2-40B4-BE49-F238E27FC236}">
+                <a16:creationId xmlns:a16="http://schemas.microsoft.com/office/drawing/2014/main" id="{CA64DCF3-DAA5-8513-6D8C-2D48A5668748}"/>
+              </a:ext>
+            </a:extLst>
+          </p:cNvPr>
+          <p:cNvSpPr txBox="1"/>
+          <p:nvPr/>
+        </p:nvSpPr>
+        <p:spPr>
+          <a:xfrm>
+            <a:off x="6822518" y="487384"/>
+            <a:ext cx="4442537" cy="646331"/>
+          </a:xfrm>
+          <a:prstGeom prst="rect">
+            <a:avLst/>
+          </a:prstGeom>
+          <a:noFill/>
+        </p:spPr>
+        <p:txBody>
+          <a:bodyPr wrap="square" rtlCol="0">
+            <a:spAutoFit/>
+          </a:bodyPr>
+          <a:lstStyle/>
+          <a:p>
+            <a:r>
+              <a:rPr lang="en-US" dirty="0"/>
+              <a:t>First, search attribute by attribute</a:t>
+            </a:r>
+          </a:p>
+          <a:p>
+            <a:r>
+              <a:rPr lang="en-US" dirty="0"/>
+              <a:t>Then, add attributes as  priors to each rules</a:t>
+            </a:r>
+          </a:p>
+        </p:txBody>
+      </p:sp>
     </p:spTree>
     <p:extLst>
       <p:ext uri="{BB962C8B-B14F-4D97-AF65-F5344CB8AC3E}">
-        <p14:creationId xmlns:p14="http://schemas.microsoft.com/office/powerpoint/2010/main" val="2932168644"/>
+        <p14:creationId xmlns:p14="http://schemas.microsoft.com/office/powerpoint/2010/main" val="3475406260"/>
       </p:ext>
     </p:extLst>
   </p:cSld>
@@ -12131,15 +12420,15 @@
       </p:grpSpPr>
       <p:pic>
         <p:nvPicPr>
-          <p:cNvPr id="25" name="Picture 24">
-            <a:extLst>
-              <a:ext uri="{FF2B5EF4-FFF2-40B4-BE49-F238E27FC236}">
-                <a16:creationId xmlns:a16="http://schemas.microsoft.com/office/drawing/2014/main" id="{0F1B27DF-2D2E-8860-533F-120F28114A7F}"/>
+          <p:cNvPr id="2" name="Picture 2">
+            <a:extLst>
+              <a:ext uri="{FF2B5EF4-FFF2-40B4-BE49-F238E27FC236}">
+                <a16:creationId xmlns:a16="http://schemas.microsoft.com/office/drawing/2014/main" id="{2173C773-10D5-2FE3-0482-D71CF55B926A}"/>
               </a:ext>
             </a:extLst>
           </p:cNvPr>
           <p:cNvPicPr>
-            <a:picLocks noChangeAspect="1"/>
+            <a:picLocks noChangeAspect="1" noChangeArrowheads="1"/>
           </p:cNvPicPr>
           <p:nvPr/>
         </p:nvPicPr>
@@ -12151,31 +12440,42 @@
               </a:ext>
             </a:extLst>
           </a:blip>
+          <a:srcRect/>
           <a:stretch>
             <a:fillRect/>
           </a:stretch>
         </p:blipFill>
-        <p:spPr>
-          <a:xfrm>
-            <a:off x="356539" y="4734367"/>
-            <a:ext cx="2019600" cy="2019600"/>
+        <p:spPr bwMode="auto">
+          <a:xfrm>
+            <a:off x="73187" y="188784"/>
+            <a:ext cx="3038885" cy="2026236"/>
           </a:xfrm>
           <a:prstGeom prst="rect">
             <a:avLst/>
           </a:prstGeom>
+          <a:noFill/>
+          <a:extLst>
+            <a:ext uri="{909E8E84-426E-40DD-AFC4-6F175D3DCCD1}">
+              <a14:hiddenFill xmlns:a14="http://schemas.microsoft.com/office/drawing/2010/main">
+                <a:solidFill>
+                  <a:srgbClr val="FFFFFF"/>
+                </a:solidFill>
+              </a14:hiddenFill>
+            </a:ext>
+          </a:extLst>
         </p:spPr>
       </p:pic>
       <p:pic>
         <p:nvPicPr>
-          <p:cNvPr id="13" name="Picture 12" descr="A picture containing vector graphics&#10;&#10;Description automatically generated">
-            <a:extLst>
-              <a:ext uri="{FF2B5EF4-FFF2-40B4-BE49-F238E27FC236}">
-                <a16:creationId xmlns:a16="http://schemas.microsoft.com/office/drawing/2014/main" id="{F585A31C-DB00-684D-FD72-D1A8398A0EEC}"/>
+          <p:cNvPr id="7" name="Picture 4">
+            <a:extLst>
+              <a:ext uri="{FF2B5EF4-FFF2-40B4-BE49-F238E27FC236}">
+                <a16:creationId xmlns:a16="http://schemas.microsoft.com/office/drawing/2014/main" id="{0C336ECA-0517-9C03-462B-76648529BA81}"/>
               </a:ext>
             </a:extLst>
           </p:cNvPr>
           <p:cNvPicPr>
-            <a:picLocks noChangeAspect="1"/>
+            <a:picLocks noChangeAspect="1" noChangeArrowheads="1"/>
           </p:cNvPicPr>
           <p:nvPr/>
         </p:nvPicPr>
@@ -12187,31 +12487,42 @@
               </a:ext>
             </a:extLst>
           </a:blip>
+          <a:srcRect/>
           <a:stretch>
             <a:fillRect/>
           </a:stretch>
         </p:blipFill>
-        <p:spPr>
-          <a:xfrm>
-            <a:off x="381188" y="2729268"/>
-            <a:ext cx="2019600" cy="2019600"/>
+        <p:spPr bwMode="auto">
+          <a:xfrm>
+            <a:off x="73188" y="2323650"/>
+            <a:ext cx="2856390" cy="2137468"/>
           </a:xfrm>
           <a:prstGeom prst="rect">
             <a:avLst/>
           </a:prstGeom>
+          <a:noFill/>
+          <a:extLst>
+            <a:ext uri="{909E8E84-426E-40DD-AFC4-6F175D3DCCD1}">
+              <a14:hiddenFill xmlns:a14="http://schemas.microsoft.com/office/drawing/2010/main">
+                <a:solidFill>
+                  <a:srgbClr val="FFFFFF"/>
+                </a:solidFill>
+              </a14:hiddenFill>
+            </a:ext>
+          </a:extLst>
         </p:spPr>
       </p:pic>
       <p:pic>
         <p:nvPicPr>
-          <p:cNvPr id="5" name="Picture 4">
-            <a:extLst>
-              <a:ext uri="{FF2B5EF4-FFF2-40B4-BE49-F238E27FC236}">
-                <a16:creationId xmlns:a16="http://schemas.microsoft.com/office/drawing/2014/main" id="{8B2CD27F-C52C-2F1C-A79B-EFE9DC8ADEDD}"/>
+          <p:cNvPr id="8" name="Picture 6">
+            <a:extLst>
+              <a:ext uri="{FF2B5EF4-FFF2-40B4-BE49-F238E27FC236}">
+                <a16:creationId xmlns:a16="http://schemas.microsoft.com/office/drawing/2014/main" id="{D75CCB94-0794-BF1E-825F-4D31AF7C35B0}"/>
               </a:ext>
             </a:extLst>
           </p:cNvPr>
           <p:cNvPicPr>
-            <a:picLocks noChangeAspect="1"/>
+            <a:picLocks noChangeAspect="1" noChangeArrowheads="1"/>
           </p:cNvPicPr>
           <p:nvPr/>
         </p:nvPicPr>
@@ -12223,18 +12534,29 @@
               </a:ext>
             </a:extLst>
           </a:blip>
+          <a:srcRect/>
           <a:stretch>
             <a:fillRect/>
           </a:stretch>
         </p:blipFill>
-        <p:spPr>
-          <a:xfrm>
-            <a:off x="396637" y="625621"/>
-            <a:ext cx="2019600" cy="2019600"/>
+        <p:spPr bwMode="auto">
+          <a:xfrm>
+            <a:off x="73187" y="4569748"/>
+            <a:ext cx="3038886" cy="2155663"/>
           </a:xfrm>
           <a:prstGeom prst="rect">
             <a:avLst/>
           </a:prstGeom>
+          <a:noFill/>
+          <a:extLst>
+            <a:ext uri="{909E8E84-426E-40DD-AFC4-6F175D3DCCD1}">
+              <a14:hiddenFill xmlns:a14="http://schemas.microsoft.com/office/drawing/2010/main">
+                <a:solidFill>
+                  <a:srgbClr val="FFFFFF"/>
+                </a:solidFill>
+              </a14:hiddenFill>
+            </a:ext>
+          </a:extLst>
         </p:spPr>
       </p:pic>
       <p:sp>
@@ -12251,7 +12573,7 @@
         </p:nvSpPr>
         <p:spPr>
           <a:xfrm>
-            <a:off x="2616863" y="962846"/>
+            <a:off x="3071791" y="883750"/>
             <a:ext cx="3422322" cy="1200329"/>
           </a:xfrm>
           <a:prstGeom prst="rect">
@@ -12704,7 +13026,7 @@
         </p:nvSpPr>
         <p:spPr>
           <a:xfrm>
-            <a:off x="2588006" y="2984941"/>
+            <a:off x="3154930" y="2921446"/>
             <a:ext cx="3422322" cy="1200329"/>
           </a:xfrm>
           <a:prstGeom prst="rect">
@@ -12834,41 +13156,6 @@
           </a:p>
           <a:p>
             <a:endParaRPr lang="en-US" dirty="0"/>
-          </a:p>
-        </p:txBody>
-      </p:sp>
-      <p:sp>
-        <p:nvSpPr>
-          <p:cNvPr id="3" name="TextBox 2">
-            <a:extLst>
-              <a:ext uri="{FF2B5EF4-FFF2-40B4-BE49-F238E27FC236}">
-                <a16:creationId xmlns:a16="http://schemas.microsoft.com/office/drawing/2014/main" id="{B5C314BA-CA09-0A3A-C4A3-97F4CD6E4B9A}"/>
-              </a:ext>
-            </a:extLst>
-          </p:cNvPr>
-          <p:cNvSpPr txBox="1"/>
-          <p:nvPr/>
-        </p:nvSpPr>
-        <p:spPr>
-          <a:xfrm>
-            <a:off x="1012828" y="49730"/>
-            <a:ext cx="655503" cy="369332"/>
-          </a:xfrm>
-          <a:prstGeom prst="rect">
-            <a:avLst/>
-          </a:prstGeom>
-          <a:noFill/>
-        </p:spPr>
-        <p:txBody>
-          <a:bodyPr wrap="square" rtlCol="0">
-            <a:spAutoFit/>
-          </a:bodyPr>
-          <a:lstStyle/>
-          <a:p>
-            <a:r>
-              <a:rPr lang="en-US" dirty="0"/>
-              <a:t>Train</a:t>
-            </a:r>
           </a:p>
         </p:txBody>
       </p:sp>
@@ -12984,7 +13271,7 @@
         </p:nvSpPr>
         <p:spPr>
           <a:xfrm>
-            <a:off x="2673678" y="5380494"/>
+            <a:off x="3320950" y="5331833"/>
             <a:ext cx="3422322" cy="923330"/>
           </a:xfrm>
           <a:prstGeom prst="rect">
@@ -13128,10 +13415,10 @@
       </p:sp>
       <p:sp>
         <p:nvSpPr>
-          <p:cNvPr id="14" name="TextBox 13">
-            <a:extLst>
-              <a:ext uri="{FF2B5EF4-FFF2-40B4-BE49-F238E27FC236}">
-                <a16:creationId xmlns:a16="http://schemas.microsoft.com/office/drawing/2014/main" id="{77D7668C-374B-DD95-6723-44C959CECB4E}"/>
+          <p:cNvPr id="12" name="TextBox 11">
+            <a:extLst>
+              <a:ext uri="{FF2B5EF4-FFF2-40B4-BE49-F238E27FC236}">
+                <a16:creationId xmlns:a16="http://schemas.microsoft.com/office/drawing/2014/main" id="{4A5DC98C-CEC8-CAEC-15C2-E88D0D5706D9}"/>
               </a:ext>
             </a:extLst>
           </p:cNvPr>
@@ -13140,8 +13427,8 @@
         </p:nvSpPr>
         <p:spPr>
           <a:xfrm>
-            <a:off x="6977898" y="1440245"/>
-            <a:ext cx="2892905" cy="4247317"/>
+            <a:off x="7442593" y="683106"/>
+            <a:ext cx="4442537" cy="369332"/>
           </a:xfrm>
           <a:prstGeom prst="rect">
             <a:avLst/>
@@ -13156,6 +13443,41 @@
           <a:p>
             <a:r>
               <a:rPr lang="en-US" dirty="0"/>
+              <a:t>First, search attribute by attribute</a:t>
+            </a:r>
+          </a:p>
+        </p:txBody>
+      </p:sp>
+      <p:sp>
+        <p:nvSpPr>
+          <p:cNvPr id="14" name="TextBox 13">
+            <a:extLst>
+              <a:ext uri="{FF2B5EF4-FFF2-40B4-BE49-F238E27FC236}">
+                <a16:creationId xmlns:a16="http://schemas.microsoft.com/office/drawing/2014/main" id="{77D7668C-374B-DD95-6723-44C959CECB4E}"/>
+              </a:ext>
+            </a:extLst>
+          </p:cNvPr>
+          <p:cNvSpPr txBox="1"/>
+          <p:nvPr/>
+        </p:nvSpPr>
+        <p:spPr>
+          <a:xfrm>
+            <a:off x="7908240" y="1352803"/>
+            <a:ext cx="2892905" cy="2862322"/>
+          </a:xfrm>
+          <a:prstGeom prst="rect">
+            <a:avLst/>
+          </a:prstGeom>
+          <a:noFill/>
+        </p:spPr>
+        <p:txBody>
+          <a:bodyPr wrap="square" rtlCol="0">
+            <a:spAutoFit/>
+          </a:bodyPr>
+          <a:lstStyle/>
+          <a:p>
+            <a:r>
+              <a:rPr lang="en-US" dirty="0"/>
               <a:t>Rules can be found</a:t>
             </a:r>
           </a:p>
@@ -13170,26 +13492,6 @@
             </a:r>
           </a:p>
           <a:p>
-            <a:pPr marL="742950" lvl="1" indent="-285750">
-              <a:buFont typeface="Arial" panose="020B0604020202020204" pitchFamily="34" charset="0"/>
-              <a:buChar char="•"/>
-            </a:pPr>
-            <a:r>
-              <a:rPr lang="en-US" dirty="0"/>
-              <a:t>Blue (2)</a:t>
-            </a:r>
-          </a:p>
-          <a:p>
-            <a:pPr marL="742950" lvl="1" indent="-285750">
-              <a:buFont typeface="Arial" panose="020B0604020202020204" pitchFamily="34" charset="0"/>
-              <a:buChar char="•"/>
-            </a:pPr>
-            <a:r>
-              <a:rPr lang="en-US" dirty="0"/>
-              <a:t>Blue Front (1)</a:t>
-            </a:r>
-          </a:p>
-          <a:p>
             <a:pPr marL="285750" indent="-285750">
               <a:buFont typeface="Arial" panose="020B0604020202020204" pitchFamily="34" charset="0"/>
               <a:buChar char="•"/>
@@ -13250,43 +13552,13 @@
             </a:r>
           </a:p>
           <a:p>
-            <a:pPr marL="742950" lvl="1" indent="-285750">
-              <a:buFont typeface="Arial" panose="020B0604020202020204" pitchFamily="34" charset="0"/>
-              <a:buChar char="•"/>
-            </a:pPr>
-            <a:r>
-              <a:rPr lang="en-US" dirty="0"/>
-              <a:t>Small (3)</a:t>
-            </a:r>
-          </a:p>
-          <a:p>
-            <a:pPr marL="742950" lvl="1" indent="-285750">
-              <a:buFont typeface="Arial" panose="020B0604020202020204" pitchFamily="34" charset="0"/>
-              <a:buChar char="•"/>
-            </a:pPr>
-            <a:r>
-              <a:rPr lang="en-US" dirty="0"/>
-              <a:t>Small Right (1)</a:t>
-            </a:r>
-          </a:p>
-          <a:p>
             <a:pPr marL="285750" indent="-285750">
               <a:buFont typeface="Arial" panose="020B0604020202020204" pitchFamily="34" charset="0"/>
               <a:buChar char="•"/>
             </a:pPr>
             <a:r>
               <a:rPr lang="en-US" dirty="0"/>
-              <a:t>Small Red</a:t>
-            </a:r>
-          </a:p>
-          <a:p>
-            <a:pPr marL="742950" lvl="1" indent="-285750">
-              <a:buFont typeface="Arial" panose="020B0604020202020204" pitchFamily="34" charset="0"/>
-              <a:buChar char="•"/>
-            </a:pPr>
-            <a:r>
-              <a:rPr lang="en-US" dirty="0"/>
-              <a:t>Sphere, Right (1)</a:t>
+              <a:t>Small Red,</a:t>
             </a:r>
           </a:p>
           <a:p>
@@ -13315,7 +13587,7 @@
         </p:nvSpPr>
         <p:spPr>
           <a:xfrm>
-            <a:off x="6977898" y="5934492"/>
+            <a:off x="7908240" y="4569748"/>
             <a:ext cx="1012503" cy="369332"/>
           </a:xfrm>
           <a:prstGeom prst="rect">
@@ -13331,7 +13603,7 @@
           <a:p>
             <a:r>
               <a:rPr lang="en-US" dirty="0"/>
-              <a:t>5 rules</a:t>
+              <a:t>9 rules</a:t>
             </a:r>
           </a:p>
         </p:txBody>
@@ -13385,51 +13657,10 @@
           </a:p>
         </p:txBody>
       </p:sp>
-      <p:sp>
-        <p:nvSpPr>
-          <p:cNvPr id="2" name="TextBox 1">
-            <a:extLst>
-              <a:ext uri="{FF2B5EF4-FFF2-40B4-BE49-F238E27FC236}">
-                <a16:creationId xmlns:a16="http://schemas.microsoft.com/office/drawing/2014/main" id="{CA64DCF3-DAA5-8513-6D8C-2D48A5668748}"/>
-              </a:ext>
-            </a:extLst>
-          </p:cNvPr>
-          <p:cNvSpPr txBox="1"/>
-          <p:nvPr/>
-        </p:nvSpPr>
-        <p:spPr>
-          <a:xfrm>
-            <a:off x="6822518" y="487384"/>
-            <a:ext cx="4442537" cy="646331"/>
-          </a:xfrm>
-          <a:prstGeom prst="rect">
-            <a:avLst/>
-          </a:prstGeom>
-          <a:noFill/>
-        </p:spPr>
-        <p:txBody>
-          <a:bodyPr wrap="square" rtlCol="0">
-            <a:spAutoFit/>
-          </a:bodyPr>
-          <a:lstStyle/>
-          <a:p>
-            <a:r>
-              <a:rPr lang="en-US" dirty="0"/>
-              <a:t>First, search attribute by attribute</a:t>
-            </a:r>
-          </a:p>
-          <a:p>
-            <a:r>
-              <a:rPr lang="en-US" dirty="0"/>
-              <a:t>Then, add attributes as  priors to each rules</a:t>
-            </a:r>
-          </a:p>
-        </p:txBody>
-      </p:sp>
     </p:spTree>
     <p:extLst>
       <p:ext uri="{BB962C8B-B14F-4D97-AF65-F5344CB8AC3E}">
-        <p14:creationId xmlns:p14="http://schemas.microsoft.com/office/powerpoint/2010/main" val="3475406260"/>
+        <p14:creationId xmlns:p14="http://schemas.microsoft.com/office/powerpoint/2010/main" val="2674403913"/>
       </p:ext>
     </p:extLst>
   </p:cSld>
@@ -15263,7 +15494,7 @@
     </p:spTree>
     <p:extLst>
       <p:ext uri="{BB962C8B-B14F-4D97-AF65-F5344CB8AC3E}">
-        <p14:creationId xmlns:p14="http://schemas.microsoft.com/office/powerpoint/2010/main" val="2674403913"/>
+        <p14:creationId xmlns:p14="http://schemas.microsoft.com/office/powerpoint/2010/main" val="936425008"/>
       </p:ext>
     </p:extLst>
   </p:cSld>
@@ -15290,153 +15521,12 @@
           <a:chExt cx="0" cy="0"/>
         </a:xfrm>
       </p:grpSpPr>
-      <p:pic>
-        <p:nvPicPr>
-          <p:cNvPr id="2" name="Picture 2">
-            <a:extLst>
-              <a:ext uri="{FF2B5EF4-FFF2-40B4-BE49-F238E27FC236}">
-                <a16:creationId xmlns:a16="http://schemas.microsoft.com/office/drawing/2014/main" id="{2173C773-10D5-2FE3-0482-D71CF55B926A}"/>
-              </a:ext>
-            </a:extLst>
-          </p:cNvPr>
-          <p:cNvPicPr>
-            <a:picLocks noChangeAspect="1" noChangeArrowheads="1"/>
-          </p:cNvPicPr>
-          <p:nvPr/>
-        </p:nvPicPr>
-        <p:blipFill>
-          <a:blip r:embed="rId2">
-            <a:extLst>
-              <a:ext uri="{28A0092B-C50C-407E-A947-70E740481C1C}">
-                <a14:useLocalDpi xmlns:a14="http://schemas.microsoft.com/office/drawing/2010/main" val="0"/>
-              </a:ext>
-            </a:extLst>
-          </a:blip>
-          <a:srcRect/>
-          <a:stretch>
-            <a:fillRect/>
-          </a:stretch>
-        </p:blipFill>
-        <p:spPr bwMode="auto">
-          <a:xfrm>
-            <a:off x="73187" y="188784"/>
-            <a:ext cx="3038885" cy="2026236"/>
-          </a:xfrm>
-          <a:prstGeom prst="rect">
-            <a:avLst/>
-          </a:prstGeom>
-          <a:noFill/>
-          <a:extLst>
-            <a:ext uri="{909E8E84-426E-40DD-AFC4-6F175D3DCCD1}">
-              <a14:hiddenFill xmlns:a14="http://schemas.microsoft.com/office/drawing/2010/main">
-                <a:solidFill>
-                  <a:srgbClr val="FFFFFF"/>
-                </a:solidFill>
-              </a14:hiddenFill>
-            </a:ext>
-          </a:extLst>
-        </p:spPr>
-      </p:pic>
-      <p:pic>
-        <p:nvPicPr>
-          <p:cNvPr id="7" name="Picture 4">
-            <a:extLst>
-              <a:ext uri="{FF2B5EF4-FFF2-40B4-BE49-F238E27FC236}">
-                <a16:creationId xmlns:a16="http://schemas.microsoft.com/office/drawing/2014/main" id="{0C336ECA-0517-9C03-462B-76648529BA81}"/>
-              </a:ext>
-            </a:extLst>
-          </p:cNvPr>
-          <p:cNvPicPr>
-            <a:picLocks noChangeAspect="1" noChangeArrowheads="1"/>
-          </p:cNvPicPr>
-          <p:nvPr/>
-        </p:nvPicPr>
-        <p:blipFill>
-          <a:blip r:embed="rId3">
-            <a:extLst>
-              <a:ext uri="{28A0092B-C50C-407E-A947-70E740481C1C}">
-                <a14:useLocalDpi xmlns:a14="http://schemas.microsoft.com/office/drawing/2010/main" val="0"/>
-              </a:ext>
-            </a:extLst>
-          </a:blip>
-          <a:srcRect/>
-          <a:stretch>
-            <a:fillRect/>
-          </a:stretch>
-        </p:blipFill>
-        <p:spPr bwMode="auto">
-          <a:xfrm>
-            <a:off x="73188" y="2323650"/>
-            <a:ext cx="2856390" cy="2137468"/>
-          </a:xfrm>
-          <a:prstGeom prst="rect">
-            <a:avLst/>
-          </a:prstGeom>
-          <a:noFill/>
-          <a:extLst>
-            <a:ext uri="{909E8E84-426E-40DD-AFC4-6F175D3DCCD1}">
-              <a14:hiddenFill xmlns:a14="http://schemas.microsoft.com/office/drawing/2010/main">
-                <a:solidFill>
-                  <a:srgbClr val="FFFFFF"/>
-                </a:solidFill>
-              </a14:hiddenFill>
-            </a:ext>
-          </a:extLst>
-        </p:spPr>
-      </p:pic>
-      <p:pic>
-        <p:nvPicPr>
-          <p:cNvPr id="8" name="Picture 6">
-            <a:extLst>
-              <a:ext uri="{FF2B5EF4-FFF2-40B4-BE49-F238E27FC236}">
-                <a16:creationId xmlns:a16="http://schemas.microsoft.com/office/drawing/2014/main" id="{D75CCB94-0794-BF1E-825F-4D31AF7C35B0}"/>
-              </a:ext>
-            </a:extLst>
-          </p:cNvPr>
-          <p:cNvPicPr>
-            <a:picLocks noChangeAspect="1" noChangeArrowheads="1"/>
-          </p:cNvPicPr>
-          <p:nvPr/>
-        </p:nvPicPr>
-        <p:blipFill>
-          <a:blip r:embed="rId4">
-            <a:extLst>
-              <a:ext uri="{28A0092B-C50C-407E-A947-70E740481C1C}">
-                <a14:useLocalDpi xmlns:a14="http://schemas.microsoft.com/office/drawing/2010/main" val="0"/>
-              </a:ext>
-            </a:extLst>
-          </a:blip>
-          <a:srcRect/>
-          <a:stretch>
-            <a:fillRect/>
-          </a:stretch>
-        </p:blipFill>
-        <p:spPr bwMode="auto">
-          <a:xfrm>
-            <a:off x="73187" y="4569748"/>
-            <a:ext cx="3038886" cy="2155663"/>
-          </a:xfrm>
-          <a:prstGeom prst="rect">
-            <a:avLst/>
-          </a:prstGeom>
-          <a:noFill/>
-          <a:extLst>
-            <a:ext uri="{909E8E84-426E-40DD-AFC4-6F175D3DCCD1}">
-              <a14:hiddenFill xmlns:a14="http://schemas.microsoft.com/office/drawing/2010/main">
-                <a:solidFill>
-                  <a:srgbClr val="FFFFFF"/>
-                </a:solidFill>
-              </a14:hiddenFill>
-            </a:ext>
-          </a:extLst>
-        </p:spPr>
-      </p:pic>
-      <p:sp>
-        <p:nvSpPr>
-          <p:cNvPr id="6" name="TextBox 5">
-            <a:extLst>
-              <a:ext uri="{FF2B5EF4-FFF2-40B4-BE49-F238E27FC236}">
-                <a16:creationId xmlns:a16="http://schemas.microsoft.com/office/drawing/2014/main" id="{353061C3-FEA3-E95B-5669-5CC96E1B21AE}"/>
+      <p:sp>
+        <p:nvSpPr>
+          <p:cNvPr id="4" name="TextBox 3">
+            <a:extLst>
+              <a:ext uri="{FF2B5EF4-FFF2-40B4-BE49-F238E27FC236}">
+                <a16:creationId xmlns:a16="http://schemas.microsoft.com/office/drawing/2014/main" id="{BA8162A7-CA46-E5D9-CD66-53849C6285C6}"/>
               </a:ext>
             </a:extLst>
           </p:cNvPr>
@@ -15445,8 +15535,8 @@
         </p:nvSpPr>
         <p:spPr>
           <a:xfrm>
-            <a:off x="3071791" y="883750"/>
-            <a:ext cx="3422322" cy="1200329"/>
+            <a:off x="736100" y="730302"/>
+            <a:ext cx="5150992" cy="3139321"/>
           </a:xfrm>
           <a:prstGeom prst="rect">
             <a:avLst/>
@@ -15459,143 +15549,95 @@
           </a:bodyPr>
           <a:lstStyle/>
           <a:p>
-            <a:pPr marL="342900" indent="-342900">
-              <a:buAutoNum type="alphaUcPeriod"/>
-            </a:pPr>
-            <a:r>
-              <a:rPr lang="en-US" dirty="0">
-                <a:highlight>
-                  <a:srgbClr val="FFFF00"/>
-                </a:highlight>
-              </a:rPr>
-              <a:t>Cube</a:t>
-            </a:r>
-            <a:r>
-              <a:rPr lang="en-US" dirty="0"/>
-              <a:t>, </a:t>
-            </a:r>
-            <a:r>
-              <a:rPr lang="en-US" dirty="0">
-                <a:highlight>
-                  <a:srgbClr val="FFFF00"/>
-                </a:highlight>
-              </a:rPr>
-              <a:t>Big</a:t>
-            </a:r>
-            <a:r>
-              <a:rPr lang="en-US" dirty="0"/>
-              <a:t>, Blue, </a:t>
-            </a:r>
-            <a:r>
-              <a:rPr lang="en-US" dirty="0">
-                <a:highlight>
-                  <a:srgbClr val="FFFF00"/>
-                </a:highlight>
-              </a:rPr>
-              <a:t>Front</a:t>
-            </a:r>
-          </a:p>
-          <a:p>
-            <a:pPr marL="342900" indent="-342900">
-              <a:buAutoNum type="alphaUcPeriod"/>
-            </a:pPr>
-            <a:r>
-              <a:rPr lang="en-US" dirty="0">
-                <a:highlight>
-                  <a:srgbClr val="FFFF00"/>
-                </a:highlight>
-              </a:rPr>
-              <a:t>Sphere</a:t>
-            </a:r>
-            <a:r>
-              <a:rPr lang="en-US" dirty="0"/>
-              <a:t>, </a:t>
-            </a:r>
-            <a:r>
-              <a:rPr lang="en-US" dirty="0">
-                <a:highlight>
-                  <a:srgbClr val="FFFF00"/>
-                </a:highlight>
-              </a:rPr>
-              <a:t>Big</a:t>
-            </a:r>
-            <a:r>
-              <a:rPr lang="en-US" dirty="0"/>
-              <a:t>, </a:t>
-            </a:r>
-            <a:r>
-              <a:rPr lang="en-US" dirty="0">
-                <a:highlight>
-                  <a:srgbClr val="FFFF00"/>
-                </a:highlight>
-              </a:rPr>
-              <a:t>Red</a:t>
-            </a:r>
-            <a:r>
-              <a:rPr lang="en-US" dirty="0"/>
-              <a:t>, </a:t>
-            </a:r>
-            <a:r>
-              <a:rPr lang="en-US" dirty="0">
-                <a:highlight>
-                  <a:srgbClr val="FFFF00"/>
-                </a:highlight>
-              </a:rPr>
-              <a:t>Behind</a:t>
-            </a:r>
-          </a:p>
-          <a:p>
-            <a:pPr marL="342900" indent="-342900">
-              <a:buAutoNum type="alphaUcPeriod"/>
-            </a:pPr>
-            <a:r>
-              <a:rPr lang="en-US" dirty="0">
-                <a:highlight>
-                  <a:srgbClr val="FFFF00"/>
-                </a:highlight>
-              </a:rPr>
-              <a:t>Sphere</a:t>
-            </a:r>
-            <a:r>
-              <a:rPr lang="en-US" dirty="0"/>
-              <a:t>, </a:t>
-            </a:r>
-            <a:r>
-              <a:rPr lang="en-US" dirty="0">
-                <a:highlight>
-                  <a:srgbClr val="FFFF00"/>
-                </a:highlight>
-              </a:rPr>
-              <a:t>Small</a:t>
-            </a:r>
-            <a:r>
-              <a:rPr lang="en-US" dirty="0"/>
-              <a:t>, </a:t>
-            </a:r>
-            <a:r>
-              <a:rPr lang="en-US" dirty="0">
-                <a:highlight>
-                  <a:srgbClr val="FFFF00"/>
-                </a:highlight>
-              </a:rPr>
-              <a:t>Red</a:t>
-            </a:r>
-            <a:r>
-              <a:rPr lang="en-US" dirty="0"/>
-              <a:t>, Right</a:t>
-            </a:r>
-          </a:p>
-          <a:p>
+            <a:r>
+              <a:rPr lang="en-US" dirty="0"/>
+              <a:t>Imagine there is a new vacant bedroom, </a:t>
+            </a:r>
+          </a:p>
+          <a:p>
+            <a:r>
+              <a:rPr lang="en-US" dirty="0"/>
+              <a:t>Now, we put some furniture inside</a:t>
+            </a:r>
+          </a:p>
+          <a:p>
+            <a:pPr marL="285750" indent="-285750">
+              <a:buFont typeface="Arial" panose="020B0604020202020204" pitchFamily="34" charset="0"/>
+              <a:buChar char="•"/>
+            </a:pPr>
+            <a:r>
+              <a:rPr lang="en-US" dirty="0"/>
+              <a:t>A bed</a:t>
+            </a:r>
+          </a:p>
+          <a:p>
+            <a:pPr marL="285750" indent="-285750">
+              <a:buFont typeface="Arial" panose="020B0604020202020204" pitchFamily="34" charset="0"/>
+              <a:buChar char="•"/>
+            </a:pPr>
+            <a:r>
+              <a:rPr lang="en-US" dirty="0"/>
+              <a:t>A wardrobe</a:t>
+            </a:r>
+          </a:p>
+          <a:p>
+            <a:pPr marL="285750" indent="-285750">
+              <a:buFont typeface="Arial" panose="020B0604020202020204" pitchFamily="34" charset="0"/>
+              <a:buChar char="•"/>
+            </a:pPr>
+            <a:r>
+              <a:rPr lang="en-US" dirty="0"/>
+              <a:t>An armchair</a:t>
+            </a:r>
+          </a:p>
+          <a:p>
+            <a:pPr marL="285750" indent="-285750">
+              <a:buFont typeface="Arial" panose="020B0604020202020204" pitchFamily="34" charset="0"/>
+              <a:buChar char="•"/>
+            </a:pPr>
+            <a:r>
+              <a:rPr lang="en-US" dirty="0"/>
+              <a:t>A carpet</a:t>
+            </a:r>
+          </a:p>
+          <a:p>
+            <a:pPr marL="285750" indent="-285750">
+              <a:buFont typeface="Arial" panose="020B0604020202020204" pitchFamily="34" charset="0"/>
+              <a:buChar char="•"/>
+            </a:pPr>
+            <a:r>
+              <a:rPr lang="en-US" dirty="0"/>
+              <a:t>Two bedside tables</a:t>
+            </a:r>
+          </a:p>
+          <a:p>
+            <a:pPr marL="285750" indent="-285750">
+              <a:buFont typeface="Arial" panose="020B0604020202020204" pitchFamily="34" charset="0"/>
+              <a:buChar char="•"/>
+            </a:pPr>
             <a:endParaRPr lang="en-US" dirty="0"/>
           </a:p>
-        </p:txBody>
-      </p:sp>
-      <p:sp>
-        <p:nvSpPr>
-          <p:cNvPr id="17" name="Oval 16">
-            <a:extLst>
-              <a:ext uri="{FF2B5EF4-FFF2-40B4-BE49-F238E27FC236}">
-                <a16:creationId xmlns:a16="http://schemas.microsoft.com/office/drawing/2014/main" id="{6673F793-5107-84F5-1EFC-9F96C5152DF1}"/>
+          <a:p>
+            <a:pPr marL="285750" indent="-285750">
+              <a:buFont typeface="Arial" panose="020B0604020202020204" pitchFamily="34" charset="0"/>
+              <a:buChar char="•"/>
+            </a:pPr>
+            <a:endParaRPr lang="en-US" dirty="0"/>
+          </a:p>
+          <a:p>
+            <a:r>
+              <a:rPr lang="en-US" dirty="0"/>
+              <a:t>How to automatically decide the positions of these objects?</a:t>
+            </a:r>
+          </a:p>
+        </p:txBody>
+      </p:sp>
+      <p:sp>
+        <p:nvSpPr>
+          <p:cNvPr id="5" name="Oval 4">
+            <a:extLst>
+              <a:ext uri="{FF2B5EF4-FFF2-40B4-BE49-F238E27FC236}">
+                <a16:creationId xmlns:a16="http://schemas.microsoft.com/office/drawing/2014/main" id="{7016D2C4-C1DA-7C14-DE3A-2D43E503DED5}"/>
               </a:ext>
             </a:extLst>
           </p:cNvPr>
@@ -15604,7 +15646,7 @@
         </p:nvSpPr>
         <p:spPr>
           <a:xfrm>
-            <a:off x="608188" y="1873872"/>
+            <a:off x="1193814" y="5792707"/>
             <a:ext cx="405233" cy="420414"/>
           </a:xfrm>
           <a:prstGeom prst="ellipse">
@@ -15641,10 +15683,10 @@
       </p:sp>
       <p:sp>
         <p:nvSpPr>
-          <p:cNvPr id="18" name="Oval 17">
-            <a:extLst>
-              <a:ext uri="{FF2B5EF4-FFF2-40B4-BE49-F238E27FC236}">
-                <a16:creationId xmlns:a16="http://schemas.microsoft.com/office/drawing/2014/main" id="{D0D73A21-5B4E-ABCA-68EA-71F9B38C43C6}"/>
+          <p:cNvPr id="6" name="Oval 5">
+            <a:extLst>
+              <a:ext uri="{FF2B5EF4-FFF2-40B4-BE49-F238E27FC236}">
+                <a16:creationId xmlns:a16="http://schemas.microsoft.com/office/drawing/2014/main" id="{79743750-3C5B-E257-AB51-D091010F16AB}"/>
               </a:ext>
             </a:extLst>
           </p:cNvPr>
@@ -15653,7 +15695,7 @@
         </p:nvSpPr>
         <p:spPr>
           <a:xfrm>
-            <a:off x="810804" y="1210420"/>
+            <a:off x="2601374" y="6002914"/>
             <a:ext cx="405233" cy="420414"/>
           </a:xfrm>
           <a:prstGeom prst="ellipse">
@@ -15690,10 +15732,10 @@
       </p:sp>
       <p:sp>
         <p:nvSpPr>
-          <p:cNvPr id="19" name="Oval 18">
-            <a:extLst>
-              <a:ext uri="{FF2B5EF4-FFF2-40B4-BE49-F238E27FC236}">
-                <a16:creationId xmlns:a16="http://schemas.microsoft.com/office/drawing/2014/main" id="{13BE3EF0-293C-F0D3-60A0-2DF596361A8F}"/>
+          <p:cNvPr id="7" name="Oval 6">
+            <a:extLst>
+              <a:ext uri="{FF2B5EF4-FFF2-40B4-BE49-F238E27FC236}">
+                <a16:creationId xmlns:a16="http://schemas.microsoft.com/office/drawing/2014/main" id="{D3F11292-5AEB-03A5-870C-046C6A8F83A7}"/>
               </a:ext>
             </a:extLst>
           </p:cNvPr>
@@ -15702,7 +15744,7 @@
         </p:nvSpPr>
         <p:spPr>
           <a:xfrm>
-            <a:off x="1887940" y="1352803"/>
+            <a:off x="3706465" y="6002914"/>
             <a:ext cx="405233" cy="420414"/>
           </a:xfrm>
           <a:prstGeom prst="ellipse">
@@ -15739,157 +15781,10 @@
       </p:sp>
       <p:sp>
         <p:nvSpPr>
-          <p:cNvPr id="21" name="Oval 20">
-            <a:extLst>
-              <a:ext uri="{FF2B5EF4-FFF2-40B4-BE49-F238E27FC236}">
-                <a16:creationId xmlns:a16="http://schemas.microsoft.com/office/drawing/2014/main" id="{5A422E20-512A-3BA5-CB2A-71D0AA856232}"/>
-              </a:ext>
-            </a:extLst>
-          </p:cNvPr>
-          <p:cNvSpPr/>
-          <p:nvPr/>
-        </p:nvSpPr>
-        <p:spPr>
-          <a:xfrm>
-            <a:off x="1592631" y="4164138"/>
-            <a:ext cx="405233" cy="420414"/>
-          </a:xfrm>
-          <a:prstGeom prst="ellipse">
-            <a:avLst/>
-          </a:prstGeom>
-        </p:spPr>
-        <p:style>
-          <a:lnRef idx="2">
-            <a:schemeClr val="accent1">
-              <a:shade val="50000"/>
-            </a:schemeClr>
-          </a:lnRef>
-          <a:fillRef idx="1">
-            <a:schemeClr val="accent1"/>
-          </a:fillRef>
-          <a:effectRef idx="0">
-            <a:schemeClr val="accent1"/>
-          </a:effectRef>
-          <a:fontRef idx="minor">
-            <a:schemeClr val="lt1"/>
-          </a:fontRef>
-        </p:style>
-        <p:txBody>
-          <a:bodyPr rtlCol="0" anchor="ctr"/>
-          <a:lstStyle/>
-          <a:p>
-            <a:pPr algn="ctr"/>
-            <a:r>
-              <a:rPr lang="en-US" dirty="0"/>
-              <a:t>C</a:t>
-            </a:r>
-          </a:p>
-        </p:txBody>
-      </p:sp>
-      <p:sp>
-        <p:nvSpPr>
-          <p:cNvPr id="22" name="Oval 21">
-            <a:extLst>
-              <a:ext uri="{FF2B5EF4-FFF2-40B4-BE49-F238E27FC236}">
-                <a16:creationId xmlns:a16="http://schemas.microsoft.com/office/drawing/2014/main" id="{6ADF25AD-B46C-5331-B932-8C38061BE185}"/>
-              </a:ext>
-            </a:extLst>
-          </p:cNvPr>
-          <p:cNvSpPr/>
-          <p:nvPr/>
-        </p:nvSpPr>
-        <p:spPr>
-          <a:xfrm>
-            <a:off x="1886548" y="3026979"/>
-            <a:ext cx="405233" cy="420414"/>
-          </a:xfrm>
-          <a:prstGeom prst="ellipse">
-            <a:avLst/>
-          </a:prstGeom>
-        </p:spPr>
-        <p:style>
-          <a:lnRef idx="2">
-            <a:schemeClr val="accent1">
-              <a:shade val="50000"/>
-            </a:schemeClr>
-          </a:lnRef>
-          <a:fillRef idx="1">
-            <a:schemeClr val="accent1"/>
-          </a:fillRef>
-          <a:effectRef idx="0">
-            <a:schemeClr val="accent1"/>
-          </a:effectRef>
-          <a:fontRef idx="minor">
-            <a:schemeClr val="lt1"/>
-          </a:fontRef>
-        </p:style>
-        <p:txBody>
-          <a:bodyPr rtlCol="0" anchor="ctr"/>
-          <a:lstStyle/>
-          <a:p>
-            <a:pPr algn="ctr"/>
-            <a:r>
-              <a:rPr lang="en-US" dirty="0"/>
-              <a:t>B</a:t>
-            </a:r>
-          </a:p>
-        </p:txBody>
-      </p:sp>
-      <p:sp>
-        <p:nvSpPr>
-          <p:cNvPr id="23" name="Oval 22">
-            <a:extLst>
-              <a:ext uri="{FF2B5EF4-FFF2-40B4-BE49-F238E27FC236}">
-                <a16:creationId xmlns:a16="http://schemas.microsoft.com/office/drawing/2014/main" id="{96A39515-039B-9CEE-A14E-6D8AB6177386}"/>
-              </a:ext>
-            </a:extLst>
-          </p:cNvPr>
-          <p:cNvSpPr/>
-          <p:nvPr/>
-        </p:nvSpPr>
-        <p:spPr>
-          <a:xfrm>
-            <a:off x="412538" y="3521611"/>
-            <a:ext cx="405233" cy="420414"/>
-          </a:xfrm>
-          <a:prstGeom prst="ellipse">
-            <a:avLst/>
-          </a:prstGeom>
-        </p:spPr>
-        <p:style>
-          <a:lnRef idx="2">
-            <a:schemeClr val="accent1">
-              <a:shade val="50000"/>
-            </a:schemeClr>
-          </a:lnRef>
-          <a:fillRef idx="1">
-            <a:schemeClr val="accent1"/>
-          </a:fillRef>
-          <a:effectRef idx="0">
-            <a:schemeClr val="accent1"/>
-          </a:effectRef>
-          <a:fontRef idx="minor">
-            <a:schemeClr val="lt1"/>
-          </a:fontRef>
-        </p:style>
-        <p:txBody>
-          <a:bodyPr rtlCol="0" anchor="ctr"/>
-          <a:lstStyle/>
-          <a:p>
-            <a:pPr algn="ctr"/>
-            <a:r>
-              <a:rPr lang="en-US" dirty="0"/>
-              <a:t>A</a:t>
-            </a:r>
-          </a:p>
-        </p:txBody>
-      </p:sp>
-      <p:sp>
-        <p:nvSpPr>
-          <p:cNvPr id="24" name="TextBox 23">
-            <a:extLst>
-              <a:ext uri="{FF2B5EF4-FFF2-40B4-BE49-F238E27FC236}">
-                <a16:creationId xmlns:a16="http://schemas.microsoft.com/office/drawing/2014/main" id="{5DBA867C-5671-D3B4-4B39-5E0E5CEE5876}"/>
+          <p:cNvPr id="10" name="TextBox 9">
+            <a:extLst>
+              <a:ext uri="{FF2B5EF4-FFF2-40B4-BE49-F238E27FC236}">
+                <a16:creationId xmlns:a16="http://schemas.microsoft.com/office/drawing/2014/main" id="{36CD8D63-730C-3AD2-1C56-046C66ACEDD2}"/>
               </a:ext>
             </a:extLst>
           </p:cNvPr>
@@ -15898,8 +15793,8 @@
         </p:nvSpPr>
         <p:spPr>
           <a:xfrm>
-            <a:off x="3154930" y="2921446"/>
-            <a:ext cx="3422322" cy="1200329"/>
+            <a:off x="6407436" y="1007301"/>
+            <a:ext cx="5150992" cy="1477328"/>
           </a:xfrm>
           <a:prstGeom prst="rect">
             <a:avLst/>
@@ -15912,619 +15807,21 @@
           </a:bodyPr>
           <a:lstStyle/>
           <a:p>
-            <a:pPr marL="342900" indent="-342900">
-              <a:buAutoNum type="alphaUcPeriod"/>
-            </a:pPr>
-            <a:r>
-              <a:rPr lang="en-US" dirty="0">
-                <a:highlight>
-                  <a:srgbClr val="FFFF00"/>
-                </a:highlight>
-              </a:rPr>
-              <a:t>Cube</a:t>
-            </a:r>
-            <a:r>
-              <a:rPr lang="en-US" dirty="0"/>
-              <a:t>, </a:t>
-            </a:r>
-            <a:r>
-              <a:rPr lang="en-US" dirty="0">
-                <a:highlight>
-                  <a:srgbClr val="FFFF00"/>
-                </a:highlight>
-              </a:rPr>
-              <a:t>Big</a:t>
-            </a:r>
-            <a:r>
-              <a:rPr lang="en-US" dirty="0"/>
-              <a:t>, Blue, Left</a:t>
-            </a:r>
-          </a:p>
-          <a:p>
-            <a:pPr marL="342900" indent="-342900">
-              <a:buAutoNum type="alphaUcPeriod"/>
-            </a:pPr>
-            <a:r>
-              <a:rPr lang="en-US" dirty="0">
-                <a:highlight>
-                  <a:srgbClr val="FFFF00"/>
-                </a:highlight>
-              </a:rPr>
-              <a:t>Sphere</a:t>
-            </a:r>
-            <a:r>
-              <a:rPr lang="en-US" dirty="0"/>
-              <a:t>, </a:t>
-            </a:r>
-            <a:r>
-              <a:rPr lang="en-US" dirty="0">
-                <a:highlight>
-                  <a:srgbClr val="FFFF00"/>
-                </a:highlight>
-              </a:rPr>
-              <a:t>Small</a:t>
-            </a:r>
-            <a:r>
-              <a:rPr lang="en-US" dirty="0"/>
-              <a:t>, </a:t>
-            </a:r>
-            <a:r>
-              <a:rPr lang="en-US" dirty="0">
-                <a:highlight>
-                  <a:srgbClr val="FFFF00"/>
-                </a:highlight>
-              </a:rPr>
-              <a:t>Red</a:t>
-            </a:r>
-            <a:r>
-              <a:rPr lang="en-US" dirty="0"/>
-              <a:t>, </a:t>
-            </a:r>
-            <a:r>
-              <a:rPr lang="en-US" dirty="0">
-                <a:highlight>
-                  <a:srgbClr val="FFFF00"/>
-                </a:highlight>
-              </a:rPr>
-              <a:t>Behind</a:t>
-            </a:r>
-          </a:p>
-          <a:p>
-            <a:pPr marL="342900" indent="-342900">
-              <a:buAutoNum type="alphaUcPeriod"/>
-            </a:pPr>
-            <a:r>
-              <a:rPr lang="en-US" dirty="0">
-                <a:highlight>
-                  <a:srgbClr val="FFFF00"/>
-                </a:highlight>
-              </a:rPr>
-              <a:t>Sphere</a:t>
-            </a:r>
-            <a:r>
-              <a:rPr lang="en-US" dirty="0"/>
-              <a:t>, </a:t>
-            </a:r>
-            <a:r>
-              <a:rPr lang="en-US" dirty="0">
-                <a:highlight>
-                  <a:srgbClr val="FFFF00"/>
-                </a:highlight>
-              </a:rPr>
-              <a:t>Big</a:t>
-            </a:r>
-            <a:r>
-              <a:rPr lang="en-US" dirty="0"/>
-              <a:t>, Green, </a:t>
-            </a:r>
-            <a:r>
-              <a:rPr lang="en-US" dirty="0">
-                <a:highlight>
-                  <a:srgbClr val="FFFF00"/>
-                </a:highlight>
-              </a:rPr>
-              <a:t>Front</a:t>
-            </a:r>
-          </a:p>
-          <a:p>
-            <a:endParaRPr lang="en-US" dirty="0"/>
-          </a:p>
-        </p:txBody>
-      </p:sp>
-      <p:sp>
-        <p:nvSpPr>
-          <p:cNvPr id="9" name="Oval 8">
-            <a:extLst>
-              <a:ext uri="{FF2B5EF4-FFF2-40B4-BE49-F238E27FC236}">
-                <a16:creationId xmlns:a16="http://schemas.microsoft.com/office/drawing/2014/main" id="{4EA29935-2A2A-B43E-C1A0-0D6082F12A7B}"/>
-              </a:ext>
-            </a:extLst>
-          </p:cNvPr>
-          <p:cNvSpPr/>
-          <p:nvPr/>
-        </p:nvSpPr>
-        <p:spPr>
-          <a:xfrm>
-            <a:off x="417579" y="6058210"/>
-            <a:ext cx="405233" cy="420414"/>
-          </a:xfrm>
-          <a:prstGeom prst="ellipse">
-            <a:avLst/>
-          </a:prstGeom>
-        </p:spPr>
-        <p:style>
-          <a:lnRef idx="2">
-            <a:schemeClr val="accent1">
-              <a:shade val="50000"/>
-            </a:schemeClr>
-          </a:lnRef>
-          <a:fillRef idx="1">
-            <a:schemeClr val="accent1"/>
-          </a:fillRef>
-          <a:effectRef idx="0">
-            <a:schemeClr val="accent1"/>
-          </a:effectRef>
-          <a:fontRef idx="minor">
-            <a:schemeClr val="lt1"/>
-          </a:fontRef>
-        </p:style>
-        <p:txBody>
-          <a:bodyPr rtlCol="0" anchor="ctr"/>
-          <a:lstStyle/>
-          <a:p>
-            <a:pPr algn="ctr"/>
-            <a:r>
-              <a:rPr lang="en-US" dirty="0"/>
-              <a:t>A</a:t>
-            </a:r>
-          </a:p>
-        </p:txBody>
-      </p:sp>
-      <p:sp>
-        <p:nvSpPr>
-          <p:cNvPr id="10" name="Oval 9">
-            <a:extLst>
-              <a:ext uri="{FF2B5EF4-FFF2-40B4-BE49-F238E27FC236}">
-                <a16:creationId xmlns:a16="http://schemas.microsoft.com/office/drawing/2014/main" id="{9DAA15ED-2077-3B94-D487-7AD1D37A352F}"/>
-              </a:ext>
-            </a:extLst>
-          </p:cNvPr>
-          <p:cNvSpPr/>
-          <p:nvPr/>
-        </p:nvSpPr>
-        <p:spPr>
-          <a:xfrm>
-            <a:off x="1390988" y="5451112"/>
-            <a:ext cx="405233" cy="420414"/>
-          </a:xfrm>
-          <a:prstGeom prst="ellipse">
-            <a:avLst/>
-          </a:prstGeom>
-        </p:spPr>
-        <p:style>
-          <a:lnRef idx="2">
-            <a:schemeClr val="accent1">
-              <a:shade val="50000"/>
-            </a:schemeClr>
-          </a:lnRef>
-          <a:fillRef idx="1">
-            <a:schemeClr val="accent1"/>
-          </a:fillRef>
-          <a:effectRef idx="0">
-            <a:schemeClr val="accent1"/>
-          </a:effectRef>
-          <a:fontRef idx="minor">
-            <a:schemeClr val="lt1"/>
-          </a:fontRef>
-        </p:style>
-        <p:txBody>
-          <a:bodyPr rtlCol="0" anchor="ctr"/>
-          <a:lstStyle/>
-          <a:p>
-            <a:pPr algn="ctr"/>
-            <a:r>
-              <a:rPr lang="en-US" dirty="0"/>
-              <a:t>B</a:t>
-            </a:r>
-          </a:p>
-        </p:txBody>
-      </p:sp>
-      <p:sp>
-        <p:nvSpPr>
-          <p:cNvPr id="11" name="TextBox 10">
-            <a:extLst>
-              <a:ext uri="{FF2B5EF4-FFF2-40B4-BE49-F238E27FC236}">
-                <a16:creationId xmlns:a16="http://schemas.microsoft.com/office/drawing/2014/main" id="{A322CBD9-F434-4AD6-1C15-8925F243D897}"/>
-              </a:ext>
-            </a:extLst>
-          </p:cNvPr>
-          <p:cNvSpPr txBox="1"/>
-          <p:nvPr/>
-        </p:nvSpPr>
-        <p:spPr>
-          <a:xfrm>
-            <a:off x="3320950" y="5331833"/>
-            <a:ext cx="3422322" cy="923330"/>
-          </a:xfrm>
-          <a:prstGeom prst="rect">
-            <a:avLst/>
-          </a:prstGeom>
-          <a:noFill/>
-        </p:spPr>
-        <p:txBody>
-          <a:bodyPr wrap="square" rtlCol="0">
-            <a:spAutoFit/>
-          </a:bodyPr>
-          <a:lstStyle/>
-          <a:p>
-            <a:pPr marL="342900" indent="-342900">
-              <a:buAutoNum type="alphaUcPeriod"/>
-            </a:pPr>
-            <a:r>
-              <a:rPr lang="en-US" dirty="0">
-                <a:highlight>
-                  <a:srgbClr val="FFFF00"/>
-                </a:highlight>
-              </a:rPr>
-              <a:t>Sphere</a:t>
-            </a:r>
-            <a:r>
-              <a:rPr lang="en-US" dirty="0"/>
-              <a:t>, </a:t>
-            </a:r>
-            <a:r>
-              <a:rPr lang="en-US" dirty="0">
-                <a:highlight>
-                  <a:srgbClr val="FFFF00"/>
-                </a:highlight>
-              </a:rPr>
-              <a:t>Big</a:t>
-            </a:r>
-            <a:r>
-              <a:rPr lang="en-US" dirty="0"/>
-              <a:t>, Green, </a:t>
-            </a:r>
-            <a:r>
-              <a:rPr lang="en-US" dirty="0">
-                <a:highlight>
-                  <a:srgbClr val="FFFF00"/>
-                </a:highlight>
-              </a:rPr>
-              <a:t>Front</a:t>
-            </a:r>
-          </a:p>
-          <a:p>
-            <a:pPr marL="342900" indent="-342900">
-              <a:buAutoNum type="alphaUcPeriod"/>
-            </a:pPr>
-            <a:r>
-              <a:rPr lang="en-US" dirty="0">
-                <a:highlight>
-                  <a:srgbClr val="FFFF00"/>
-                </a:highlight>
-              </a:rPr>
-              <a:t>Cube</a:t>
-            </a:r>
-            <a:r>
-              <a:rPr lang="en-US" dirty="0"/>
-              <a:t>, </a:t>
-            </a:r>
-            <a:r>
-              <a:rPr lang="en-US" dirty="0">
-                <a:highlight>
-                  <a:srgbClr val="FFFF00"/>
-                </a:highlight>
-              </a:rPr>
-              <a:t>Big</a:t>
-            </a:r>
-            <a:r>
-              <a:rPr lang="en-US" dirty="0"/>
-              <a:t>, </a:t>
-            </a:r>
-            <a:r>
-              <a:rPr lang="en-US" dirty="0">
-                <a:highlight>
-                  <a:srgbClr val="FFFF00"/>
-                </a:highlight>
-              </a:rPr>
-              <a:t>Red</a:t>
-            </a:r>
-            <a:r>
-              <a:rPr lang="en-US" dirty="0"/>
-              <a:t>, Right</a:t>
-            </a:r>
-          </a:p>
-          <a:p>
-            <a:pPr marL="342900" indent="-342900">
-              <a:buAutoNum type="alphaUcPeriod"/>
-            </a:pPr>
-            <a:r>
-              <a:rPr lang="en-US" dirty="0">
-                <a:highlight>
-                  <a:srgbClr val="FFFF00"/>
-                </a:highlight>
-              </a:rPr>
-              <a:t>Sphere</a:t>
-            </a:r>
-            <a:r>
-              <a:rPr lang="en-US" dirty="0"/>
-              <a:t>, </a:t>
-            </a:r>
-            <a:r>
-              <a:rPr lang="en-US" dirty="0">
-                <a:highlight>
-                  <a:srgbClr val="FFFF00"/>
-                </a:highlight>
-              </a:rPr>
-              <a:t>Small</a:t>
-            </a:r>
-            <a:r>
-              <a:rPr lang="en-US" dirty="0"/>
-              <a:t>, </a:t>
-            </a:r>
-            <a:r>
-              <a:rPr lang="en-US" dirty="0">
-                <a:highlight>
-                  <a:srgbClr val="FFFF00"/>
-                </a:highlight>
-              </a:rPr>
-              <a:t>Red</a:t>
-            </a:r>
-            <a:r>
-              <a:rPr lang="en-US" dirty="0"/>
-              <a:t>, </a:t>
-            </a:r>
-            <a:r>
-              <a:rPr lang="en-US" dirty="0">
-                <a:highlight>
-                  <a:srgbClr val="FFFF00"/>
-                </a:highlight>
-              </a:rPr>
-              <a:t>Behind</a:t>
-            </a:r>
-          </a:p>
-        </p:txBody>
-      </p:sp>
-      <p:sp>
-        <p:nvSpPr>
-          <p:cNvPr id="12" name="TextBox 11">
-            <a:extLst>
-              <a:ext uri="{FF2B5EF4-FFF2-40B4-BE49-F238E27FC236}">
-                <a16:creationId xmlns:a16="http://schemas.microsoft.com/office/drawing/2014/main" id="{4A5DC98C-CEC8-CAEC-15C2-E88D0D5706D9}"/>
-              </a:ext>
-            </a:extLst>
-          </p:cNvPr>
-          <p:cNvSpPr txBox="1"/>
-          <p:nvPr/>
-        </p:nvSpPr>
-        <p:spPr>
-          <a:xfrm>
-            <a:off x="7442593" y="683106"/>
-            <a:ext cx="4442537" cy="369332"/>
-          </a:xfrm>
-          <a:prstGeom prst="rect">
-            <a:avLst/>
-          </a:prstGeom>
-          <a:noFill/>
-        </p:spPr>
-        <p:txBody>
-          <a:bodyPr wrap="square" rtlCol="0">
-            <a:spAutoFit/>
-          </a:bodyPr>
-          <a:lstStyle/>
-          <a:p>
-            <a:r>
-              <a:rPr lang="en-US" dirty="0"/>
-              <a:t>First, search attribute by attribute</a:t>
-            </a:r>
-          </a:p>
-        </p:txBody>
-      </p:sp>
-      <p:sp>
-        <p:nvSpPr>
-          <p:cNvPr id="14" name="TextBox 13">
-            <a:extLst>
-              <a:ext uri="{FF2B5EF4-FFF2-40B4-BE49-F238E27FC236}">
-                <a16:creationId xmlns:a16="http://schemas.microsoft.com/office/drawing/2014/main" id="{77D7668C-374B-DD95-6723-44C959CECB4E}"/>
-              </a:ext>
-            </a:extLst>
-          </p:cNvPr>
-          <p:cNvSpPr txBox="1"/>
-          <p:nvPr/>
-        </p:nvSpPr>
-        <p:spPr>
-          <a:xfrm>
-            <a:off x="7908240" y="1352803"/>
-            <a:ext cx="2892905" cy="2862322"/>
-          </a:xfrm>
-          <a:prstGeom prst="rect">
-            <a:avLst/>
-          </a:prstGeom>
-          <a:noFill/>
-        </p:spPr>
-        <p:txBody>
-          <a:bodyPr wrap="square" rtlCol="0">
-            <a:spAutoFit/>
-          </a:bodyPr>
-          <a:lstStyle/>
-          <a:p>
-            <a:r>
-              <a:rPr lang="en-US" dirty="0"/>
-              <a:t>Rules can be found</a:t>
-            </a:r>
-          </a:p>
-          <a:p>
-            <a:pPr marL="285750" indent="-285750">
-              <a:buFont typeface="Arial" panose="020B0604020202020204" pitchFamily="34" charset="0"/>
-              <a:buChar char="•"/>
-            </a:pPr>
-            <a:r>
-              <a:rPr lang="en-US" dirty="0"/>
-              <a:t>Big, Cube</a:t>
-            </a:r>
-          </a:p>
-          <a:p>
-            <a:pPr marL="285750" indent="-285750">
-              <a:buFont typeface="Arial" panose="020B0604020202020204" pitchFamily="34" charset="0"/>
-              <a:buChar char="•"/>
-            </a:pPr>
-            <a:r>
-              <a:rPr lang="en-US" dirty="0"/>
-              <a:t>Big, Sphere</a:t>
-            </a:r>
-          </a:p>
-          <a:p>
-            <a:pPr marL="285750" indent="-285750">
-              <a:buFont typeface="Arial" panose="020B0604020202020204" pitchFamily="34" charset="0"/>
-              <a:buChar char="•"/>
-            </a:pPr>
-            <a:r>
-              <a:rPr lang="en-US" dirty="0"/>
-              <a:t>Sphere, Behind</a:t>
-            </a:r>
-          </a:p>
-          <a:p>
-            <a:pPr marL="285750" indent="-285750">
-              <a:buFont typeface="Arial" panose="020B0604020202020204" pitchFamily="34" charset="0"/>
-              <a:buChar char="•"/>
-            </a:pPr>
-            <a:r>
-              <a:rPr lang="en-US" dirty="0"/>
-              <a:t>Red, Behind</a:t>
-            </a:r>
-          </a:p>
-          <a:p>
-            <a:pPr marL="285750" indent="-285750">
-              <a:buFont typeface="Arial" panose="020B0604020202020204" pitchFamily="34" charset="0"/>
-              <a:buChar char="•"/>
-            </a:pPr>
-            <a:r>
-              <a:rPr lang="en-US" dirty="0"/>
-              <a:t>Sphere, Red, Behind</a:t>
-            </a:r>
-          </a:p>
-          <a:p>
-            <a:pPr marL="285750" indent="-285750">
-              <a:buFont typeface="Arial" panose="020B0604020202020204" pitchFamily="34" charset="0"/>
-              <a:buChar char="•"/>
-            </a:pPr>
-            <a:r>
-              <a:rPr lang="en-US" dirty="0"/>
-              <a:t>Sphere, Small</a:t>
-            </a:r>
-          </a:p>
-          <a:p>
-            <a:pPr marL="285750" indent="-285750">
-              <a:buFont typeface="Arial" panose="020B0604020202020204" pitchFamily="34" charset="0"/>
-              <a:buChar char="•"/>
-            </a:pPr>
-            <a:r>
-              <a:rPr lang="en-US" dirty="0"/>
-              <a:t>Sphere, Red</a:t>
-            </a:r>
-          </a:p>
-          <a:p>
-            <a:pPr marL="285750" indent="-285750">
-              <a:buFont typeface="Arial" panose="020B0604020202020204" pitchFamily="34" charset="0"/>
-              <a:buChar char="•"/>
-            </a:pPr>
-            <a:r>
-              <a:rPr lang="en-US" dirty="0"/>
-              <a:t>Small Red,</a:t>
-            </a:r>
-          </a:p>
-          <a:p>
-            <a:pPr marL="285750" indent="-285750">
-              <a:buFont typeface="Arial" panose="020B0604020202020204" pitchFamily="34" charset="0"/>
-              <a:buChar char="•"/>
-            </a:pPr>
-            <a:r>
-              <a:rPr lang="en-US" dirty="0"/>
-              <a:t>Sphere, Small, Red</a:t>
-            </a:r>
-          </a:p>
-        </p:txBody>
-      </p:sp>
-      <p:sp>
-        <p:nvSpPr>
-          <p:cNvPr id="4" name="TextBox 3">
-            <a:extLst>
-              <a:ext uri="{FF2B5EF4-FFF2-40B4-BE49-F238E27FC236}">
-                <a16:creationId xmlns:a16="http://schemas.microsoft.com/office/drawing/2014/main" id="{887F491C-B8A4-AC40-8467-CC280FAD66D7}"/>
-              </a:ext>
-            </a:extLst>
-          </p:cNvPr>
-          <p:cNvSpPr txBox="1"/>
-          <p:nvPr/>
-        </p:nvSpPr>
-        <p:spPr>
-          <a:xfrm>
-            <a:off x="7908240" y="4569748"/>
-            <a:ext cx="1012503" cy="369332"/>
-          </a:xfrm>
-          <a:prstGeom prst="rect">
-            <a:avLst/>
-          </a:prstGeom>
-          <a:noFill/>
-        </p:spPr>
-        <p:txBody>
-          <a:bodyPr wrap="square" rtlCol="0">
-            <a:spAutoFit/>
-          </a:bodyPr>
-          <a:lstStyle/>
-          <a:p>
-            <a:r>
-              <a:rPr lang="en-US" dirty="0"/>
-              <a:t>9 rules</a:t>
-            </a:r>
-          </a:p>
-        </p:txBody>
-      </p:sp>
-      <p:sp>
-        <p:nvSpPr>
-          <p:cNvPr id="26" name="Oval 25">
-            <a:extLst>
-              <a:ext uri="{FF2B5EF4-FFF2-40B4-BE49-F238E27FC236}">
-                <a16:creationId xmlns:a16="http://schemas.microsoft.com/office/drawing/2014/main" id="{5D26DD76-FFF7-A832-FD87-4674211A33AF}"/>
-              </a:ext>
-            </a:extLst>
-          </p:cNvPr>
-          <p:cNvSpPr/>
-          <p:nvPr/>
-        </p:nvSpPr>
-        <p:spPr>
-          <a:xfrm>
-            <a:off x="615154" y="5018792"/>
-            <a:ext cx="405233" cy="420414"/>
-          </a:xfrm>
-          <a:prstGeom prst="ellipse">
-            <a:avLst/>
-          </a:prstGeom>
-        </p:spPr>
-        <p:style>
-          <a:lnRef idx="2">
-            <a:schemeClr val="accent1">
-              <a:shade val="50000"/>
-            </a:schemeClr>
-          </a:lnRef>
-          <a:fillRef idx="1">
-            <a:schemeClr val="accent1"/>
-          </a:fillRef>
-          <a:effectRef idx="0">
-            <a:schemeClr val="accent1"/>
-          </a:effectRef>
-          <a:fontRef idx="minor">
-            <a:schemeClr val="lt1"/>
-          </a:fontRef>
-        </p:style>
-        <p:txBody>
-          <a:bodyPr rtlCol="0" anchor="ctr"/>
-          <a:lstStyle/>
-          <a:p>
-            <a:pPr algn="ctr"/>
-            <a:r>
-              <a:rPr lang="en-US" dirty="0"/>
-              <a:t>C</a:t>
+            <a:r>
+              <a:rPr lang="en-US" dirty="0"/>
+              <a:t>Crazier, if there is a bedroom, how should it look like.</a:t>
+            </a:r>
+          </a:p>
+          <a:p>
+            <a:r>
+              <a:rPr lang="en-US" dirty="0"/>
+              <a:t>Possibly, there is a bed, a wardrobe, some paintings, lights, carpets. </a:t>
+            </a:r>
+          </a:p>
+          <a:p>
+            <a:r>
+              <a:rPr lang="en-US" dirty="0"/>
+              <a:t>Can AI think about with it and place everything properly?</a:t>
             </a:r>
           </a:p>
         </p:txBody>
@@ -16532,7 +15829,7 @@
     </p:spTree>
     <p:extLst>
       <p:ext uri="{BB962C8B-B14F-4D97-AF65-F5344CB8AC3E}">
-        <p14:creationId xmlns:p14="http://schemas.microsoft.com/office/powerpoint/2010/main" val="936425008"/>
+        <p14:creationId xmlns:p14="http://schemas.microsoft.com/office/powerpoint/2010/main" val="2837795320"/>
       </p:ext>
     </p:extLst>
   </p:cSld>
@@ -16574,7 +15871,7 @@
         <p:spPr>
           <a:xfrm>
             <a:off x="736100" y="730302"/>
-            <a:ext cx="5150992" cy="3139321"/>
+            <a:ext cx="5150992" cy="5078313"/>
           </a:xfrm>
           <a:prstGeom prst="rect">
             <a:avLst/>
@@ -16587,25 +15884,67 @@
           </a:bodyPr>
           <a:lstStyle/>
           <a:p>
-            <a:r>
-              <a:rPr lang="en-US" dirty="0"/>
-              <a:t>Imagine there is a new vacant bedroom, </a:t>
-            </a:r>
-          </a:p>
-          <a:p>
-            <a:r>
-              <a:rPr lang="en-US" dirty="0"/>
-              <a:t>Now, we put some furniture inside</a:t>
-            </a:r>
-          </a:p>
-          <a:p>
             <a:pPr marL="285750" indent="-285750">
               <a:buFont typeface="Arial" panose="020B0604020202020204" pitchFamily="34" charset="0"/>
               <a:buChar char="•"/>
             </a:pPr>
-            <a:r>
-              <a:rPr lang="en-US" dirty="0"/>
-              <a:t>A bed</a:t>
+            <a:endParaRPr lang="en-US" dirty="0"/>
+          </a:p>
+          <a:p>
+            <a:r>
+              <a:rPr lang="en-US" dirty="0"/>
+              <a:t>How to automatically decide the positions of these objects?</a:t>
+            </a:r>
+          </a:p>
+          <a:p>
+            <a:endParaRPr lang="en-US" dirty="0"/>
+          </a:p>
+          <a:p>
+            <a:r>
+              <a:rPr lang="en-US" dirty="0"/>
+              <a:t>Training image</a:t>
+            </a:r>
+          </a:p>
+          <a:p>
+            <a:endParaRPr lang="en-US" dirty="0"/>
+          </a:p>
+          <a:p>
+            <a:pPr marL="342900" indent="-342900">
+              <a:buAutoNum type="alphaUcPeriod"/>
+            </a:pPr>
+            <a:r>
+              <a:rPr lang="en-US" dirty="0"/>
+              <a:t>phone, bed (phone on the bed)</a:t>
+            </a:r>
+          </a:p>
+          <a:p>
+            <a:pPr marL="342900" indent="-342900">
+              <a:buAutoNum type="alphaUcPeriod"/>
+            </a:pPr>
+            <a:r>
+              <a:rPr lang="en-US" dirty="0"/>
+              <a:t>phone, desk (phone on the desk)</a:t>
+            </a:r>
+          </a:p>
+          <a:p>
+            <a:pPr marL="342900" indent="-342900">
+              <a:buAutoNum type="alphaUcPeriod"/>
+            </a:pPr>
+            <a:r>
+              <a:rPr lang="en-US" dirty="0"/>
+              <a:t>phone, desk, bed (phone on the desk)</a:t>
+            </a:r>
+          </a:p>
+          <a:p>
+            <a:pPr marL="342900" indent="-342900">
+              <a:buAutoNum type="alphaUcPeriod"/>
+            </a:pPr>
+            <a:endParaRPr lang="en-US" dirty="0"/>
+          </a:p>
+          <a:p>
+            <a:r>
+              <a:rPr lang="en-US" dirty="0"/>
+              <a:t>5 relations</a:t>
             </a:r>
           </a:p>
           <a:p>
@@ -16615,7 +15954,7 @@
             </a:pPr>
             <a:r>
               <a:rPr lang="en-US" dirty="0"/>
-              <a:t>A wardrobe</a:t>
+              <a:t>Left</a:t>
             </a:r>
           </a:p>
           <a:p>
@@ -16625,7 +15964,7 @@
             </a:pPr>
             <a:r>
               <a:rPr lang="en-US" dirty="0"/>
-              <a:t>An armchair</a:t>
+              <a:t>Right</a:t>
             </a:r>
           </a:p>
           <a:p>
@@ -16635,7 +15974,7 @@
             </a:pPr>
             <a:r>
               <a:rPr lang="en-US" dirty="0"/>
-              <a:t>A carpet</a:t>
+              <a:t>Front</a:t>
             </a:r>
           </a:p>
           <a:p>
@@ -16645,7 +15984,7 @@
             </a:pPr>
             <a:r>
               <a:rPr lang="en-US" dirty="0"/>
-              <a:t>Two bedside tables</a:t>
+              <a:t>Behind</a:t>
             </a:r>
           </a:p>
           <a:p>
@@ -16653,20 +15992,23 @@
               <a:buFont typeface="Arial" panose="020B0604020202020204" pitchFamily="34" charset="0"/>
               <a:buChar char="•"/>
             </a:pPr>
-            <a:endParaRPr lang="en-US" dirty="0"/>
+            <a:r>
+              <a:rPr lang="en-US" dirty="0"/>
+              <a:t>Above</a:t>
+            </a:r>
           </a:p>
           <a:p>
             <a:pPr marL="285750" indent="-285750">
               <a:buFont typeface="Arial" panose="020B0604020202020204" pitchFamily="34" charset="0"/>
               <a:buChar char="•"/>
             </a:pPr>
+            <a:r>
+              <a:rPr lang="en-US" dirty="0"/>
+              <a:t>On</a:t>
+            </a:r>
+          </a:p>
+          <a:p>
             <a:endParaRPr lang="en-US" dirty="0"/>
-          </a:p>
-          <a:p>
-            <a:r>
-              <a:rPr lang="en-US" dirty="0"/>
-              <a:t>How to automatically decide the positions of these objects?</a:t>
-            </a:r>
           </a:p>
         </p:txBody>
       </p:sp>
@@ -16819,386 +16161,6 @@
       </p:sp>
       <p:sp>
         <p:nvSpPr>
-          <p:cNvPr id="10" name="TextBox 9">
-            <a:extLst>
-              <a:ext uri="{FF2B5EF4-FFF2-40B4-BE49-F238E27FC236}">
-                <a16:creationId xmlns:a16="http://schemas.microsoft.com/office/drawing/2014/main" id="{36CD8D63-730C-3AD2-1C56-046C66ACEDD2}"/>
-              </a:ext>
-            </a:extLst>
-          </p:cNvPr>
-          <p:cNvSpPr txBox="1"/>
-          <p:nvPr/>
-        </p:nvSpPr>
-        <p:spPr>
-          <a:xfrm>
-            <a:off x="6407436" y="1007301"/>
-            <a:ext cx="5150992" cy="1477328"/>
-          </a:xfrm>
-          <a:prstGeom prst="rect">
-            <a:avLst/>
-          </a:prstGeom>
-          <a:noFill/>
-        </p:spPr>
-        <p:txBody>
-          <a:bodyPr wrap="square" rtlCol="0">
-            <a:spAutoFit/>
-          </a:bodyPr>
-          <a:lstStyle/>
-          <a:p>
-            <a:r>
-              <a:rPr lang="en-US" dirty="0"/>
-              <a:t>Crazier, if there is a bedroom, how should it look like.</a:t>
-            </a:r>
-          </a:p>
-          <a:p>
-            <a:r>
-              <a:rPr lang="en-US" dirty="0"/>
-              <a:t>Possibly, there is a bed, a wardrobe, some paintings, lights, carpets. </a:t>
-            </a:r>
-          </a:p>
-          <a:p>
-            <a:r>
-              <a:rPr lang="en-US" dirty="0"/>
-              <a:t>Can AI think about with it and place everything properly?</a:t>
-            </a:r>
-          </a:p>
-        </p:txBody>
-      </p:sp>
-    </p:spTree>
-    <p:extLst>
-      <p:ext uri="{BB962C8B-B14F-4D97-AF65-F5344CB8AC3E}">
-        <p14:creationId xmlns:p14="http://schemas.microsoft.com/office/powerpoint/2010/main" val="2837795320"/>
-      </p:ext>
-    </p:extLst>
-  </p:cSld>
-  <p:clrMapOvr>
-    <a:masterClrMapping/>
-  </p:clrMapOvr>
-</p:sld>
-</file>
-
-<file path=ppt/slides/slide23.xml><?xml version="1.0" encoding="utf-8"?>
-<p:sld xmlns:a="http://schemas.openxmlformats.org/drawingml/2006/main" xmlns:r="http://schemas.openxmlformats.org/officeDocument/2006/relationships" xmlns:p="http://schemas.openxmlformats.org/presentationml/2006/main">
-  <p:cSld>
-    <p:spTree>
-      <p:nvGrpSpPr>
-        <p:cNvPr id="1" name=""/>
-        <p:cNvGrpSpPr/>
-        <p:nvPr/>
-      </p:nvGrpSpPr>
-      <p:grpSpPr>
-        <a:xfrm>
-          <a:off x="0" y="0"/>
-          <a:ext cx="0" cy="0"/>
-          <a:chOff x="0" y="0"/>
-          <a:chExt cx="0" cy="0"/>
-        </a:xfrm>
-      </p:grpSpPr>
-      <p:sp>
-        <p:nvSpPr>
-          <p:cNvPr id="4" name="TextBox 3">
-            <a:extLst>
-              <a:ext uri="{FF2B5EF4-FFF2-40B4-BE49-F238E27FC236}">
-                <a16:creationId xmlns:a16="http://schemas.microsoft.com/office/drawing/2014/main" id="{BA8162A7-CA46-E5D9-CD66-53849C6285C6}"/>
-              </a:ext>
-            </a:extLst>
-          </p:cNvPr>
-          <p:cNvSpPr txBox="1"/>
-          <p:nvPr/>
-        </p:nvSpPr>
-        <p:spPr>
-          <a:xfrm>
-            <a:off x="736100" y="730302"/>
-            <a:ext cx="5150992" cy="5078313"/>
-          </a:xfrm>
-          <a:prstGeom prst="rect">
-            <a:avLst/>
-          </a:prstGeom>
-          <a:noFill/>
-        </p:spPr>
-        <p:txBody>
-          <a:bodyPr wrap="square" rtlCol="0">
-            <a:spAutoFit/>
-          </a:bodyPr>
-          <a:lstStyle/>
-          <a:p>
-            <a:pPr marL="285750" indent="-285750">
-              <a:buFont typeface="Arial" panose="020B0604020202020204" pitchFamily="34" charset="0"/>
-              <a:buChar char="•"/>
-            </a:pPr>
-            <a:endParaRPr lang="en-US" dirty="0"/>
-          </a:p>
-          <a:p>
-            <a:r>
-              <a:rPr lang="en-US" dirty="0"/>
-              <a:t>How to automatically decide the positions of these objects?</a:t>
-            </a:r>
-          </a:p>
-          <a:p>
-            <a:endParaRPr lang="en-US" dirty="0"/>
-          </a:p>
-          <a:p>
-            <a:r>
-              <a:rPr lang="en-US" dirty="0"/>
-              <a:t>Training image</a:t>
-            </a:r>
-          </a:p>
-          <a:p>
-            <a:endParaRPr lang="en-US" dirty="0"/>
-          </a:p>
-          <a:p>
-            <a:pPr marL="342900" indent="-342900">
-              <a:buAutoNum type="alphaUcPeriod"/>
-            </a:pPr>
-            <a:r>
-              <a:rPr lang="en-US" dirty="0"/>
-              <a:t>phone, bed (phone on the bed)</a:t>
-            </a:r>
-          </a:p>
-          <a:p>
-            <a:pPr marL="342900" indent="-342900">
-              <a:buAutoNum type="alphaUcPeriod"/>
-            </a:pPr>
-            <a:r>
-              <a:rPr lang="en-US" dirty="0"/>
-              <a:t>phone, desk (phone on the desk)</a:t>
-            </a:r>
-          </a:p>
-          <a:p>
-            <a:pPr marL="342900" indent="-342900">
-              <a:buAutoNum type="alphaUcPeriod"/>
-            </a:pPr>
-            <a:r>
-              <a:rPr lang="en-US" dirty="0"/>
-              <a:t>phone, desk, bed (phone on the desk)</a:t>
-            </a:r>
-          </a:p>
-          <a:p>
-            <a:pPr marL="342900" indent="-342900">
-              <a:buAutoNum type="alphaUcPeriod"/>
-            </a:pPr>
-            <a:endParaRPr lang="en-US" dirty="0"/>
-          </a:p>
-          <a:p>
-            <a:r>
-              <a:rPr lang="en-US" dirty="0"/>
-              <a:t>5 relations</a:t>
-            </a:r>
-          </a:p>
-          <a:p>
-            <a:pPr marL="285750" indent="-285750">
-              <a:buFont typeface="Arial" panose="020B0604020202020204" pitchFamily="34" charset="0"/>
-              <a:buChar char="•"/>
-            </a:pPr>
-            <a:r>
-              <a:rPr lang="en-US" dirty="0"/>
-              <a:t>Left</a:t>
-            </a:r>
-          </a:p>
-          <a:p>
-            <a:pPr marL="285750" indent="-285750">
-              <a:buFont typeface="Arial" panose="020B0604020202020204" pitchFamily="34" charset="0"/>
-              <a:buChar char="•"/>
-            </a:pPr>
-            <a:r>
-              <a:rPr lang="en-US" dirty="0"/>
-              <a:t>Right</a:t>
-            </a:r>
-          </a:p>
-          <a:p>
-            <a:pPr marL="285750" indent="-285750">
-              <a:buFont typeface="Arial" panose="020B0604020202020204" pitchFamily="34" charset="0"/>
-              <a:buChar char="•"/>
-            </a:pPr>
-            <a:r>
-              <a:rPr lang="en-US" dirty="0"/>
-              <a:t>Front</a:t>
-            </a:r>
-          </a:p>
-          <a:p>
-            <a:pPr marL="285750" indent="-285750">
-              <a:buFont typeface="Arial" panose="020B0604020202020204" pitchFamily="34" charset="0"/>
-              <a:buChar char="•"/>
-            </a:pPr>
-            <a:r>
-              <a:rPr lang="en-US" dirty="0"/>
-              <a:t>Behind</a:t>
-            </a:r>
-          </a:p>
-          <a:p>
-            <a:pPr marL="285750" indent="-285750">
-              <a:buFont typeface="Arial" panose="020B0604020202020204" pitchFamily="34" charset="0"/>
-              <a:buChar char="•"/>
-            </a:pPr>
-            <a:r>
-              <a:rPr lang="en-US" dirty="0"/>
-              <a:t>Above</a:t>
-            </a:r>
-          </a:p>
-          <a:p>
-            <a:pPr marL="285750" indent="-285750">
-              <a:buFont typeface="Arial" panose="020B0604020202020204" pitchFamily="34" charset="0"/>
-              <a:buChar char="•"/>
-            </a:pPr>
-            <a:r>
-              <a:rPr lang="en-US" dirty="0"/>
-              <a:t>On</a:t>
-            </a:r>
-          </a:p>
-          <a:p>
-            <a:endParaRPr lang="en-US" dirty="0"/>
-          </a:p>
-        </p:txBody>
-      </p:sp>
-      <p:sp>
-        <p:nvSpPr>
-          <p:cNvPr id="5" name="Oval 4">
-            <a:extLst>
-              <a:ext uri="{FF2B5EF4-FFF2-40B4-BE49-F238E27FC236}">
-                <a16:creationId xmlns:a16="http://schemas.microsoft.com/office/drawing/2014/main" id="{7016D2C4-C1DA-7C14-DE3A-2D43E503DED5}"/>
-              </a:ext>
-            </a:extLst>
-          </p:cNvPr>
-          <p:cNvSpPr/>
-          <p:nvPr/>
-        </p:nvSpPr>
-        <p:spPr>
-          <a:xfrm>
-            <a:off x="1193814" y="5792707"/>
-            <a:ext cx="405233" cy="420414"/>
-          </a:xfrm>
-          <a:prstGeom prst="ellipse">
-            <a:avLst/>
-          </a:prstGeom>
-        </p:spPr>
-        <p:style>
-          <a:lnRef idx="2">
-            <a:schemeClr val="accent1">
-              <a:shade val="50000"/>
-            </a:schemeClr>
-          </a:lnRef>
-          <a:fillRef idx="1">
-            <a:schemeClr val="accent1"/>
-          </a:fillRef>
-          <a:effectRef idx="0">
-            <a:schemeClr val="accent1"/>
-          </a:effectRef>
-          <a:fontRef idx="minor">
-            <a:schemeClr val="lt1"/>
-          </a:fontRef>
-        </p:style>
-        <p:txBody>
-          <a:bodyPr rtlCol="0" anchor="ctr"/>
-          <a:lstStyle/>
-          <a:p>
-            <a:pPr algn="ctr"/>
-            <a:r>
-              <a:rPr lang="en-US" dirty="0"/>
-              <a:t>A</a:t>
-            </a:r>
-          </a:p>
-        </p:txBody>
-      </p:sp>
-      <p:sp>
-        <p:nvSpPr>
-          <p:cNvPr id="6" name="Oval 5">
-            <a:extLst>
-              <a:ext uri="{FF2B5EF4-FFF2-40B4-BE49-F238E27FC236}">
-                <a16:creationId xmlns:a16="http://schemas.microsoft.com/office/drawing/2014/main" id="{79743750-3C5B-E257-AB51-D091010F16AB}"/>
-              </a:ext>
-            </a:extLst>
-          </p:cNvPr>
-          <p:cNvSpPr/>
-          <p:nvPr/>
-        </p:nvSpPr>
-        <p:spPr>
-          <a:xfrm>
-            <a:off x="2601374" y="6002914"/>
-            <a:ext cx="405233" cy="420414"/>
-          </a:xfrm>
-          <a:prstGeom prst="ellipse">
-            <a:avLst/>
-          </a:prstGeom>
-        </p:spPr>
-        <p:style>
-          <a:lnRef idx="2">
-            <a:schemeClr val="accent1">
-              <a:shade val="50000"/>
-            </a:schemeClr>
-          </a:lnRef>
-          <a:fillRef idx="1">
-            <a:schemeClr val="accent1"/>
-          </a:fillRef>
-          <a:effectRef idx="0">
-            <a:schemeClr val="accent1"/>
-          </a:effectRef>
-          <a:fontRef idx="minor">
-            <a:schemeClr val="lt1"/>
-          </a:fontRef>
-        </p:style>
-        <p:txBody>
-          <a:bodyPr rtlCol="0" anchor="ctr"/>
-          <a:lstStyle/>
-          <a:p>
-            <a:pPr algn="ctr"/>
-            <a:r>
-              <a:rPr lang="en-US" dirty="0"/>
-              <a:t>B</a:t>
-            </a:r>
-          </a:p>
-        </p:txBody>
-      </p:sp>
-      <p:sp>
-        <p:nvSpPr>
-          <p:cNvPr id="7" name="Oval 6">
-            <a:extLst>
-              <a:ext uri="{FF2B5EF4-FFF2-40B4-BE49-F238E27FC236}">
-                <a16:creationId xmlns:a16="http://schemas.microsoft.com/office/drawing/2014/main" id="{D3F11292-5AEB-03A5-870C-046C6A8F83A7}"/>
-              </a:ext>
-            </a:extLst>
-          </p:cNvPr>
-          <p:cNvSpPr/>
-          <p:nvPr/>
-        </p:nvSpPr>
-        <p:spPr>
-          <a:xfrm>
-            <a:off x="3706465" y="6002914"/>
-            <a:ext cx="405233" cy="420414"/>
-          </a:xfrm>
-          <a:prstGeom prst="ellipse">
-            <a:avLst/>
-          </a:prstGeom>
-        </p:spPr>
-        <p:style>
-          <a:lnRef idx="2">
-            <a:schemeClr val="accent1">
-              <a:shade val="50000"/>
-            </a:schemeClr>
-          </a:lnRef>
-          <a:fillRef idx="1">
-            <a:schemeClr val="accent1"/>
-          </a:fillRef>
-          <a:effectRef idx="0">
-            <a:schemeClr val="accent1"/>
-          </a:effectRef>
-          <a:fontRef idx="minor">
-            <a:schemeClr val="lt1"/>
-          </a:fontRef>
-        </p:style>
-        <p:txBody>
-          <a:bodyPr rtlCol="0" anchor="ctr"/>
-          <a:lstStyle/>
-          <a:p>
-            <a:pPr algn="ctr"/>
-            <a:r>
-              <a:rPr lang="en-US" dirty="0"/>
-              <a:t>C</a:t>
-            </a:r>
-          </a:p>
-        </p:txBody>
-      </p:sp>
-      <p:sp>
-        <p:nvSpPr>
           <p:cNvPr id="2" name="TextBox 1">
             <a:extLst>
               <a:ext uri="{FF2B5EF4-FFF2-40B4-BE49-F238E27FC236}">
@@ -17379,7 +16341,7 @@
 </p:sld>
 </file>
 
-<file path=ppt/slides/slide24.xml><?xml version="1.0" encoding="utf-8"?>
+<file path=ppt/slides/slide23.xml><?xml version="1.0" encoding="utf-8"?>
 <p:sld xmlns:a="http://schemas.openxmlformats.org/drawingml/2006/main" xmlns:r="http://schemas.openxmlformats.org/officeDocument/2006/relationships" xmlns:p="http://schemas.openxmlformats.org/presentationml/2006/main">
   <p:cSld>
     <p:spTree>

--- a/spatial_relation_vector.pptx
+++ b/spatial_relation_vector.pptx
@@ -5,7 +5,7 @@
     <p:sldMasterId id="2147483660" r:id="rId1"/>
   </p:sldMasterIdLst>
   <p:notesMasterIdLst>
-    <p:notesMasterId r:id="rId25"/>
+    <p:notesMasterId r:id="rId24"/>
   </p:notesMasterIdLst>
   <p:sldIdLst>
     <p:sldId id="256" r:id="rId2"/>
@@ -22,15 +22,14 @@
     <p:sldId id="274" r:id="rId13"/>
     <p:sldId id="275" r:id="rId14"/>
     <p:sldId id="276" r:id="rId15"/>
-    <p:sldId id="279" r:id="rId16"/>
-    <p:sldId id="280" r:id="rId17"/>
-    <p:sldId id="282" r:id="rId18"/>
-    <p:sldId id="283" r:id="rId19"/>
-    <p:sldId id="285" r:id="rId20"/>
-    <p:sldId id="286" r:id="rId21"/>
-    <p:sldId id="284" r:id="rId22"/>
-    <p:sldId id="287" r:id="rId23"/>
-    <p:sldId id="277" r:id="rId24"/>
+    <p:sldId id="280" r:id="rId16"/>
+    <p:sldId id="282" r:id="rId17"/>
+    <p:sldId id="283" r:id="rId18"/>
+    <p:sldId id="285" r:id="rId19"/>
+    <p:sldId id="286" r:id="rId20"/>
+    <p:sldId id="284" r:id="rId21"/>
+    <p:sldId id="287" r:id="rId22"/>
+    <p:sldId id="277" r:id="rId23"/>
   </p:sldIdLst>
   <p:sldSz cx="12192000" cy="6858000"/>
   <p:notesSz cx="6858000" cy="9144000"/>
@@ -225,7 +224,7 @@
           <a:p>
             <a:fld id="{84E607D3-C6DE-49C0-9A33-FA3231C691CA}" type="datetimeFigureOut">
               <a:rPr lang="en-US" smtClean="0"/>
-              <a:t>12/20/22</a:t>
+              <a:t>20-Dec-22</a:t>
             </a:fld>
             <a:endParaRPr lang="en-US" dirty="0"/>
           </a:p>
@@ -639,7 +638,7 @@
           <a:p>
             <a:fld id="{B2B149FD-7C5B-4276-A951-5649DCFA9F7C}" type="datetimeFigureOut">
               <a:rPr lang="en-US" smtClean="0"/>
-              <a:t>12/20/22</a:t>
+              <a:t>20-Dec-22</a:t>
             </a:fld>
             <a:endParaRPr lang="en-US" dirty="0"/>
           </a:p>
@@ -837,7 +836,7 @@
           <a:p>
             <a:fld id="{B2B149FD-7C5B-4276-A951-5649DCFA9F7C}" type="datetimeFigureOut">
               <a:rPr lang="en-US" smtClean="0"/>
-              <a:t>12/20/22</a:t>
+              <a:t>20-Dec-22</a:t>
             </a:fld>
             <a:endParaRPr lang="en-US" dirty="0"/>
           </a:p>
@@ -1045,7 +1044,7 @@
           <a:p>
             <a:fld id="{B2B149FD-7C5B-4276-A951-5649DCFA9F7C}" type="datetimeFigureOut">
               <a:rPr lang="en-US" smtClean="0"/>
-              <a:t>12/20/22</a:t>
+              <a:t>20-Dec-22</a:t>
             </a:fld>
             <a:endParaRPr lang="en-US" dirty="0"/>
           </a:p>
@@ -1243,7 +1242,7 @@
           <a:p>
             <a:fld id="{B2B149FD-7C5B-4276-A951-5649DCFA9F7C}" type="datetimeFigureOut">
               <a:rPr lang="en-US" smtClean="0"/>
-              <a:t>12/20/22</a:t>
+              <a:t>20-Dec-22</a:t>
             </a:fld>
             <a:endParaRPr lang="en-US" dirty="0"/>
           </a:p>
@@ -1518,7 +1517,7 @@
           <a:p>
             <a:fld id="{B2B149FD-7C5B-4276-A951-5649DCFA9F7C}" type="datetimeFigureOut">
               <a:rPr lang="en-US" smtClean="0"/>
-              <a:t>12/20/22</a:t>
+              <a:t>20-Dec-22</a:t>
             </a:fld>
             <a:endParaRPr lang="en-US" dirty="0"/>
           </a:p>
@@ -1783,7 +1782,7 @@
           <a:p>
             <a:fld id="{B2B149FD-7C5B-4276-A951-5649DCFA9F7C}" type="datetimeFigureOut">
               <a:rPr lang="en-US" smtClean="0"/>
-              <a:t>12/20/22</a:t>
+              <a:t>20-Dec-22</a:t>
             </a:fld>
             <a:endParaRPr lang="en-US" dirty="0"/>
           </a:p>
@@ -2195,7 +2194,7 @@
           <a:p>
             <a:fld id="{B2B149FD-7C5B-4276-A951-5649DCFA9F7C}" type="datetimeFigureOut">
               <a:rPr lang="en-US" smtClean="0"/>
-              <a:t>12/20/22</a:t>
+              <a:t>20-Dec-22</a:t>
             </a:fld>
             <a:endParaRPr lang="en-US" dirty="0"/>
           </a:p>
@@ -2336,7 +2335,7 @@
           <a:p>
             <a:fld id="{B2B149FD-7C5B-4276-A951-5649DCFA9F7C}" type="datetimeFigureOut">
               <a:rPr lang="en-US" smtClean="0"/>
-              <a:t>12/20/22</a:t>
+              <a:t>20-Dec-22</a:t>
             </a:fld>
             <a:endParaRPr lang="en-US" dirty="0"/>
           </a:p>
@@ -2449,7 +2448,7 @@
           <a:p>
             <a:fld id="{B2B149FD-7C5B-4276-A951-5649DCFA9F7C}" type="datetimeFigureOut">
               <a:rPr lang="en-US" smtClean="0"/>
-              <a:t>12/20/22</a:t>
+              <a:t>20-Dec-22</a:t>
             </a:fld>
             <a:endParaRPr lang="en-US" dirty="0"/>
           </a:p>
@@ -2760,7 +2759,7 @@
           <a:p>
             <a:fld id="{B2B149FD-7C5B-4276-A951-5649DCFA9F7C}" type="datetimeFigureOut">
               <a:rPr lang="en-US" smtClean="0"/>
-              <a:t>12/20/22</a:t>
+              <a:t>20-Dec-22</a:t>
             </a:fld>
             <a:endParaRPr lang="en-US" dirty="0"/>
           </a:p>
@@ -3048,7 +3047,7 @@
           <a:p>
             <a:fld id="{B2B149FD-7C5B-4276-A951-5649DCFA9F7C}" type="datetimeFigureOut">
               <a:rPr lang="en-US" smtClean="0"/>
-              <a:t>12/20/22</a:t>
+              <a:t>20-Dec-22</a:t>
             </a:fld>
             <a:endParaRPr lang="en-US" dirty="0"/>
           </a:p>
@@ -3289,7 +3288,7 @@
           <a:p>
             <a:fld id="{B2B149FD-7C5B-4276-A951-5649DCFA9F7C}" type="datetimeFigureOut">
               <a:rPr lang="en-US" smtClean="0"/>
-              <a:t>12/20/22</a:t>
+              <a:t>20-Dec-22</a:t>
             </a:fld>
             <a:endParaRPr lang="en-US" dirty="0"/>
           </a:p>
@@ -7590,7 +7589,19 @@
             </a:r>
             <a:r>
               <a:rPr lang="en-US" dirty="0"/>
-              <a:t>, Small, Red, Left</a:t>
+              <a:t>, </a:t>
+            </a:r>
+            <a:r>
+              <a:rPr lang="en-US" dirty="0">
+                <a:highlight>
+                  <a:srgbClr val="00FF00"/>
+                </a:highlight>
+              </a:rPr>
+              <a:t>Small</a:t>
+            </a:r>
+            <a:r>
+              <a:rPr lang="en-US" dirty="0"/>
+              <a:t>, Red, Left</a:t>
             </a:r>
           </a:p>
           <a:p>
@@ -8065,7 +8076,19 @@
             </a:r>
             <a:r>
               <a:rPr lang="en-US" dirty="0"/>
-              <a:t>, Small, Red, Left</a:t>
+              <a:t>, </a:t>
+            </a:r>
+            <a:r>
+              <a:rPr lang="en-US" dirty="0">
+                <a:highlight>
+                  <a:srgbClr val="00FF00"/>
+                </a:highlight>
+              </a:rPr>
+              <a:t>Small</a:t>
+            </a:r>
+            <a:r>
+              <a:rPr lang="en-US" dirty="0"/>
+              <a:t>, Red, Left</a:t>
             </a:r>
           </a:p>
           <a:p>
@@ -8395,7 +8418,7 @@
                   <a:srgbClr val="00FF00"/>
                 </a:highlight>
               </a:rPr>
-              <a:t>Big</a:t>
+              <a:t>Small</a:t>
             </a:r>
             <a:r>
               <a:rPr lang="en-US" dirty="0"/>
@@ -8426,7 +8449,7 @@
         </p:nvSpPr>
         <p:spPr>
           <a:xfrm>
-            <a:off x="6601801" y="498440"/>
+            <a:off x="6529555" y="487384"/>
             <a:ext cx="4442537" cy="646331"/>
           </a:xfrm>
           <a:prstGeom prst="rect">
@@ -8448,17 +8471,17 @@
           <a:p>
             <a:r>
               <a:rPr lang="en-US" dirty="0"/>
-              <a:t>Find objects that exist in all images</a:t>
-            </a:r>
-          </a:p>
-        </p:txBody>
-      </p:sp>
-      <p:sp>
-        <p:nvSpPr>
-          <p:cNvPr id="14" name="TextBox 13">
-            <a:extLst>
-              <a:ext uri="{FF2B5EF4-FFF2-40B4-BE49-F238E27FC236}">
-                <a16:creationId xmlns:a16="http://schemas.microsoft.com/office/drawing/2014/main" id="{77D7668C-374B-DD95-6723-44C959CECB4E}"/>
+              <a:t>Then, add attributes as  priors to each rules</a:t>
+            </a:r>
+          </a:p>
+        </p:txBody>
+      </p:sp>
+      <p:sp>
+        <p:nvSpPr>
+          <p:cNvPr id="15" name="TextBox 14">
+            <a:extLst>
+              <a:ext uri="{FF2B5EF4-FFF2-40B4-BE49-F238E27FC236}">
+                <a16:creationId xmlns:a16="http://schemas.microsoft.com/office/drawing/2014/main" id="{CA059608-3EAB-1E9D-2CB0-D20D3A206D77}"/>
               </a:ext>
             </a:extLst>
           </p:cNvPr>
@@ -8467,8 +8490,8 @@
         </p:nvSpPr>
         <p:spPr>
           <a:xfrm>
-            <a:off x="6669382" y="1692279"/>
-            <a:ext cx="3882177" cy="2585323"/>
+            <a:off x="6887342" y="1401090"/>
+            <a:ext cx="2790913" cy="3970318"/>
           </a:xfrm>
           <a:prstGeom prst="rect">
             <a:avLst/>
@@ -8481,19 +8504,43 @@
           </a:bodyPr>
           <a:lstStyle/>
           <a:p>
-            <a:r>
-              <a:rPr lang="en-US" dirty="0"/>
-              <a:t>Rules can be found (not complete )</a:t>
-            </a:r>
-          </a:p>
-          <a:p>
             <a:pPr marL="285750" indent="-285750">
               <a:buFont typeface="Arial" panose="020B0604020202020204" pitchFamily="34" charset="0"/>
               <a:buChar char="•"/>
             </a:pPr>
             <a:r>
               <a:rPr lang="en-US" dirty="0"/>
-              <a:t>Sphere, Big</a:t>
+              <a:t>Sphere, small</a:t>
+            </a:r>
+          </a:p>
+          <a:p>
+            <a:pPr marL="742950" lvl="1" indent="-285750">
+              <a:buFont typeface="Arial" panose="020B0604020202020204" pitchFamily="34" charset="0"/>
+              <a:buChar char="•"/>
+            </a:pPr>
+            <a:r>
+              <a:rPr lang="en-US" dirty="0"/>
+              <a:t>red(2)</a:t>
+            </a:r>
+          </a:p>
+          <a:p>
+            <a:pPr marL="742950" lvl="1" indent="-285750">
+              <a:buFont typeface="Arial" panose="020B0604020202020204" pitchFamily="34" charset="0"/>
+              <a:buChar char="•"/>
+            </a:pPr>
+            <a:r>
+              <a:rPr lang="en-US" dirty="0"/>
+              <a:t>left(2)</a:t>
+            </a:r>
+          </a:p>
+          <a:p>
+            <a:pPr marL="742950" lvl="1" indent="-285750">
+              <a:buFont typeface="Arial" panose="020B0604020202020204" pitchFamily="34" charset="0"/>
+              <a:buChar char="•"/>
+            </a:pPr>
+            <a:r>
+              <a:rPr lang="en-US" dirty="0"/>
+              <a:t>Left, red (2)</a:t>
             </a:r>
           </a:p>
           <a:p>
@@ -8503,7 +8550,7 @@
             </a:pPr>
             <a:r>
               <a:rPr lang="en-US" dirty="0"/>
-              <a:t>Big, Behind</a:t>
+              <a:t>Sphere, behind</a:t>
             </a:r>
           </a:p>
           <a:p>
@@ -8513,7 +8560,27 @@
             </a:pPr>
             <a:r>
               <a:rPr lang="en-US" dirty="0"/>
-              <a:t>Sphere, Behind</a:t>
+              <a:t>Cube, big</a:t>
+            </a:r>
+          </a:p>
+          <a:p>
+            <a:pPr marL="742950" lvl="1" indent="-285750">
+              <a:buFont typeface="Arial" panose="020B0604020202020204" pitchFamily="34" charset="0"/>
+              <a:buChar char="•"/>
+            </a:pPr>
+            <a:r>
+              <a:rPr lang="en-US" dirty="0"/>
+              <a:t>Front (3)</a:t>
+            </a:r>
+          </a:p>
+          <a:p>
+            <a:pPr marL="742950" lvl="1" indent="-285750">
+              <a:buFont typeface="Arial" panose="020B0604020202020204" pitchFamily="34" charset="0"/>
+              <a:buChar char="•"/>
+            </a:pPr>
+            <a:r>
+              <a:rPr lang="en-US" dirty="0"/>
+              <a:t>Green, Front (2)</a:t>
             </a:r>
           </a:p>
           <a:p>
@@ -8523,7 +8590,34 @@
             </a:pPr>
             <a:r>
               <a:rPr lang="en-US" dirty="0"/>
-              <a:t>Sphere, Big, Behind</a:t>
+              <a:t>Big, Front</a:t>
+            </a:r>
+          </a:p>
+          <a:p>
+            <a:pPr marL="742950" lvl="1" indent="-285750">
+              <a:buFont typeface="Arial" panose="020B0604020202020204" pitchFamily="34" charset="0"/>
+              <a:buChar char="•"/>
+            </a:pPr>
+            <a:r>
+              <a:rPr lang="en-US" dirty="0"/>
+              <a:t>Cube (3)</a:t>
+            </a:r>
+          </a:p>
+          <a:p>
+            <a:pPr marL="742950" lvl="1" indent="-285750">
+              <a:buFont typeface="Arial" panose="020B0604020202020204" pitchFamily="34" charset="0"/>
+              <a:buChar char="•"/>
+            </a:pPr>
+            <a:endParaRPr lang="en-US" dirty="0"/>
+          </a:p>
+          <a:p>
+            <a:pPr marL="742950" lvl="1" indent="-285750">
+              <a:buFont typeface="Arial" panose="020B0604020202020204" pitchFamily="34" charset="0"/>
+              <a:buChar char="•"/>
+            </a:pPr>
+            <a:r>
+              <a:rPr lang="en-US" dirty="0"/>
+              <a:t>Cube, Green (2)</a:t>
             </a:r>
           </a:p>
           <a:p>
@@ -8533,7 +8627,7 @@
             </a:pPr>
             <a:r>
               <a:rPr lang="en-US" dirty="0"/>
-              <a:t>Cube, big</a:t>
+              <a:t>Cube, Front </a:t>
             </a:r>
           </a:p>
           <a:p>
@@ -8543,27 +8637,7 @@
             </a:pPr>
             <a:r>
               <a:rPr lang="en-US" dirty="0"/>
-              <a:t>Big, Front</a:t>
-            </a:r>
-          </a:p>
-          <a:p>
-            <a:pPr marL="285750" indent="-285750">
-              <a:buFont typeface="Arial" panose="020B0604020202020204" pitchFamily="34" charset="0"/>
-              <a:buChar char="•"/>
-            </a:pPr>
-            <a:r>
-              <a:rPr lang="en-US" dirty="0"/>
-              <a:t>Cube, Front</a:t>
-            </a:r>
-          </a:p>
-          <a:p>
-            <a:pPr marL="285750" indent="-285750">
-              <a:buFont typeface="Arial" panose="020B0604020202020204" pitchFamily="34" charset="0"/>
-              <a:buChar char="•"/>
-            </a:pPr>
-            <a:r>
-              <a:rPr lang="en-US" dirty="0"/>
-              <a:t>Cube, big, Front</a:t>
+              <a:t>Cube, Big, Front</a:t>
             </a:r>
           </a:p>
         </p:txBody>
@@ -8573,7 +8647,7 @@
           <p:cNvPr id="4" name="TextBox 3">
             <a:extLst>
               <a:ext uri="{FF2B5EF4-FFF2-40B4-BE49-F238E27FC236}">
-                <a16:creationId xmlns:a16="http://schemas.microsoft.com/office/drawing/2014/main" id="{887F491C-B8A4-AC40-8467-CC280FAD66D7}"/>
+                <a16:creationId xmlns:a16="http://schemas.microsoft.com/office/drawing/2014/main" id="{AA39B9DA-1915-347A-DF50-A6A1B1AD827F}"/>
               </a:ext>
             </a:extLst>
           </p:cNvPr>
@@ -8582,8 +8656,8 @@
         </p:nvSpPr>
         <p:spPr>
           <a:xfrm>
-            <a:off x="6854926" y="4594906"/>
-            <a:ext cx="1012503" cy="369332"/>
+            <a:off x="9520647" y="6373525"/>
+            <a:ext cx="2529832" cy="369332"/>
           </a:xfrm>
           <a:prstGeom prst="rect">
             <a:avLst/>
@@ -8598,7 +8672,42 @@
           <a:p>
             <a:r>
               <a:rPr lang="en-US" dirty="0"/>
-              <a:t>8 rules</a:t>
+              <a:t>Exist Rule/ For All Rule</a:t>
+            </a:r>
+          </a:p>
+        </p:txBody>
+      </p:sp>
+      <p:sp>
+        <p:nvSpPr>
+          <p:cNvPr id="2" name="TextBox 1">
+            <a:extLst>
+              <a:ext uri="{FF2B5EF4-FFF2-40B4-BE49-F238E27FC236}">
+                <a16:creationId xmlns:a16="http://schemas.microsoft.com/office/drawing/2014/main" id="{5EEB7A4B-7112-AC99-258A-BBE44514AE4E}"/>
+              </a:ext>
+            </a:extLst>
+          </p:cNvPr>
+          <p:cNvSpPr txBox="1"/>
+          <p:nvPr/>
+        </p:nvSpPr>
+        <p:spPr>
+          <a:xfrm>
+            <a:off x="7447292" y="5486727"/>
+            <a:ext cx="1186140" cy="369332"/>
+          </a:xfrm>
+          <a:prstGeom prst="rect">
+            <a:avLst/>
+          </a:prstGeom>
+          <a:noFill/>
+        </p:spPr>
+        <p:txBody>
+          <a:bodyPr wrap="square" rtlCol="0">
+            <a:spAutoFit/>
+          </a:bodyPr>
+          <a:lstStyle/>
+          <a:p>
+            <a:r>
+              <a:rPr lang="en-US" dirty="0"/>
+              <a:t>7 rules</a:t>
             </a:r>
           </a:p>
         </p:txBody>
@@ -8606,7 +8715,7 @@
     </p:spTree>
     <p:extLst>
       <p:ext uri="{BB962C8B-B14F-4D97-AF65-F5344CB8AC3E}">
-        <p14:creationId xmlns:p14="http://schemas.microsoft.com/office/powerpoint/2010/main" val="3437231410"/>
+        <p14:creationId xmlns:p14="http://schemas.microsoft.com/office/powerpoint/2010/main" val="2111177412"/>
       </p:ext>
     </p:extLst>
   </p:cSld>
@@ -8633,6 +8742,114 @@
           <a:chExt cx="0" cy="0"/>
         </a:xfrm>
       </p:grpSpPr>
+      <p:pic>
+        <p:nvPicPr>
+          <p:cNvPr id="25" name="Picture 24">
+            <a:extLst>
+              <a:ext uri="{FF2B5EF4-FFF2-40B4-BE49-F238E27FC236}">
+                <a16:creationId xmlns:a16="http://schemas.microsoft.com/office/drawing/2014/main" id="{0F1B27DF-2D2E-8860-533F-120F28114A7F}"/>
+              </a:ext>
+            </a:extLst>
+          </p:cNvPr>
+          <p:cNvPicPr>
+            <a:picLocks noChangeAspect="1"/>
+          </p:cNvPicPr>
+          <p:nvPr/>
+        </p:nvPicPr>
+        <p:blipFill>
+          <a:blip r:embed="rId2">
+            <a:extLst>
+              <a:ext uri="{28A0092B-C50C-407E-A947-70E740481C1C}">
+                <a14:useLocalDpi xmlns:a14="http://schemas.microsoft.com/office/drawing/2010/main" val="0"/>
+              </a:ext>
+            </a:extLst>
+          </a:blip>
+          <a:stretch>
+            <a:fillRect/>
+          </a:stretch>
+        </p:blipFill>
+        <p:spPr>
+          <a:xfrm>
+            <a:off x="356539" y="4734367"/>
+            <a:ext cx="2019600" cy="2019600"/>
+          </a:xfrm>
+          <a:prstGeom prst="rect">
+            <a:avLst/>
+          </a:prstGeom>
+        </p:spPr>
+      </p:pic>
+      <p:pic>
+        <p:nvPicPr>
+          <p:cNvPr id="13" name="Picture 12" descr="A picture containing vector graphics&#10;&#10;Description automatically generated">
+            <a:extLst>
+              <a:ext uri="{FF2B5EF4-FFF2-40B4-BE49-F238E27FC236}">
+                <a16:creationId xmlns:a16="http://schemas.microsoft.com/office/drawing/2014/main" id="{F585A31C-DB00-684D-FD72-D1A8398A0EEC}"/>
+              </a:ext>
+            </a:extLst>
+          </p:cNvPr>
+          <p:cNvPicPr>
+            <a:picLocks noChangeAspect="1"/>
+          </p:cNvPicPr>
+          <p:nvPr/>
+        </p:nvPicPr>
+        <p:blipFill>
+          <a:blip r:embed="rId3">
+            <a:extLst>
+              <a:ext uri="{28A0092B-C50C-407E-A947-70E740481C1C}">
+                <a14:useLocalDpi xmlns:a14="http://schemas.microsoft.com/office/drawing/2010/main" val="0"/>
+              </a:ext>
+            </a:extLst>
+          </a:blip>
+          <a:stretch>
+            <a:fillRect/>
+          </a:stretch>
+        </p:blipFill>
+        <p:spPr>
+          <a:xfrm>
+            <a:off x="381188" y="2729268"/>
+            <a:ext cx="2019600" cy="2019600"/>
+          </a:xfrm>
+          <a:prstGeom prst="rect">
+            <a:avLst/>
+          </a:prstGeom>
+        </p:spPr>
+      </p:pic>
+      <p:pic>
+        <p:nvPicPr>
+          <p:cNvPr id="5" name="Picture 4">
+            <a:extLst>
+              <a:ext uri="{FF2B5EF4-FFF2-40B4-BE49-F238E27FC236}">
+                <a16:creationId xmlns:a16="http://schemas.microsoft.com/office/drawing/2014/main" id="{8B2CD27F-C52C-2F1C-A79B-EFE9DC8ADEDD}"/>
+              </a:ext>
+            </a:extLst>
+          </p:cNvPr>
+          <p:cNvPicPr>
+            <a:picLocks noChangeAspect="1"/>
+          </p:cNvPicPr>
+          <p:nvPr/>
+        </p:nvPicPr>
+        <p:blipFill>
+          <a:blip r:embed="rId4">
+            <a:extLst>
+              <a:ext uri="{28A0092B-C50C-407E-A947-70E740481C1C}">
+                <a14:useLocalDpi xmlns:a14="http://schemas.microsoft.com/office/drawing/2010/main" val="0"/>
+              </a:ext>
+            </a:extLst>
+          </a:blip>
+          <a:stretch>
+            <a:fillRect/>
+          </a:stretch>
+        </p:blipFill>
+        <p:spPr>
+          <a:xfrm>
+            <a:off x="396637" y="625621"/>
+            <a:ext cx="2019600" cy="2019600"/>
+          </a:xfrm>
+          <a:prstGeom prst="rect">
+            <a:avLst/>
+          </a:prstGeom>
+        </p:spPr>
+      </p:pic>
       <p:sp>
         <p:nvSpPr>
           <p:cNvPr id="6" name="TextBox 5">
@@ -8660,6 +8877,43 @@
             <a:spAutoFit/>
           </a:bodyPr>
           <a:lstStyle/>
+          <a:p>
+            <a:pPr marL="342900" indent="-342900">
+              <a:buAutoNum type="alphaUcPeriod"/>
+            </a:pPr>
+            <a:r>
+              <a:rPr lang="en-US" dirty="0">
+                <a:highlight>
+                  <a:srgbClr val="FFFF00"/>
+                </a:highlight>
+              </a:rPr>
+              <a:t>Cube</a:t>
+            </a:r>
+            <a:r>
+              <a:rPr lang="en-US" dirty="0"/>
+              <a:t>, </a:t>
+            </a:r>
+            <a:r>
+              <a:rPr lang="en-US" dirty="0">
+                <a:highlight>
+                  <a:srgbClr val="FFFF00"/>
+                </a:highlight>
+              </a:rPr>
+              <a:t>Big</a:t>
+            </a:r>
+            <a:r>
+              <a:rPr lang="en-US" dirty="0"/>
+              <a:t>, Blue, </a:t>
+            </a:r>
+            <a:r>
+              <a:rPr lang="en-US" dirty="0">
+                <a:highlight>
+                  <a:srgbClr val="FFFF00"/>
+                </a:highlight>
+              </a:rPr>
+              <a:t>Front</a:t>
+            </a:r>
+          </a:p>
           <a:p>
             <a:pPr marL="342900" indent="-342900">
               <a:buAutoNum type="alphaUcPeriod"/>
@@ -8679,14 +8933,34 @@
             <a:r>
               <a:rPr lang="en-US" dirty="0">
                 <a:highlight>
-                  <a:srgbClr val="00FF00"/>
+                  <a:srgbClr val="FFFF00"/>
                 </a:highlight>
               </a:rPr>
-              <a:t>Small</a:t>
-            </a:r>
-            <a:r>
-              <a:rPr lang="en-US" dirty="0"/>
-              <a:t>, Red, Left</a:t>
+              <a:t>Big</a:t>
+            </a:r>
+            <a:r>
+              <a:rPr lang="en-US" dirty="0"/>
+              <a:t>, </a:t>
+            </a:r>
+            <a:r>
+              <a:rPr lang="en-US" dirty="0">
+                <a:highlight>
+                  <a:srgbClr val="FFFF00"/>
+                </a:highlight>
+              </a:rPr>
+              <a:t>Red</a:t>
+            </a:r>
+            <a:r>
+              <a:rPr lang="en-US" dirty="0"/>
+              <a:t>, </a:t>
+            </a:r>
+            <a:r>
+              <a:rPr lang="en-US" dirty="0">
+                <a:highlight>
+                  <a:srgbClr val="FFFF00"/>
+                </a:highlight>
+              </a:rPr>
+              <a:t>Behind</a:t>
             </a:r>
           </a:p>
           <a:p>
@@ -8708,59 +8982,26 @@
             <a:r>
               <a:rPr lang="en-US" dirty="0">
                 <a:highlight>
-                  <a:srgbClr val="00FF00"/>
+                  <a:srgbClr val="FFFF00"/>
                 </a:highlight>
               </a:rPr>
-              <a:t>Big</a:t>
-            </a:r>
-            <a:r>
-              <a:rPr lang="en-US" dirty="0"/>
-              <a:t>, Green, </a:t>
-            </a:r>
-            <a:r>
-              <a:rPr lang="en-US" dirty="0">
-                <a:highlight>
-                  <a:srgbClr val="FF00FF"/>
-                </a:highlight>
-              </a:rPr>
-              <a:t>Behind</a:t>
-            </a:r>
-          </a:p>
-          <a:p>
-            <a:pPr marL="342900" indent="-342900">
-              <a:buAutoNum type="alphaUcPeriod"/>
-            </a:pPr>
+              <a:t>Small</a:t>
+            </a:r>
+            <a:r>
+              <a:rPr lang="en-US" dirty="0"/>
+              <a:t>, </a:t>
+            </a:r>
             <a:r>
               <a:rPr lang="en-US" dirty="0">
                 <a:highlight>
                   <a:srgbClr val="FFFF00"/>
                 </a:highlight>
               </a:rPr>
-              <a:t>Cube</a:t>
-            </a:r>
-            <a:r>
-              <a:rPr lang="en-US" dirty="0"/>
-              <a:t>, </a:t>
-            </a:r>
-            <a:r>
-              <a:rPr lang="en-US" dirty="0">
-                <a:highlight>
-                  <a:srgbClr val="00FF00"/>
-                </a:highlight>
-              </a:rPr>
-              <a:t>Big</a:t>
-            </a:r>
-            <a:r>
-              <a:rPr lang="en-US" dirty="0"/>
-              <a:t>, Green, </a:t>
-            </a:r>
-            <a:r>
-              <a:rPr lang="en-US" dirty="0">
-                <a:highlight>
-                  <a:srgbClr val="FF00FF"/>
-                </a:highlight>
-              </a:rPr>
-              <a:t>Front</a:t>
+              <a:t>Red</a:t>
+            </a:r>
+            <a:r>
+              <a:rPr lang="en-US" dirty="0"/>
+              <a:t>, Right</a:t>
             </a:r>
           </a:p>
           <a:p>
@@ -8768,35 +9009,6 @@
           </a:p>
         </p:txBody>
       </p:sp>
-      <p:pic>
-        <p:nvPicPr>
-          <p:cNvPr id="16" name="Picture 15">
-            <a:extLst>
-              <a:ext uri="{FF2B5EF4-FFF2-40B4-BE49-F238E27FC236}">
-                <a16:creationId xmlns:a16="http://schemas.microsoft.com/office/drawing/2014/main" id="{1389A628-622F-57A0-5F11-47FD5941C511}"/>
-              </a:ext>
-            </a:extLst>
-          </p:cNvPr>
-          <p:cNvPicPr>
-            <a:picLocks noChangeAspect="1"/>
-          </p:cNvPicPr>
-          <p:nvPr/>
-        </p:nvPicPr>
-        <p:blipFill rotWithShape="1">
-          <a:blip r:embed="rId2"/>
-          <a:srcRect l="4531" r="7" b="7"/>
-          <a:stretch/>
-        </p:blipFill>
-        <p:spPr>
-          <a:xfrm>
-            <a:off x="491968" y="487384"/>
-            <a:ext cx="1928086" cy="2019600"/>
-          </a:xfrm>
-          <a:prstGeom prst="rect">
-            <a:avLst/>
-          </a:prstGeom>
-        </p:spPr>
-      </p:pic>
       <p:sp>
         <p:nvSpPr>
           <p:cNvPr id="17" name="Oval 16">
@@ -8811,7 +9023,7 @@
         </p:nvSpPr>
         <p:spPr>
           <a:xfrm>
-            <a:off x="607595" y="1401090"/>
+            <a:off x="608188" y="1873872"/>
             <a:ext cx="405233" cy="420414"/>
           </a:xfrm>
           <a:prstGeom prst="ellipse">
@@ -8860,7 +9072,7 @@
         </p:nvSpPr>
         <p:spPr>
           <a:xfrm>
-            <a:off x="1456013" y="729218"/>
+            <a:off x="810804" y="1210420"/>
             <a:ext cx="405233" cy="420414"/>
           </a:xfrm>
           <a:prstGeom prst="ellipse">
@@ -8909,7 +9121,7 @@
         </p:nvSpPr>
         <p:spPr>
           <a:xfrm>
-            <a:off x="1922664" y="1964184"/>
+            <a:off x="1887940" y="1352803"/>
             <a:ext cx="405233" cy="420414"/>
           </a:xfrm>
           <a:prstGeom prst="ellipse">
@@ -8944,35 +9156,6 @@
           </a:p>
         </p:txBody>
       </p:sp>
-      <p:pic>
-        <p:nvPicPr>
-          <p:cNvPr id="20" name="Picture 19" descr="Icon&#10;&#10;Description automatically generated">
-            <a:extLst>
-              <a:ext uri="{FF2B5EF4-FFF2-40B4-BE49-F238E27FC236}">
-                <a16:creationId xmlns:a16="http://schemas.microsoft.com/office/drawing/2014/main" id="{9CAC6693-94AB-68D2-06AA-234BA1470D3D}"/>
-              </a:ext>
-            </a:extLst>
-          </p:cNvPr>
-          <p:cNvPicPr>
-            <a:picLocks noChangeAspect="1"/>
-          </p:cNvPicPr>
-          <p:nvPr/>
-        </p:nvPicPr>
-        <p:blipFill rotWithShape="1">
-          <a:blip r:embed="rId3"/>
-          <a:srcRect l="4108" r="3" b="3"/>
-          <a:stretch/>
-        </p:blipFill>
-        <p:spPr>
-          <a:xfrm>
-            <a:off x="497796" y="2575306"/>
-            <a:ext cx="1936633" cy="2019600"/>
-          </a:xfrm>
-          <a:prstGeom prst="rect">
-            <a:avLst/>
-          </a:prstGeom>
-        </p:spPr>
-      </p:pic>
       <p:sp>
         <p:nvSpPr>
           <p:cNvPr id="21" name="Oval 20">
@@ -8987,7 +9170,7 @@
         </p:nvSpPr>
         <p:spPr>
           <a:xfrm>
-            <a:off x="2020649" y="3544178"/>
+            <a:off x="1592631" y="4164138"/>
             <a:ext cx="405233" cy="420414"/>
           </a:xfrm>
           <a:prstGeom prst="ellipse">
@@ -9036,7 +9219,7 @@
         </p:nvSpPr>
         <p:spPr>
           <a:xfrm>
-            <a:off x="1862509" y="2703657"/>
+            <a:off x="1886548" y="3026979"/>
             <a:ext cx="405233" cy="420414"/>
           </a:xfrm>
           <a:prstGeom prst="ellipse">
@@ -9085,7 +9268,7 @@
         </p:nvSpPr>
         <p:spPr>
           <a:xfrm>
-            <a:off x="651373" y="3506086"/>
+            <a:off x="412538" y="3521611"/>
             <a:ext cx="405233" cy="420414"/>
           </a:xfrm>
           <a:prstGeom prst="ellipse">
@@ -9157,7 +9340,7 @@
                   <a:srgbClr val="FFFF00"/>
                 </a:highlight>
               </a:rPr>
-              <a:t>Sphere</a:t>
+              <a:t>Cube</a:t>
             </a:r>
             <a:r>
               <a:rPr lang="en-US" dirty="0"/>
@@ -9166,14 +9349,14 @@
             <a:r>
               <a:rPr lang="en-US" dirty="0">
                 <a:highlight>
-                  <a:srgbClr val="00FF00"/>
+                  <a:srgbClr val="FFFF00"/>
                 </a:highlight>
               </a:rPr>
-              <a:t>Small</a:t>
-            </a:r>
-            <a:r>
-              <a:rPr lang="en-US" dirty="0"/>
-              <a:t>, Red, Left</a:t>
+              <a:t>Big</a:t>
+            </a:r>
+            <a:r>
+              <a:rPr lang="en-US" dirty="0"/>
+              <a:t>, Blue, Left</a:t>
             </a:r>
           </a:p>
           <a:p>
@@ -9195,35 +9378,22 @@
             <a:r>
               <a:rPr lang="en-US" dirty="0">
                 <a:highlight>
-                  <a:srgbClr val="00FF00"/>
+                  <a:srgbClr val="FFFF00"/>
                 </a:highlight>
               </a:rPr>
-              <a:t>Big</a:t>
-            </a:r>
-            <a:r>
-              <a:rPr lang="en-US" dirty="0"/>
-              <a:t>, Blue, </a:t>
-            </a:r>
-            <a:r>
-              <a:rPr lang="en-US" dirty="0">
-                <a:highlight>
-                  <a:srgbClr val="FF00FF"/>
-                </a:highlight>
-              </a:rPr>
-              <a:t>Behind</a:t>
-            </a:r>
-          </a:p>
-          <a:p>
-            <a:pPr marL="342900" indent="-342900">
-              <a:buAutoNum type="alphaUcPeriod"/>
-            </a:pPr>
+              <a:t>Small</a:t>
+            </a:r>
+            <a:r>
+              <a:rPr lang="en-US" dirty="0"/>
+              <a:t>, </a:t>
+            </a:r>
             <a:r>
               <a:rPr lang="en-US" dirty="0">
                 <a:highlight>
                   <a:srgbClr val="FFFF00"/>
                 </a:highlight>
               </a:rPr>
-              <a:t>Cube</a:t>
+              <a:t>Red</a:t>
             </a:r>
             <a:r>
               <a:rPr lang="en-US" dirty="0"/>
@@ -9232,19 +9402,44 @@
             <a:r>
               <a:rPr lang="en-US" dirty="0">
                 <a:highlight>
-                  <a:srgbClr val="00FF00"/>
+                  <a:srgbClr val="FFFF00"/>
+                </a:highlight>
+              </a:rPr>
+              <a:t>Behind</a:t>
+            </a:r>
+          </a:p>
+          <a:p>
+            <a:pPr marL="342900" indent="-342900">
+              <a:buAutoNum type="alphaUcPeriod"/>
+            </a:pPr>
+            <a:r>
+              <a:rPr lang="en-US" dirty="0">
+                <a:highlight>
+                  <a:srgbClr val="FFFF00"/>
+                </a:highlight>
+              </a:rPr>
+              <a:t>Sphere</a:t>
+            </a:r>
+            <a:r>
+              <a:rPr lang="en-US" dirty="0"/>
+              <a:t>, </a:t>
+            </a:r>
+            <a:r>
+              <a:rPr lang="en-US" dirty="0">
+                <a:highlight>
+                  <a:srgbClr val="FFFF00"/>
                 </a:highlight>
               </a:rPr>
               <a:t>Big</a:t>
             </a:r>
             <a:r>
               <a:rPr lang="en-US" dirty="0"/>
-              <a:t>, Blue, </a:t>
+              <a:t>, Green, </a:t>
             </a:r>
             <a:r>
               <a:rPr lang="en-US" dirty="0">
                 <a:highlight>
-                  <a:srgbClr val="FF00FF"/>
+                  <a:srgbClr val="FFFF00"/>
                 </a:highlight>
               </a:rPr>
               <a:t>Front</a:t>
@@ -9290,35 +9485,6 @@
           </a:p>
         </p:txBody>
       </p:sp>
-      <p:pic>
-        <p:nvPicPr>
-          <p:cNvPr id="7" name="Picture 6" descr="A picture containing orange&#10;&#10;Description automatically generated">
-            <a:extLst>
-              <a:ext uri="{FF2B5EF4-FFF2-40B4-BE49-F238E27FC236}">
-                <a16:creationId xmlns:a16="http://schemas.microsoft.com/office/drawing/2014/main" id="{ECBDCDEC-9659-E34E-E348-B9CFEC57DF66}"/>
-              </a:ext>
-            </a:extLst>
-          </p:cNvPr>
-          <p:cNvPicPr>
-            <a:picLocks noChangeAspect="1"/>
-          </p:cNvPicPr>
-          <p:nvPr/>
-        </p:nvPicPr>
-        <p:blipFill rotWithShape="1">
-          <a:blip r:embed="rId4"/>
-          <a:srcRect r="3935" b="2"/>
-          <a:stretch/>
-        </p:blipFill>
-        <p:spPr>
-          <a:xfrm>
-            <a:off x="496028" y="4723257"/>
-            <a:ext cx="1940168" cy="2019600"/>
-          </a:xfrm>
-          <a:prstGeom prst="rect">
-            <a:avLst/>
-          </a:prstGeom>
-        </p:spPr>
-      </p:pic>
       <p:sp>
         <p:nvSpPr>
           <p:cNvPr id="9" name="Oval 8">
@@ -9333,7 +9499,7 @@
         </p:nvSpPr>
         <p:spPr>
           <a:xfrm>
-            <a:off x="1406437" y="6160409"/>
+            <a:off x="417579" y="6058210"/>
             <a:ext cx="405233" cy="420414"/>
           </a:xfrm>
           <a:prstGeom prst="ellipse">
@@ -9382,7 +9548,7 @@
         </p:nvSpPr>
         <p:spPr>
           <a:xfrm>
-            <a:off x="1456013" y="5465613"/>
+            <a:off x="1390988" y="5451112"/>
             <a:ext cx="405233" cy="420414"/>
           </a:xfrm>
           <a:prstGeom prst="ellipse">
@@ -9432,7 +9598,7 @@
         <p:spPr>
           <a:xfrm>
             <a:off x="2673678" y="5380494"/>
-            <a:ext cx="3422322" cy="646331"/>
+            <a:ext cx="3422322" cy="923330"/>
           </a:xfrm>
           <a:prstGeom prst="rect">
             <a:avLst/>
@@ -9444,6 +9610,43 @@
             <a:spAutoFit/>
           </a:bodyPr>
           <a:lstStyle/>
+          <a:p>
+            <a:pPr marL="342900" indent="-342900">
+              <a:buAutoNum type="alphaUcPeriod"/>
+            </a:pPr>
+            <a:r>
+              <a:rPr lang="en-US" dirty="0">
+                <a:highlight>
+                  <a:srgbClr val="FFFF00"/>
+                </a:highlight>
+              </a:rPr>
+              <a:t>Sphere</a:t>
+            </a:r>
+            <a:r>
+              <a:rPr lang="en-US" dirty="0"/>
+              <a:t>, </a:t>
+            </a:r>
+            <a:r>
+              <a:rPr lang="en-US" dirty="0">
+                <a:highlight>
+                  <a:srgbClr val="FFFF00"/>
+                </a:highlight>
+              </a:rPr>
+              <a:t>Big</a:t>
+            </a:r>
+            <a:r>
+              <a:rPr lang="en-US" dirty="0"/>
+              <a:t>, Green, </a:t>
+            </a:r>
+            <a:r>
+              <a:rPr lang="en-US" dirty="0">
+                <a:highlight>
+                  <a:srgbClr val="FFFF00"/>
+                </a:highlight>
+              </a:rPr>
+              <a:t>Front</a:t>
+            </a:r>
+          </a:p>
           <a:p>
             <a:pPr marL="342900" indent="-342900">
               <a:buAutoNum type="alphaUcPeriod"/>
@@ -9463,22 +9666,26 @@
             <a:r>
               <a:rPr lang="en-US" dirty="0">
                 <a:highlight>
-                  <a:srgbClr val="00FF00"/>
+                  <a:srgbClr val="FFFF00"/>
                 </a:highlight>
               </a:rPr>
               <a:t>Big</a:t>
             </a:r>
             <a:r>
               <a:rPr lang="en-US" dirty="0"/>
-              <a:t>, Green, </a:t>
+              <a:t>, </a:t>
             </a:r>
             <a:r>
               <a:rPr lang="en-US" dirty="0">
                 <a:highlight>
-                  <a:srgbClr val="FF00FF"/>
+                  <a:srgbClr val="FFFF00"/>
                 </a:highlight>
               </a:rPr>
-              <a:t>Front</a:t>
+              <a:t>Red</a:t>
+            </a:r>
+            <a:r>
+              <a:rPr lang="en-US" dirty="0"/>
+              <a:t>, Right</a:t>
             </a:r>
           </a:p>
           <a:p>
@@ -9500,19 +9707,31 @@
             <a:r>
               <a:rPr lang="en-US" dirty="0">
                 <a:highlight>
-                  <a:srgbClr val="00FF00"/>
+                  <a:srgbClr val="FFFF00"/>
                 </a:highlight>
               </a:rPr>
               <a:t>Small</a:t>
             </a:r>
             <a:r>
               <a:rPr lang="en-US" dirty="0"/>
-              <a:t>, Blue, </a:t>
+              <a:t>, </a:t>
             </a:r>
             <a:r>
               <a:rPr lang="en-US" dirty="0">
                 <a:highlight>
-                  <a:srgbClr val="FF00FF"/>
+                  <a:srgbClr val="FFFF00"/>
+                </a:highlight>
+              </a:rPr>
+              <a:t>Red</a:t>
+            </a:r>
+            <a:r>
+              <a:rPr lang="en-US" dirty="0"/>
+              <a:t>, </a:t>
+            </a:r>
+            <a:r>
+              <a:rPr lang="en-US" dirty="0">
+                <a:highlight>
+                  <a:srgbClr val="FFFF00"/>
                 </a:highlight>
               </a:rPr>
               <a:t>Behind</a:t>
@@ -9534,8 +9753,8 @@
         </p:nvSpPr>
         <p:spPr>
           <a:xfrm>
-            <a:off x="6529555" y="487384"/>
-            <a:ext cx="4442537" cy="646331"/>
+            <a:off x="6601801" y="498440"/>
+            <a:ext cx="4442537" cy="369332"/>
           </a:xfrm>
           <a:prstGeom prst="rect">
             <a:avLst/>
@@ -9553,20 +9772,14 @@
               <a:t>First, search attribute by attribute</a:t>
             </a:r>
           </a:p>
-          <a:p>
-            <a:r>
-              <a:rPr lang="en-US" dirty="0"/>
-              <a:t>Then, add attributes as  priors to each rules</a:t>
-            </a:r>
-          </a:p>
-        </p:txBody>
-      </p:sp>
-      <p:sp>
-        <p:nvSpPr>
-          <p:cNvPr id="15" name="TextBox 14">
-            <a:extLst>
-              <a:ext uri="{FF2B5EF4-FFF2-40B4-BE49-F238E27FC236}">
-                <a16:creationId xmlns:a16="http://schemas.microsoft.com/office/drawing/2014/main" id="{CA059608-3EAB-1E9D-2CB0-D20D3A206D77}"/>
+        </p:txBody>
+      </p:sp>
+      <p:sp>
+        <p:nvSpPr>
+          <p:cNvPr id="14" name="TextBox 13">
+            <a:extLst>
+              <a:ext uri="{FF2B5EF4-FFF2-40B4-BE49-F238E27FC236}">
+                <a16:creationId xmlns:a16="http://schemas.microsoft.com/office/drawing/2014/main" id="{77D7668C-374B-DD95-6723-44C959CECB4E}"/>
               </a:ext>
             </a:extLst>
           </p:cNvPr>
@@ -9575,8 +9788,8 @@
         </p:nvSpPr>
         <p:spPr>
           <a:xfrm>
-            <a:off x="6887342" y="1401090"/>
-            <a:ext cx="2790913" cy="3693319"/>
+            <a:off x="6977898" y="1079703"/>
+            <a:ext cx="2892905" cy="2862322"/>
           </a:xfrm>
           <a:prstGeom prst="rect">
             <a:avLst/>
@@ -9589,43 +9802,19 @@
           </a:bodyPr>
           <a:lstStyle/>
           <a:p>
+            <a:r>
+              <a:rPr lang="en-US" dirty="0"/>
+              <a:t>Rules can be found</a:t>
+            </a:r>
+          </a:p>
+          <a:p>
             <a:pPr marL="285750" indent="-285750">
               <a:buFont typeface="Arial" panose="020B0604020202020204" pitchFamily="34" charset="0"/>
               <a:buChar char="•"/>
             </a:pPr>
             <a:r>
               <a:rPr lang="en-US" dirty="0"/>
-              <a:t>Sphere, small</a:t>
-            </a:r>
-          </a:p>
-          <a:p>
-            <a:pPr marL="742950" lvl="1" indent="-285750">
-              <a:buFont typeface="Arial" panose="020B0604020202020204" pitchFamily="34" charset="0"/>
-              <a:buChar char="•"/>
-            </a:pPr>
-            <a:r>
-              <a:rPr lang="en-US" dirty="0"/>
-              <a:t>red(2)</a:t>
-            </a:r>
-          </a:p>
-          <a:p>
-            <a:pPr marL="742950" lvl="1" indent="-285750">
-              <a:buFont typeface="Arial" panose="020B0604020202020204" pitchFamily="34" charset="0"/>
-              <a:buChar char="•"/>
-            </a:pPr>
-            <a:r>
-              <a:rPr lang="en-US" dirty="0"/>
-              <a:t>left(2)</a:t>
-            </a:r>
-          </a:p>
-          <a:p>
-            <a:pPr marL="742950" lvl="1" indent="-285750">
-              <a:buFont typeface="Arial" panose="020B0604020202020204" pitchFamily="34" charset="0"/>
-              <a:buChar char="•"/>
-            </a:pPr>
-            <a:r>
-              <a:rPr lang="en-US" dirty="0"/>
-              <a:t>Left, red (2)</a:t>
+              <a:t>Big, Cube</a:t>
             </a:r>
           </a:p>
           <a:p>
@@ -9635,7 +9824,7 @@
             </a:pPr>
             <a:r>
               <a:rPr lang="en-US" dirty="0"/>
-              <a:t>Sphere, behind</a:t>
+              <a:t>Big, Sphere</a:t>
             </a:r>
           </a:p>
           <a:p>
@@ -9645,27 +9834,7 @@
             </a:pPr>
             <a:r>
               <a:rPr lang="en-US" dirty="0"/>
-              <a:t>Cube, big</a:t>
-            </a:r>
-          </a:p>
-          <a:p>
-            <a:pPr marL="742950" lvl="1" indent="-285750">
-              <a:buFont typeface="Arial" panose="020B0604020202020204" pitchFamily="34" charset="0"/>
-              <a:buChar char="•"/>
-            </a:pPr>
-            <a:r>
-              <a:rPr lang="en-US" dirty="0"/>
-              <a:t>Front (3)</a:t>
-            </a:r>
-          </a:p>
-          <a:p>
-            <a:pPr marL="742950" lvl="1" indent="-285750">
-              <a:buFont typeface="Arial" panose="020B0604020202020204" pitchFamily="34" charset="0"/>
-              <a:buChar char="•"/>
-            </a:pPr>
-            <a:r>
-              <a:rPr lang="en-US" dirty="0"/>
-              <a:t>Green, Front (2)</a:t>
+              <a:t>Sphere, Behind</a:t>
             </a:r>
           </a:p>
           <a:p>
@@ -9675,27 +9844,7 @@
             </a:pPr>
             <a:r>
               <a:rPr lang="en-US" dirty="0"/>
-              <a:t>Big, Front</a:t>
-            </a:r>
-          </a:p>
-          <a:p>
-            <a:pPr marL="742950" lvl="1" indent="-285750">
-              <a:buFont typeface="Arial" panose="020B0604020202020204" pitchFamily="34" charset="0"/>
-              <a:buChar char="•"/>
-            </a:pPr>
-            <a:r>
-              <a:rPr lang="en-US" dirty="0"/>
-              <a:t>Cube (3)</a:t>
-            </a:r>
-          </a:p>
-          <a:p>
-            <a:pPr marL="742950" lvl="1" indent="-285750">
-              <a:buFont typeface="Arial" panose="020B0604020202020204" pitchFamily="34" charset="0"/>
-              <a:buChar char="•"/>
-            </a:pPr>
-            <a:r>
-              <a:rPr lang="en-US" dirty="0"/>
-              <a:t>Cube, Green (2)</a:t>
+              <a:t>Red, Behind</a:t>
             </a:r>
           </a:p>
           <a:p>
@@ -9705,7 +9854,7 @@
             </a:pPr>
             <a:r>
               <a:rPr lang="en-US" dirty="0"/>
-              <a:t>Cube, Front </a:t>
+              <a:t>Sphere, Red, Behind</a:t>
             </a:r>
           </a:p>
           <a:p>
@@ -9715,7 +9864,37 @@
             </a:pPr>
             <a:r>
               <a:rPr lang="en-US" dirty="0"/>
-              <a:t>Cube, Big, Front</a:t>
+              <a:t>Sphere, Small</a:t>
+            </a:r>
+          </a:p>
+          <a:p>
+            <a:pPr marL="285750" indent="-285750">
+              <a:buFont typeface="Arial" panose="020B0604020202020204" pitchFamily="34" charset="0"/>
+              <a:buChar char="•"/>
+            </a:pPr>
+            <a:r>
+              <a:rPr lang="en-US" dirty="0"/>
+              <a:t>Sphere, Red</a:t>
+            </a:r>
+          </a:p>
+          <a:p>
+            <a:pPr marL="285750" indent="-285750">
+              <a:buFont typeface="Arial" panose="020B0604020202020204" pitchFamily="34" charset="0"/>
+              <a:buChar char="•"/>
+            </a:pPr>
+            <a:r>
+              <a:rPr lang="en-US" dirty="0"/>
+              <a:t>Small Red,</a:t>
+            </a:r>
+          </a:p>
+          <a:p>
+            <a:pPr marL="285750" indent="-285750">
+              <a:buFont typeface="Arial" panose="020B0604020202020204" pitchFamily="34" charset="0"/>
+              <a:buChar char="•"/>
+            </a:pPr>
+            <a:r>
+              <a:rPr lang="en-US" dirty="0"/>
+              <a:t>Sphere, Small, Red</a:t>
             </a:r>
           </a:p>
         </p:txBody>
@@ -9725,7 +9904,7 @@
           <p:cNvPr id="4" name="TextBox 3">
             <a:extLst>
               <a:ext uri="{FF2B5EF4-FFF2-40B4-BE49-F238E27FC236}">
-                <a16:creationId xmlns:a16="http://schemas.microsoft.com/office/drawing/2014/main" id="{AA39B9DA-1915-347A-DF50-A6A1B1AD827F}"/>
+                <a16:creationId xmlns:a16="http://schemas.microsoft.com/office/drawing/2014/main" id="{887F491C-B8A4-AC40-8467-CC280FAD66D7}"/>
               </a:ext>
             </a:extLst>
           </p:cNvPr>
@@ -9734,8 +9913,8 @@
         </p:nvSpPr>
         <p:spPr>
           <a:xfrm>
-            <a:off x="9520647" y="6373525"/>
-            <a:ext cx="2529832" cy="369332"/>
+            <a:off x="6977898" y="4153956"/>
+            <a:ext cx="1012503" cy="369332"/>
           </a:xfrm>
           <a:prstGeom prst="rect">
             <a:avLst/>
@@ -9750,42 +9929,56 @@
           <a:p>
             <a:r>
               <a:rPr lang="en-US" dirty="0"/>
-              <a:t>Exist Rule/ For All Rule</a:t>
-            </a:r>
-          </a:p>
-        </p:txBody>
-      </p:sp>
-      <p:sp>
-        <p:nvSpPr>
-          <p:cNvPr id="2" name="TextBox 1">
-            <a:extLst>
-              <a:ext uri="{FF2B5EF4-FFF2-40B4-BE49-F238E27FC236}">
-                <a16:creationId xmlns:a16="http://schemas.microsoft.com/office/drawing/2014/main" id="{5EEB7A4B-7112-AC99-258A-BBE44514AE4E}"/>
-              </a:ext>
-            </a:extLst>
-          </p:cNvPr>
-          <p:cNvSpPr txBox="1"/>
+              <a:t>9 rules</a:t>
+            </a:r>
+          </a:p>
+        </p:txBody>
+      </p:sp>
+      <p:sp>
+        <p:nvSpPr>
+          <p:cNvPr id="26" name="Oval 25">
+            <a:extLst>
+              <a:ext uri="{FF2B5EF4-FFF2-40B4-BE49-F238E27FC236}">
+                <a16:creationId xmlns:a16="http://schemas.microsoft.com/office/drawing/2014/main" id="{5D26DD76-FFF7-A832-FD87-4674211A33AF}"/>
+              </a:ext>
+            </a:extLst>
+          </p:cNvPr>
+          <p:cNvSpPr/>
           <p:nvPr/>
         </p:nvSpPr>
         <p:spPr>
           <a:xfrm>
-            <a:off x="7447292" y="5486727"/>
-            <a:ext cx="1186140" cy="369332"/>
-          </a:xfrm>
-          <a:prstGeom prst="rect">
-            <a:avLst/>
-          </a:prstGeom>
-          <a:noFill/>
-        </p:spPr>
-        <p:txBody>
-          <a:bodyPr wrap="square" rtlCol="0">
-            <a:spAutoFit/>
-          </a:bodyPr>
-          <a:lstStyle/>
-          <a:p>
-            <a:r>
-              <a:rPr lang="en-US" dirty="0"/>
-              <a:t>7 rules</a:t>
+            <a:off x="615154" y="5018792"/>
+            <a:ext cx="405233" cy="420414"/>
+          </a:xfrm>
+          <a:prstGeom prst="ellipse">
+            <a:avLst/>
+          </a:prstGeom>
+        </p:spPr>
+        <p:style>
+          <a:lnRef idx="2">
+            <a:schemeClr val="accent1">
+              <a:shade val="50000"/>
+            </a:schemeClr>
+          </a:lnRef>
+          <a:fillRef idx="1">
+            <a:schemeClr val="accent1"/>
+          </a:fillRef>
+          <a:effectRef idx="0">
+            <a:schemeClr val="accent1"/>
+          </a:effectRef>
+          <a:fontRef idx="minor">
+            <a:schemeClr val="lt1"/>
+          </a:fontRef>
+        </p:style>
+        <p:txBody>
+          <a:bodyPr rtlCol="0" anchor="ctr"/>
+          <a:lstStyle/>
+          <a:p>
+            <a:pPr algn="ctr"/>
+            <a:r>
+              <a:rPr lang="en-US" dirty="0"/>
+              <a:t>C</a:t>
             </a:r>
           </a:p>
         </p:txBody>
@@ -9793,7 +9986,7 @@
     </p:spTree>
     <p:extLst>
       <p:ext uri="{BB962C8B-B14F-4D97-AF65-F5344CB8AC3E}">
-        <p14:creationId xmlns:p14="http://schemas.microsoft.com/office/powerpoint/2010/main" val="2111177412"/>
+        <p14:creationId xmlns:p14="http://schemas.microsoft.com/office/powerpoint/2010/main" val="2932168644"/>
       </p:ext>
     </p:extLst>
   </p:cSld>
@@ -10819,10 +11012,10 @@
       </p:sp>
       <p:sp>
         <p:nvSpPr>
-          <p:cNvPr id="12" name="TextBox 11">
-            <a:extLst>
-              <a:ext uri="{FF2B5EF4-FFF2-40B4-BE49-F238E27FC236}">
-                <a16:creationId xmlns:a16="http://schemas.microsoft.com/office/drawing/2014/main" id="{4A5DC98C-CEC8-CAEC-15C2-E88D0D5706D9}"/>
+          <p:cNvPr id="14" name="TextBox 13">
+            <a:extLst>
+              <a:ext uri="{FF2B5EF4-FFF2-40B4-BE49-F238E27FC236}">
+                <a16:creationId xmlns:a16="http://schemas.microsoft.com/office/drawing/2014/main" id="{77D7668C-374B-DD95-6723-44C959CECB4E}"/>
               </a:ext>
             </a:extLst>
           </p:cNvPr>
@@ -10831,8 +11024,8 @@
         </p:nvSpPr>
         <p:spPr>
           <a:xfrm>
-            <a:off x="6601801" y="498440"/>
-            <a:ext cx="4442537" cy="369332"/>
+            <a:off x="6977898" y="1440245"/>
+            <a:ext cx="2892905" cy="4247317"/>
           </a:xfrm>
           <a:prstGeom prst="rect">
             <a:avLst/>
@@ -10847,17 +11040,157 @@
           <a:p>
             <a:r>
               <a:rPr lang="en-US" dirty="0"/>
-              <a:t>First, search attribute by attribute</a:t>
-            </a:r>
-          </a:p>
-        </p:txBody>
-      </p:sp>
-      <p:sp>
-        <p:nvSpPr>
-          <p:cNvPr id="14" name="TextBox 13">
-            <a:extLst>
-              <a:ext uri="{FF2B5EF4-FFF2-40B4-BE49-F238E27FC236}">
-                <a16:creationId xmlns:a16="http://schemas.microsoft.com/office/drawing/2014/main" id="{77D7668C-374B-DD95-6723-44C959CECB4E}"/>
+              <a:t>Rules can be found</a:t>
+            </a:r>
+          </a:p>
+          <a:p>
+            <a:pPr marL="285750" indent="-285750">
+              <a:buFont typeface="Arial" panose="020B0604020202020204" pitchFamily="34" charset="0"/>
+              <a:buChar char="•"/>
+            </a:pPr>
+            <a:r>
+              <a:rPr lang="en-US" dirty="0"/>
+              <a:t>Big, Cube</a:t>
+            </a:r>
+          </a:p>
+          <a:p>
+            <a:pPr marL="742950" lvl="1" indent="-285750">
+              <a:buFont typeface="Arial" panose="020B0604020202020204" pitchFamily="34" charset="0"/>
+              <a:buChar char="•"/>
+            </a:pPr>
+            <a:r>
+              <a:rPr lang="en-US" dirty="0"/>
+              <a:t>Blue (2)</a:t>
+            </a:r>
+          </a:p>
+          <a:p>
+            <a:pPr marL="742950" lvl="1" indent="-285750">
+              <a:buFont typeface="Arial" panose="020B0604020202020204" pitchFamily="34" charset="0"/>
+              <a:buChar char="•"/>
+            </a:pPr>
+            <a:r>
+              <a:rPr lang="en-US" dirty="0"/>
+              <a:t>Blue Front (1)</a:t>
+            </a:r>
+          </a:p>
+          <a:p>
+            <a:pPr marL="285750" indent="-285750">
+              <a:buFont typeface="Arial" panose="020B0604020202020204" pitchFamily="34" charset="0"/>
+              <a:buChar char="•"/>
+            </a:pPr>
+            <a:r>
+              <a:rPr lang="en-US" dirty="0"/>
+              <a:t>Big, Sphere</a:t>
+            </a:r>
+          </a:p>
+          <a:p>
+            <a:pPr marL="285750" indent="-285750">
+              <a:buFont typeface="Arial" panose="020B0604020202020204" pitchFamily="34" charset="0"/>
+              <a:buChar char="•"/>
+            </a:pPr>
+            <a:r>
+              <a:rPr lang="en-US" dirty="0"/>
+              <a:t>Sphere, Behind</a:t>
+            </a:r>
+          </a:p>
+          <a:p>
+            <a:pPr marL="285750" indent="-285750">
+              <a:buFont typeface="Arial" panose="020B0604020202020204" pitchFamily="34" charset="0"/>
+              <a:buChar char="•"/>
+            </a:pPr>
+            <a:r>
+              <a:rPr lang="en-US" dirty="0"/>
+              <a:t>Red, Behind</a:t>
+            </a:r>
+          </a:p>
+          <a:p>
+            <a:pPr marL="285750" indent="-285750">
+              <a:buFont typeface="Arial" panose="020B0604020202020204" pitchFamily="34" charset="0"/>
+              <a:buChar char="•"/>
+            </a:pPr>
+            <a:r>
+              <a:rPr lang="en-US" dirty="0"/>
+              <a:t>Sphere, Red, Behind</a:t>
+            </a:r>
+          </a:p>
+          <a:p>
+            <a:pPr marL="285750" indent="-285750">
+              <a:buFont typeface="Arial" panose="020B0604020202020204" pitchFamily="34" charset="0"/>
+              <a:buChar char="•"/>
+            </a:pPr>
+            <a:r>
+              <a:rPr lang="en-US" dirty="0"/>
+              <a:t>Sphere, Small</a:t>
+            </a:r>
+          </a:p>
+          <a:p>
+            <a:pPr marL="285750" indent="-285750">
+              <a:buFont typeface="Arial" panose="020B0604020202020204" pitchFamily="34" charset="0"/>
+              <a:buChar char="•"/>
+            </a:pPr>
+            <a:r>
+              <a:rPr lang="en-US" dirty="0"/>
+              <a:t>Sphere, Red</a:t>
+            </a:r>
+          </a:p>
+          <a:p>
+            <a:pPr marL="742950" lvl="1" indent="-285750">
+              <a:buFont typeface="Arial" panose="020B0604020202020204" pitchFamily="34" charset="0"/>
+              <a:buChar char="•"/>
+            </a:pPr>
+            <a:r>
+              <a:rPr lang="en-US" dirty="0"/>
+              <a:t>Small (3)</a:t>
+            </a:r>
+          </a:p>
+          <a:p>
+            <a:pPr marL="742950" lvl="1" indent="-285750">
+              <a:buFont typeface="Arial" panose="020B0604020202020204" pitchFamily="34" charset="0"/>
+              <a:buChar char="•"/>
+            </a:pPr>
+            <a:r>
+              <a:rPr lang="en-US" dirty="0"/>
+              <a:t>Small Right (1)</a:t>
+            </a:r>
+          </a:p>
+          <a:p>
+            <a:pPr marL="285750" indent="-285750">
+              <a:buFont typeface="Arial" panose="020B0604020202020204" pitchFamily="34" charset="0"/>
+              <a:buChar char="•"/>
+            </a:pPr>
+            <a:r>
+              <a:rPr lang="en-US" dirty="0"/>
+              <a:t>Small Red</a:t>
+            </a:r>
+          </a:p>
+          <a:p>
+            <a:pPr marL="742950" lvl="1" indent="-285750">
+              <a:buFont typeface="Arial" panose="020B0604020202020204" pitchFamily="34" charset="0"/>
+              <a:buChar char="•"/>
+            </a:pPr>
+            <a:r>
+              <a:rPr lang="en-US" dirty="0"/>
+              <a:t>Sphere, Right (1)</a:t>
+            </a:r>
+          </a:p>
+          <a:p>
+            <a:pPr marL="285750" indent="-285750">
+              <a:buFont typeface="Arial" panose="020B0604020202020204" pitchFamily="34" charset="0"/>
+              <a:buChar char="•"/>
+            </a:pPr>
+            <a:r>
+              <a:rPr lang="en-US" dirty="0"/>
+              <a:t>Sphere, Small, Red</a:t>
+            </a:r>
+          </a:p>
+        </p:txBody>
+      </p:sp>
+      <p:sp>
+        <p:nvSpPr>
+          <p:cNvPr id="4" name="TextBox 3">
+            <a:extLst>
+              <a:ext uri="{FF2B5EF4-FFF2-40B4-BE49-F238E27FC236}">
+                <a16:creationId xmlns:a16="http://schemas.microsoft.com/office/drawing/2014/main" id="{887F491C-B8A4-AC40-8467-CC280FAD66D7}"/>
               </a:ext>
             </a:extLst>
           </p:cNvPr>
@@ -10866,8 +11199,8 @@
         </p:nvSpPr>
         <p:spPr>
           <a:xfrm>
-            <a:off x="6977898" y="1079703"/>
-            <a:ext cx="2892905" cy="2862322"/>
+            <a:off x="6977898" y="5934492"/>
+            <a:ext cx="1012503" cy="369332"/>
           </a:xfrm>
           <a:prstGeom prst="rect">
             <a:avLst/>
@@ -10882,132 +11215,7 @@
           <a:p>
             <a:r>
               <a:rPr lang="en-US" dirty="0"/>
-              <a:t>Rules can be found</a:t>
-            </a:r>
-          </a:p>
-          <a:p>
-            <a:pPr marL="285750" indent="-285750">
-              <a:buFont typeface="Arial" panose="020B0604020202020204" pitchFamily="34" charset="0"/>
-              <a:buChar char="•"/>
-            </a:pPr>
-            <a:r>
-              <a:rPr lang="en-US" dirty="0"/>
-              <a:t>Big, Cube</a:t>
-            </a:r>
-          </a:p>
-          <a:p>
-            <a:pPr marL="285750" indent="-285750">
-              <a:buFont typeface="Arial" panose="020B0604020202020204" pitchFamily="34" charset="0"/>
-              <a:buChar char="•"/>
-            </a:pPr>
-            <a:r>
-              <a:rPr lang="en-US" dirty="0"/>
-              <a:t>Big, Sphere</a:t>
-            </a:r>
-          </a:p>
-          <a:p>
-            <a:pPr marL="285750" indent="-285750">
-              <a:buFont typeface="Arial" panose="020B0604020202020204" pitchFamily="34" charset="0"/>
-              <a:buChar char="•"/>
-            </a:pPr>
-            <a:r>
-              <a:rPr lang="en-US" dirty="0"/>
-              <a:t>Sphere, Behind</a:t>
-            </a:r>
-          </a:p>
-          <a:p>
-            <a:pPr marL="285750" indent="-285750">
-              <a:buFont typeface="Arial" panose="020B0604020202020204" pitchFamily="34" charset="0"/>
-              <a:buChar char="•"/>
-            </a:pPr>
-            <a:r>
-              <a:rPr lang="en-US" dirty="0"/>
-              <a:t>Red, Behind</a:t>
-            </a:r>
-          </a:p>
-          <a:p>
-            <a:pPr marL="285750" indent="-285750">
-              <a:buFont typeface="Arial" panose="020B0604020202020204" pitchFamily="34" charset="0"/>
-              <a:buChar char="•"/>
-            </a:pPr>
-            <a:r>
-              <a:rPr lang="en-US" dirty="0"/>
-              <a:t>Sphere, Red, Behind</a:t>
-            </a:r>
-          </a:p>
-          <a:p>
-            <a:pPr marL="285750" indent="-285750">
-              <a:buFont typeface="Arial" panose="020B0604020202020204" pitchFamily="34" charset="0"/>
-              <a:buChar char="•"/>
-            </a:pPr>
-            <a:r>
-              <a:rPr lang="en-US" dirty="0"/>
-              <a:t>Sphere, Small</a:t>
-            </a:r>
-          </a:p>
-          <a:p>
-            <a:pPr marL="285750" indent="-285750">
-              <a:buFont typeface="Arial" panose="020B0604020202020204" pitchFamily="34" charset="0"/>
-              <a:buChar char="•"/>
-            </a:pPr>
-            <a:r>
-              <a:rPr lang="en-US" dirty="0"/>
-              <a:t>Sphere, Red</a:t>
-            </a:r>
-          </a:p>
-          <a:p>
-            <a:pPr marL="285750" indent="-285750">
-              <a:buFont typeface="Arial" panose="020B0604020202020204" pitchFamily="34" charset="0"/>
-              <a:buChar char="•"/>
-            </a:pPr>
-            <a:r>
-              <a:rPr lang="en-US" dirty="0"/>
-              <a:t>Small Red,</a:t>
-            </a:r>
-          </a:p>
-          <a:p>
-            <a:pPr marL="285750" indent="-285750">
-              <a:buFont typeface="Arial" panose="020B0604020202020204" pitchFamily="34" charset="0"/>
-              <a:buChar char="•"/>
-            </a:pPr>
-            <a:r>
-              <a:rPr lang="en-US" dirty="0"/>
-              <a:t>Sphere, Small, Red</a:t>
-            </a:r>
-          </a:p>
-        </p:txBody>
-      </p:sp>
-      <p:sp>
-        <p:nvSpPr>
-          <p:cNvPr id="4" name="TextBox 3">
-            <a:extLst>
-              <a:ext uri="{FF2B5EF4-FFF2-40B4-BE49-F238E27FC236}">
-                <a16:creationId xmlns:a16="http://schemas.microsoft.com/office/drawing/2014/main" id="{887F491C-B8A4-AC40-8467-CC280FAD66D7}"/>
-              </a:ext>
-            </a:extLst>
-          </p:cNvPr>
-          <p:cNvSpPr txBox="1"/>
-          <p:nvPr/>
-        </p:nvSpPr>
-        <p:spPr>
-          <a:xfrm>
-            <a:off x="6977898" y="4153956"/>
-            <a:ext cx="1012503" cy="369332"/>
-          </a:xfrm>
-          <a:prstGeom prst="rect">
-            <a:avLst/>
-          </a:prstGeom>
-          <a:noFill/>
-        </p:spPr>
-        <p:txBody>
-          <a:bodyPr wrap="square" rtlCol="0">
-            <a:spAutoFit/>
-          </a:bodyPr>
-          <a:lstStyle/>
-          <a:p>
-            <a:r>
-              <a:rPr lang="en-US" dirty="0"/>
-              <a:t>9 rules</a:t>
+              <a:t>5 rules</a:t>
             </a:r>
           </a:p>
         </p:txBody>
@@ -11061,10 +11269,51 @@
           </a:p>
         </p:txBody>
       </p:sp>
+      <p:sp>
+        <p:nvSpPr>
+          <p:cNvPr id="2" name="TextBox 1">
+            <a:extLst>
+              <a:ext uri="{FF2B5EF4-FFF2-40B4-BE49-F238E27FC236}">
+                <a16:creationId xmlns:a16="http://schemas.microsoft.com/office/drawing/2014/main" id="{CA64DCF3-DAA5-8513-6D8C-2D48A5668748}"/>
+              </a:ext>
+            </a:extLst>
+          </p:cNvPr>
+          <p:cNvSpPr txBox="1"/>
+          <p:nvPr/>
+        </p:nvSpPr>
+        <p:spPr>
+          <a:xfrm>
+            <a:off x="6822518" y="487384"/>
+            <a:ext cx="4442537" cy="646331"/>
+          </a:xfrm>
+          <a:prstGeom prst="rect">
+            <a:avLst/>
+          </a:prstGeom>
+          <a:noFill/>
+        </p:spPr>
+        <p:txBody>
+          <a:bodyPr wrap="square" rtlCol="0">
+            <a:spAutoFit/>
+          </a:bodyPr>
+          <a:lstStyle/>
+          <a:p>
+            <a:r>
+              <a:rPr lang="en-US" dirty="0"/>
+              <a:t>First, search attribute by attribute</a:t>
+            </a:r>
+          </a:p>
+          <a:p>
+            <a:r>
+              <a:rPr lang="en-US" dirty="0"/>
+              <a:t>Then, add attributes as  priors to each rules</a:t>
+            </a:r>
+          </a:p>
+        </p:txBody>
+      </p:sp>
     </p:spTree>
     <p:extLst>
       <p:ext uri="{BB962C8B-B14F-4D97-AF65-F5344CB8AC3E}">
-        <p14:creationId xmlns:p14="http://schemas.microsoft.com/office/powerpoint/2010/main" val="2932168644"/>
+        <p14:creationId xmlns:p14="http://schemas.microsoft.com/office/powerpoint/2010/main" val="3475406260"/>
       </p:ext>
     </p:extLst>
   </p:cSld>
@@ -11093,15 +11342,15 @@
       </p:grpSpPr>
       <p:pic>
         <p:nvPicPr>
-          <p:cNvPr id="25" name="Picture 24">
-            <a:extLst>
-              <a:ext uri="{FF2B5EF4-FFF2-40B4-BE49-F238E27FC236}">
-                <a16:creationId xmlns:a16="http://schemas.microsoft.com/office/drawing/2014/main" id="{0F1B27DF-2D2E-8860-533F-120F28114A7F}"/>
+          <p:cNvPr id="2" name="Picture 2">
+            <a:extLst>
+              <a:ext uri="{FF2B5EF4-FFF2-40B4-BE49-F238E27FC236}">
+                <a16:creationId xmlns:a16="http://schemas.microsoft.com/office/drawing/2014/main" id="{2173C773-10D5-2FE3-0482-D71CF55B926A}"/>
               </a:ext>
             </a:extLst>
           </p:cNvPr>
           <p:cNvPicPr>
-            <a:picLocks noChangeAspect="1"/>
+            <a:picLocks noChangeAspect="1" noChangeArrowheads="1"/>
           </p:cNvPicPr>
           <p:nvPr/>
         </p:nvPicPr>
@@ -11113,31 +11362,42 @@
               </a:ext>
             </a:extLst>
           </a:blip>
+          <a:srcRect/>
           <a:stretch>
             <a:fillRect/>
           </a:stretch>
         </p:blipFill>
-        <p:spPr>
-          <a:xfrm>
-            <a:off x="356539" y="4734367"/>
-            <a:ext cx="2019600" cy="2019600"/>
+        <p:spPr bwMode="auto">
+          <a:xfrm>
+            <a:off x="73187" y="188784"/>
+            <a:ext cx="3038885" cy="2026236"/>
           </a:xfrm>
           <a:prstGeom prst="rect">
             <a:avLst/>
           </a:prstGeom>
+          <a:noFill/>
+          <a:extLst>
+            <a:ext uri="{909E8E84-426E-40DD-AFC4-6F175D3DCCD1}">
+              <a14:hiddenFill xmlns:a14="http://schemas.microsoft.com/office/drawing/2010/main">
+                <a:solidFill>
+                  <a:srgbClr val="FFFFFF"/>
+                </a:solidFill>
+              </a14:hiddenFill>
+            </a:ext>
+          </a:extLst>
         </p:spPr>
       </p:pic>
       <p:pic>
         <p:nvPicPr>
-          <p:cNvPr id="13" name="Picture 12" descr="A picture containing vector graphics&#10;&#10;Description automatically generated">
-            <a:extLst>
-              <a:ext uri="{FF2B5EF4-FFF2-40B4-BE49-F238E27FC236}">
-                <a16:creationId xmlns:a16="http://schemas.microsoft.com/office/drawing/2014/main" id="{F585A31C-DB00-684D-FD72-D1A8398A0EEC}"/>
+          <p:cNvPr id="7" name="Picture 4">
+            <a:extLst>
+              <a:ext uri="{FF2B5EF4-FFF2-40B4-BE49-F238E27FC236}">
+                <a16:creationId xmlns:a16="http://schemas.microsoft.com/office/drawing/2014/main" id="{0C336ECA-0517-9C03-462B-76648529BA81}"/>
               </a:ext>
             </a:extLst>
           </p:cNvPr>
           <p:cNvPicPr>
-            <a:picLocks noChangeAspect="1"/>
+            <a:picLocks noChangeAspect="1" noChangeArrowheads="1"/>
           </p:cNvPicPr>
           <p:nvPr/>
         </p:nvPicPr>
@@ -11149,31 +11409,42 @@
               </a:ext>
             </a:extLst>
           </a:blip>
+          <a:srcRect/>
           <a:stretch>
             <a:fillRect/>
           </a:stretch>
         </p:blipFill>
-        <p:spPr>
-          <a:xfrm>
-            <a:off x="381188" y="2729268"/>
-            <a:ext cx="2019600" cy="2019600"/>
+        <p:spPr bwMode="auto">
+          <a:xfrm>
+            <a:off x="73188" y="2323650"/>
+            <a:ext cx="2856390" cy="2137468"/>
           </a:xfrm>
           <a:prstGeom prst="rect">
             <a:avLst/>
           </a:prstGeom>
+          <a:noFill/>
+          <a:extLst>
+            <a:ext uri="{909E8E84-426E-40DD-AFC4-6F175D3DCCD1}">
+              <a14:hiddenFill xmlns:a14="http://schemas.microsoft.com/office/drawing/2010/main">
+                <a:solidFill>
+                  <a:srgbClr val="FFFFFF"/>
+                </a:solidFill>
+              </a14:hiddenFill>
+            </a:ext>
+          </a:extLst>
         </p:spPr>
       </p:pic>
       <p:pic>
         <p:nvPicPr>
-          <p:cNvPr id="5" name="Picture 4">
-            <a:extLst>
-              <a:ext uri="{FF2B5EF4-FFF2-40B4-BE49-F238E27FC236}">
-                <a16:creationId xmlns:a16="http://schemas.microsoft.com/office/drawing/2014/main" id="{8B2CD27F-C52C-2F1C-A79B-EFE9DC8ADEDD}"/>
+          <p:cNvPr id="8" name="Picture 6">
+            <a:extLst>
+              <a:ext uri="{FF2B5EF4-FFF2-40B4-BE49-F238E27FC236}">
+                <a16:creationId xmlns:a16="http://schemas.microsoft.com/office/drawing/2014/main" id="{D75CCB94-0794-BF1E-825F-4D31AF7C35B0}"/>
               </a:ext>
             </a:extLst>
           </p:cNvPr>
           <p:cNvPicPr>
-            <a:picLocks noChangeAspect="1"/>
+            <a:picLocks noChangeAspect="1" noChangeArrowheads="1"/>
           </p:cNvPicPr>
           <p:nvPr/>
         </p:nvPicPr>
@@ -11185,18 +11456,29 @@
               </a:ext>
             </a:extLst>
           </a:blip>
+          <a:srcRect/>
           <a:stretch>
             <a:fillRect/>
           </a:stretch>
         </p:blipFill>
-        <p:spPr>
-          <a:xfrm>
-            <a:off x="396637" y="625621"/>
-            <a:ext cx="2019600" cy="2019600"/>
+        <p:spPr bwMode="auto">
+          <a:xfrm>
+            <a:off x="73187" y="4569748"/>
+            <a:ext cx="3038886" cy="2155663"/>
           </a:xfrm>
           <a:prstGeom prst="rect">
             <a:avLst/>
           </a:prstGeom>
+          <a:noFill/>
+          <a:extLst>
+            <a:ext uri="{909E8E84-426E-40DD-AFC4-6F175D3DCCD1}">
+              <a14:hiddenFill xmlns:a14="http://schemas.microsoft.com/office/drawing/2010/main">
+                <a:solidFill>
+                  <a:srgbClr val="FFFFFF"/>
+                </a:solidFill>
+              </a14:hiddenFill>
+            </a:ext>
+          </a:extLst>
         </p:spPr>
       </p:pic>
       <p:sp>
@@ -11213,7 +11495,7 @@
         </p:nvSpPr>
         <p:spPr>
           <a:xfrm>
-            <a:off x="2616863" y="962846"/>
+            <a:off x="3071791" y="883750"/>
             <a:ext cx="3422322" cy="1200329"/>
           </a:xfrm>
           <a:prstGeom prst="rect">
@@ -11666,7 +11948,7 @@
         </p:nvSpPr>
         <p:spPr>
           <a:xfrm>
-            <a:off x="2588006" y="2984941"/>
+            <a:off x="3154930" y="2921446"/>
             <a:ext cx="3422322" cy="1200329"/>
           </a:xfrm>
           <a:prstGeom prst="rect">
@@ -11796,41 +12078,6 @@
           </a:p>
           <a:p>
             <a:endParaRPr lang="en-US" dirty="0"/>
-          </a:p>
-        </p:txBody>
-      </p:sp>
-      <p:sp>
-        <p:nvSpPr>
-          <p:cNvPr id="3" name="TextBox 2">
-            <a:extLst>
-              <a:ext uri="{FF2B5EF4-FFF2-40B4-BE49-F238E27FC236}">
-                <a16:creationId xmlns:a16="http://schemas.microsoft.com/office/drawing/2014/main" id="{B5C314BA-CA09-0A3A-C4A3-97F4CD6E4B9A}"/>
-              </a:ext>
-            </a:extLst>
-          </p:cNvPr>
-          <p:cNvSpPr txBox="1"/>
-          <p:nvPr/>
-        </p:nvSpPr>
-        <p:spPr>
-          <a:xfrm>
-            <a:off x="1012828" y="49730"/>
-            <a:ext cx="655503" cy="369332"/>
-          </a:xfrm>
-          <a:prstGeom prst="rect">
-            <a:avLst/>
-          </a:prstGeom>
-          <a:noFill/>
-        </p:spPr>
-        <p:txBody>
-          <a:bodyPr wrap="square" rtlCol="0">
-            <a:spAutoFit/>
-          </a:bodyPr>
-          <a:lstStyle/>
-          <a:p>
-            <a:r>
-              <a:rPr lang="en-US" dirty="0"/>
-              <a:t>Train</a:t>
-            </a:r>
           </a:p>
         </p:txBody>
       </p:sp>
@@ -11946,7 +12193,7 @@
         </p:nvSpPr>
         <p:spPr>
           <a:xfrm>
-            <a:off x="2673678" y="5380494"/>
+            <a:off x="3320950" y="5331833"/>
             <a:ext cx="3422322" cy="923330"/>
           </a:xfrm>
           <a:prstGeom prst="rect">
@@ -12090,10 +12337,10 @@
       </p:sp>
       <p:sp>
         <p:nvSpPr>
-          <p:cNvPr id="14" name="TextBox 13">
-            <a:extLst>
-              <a:ext uri="{FF2B5EF4-FFF2-40B4-BE49-F238E27FC236}">
-                <a16:creationId xmlns:a16="http://schemas.microsoft.com/office/drawing/2014/main" id="{77D7668C-374B-DD95-6723-44C959CECB4E}"/>
+          <p:cNvPr id="12" name="TextBox 11">
+            <a:extLst>
+              <a:ext uri="{FF2B5EF4-FFF2-40B4-BE49-F238E27FC236}">
+                <a16:creationId xmlns:a16="http://schemas.microsoft.com/office/drawing/2014/main" id="{4A5DC98C-CEC8-CAEC-15C2-E88D0D5706D9}"/>
               </a:ext>
             </a:extLst>
           </p:cNvPr>
@@ -12102,8 +12349,8 @@
         </p:nvSpPr>
         <p:spPr>
           <a:xfrm>
-            <a:off x="6977898" y="1440245"/>
-            <a:ext cx="2892905" cy="4247317"/>
+            <a:off x="7442593" y="683106"/>
+            <a:ext cx="4442537" cy="369332"/>
           </a:xfrm>
           <a:prstGeom prst="rect">
             <a:avLst/>
@@ -12118,6 +12365,41 @@
           <a:p>
             <a:r>
               <a:rPr lang="en-US" dirty="0"/>
+              <a:t>First, search attribute by attribute</a:t>
+            </a:r>
+          </a:p>
+        </p:txBody>
+      </p:sp>
+      <p:sp>
+        <p:nvSpPr>
+          <p:cNvPr id="14" name="TextBox 13">
+            <a:extLst>
+              <a:ext uri="{FF2B5EF4-FFF2-40B4-BE49-F238E27FC236}">
+                <a16:creationId xmlns:a16="http://schemas.microsoft.com/office/drawing/2014/main" id="{77D7668C-374B-DD95-6723-44C959CECB4E}"/>
+              </a:ext>
+            </a:extLst>
+          </p:cNvPr>
+          <p:cNvSpPr txBox="1"/>
+          <p:nvPr/>
+        </p:nvSpPr>
+        <p:spPr>
+          <a:xfrm>
+            <a:off x="7908240" y="1352803"/>
+            <a:ext cx="2892905" cy="2862322"/>
+          </a:xfrm>
+          <a:prstGeom prst="rect">
+            <a:avLst/>
+          </a:prstGeom>
+          <a:noFill/>
+        </p:spPr>
+        <p:txBody>
+          <a:bodyPr wrap="square" rtlCol="0">
+            <a:spAutoFit/>
+          </a:bodyPr>
+          <a:lstStyle/>
+          <a:p>
+            <a:r>
+              <a:rPr lang="en-US" dirty="0"/>
               <a:t>Rules can be found</a:t>
             </a:r>
           </a:p>
@@ -12132,26 +12414,6 @@
             </a:r>
           </a:p>
           <a:p>
-            <a:pPr marL="742950" lvl="1" indent="-285750">
-              <a:buFont typeface="Arial" panose="020B0604020202020204" pitchFamily="34" charset="0"/>
-              <a:buChar char="•"/>
-            </a:pPr>
-            <a:r>
-              <a:rPr lang="en-US" dirty="0"/>
-              <a:t>Blue (2)</a:t>
-            </a:r>
-          </a:p>
-          <a:p>
-            <a:pPr marL="742950" lvl="1" indent="-285750">
-              <a:buFont typeface="Arial" panose="020B0604020202020204" pitchFamily="34" charset="0"/>
-              <a:buChar char="•"/>
-            </a:pPr>
-            <a:r>
-              <a:rPr lang="en-US" dirty="0"/>
-              <a:t>Blue Front (1)</a:t>
-            </a:r>
-          </a:p>
-          <a:p>
             <a:pPr marL="285750" indent="-285750">
               <a:buFont typeface="Arial" panose="020B0604020202020204" pitchFamily="34" charset="0"/>
               <a:buChar char="•"/>
@@ -12212,43 +12474,13 @@
             </a:r>
           </a:p>
           <a:p>
-            <a:pPr marL="742950" lvl="1" indent="-285750">
-              <a:buFont typeface="Arial" panose="020B0604020202020204" pitchFamily="34" charset="0"/>
-              <a:buChar char="•"/>
-            </a:pPr>
-            <a:r>
-              <a:rPr lang="en-US" dirty="0"/>
-              <a:t>Small (3)</a:t>
-            </a:r>
-          </a:p>
-          <a:p>
-            <a:pPr marL="742950" lvl="1" indent="-285750">
-              <a:buFont typeface="Arial" panose="020B0604020202020204" pitchFamily="34" charset="0"/>
-              <a:buChar char="•"/>
-            </a:pPr>
-            <a:r>
-              <a:rPr lang="en-US" dirty="0"/>
-              <a:t>Small Right (1)</a:t>
-            </a:r>
-          </a:p>
-          <a:p>
             <a:pPr marL="285750" indent="-285750">
               <a:buFont typeface="Arial" panose="020B0604020202020204" pitchFamily="34" charset="0"/>
               <a:buChar char="•"/>
             </a:pPr>
             <a:r>
               <a:rPr lang="en-US" dirty="0"/>
-              <a:t>Small Red</a:t>
-            </a:r>
-          </a:p>
-          <a:p>
-            <a:pPr marL="742950" lvl="1" indent="-285750">
-              <a:buFont typeface="Arial" panose="020B0604020202020204" pitchFamily="34" charset="0"/>
-              <a:buChar char="•"/>
-            </a:pPr>
-            <a:r>
-              <a:rPr lang="en-US" dirty="0"/>
-              <a:t>Sphere, Right (1)</a:t>
+              <a:t>Small Red,</a:t>
             </a:r>
           </a:p>
           <a:p>
@@ -12277,7 +12509,7 @@
         </p:nvSpPr>
         <p:spPr>
           <a:xfrm>
-            <a:off x="6977898" y="5934492"/>
+            <a:off x="7908240" y="4569748"/>
             <a:ext cx="1012503" cy="369332"/>
           </a:xfrm>
           <a:prstGeom prst="rect">
@@ -12293,7 +12525,7 @@
           <a:p>
             <a:r>
               <a:rPr lang="en-US" dirty="0"/>
-              <a:t>5 rules</a:t>
+              <a:t>9 rules</a:t>
             </a:r>
           </a:p>
         </p:txBody>
@@ -12347,51 +12579,10 @@
           </a:p>
         </p:txBody>
       </p:sp>
-      <p:sp>
-        <p:nvSpPr>
-          <p:cNvPr id="2" name="TextBox 1">
-            <a:extLst>
-              <a:ext uri="{FF2B5EF4-FFF2-40B4-BE49-F238E27FC236}">
-                <a16:creationId xmlns:a16="http://schemas.microsoft.com/office/drawing/2014/main" id="{CA64DCF3-DAA5-8513-6D8C-2D48A5668748}"/>
-              </a:ext>
-            </a:extLst>
-          </p:cNvPr>
-          <p:cNvSpPr txBox="1"/>
-          <p:nvPr/>
-        </p:nvSpPr>
-        <p:spPr>
-          <a:xfrm>
-            <a:off x="6822518" y="487384"/>
-            <a:ext cx="4442537" cy="646331"/>
-          </a:xfrm>
-          <a:prstGeom prst="rect">
-            <a:avLst/>
-          </a:prstGeom>
-          <a:noFill/>
-        </p:spPr>
-        <p:txBody>
-          <a:bodyPr wrap="square" rtlCol="0">
-            <a:spAutoFit/>
-          </a:bodyPr>
-          <a:lstStyle/>
-          <a:p>
-            <a:r>
-              <a:rPr lang="en-US" dirty="0"/>
-              <a:t>First, search attribute by attribute</a:t>
-            </a:r>
-          </a:p>
-          <a:p>
-            <a:r>
-              <a:rPr lang="en-US" dirty="0"/>
-              <a:t>Then, add attributes as  priors to each rules</a:t>
-            </a:r>
-          </a:p>
-        </p:txBody>
-      </p:sp>
     </p:spTree>
     <p:extLst>
       <p:ext uri="{BB962C8B-B14F-4D97-AF65-F5344CB8AC3E}">
-        <p14:creationId xmlns:p14="http://schemas.microsoft.com/office/powerpoint/2010/main" val="3475406260"/>
+        <p14:creationId xmlns:p14="http://schemas.microsoft.com/office/powerpoint/2010/main" val="2674403913"/>
       </p:ext>
     </p:extLst>
   </p:cSld>
@@ -13660,7 +13851,7 @@
     </p:spTree>
     <p:extLst>
       <p:ext uri="{BB962C8B-B14F-4D97-AF65-F5344CB8AC3E}">
-        <p14:creationId xmlns:p14="http://schemas.microsoft.com/office/powerpoint/2010/main" val="2674403913"/>
+        <p14:creationId xmlns:p14="http://schemas.microsoft.com/office/powerpoint/2010/main" val="936425008"/>
       </p:ext>
     </p:extLst>
   </p:cSld>
@@ -14252,153 +14443,12 @@
           <a:chExt cx="0" cy="0"/>
         </a:xfrm>
       </p:grpSpPr>
-      <p:pic>
-        <p:nvPicPr>
-          <p:cNvPr id="2" name="Picture 2">
-            <a:extLst>
-              <a:ext uri="{FF2B5EF4-FFF2-40B4-BE49-F238E27FC236}">
-                <a16:creationId xmlns:a16="http://schemas.microsoft.com/office/drawing/2014/main" id="{2173C773-10D5-2FE3-0482-D71CF55B926A}"/>
-              </a:ext>
-            </a:extLst>
-          </p:cNvPr>
-          <p:cNvPicPr>
-            <a:picLocks noChangeAspect="1" noChangeArrowheads="1"/>
-          </p:cNvPicPr>
-          <p:nvPr/>
-        </p:nvPicPr>
-        <p:blipFill>
-          <a:blip r:embed="rId2">
-            <a:extLst>
-              <a:ext uri="{28A0092B-C50C-407E-A947-70E740481C1C}">
-                <a14:useLocalDpi xmlns:a14="http://schemas.microsoft.com/office/drawing/2010/main" val="0"/>
-              </a:ext>
-            </a:extLst>
-          </a:blip>
-          <a:srcRect/>
-          <a:stretch>
-            <a:fillRect/>
-          </a:stretch>
-        </p:blipFill>
-        <p:spPr bwMode="auto">
-          <a:xfrm>
-            <a:off x="73187" y="188784"/>
-            <a:ext cx="3038885" cy="2026236"/>
-          </a:xfrm>
-          <a:prstGeom prst="rect">
-            <a:avLst/>
-          </a:prstGeom>
-          <a:noFill/>
-          <a:extLst>
-            <a:ext uri="{909E8E84-426E-40DD-AFC4-6F175D3DCCD1}">
-              <a14:hiddenFill xmlns:a14="http://schemas.microsoft.com/office/drawing/2010/main">
-                <a:solidFill>
-                  <a:srgbClr val="FFFFFF"/>
-                </a:solidFill>
-              </a14:hiddenFill>
-            </a:ext>
-          </a:extLst>
-        </p:spPr>
-      </p:pic>
-      <p:pic>
-        <p:nvPicPr>
-          <p:cNvPr id="7" name="Picture 4">
-            <a:extLst>
-              <a:ext uri="{FF2B5EF4-FFF2-40B4-BE49-F238E27FC236}">
-                <a16:creationId xmlns:a16="http://schemas.microsoft.com/office/drawing/2014/main" id="{0C336ECA-0517-9C03-462B-76648529BA81}"/>
-              </a:ext>
-            </a:extLst>
-          </p:cNvPr>
-          <p:cNvPicPr>
-            <a:picLocks noChangeAspect="1" noChangeArrowheads="1"/>
-          </p:cNvPicPr>
-          <p:nvPr/>
-        </p:nvPicPr>
-        <p:blipFill>
-          <a:blip r:embed="rId3">
-            <a:extLst>
-              <a:ext uri="{28A0092B-C50C-407E-A947-70E740481C1C}">
-                <a14:useLocalDpi xmlns:a14="http://schemas.microsoft.com/office/drawing/2010/main" val="0"/>
-              </a:ext>
-            </a:extLst>
-          </a:blip>
-          <a:srcRect/>
-          <a:stretch>
-            <a:fillRect/>
-          </a:stretch>
-        </p:blipFill>
-        <p:spPr bwMode="auto">
-          <a:xfrm>
-            <a:off x="73188" y="2323650"/>
-            <a:ext cx="2856390" cy="2137468"/>
-          </a:xfrm>
-          <a:prstGeom prst="rect">
-            <a:avLst/>
-          </a:prstGeom>
-          <a:noFill/>
-          <a:extLst>
-            <a:ext uri="{909E8E84-426E-40DD-AFC4-6F175D3DCCD1}">
-              <a14:hiddenFill xmlns:a14="http://schemas.microsoft.com/office/drawing/2010/main">
-                <a:solidFill>
-                  <a:srgbClr val="FFFFFF"/>
-                </a:solidFill>
-              </a14:hiddenFill>
-            </a:ext>
-          </a:extLst>
-        </p:spPr>
-      </p:pic>
-      <p:pic>
-        <p:nvPicPr>
-          <p:cNvPr id="8" name="Picture 6">
-            <a:extLst>
-              <a:ext uri="{FF2B5EF4-FFF2-40B4-BE49-F238E27FC236}">
-                <a16:creationId xmlns:a16="http://schemas.microsoft.com/office/drawing/2014/main" id="{D75CCB94-0794-BF1E-825F-4D31AF7C35B0}"/>
-              </a:ext>
-            </a:extLst>
-          </p:cNvPr>
-          <p:cNvPicPr>
-            <a:picLocks noChangeAspect="1" noChangeArrowheads="1"/>
-          </p:cNvPicPr>
-          <p:nvPr/>
-        </p:nvPicPr>
-        <p:blipFill>
-          <a:blip r:embed="rId4">
-            <a:extLst>
-              <a:ext uri="{28A0092B-C50C-407E-A947-70E740481C1C}">
-                <a14:useLocalDpi xmlns:a14="http://schemas.microsoft.com/office/drawing/2010/main" val="0"/>
-              </a:ext>
-            </a:extLst>
-          </a:blip>
-          <a:srcRect/>
-          <a:stretch>
-            <a:fillRect/>
-          </a:stretch>
-        </p:blipFill>
-        <p:spPr bwMode="auto">
-          <a:xfrm>
-            <a:off x="73187" y="4569748"/>
-            <a:ext cx="3038886" cy="2155663"/>
-          </a:xfrm>
-          <a:prstGeom prst="rect">
-            <a:avLst/>
-          </a:prstGeom>
-          <a:noFill/>
-          <a:extLst>
-            <a:ext uri="{909E8E84-426E-40DD-AFC4-6F175D3DCCD1}">
-              <a14:hiddenFill xmlns:a14="http://schemas.microsoft.com/office/drawing/2010/main">
-                <a:solidFill>
-                  <a:srgbClr val="FFFFFF"/>
-                </a:solidFill>
-              </a14:hiddenFill>
-            </a:ext>
-          </a:extLst>
-        </p:spPr>
-      </p:pic>
-      <p:sp>
-        <p:nvSpPr>
-          <p:cNvPr id="6" name="TextBox 5">
-            <a:extLst>
-              <a:ext uri="{FF2B5EF4-FFF2-40B4-BE49-F238E27FC236}">
-                <a16:creationId xmlns:a16="http://schemas.microsoft.com/office/drawing/2014/main" id="{353061C3-FEA3-E95B-5669-5CC96E1B21AE}"/>
+      <p:sp>
+        <p:nvSpPr>
+          <p:cNvPr id="4" name="TextBox 3">
+            <a:extLst>
+              <a:ext uri="{FF2B5EF4-FFF2-40B4-BE49-F238E27FC236}">
+                <a16:creationId xmlns:a16="http://schemas.microsoft.com/office/drawing/2014/main" id="{BA8162A7-CA46-E5D9-CD66-53849C6285C6}"/>
               </a:ext>
             </a:extLst>
           </p:cNvPr>
@@ -14407,8 +14457,8 @@
         </p:nvSpPr>
         <p:spPr>
           <a:xfrm>
-            <a:off x="3071791" y="883750"/>
-            <a:ext cx="3422322" cy="1200329"/>
+            <a:off x="736100" y="730302"/>
+            <a:ext cx="5150992" cy="3139321"/>
           </a:xfrm>
           <a:prstGeom prst="rect">
             <a:avLst/>
@@ -14421,143 +14471,95 @@
           </a:bodyPr>
           <a:lstStyle/>
           <a:p>
-            <a:pPr marL="342900" indent="-342900">
-              <a:buAutoNum type="alphaUcPeriod"/>
-            </a:pPr>
-            <a:r>
-              <a:rPr lang="en-US" dirty="0">
-                <a:highlight>
-                  <a:srgbClr val="FFFF00"/>
-                </a:highlight>
-              </a:rPr>
-              <a:t>Cube</a:t>
-            </a:r>
-            <a:r>
-              <a:rPr lang="en-US" dirty="0"/>
-              <a:t>, </a:t>
-            </a:r>
-            <a:r>
-              <a:rPr lang="en-US" dirty="0">
-                <a:highlight>
-                  <a:srgbClr val="FFFF00"/>
-                </a:highlight>
-              </a:rPr>
-              <a:t>Big</a:t>
-            </a:r>
-            <a:r>
-              <a:rPr lang="en-US" dirty="0"/>
-              <a:t>, Blue, </a:t>
-            </a:r>
-            <a:r>
-              <a:rPr lang="en-US" dirty="0">
-                <a:highlight>
-                  <a:srgbClr val="FFFF00"/>
-                </a:highlight>
-              </a:rPr>
-              <a:t>Front</a:t>
-            </a:r>
-          </a:p>
-          <a:p>
-            <a:pPr marL="342900" indent="-342900">
-              <a:buAutoNum type="alphaUcPeriod"/>
-            </a:pPr>
-            <a:r>
-              <a:rPr lang="en-US" dirty="0">
-                <a:highlight>
-                  <a:srgbClr val="FFFF00"/>
-                </a:highlight>
-              </a:rPr>
-              <a:t>Sphere</a:t>
-            </a:r>
-            <a:r>
-              <a:rPr lang="en-US" dirty="0"/>
-              <a:t>, </a:t>
-            </a:r>
-            <a:r>
-              <a:rPr lang="en-US" dirty="0">
-                <a:highlight>
-                  <a:srgbClr val="FFFF00"/>
-                </a:highlight>
-              </a:rPr>
-              <a:t>Big</a:t>
-            </a:r>
-            <a:r>
-              <a:rPr lang="en-US" dirty="0"/>
-              <a:t>, </a:t>
-            </a:r>
-            <a:r>
-              <a:rPr lang="en-US" dirty="0">
-                <a:highlight>
-                  <a:srgbClr val="FFFF00"/>
-                </a:highlight>
-              </a:rPr>
-              <a:t>Red</a:t>
-            </a:r>
-            <a:r>
-              <a:rPr lang="en-US" dirty="0"/>
-              <a:t>, </a:t>
-            </a:r>
-            <a:r>
-              <a:rPr lang="en-US" dirty="0">
-                <a:highlight>
-                  <a:srgbClr val="FFFF00"/>
-                </a:highlight>
-              </a:rPr>
-              <a:t>Behind</a:t>
-            </a:r>
-          </a:p>
-          <a:p>
-            <a:pPr marL="342900" indent="-342900">
-              <a:buAutoNum type="alphaUcPeriod"/>
-            </a:pPr>
-            <a:r>
-              <a:rPr lang="en-US" dirty="0">
-                <a:highlight>
-                  <a:srgbClr val="FFFF00"/>
-                </a:highlight>
-              </a:rPr>
-              <a:t>Sphere</a:t>
-            </a:r>
-            <a:r>
-              <a:rPr lang="en-US" dirty="0"/>
-              <a:t>, </a:t>
-            </a:r>
-            <a:r>
-              <a:rPr lang="en-US" dirty="0">
-                <a:highlight>
-                  <a:srgbClr val="FFFF00"/>
-                </a:highlight>
-              </a:rPr>
-              <a:t>Small</a:t>
-            </a:r>
-            <a:r>
-              <a:rPr lang="en-US" dirty="0"/>
-              <a:t>, </a:t>
-            </a:r>
-            <a:r>
-              <a:rPr lang="en-US" dirty="0">
-                <a:highlight>
-                  <a:srgbClr val="FFFF00"/>
-                </a:highlight>
-              </a:rPr>
-              <a:t>Red</a:t>
-            </a:r>
-            <a:r>
-              <a:rPr lang="en-US" dirty="0"/>
-              <a:t>, Right</a:t>
-            </a:r>
-          </a:p>
-          <a:p>
+            <a:r>
+              <a:rPr lang="en-US" dirty="0"/>
+              <a:t>Imagine there is a new vacant bedroom, </a:t>
+            </a:r>
+          </a:p>
+          <a:p>
+            <a:r>
+              <a:rPr lang="en-US" dirty="0"/>
+              <a:t>Now, we put some furniture inside</a:t>
+            </a:r>
+          </a:p>
+          <a:p>
+            <a:pPr marL="285750" indent="-285750">
+              <a:buFont typeface="Arial" panose="020B0604020202020204" pitchFamily="34" charset="0"/>
+              <a:buChar char="•"/>
+            </a:pPr>
+            <a:r>
+              <a:rPr lang="en-US" dirty="0"/>
+              <a:t>A bed</a:t>
+            </a:r>
+          </a:p>
+          <a:p>
+            <a:pPr marL="285750" indent="-285750">
+              <a:buFont typeface="Arial" panose="020B0604020202020204" pitchFamily="34" charset="0"/>
+              <a:buChar char="•"/>
+            </a:pPr>
+            <a:r>
+              <a:rPr lang="en-US" dirty="0"/>
+              <a:t>A wardrobe</a:t>
+            </a:r>
+          </a:p>
+          <a:p>
+            <a:pPr marL="285750" indent="-285750">
+              <a:buFont typeface="Arial" panose="020B0604020202020204" pitchFamily="34" charset="0"/>
+              <a:buChar char="•"/>
+            </a:pPr>
+            <a:r>
+              <a:rPr lang="en-US" dirty="0"/>
+              <a:t>An armchair</a:t>
+            </a:r>
+          </a:p>
+          <a:p>
+            <a:pPr marL="285750" indent="-285750">
+              <a:buFont typeface="Arial" panose="020B0604020202020204" pitchFamily="34" charset="0"/>
+              <a:buChar char="•"/>
+            </a:pPr>
+            <a:r>
+              <a:rPr lang="en-US" dirty="0"/>
+              <a:t>A carpet</a:t>
+            </a:r>
+          </a:p>
+          <a:p>
+            <a:pPr marL="285750" indent="-285750">
+              <a:buFont typeface="Arial" panose="020B0604020202020204" pitchFamily="34" charset="0"/>
+              <a:buChar char="•"/>
+            </a:pPr>
+            <a:r>
+              <a:rPr lang="en-US" dirty="0"/>
+              <a:t>Two bedside tables</a:t>
+            </a:r>
+          </a:p>
+          <a:p>
+            <a:pPr marL="285750" indent="-285750">
+              <a:buFont typeface="Arial" panose="020B0604020202020204" pitchFamily="34" charset="0"/>
+              <a:buChar char="•"/>
+            </a:pPr>
             <a:endParaRPr lang="en-US" dirty="0"/>
           </a:p>
-        </p:txBody>
-      </p:sp>
-      <p:sp>
-        <p:nvSpPr>
-          <p:cNvPr id="17" name="Oval 16">
-            <a:extLst>
-              <a:ext uri="{FF2B5EF4-FFF2-40B4-BE49-F238E27FC236}">
-                <a16:creationId xmlns:a16="http://schemas.microsoft.com/office/drawing/2014/main" id="{6673F793-5107-84F5-1EFC-9F96C5152DF1}"/>
+          <a:p>
+            <a:pPr marL="285750" indent="-285750">
+              <a:buFont typeface="Arial" panose="020B0604020202020204" pitchFamily="34" charset="0"/>
+              <a:buChar char="•"/>
+            </a:pPr>
+            <a:endParaRPr lang="en-US" dirty="0"/>
+          </a:p>
+          <a:p>
+            <a:r>
+              <a:rPr lang="en-US" dirty="0"/>
+              <a:t>How to automatically decide the positions of these objects?</a:t>
+            </a:r>
+          </a:p>
+        </p:txBody>
+      </p:sp>
+      <p:sp>
+        <p:nvSpPr>
+          <p:cNvPr id="5" name="Oval 4">
+            <a:extLst>
+              <a:ext uri="{FF2B5EF4-FFF2-40B4-BE49-F238E27FC236}">
+                <a16:creationId xmlns:a16="http://schemas.microsoft.com/office/drawing/2014/main" id="{7016D2C4-C1DA-7C14-DE3A-2D43E503DED5}"/>
               </a:ext>
             </a:extLst>
           </p:cNvPr>
@@ -14566,7 +14568,7 @@
         </p:nvSpPr>
         <p:spPr>
           <a:xfrm>
-            <a:off x="608188" y="1873872"/>
+            <a:off x="1193814" y="5792707"/>
             <a:ext cx="405233" cy="420414"/>
           </a:xfrm>
           <a:prstGeom prst="ellipse">
@@ -14603,10 +14605,10 @@
       </p:sp>
       <p:sp>
         <p:nvSpPr>
-          <p:cNvPr id="18" name="Oval 17">
-            <a:extLst>
-              <a:ext uri="{FF2B5EF4-FFF2-40B4-BE49-F238E27FC236}">
-                <a16:creationId xmlns:a16="http://schemas.microsoft.com/office/drawing/2014/main" id="{D0D73A21-5B4E-ABCA-68EA-71F9B38C43C6}"/>
+          <p:cNvPr id="6" name="Oval 5">
+            <a:extLst>
+              <a:ext uri="{FF2B5EF4-FFF2-40B4-BE49-F238E27FC236}">
+                <a16:creationId xmlns:a16="http://schemas.microsoft.com/office/drawing/2014/main" id="{79743750-3C5B-E257-AB51-D091010F16AB}"/>
               </a:ext>
             </a:extLst>
           </p:cNvPr>
@@ -14615,7 +14617,7 @@
         </p:nvSpPr>
         <p:spPr>
           <a:xfrm>
-            <a:off x="810804" y="1210420"/>
+            <a:off x="2601374" y="6002914"/>
             <a:ext cx="405233" cy="420414"/>
           </a:xfrm>
           <a:prstGeom prst="ellipse">
@@ -14652,10 +14654,10 @@
       </p:sp>
       <p:sp>
         <p:nvSpPr>
-          <p:cNvPr id="19" name="Oval 18">
-            <a:extLst>
-              <a:ext uri="{FF2B5EF4-FFF2-40B4-BE49-F238E27FC236}">
-                <a16:creationId xmlns:a16="http://schemas.microsoft.com/office/drawing/2014/main" id="{13BE3EF0-293C-F0D3-60A0-2DF596361A8F}"/>
+          <p:cNvPr id="7" name="Oval 6">
+            <a:extLst>
+              <a:ext uri="{FF2B5EF4-FFF2-40B4-BE49-F238E27FC236}">
+                <a16:creationId xmlns:a16="http://schemas.microsoft.com/office/drawing/2014/main" id="{D3F11292-5AEB-03A5-870C-046C6A8F83A7}"/>
               </a:ext>
             </a:extLst>
           </p:cNvPr>
@@ -14664,7 +14666,7 @@
         </p:nvSpPr>
         <p:spPr>
           <a:xfrm>
-            <a:off x="1887940" y="1352803"/>
+            <a:off x="3706465" y="6002914"/>
             <a:ext cx="405233" cy="420414"/>
           </a:xfrm>
           <a:prstGeom prst="ellipse">
@@ -14701,157 +14703,10 @@
       </p:sp>
       <p:sp>
         <p:nvSpPr>
-          <p:cNvPr id="21" name="Oval 20">
-            <a:extLst>
-              <a:ext uri="{FF2B5EF4-FFF2-40B4-BE49-F238E27FC236}">
-                <a16:creationId xmlns:a16="http://schemas.microsoft.com/office/drawing/2014/main" id="{5A422E20-512A-3BA5-CB2A-71D0AA856232}"/>
-              </a:ext>
-            </a:extLst>
-          </p:cNvPr>
-          <p:cNvSpPr/>
-          <p:nvPr/>
-        </p:nvSpPr>
-        <p:spPr>
-          <a:xfrm>
-            <a:off x="1592631" y="4164138"/>
-            <a:ext cx="405233" cy="420414"/>
-          </a:xfrm>
-          <a:prstGeom prst="ellipse">
-            <a:avLst/>
-          </a:prstGeom>
-        </p:spPr>
-        <p:style>
-          <a:lnRef idx="2">
-            <a:schemeClr val="accent1">
-              <a:shade val="50000"/>
-            </a:schemeClr>
-          </a:lnRef>
-          <a:fillRef idx="1">
-            <a:schemeClr val="accent1"/>
-          </a:fillRef>
-          <a:effectRef idx="0">
-            <a:schemeClr val="accent1"/>
-          </a:effectRef>
-          <a:fontRef idx="minor">
-            <a:schemeClr val="lt1"/>
-          </a:fontRef>
-        </p:style>
-        <p:txBody>
-          <a:bodyPr rtlCol="0" anchor="ctr"/>
-          <a:lstStyle/>
-          <a:p>
-            <a:pPr algn="ctr"/>
-            <a:r>
-              <a:rPr lang="en-US" dirty="0"/>
-              <a:t>C</a:t>
-            </a:r>
-          </a:p>
-        </p:txBody>
-      </p:sp>
-      <p:sp>
-        <p:nvSpPr>
-          <p:cNvPr id="22" name="Oval 21">
-            <a:extLst>
-              <a:ext uri="{FF2B5EF4-FFF2-40B4-BE49-F238E27FC236}">
-                <a16:creationId xmlns:a16="http://schemas.microsoft.com/office/drawing/2014/main" id="{6ADF25AD-B46C-5331-B932-8C38061BE185}"/>
-              </a:ext>
-            </a:extLst>
-          </p:cNvPr>
-          <p:cNvSpPr/>
-          <p:nvPr/>
-        </p:nvSpPr>
-        <p:spPr>
-          <a:xfrm>
-            <a:off x="1886548" y="3026979"/>
-            <a:ext cx="405233" cy="420414"/>
-          </a:xfrm>
-          <a:prstGeom prst="ellipse">
-            <a:avLst/>
-          </a:prstGeom>
-        </p:spPr>
-        <p:style>
-          <a:lnRef idx="2">
-            <a:schemeClr val="accent1">
-              <a:shade val="50000"/>
-            </a:schemeClr>
-          </a:lnRef>
-          <a:fillRef idx="1">
-            <a:schemeClr val="accent1"/>
-          </a:fillRef>
-          <a:effectRef idx="0">
-            <a:schemeClr val="accent1"/>
-          </a:effectRef>
-          <a:fontRef idx="minor">
-            <a:schemeClr val="lt1"/>
-          </a:fontRef>
-        </p:style>
-        <p:txBody>
-          <a:bodyPr rtlCol="0" anchor="ctr"/>
-          <a:lstStyle/>
-          <a:p>
-            <a:pPr algn="ctr"/>
-            <a:r>
-              <a:rPr lang="en-US" dirty="0"/>
-              <a:t>B</a:t>
-            </a:r>
-          </a:p>
-        </p:txBody>
-      </p:sp>
-      <p:sp>
-        <p:nvSpPr>
-          <p:cNvPr id="23" name="Oval 22">
-            <a:extLst>
-              <a:ext uri="{FF2B5EF4-FFF2-40B4-BE49-F238E27FC236}">
-                <a16:creationId xmlns:a16="http://schemas.microsoft.com/office/drawing/2014/main" id="{96A39515-039B-9CEE-A14E-6D8AB6177386}"/>
-              </a:ext>
-            </a:extLst>
-          </p:cNvPr>
-          <p:cNvSpPr/>
-          <p:nvPr/>
-        </p:nvSpPr>
-        <p:spPr>
-          <a:xfrm>
-            <a:off x="412538" y="3521611"/>
-            <a:ext cx="405233" cy="420414"/>
-          </a:xfrm>
-          <a:prstGeom prst="ellipse">
-            <a:avLst/>
-          </a:prstGeom>
-        </p:spPr>
-        <p:style>
-          <a:lnRef idx="2">
-            <a:schemeClr val="accent1">
-              <a:shade val="50000"/>
-            </a:schemeClr>
-          </a:lnRef>
-          <a:fillRef idx="1">
-            <a:schemeClr val="accent1"/>
-          </a:fillRef>
-          <a:effectRef idx="0">
-            <a:schemeClr val="accent1"/>
-          </a:effectRef>
-          <a:fontRef idx="minor">
-            <a:schemeClr val="lt1"/>
-          </a:fontRef>
-        </p:style>
-        <p:txBody>
-          <a:bodyPr rtlCol="0" anchor="ctr"/>
-          <a:lstStyle/>
-          <a:p>
-            <a:pPr algn="ctr"/>
-            <a:r>
-              <a:rPr lang="en-US" dirty="0"/>
-              <a:t>A</a:t>
-            </a:r>
-          </a:p>
-        </p:txBody>
-      </p:sp>
-      <p:sp>
-        <p:nvSpPr>
-          <p:cNvPr id="24" name="TextBox 23">
-            <a:extLst>
-              <a:ext uri="{FF2B5EF4-FFF2-40B4-BE49-F238E27FC236}">
-                <a16:creationId xmlns:a16="http://schemas.microsoft.com/office/drawing/2014/main" id="{5DBA867C-5671-D3B4-4B39-5E0E5CEE5876}"/>
+          <p:cNvPr id="10" name="TextBox 9">
+            <a:extLst>
+              <a:ext uri="{FF2B5EF4-FFF2-40B4-BE49-F238E27FC236}">
+                <a16:creationId xmlns:a16="http://schemas.microsoft.com/office/drawing/2014/main" id="{36CD8D63-730C-3AD2-1C56-046C66ACEDD2}"/>
               </a:ext>
             </a:extLst>
           </p:cNvPr>
@@ -14860,8 +14715,8 @@
         </p:nvSpPr>
         <p:spPr>
           <a:xfrm>
-            <a:off x="3154930" y="2921446"/>
-            <a:ext cx="3422322" cy="1200329"/>
+            <a:off x="6407436" y="1007301"/>
+            <a:ext cx="5150992" cy="1477328"/>
           </a:xfrm>
           <a:prstGeom prst="rect">
             <a:avLst/>
@@ -14874,619 +14729,21 @@
           </a:bodyPr>
           <a:lstStyle/>
           <a:p>
-            <a:pPr marL="342900" indent="-342900">
-              <a:buAutoNum type="alphaUcPeriod"/>
-            </a:pPr>
-            <a:r>
-              <a:rPr lang="en-US" dirty="0">
-                <a:highlight>
-                  <a:srgbClr val="FFFF00"/>
-                </a:highlight>
-              </a:rPr>
-              <a:t>Cube</a:t>
-            </a:r>
-            <a:r>
-              <a:rPr lang="en-US" dirty="0"/>
-              <a:t>, </a:t>
-            </a:r>
-            <a:r>
-              <a:rPr lang="en-US" dirty="0">
-                <a:highlight>
-                  <a:srgbClr val="FFFF00"/>
-                </a:highlight>
-              </a:rPr>
-              <a:t>Big</a:t>
-            </a:r>
-            <a:r>
-              <a:rPr lang="en-US" dirty="0"/>
-              <a:t>, Blue, Left</a:t>
-            </a:r>
-          </a:p>
-          <a:p>
-            <a:pPr marL="342900" indent="-342900">
-              <a:buAutoNum type="alphaUcPeriod"/>
-            </a:pPr>
-            <a:r>
-              <a:rPr lang="en-US" dirty="0">
-                <a:highlight>
-                  <a:srgbClr val="FFFF00"/>
-                </a:highlight>
-              </a:rPr>
-              <a:t>Sphere</a:t>
-            </a:r>
-            <a:r>
-              <a:rPr lang="en-US" dirty="0"/>
-              <a:t>, </a:t>
-            </a:r>
-            <a:r>
-              <a:rPr lang="en-US" dirty="0">
-                <a:highlight>
-                  <a:srgbClr val="FFFF00"/>
-                </a:highlight>
-              </a:rPr>
-              <a:t>Small</a:t>
-            </a:r>
-            <a:r>
-              <a:rPr lang="en-US" dirty="0"/>
-              <a:t>, </a:t>
-            </a:r>
-            <a:r>
-              <a:rPr lang="en-US" dirty="0">
-                <a:highlight>
-                  <a:srgbClr val="FFFF00"/>
-                </a:highlight>
-              </a:rPr>
-              <a:t>Red</a:t>
-            </a:r>
-            <a:r>
-              <a:rPr lang="en-US" dirty="0"/>
-              <a:t>, </a:t>
-            </a:r>
-            <a:r>
-              <a:rPr lang="en-US" dirty="0">
-                <a:highlight>
-                  <a:srgbClr val="FFFF00"/>
-                </a:highlight>
-              </a:rPr>
-              <a:t>Behind</a:t>
-            </a:r>
-          </a:p>
-          <a:p>
-            <a:pPr marL="342900" indent="-342900">
-              <a:buAutoNum type="alphaUcPeriod"/>
-            </a:pPr>
-            <a:r>
-              <a:rPr lang="en-US" dirty="0">
-                <a:highlight>
-                  <a:srgbClr val="FFFF00"/>
-                </a:highlight>
-              </a:rPr>
-              <a:t>Sphere</a:t>
-            </a:r>
-            <a:r>
-              <a:rPr lang="en-US" dirty="0"/>
-              <a:t>, </a:t>
-            </a:r>
-            <a:r>
-              <a:rPr lang="en-US" dirty="0">
-                <a:highlight>
-                  <a:srgbClr val="FFFF00"/>
-                </a:highlight>
-              </a:rPr>
-              <a:t>Big</a:t>
-            </a:r>
-            <a:r>
-              <a:rPr lang="en-US" dirty="0"/>
-              <a:t>, Green, </a:t>
-            </a:r>
-            <a:r>
-              <a:rPr lang="en-US" dirty="0">
-                <a:highlight>
-                  <a:srgbClr val="FFFF00"/>
-                </a:highlight>
-              </a:rPr>
-              <a:t>Front</a:t>
-            </a:r>
-          </a:p>
-          <a:p>
-            <a:endParaRPr lang="en-US" dirty="0"/>
-          </a:p>
-        </p:txBody>
-      </p:sp>
-      <p:sp>
-        <p:nvSpPr>
-          <p:cNvPr id="9" name="Oval 8">
-            <a:extLst>
-              <a:ext uri="{FF2B5EF4-FFF2-40B4-BE49-F238E27FC236}">
-                <a16:creationId xmlns:a16="http://schemas.microsoft.com/office/drawing/2014/main" id="{4EA29935-2A2A-B43E-C1A0-0D6082F12A7B}"/>
-              </a:ext>
-            </a:extLst>
-          </p:cNvPr>
-          <p:cNvSpPr/>
-          <p:nvPr/>
-        </p:nvSpPr>
-        <p:spPr>
-          <a:xfrm>
-            <a:off x="417579" y="6058210"/>
-            <a:ext cx="405233" cy="420414"/>
-          </a:xfrm>
-          <a:prstGeom prst="ellipse">
-            <a:avLst/>
-          </a:prstGeom>
-        </p:spPr>
-        <p:style>
-          <a:lnRef idx="2">
-            <a:schemeClr val="accent1">
-              <a:shade val="50000"/>
-            </a:schemeClr>
-          </a:lnRef>
-          <a:fillRef idx="1">
-            <a:schemeClr val="accent1"/>
-          </a:fillRef>
-          <a:effectRef idx="0">
-            <a:schemeClr val="accent1"/>
-          </a:effectRef>
-          <a:fontRef idx="minor">
-            <a:schemeClr val="lt1"/>
-          </a:fontRef>
-        </p:style>
-        <p:txBody>
-          <a:bodyPr rtlCol="0" anchor="ctr"/>
-          <a:lstStyle/>
-          <a:p>
-            <a:pPr algn="ctr"/>
-            <a:r>
-              <a:rPr lang="en-US" dirty="0"/>
-              <a:t>A</a:t>
-            </a:r>
-          </a:p>
-        </p:txBody>
-      </p:sp>
-      <p:sp>
-        <p:nvSpPr>
-          <p:cNvPr id="10" name="Oval 9">
-            <a:extLst>
-              <a:ext uri="{FF2B5EF4-FFF2-40B4-BE49-F238E27FC236}">
-                <a16:creationId xmlns:a16="http://schemas.microsoft.com/office/drawing/2014/main" id="{9DAA15ED-2077-3B94-D487-7AD1D37A352F}"/>
-              </a:ext>
-            </a:extLst>
-          </p:cNvPr>
-          <p:cNvSpPr/>
-          <p:nvPr/>
-        </p:nvSpPr>
-        <p:spPr>
-          <a:xfrm>
-            <a:off x="1390988" y="5451112"/>
-            <a:ext cx="405233" cy="420414"/>
-          </a:xfrm>
-          <a:prstGeom prst="ellipse">
-            <a:avLst/>
-          </a:prstGeom>
-        </p:spPr>
-        <p:style>
-          <a:lnRef idx="2">
-            <a:schemeClr val="accent1">
-              <a:shade val="50000"/>
-            </a:schemeClr>
-          </a:lnRef>
-          <a:fillRef idx="1">
-            <a:schemeClr val="accent1"/>
-          </a:fillRef>
-          <a:effectRef idx="0">
-            <a:schemeClr val="accent1"/>
-          </a:effectRef>
-          <a:fontRef idx="minor">
-            <a:schemeClr val="lt1"/>
-          </a:fontRef>
-        </p:style>
-        <p:txBody>
-          <a:bodyPr rtlCol="0" anchor="ctr"/>
-          <a:lstStyle/>
-          <a:p>
-            <a:pPr algn="ctr"/>
-            <a:r>
-              <a:rPr lang="en-US" dirty="0"/>
-              <a:t>B</a:t>
-            </a:r>
-          </a:p>
-        </p:txBody>
-      </p:sp>
-      <p:sp>
-        <p:nvSpPr>
-          <p:cNvPr id="11" name="TextBox 10">
-            <a:extLst>
-              <a:ext uri="{FF2B5EF4-FFF2-40B4-BE49-F238E27FC236}">
-                <a16:creationId xmlns:a16="http://schemas.microsoft.com/office/drawing/2014/main" id="{A322CBD9-F434-4AD6-1C15-8925F243D897}"/>
-              </a:ext>
-            </a:extLst>
-          </p:cNvPr>
-          <p:cNvSpPr txBox="1"/>
-          <p:nvPr/>
-        </p:nvSpPr>
-        <p:spPr>
-          <a:xfrm>
-            <a:off x="3320950" y="5331833"/>
-            <a:ext cx="3422322" cy="923330"/>
-          </a:xfrm>
-          <a:prstGeom prst="rect">
-            <a:avLst/>
-          </a:prstGeom>
-          <a:noFill/>
-        </p:spPr>
-        <p:txBody>
-          <a:bodyPr wrap="square" rtlCol="0">
-            <a:spAutoFit/>
-          </a:bodyPr>
-          <a:lstStyle/>
-          <a:p>
-            <a:pPr marL="342900" indent="-342900">
-              <a:buAutoNum type="alphaUcPeriod"/>
-            </a:pPr>
-            <a:r>
-              <a:rPr lang="en-US" dirty="0">
-                <a:highlight>
-                  <a:srgbClr val="FFFF00"/>
-                </a:highlight>
-              </a:rPr>
-              <a:t>Sphere</a:t>
-            </a:r>
-            <a:r>
-              <a:rPr lang="en-US" dirty="0"/>
-              <a:t>, </a:t>
-            </a:r>
-            <a:r>
-              <a:rPr lang="en-US" dirty="0">
-                <a:highlight>
-                  <a:srgbClr val="FFFF00"/>
-                </a:highlight>
-              </a:rPr>
-              <a:t>Big</a:t>
-            </a:r>
-            <a:r>
-              <a:rPr lang="en-US" dirty="0"/>
-              <a:t>, Green, </a:t>
-            </a:r>
-            <a:r>
-              <a:rPr lang="en-US" dirty="0">
-                <a:highlight>
-                  <a:srgbClr val="FFFF00"/>
-                </a:highlight>
-              </a:rPr>
-              <a:t>Front</a:t>
-            </a:r>
-          </a:p>
-          <a:p>
-            <a:pPr marL="342900" indent="-342900">
-              <a:buAutoNum type="alphaUcPeriod"/>
-            </a:pPr>
-            <a:r>
-              <a:rPr lang="en-US" dirty="0">
-                <a:highlight>
-                  <a:srgbClr val="FFFF00"/>
-                </a:highlight>
-              </a:rPr>
-              <a:t>Cube</a:t>
-            </a:r>
-            <a:r>
-              <a:rPr lang="en-US" dirty="0"/>
-              <a:t>, </a:t>
-            </a:r>
-            <a:r>
-              <a:rPr lang="en-US" dirty="0">
-                <a:highlight>
-                  <a:srgbClr val="FFFF00"/>
-                </a:highlight>
-              </a:rPr>
-              <a:t>Big</a:t>
-            </a:r>
-            <a:r>
-              <a:rPr lang="en-US" dirty="0"/>
-              <a:t>, </a:t>
-            </a:r>
-            <a:r>
-              <a:rPr lang="en-US" dirty="0">
-                <a:highlight>
-                  <a:srgbClr val="FFFF00"/>
-                </a:highlight>
-              </a:rPr>
-              <a:t>Red</a:t>
-            </a:r>
-            <a:r>
-              <a:rPr lang="en-US" dirty="0"/>
-              <a:t>, Right</a:t>
-            </a:r>
-          </a:p>
-          <a:p>
-            <a:pPr marL="342900" indent="-342900">
-              <a:buAutoNum type="alphaUcPeriod"/>
-            </a:pPr>
-            <a:r>
-              <a:rPr lang="en-US" dirty="0">
-                <a:highlight>
-                  <a:srgbClr val="FFFF00"/>
-                </a:highlight>
-              </a:rPr>
-              <a:t>Sphere</a:t>
-            </a:r>
-            <a:r>
-              <a:rPr lang="en-US" dirty="0"/>
-              <a:t>, </a:t>
-            </a:r>
-            <a:r>
-              <a:rPr lang="en-US" dirty="0">
-                <a:highlight>
-                  <a:srgbClr val="FFFF00"/>
-                </a:highlight>
-              </a:rPr>
-              <a:t>Small</a:t>
-            </a:r>
-            <a:r>
-              <a:rPr lang="en-US" dirty="0"/>
-              <a:t>, </a:t>
-            </a:r>
-            <a:r>
-              <a:rPr lang="en-US" dirty="0">
-                <a:highlight>
-                  <a:srgbClr val="FFFF00"/>
-                </a:highlight>
-              </a:rPr>
-              <a:t>Red</a:t>
-            </a:r>
-            <a:r>
-              <a:rPr lang="en-US" dirty="0"/>
-              <a:t>, </a:t>
-            </a:r>
-            <a:r>
-              <a:rPr lang="en-US" dirty="0">
-                <a:highlight>
-                  <a:srgbClr val="FFFF00"/>
-                </a:highlight>
-              </a:rPr>
-              <a:t>Behind</a:t>
-            </a:r>
-          </a:p>
-        </p:txBody>
-      </p:sp>
-      <p:sp>
-        <p:nvSpPr>
-          <p:cNvPr id="12" name="TextBox 11">
-            <a:extLst>
-              <a:ext uri="{FF2B5EF4-FFF2-40B4-BE49-F238E27FC236}">
-                <a16:creationId xmlns:a16="http://schemas.microsoft.com/office/drawing/2014/main" id="{4A5DC98C-CEC8-CAEC-15C2-E88D0D5706D9}"/>
-              </a:ext>
-            </a:extLst>
-          </p:cNvPr>
-          <p:cNvSpPr txBox="1"/>
-          <p:nvPr/>
-        </p:nvSpPr>
-        <p:spPr>
-          <a:xfrm>
-            <a:off x="7442593" y="683106"/>
-            <a:ext cx="4442537" cy="369332"/>
-          </a:xfrm>
-          <a:prstGeom prst="rect">
-            <a:avLst/>
-          </a:prstGeom>
-          <a:noFill/>
-        </p:spPr>
-        <p:txBody>
-          <a:bodyPr wrap="square" rtlCol="0">
-            <a:spAutoFit/>
-          </a:bodyPr>
-          <a:lstStyle/>
-          <a:p>
-            <a:r>
-              <a:rPr lang="en-US" dirty="0"/>
-              <a:t>First, search attribute by attribute</a:t>
-            </a:r>
-          </a:p>
-        </p:txBody>
-      </p:sp>
-      <p:sp>
-        <p:nvSpPr>
-          <p:cNvPr id="14" name="TextBox 13">
-            <a:extLst>
-              <a:ext uri="{FF2B5EF4-FFF2-40B4-BE49-F238E27FC236}">
-                <a16:creationId xmlns:a16="http://schemas.microsoft.com/office/drawing/2014/main" id="{77D7668C-374B-DD95-6723-44C959CECB4E}"/>
-              </a:ext>
-            </a:extLst>
-          </p:cNvPr>
-          <p:cNvSpPr txBox="1"/>
-          <p:nvPr/>
-        </p:nvSpPr>
-        <p:spPr>
-          <a:xfrm>
-            <a:off x="7908240" y="1352803"/>
-            <a:ext cx="2892905" cy="2862322"/>
-          </a:xfrm>
-          <a:prstGeom prst="rect">
-            <a:avLst/>
-          </a:prstGeom>
-          <a:noFill/>
-        </p:spPr>
-        <p:txBody>
-          <a:bodyPr wrap="square" rtlCol="0">
-            <a:spAutoFit/>
-          </a:bodyPr>
-          <a:lstStyle/>
-          <a:p>
-            <a:r>
-              <a:rPr lang="en-US" dirty="0"/>
-              <a:t>Rules can be found</a:t>
-            </a:r>
-          </a:p>
-          <a:p>
-            <a:pPr marL="285750" indent="-285750">
-              <a:buFont typeface="Arial" panose="020B0604020202020204" pitchFamily="34" charset="0"/>
-              <a:buChar char="•"/>
-            </a:pPr>
-            <a:r>
-              <a:rPr lang="en-US" dirty="0"/>
-              <a:t>Big, Cube</a:t>
-            </a:r>
-          </a:p>
-          <a:p>
-            <a:pPr marL="285750" indent="-285750">
-              <a:buFont typeface="Arial" panose="020B0604020202020204" pitchFamily="34" charset="0"/>
-              <a:buChar char="•"/>
-            </a:pPr>
-            <a:r>
-              <a:rPr lang="en-US" dirty="0"/>
-              <a:t>Big, Sphere</a:t>
-            </a:r>
-          </a:p>
-          <a:p>
-            <a:pPr marL="285750" indent="-285750">
-              <a:buFont typeface="Arial" panose="020B0604020202020204" pitchFamily="34" charset="0"/>
-              <a:buChar char="•"/>
-            </a:pPr>
-            <a:r>
-              <a:rPr lang="en-US" dirty="0"/>
-              <a:t>Sphere, Behind</a:t>
-            </a:r>
-          </a:p>
-          <a:p>
-            <a:pPr marL="285750" indent="-285750">
-              <a:buFont typeface="Arial" panose="020B0604020202020204" pitchFamily="34" charset="0"/>
-              <a:buChar char="•"/>
-            </a:pPr>
-            <a:r>
-              <a:rPr lang="en-US" dirty="0"/>
-              <a:t>Red, Behind</a:t>
-            </a:r>
-          </a:p>
-          <a:p>
-            <a:pPr marL="285750" indent="-285750">
-              <a:buFont typeface="Arial" panose="020B0604020202020204" pitchFamily="34" charset="0"/>
-              <a:buChar char="•"/>
-            </a:pPr>
-            <a:r>
-              <a:rPr lang="en-US" dirty="0"/>
-              <a:t>Sphere, Red, Behind</a:t>
-            </a:r>
-          </a:p>
-          <a:p>
-            <a:pPr marL="285750" indent="-285750">
-              <a:buFont typeface="Arial" panose="020B0604020202020204" pitchFamily="34" charset="0"/>
-              <a:buChar char="•"/>
-            </a:pPr>
-            <a:r>
-              <a:rPr lang="en-US" dirty="0"/>
-              <a:t>Sphere, Small</a:t>
-            </a:r>
-          </a:p>
-          <a:p>
-            <a:pPr marL="285750" indent="-285750">
-              <a:buFont typeface="Arial" panose="020B0604020202020204" pitchFamily="34" charset="0"/>
-              <a:buChar char="•"/>
-            </a:pPr>
-            <a:r>
-              <a:rPr lang="en-US" dirty="0"/>
-              <a:t>Sphere, Red</a:t>
-            </a:r>
-          </a:p>
-          <a:p>
-            <a:pPr marL="285750" indent="-285750">
-              <a:buFont typeface="Arial" panose="020B0604020202020204" pitchFamily="34" charset="0"/>
-              <a:buChar char="•"/>
-            </a:pPr>
-            <a:r>
-              <a:rPr lang="en-US" dirty="0"/>
-              <a:t>Small Red,</a:t>
-            </a:r>
-          </a:p>
-          <a:p>
-            <a:pPr marL="285750" indent="-285750">
-              <a:buFont typeface="Arial" panose="020B0604020202020204" pitchFamily="34" charset="0"/>
-              <a:buChar char="•"/>
-            </a:pPr>
-            <a:r>
-              <a:rPr lang="en-US" dirty="0"/>
-              <a:t>Sphere, Small, Red</a:t>
-            </a:r>
-          </a:p>
-        </p:txBody>
-      </p:sp>
-      <p:sp>
-        <p:nvSpPr>
-          <p:cNvPr id="4" name="TextBox 3">
-            <a:extLst>
-              <a:ext uri="{FF2B5EF4-FFF2-40B4-BE49-F238E27FC236}">
-                <a16:creationId xmlns:a16="http://schemas.microsoft.com/office/drawing/2014/main" id="{887F491C-B8A4-AC40-8467-CC280FAD66D7}"/>
-              </a:ext>
-            </a:extLst>
-          </p:cNvPr>
-          <p:cNvSpPr txBox="1"/>
-          <p:nvPr/>
-        </p:nvSpPr>
-        <p:spPr>
-          <a:xfrm>
-            <a:off x="7908240" y="4569748"/>
-            <a:ext cx="1012503" cy="369332"/>
-          </a:xfrm>
-          <a:prstGeom prst="rect">
-            <a:avLst/>
-          </a:prstGeom>
-          <a:noFill/>
-        </p:spPr>
-        <p:txBody>
-          <a:bodyPr wrap="square" rtlCol="0">
-            <a:spAutoFit/>
-          </a:bodyPr>
-          <a:lstStyle/>
-          <a:p>
-            <a:r>
-              <a:rPr lang="en-US" dirty="0"/>
-              <a:t>9 rules</a:t>
-            </a:r>
-          </a:p>
-        </p:txBody>
-      </p:sp>
-      <p:sp>
-        <p:nvSpPr>
-          <p:cNvPr id="26" name="Oval 25">
-            <a:extLst>
-              <a:ext uri="{FF2B5EF4-FFF2-40B4-BE49-F238E27FC236}">
-                <a16:creationId xmlns:a16="http://schemas.microsoft.com/office/drawing/2014/main" id="{5D26DD76-FFF7-A832-FD87-4674211A33AF}"/>
-              </a:ext>
-            </a:extLst>
-          </p:cNvPr>
-          <p:cNvSpPr/>
-          <p:nvPr/>
-        </p:nvSpPr>
-        <p:spPr>
-          <a:xfrm>
-            <a:off x="615154" y="5018792"/>
-            <a:ext cx="405233" cy="420414"/>
-          </a:xfrm>
-          <a:prstGeom prst="ellipse">
-            <a:avLst/>
-          </a:prstGeom>
-        </p:spPr>
-        <p:style>
-          <a:lnRef idx="2">
-            <a:schemeClr val="accent1">
-              <a:shade val="50000"/>
-            </a:schemeClr>
-          </a:lnRef>
-          <a:fillRef idx="1">
-            <a:schemeClr val="accent1"/>
-          </a:fillRef>
-          <a:effectRef idx="0">
-            <a:schemeClr val="accent1"/>
-          </a:effectRef>
-          <a:fontRef idx="minor">
-            <a:schemeClr val="lt1"/>
-          </a:fontRef>
-        </p:style>
-        <p:txBody>
-          <a:bodyPr rtlCol="0" anchor="ctr"/>
-          <a:lstStyle/>
-          <a:p>
-            <a:pPr algn="ctr"/>
-            <a:r>
-              <a:rPr lang="en-US" dirty="0"/>
-              <a:t>C</a:t>
+            <a:r>
+              <a:rPr lang="en-US" dirty="0"/>
+              <a:t>Crazier, if there is a bedroom, how should it look like.</a:t>
+            </a:r>
+          </a:p>
+          <a:p>
+            <a:r>
+              <a:rPr lang="en-US" dirty="0"/>
+              <a:t>Possibly, there is a bed, a wardrobe, some paintings, lights, carpets. </a:t>
+            </a:r>
+          </a:p>
+          <a:p>
+            <a:r>
+              <a:rPr lang="en-US" dirty="0"/>
+              <a:t>Can AI think about with it and place everything properly?</a:t>
             </a:r>
           </a:p>
         </p:txBody>
@@ -15494,7 +14751,7 @@
     </p:spTree>
     <p:extLst>
       <p:ext uri="{BB962C8B-B14F-4D97-AF65-F5344CB8AC3E}">
-        <p14:creationId xmlns:p14="http://schemas.microsoft.com/office/powerpoint/2010/main" val="936425008"/>
+        <p14:creationId xmlns:p14="http://schemas.microsoft.com/office/powerpoint/2010/main" val="2837795320"/>
       </p:ext>
     </p:extLst>
   </p:cSld>
@@ -15536,7 +14793,7 @@
         <p:spPr>
           <a:xfrm>
             <a:off x="736100" y="730302"/>
-            <a:ext cx="5150992" cy="3139321"/>
+            <a:ext cx="5150992" cy="5078313"/>
           </a:xfrm>
           <a:prstGeom prst="rect">
             <a:avLst/>
@@ -15549,25 +14806,67 @@
           </a:bodyPr>
           <a:lstStyle/>
           <a:p>
-            <a:r>
-              <a:rPr lang="en-US" dirty="0"/>
-              <a:t>Imagine there is a new vacant bedroom, </a:t>
-            </a:r>
-          </a:p>
-          <a:p>
-            <a:r>
-              <a:rPr lang="en-US" dirty="0"/>
-              <a:t>Now, we put some furniture inside</a:t>
-            </a:r>
-          </a:p>
-          <a:p>
             <a:pPr marL="285750" indent="-285750">
               <a:buFont typeface="Arial" panose="020B0604020202020204" pitchFamily="34" charset="0"/>
               <a:buChar char="•"/>
             </a:pPr>
-            <a:r>
-              <a:rPr lang="en-US" dirty="0"/>
-              <a:t>A bed</a:t>
+            <a:endParaRPr lang="en-US" dirty="0"/>
+          </a:p>
+          <a:p>
+            <a:r>
+              <a:rPr lang="en-US" dirty="0"/>
+              <a:t>How to automatically decide the positions of these objects?</a:t>
+            </a:r>
+          </a:p>
+          <a:p>
+            <a:endParaRPr lang="en-US" dirty="0"/>
+          </a:p>
+          <a:p>
+            <a:r>
+              <a:rPr lang="en-US" dirty="0"/>
+              <a:t>Training image</a:t>
+            </a:r>
+          </a:p>
+          <a:p>
+            <a:endParaRPr lang="en-US" dirty="0"/>
+          </a:p>
+          <a:p>
+            <a:pPr marL="342900" indent="-342900">
+              <a:buAutoNum type="alphaUcPeriod"/>
+            </a:pPr>
+            <a:r>
+              <a:rPr lang="en-US" dirty="0"/>
+              <a:t>phone, bed (phone on the bed)</a:t>
+            </a:r>
+          </a:p>
+          <a:p>
+            <a:pPr marL="342900" indent="-342900">
+              <a:buAutoNum type="alphaUcPeriod"/>
+            </a:pPr>
+            <a:r>
+              <a:rPr lang="en-US" dirty="0"/>
+              <a:t>phone, desk (phone on the desk)</a:t>
+            </a:r>
+          </a:p>
+          <a:p>
+            <a:pPr marL="342900" indent="-342900">
+              <a:buAutoNum type="alphaUcPeriod"/>
+            </a:pPr>
+            <a:r>
+              <a:rPr lang="en-US" dirty="0"/>
+              <a:t>phone, desk, bed (phone on the desk)</a:t>
+            </a:r>
+          </a:p>
+          <a:p>
+            <a:pPr marL="342900" indent="-342900">
+              <a:buAutoNum type="alphaUcPeriod"/>
+            </a:pPr>
+            <a:endParaRPr lang="en-US" dirty="0"/>
+          </a:p>
+          <a:p>
+            <a:r>
+              <a:rPr lang="en-US" dirty="0"/>
+              <a:t>5 relations</a:t>
             </a:r>
           </a:p>
           <a:p>
@@ -15577,7 +14876,7 @@
             </a:pPr>
             <a:r>
               <a:rPr lang="en-US" dirty="0"/>
-              <a:t>A wardrobe</a:t>
+              <a:t>Left</a:t>
             </a:r>
           </a:p>
           <a:p>
@@ -15587,7 +14886,7 @@
             </a:pPr>
             <a:r>
               <a:rPr lang="en-US" dirty="0"/>
-              <a:t>An armchair</a:t>
+              <a:t>Right</a:t>
             </a:r>
           </a:p>
           <a:p>
@@ -15597,7 +14896,7 @@
             </a:pPr>
             <a:r>
               <a:rPr lang="en-US" dirty="0"/>
-              <a:t>A carpet</a:t>
+              <a:t>Front</a:t>
             </a:r>
           </a:p>
           <a:p>
@@ -15607,7 +14906,7 @@
             </a:pPr>
             <a:r>
               <a:rPr lang="en-US" dirty="0"/>
-              <a:t>Two bedside tables</a:t>
+              <a:t>Behind</a:t>
             </a:r>
           </a:p>
           <a:p>
@@ -15615,20 +14914,23 @@
               <a:buFont typeface="Arial" panose="020B0604020202020204" pitchFamily="34" charset="0"/>
               <a:buChar char="•"/>
             </a:pPr>
-            <a:endParaRPr lang="en-US" dirty="0"/>
+            <a:r>
+              <a:rPr lang="en-US" dirty="0"/>
+              <a:t>Above</a:t>
+            </a:r>
           </a:p>
           <a:p>
             <a:pPr marL="285750" indent="-285750">
               <a:buFont typeface="Arial" panose="020B0604020202020204" pitchFamily="34" charset="0"/>
               <a:buChar char="•"/>
             </a:pPr>
+            <a:r>
+              <a:rPr lang="en-US" dirty="0"/>
+              <a:t>On</a:t>
+            </a:r>
+          </a:p>
+          <a:p>
             <a:endParaRPr lang="en-US" dirty="0"/>
-          </a:p>
-          <a:p>
-            <a:r>
-              <a:rPr lang="en-US" dirty="0"/>
-              <a:t>How to automatically decide the positions of these objects?</a:t>
-            </a:r>
           </a:p>
         </p:txBody>
       </p:sp>
@@ -15781,386 +15083,6 @@
       </p:sp>
       <p:sp>
         <p:nvSpPr>
-          <p:cNvPr id="10" name="TextBox 9">
-            <a:extLst>
-              <a:ext uri="{FF2B5EF4-FFF2-40B4-BE49-F238E27FC236}">
-                <a16:creationId xmlns:a16="http://schemas.microsoft.com/office/drawing/2014/main" id="{36CD8D63-730C-3AD2-1C56-046C66ACEDD2}"/>
-              </a:ext>
-            </a:extLst>
-          </p:cNvPr>
-          <p:cNvSpPr txBox="1"/>
-          <p:nvPr/>
-        </p:nvSpPr>
-        <p:spPr>
-          <a:xfrm>
-            <a:off x="6407436" y="1007301"/>
-            <a:ext cx="5150992" cy="1477328"/>
-          </a:xfrm>
-          <a:prstGeom prst="rect">
-            <a:avLst/>
-          </a:prstGeom>
-          <a:noFill/>
-        </p:spPr>
-        <p:txBody>
-          <a:bodyPr wrap="square" rtlCol="0">
-            <a:spAutoFit/>
-          </a:bodyPr>
-          <a:lstStyle/>
-          <a:p>
-            <a:r>
-              <a:rPr lang="en-US" dirty="0"/>
-              <a:t>Crazier, if there is a bedroom, how should it look like.</a:t>
-            </a:r>
-          </a:p>
-          <a:p>
-            <a:r>
-              <a:rPr lang="en-US" dirty="0"/>
-              <a:t>Possibly, there is a bed, a wardrobe, some paintings, lights, carpets. </a:t>
-            </a:r>
-          </a:p>
-          <a:p>
-            <a:r>
-              <a:rPr lang="en-US" dirty="0"/>
-              <a:t>Can AI think about with it and place everything properly?</a:t>
-            </a:r>
-          </a:p>
-        </p:txBody>
-      </p:sp>
-    </p:spTree>
-    <p:extLst>
-      <p:ext uri="{BB962C8B-B14F-4D97-AF65-F5344CB8AC3E}">
-        <p14:creationId xmlns:p14="http://schemas.microsoft.com/office/powerpoint/2010/main" val="2837795320"/>
-      </p:ext>
-    </p:extLst>
-  </p:cSld>
-  <p:clrMapOvr>
-    <a:masterClrMapping/>
-  </p:clrMapOvr>
-</p:sld>
-</file>
-
-<file path=ppt/slides/slide22.xml><?xml version="1.0" encoding="utf-8"?>
-<p:sld xmlns:a="http://schemas.openxmlformats.org/drawingml/2006/main" xmlns:r="http://schemas.openxmlformats.org/officeDocument/2006/relationships" xmlns:p="http://schemas.openxmlformats.org/presentationml/2006/main">
-  <p:cSld>
-    <p:spTree>
-      <p:nvGrpSpPr>
-        <p:cNvPr id="1" name=""/>
-        <p:cNvGrpSpPr/>
-        <p:nvPr/>
-      </p:nvGrpSpPr>
-      <p:grpSpPr>
-        <a:xfrm>
-          <a:off x="0" y="0"/>
-          <a:ext cx="0" cy="0"/>
-          <a:chOff x="0" y="0"/>
-          <a:chExt cx="0" cy="0"/>
-        </a:xfrm>
-      </p:grpSpPr>
-      <p:sp>
-        <p:nvSpPr>
-          <p:cNvPr id="4" name="TextBox 3">
-            <a:extLst>
-              <a:ext uri="{FF2B5EF4-FFF2-40B4-BE49-F238E27FC236}">
-                <a16:creationId xmlns:a16="http://schemas.microsoft.com/office/drawing/2014/main" id="{BA8162A7-CA46-E5D9-CD66-53849C6285C6}"/>
-              </a:ext>
-            </a:extLst>
-          </p:cNvPr>
-          <p:cNvSpPr txBox="1"/>
-          <p:nvPr/>
-        </p:nvSpPr>
-        <p:spPr>
-          <a:xfrm>
-            <a:off x="736100" y="730302"/>
-            <a:ext cx="5150992" cy="5078313"/>
-          </a:xfrm>
-          <a:prstGeom prst="rect">
-            <a:avLst/>
-          </a:prstGeom>
-          <a:noFill/>
-        </p:spPr>
-        <p:txBody>
-          <a:bodyPr wrap="square" rtlCol="0">
-            <a:spAutoFit/>
-          </a:bodyPr>
-          <a:lstStyle/>
-          <a:p>
-            <a:pPr marL="285750" indent="-285750">
-              <a:buFont typeface="Arial" panose="020B0604020202020204" pitchFamily="34" charset="0"/>
-              <a:buChar char="•"/>
-            </a:pPr>
-            <a:endParaRPr lang="en-US" dirty="0"/>
-          </a:p>
-          <a:p>
-            <a:r>
-              <a:rPr lang="en-US" dirty="0"/>
-              <a:t>How to automatically decide the positions of these objects?</a:t>
-            </a:r>
-          </a:p>
-          <a:p>
-            <a:endParaRPr lang="en-US" dirty="0"/>
-          </a:p>
-          <a:p>
-            <a:r>
-              <a:rPr lang="en-US" dirty="0"/>
-              <a:t>Training image</a:t>
-            </a:r>
-          </a:p>
-          <a:p>
-            <a:endParaRPr lang="en-US" dirty="0"/>
-          </a:p>
-          <a:p>
-            <a:pPr marL="342900" indent="-342900">
-              <a:buAutoNum type="alphaUcPeriod"/>
-            </a:pPr>
-            <a:r>
-              <a:rPr lang="en-US" dirty="0"/>
-              <a:t>phone, bed (phone on the bed)</a:t>
-            </a:r>
-          </a:p>
-          <a:p>
-            <a:pPr marL="342900" indent="-342900">
-              <a:buAutoNum type="alphaUcPeriod"/>
-            </a:pPr>
-            <a:r>
-              <a:rPr lang="en-US" dirty="0"/>
-              <a:t>phone, desk (phone on the desk)</a:t>
-            </a:r>
-          </a:p>
-          <a:p>
-            <a:pPr marL="342900" indent="-342900">
-              <a:buAutoNum type="alphaUcPeriod"/>
-            </a:pPr>
-            <a:r>
-              <a:rPr lang="en-US" dirty="0"/>
-              <a:t>phone, desk, bed (phone on the desk)</a:t>
-            </a:r>
-          </a:p>
-          <a:p>
-            <a:pPr marL="342900" indent="-342900">
-              <a:buAutoNum type="alphaUcPeriod"/>
-            </a:pPr>
-            <a:endParaRPr lang="en-US" dirty="0"/>
-          </a:p>
-          <a:p>
-            <a:r>
-              <a:rPr lang="en-US" dirty="0"/>
-              <a:t>5 relations</a:t>
-            </a:r>
-          </a:p>
-          <a:p>
-            <a:pPr marL="285750" indent="-285750">
-              <a:buFont typeface="Arial" panose="020B0604020202020204" pitchFamily="34" charset="0"/>
-              <a:buChar char="•"/>
-            </a:pPr>
-            <a:r>
-              <a:rPr lang="en-US" dirty="0"/>
-              <a:t>Left</a:t>
-            </a:r>
-          </a:p>
-          <a:p>
-            <a:pPr marL="285750" indent="-285750">
-              <a:buFont typeface="Arial" panose="020B0604020202020204" pitchFamily="34" charset="0"/>
-              <a:buChar char="•"/>
-            </a:pPr>
-            <a:r>
-              <a:rPr lang="en-US" dirty="0"/>
-              <a:t>Right</a:t>
-            </a:r>
-          </a:p>
-          <a:p>
-            <a:pPr marL="285750" indent="-285750">
-              <a:buFont typeface="Arial" panose="020B0604020202020204" pitchFamily="34" charset="0"/>
-              <a:buChar char="•"/>
-            </a:pPr>
-            <a:r>
-              <a:rPr lang="en-US" dirty="0"/>
-              <a:t>Front</a:t>
-            </a:r>
-          </a:p>
-          <a:p>
-            <a:pPr marL="285750" indent="-285750">
-              <a:buFont typeface="Arial" panose="020B0604020202020204" pitchFamily="34" charset="0"/>
-              <a:buChar char="•"/>
-            </a:pPr>
-            <a:r>
-              <a:rPr lang="en-US" dirty="0"/>
-              <a:t>Behind</a:t>
-            </a:r>
-          </a:p>
-          <a:p>
-            <a:pPr marL="285750" indent="-285750">
-              <a:buFont typeface="Arial" panose="020B0604020202020204" pitchFamily="34" charset="0"/>
-              <a:buChar char="•"/>
-            </a:pPr>
-            <a:r>
-              <a:rPr lang="en-US" dirty="0"/>
-              <a:t>Above</a:t>
-            </a:r>
-          </a:p>
-          <a:p>
-            <a:pPr marL="285750" indent="-285750">
-              <a:buFont typeface="Arial" panose="020B0604020202020204" pitchFamily="34" charset="0"/>
-              <a:buChar char="•"/>
-            </a:pPr>
-            <a:r>
-              <a:rPr lang="en-US" dirty="0"/>
-              <a:t>On</a:t>
-            </a:r>
-          </a:p>
-          <a:p>
-            <a:endParaRPr lang="en-US" dirty="0"/>
-          </a:p>
-        </p:txBody>
-      </p:sp>
-      <p:sp>
-        <p:nvSpPr>
-          <p:cNvPr id="5" name="Oval 4">
-            <a:extLst>
-              <a:ext uri="{FF2B5EF4-FFF2-40B4-BE49-F238E27FC236}">
-                <a16:creationId xmlns:a16="http://schemas.microsoft.com/office/drawing/2014/main" id="{7016D2C4-C1DA-7C14-DE3A-2D43E503DED5}"/>
-              </a:ext>
-            </a:extLst>
-          </p:cNvPr>
-          <p:cNvSpPr/>
-          <p:nvPr/>
-        </p:nvSpPr>
-        <p:spPr>
-          <a:xfrm>
-            <a:off x="1193814" y="5792707"/>
-            <a:ext cx="405233" cy="420414"/>
-          </a:xfrm>
-          <a:prstGeom prst="ellipse">
-            <a:avLst/>
-          </a:prstGeom>
-        </p:spPr>
-        <p:style>
-          <a:lnRef idx="2">
-            <a:schemeClr val="accent1">
-              <a:shade val="50000"/>
-            </a:schemeClr>
-          </a:lnRef>
-          <a:fillRef idx="1">
-            <a:schemeClr val="accent1"/>
-          </a:fillRef>
-          <a:effectRef idx="0">
-            <a:schemeClr val="accent1"/>
-          </a:effectRef>
-          <a:fontRef idx="minor">
-            <a:schemeClr val="lt1"/>
-          </a:fontRef>
-        </p:style>
-        <p:txBody>
-          <a:bodyPr rtlCol="0" anchor="ctr"/>
-          <a:lstStyle/>
-          <a:p>
-            <a:pPr algn="ctr"/>
-            <a:r>
-              <a:rPr lang="en-US" dirty="0"/>
-              <a:t>A</a:t>
-            </a:r>
-          </a:p>
-        </p:txBody>
-      </p:sp>
-      <p:sp>
-        <p:nvSpPr>
-          <p:cNvPr id="6" name="Oval 5">
-            <a:extLst>
-              <a:ext uri="{FF2B5EF4-FFF2-40B4-BE49-F238E27FC236}">
-                <a16:creationId xmlns:a16="http://schemas.microsoft.com/office/drawing/2014/main" id="{79743750-3C5B-E257-AB51-D091010F16AB}"/>
-              </a:ext>
-            </a:extLst>
-          </p:cNvPr>
-          <p:cNvSpPr/>
-          <p:nvPr/>
-        </p:nvSpPr>
-        <p:spPr>
-          <a:xfrm>
-            <a:off x="2601374" y="6002914"/>
-            <a:ext cx="405233" cy="420414"/>
-          </a:xfrm>
-          <a:prstGeom prst="ellipse">
-            <a:avLst/>
-          </a:prstGeom>
-        </p:spPr>
-        <p:style>
-          <a:lnRef idx="2">
-            <a:schemeClr val="accent1">
-              <a:shade val="50000"/>
-            </a:schemeClr>
-          </a:lnRef>
-          <a:fillRef idx="1">
-            <a:schemeClr val="accent1"/>
-          </a:fillRef>
-          <a:effectRef idx="0">
-            <a:schemeClr val="accent1"/>
-          </a:effectRef>
-          <a:fontRef idx="minor">
-            <a:schemeClr val="lt1"/>
-          </a:fontRef>
-        </p:style>
-        <p:txBody>
-          <a:bodyPr rtlCol="0" anchor="ctr"/>
-          <a:lstStyle/>
-          <a:p>
-            <a:pPr algn="ctr"/>
-            <a:r>
-              <a:rPr lang="en-US" dirty="0"/>
-              <a:t>B</a:t>
-            </a:r>
-          </a:p>
-        </p:txBody>
-      </p:sp>
-      <p:sp>
-        <p:nvSpPr>
-          <p:cNvPr id="7" name="Oval 6">
-            <a:extLst>
-              <a:ext uri="{FF2B5EF4-FFF2-40B4-BE49-F238E27FC236}">
-                <a16:creationId xmlns:a16="http://schemas.microsoft.com/office/drawing/2014/main" id="{D3F11292-5AEB-03A5-870C-046C6A8F83A7}"/>
-              </a:ext>
-            </a:extLst>
-          </p:cNvPr>
-          <p:cNvSpPr/>
-          <p:nvPr/>
-        </p:nvSpPr>
-        <p:spPr>
-          <a:xfrm>
-            <a:off x="3706465" y="6002914"/>
-            <a:ext cx="405233" cy="420414"/>
-          </a:xfrm>
-          <a:prstGeom prst="ellipse">
-            <a:avLst/>
-          </a:prstGeom>
-        </p:spPr>
-        <p:style>
-          <a:lnRef idx="2">
-            <a:schemeClr val="accent1">
-              <a:shade val="50000"/>
-            </a:schemeClr>
-          </a:lnRef>
-          <a:fillRef idx="1">
-            <a:schemeClr val="accent1"/>
-          </a:fillRef>
-          <a:effectRef idx="0">
-            <a:schemeClr val="accent1"/>
-          </a:effectRef>
-          <a:fontRef idx="minor">
-            <a:schemeClr val="lt1"/>
-          </a:fontRef>
-        </p:style>
-        <p:txBody>
-          <a:bodyPr rtlCol="0" anchor="ctr"/>
-          <a:lstStyle/>
-          <a:p>
-            <a:pPr algn="ctr"/>
-            <a:r>
-              <a:rPr lang="en-US" dirty="0"/>
-              <a:t>C</a:t>
-            </a:r>
-          </a:p>
-        </p:txBody>
-      </p:sp>
-      <p:sp>
-        <p:nvSpPr>
           <p:cNvPr id="2" name="TextBox 1">
             <a:extLst>
               <a:ext uri="{FF2B5EF4-FFF2-40B4-BE49-F238E27FC236}">
@@ -16341,7 +15263,7 @@
 </p:sld>
 </file>
 
-<file path=ppt/slides/slide23.xml><?xml version="1.0" encoding="utf-8"?>
+<file path=ppt/slides/slide22.xml><?xml version="1.0" encoding="utf-8"?>
 <p:sld xmlns:a="http://schemas.openxmlformats.org/drawingml/2006/main" xmlns:r="http://schemas.openxmlformats.org/officeDocument/2006/relationships" xmlns:p="http://schemas.openxmlformats.org/presentationml/2006/main">
   <p:cSld>
     <p:spTree>

--- a/spatial_relation_vector.pptx
+++ b/spatial_relation_vector.pptx
@@ -5,7 +5,7 @@
     <p:sldMasterId id="2147483660" r:id="rId1"/>
   </p:sldMasterIdLst>
   <p:notesMasterIdLst>
-    <p:notesMasterId r:id="rId24"/>
+    <p:notesMasterId r:id="rId27"/>
   </p:notesMasterIdLst>
   <p:sldIdLst>
     <p:sldId id="256" r:id="rId2"/>
@@ -22,14 +22,17 @@
     <p:sldId id="274" r:id="rId13"/>
     <p:sldId id="275" r:id="rId14"/>
     <p:sldId id="276" r:id="rId15"/>
-    <p:sldId id="280" r:id="rId16"/>
-    <p:sldId id="282" r:id="rId17"/>
-    <p:sldId id="283" r:id="rId18"/>
-    <p:sldId id="285" r:id="rId19"/>
-    <p:sldId id="286" r:id="rId20"/>
-    <p:sldId id="284" r:id="rId21"/>
-    <p:sldId id="287" r:id="rId22"/>
-    <p:sldId id="277" r:id="rId23"/>
+    <p:sldId id="279" r:id="rId16"/>
+    <p:sldId id="280" r:id="rId17"/>
+    <p:sldId id="288" r:id="rId18"/>
+    <p:sldId id="282" r:id="rId19"/>
+    <p:sldId id="283" r:id="rId20"/>
+    <p:sldId id="285" r:id="rId21"/>
+    <p:sldId id="286" r:id="rId22"/>
+    <p:sldId id="284" r:id="rId23"/>
+    <p:sldId id="287" r:id="rId24"/>
+    <p:sldId id="289" r:id="rId25"/>
+    <p:sldId id="277" r:id="rId26"/>
   </p:sldIdLst>
   <p:sldSz cx="12192000" cy="6858000"/>
   <p:notesSz cx="6858000" cy="9144000"/>
@@ -224,7 +227,7 @@
           <a:p>
             <a:fld id="{84E607D3-C6DE-49C0-9A33-FA3231C691CA}" type="datetimeFigureOut">
               <a:rPr lang="en-US" smtClean="0"/>
-              <a:t>20-Dec-22</a:t>
+              <a:t>12/31/22</a:t>
             </a:fld>
             <a:endParaRPr lang="en-US" dirty="0"/>
           </a:p>
@@ -491,6 +494,279 @@
 </p:notesMaster>
 </file>
 
+<file path=ppt/notesSlides/notesSlide1.xml><?xml version="1.0" encoding="utf-8"?>
+<p:notes xmlns:a="http://schemas.openxmlformats.org/drawingml/2006/main" xmlns:r="http://schemas.openxmlformats.org/officeDocument/2006/relationships" xmlns:p="http://schemas.openxmlformats.org/presentationml/2006/main">
+  <p:cSld>
+    <p:spTree>
+      <p:nvGrpSpPr>
+        <p:cNvPr id="1" name=""/>
+        <p:cNvGrpSpPr/>
+        <p:nvPr/>
+      </p:nvGrpSpPr>
+      <p:grpSpPr>
+        <a:xfrm>
+          <a:off x="0" y="0"/>
+          <a:ext cx="0" cy="0"/>
+          <a:chOff x="0" y="0"/>
+          <a:chExt cx="0" cy="0"/>
+        </a:xfrm>
+      </p:grpSpPr>
+      <p:sp>
+        <p:nvSpPr>
+          <p:cNvPr id="2" name="Slide Image Placeholder 1"/>
+          <p:cNvSpPr>
+            <a:spLocks noGrp="1" noRot="1" noChangeAspect="1"/>
+          </p:cNvSpPr>
+          <p:nvPr>
+            <p:ph type="sldImg"/>
+          </p:nvPr>
+        </p:nvSpPr>
+        <p:spPr/>
+      </p:sp>
+      <p:sp>
+        <p:nvSpPr>
+          <p:cNvPr id="3" name="Notes Placeholder 2"/>
+          <p:cNvSpPr>
+            <a:spLocks noGrp="1"/>
+          </p:cNvSpPr>
+          <p:nvPr>
+            <p:ph type="body" idx="1"/>
+          </p:nvPr>
+        </p:nvSpPr>
+        <p:spPr/>
+        <p:txBody>
+          <a:bodyPr/>
+          <a:lstStyle/>
+          <a:p>
+            <a:r>
+              <a:rPr lang="en-US" dirty="0"/>
+              <a:t>Take the training set more general, small ball on the right side as well.</a:t>
+            </a:r>
+          </a:p>
+          <a:p>
+            <a:endParaRPr lang="en-US" dirty="0"/>
+          </a:p>
+          <a:p>
+            <a:endParaRPr lang="en-US" dirty="0"/>
+          </a:p>
+          <a:p>
+            <a:endParaRPr lang="en-US" dirty="0"/>
+          </a:p>
+          <a:p>
+            <a:endParaRPr lang="en-US" dirty="0"/>
+          </a:p>
+        </p:txBody>
+      </p:sp>
+      <p:sp>
+        <p:nvSpPr>
+          <p:cNvPr id="4" name="Slide Number Placeholder 3"/>
+          <p:cNvSpPr>
+            <a:spLocks noGrp="1"/>
+          </p:cNvSpPr>
+          <p:nvPr>
+            <p:ph type="sldNum" sz="quarter" idx="5"/>
+          </p:nvPr>
+        </p:nvSpPr>
+        <p:spPr/>
+        <p:txBody>
+          <a:bodyPr/>
+          <a:lstStyle/>
+          <a:p>
+            <a:fld id="{7BCB1EAA-E905-4B8D-AE8A-CDB584FD47B4}" type="slidenum">
+              <a:rPr lang="en-US" smtClean="0"/>
+              <a:t>4</a:t>
+            </a:fld>
+            <a:endParaRPr lang="en-US" dirty="0"/>
+          </a:p>
+        </p:txBody>
+      </p:sp>
+    </p:spTree>
+    <p:extLst>
+      <p:ext uri="{BB962C8B-B14F-4D97-AF65-F5344CB8AC3E}">
+        <p14:creationId xmlns:p14="http://schemas.microsoft.com/office/powerpoint/2010/main" val="4156009163"/>
+      </p:ext>
+    </p:extLst>
+  </p:cSld>
+  <p:clrMapOvr>
+    <a:masterClrMapping/>
+  </p:clrMapOvr>
+</p:notes>
+</file>
+
+<file path=ppt/notesSlides/notesSlide2.xml><?xml version="1.0" encoding="utf-8"?>
+<p:notes xmlns:a="http://schemas.openxmlformats.org/drawingml/2006/main" xmlns:r="http://schemas.openxmlformats.org/officeDocument/2006/relationships" xmlns:p="http://schemas.openxmlformats.org/presentationml/2006/main">
+  <p:cSld>
+    <p:spTree>
+      <p:nvGrpSpPr>
+        <p:cNvPr id="1" name=""/>
+        <p:cNvGrpSpPr/>
+        <p:nvPr/>
+      </p:nvGrpSpPr>
+      <p:grpSpPr>
+        <a:xfrm>
+          <a:off x="0" y="0"/>
+          <a:ext cx="0" cy="0"/>
+          <a:chOff x="0" y="0"/>
+          <a:chExt cx="0" cy="0"/>
+        </a:xfrm>
+      </p:grpSpPr>
+      <p:sp>
+        <p:nvSpPr>
+          <p:cNvPr id="2" name="Slide Image Placeholder 1"/>
+          <p:cNvSpPr>
+            <a:spLocks noGrp="1" noRot="1" noChangeAspect="1"/>
+          </p:cNvSpPr>
+          <p:nvPr>
+            <p:ph type="sldImg"/>
+          </p:nvPr>
+        </p:nvSpPr>
+        <p:spPr/>
+      </p:sp>
+      <p:sp>
+        <p:nvSpPr>
+          <p:cNvPr id="3" name="Notes Placeholder 2"/>
+          <p:cNvSpPr>
+            <a:spLocks noGrp="1"/>
+          </p:cNvSpPr>
+          <p:nvPr>
+            <p:ph type="body" idx="1"/>
+          </p:nvPr>
+        </p:nvSpPr>
+        <p:spPr/>
+        <p:txBody>
+          <a:bodyPr/>
+          <a:lstStyle/>
+          <a:p>
+            <a:endParaRPr lang="en-US" dirty="0"/>
+          </a:p>
+        </p:txBody>
+      </p:sp>
+      <p:sp>
+        <p:nvSpPr>
+          <p:cNvPr id="4" name="Slide Number Placeholder 3"/>
+          <p:cNvSpPr>
+            <a:spLocks noGrp="1"/>
+          </p:cNvSpPr>
+          <p:nvPr>
+            <p:ph type="sldNum" sz="quarter" idx="5"/>
+          </p:nvPr>
+        </p:nvSpPr>
+        <p:spPr/>
+        <p:txBody>
+          <a:bodyPr/>
+          <a:lstStyle/>
+          <a:p>
+            <a:fld id="{7BCB1EAA-E905-4B8D-AE8A-CDB584FD47B4}" type="slidenum">
+              <a:rPr lang="en-US" smtClean="0"/>
+              <a:t>15</a:t>
+            </a:fld>
+            <a:endParaRPr lang="en-US" dirty="0"/>
+          </a:p>
+        </p:txBody>
+      </p:sp>
+    </p:spTree>
+    <p:extLst>
+      <p:ext uri="{BB962C8B-B14F-4D97-AF65-F5344CB8AC3E}">
+        <p14:creationId xmlns:p14="http://schemas.microsoft.com/office/powerpoint/2010/main" val="450088756"/>
+      </p:ext>
+    </p:extLst>
+  </p:cSld>
+  <p:clrMapOvr>
+    <a:masterClrMapping/>
+  </p:clrMapOvr>
+</p:notes>
+</file>
+
+<file path=ppt/notesSlides/notesSlide3.xml><?xml version="1.0" encoding="utf-8"?>
+<p:notes xmlns:a="http://schemas.openxmlformats.org/drawingml/2006/main" xmlns:r="http://schemas.openxmlformats.org/officeDocument/2006/relationships" xmlns:p="http://schemas.openxmlformats.org/presentationml/2006/main">
+  <p:cSld>
+    <p:spTree>
+      <p:nvGrpSpPr>
+        <p:cNvPr id="1" name=""/>
+        <p:cNvGrpSpPr/>
+        <p:nvPr/>
+      </p:nvGrpSpPr>
+      <p:grpSpPr>
+        <a:xfrm>
+          <a:off x="0" y="0"/>
+          <a:ext cx="0" cy="0"/>
+          <a:chOff x="0" y="0"/>
+          <a:chExt cx="0" cy="0"/>
+        </a:xfrm>
+      </p:grpSpPr>
+      <p:sp>
+        <p:nvSpPr>
+          <p:cNvPr id="2" name="Slide Image Placeholder 1"/>
+          <p:cNvSpPr>
+            <a:spLocks noGrp="1" noRot="1" noChangeAspect="1"/>
+          </p:cNvSpPr>
+          <p:nvPr>
+            <p:ph type="sldImg"/>
+          </p:nvPr>
+        </p:nvSpPr>
+        <p:spPr/>
+      </p:sp>
+      <p:sp>
+        <p:nvSpPr>
+          <p:cNvPr id="3" name="Notes Placeholder 2"/>
+          <p:cNvSpPr>
+            <a:spLocks noGrp="1"/>
+          </p:cNvSpPr>
+          <p:nvPr>
+            <p:ph type="body" idx="1"/>
+          </p:nvPr>
+        </p:nvSpPr>
+        <p:spPr/>
+        <p:txBody>
+          <a:bodyPr/>
+          <a:lstStyle/>
+          <a:p>
+            <a:r>
+              <a:rPr lang="en-US" dirty="0"/>
+              <a:t>Use network to learn a rule, then check the correctness.</a:t>
+            </a:r>
+          </a:p>
+          <a:p>
+            <a:endParaRPr lang="en-US" dirty="0"/>
+          </a:p>
+        </p:txBody>
+      </p:sp>
+      <p:sp>
+        <p:nvSpPr>
+          <p:cNvPr id="4" name="Slide Number Placeholder 3"/>
+          <p:cNvSpPr>
+            <a:spLocks noGrp="1"/>
+          </p:cNvSpPr>
+          <p:nvPr>
+            <p:ph type="sldNum" sz="quarter" idx="5"/>
+          </p:nvPr>
+        </p:nvSpPr>
+        <p:spPr/>
+        <p:txBody>
+          <a:bodyPr/>
+          <a:lstStyle/>
+          <a:p>
+            <a:fld id="{7BCB1EAA-E905-4B8D-AE8A-CDB584FD47B4}" type="slidenum">
+              <a:rPr lang="en-US" smtClean="0"/>
+              <a:t>17</a:t>
+            </a:fld>
+            <a:endParaRPr lang="en-US" dirty="0"/>
+          </a:p>
+        </p:txBody>
+      </p:sp>
+    </p:spTree>
+    <p:extLst>
+      <p:ext uri="{BB962C8B-B14F-4D97-AF65-F5344CB8AC3E}">
+        <p14:creationId xmlns:p14="http://schemas.microsoft.com/office/powerpoint/2010/main" val="852103722"/>
+      </p:ext>
+    </p:extLst>
+  </p:cSld>
+  <p:clrMapOvr>
+    <a:masterClrMapping/>
+  </p:clrMapOvr>
+</p:notes>
+</file>
+
 <file path=ppt/slideLayouts/slideLayout1.xml><?xml version="1.0" encoding="utf-8"?>
 <p:sldLayout xmlns:a="http://schemas.openxmlformats.org/drawingml/2006/main" xmlns:r="http://schemas.openxmlformats.org/officeDocument/2006/relationships" xmlns:p="http://schemas.openxmlformats.org/presentationml/2006/main" type="title" preserve="1">
   <p:cSld name="Title Slide">
@@ -638,7 +914,7 @@
           <a:p>
             <a:fld id="{B2B149FD-7C5B-4276-A951-5649DCFA9F7C}" type="datetimeFigureOut">
               <a:rPr lang="en-US" smtClean="0"/>
-              <a:t>20-Dec-22</a:t>
+              <a:t>12/31/22</a:t>
             </a:fld>
             <a:endParaRPr lang="en-US" dirty="0"/>
           </a:p>
@@ -836,7 +1112,7 @@
           <a:p>
             <a:fld id="{B2B149FD-7C5B-4276-A951-5649DCFA9F7C}" type="datetimeFigureOut">
               <a:rPr lang="en-US" smtClean="0"/>
-              <a:t>20-Dec-22</a:t>
+              <a:t>12/31/22</a:t>
             </a:fld>
             <a:endParaRPr lang="en-US" dirty="0"/>
           </a:p>
@@ -1044,7 +1320,7 @@
           <a:p>
             <a:fld id="{B2B149FD-7C5B-4276-A951-5649DCFA9F7C}" type="datetimeFigureOut">
               <a:rPr lang="en-US" smtClean="0"/>
-              <a:t>20-Dec-22</a:t>
+              <a:t>12/31/22</a:t>
             </a:fld>
             <a:endParaRPr lang="en-US" dirty="0"/>
           </a:p>
@@ -1242,7 +1518,7 @@
           <a:p>
             <a:fld id="{B2B149FD-7C5B-4276-A951-5649DCFA9F7C}" type="datetimeFigureOut">
               <a:rPr lang="en-US" smtClean="0"/>
-              <a:t>20-Dec-22</a:t>
+              <a:t>12/31/22</a:t>
             </a:fld>
             <a:endParaRPr lang="en-US" dirty="0"/>
           </a:p>
@@ -1517,7 +1793,7 @@
           <a:p>
             <a:fld id="{B2B149FD-7C5B-4276-A951-5649DCFA9F7C}" type="datetimeFigureOut">
               <a:rPr lang="en-US" smtClean="0"/>
-              <a:t>20-Dec-22</a:t>
+              <a:t>12/31/22</a:t>
             </a:fld>
             <a:endParaRPr lang="en-US" dirty="0"/>
           </a:p>
@@ -1782,7 +2058,7 @@
           <a:p>
             <a:fld id="{B2B149FD-7C5B-4276-A951-5649DCFA9F7C}" type="datetimeFigureOut">
               <a:rPr lang="en-US" smtClean="0"/>
-              <a:t>20-Dec-22</a:t>
+              <a:t>12/31/22</a:t>
             </a:fld>
             <a:endParaRPr lang="en-US" dirty="0"/>
           </a:p>
@@ -2194,7 +2470,7 @@
           <a:p>
             <a:fld id="{B2B149FD-7C5B-4276-A951-5649DCFA9F7C}" type="datetimeFigureOut">
               <a:rPr lang="en-US" smtClean="0"/>
-              <a:t>20-Dec-22</a:t>
+              <a:t>12/31/22</a:t>
             </a:fld>
             <a:endParaRPr lang="en-US" dirty="0"/>
           </a:p>
@@ -2335,7 +2611,7 @@
           <a:p>
             <a:fld id="{B2B149FD-7C5B-4276-A951-5649DCFA9F7C}" type="datetimeFigureOut">
               <a:rPr lang="en-US" smtClean="0"/>
-              <a:t>20-Dec-22</a:t>
+              <a:t>12/31/22</a:t>
             </a:fld>
             <a:endParaRPr lang="en-US" dirty="0"/>
           </a:p>
@@ -2448,7 +2724,7 @@
           <a:p>
             <a:fld id="{B2B149FD-7C5B-4276-A951-5649DCFA9F7C}" type="datetimeFigureOut">
               <a:rPr lang="en-US" smtClean="0"/>
-              <a:t>20-Dec-22</a:t>
+              <a:t>12/31/22</a:t>
             </a:fld>
             <a:endParaRPr lang="en-US" dirty="0"/>
           </a:p>
@@ -2759,7 +3035,7 @@
           <a:p>
             <a:fld id="{B2B149FD-7C5B-4276-A951-5649DCFA9F7C}" type="datetimeFigureOut">
               <a:rPr lang="en-US" smtClean="0"/>
-              <a:t>20-Dec-22</a:t>
+              <a:t>12/31/22</a:t>
             </a:fld>
             <a:endParaRPr lang="en-US" dirty="0"/>
           </a:p>
@@ -3047,7 +3323,7 @@
           <a:p>
             <a:fld id="{B2B149FD-7C5B-4276-A951-5649DCFA9F7C}" type="datetimeFigureOut">
               <a:rPr lang="en-US" smtClean="0"/>
-              <a:t>20-Dec-22</a:t>
+              <a:t>12/31/22</a:t>
             </a:fld>
             <a:endParaRPr lang="en-US" dirty="0"/>
           </a:p>
@@ -3288,7 +3564,7 @@
           <a:p>
             <a:fld id="{B2B149FD-7C5B-4276-A951-5649DCFA9F7C}" type="datetimeFigureOut">
               <a:rPr lang="en-US" smtClean="0"/>
-              <a:t>20-Dec-22</a:t>
+              <a:t>12/31/22</a:t>
             </a:fld>
             <a:endParaRPr lang="en-US" dirty="0"/>
           </a:p>
@@ -7548,6 +7824,42 @@
           <a:chExt cx="0" cy="0"/>
         </a:xfrm>
       </p:grpSpPr>
+      <p:pic>
+        <p:nvPicPr>
+          <p:cNvPr id="2" name="Picture 1" descr="A picture containing pool ball&#10;&#10;Description automatically generated">
+            <a:extLst>
+              <a:ext uri="{FF2B5EF4-FFF2-40B4-BE49-F238E27FC236}">
+                <a16:creationId xmlns:a16="http://schemas.microsoft.com/office/drawing/2014/main" id="{9FE05962-B185-8D2D-F423-EF26475BA95A}"/>
+              </a:ext>
+            </a:extLst>
+          </p:cNvPr>
+          <p:cNvPicPr>
+            <a:picLocks noChangeAspect="1"/>
+          </p:cNvPicPr>
+          <p:nvPr/>
+        </p:nvPicPr>
+        <p:blipFill>
+          <a:blip r:embed="rId3">
+            <a:extLst>
+              <a:ext uri="{28A0092B-C50C-407E-A947-70E740481C1C}">
+                <a14:useLocalDpi xmlns:a14="http://schemas.microsoft.com/office/drawing/2010/main" val="0"/>
+              </a:ext>
+            </a:extLst>
+          </a:blip>
+          <a:stretch>
+            <a:fillRect/>
+          </a:stretch>
+        </p:blipFill>
+        <p:spPr>
+          <a:xfrm>
+            <a:off x="491968" y="4636670"/>
+            <a:ext cx="1936633" cy="1936633"/>
+          </a:xfrm>
+          <a:prstGeom prst="rect">
+            <a:avLst/>
+          </a:prstGeom>
+        </p:spPr>
+      </p:pic>
       <p:sp>
         <p:nvSpPr>
           <p:cNvPr id="6" name="TextBox 5">
@@ -7585,7 +7897,7 @@
                   <a:srgbClr val="FFFF00"/>
                 </a:highlight>
               </a:rPr>
-              <a:t>Sphere</a:t>
+              <a:t>Sphere, Small, Red</a:t>
             </a:r>
             <a:r>
               <a:rPr lang="en-US" dirty="0"/>
@@ -7597,11 +7909,7 @@
                   <a:srgbClr val="00FF00"/>
                 </a:highlight>
               </a:rPr>
-              <a:t>Small</a:t>
-            </a:r>
-            <a:r>
-              <a:rPr lang="en-US" dirty="0"/>
-              <a:t>, Red, Left</a:t>
+              <a:t>Left</a:t>
             </a:r>
           </a:p>
           <a:p>
@@ -7609,36 +7917,8 @@
               <a:buAutoNum type="alphaUcPeriod"/>
             </a:pPr>
             <a:r>
-              <a:rPr lang="en-US" dirty="0">
-                <a:highlight>
-                  <a:srgbClr val="FFFF00"/>
-                </a:highlight>
-              </a:rPr>
-              <a:t>Sphere</a:t>
-            </a:r>
-            <a:r>
-              <a:rPr lang="en-US" dirty="0"/>
-              <a:t>, </a:t>
-            </a:r>
-            <a:r>
-              <a:rPr lang="en-US" dirty="0">
-                <a:highlight>
-                  <a:srgbClr val="00FF00"/>
-                </a:highlight>
-              </a:rPr>
-              <a:t>Big</a:t>
-            </a:r>
-            <a:r>
-              <a:rPr lang="en-US" dirty="0"/>
-              <a:t>, Green, </a:t>
-            </a:r>
-            <a:r>
-              <a:rPr lang="en-US" dirty="0">
-                <a:highlight>
-                  <a:srgbClr val="FF00FF"/>
-                </a:highlight>
-              </a:rPr>
-              <a:t>Behind</a:t>
+              <a:rPr lang="en-US" dirty="0"/>
+              <a:t>Sphere, Big, Green, Behind</a:t>
             </a:r>
           </a:p>
           <a:p>
@@ -7646,36 +7926,8 @@
               <a:buAutoNum type="alphaUcPeriod"/>
             </a:pPr>
             <a:r>
-              <a:rPr lang="en-US" dirty="0">
-                <a:highlight>
-                  <a:srgbClr val="FFFF00"/>
-                </a:highlight>
-              </a:rPr>
-              <a:t>Cube</a:t>
-            </a:r>
-            <a:r>
-              <a:rPr lang="en-US" dirty="0"/>
-              <a:t>, </a:t>
-            </a:r>
-            <a:r>
-              <a:rPr lang="en-US" dirty="0">
-                <a:highlight>
-                  <a:srgbClr val="00FF00"/>
-                </a:highlight>
-              </a:rPr>
-              <a:t>Big</a:t>
-            </a:r>
-            <a:r>
-              <a:rPr lang="en-US" dirty="0"/>
-              <a:t>, Green, </a:t>
-            </a:r>
-            <a:r>
-              <a:rPr lang="en-US" dirty="0">
-                <a:highlight>
-                  <a:srgbClr val="FF00FF"/>
-                </a:highlight>
-              </a:rPr>
-              <a:t>Front</a:t>
+              <a:rPr lang="en-US" dirty="0"/>
+              <a:t>Cube, Big, Green, Front</a:t>
             </a:r>
           </a:p>
           <a:p>
@@ -7698,7 +7950,7 @@
           <p:nvPr/>
         </p:nvPicPr>
         <p:blipFill rotWithShape="1">
-          <a:blip r:embed="rId2"/>
+          <a:blip r:embed="rId4"/>
           <a:srcRect l="4531" r="7" b="7"/>
           <a:stretch/>
         </p:blipFill>
@@ -7874,7 +8126,7 @@
           <p:nvPr/>
         </p:nvPicPr>
         <p:blipFill rotWithShape="1">
-          <a:blip r:embed="rId3"/>
+          <a:blip r:embed="rId5"/>
           <a:srcRect l="4108" r="3" b="3"/>
           <a:stretch/>
         </p:blipFill>
@@ -8072,7 +8324,7 @@
                   <a:srgbClr val="FFFF00"/>
                 </a:highlight>
               </a:rPr>
-              <a:t>Sphere</a:t>
+              <a:t>Sphere, Small, Red</a:t>
             </a:r>
             <a:r>
               <a:rPr lang="en-US" dirty="0"/>
@@ -8084,11 +8336,7 @@
                   <a:srgbClr val="00FF00"/>
                 </a:highlight>
               </a:rPr>
-              <a:t>Small</a:t>
-            </a:r>
-            <a:r>
-              <a:rPr lang="en-US" dirty="0"/>
-              <a:t>, Red, Left</a:t>
+              <a:t>Left</a:t>
             </a:r>
           </a:p>
           <a:p>
@@ -8096,36 +8344,8 @@
               <a:buAutoNum type="alphaUcPeriod"/>
             </a:pPr>
             <a:r>
-              <a:rPr lang="en-US" dirty="0">
-                <a:highlight>
-                  <a:srgbClr val="FFFF00"/>
-                </a:highlight>
-              </a:rPr>
-              <a:t>Sphere</a:t>
-            </a:r>
-            <a:r>
-              <a:rPr lang="en-US" dirty="0"/>
-              <a:t>, </a:t>
-            </a:r>
-            <a:r>
-              <a:rPr lang="en-US" dirty="0">
-                <a:highlight>
-                  <a:srgbClr val="00FF00"/>
-                </a:highlight>
-              </a:rPr>
-              <a:t>Big</a:t>
-            </a:r>
-            <a:r>
-              <a:rPr lang="en-US" dirty="0"/>
-              <a:t>, Blue, </a:t>
-            </a:r>
-            <a:r>
-              <a:rPr lang="en-US" dirty="0">
-                <a:highlight>
-                  <a:srgbClr val="FF00FF"/>
-                </a:highlight>
-              </a:rPr>
-              <a:t>Behind</a:t>
+              <a:rPr lang="en-US" dirty="0"/>
+              <a:t>Sphere, Big, Blue, Behind</a:t>
             </a:r>
           </a:p>
           <a:p>
@@ -8133,36 +8353,8 @@
               <a:buAutoNum type="alphaUcPeriod"/>
             </a:pPr>
             <a:r>
-              <a:rPr lang="en-US" dirty="0">
-                <a:highlight>
-                  <a:srgbClr val="FFFF00"/>
-                </a:highlight>
-              </a:rPr>
-              <a:t>Cube</a:t>
-            </a:r>
-            <a:r>
-              <a:rPr lang="en-US" dirty="0"/>
-              <a:t>, </a:t>
-            </a:r>
-            <a:r>
-              <a:rPr lang="en-US" dirty="0">
-                <a:highlight>
-                  <a:srgbClr val="00FF00"/>
-                </a:highlight>
-              </a:rPr>
-              <a:t>Big</a:t>
-            </a:r>
-            <a:r>
-              <a:rPr lang="en-US" dirty="0"/>
-              <a:t>, Blue, </a:t>
-            </a:r>
-            <a:r>
-              <a:rPr lang="en-US" dirty="0">
-                <a:highlight>
-                  <a:srgbClr val="FF00FF"/>
-                </a:highlight>
-              </a:rPr>
-              <a:t>Front</a:t>
+              <a:rPr lang="en-US" dirty="0"/>
+              <a:t>Cube, Big, Blue, Front</a:t>
             </a:r>
           </a:p>
           <a:p>
@@ -8205,35 +8397,6 @@
           </a:p>
         </p:txBody>
       </p:sp>
-      <p:pic>
-        <p:nvPicPr>
-          <p:cNvPr id="7" name="Picture 6" descr="A picture containing orange&#10;&#10;Description automatically generated">
-            <a:extLst>
-              <a:ext uri="{FF2B5EF4-FFF2-40B4-BE49-F238E27FC236}">
-                <a16:creationId xmlns:a16="http://schemas.microsoft.com/office/drawing/2014/main" id="{ECBDCDEC-9659-E34E-E348-B9CFEC57DF66}"/>
-              </a:ext>
-            </a:extLst>
-          </p:cNvPr>
-          <p:cNvPicPr>
-            <a:picLocks noChangeAspect="1"/>
-          </p:cNvPicPr>
-          <p:nvPr/>
-        </p:nvPicPr>
-        <p:blipFill rotWithShape="1">
-          <a:blip r:embed="rId4"/>
-          <a:srcRect r="3935" b="2"/>
-          <a:stretch/>
-        </p:blipFill>
-        <p:spPr>
-          <a:xfrm>
-            <a:off x="496028" y="4723257"/>
-            <a:ext cx="1940168" cy="2019600"/>
-          </a:xfrm>
-          <a:prstGeom prst="rect">
-            <a:avLst/>
-          </a:prstGeom>
-        </p:spPr>
-      </p:pic>
       <p:sp>
         <p:nvSpPr>
           <p:cNvPr id="9" name="Oval 8">
@@ -8248,7 +8411,7 @@
         </p:nvSpPr>
         <p:spPr>
           <a:xfrm>
-            <a:off x="1406437" y="6160409"/>
+            <a:off x="1802052" y="5563778"/>
             <a:ext cx="405233" cy="420414"/>
           </a:xfrm>
           <a:prstGeom prst="ellipse">
@@ -8297,7 +8460,7 @@
         </p:nvSpPr>
         <p:spPr>
           <a:xfrm>
-            <a:off x="1456013" y="5465613"/>
+            <a:off x="1080959" y="5606411"/>
             <a:ext cx="405233" cy="420414"/>
           </a:xfrm>
           <a:prstGeom prst="ellipse">
@@ -8346,8 +8509,8 @@
         </p:nvSpPr>
         <p:spPr>
           <a:xfrm>
-            <a:off x="2673678" y="5380494"/>
-            <a:ext cx="3422322" cy="646331"/>
+            <a:off x="2774482" y="5143321"/>
+            <a:ext cx="3422322" cy="923330"/>
           </a:xfrm>
           <a:prstGeom prst="rect">
             <a:avLst/>
@@ -8369,7 +8532,7 @@
                   <a:srgbClr val="FFFF00"/>
                 </a:highlight>
               </a:rPr>
-              <a:t>Cube</a:t>
+              <a:t>Sphere, small, Red</a:t>
             </a:r>
             <a:r>
               <a:rPr lang="en-US" dirty="0"/>
@@ -8378,22 +8541,10 @@
             <a:r>
               <a:rPr lang="en-US" dirty="0">
                 <a:highlight>
-                  <a:srgbClr val="00FF00"/>
+                  <a:srgbClr val="00FFFF"/>
                 </a:highlight>
               </a:rPr>
-              <a:t>Big</a:t>
-            </a:r>
-            <a:r>
-              <a:rPr lang="en-US" dirty="0"/>
-              <a:t>, Green, </a:t>
-            </a:r>
-            <a:r>
-              <a:rPr lang="en-US" dirty="0">
-                <a:highlight>
-                  <a:srgbClr val="FF00FF"/>
-                </a:highlight>
-              </a:rPr>
-              <a:t>Front</a:t>
+              <a:t>Right</a:t>
             </a:r>
           </a:p>
           <a:p>
@@ -8401,36 +8552,17 @@
               <a:buAutoNum type="alphaUcPeriod"/>
             </a:pPr>
             <a:r>
-              <a:rPr lang="en-US" dirty="0">
-                <a:highlight>
-                  <a:srgbClr val="FFFF00"/>
-                </a:highlight>
-              </a:rPr>
-              <a:t>Sphere</a:t>
-            </a:r>
-            <a:r>
-              <a:rPr lang="en-US" dirty="0"/>
-              <a:t>, </a:t>
-            </a:r>
-            <a:r>
-              <a:rPr lang="en-US" dirty="0">
-                <a:highlight>
-                  <a:srgbClr val="00FF00"/>
-                </a:highlight>
-              </a:rPr>
-              <a:t>Small</a:t>
-            </a:r>
-            <a:r>
-              <a:rPr lang="en-US" dirty="0"/>
-              <a:t>, Blue, </a:t>
-            </a:r>
-            <a:r>
-              <a:rPr lang="en-US" dirty="0">
-                <a:highlight>
-                  <a:srgbClr val="FF00FF"/>
-                </a:highlight>
-              </a:rPr>
-              <a:t>Behind</a:t>
+              <a:rPr lang="en-US" dirty="0"/>
+              <a:t>Sphere, Big, Red, Left</a:t>
+            </a:r>
+          </a:p>
+          <a:p>
+            <a:pPr marL="342900" indent="-342900">
+              <a:buAutoNum type="alphaUcPeriod"/>
+            </a:pPr>
+            <a:r>
+              <a:rPr lang="en-US" dirty="0"/>
+              <a:t>Cube, Big, Green, Left</a:t>
             </a:r>
           </a:p>
         </p:txBody>
@@ -8449,7 +8581,7 @@
         </p:nvSpPr>
         <p:spPr>
           <a:xfrm>
-            <a:off x="6529555" y="487384"/>
+            <a:off x="6601801" y="498440"/>
             <a:ext cx="4442537" cy="646331"/>
           </a:xfrm>
           <a:prstGeom prst="rect">
@@ -8471,17 +8603,17 @@
           <a:p>
             <a:r>
               <a:rPr lang="en-US" dirty="0"/>
-              <a:t>Then, add attributes as  priors to each rules</a:t>
-            </a:r>
-          </a:p>
-        </p:txBody>
-      </p:sp>
-      <p:sp>
-        <p:nvSpPr>
-          <p:cNvPr id="15" name="TextBox 14">
-            <a:extLst>
-              <a:ext uri="{FF2B5EF4-FFF2-40B4-BE49-F238E27FC236}">
-                <a16:creationId xmlns:a16="http://schemas.microsoft.com/office/drawing/2014/main" id="{CA059608-3EAB-1E9D-2CB0-D20D3A206D77}"/>
+              <a:t>Find objects that exist in all images</a:t>
+            </a:r>
+          </a:p>
+        </p:txBody>
+      </p:sp>
+      <p:sp>
+        <p:nvSpPr>
+          <p:cNvPr id="14" name="TextBox 13">
+            <a:extLst>
+              <a:ext uri="{FF2B5EF4-FFF2-40B4-BE49-F238E27FC236}">
+                <a16:creationId xmlns:a16="http://schemas.microsoft.com/office/drawing/2014/main" id="{77D7668C-374B-DD95-6723-44C959CECB4E}"/>
               </a:ext>
             </a:extLst>
           </p:cNvPr>
@@ -8490,8 +8622,8 @@
         </p:nvSpPr>
         <p:spPr>
           <a:xfrm>
-            <a:off x="6887342" y="1401090"/>
-            <a:ext cx="2790913" cy="3970318"/>
+            <a:off x="6669382" y="1692279"/>
+            <a:ext cx="3882177" cy="2585323"/>
           </a:xfrm>
           <a:prstGeom prst="rect">
             <a:avLst/>
@@ -8504,43 +8636,19 @@
           </a:bodyPr>
           <a:lstStyle/>
           <a:p>
+            <a:r>
+              <a:rPr lang="en-US" dirty="0"/>
+              <a:t>Rules can be found (not complete )</a:t>
+            </a:r>
+          </a:p>
+          <a:p>
             <a:pPr marL="285750" indent="-285750">
               <a:buFont typeface="Arial" panose="020B0604020202020204" pitchFamily="34" charset="0"/>
               <a:buChar char="•"/>
             </a:pPr>
             <a:r>
               <a:rPr lang="en-US" dirty="0"/>
-              <a:t>Sphere, small</a:t>
-            </a:r>
-          </a:p>
-          <a:p>
-            <a:pPr marL="742950" lvl="1" indent="-285750">
-              <a:buFont typeface="Arial" panose="020B0604020202020204" pitchFamily="34" charset="0"/>
-              <a:buChar char="•"/>
-            </a:pPr>
-            <a:r>
-              <a:rPr lang="en-US" dirty="0"/>
-              <a:t>red(2)</a:t>
-            </a:r>
-          </a:p>
-          <a:p>
-            <a:pPr marL="742950" lvl="1" indent="-285750">
-              <a:buFont typeface="Arial" panose="020B0604020202020204" pitchFamily="34" charset="0"/>
-              <a:buChar char="•"/>
-            </a:pPr>
-            <a:r>
-              <a:rPr lang="en-US" dirty="0"/>
-              <a:t>left(2)</a:t>
-            </a:r>
-          </a:p>
-          <a:p>
-            <a:pPr marL="742950" lvl="1" indent="-285750">
-              <a:buFont typeface="Arial" panose="020B0604020202020204" pitchFamily="34" charset="0"/>
-              <a:buChar char="•"/>
-            </a:pPr>
-            <a:r>
-              <a:rPr lang="en-US" dirty="0"/>
-              <a:t>Left, red (2)</a:t>
+              <a:t>Sphere, Big</a:t>
             </a:r>
           </a:p>
           <a:p>
@@ -8550,7 +8658,7 @@
             </a:pPr>
             <a:r>
               <a:rPr lang="en-US" dirty="0"/>
-              <a:t>Sphere, behind</a:t>
+              <a:t>Big, Behind</a:t>
             </a:r>
           </a:p>
           <a:p>
@@ -8560,27 +8668,7 @@
             </a:pPr>
             <a:r>
               <a:rPr lang="en-US" dirty="0"/>
-              <a:t>Cube, big</a:t>
-            </a:r>
-          </a:p>
-          <a:p>
-            <a:pPr marL="742950" lvl="1" indent="-285750">
-              <a:buFont typeface="Arial" panose="020B0604020202020204" pitchFamily="34" charset="0"/>
-              <a:buChar char="•"/>
-            </a:pPr>
-            <a:r>
-              <a:rPr lang="en-US" dirty="0"/>
-              <a:t>Front (3)</a:t>
-            </a:r>
-          </a:p>
-          <a:p>
-            <a:pPr marL="742950" lvl="1" indent="-285750">
-              <a:buFont typeface="Arial" panose="020B0604020202020204" pitchFamily="34" charset="0"/>
-              <a:buChar char="•"/>
-            </a:pPr>
-            <a:r>
-              <a:rPr lang="en-US" dirty="0"/>
-              <a:t>Green, Front (2)</a:t>
+              <a:t>Sphere, Behind</a:t>
             </a:r>
           </a:p>
           <a:p>
@@ -8590,34 +8678,7 @@
             </a:pPr>
             <a:r>
               <a:rPr lang="en-US" dirty="0"/>
-              <a:t>Big, Front</a:t>
-            </a:r>
-          </a:p>
-          <a:p>
-            <a:pPr marL="742950" lvl="1" indent="-285750">
-              <a:buFont typeface="Arial" panose="020B0604020202020204" pitchFamily="34" charset="0"/>
-              <a:buChar char="•"/>
-            </a:pPr>
-            <a:r>
-              <a:rPr lang="en-US" dirty="0"/>
-              <a:t>Cube (3)</a:t>
-            </a:r>
-          </a:p>
-          <a:p>
-            <a:pPr marL="742950" lvl="1" indent="-285750">
-              <a:buFont typeface="Arial" panose="020B0604020202020204" pitchFamily="34" charset="0"/>
-              <a:buChar char="•"/>
-            </a:pPr>
-            <a:endParaRPr lang="en-US" dirty="0"/>
-          </a:p>
-          <a:p>
-            <a:pPr marL="742950" lvl="1" indent="-285750">
-              <a:buFont typeface="Arial" panose="020B0604020202020204" pitchFamily="34" charset="0"/>
-              <a:buChar char="•"/>
-            </a:pPr>
-            <a:r>
-              <a:rPr lang="en-US" dirty="0"/>
-              <a:t>Cube, Green (2)</a:t>
+              <a:t>Sphere, Big, Behind</a:t>
             </a:r>
           </a:p>
           <a:p>
@@ -8627,7 +8688,7 @@
             </a:pPr>
             <a:r>
               <a:rPr lang="en-US" dirty="0"/>
-              <a:t>Cube, Front </a:t>
+              <a:t>Cube, big</a:t>
             </a:r>
           </a:p>
           <a:p>
@@ -8637,7 +8698,27 @@
             </a:pPr>
             <a:r>
               <a:rPr lang="en-US" dirty="0"/>
-              <a:t>Cube, Big, Front</a:t>
+              <a:t>Big, Front</a:t>
+            </a:r>
+          </a:p>
+          <a:p>
+            <a:pPr marL="285750" indent="-285750">
+              <a:buFont typeface="Arial" panose="020B0604020202020204" pitchFamily="34" charset="0"/>
+              <a:buChar char="•"/>
+            </a:pPr>
+            <a:r>
+              <a:rPr lang="en-US" dirty="0"/>
+              <a:t>Cube, Front</a:t>
+            </a:r>
+          </a:p>
+          <a:p>
+            <a:pPr marL="285750" indent="-285750">
+              <a:buFont typeface="Arial" panose="020B0604020202020204" pitchFamily="34" charset="0"/>
+              <a:buChar char="•"/>
+            </a:pPr>
+            <a:r>
+              <a:rPr lang="en-US" dirty="0"/>
+              <a:t>Cube, big, Front</a:t>
             </a:r>
           </a:p>
         </p:txBody>
@@ -8647,7 +8728,7 @@
           <p:cNvPr id="4" name="TextBox 3">
             <a:extLst>
               <a:ext uri="{FF2B5EF4-FFF2-40B4-BE49-F238E27FC236}">
-                <a16:creationId xmlns:a16="http://schemas.microsoft.com/office/drawing/2014/main" id="{AA39B9DA-1915-347A-DF50-A6A1B1AD827F}"/>
+                <a16:creationId xmlns:a16="http://schemas.microsoft.com/office/drawing/2014/main" id="{887F491C-B8A4-AC40-8467-CC280FAD66D7}"/>
               </a:ext>
             </a:extLst>
           </p:cNvPr>
@@ -8656,8 +8737,8 @@
         </p:nvSpPr>
         <p:spPr>
           <a:xfrm>
-            <a:off x="9520647" y="6373525"/>
-            <a:ext cx="2529832" cy="369332"/>
+            <a:off x="6854926" y="4594906"/>
+            <a:ext cx="1012503" cy="369332"/>
           </a:xfrm>
           <a:prstGeom prst="rect">
             <a:avLst/>
@@ -8672,42 +8753,56 @@
           <a:p>
             <a:r>
               <a:rPr lang="en-US" dirty="0"/>
-              <a:t>Exist Rule/ For All Rule</a:t>
-            </a:r>
-          </a:p>
-        </p:txBody>
-      </p:sp>
-      <p:sp>
-        <p:nvSpPr>
-          <p:cNvPr id="2" name="TextBox 1">
-            <a:extLst>
-              <a:ext uri="{FF2B5EF4-FFF2-40B4-BE49-F238E27FC236}">
-                <a16:creationId xmlns:a16="http://schemas.microsoft.com/office/drawing/2014/main" id="{5EEB7A4B-7112-AC99-258A-BBE44514AE4E}"/>
-              </a:ext>
-            </a:extLst>
-          </p:cNvPr>
-          <p:cNvSpPr txBox="1"/>
+              <a:t>8 rules</a:t>
+            </a:r>
+          </a:p>
+        </p:txBody>
+      </p:sp>
+      <p:sp>
+        <p:nvSpPr>
+          <p:cNvPr id="5" name="Oval 4">
+            <a:extLst>
+              <a:ext uri="{FF2B5EF4-FFF2-40B4-BE49-F238E27FC236}">
+                <a16:creationId xmlns:a16="http://schemas.microsoft.com/office/drawing/2014/main" id="{8982E461-1645-F0DC-7C20-97B624940C12}"/>
+              </a:ext>
+            </a:extLst>
+          </p:cNvPr>
+          <p:cNvSpPr/>
           <p:nvPr/>
         </p:nvSpPr>
         <p:spPr>
           <a:xfrm>
-            <a:off x="7447292" y="5486727"/>
-            <a:ext cx="1186140" cy="369332"/>
-          </a:xfrm>
-          <a:prstGeom prst="rect">
-            <a:avLst/>
-          </a:prstGeom>
-          <a:noFill/>
-        </p:spPr>
-        <p:txBody>
-          <a:bodyPr wrap="square" rtlCol="0">
-            <a:spAutoFit/>
-          </a:bodyPr>
-          <a:lstStyle/>
-          <a:p>
-            <a:r>
-              <a:rPr lang="en-US" dirty="0"/>
-              <a:t>7 rules</a:t>
+            <a:off x="820918" y="4875340"/>
+            <a:ext cx="405233" cy="420414"/>
+          </a:xfrm>
+          <a:prstGeom prst="ellipse">
+            <a:avLst/>
+          </a:prstGeom>
+        </p:spPr>
+        <p:style>
+          <a:lnRef idx="2">
+            <a:schemeClr val="accent1">
+              <a:shade val="50000"/>
+            </a:schemeClr>
+          </a:lnRef>
+          <a:fillRef idx="1">
+            <a:schemeClr val="accent1"/>
+          </a:fillRef>
+          <a:effectRef idx="0">
+            <a:schemeClr val="accent1"/>
+          </a:effectRef>
+          <a:fontRef idx="minor">
+            <a:schemeClr val="lt1"/>
+          </a:fontRef>
+        </p:style>
+        <p:txBody>
+          <a:bodyPr rtlCol="0" anchor="ctr"/>
+          <a:lstStyle/>
+          <a:p>
+            <a:pPr algn="ctr"/>
+            <a:r>
+              <a:rPr lang="en-US" dirty="0"/>
+              <a:t>C</a:t>
             </a:r>
           </a:p>
         </p:txBody>
@@ -8715,7 +8810,7 @@
     </p:spTree>
     <p:extLst>
       <p:ext uri="{BB962C8B-B14F-4D97-AF65-F5344CB8AC3E}">
-        <p14:creationId xmlns:p14="http://schemas.microsoft.com/office/powerpoint/2010/main" val="2111177412"/>
+        <p14:creationId xmlns:p14="http://schemas.microsoft.com/office/powerpoint/2010/main" val="3437231410"/>
       </p:ext>
     </p:extLst>
   </p:cSld>
@@ -8742,114 +8837,6 @@
           <a:chExt cx="0" cy="0"/>
         </a:xfrm>
       </p:grpSpPr>
-      <p:pic>
-        <p:nvPicPr>
-          <p:cNvPr id="25" name="Picture 24">
-            <a:extLst>
-              <a:ext uri="{FF2B5EF4-FFF2-40B4-BE49-F238E27FC236}">
-                <a16:creationId xmlns:a16="http://schemas.microsoft.com/office/drawing/2014/main" id="{0F1B27DF-2D2E-8860-533F-120F28114A7F}"/>
-              </a:ext>
-            </a:extLst>
-          </p:cNvPr>
-          <p:cNvPicPr>
-            <a:picLocks noChangeAspect="1"/>
-          </p:cNvPicPr>
-          <p:nvPr/>
-        </p:nvPicPr>
-        <p:blipFill>
-          <a:blip r:embed="rId2">
-            <a:extLst>
-              <a:ext uri="{28A0092B-C50C-407E-A947-70E740481C1C}">
-                <a14:useLocalDpi xmlns:a14="http://schemas.microsoft.com/office/drawing/2010/main" val="0"/>
-              </a:ext>
-            </a:extLst>
-          </a:blip>
-          <a:stretch>
-            <a:fillRect/>
-          </a:stretch>
-        </p:blipFill>
-        <p:spPr>
-          <a:xfrm>
-            <a:off x="356539" y="4734367"/>
-            <a:ext cx="2019600" cy="2019600"/>
-          </a:xfrm>
-          <a:prstGeom prst="rect">
-            <a:avLst/>
-          </a:prstGeom>
-        </p:spPr>
-      </p:pic>
-      <p:pic>
-        <p:nvPicPr>
-          <p:cNvPr id="13" name="Picture 12" descr="A picture containing vector graphics&#10;&#10;Description automatically generated">
-            <a:extLst>
-              <a:ext uri="{FF2B5EF4-FFF2-40B4-BE49-F238E27FC236}">
-                <a16:creationId xmlns:a16="http://schemas.microsoft.com/office/drawing/2014/main" id="{F585A31C-DB00-684D-FD72-D1A8398A0EEC}"/>
-              </a:ext>
-            </a:extLst>
-          </p:cNvPr>
-          <p:cNvPicPr>
-            <a:picLocks noChangeAspect="1"/>
-          </p:cNvPicPr>
-          <p:nvPr/>
-        </p:nvPicPr>
-        <p:blipFill>
-          <a:blip r:embed="rId3">
-            <a:extLst>
-              <a:ext uri="{28A0092B-C50C-407E-A947-70E740481C1C}">
-                <a14:useLocalDpi xmlns:a14="http://schemas.microsoft.com/office/drawing/2010/main" val="0"/>
-              </a:ext>
-            </a:extLst>
-          </a:blip>
-          <a:stretch>
-            <a:fillRect/>
-          </a:stretch>
-        </p:blipFill>
-        <p:spPr>
-          <a:xfrm>
-            <a:off x="381188" y="2729268"/>
-            <a:ext cx="2019600" cy="2019600"/>
-          </a:xfrm>
-          <a:prstGeom prst="rect">
-            <a:avLst/>
-          </a:prstGeom>
-        </p:spPr>
-      </p:pic>
-      <p:pic>
-        <p:nvPicPr>
-          <p:cNvPr id="5" name="Picture 4">
-            <a:extLst>
-              <a:ext uri="{FF2B5EF4-FFF2-40B4-BE49-F238E27FC236}">
-                <a16:creationId xmlns:a16="http://schemas.microsoft.com/office/drawing/2014/main" id="{8B2CD27F-C52C-2F1C-A79B-EFE9DC8ADEDD}"/>
-              </a:ext>
-            </a:extLst>
-          </p:cNvPr>
-          <p:cNvPicPr>
-            <a:picLocks noChangeAspect="1"/>
-          </p:cNvPicPr>
-          <p:nvPr/>
-        </p:nvPicPr>
-        <p:blipFill>
-          <a:blip r:embed="rId4">
-            <a:extLst>
-              <a:ext uri="{28A0092B-C50C-407E-A947-70E740481C1C}">
-                <a14:useLocalDpi xmlns:a14="http://schemas.microsoft.com/office/drawing/2010/main" val="0"/>
-              </a:ext>
-            </a:extLst>
-          </a:blip>
-          <a:stretch>
-            <a:fillRect/>
-          </a:stretch>
-        </p:blipFill>
-        <p:spPr>
-          <a:xfrm>
-            <a:off x="396637" y="625621"/>
-            <a:ext cx="2019600" cy="2019600"/>
-          </a:xfrm>
-          <a:prstGeom prst="rect">
-            <a:avLst/>
-          </a:prstGeom>
-        </p:spPr>
-      </p:pic>
       <p:sp>
         <p:nvSpPr>
           <p:cNvPr id="6" name="TextBox 5">
@@ -8877,6 +8864,72 @@
             <a:spAutoFit/>
           </a:bodyPr>
           <a:lstStyle/>
+          <a:p>
+            <a:pPr marL="342900" indent="-342900">
+              <a:buAutoNum type="alphaUcPeriod"/>
+            </a:pPr>
+            <a:r>
+              <a:rPr lang="en-US" dirty="0">
+                <a:highlight>
+                  <a:srgbClr val="FFFF00"/>
+                </a:highlight>
+              </a:rPr>
+              <a:t>Sphere</a:t>
+            </a:r>
+            <a:r>
+              <a:rPr lang="en-US" dirty="0"/>
+              <a:t>, </a:t>
+            </a:r>
+            <a:r>
+              <a:rPr lang="en-US" dirty="0">
+                <a:highlight>
+                  <a:srgbClr val="00FF00"/>
+                </a:highlight>
+              </a:rPr>
+              <a:t>Small</a:t>
+            </a:r>
+            <a:r>
+              <a:rPr lang="en-US" dirty="0"/>
+              <a:t>, Red, Left</a:t>
+            </a:r>
+          </a:p>
+          <a:p>
+            <a:pPr marL="342900" indent="-342900">
+              <a:buAutoNum type="alphaUcPeriod"/>
+            </a:pPr>
+            <a:r>
+              <a:rPr lang="en-US" dirty="0">
+                <a:highlight>
+                  <a:srgbClr val="FFFF00"/>
+                </a:highlight>
+              </a:rPr>
+              <a:t>Sphere</a:t>
+            </a:r>
+            <a:r>
+              <a:rPr lang="en-US" dirty="0"/>
+              <a:t>, </a:t>
+            </a:r>
+            <a:r>
+              <a:rPr lang="en-US" dirty="0">
+                <a:highlight>
+                  <a:srgbClr val="00FF00"/>
+                </a:highlight>
+              </a:rPr>
+              <a:t>Big</a:t>
+            </a:r>
+            <a:r>
+              <a:rPr lang="en-US" dirty="0"/>
+              <a:t>, Green, </a:t>
+            </a:r>
+            <a:r>
+              <a:rPr lang="en-US" dirty="0">
+                <a:highlight>
+                  <a:srgbClr val="FF00FF"/>
+                </a:highlight>
+              </a:rPr>
+              <a:t>Behind</a:t>
+            </a:r>
+          </a:p>
           <a:p>
             <a:pPr marL="342900" indent="-342900">
               <a:buAutoNum type="alphaUcPeriod"/>
@@ -8896,119 +8949,58 @@
             <a:r>
               <a:rPr lang="en-US" dirty="0">
                 <a:highlight>
-                  <a:srgbClr val="FFFF00"/>
+                  <a:srgbClr val="00FF00"/>
                 </a:highlight>
               </a:rPr>
               <a:t>Big</a:t>
             </a:r>
             <a:r>
               <a:rPr lang="en-US" dirty="0"/>
-              <a:t>, Blue, </a:t>
+              <a:t>, Green, </a:t>
             </a:r>
             <a:r>
               <a:rPr lang="en-US" dirty="0">
                 <a:highlight>
-                  <a:srgbClr val="FFFF00"/>
+                  <a:srgbClr val="FF00FF"/>
                 </a:highlight>
               </a:rPr>
               <a:t>Front</a:t>
             </a:r>
           </a:p>
           <a:p>
-            <a:pPr marL="342900" indent="-342900">
-              <a:buAutoNum type="alphaUcPeriod"/>
-            </a:pPr>
-            <a:r>
-              <a:rPr lang="en-US" dirty="0">
-                <a:highlight>
-                  <a:srgbClr val="FFFF00"/>
-                </a:highlight>
-              </a:rPr>
-              <a:t>Sphere</a:t>
-            </a:r>
-            <a:r>
-              <a:rPr lang="en-US" dirty="0"/>
-              <a:t>, </a:t>
-            </a:r>
-            <a:r>
-              <a:rPr lang="en-US" dirty="0">
-                <a:highlight>
-                  <a:srgbClr val="FFFF00"/>
-                </a:highlight>
-              </a:rPr>
-              <a:t>Big</a:t>
-            </a:r>
-            <a:r>
-              <a:rPr lang="en-US" dirty="0"/>
-              <a:t>, </a:t>
-            </a:r>
-            <a:r>
-              <a:rPr lang="en-US" dirty="0">
-                <a:highlight>
-                  <a:srgbClr val="FFFF00"/>
-                </a:highlight>
-              </a:rPr>
-              <a:t>Red</a:t>
-            </a:r>
-            <a:r>
-              <a:rPr lang="en-US" dirty="0"/>
-              <a:t>, </a:t>
-            </a:r>
-            <a:r>
-              <a:rPr lang="en-US" dirty="0">
-                <a:highlight>
-                  <a:srgbClr val="FFFF00"/>
-                </a:highlight>
-              </a:rPr>
-              <a:t>Behind</a:t>
-            </a:r>
-          </a:p>
-          <a:p>
-            <a:pPr marL="342900" indent="-342900">
-              <a:buAutoNum type="alphaUcPeriod"/>
-            </a:pPr>
-            <a:r>
-              <a:rPr lang="en-US" dirty="0">
-                <a:highlight>
-                  <a:srgbClr val="FFFF00"/>
-                </a:highlight>
-              </a:rPr>
-              <a:t>Sphere</a:t>
-            </a:r>
-            <a:r>
-              <a:rPr lang="en-US" dirty="0"/>
-              <a:t>, </a:t>
-            </a:r>
-            <a:r>
-              <a:rPr lang="en-US" dirty="0">
-                <a:highlight>
-                  <a:srgbClr val="FFFF00"/>
-                </a:highlight>
-              </a:rPr>
-              <a:t>Small</a:t>
-            </a:r>
-            <a:r>
-              <a:rPr lang="en-US" dirty="0"/>
-              <a:t>, </a:t>
-            </a:r>
-            <a:r>
-              <a:rPr lang="en-US" dirty="0">
-                <a:highlight>
-                  <a:srgbClr val="FFFF00"/>
-                </a:highlight>
-              </a:rPr>
-              <a:t>Red</a:t>
-            </a:r>
-            <a:r>
-              <a:rPr lang="en-US" dirty="0"/>
-              <a:t>, Right</a:t>
-            </a:r>
-          </a:p>
-          <a:p>
             <a:endParaRPr lang="en-US" dirty="0"/>
           </a:p>
         </p:txBody>
       </p:sp>
+      <p:pic>
+        <p:nvPicPr>
+          <p:cNvPr id="16" name="Picture 15">
+            <a:extLst>
+              <a:ext uri="{FF2B5EF4-FFF2-40B4-BE49-F238E27FC236}">
+                <a16:creationId xmlns:a16="http://schemas.microsoft.com/office/drawing/2014/main" id="{1389A628-622F-57A0-5F11-47FD5941C511}"/>
+              </a:ext>
+            </a:extLst>
+          </p:cNvPr>
+          <p:cNvPicPr>
+            <a:picLocks noChangeAspect="1"/>
+          </p:cNvPicPr>
+          <p:nvPr/>
+        </p:nvPicPr>
+        <p:blipFill rotWithShape="1">
+          <a:blip r:embed="rId2"/>
+          <a:srcRect l="4531" r="7" b="7"/>
+          <a:stretch/>
+        </p:blipFill>
+        <p:spPr>
+          <a:xfrm>
+            <a:off x="491968" y="487384"/>
+            <a:ext cx="1928086" cy="2019600"/>
+          </a:xfrm>
+          <a:prstGeom prst="rect">
+            <a:avLst/>
+          </a:prstGeom>
+        </p:spPr>
+      </p:pic>
       <p:sp>
         <p:nvSpPr>
           <p:cNvPr id="17" name="Oval 16">
@@ -9023,7 +9015,7 @@
         </p:nvSpPr>
         <p:spPr>
           <a:xfrm>
-            <a:off x="608188" y="1873872"/>
+            <a:off x="607595" y="1401090"/>
             <a:ext cx="405233" cy="420414"/>
           </a:xfrm>
           <a:prstGeom prst="ellipse">
@@ -9072,7 +9064,7 @@
         </p:nvSpPr>
         <p:spPr>
           <a:xfrm>
-            <a:off x="810804" y="1210420"/>
+            <a:off x="1456013" y="729218"/>
             <a:ext cx="405233" cy="420414"/>
           </a:xfrm>
           <a:prstGeom prst="ellipse">
@@ -9121,7 +9113,7 @@
         </p:nvSpPr>
         <p:spPr>
           <a:xfrm>
-            <a:off x="1887940" y="1352803"/>
+            <a:off x="1922664" y="1964184"/>
             <a:ext cx="405233" cy="420414"/>
           </a:xfrm>
           <a:prstGeom prst="ellipse">
@@ -9156,6 +9148,35 @@
           </a:p>
         </p:txBody>
       </p:sp>
+      <p:pic>
+        <p:nvPicPr>
+          <p:cNvPr id="20" name="Picture 19" descr="Icon&#10;&#10;Description automatically generated">
+            <a:extLst>
+              <a:ext uri="{FF2B5EF4-FFF2-40B4-BE49-F238E27FC236}">
+                <a16:creationId xmlns:a16="http://schemas.microsoft.com/office/drawing/2014/main" id="{9CAC6693-94AB-68D2-06AA-234BA1470D3D}"/>
+              </a:ext>
+            </a:extLst>
+          </p:cNvPr>
+          <p:cNvPicPr>
+            <a:picLocks noChangeAspect="1"/>
+          </p:cNvPicPr>
+          <p:nvPr/>
+        </p:nvPicPr>
+        <p:blipFill rotWithShape="1">
+          <a:blip r:embed="rId3"/>
+          <a:srcRect l="4108" r="3" b="3"/>
+          <a:stretch/>
+        </p:blipFill>
+        <p:spPr>
+          <a:xfrm>
+            <a:off x="497796" y="2575306"/>
+            <a:ext cx="1936633" cy="2019600"/>
+          </a:xfrm>
+          <a:prstGeom prst="rect">
+            <a:avLst/>
+          </a:prstGeom>
+        </p:spPr>
+      </p:pic>
       <p:sp>
         <p:nvSpPr>
           <p:cNvPr id="21" name="Oval 20">
@@ -9170,7 +9191,7 @@
         </p:nvSpPr>
         <p:spPr>
           <a:xfrm>
-            <a:off x="1592631" y="4164138"/>
+            <a:off x="2020649" y="3544178"/>
             <a:ext cx="405233" cy="420414"/>
           </a:xfrm>
           <a:prstGeom prst="ellipse">
@@ -9219,7 +9240,7 @@
         </p:nvSpPr>
         <p:spPr>
           <a:xfrm>
-            <a:off x="1886548" y="3026979"/>
+            <a:off x="1862509" y="2703657"/>
             <a:ext cx="405233" cy="420414"/>
           </a:xfrm>
           <a:prstGeom prst="ellipse">
@@ -9268,7 +9289,7 @@
         </p:nvSpPr>
         <p:spPr>
           <a:xfrm>
-            <a:off x="412538" y="3521611"/>
+            <a:off x="651373" y="3506086"/>
             <a:ext cx="405233" cy="420414"/>
           </a:xfrm>
           <a:prstGeom prst="ellipse">
@@ -9340,7 +9361,7 @@
                   <a:srgbClr val="FFFF00"/>
                 </a:highlight>
               </a:rPr>
-              <a:t>Cube</a:t>
+              <a:t>Sphere</a:t>
             </a:r>
             <a:r>
               <a:rPr lang="en-US" dirty="0"/>
@@ -9349,14 +9370,14 @@
             <a:r>
               <a:rPr lang="en-US" dirty="0">
                 <a:highlight>
-                  <a:srgbClr val="FFFF00"/>
+                  <a:srgbClr val="00FF00"/>
                 </a:highlight>
               </a:rPr>
-              <a:t>Big</a:t>
-            </a:r>
-            <a:r>
-              <a:rPr lang="en-US" dirty="0"/>
-              <a:t>, Blue, Left</a:t>
+              <a:t>Small</a:t>
+            </a:r>
+            <a:r>
+              <a:rPr lang="en-US" dirty="0"/>
+              <a:t>, Red, Left</a:t>
             </a:r>
           </a:p>
           <a:p>
@@ -9378,22 +9399,35 @@
             <a:r>
               <a:rPr lang="en-US" dirty="0">
                 <a:highlight>
-                  <a:srgbClr val="FFFF00"/>
+                  <a:srgbClr val="00FF00"/>
                 </a:highlight>
               </a:rPr>
-              <a:t>Small</a:t>
-            </a:r>
-            <a:r>
-              <a:rPr lang="en-US" dirty="0"/>
-              <a:t>, </a:t>
-            </a:r>
+              <a:t>Big</a:t>
+            </a:r>
+            <a:r>
+              <a:rPr lang="en-US" dirty="0"/>
+              <a:t>, Blue, </a:t>
+            </a:r>
+            <a:r>
+              <a:rPr lang="en-US" dirty="0">
+                <a:highlight>
+                  <a:srgbClr val="FF00FF"/>
+                </a:highlight>
+              </a:rPr>
+              <a:t>Behind</a:t>
+            </a:r>
+          </a:p>
+          <a:p>
+            <a:pPr marL="342900" indent="-342900">
+              <a:buAutoNum type="alphaUcPeriod"/>
+            </a:pPr>
             <a:r>
               <a:rPr lang="en-US" dirty="0">
                 <a:highlight>
                   <a:srgbClr val="FFFF00"/>
                 </a:highlight>
               </a:rPr>
-              <a:t>Red</a:t>
+              <a:t>Cube</a:t>
             </a:r>
             <a:r>
               <a:rPr lang="en-US" dirty="0"/>
@@ -9402,44 +9436,19 @@
             <a:r>
               <a:rPr lang="en-US" dirty="0">
                 <a:highlight>
-                  <a:srgbClr val="FFFF00"/>
-                </a:highlight>
-              </a:rPr>
-              <a:t>Behind</a:t>
-            </a:r>
-          </a:p>
-          <a:p>
-            <a:pPr marL="342900" indent="-342900">
-              <a:buAutoNum type="alphaUcPeriod"/>
-            </a:pPr>
-            <a:r>
-              <a:rPr lang="en-US" dirty="0">
-                <a:highlight>
-                  <a:srgbClr val="FFFF00"/>
-                </a:highlight>
-              </a:rPr>
-              <a:t>Sphere</a:t>
-            </a:r>
-            <a:r>
-              <a:rPr lang="en-US" dirty="0"/>
-              <a:t>, </a:t>
-            </a:r>
-            <a:r>
-              <a:rPr lang="en-US" dirty="0">
-                <a:highlight>
-                  <a:srgbClr val="FFFF00"/>
+                  <a:srgbClr val="00FF00"/>
                 </a:highlight>
               </a:rPr>
               <a:t>Big</a:t>
             </a:r>
             <a:r>
               <a:rPr lang="en-US" dirty="0"/>
-              <a:t>, Green, </a:t>
+              <a:t>, Blue, </a:t>
             </a:r>
             <a:r>
               <a:rPr lang="en-US" dirty="0">
                 <a:highlight>
-                  <a:srgbClr val="FFFF00"/>
+                  <a:srgbClr val="FF00FF"/>
                 </a:highlight>
               </a:rPr>
               <a:t>Front</a:t>
@@ -9485,6 +9494,35 @@
           </a:p>
         </p:txBody>
       </p:sp>
+      <p:pic>
+        <p:nvPicPr>
+          <p:cNvPr id="7" name="Picture 6" descr="A picture containing orange&#10;&#10;Description automatically generated">
+            <a:extLst>
+              <a:ext uri="{FF2B5EF4-FFF2-40B4-BE49-F238E27FC236}">
+                <a16:creationId xmlns:a16="http://schemas.microsoft.com/office/drawing/2014/main" id="{ECBDCDEC-9659-E34E-E348-B9CFEC57DF66}"/>
+              </a:ext>
+            </a:extLst>
+          </p:cNvPr>
+          <p:cNvPicPr>
+            <a:picLocks noChangeAspect="1"/>
+          </p:cNvPicPr>
+          <p:nvPr/>
+        </p:nvPicPr>
+        <p:blipFill rotWithShape="1">
+          <a:blip r:embed="rId4"/>
+          <a:srcRect r="3935" b="2"/>
+          <a:stretch/>
+        </p:blipFill>
+        <p:spPr>
+          <a:xfrm>
+            <a:off x="496028" y="4723257"/>
+            <a:ext cx="1940168" cy="2019600"/>
+          </a:xfrm>
+          <a:prstGeom prst="rect">
+            <a:avLst/>
+          </a:prstGeom>
+        </p:spPr>
+      </p:pic>
       <p:sp>
         <p:nvSpPr>
           <p:cNvPr id="9" name="Oval 8">
@@ -9499,7 +9537,7 @@
         </p:nvSpPr>
         <p:spPr>
           <a:xfrm>
-            <a:off x="417579" y="6058210"/>
+            <a:off x="1406437" y="6160409"/>
             <a:ext cx="405233" cy="420414"/>
           </a:xfrm>
           <a:prstGeom prst="ellipse">
@@ -9548,7 +9586,7 @@
         </p:nvSpPr>
         <p:spPr>
           <a:xfrm>
-            <a:off x="1390988" y="5451112"/>
+            <a:off x="1456013" y="5465613"/>
             <a:ext cx="405233" cy="420414"/>
           </a:xfrm>
           <a:prstGeom prst="ellipse">
@@ -9598,7 +9636,7 @@
         <p:spPr>
           <a:xfrm>
             <a:off x="2673678" y="5380494"/>
-            <a:ext cx="3422322" cy="923330"/>
+            <a:ext cx="3422322" cy="646331"/>
           </a:xfrm>
           <a:prstGeom prst="rect">
             <a:avLst/>
@@ -9610,6 +9648,43 @@
             <a:spAutoFit/>
           </a:bodyPr>
           <a:lstStyle/>
+          <a:p>
+            <a:pPr marL="342900" indent="-342900">
+              <a:buAutoNum type="alphaUcPeriod"/>
+            </a:pPr>
+            <a:r>
+              <a:rPr lang="en-US" dirty="0">
+                <a:highlight>
+                  <a:srgbClr val="FFFF00"/>
+                </a:highlight>
+              </a:rPr>
+              <a:t>Cube</a:t>
+            </a:r>
+            <a:r>
+              <a:rPr lang="en-US" dirty="0"/>
+              <a:t>, </a:t>
+            </a:r>
+            <a:r>
+              <a:rPr lang="en-US" dirty="0">
+                <a:highlight>
+                  <a:srgbClr val="00FF00"/>
+                </a:highlight>
+              </a:rPr>
+              <a:t>Big</a:t>
+            </a:r>
+            <a:r>
+              <a:rPr lang="en-US" dirty="0"/>
+              <a:t>, Green, </a:t>
+            </a:r>
+            <a:r>
+              <a:rPr lang="en-US" dirty="0">
+                <a:highlight>
+                  <a:srgbClr val="FF00FF"/>
+                </a:highlight>
+              </a:rPr>
+              <a:t>Front</a:t>
+            </a:r>
+          </a:p>
           <a:p>
             <a:pPr marL="342900" indent="-342900">
               <a:buAutoNum type="alphaUcPeriod"/>
@@ -9629,109 +9704,19 @@
             <a:r>
               <a:rPr lang="en-US" dirty="0">
                 <a:highlight>
-                  <a:srgbClr val="FFFF00"/>
-                </a:highlight>
-              </a:rPr>
-              <a:t>Big</a:t>
-            </a:r>
-            <a:r>
-              <a:rPr lang="en-US" dirty="0"/>
-              <a:t>, Green, </a:t>
-            </a:r>
-            <a:r>
-              <a:rPr lang="en-US" dirty="0">
-                <a:highlight>
-                  <a:srgbClr val="FFFF00"/>
-                </a:highlight>
-              </a:rPr>
-              <a:t>Front</a:t>
-            </a:r>
-          </a:p>
-          <a:p>
-            <a:pPr marL="342900" indent="-342900">
-              <a:buAutoNum type="alphaUcPeriod"/>
-            </a:pPr>
-            <a:r>
-              <a:rPr lang="en-US" dirty="0">
-                <a:highlight>
-                  <a:srgbClr val="FFFF00"/>
-                </a:highlight>
-              </a:rPr>
-              <a:t>Cube</a:t>
-            </a:r>
-            <a:r>
-              <a:rPr lang="en-US" dirty="0"/>
-              <a:t>, </a:t>
-            </a:r>
-            <a:r>
-              <a:rPr lang="en-US" dirty="0">
-                <a:highlight>
-                  <a:srgbClr val="FFFF00"/>
-                </a:highlight>
-              </a:rPr>
-              <a:t>Big</a:t>
-            </a:r>
-            <a:r>
-              <a:rPr lang="en-US" dirty="0"/>
-              <a:t>, </a:t>
-            </a:r>
-            <a:r>
-              <a:rPr lang="en-US" dirty="0">
-                <a:highlight>
-                  <a:srgbClr val="FFFF00"/>
-                </a:highlight>
-              </a:rPr>
-              <a:t>Red</a:t>
-            </a:r>
-            <a:r>
-              <a:rPr lang="en-US" dirty="0"/>
-              <a:t>, Right</a:t>
-            </a:r>
-          </a:p>
-          <a:p>
-            <a:pPr marL="342900" indent="-342900">
-              <a:buAutoNum type="alphaUcPeriod"/>
-            </a:pPr>
-            <a:r>
-              <a:rPr lang="en-US" dirty="0">
-                <a:highlight>
-                  <a:srgbClr val="FFFF00"/>
-                </a:highlight>
-              </a:rPr>
-              <a:t>Sphere</a:t>
-            </a:r>
-            <a:r>
-              <a:rPr lang="en-US" dirty="0"/>
-              <a:t>, </a:t>
-            </a:r>
-            <a:r>
-              <a:rPr lang="en-US" dirty="0">
-                <a:highlight>
-                  <a:srgbClr val="FFFF00"/>
+                  <a:srgbClr val="00FF00"/>
                 </a:highlight>
               </a:rPr>
               <a:t>Small</a:t>
             </a:r>
             <a:r>
               <a:rPr lang="en-US" dirty="0"/>
-              <a:t>, </a:t>
+              <a:t>, Blue, </a:t>
             </a:r>
             <a:r>
               <a:rPr lang="en-US" dirty="0">
                 <a:highlight>
-                  <a:srgbClr val="FFFF00"/>
-                </a:highlight>
-              </a:rPr>
-              <a:t>Red</a:t>
-            </a:r>
-            <a:r>
-              <a:rPr lang="en-US" dirty="0"/>
-              <a:t>, </a:t>
-            </a:r>
-            <a:r>
-              <a:rPr lang="en-US" dirty="0">
-                <a:highlight>
-                  <a:srgbClr val="FFFF00"/>
+                  <a:srgbClr val="FF00FF"/>
                 </a:highlight>
               </a:rPr>
               <a:t>Behind</a:t>
@@ -9753,8 +9738,8 @@
         </p:nvSpPr>
         <p:spPr>
           <a:xfrm>
-            <a:off x="6601801" y="498440"/>
-            <a:ext cx="4442537" cy="369332"/>
+            <a:off x="6529555" y="487384"/>
+            <a:ext cx="4442537" cy="646331"/>
           </a:xfrm>
           <a:prstGeom prst="rect">
             <a:avLst/>
@@ -9772,14 +9757,20 @@
               <a:t>First, search attribute by attribute</a:t>
             </a:r>
           </a:p>
-        </p:txBody>
-      </p:sp>
-      <p:sp>
-        <p:nvSpPr>
-          <p:cNvPr id="14" name="TextBox 13">
-            <a:extLst>
-              <a:ext uri="{FF2B5EF4-FFF2-40B4-BE49-F238E27FC236}">
-                <a16:creationId xmlns:a16="http://schemas.microsoft.com/office/drawing/2014/main" id="{77D7668C-374B-DD95-6723-44C959CECB4E}"/>
+          <a:p>
+            <a:r>
+              <a:rPr lang="en-US" dirty="0"/>
+              <a:t>Then, add attributes as  priors to each rules</a:t>
+            </a:r>
+          </a:p>
+        </p:txBody>
+      </p:sp>
+      <p:sp>
+        <p:nvSpPr>
+          <p:cNvPr id="15" name="TextBox 14">
+            <a:extLst>
+              <a:ext uri="{FF2B5EF4-FFF2-40B4-BE49-F238E27FC236}">
+                <a16:creationId xmlns:a16="http://schemas.microsoft.com/office/drawing/2014/main" id="{CA059608-3EAB-1E9D-2CB0-D20D3A206D77}"/>
               </a:ext>
             </a:extLst>
           </p:cNvPr>
@@ -9788,8 +9779,8 @@
         </p:nvSpPr>
         <p:spPr>
           <a:xfrm>
-            <a:off x="6977898" y="1079703"/>
-            <a:ext cx="2892905" cy="2862322"/>
+            <a:off x="6887342" y="1401090"/>
+            <a:ext cx="2790913" cy="3693319"/>
           </a:xfrm>
           <a:prstGeom prst="rect">
             <a:avLst/>
@@ -9802,19 +9793,43 @@
           </a:bodyPr>
           <a:lstStyle/>
           <a:p>
-            <a:r>
-              <a:rPr lang="en-US" dirty="0"/>
-              <a:t>Rules can be found</a:t>
-            </a:r>
-          </a:p>
-          <a:p>
             <a:pPr marL="285750" indent="-285750">
               <a:buFont typeface="Arial" panose="020B0604020202020204" pitchFamily="34" charset="0"/>
               <a:buChar char="•"/>
             </a:pPr>
             <a:r>
               <a:rPr lang="en-US" dirty="0"/>
-              <a:t>Big, Cube</a:t>
+              <a:t>Sphere, small</a:t>
+            </a:r>
+          </a:p>
+          <a:p>
+            <a:pPr marL="742950" lvl="1" indent="-285750">
+              <a:buFont typeface="Arial" panose="020B0604020202020204" pitchFamily="34" charset="0"/>
+              <a:buChar char="•"/>
+            </a:pPr>
+            <a:r>
+              <a:rPr lang="en-US" dirty="0"/>
+              <a:t>red(2)</a:t>
+            </a:r>
+          </a:p>
+          <a:p>
+            <a:pPr marL="742950" lvl="1" indent="-285750">
+              <a:buFont typeface="Arial" panose="020B0604020202020204" pitchFamily="34" charset="0"/>
+              <a:buChar char="•"/>
+            </a:pPr>
+            <a:r>
+              <a:rPr lang="en-US" dirty="0"/>
+              <a:t>left(2)</a:t>
+            </a:r>
+          </a:p>
+          <a:p>
+            <a:pPr marL="742950" lvl="1" indent="-285750">
+              <a:buFont typeface="Arial" panose="020B0604020202020204" pitchFamily="34" charset="0"/>
+              <a:buChar char="•"/>
+            </a:pPr>
+            <a:r>
+              <a:rPr lang="en-US" dirty="0"/>
+              <a:t>Left, red (2)</a:t>
             </a:r>
           </a:p>
           <a:p>
@@ -9824,7 +9839,7 @@
             </a:pPr>
             <a:r>
               <a:rPr lang="en-US" dirty="0"/>
-              <a:t>Big, Sphere</a:t>
+              <a:t>Sphere, behind</a:t>
             </a:r>
           </a:p>
           <a:p>
@@ -9834,7 +9849,27 @@
             </a:pPr>
             <a:r>
               <a:rPr lang="en-US" dirty="0"/>
-              <a:t>Sphere, Behind</a:t>
+              <a:t>Cube, big</a:t>
+            </a:r>
+          </a:p>
+          <a:p>
+            <a:pPr marL="742950" lvl="1" indent="-285750">
+              <a:buFont typeface="Arial" panose="020B0604020202020204" pitchFamily="34" charset="0"/>
+              <a:buChar char="•"/>
+            </a:pPr>
+            <a:r>
+              <a:rPr lang="en-US" dirty="0"/>
+              <a:t>Front (3)</a:t>
+            </a:r>
+          </a:p>
+          <a:p>
+            <a:pPr marL="742950" lvl="1" indent="-285750">
+              <a:buFont typeface="Arial" panose="020B0604020202020204" pitchFamily="34" charset="0"/>
+              <a:buChar char="•"/>
+            </a:pPr>
+            <a:r>
+              <a:rPr lang="en-US" dirty="0"/>
+              <a:t>Green, Front (2)</a:t>
             </a:r>
           </a:p>
           <a:p>
@@ -9844,7 +9879,27 @@
             </a:pPr>
             <a:r>
               <a:rPr lang="en-US" dirty="0"/>
-              <a:t>Red, Behind</a:t>
+              <a:t>Big, Front</a:t>
+            </a:r>
+          </a:p>
+          <a:p>
+            <a:pPr marL="742950" lvl="1" indent="-285750">
+              <a:buFont typeface="Arial" panose="020B0604020202020204" pitchFamily="34" charset="0"/>
+              <a:buChar char="•"/>
+            </a:pPr>
+            <a:r>
+              <a:rPr lang="en-US" dirty="0"/>
+              <a:t>Cube (3)</a:t>
+            </a:r>
+          </a:p>
+          <a:p>
+            <a:pPr marL="742950" lvl="1" indent="-285750">
+              <a:buFont typeface="Arial" panose="020B0604020202020204" pitchFamily="34" charset="0"/>
+              <a:buChar char="•"/>
+            </a:pPr>
+            <a:r>
+              <a:rPr lang="en-US" dirty="0"/>
+              <a:t>Cube, Green (2)</a:t>
             </a:r>
           </a:p>
           <a:p>
@@ -9854,7 +9909,7 @@
             </a:pPr>
             <a:r>
               <a:rPr lang="en-US" dirty="0"/>
-              <a:t>Sphere, Red, Behind</a:t>
+              <a:t>Cube, Front </a:t>
             </a:r>
           </a:p>
           <a:p>
@@ -9864,37 +9919,7 @@
             </a:pPr>
             <a:r>
               <a:rPr lang="en-US" dirty="0"/>
-              <a:t>Sphere, Small</a:t>
-            </a:r>
-          </a:p>
-          <a:p>
-            <a:pPr marL="285750" indent="-285750">
-              <a:buFont typeface="Arial" panose="020B0604020202020204" pitchFamily="34" charset="0"/>
-              <a:buChar char="•"/>
-            </a:pPr>
-            <a:r>
-              <a:rPr lang="en-US" dirty="0"/>
-              <a:t>Sphere, Red</a:t>
-            </a:r>
-          </a:p>
-          <a:p>
-            <a:pPr marL="285750" indent="-285750">
-              <a:buFont typeface="Arial" panose="020B0604020202020204" pitchFamily="34" charset="0"/>
-              <a:buChar char="•"/>
-            </a:pPr>
-            <a:r>
-              <a:rPr lang="en-US" dirty="0"/>
-              <a:t>Small Red,</a:t>
-            </a:r>
-          </a:p>
-          <a:p>
-            <a:pPr marL="285750" indent="-285750">
-              <a:buFont typeface="Arial" panose="020B0604020202020204" pitchFamily="34" charset="0"/>
-              <a:buChar char="•"/>
-            </a:pPr>
-            <a:r>
-              <a:rPr lang="en-US" dirty="0"/>
-              <a:t>Sphere, Small, Red</a:t>
+              <a:t>Cube, Big, Front</a:t>
             </a:r>
           </a:p>
         </p:txBody>
@@ -9904,7 +9929,7 @@
           <p:cNvPr id="4" name="TextBox 3">
             <a:extLst>
               <a:ext uri="{FF2B5EF4-FFF2-40B4-BE49-F238E27FC236}">
-                <a16:creationId xmlns:a16="http://schemas.microsoft.com/office/drawing/2014/main" id="{887F491C-B8A4-AC40-8467-CC280FAD66D7}"/>
+                <a16:creationId xmlns:a16="http://schemas.microsoft.com/office/drawing/2014/main" id="{AA39B9DA-1915-347A-DF50-A6A1B1AD827F}"/>
               </a:ext>
             </a:extLst>
           </p:cNvPr>
@@ -9913,8 +9938,8 @@
         </p:nvSpPr>
         <p:spPr>
           <a:xfrm>
-            <a:off x="6977898" y="4153956"/>
-            <a:ext cx="1012503" cy="369332"/>
+            <a:off x="9520647" y="6373525"/>
+            <a:ext cx="2529832" cy="369332"/>
           </a:xfrm>
           <a:prstGeom prst="rect">
             <a:avLst/>
@@ -9929,56 +9954,42 @@
           <a:p>
             <a:r>
               <a:rPr lang="en-US" dirty="0"/>
-              <a:t>9 rules</a:t>
-            </a:r>
-          </a:p>
-        </p:txBody>
-      </p:sp>
-      <p:sp>
-        <p:nvSpPr>
-          <p:cNvPr id="26" name="Oval 25">
-            <a:extLst>
-              <a:ext uri="{FF2B5EF4-FFF2-40B4-BE49-F238E27FC236}">
-                <a16:creationId xmlns:a16="http://schemas.microsoft.com/office/drawing/2014/main" id="{5D26DD76-FFF7-A832-FD87-4674211A33AF}"/>
-              </a:ext>
-            </a:extLst>
-          </p:cNvPr>
-          <p:cNvSpPr/>
+              <a:t>Exist Rule/ For All Rule</a:t>
+            </a:r>
+          </a:p>
+        </p:txBody>
+      </p:sp>
+      <p:sp>
+        <p:nvSpPr>
+          <p:cNvPr id="2" name="TextBox 1">
+            <a:extLst>
+              <a:ext uri="{FF2B5EF4-FFF2-40B4-BE49-F238E27FC236}">
+                <a16:creationId xmlns:a16="http://schemas.microsoft.com/office/drawing/2014/main" id="{5EEB7A4B-7112-AC99-258A-BBE44514AE4E}"/>
+              </a:ext>
+            </a:extLst>
+          </p:cNvPr>
+          <p:cNvSpPr txBox="1"/>
           <p:nvPr/>
         </p:nvSpPr>
         <p:spPr>
           <a:xfrm>
-            <a:off x="615154" y="5018792"/>
-            <a:ext cx="405233" cy="420414"/>
-          </a:xfrm>
-          <a:prstGeom prst="ellipse">
-            <a:avLst/>
-          </a:prstGeom>
-        </p:spPr>
-        <p:style>
-          <a:lnRef idx="2">
-            <a:schemeClr val="accent1">
-              <a:shade val="50000"/>
-            </a:schemeClr>
-          </a:lnRef>
-          <a:fillRef idx="1">
-            <a:schemeClr val="accent1"/>
-          </a:fillRef>
-          <a:effectRef idx="0">
-            <a:schemeClr val="accent1"/>
-          </a:effectRef>
-          <a:fontRef idx="minor">
-            <a:schemeClr val="lt1"/>
-          </a:fontRef>
-        </p:style>
-        <p:txBody>
-          <a:bodyPr rtlCol="0" anchor="ctr"/>
-          <a:lstStyle/>
-          <a:p>
-            <a:pPr algn="ctr"/>
-            <a:r>
-              <a:rPr lang="en-US" dirty="0"/>
-              <a:t>C</a:t>
+            <a:off x="7447292" y="5486727"/>
+            <a:ext cx="1186140" cy="369332"/>
+          </a:xfrm>
+          <a:prstGeom prst="rect">
+            <a:avLst/>
+          </a:prstGeom>
+          <a:noFill/>
+        </p:spPr>
+        <p:txBody>
+          <a:bodyPr wrap="square" rtlCol="0">
+            <a:spAutoFit/>
+          </a:bodyPr>
+          <a:lstStyle/>
+          <a:p>
+            <a:r>
+              <a:rPr lang="en-US" dirty="0"/>
+              <a:t>7 rules</a:t>
             </a:r>
           </a:p>
         </p:txBody>
@@ -9986,7 +9997,7 @@
     </p:spTree>
     <p:extLst>
       <p:ext uri="{BB962C8B-B14F-4D97-AF65-F5344CB8AC3E}">
-        <p14:creationId xmlns:p14="http://schemas.microsoft.com/office/powerpoint/2010/main" val="2932168644"/>
+        <p14:creationId xmlns:p14="http://schemas.microsoft.com/office/powerpoint/2010/main" val="2111177412"/>
       </p:ext>
     </p:extLst>
   </p:cSld>
@@ -10013,114 +10024,6 @@
           <a:chExt cx="0" cy="0"/>
         </a:xfrm>
       </p:grpSpPr>
-      <p:pic>
-        <p:nvPicPr>
-          <p:cNvPr id="25" name="Picture 24">
-            <a:extLst>
-              <a:ext uri="{FF2B5EF4-FFF2-40B4-BE49-F238E27FC236}">
-                <a16:creationId xmlns:a16="http://schemas.microsoft.com/office/drawing/2014/main" id="{0F1B27DF-2D2E-8860-533F-120F28114A7F}"/>
-              </a:ext>
-            </a:extLst>
-          </p:cNvPr>
-          <p:cNvPicPr>
-            <a:picLocks noChangeAspect="1"/>
-          </p:cNvPicPr>
-          <p:nvPr/>
-        </p:nvPicPr>
-        <p:blipFill>
-          <a:blip r:embed="rId2">
-            <a:extLst>
-              <a:ext uri="{28A0092B-C50C-407E-A947-70E740481C1C}">
-                <a14:useLocalDpi xmlns:a14="http://schemas.microsoft.com/office/drawing/2010/main" val="0"/>
-              </a:ext>
-            </a:extLst>
-          </a:blip>
-          <a:stretch>
-            <a:fillRect/>
-          </a:stretch>
-        </p:blipFill>
-        <p:spPr>
-          <a:xfrm>
-            <a:off x="356539" y="4734367"/>
-            <a:ext cx="2019600" cy="2019600"/>
-          </a:xfrm>
-          <a:prstGeom prst="rect">
-            <a:avLst/>
-          </a:prstGeom>
-        </p:spPr>
-      </p:pic>
-      <p:pic>
-        <p:nvPicPr>
-          <p:cNvPr id="13" name="Picture 12" descr="A picture containing vector graphics&#10;&#10;Description automatically generated">
-            <a:extLst>
-              <a:ext uri="{FF2B5EF4-FFF2-40B4-BE49-F238E27FC236}">
-                <a16:creationId xmlns:a16="http://schemas.microsoft.com/office/drawing/2014/main" id="{F585A31C-DB00-684D-FD72-D1A8398A0EEC}"/>
-              </a:ext>
-            </a:extLst>
-          </p:cNvPr>
-          <p:cNvPicPr>
-            <a:picLocks noChangeAspect="1"/>
-          </p:cNvPicPr>
-          <p:nvPr/>
-        </p:nvPicPr>
-        <p:blipFill>
-          <a:blip r:embed="rId3">
-            <a:extLst>
-              <a:ext uri="{28A0092B-C50C-407E-A947-70E740481C1C}">
-                <a14:useLocalDpi xmlns:a14="http://schemas.microsoft.com/office/drawing/2010/main" val="0"/>
-              </a:ext>
-            </a:extLst>
-          </a:blip>
-          <a:stretch>
-            <a:fillRect/>
-          </a:stretch>
-        </p:blipFill>
-        <p:spPr>
-          <a:xfrm>
-            <a:off x="381188" y="2729268"/>
-            <a:ext cx="2019600" cy="2019600"/>
-          </a:xfrm>
-          <a:prstGeom prst="rect">
-            <a:avLst/>
-          </a:prstGeom>
-        </p:spPr>
-      </p:pic>
-      <p:pic>
-        <p:nvPicPr>
-          <p:cNvPr id="5" name="Picture 4">
-            <a:extLst>
-              <a:ext uri="{FF2B5EF4-FFF2-40B4-BE49-F238E27FC236}">
-                <a16:creationId xmlns:a16="http://schemas.microsoft.com/office/drawing/2014/main" id="{8B2CD27F-C52C-2F1C-A79B-EFE9DC8ADEDD}"/>
-              </a:ext>
-            </a:extLst>
-          </p:cNvPr>
-          <p:cNvPicPr>
-            <a:picLocks noChangeAspect="1"/>
-          </p:cNvPicPr>
-          <p:nvPr/>
-        </p:nvPicPr>
-        <p:blipFill>
-          <a:blip r:embed="rId4">
-            <a:extLst>
-              <a:ext uri="{28A0092B-C50C-407E-A947-70E740481C1C}">
-                <a14:useLocalDpi xmlns:a14="http://schemas.microsoft.com/office/drawing/2010/main" val="0"/>
-              </a:ext>
-            </a:extLst>
-          </a:blip>
-          <a:stretch>
-            <a:fillRect/>
-          </a:stretch>
-        </p:blipFill>
-        <p:spPr>
-          <a:xfrm>
-            <a:off x="396637" y="625621"/>
-            <a:ext cx="2019600" cy="2019600"/>
-          </a:xfrm>
-          <a:prstGeom prst="rect">
-            <a:avLst/>
-          </a:prstGeom>
-        </p:spPr>
-      </p:pic>
       <p:sp>
         <p:nvSpPr>
           <p:cNvPr id="6" name="TextBox 5">
@@ -10148,6 +10051,72 @@
             <a:spAutoFit/>
           </a:bodyPr>
           <a:lstStyle/>
+          <a:p>
+            <a:pPr marL="342900" indent="-342900">
+              <a:buAutoNum type="alphaUcPeriod"/>
+            </a:pPr>
+            <a:r>
+              <a:rPr lang="en-US" dirty="0">
+                <a:highlight>
+                  <a:srgbClr val="FFFF00"/>
+                </a:highlight>
+              </a:rPr>
+              <a:t>Sphere</a:t>
+            </a:r>
+            <a:r>
+              <a:rPr lang="en-US" dirty="0"/>
+              <a:t>, </a:t>
+            </a:r>
+            <a:r>
+              <a:rPr lang="en-US" dirty="0">
+                <a:highlight>
+                  <a:srgbClr val="00FF00"/>
+                </a:highlight>
+              </a:rPr>
+              <a:t>Small</a:t>
+            </a:r>
+            <a:r>
+              <a:rPr lang="en-US" dirty="0"/>
+              <a:t>, Red, Left</a:t>
+            </a:r>
+          </a:p>
+          <a:p>
+            <a:pPr marL="342900" indent="-342900">
+              <a:buAutoNum type="alphaUcPeriod"/>
+            </a:pPr>
+            <a:r>
+              <a:rPr lang="en-US" dirty="0">
+                <a:highlight>
+                  <a:srgbClr val="FFFF00"/>
+                </a:highlight>
+              </a:rPr>
+              <a:t>Sphere</a:t>
+            </a:r>
+            <a:r>
+              <a:rPr lang="en-US" dirty="0"/>
+              <a:t>, </a:t>
+            </a:r>
+            <a:r>
+              <a:rPr lang="en-US" dirty="0">
+                <a:highlight>
+                  <a:srgbClr val="00FF00"/>
+                </a:highlight>
+              </a:rPr>
+              <a:t>Big</a:t>
+            </a:r>
+            <a:r>
+              <a:rPr lang="en-US" dirty="0"/>
+              <a:t>, Green, </a:t>
+            </a:r>
+            <a:r>
+              <a:rPr lang="en-US" dirty="0">
+                <a:highlight>
+                  <a:srgbClr val="FF00FF"/>
+                </a:highlight>
+              </a:rPr>
+              <a:t>Behind</a:t>
+            </a:r>
+          </a:p>
           <a:p>
             <a:pPr marL="342900" indent="-342900">
               <a:buAutoNum type="alphaUcPeriod"/>
@@ -10167,119 +10136,58 @@
             <a:r>
               <a:rPr lang="en-US" dirty="0">
                 <a:highlight>
-                  <a:srgbClr val="FFFF00"/>
+                  <a:srgbClr val="00FF00"/>
                 </a:highlight>
               </a:rPr>
               <a:t>Big</a:t>
             </a:r>
             <a:r>
               <a:rPr lang="en-US" dirty="0"/>
-              <a:t>, Blue, </a:t>
+              <a:t>, Green, </a:t>
             </a:r>
             <a:r>
               <a:rPr lang="en-US" dirty="0">
                 <a:highlight>
-                  <a:srgbClr val="FFFF00"/>
+                  <a:srgbClr val="FF00FF"/>
                 </a:highlight>
               </a:rPr>
               <a:t>Front</a:t>
             </a:r>
           </a:p>
           <a:p>
-            <a:pPr marL="342900" indent="-342900">
-              <a:buAutoNum type="alphaUcPeriod"/>
-            </a:pPr>
-            <a:r>
-              <a:rPr lang="en-US" dirty="0">
-                <a:highlight>
-                  <a:srgbClr val="FFFF00"/>
-                </a:highlight>
-              </a:rPr>
-              <a:t>Sphere</a:t>
-            </a:r>
-            <a:r>
-              <a:rPr lang="en-US" dirty="0"/>
-              <a:t>, </a:t>
-            </a:r>
-            <a:r>
-              <a:rPr lang="en-US" dirty="0">
-                <a:highlight>
-                  <a:srgbClr val="FFFF00"/>
-                </a:highlight>
-              </a:rPr>
-              <a:t>Big</a:t>
-            </a:r>
-            <a:r>
-              <a:rPr lang="en-US" dirty="0"/>
-              <a:t>, </a:t>
-            </a:r>
-            <a:r>
-              <a:rPr lang="en-US" dirty="0">
-                <a:highlight>
-                  <a:srgbClr val="FFFF00"/>
-                </a:highlight>
-              </a:rPr>
-              <a:t>Red</a:t>
-            </a:r>
-            <a:r>
-              <a:rPr lang="en-US" dirty="0"/>
-              <a:t>, </a:t>
-            </a:r>
-            <a:r>
-              <a:rPr lang="en-US" dirty="0">
-                <a:highlight>
-                  <a:srgbClr val="FFFF00"/>
-                </a:highlight>
-              </a:rPr>
-              <a:t>Behind</a:t>
-            </a:r>
-          </a:p>
-          <a:p>
-            <a:pPr marL="342900" indent="-342900">
-              <a:buAutoNum type="alphaUcPeriod"/>
-            </a:pPr>
-            <a:r>
-              <a:rPr lang="en-US" dirty="0">
-                <a:highlight>
-                  <a:srgbClr val="FFFF00"/>
-                </a:highlight>
-              </a:rPr>
-              <a:t>Sphere</a:t>
-            </a:r>
-            <a:r>
-              <a:rPr lang="en-US" dirty="0"/>
-              <a:t>, </a:t>
-            </a:r>
-            <a:r>
-              <a:rPr lang="en-US" dirty="0">
-                <a:highlight>
-                  <a:srgbClr val="FFFF00"/>
-                </a:highlight>
-              </a:rPr>
-              <a:t>Small</a:t>
-            </a:r>
-            <a:r>
-              <a:rPr lang="en-US" dirty="0"/>
-              <a:t>, </a:t>
-            </a:r>
-            <a:r>
-              <a:rPr lang="en-US" dirty="0">
-                <a:highlight>
-                  <a:srgbClr val="FFFF00"/>
-                </a:highlight>
-              </a:rPr>
-              <a:t>Red</a:t>
-            </a:r>
-            <a:r>
-              <a:rPr lang="en-US" dirty="0"/>
-              <a:t>, Right</a:t>
-            </a:r>
-          </a:p>
-          <a:p>
             <a:endParaRPr lang="en-US" dirty="0"/>
           </a:p>
         </p:txBody>
       </p:sp>
+      <p:pic>
+        <p:nvPicPr>
+          <p:cNvPr id="16" name="Picture 15">
+            <a:extLst>
+              <a:ext uri="{FF2B5EF4-FFF2-40B4-BE49-F238E27FC236}">
+                <a16:creationId xmlns:a16="http://schemas.microsoft.com/office/drawing/2014/main" id="{1389A628-622F-57A0-5F11-47FD5941C511}"/>
+              </a:ext>
+            </a:extLst>
+          </p:cNvPr>
+          <p:cNvPicPr>
+            <a:picLocks noChangeAspect="1"/>
+          </p:cNvPicPr>
+          <p:nvPr/>
+        </p:nvPicPr>
+        <p:blipFill rotWithShape="1">
+          <a:blip r:embed="rId3"/>
+          <a:srcRect l="4531" r="7" b="7"/>
+          <a:stretch/>
+        </p:blipFill>
+        <p:spPr>
+          <a:xfrm>
+            <a:off x="491968" y="487384"/>
+            <a:ext cx="1928086" cy="2019600"/>
+          </a:xfrm>
+          <a:prstGeom prst="rect">
+            <a:avLst/>
+          </a:prstGeom>
+        </p:spPr>
+      </p:pic>
       <p:sp>
         <p:nvSpPr>
           <p:cNvPr id="17" name="Oval 16">
@@ -10294,7 +10202,7 @@
         </p:nvSpPr>
         <p:spPr>
           <a:xfrm>
-            <a:off x="608188" y="1873872"/>
+            <a:off x="607595" y="1401090"/>
             <a:ext cx="405233" cy="420414"/>
           </a:xfrm>
           <a:prstGeom prst="ellipse">
@@ -10343,7 +10251,7 @@
         </p:nvSpPr>
         <p:spPr>
           <a:xfrm>
-            <a:off x="810804" y="1210420"/>
+            <a:off x="1456013" y="729218"/>
             <a:ext cx="405233" cy="420414"/>
           </a:xfrm>
           <a:prstGeom prst="ellipse">
@@ -10392,7 +10300,7 @@
         </p:nvSpPr>
         <p:spPr>
           <a:xfrm>
-            <a:off x="1887940" y="1352803"/>
+            <a:off x="1922664" y="1964184"/>
             <a:ext cx="405233" cy="420414"/>
           </a:xfrm>
           <a:prstGeom prst="ellipse">
@@ -10427,6 +10335,35 @@
           </a:p>
         </p:txBody>
       </p:sp>
+      <p:pic>
+        <p:nvPicPr>
+          <p:cNvPr id="20" name="Picture 19" descr="Icon&#10;&#10;Description automatically generated">
+            <a:extLst>
+              <a:ext uri="{FF2B5EF4-FFF2-40B4-BE49-F238E27FC236}">
+                <a16:creationId xmlns:a16="http://schemas.microsoft.com/office/drawing/2014/main" id="{9CAC6693-94AB-68D2-06AA-234BA1470D3D}"/>
+              </a:ext>
+            </a:extLst>
+          </p:cNvPr>
+          <p:cNvPicPr>
+            <a:picLocks noChangeAspect="1"/>
+          </p:cNvPicPr>
+          <p:nvPr/>
+        </p:nvPicPr>
+        <p:blipFill rotWithShape="1">
+          <a:blip r:embed="rId4"/>
+          <a:srcRect l="4108" r="3" b="3"/>
+          <a:stretch/>
+        </p:blipFill>
+        <p:spPr>
+          <a:xfrm>
+            <a:off x="497796" y="2575306"/>
+            <a:ext cx="1936633" cy="2019600"/>
+          </a:xfrm>
+          <a:prstGeom prst="rect">
+            <a:avLst/>
+          </a:prstGeom>
+        </p:spPr>
+      </p:pic>
       <p:sp>
         <p:nvSpPr>
           <p:cNvPr id="21" name="Oval 20">
@@ -10441,7 +10378,7 @@
         </p:nvSpPr>
         <p:spPr>
           <a:xfrm>
-            <a:off x="1592631" y="4164138"/>
+            <a:off x="2020649" y="3544178"/>
             <a:ext cx="405233" cy="420414"/>
           </a:xfrm>
           <a:prstGeom prst="ellipse">
@@ -10490,7 +10427,7 @@
         </p:nvSpPr>
         <p:spPr>
           <a:xfrm>
-            <a:off x="1886548" y="3026979"/>
+            <a:off x="1862509" y="2703657"/>
             <a:ext cx="405233" cy="420414"/>
           </a:xfrm>
           <a:prstGeom prst="ellipse">
@@ -10539,7 +10476,7 @@
         </p:nvSpPr>
         <p:spPr>
           <a:xfrm>
-            <a:off x="412538" y="3521611"/>
+            <a:off x="651373" y="3506086"/>
             <a:ext cx="405233" cy="420414"/>
           </a:xfrm>
           <a:prstGeom prst="ellipse">
@@ -10611,7 +10548,7 @@
                   <a:srgbClr val="FFFF00"/>
                 </a:highlight>
               </a:rPr>
-              <a:t>Cube</a:t>
+              <a:t>Sphere</a:t>
             </a:r>
             <a:r>
               <a:rPr lang="en-US" dirty="0"/>
@@ -10620,14 +10557,14 @@
             <a:r>
               <a:rPr lang="en-US" dirty="0">
                 <a:highlight>
-                  <a:srgbClr val="FFFF00"/>
+                  <a:srgbClr val="00FF00"/>
                 </a:highlight>
               </a:rPr>
-              <a:t>Big</a:t>
-            </a:r>
-            <a:r>
-              <a:rPr lang="en-US" dirty="0"/>
-              <a:t>, Blue, Left</a:t>
+              <a:t>Small</a:t>
+            </a:r>
+            <a:r>
+              <a:rPr lang="en-US" dirty="0"/>
+              <a:t>, Red, Left</a:t>
             </a:r>
           </a:p>
           <a:p>
@@ -10649,22 +10586,35 @@
             <a:r>
               <a:rPr lang="en-US" dirty="0">
                 <a:highlight>
-                  <a:srgbClr val="FFFF00"/>
+                  <a:srgbClr val="00FF00"/>
                 </a:highlight>
               </a:rPr>
-              <a:t>Small</a:t>
-            </a:r>
-            <a:r>
-              <a:rPr lang="en-US" dirty="0"/>
-              <a:t>, </a:t>
-            </a:r>
+              <a:t>Big</a:t>
+            </a:r>
+            <a:r>
+              <a:rPr lang="en-US" dirty="0"/>
+              <a:t>, Blue, </a:t>
+            </a:r>
+            <a:r>
+              <a:rPr lang="en-US" dirty="0">
+                <a:highlight>
+                  <a:srgbClr val="FF00FF"/>
+                </a:highlight>
+              </a:rPr>
+              <a:t>Behind</a:t>
+            </a:r>
+          </a:p>
+          <a:p>
+            <a:pPr marL="342900" indent="-342900">
+              <a:buAutoNum type="alphaUcPeriod"/>
+            </a:pPr>
             <a:r>
               <a:rPr lang="en-US" dirty="0">
                 <a:highlight>
                   <a:srgbClr val="FFFF00"/>
                 </a:highlight>
               </a:rPr>
-              <a:t>Red</a:t>
+              <a:t>Cube</a:t>
             </a:r>
             <a:r>
               <a:rPr lang="en-US" dirty="0"/>
@@ -10673,44 +10623,19 @@
             <a:r>
               <a:rPr lang="en-US" dirty="0">
                 <a:highlight>
-                  <a:srgbClr val="FFFF00"/>
-                </a:highlight>
-              </a:rPr>
-              <a:t>Behind</a:t>
-            </a:r>
-          </a:p>
-          <a:p>
-            <a:pPr marL="342900" indent="-342900">
-              <a:buAutoNum type="alphaUcPeriod"/>
-            </a:pPr>
-            <a:r>
-              <a:rPr lang="en-US" dirty="0">
-                <a:highlight>
-                  <a:srgbClr val="FFFF00"/>
-                </a:highlight>
-              </a:rPr>
-              <a:t>Sphere</a:t>
-            </a:r>
-            <a:r>
-              <a:rPr lang="en-US" dirty="0"/>
-              <a:t>, </a:t>
-            </a:r>
-            <a:r>
-              <a:rPr lang="en-US" dirty="0">
-                <a:highlight>
-                  <a:srgbClr val="FFFF00"/>
+                  <a:srgbClr val="00FF00"/>
                 </a:highlight>
               </a:rPr>
               <a:t>Big</a:t>
             </a:r>
             <a:r>
               <a:rPr lang="en-US" dirty="0"/>
-              <a:t>, Green, </a:t>
+              <a:t>, Blue, </a:t>
             </a:r>
             <a:r>
               <a:rPr lang="en-US" dirty="0">
                 <a:highlight>
-                  <a:srgbClr val="FFFF00"/>
+                  <a:srgbClr val="FF00FF"/>
                 </a:highlight>
               </a:rPr>
               <a:t>Front</a:t>
@@ -10756,6 +10681,35 @@
           </a:p>
         </p:txBody>
       </p:sp>
+      <p:pic>
+        <p:nvPicPr>
+          <p:cNvPr id="7" name="Picture 6" descr="A picture containing orange&#10;&#10;Description automatically generated">
+            <a:extLst>
+              <a:ext uri="{FF2B5EF4-FFF2-40B4-BE49-F238E27FC236}">
+                <a16:creationId xmlns:a16="http://schemas.microsoft.com/office/drawing/2014/main" id="{ECBDCDEC-9659-E34E-E348-B9CFEC57DF66}"/>
+              </a:ext>
+            </a:extLst>
+          </p:cNvPr>
+          <p:cNvPicPr>
+            <a:picLocks noChangeAspect="1"/>
+          </p:cNvPicPr>
+          <p:nvPr/>
+        </p:nvPicPr>
+        <p:blipFill rotWithShape="1">
+          <a:blip r:embed="rId5"/>
+          <a:srcRect r="3935" b="2"/>
+          <a:stretch/>
+        </p:blipFill>
+        <p:spPr>
+          <a:xfrm>
+            <a:off x="496028" y="4723257"/>
+            <a:ext cx="1940168" cy="2019600"/>
+          </a:xfrm>
+          <a:prstGeom prst="rect">
+            <a:avLst/>
+          </a:prstGeom>
+        </p:spPr>
+      </p:pic>
       <p:sp>
         <p:nvSpPr>
           <p:cNvPr id="9" name="Oval 8">
@@ -10770,7 +10724,7 @@
         </p:nvSpPr>
         <p:spPr>
           <a:xfrm>
-            <a:off x="417579" y="6058210"/>
+            <a:off x="1406437" y="6160409"/>
             <a:ext cx="405233" cy="420414"/>
           </a:xfrm>
           <a:prstGeom prst="ellipse">
@@ -10819,7 +10773,7 @@
         </p:nvSpPr>
         <p:spPr>
           <a:xfrm>
-            <a:off x="1390988" y="5451112"/>
+            <a:off x="1456013" y="5465613"/>
             <a:ext cx="405233" cy="420414"/>
           </a:xfrm>
           <a:prstGeom prst="ellipse">
@@ -10869,7 +10823,7 @@
         <p:spPr>
           <a:xfrm>
             <a:off x="2673678" y="5380494"/>
-            <a:ext cx="3422322" cy="923330"/>
+            <a:ext cx="3422322" cy="646331"/>
           </a:xfrm>
           <a:prstGeom prst="rect">
             <a:avLst/>
@@ -10881,6 +10835,43 @@
             <a:spAutoFit/>
           </a:bodyPr>
           <a:lstStyle/>
+          <a:p>
+            <a:pPr marL="342900" indent="-342900">
+              <a:buAutoNum type="alphaUcPeriod"/>
+            </a:pPr>
+            <a:r>
+              <a:rPr lang="en-US" dirty="0">
+                <a:highlight>
+                  <a:srgbClr val="FFFF00"/>
+                </a:highlight>
+              </a:rPr>
+              <a:t>Cube</a:t>
+            </a:r>
+            <a:r>
+              <a:rPr lang="en-US" dirty="0"/>
+              <a:t>, </a:t>
+            </a:r>
+            <a:r>
+              <a:rPr lang="en-US" dirty="0">
+                <a:highlight>
+                  <a:srgbClr val="00FF00"/>
+                </a:highlight>
+              </a:rPr>
+              <a:t>Big</a:t>
+            </a:r>
+            <a:r>
+              <a:rPr lang="en-US" dirty="0"/>
+              <a:t>, Green, </a:t>
+            </a:r>
+            <a:r>
+              <a:rPr lang="en-US" dirty="0">
+                <a:highlight>
+                  <a:srgbClr val="FF00FF"/>
+                </a:highlight>
+              </a:rPr>
+              <a:t>Front</a:t>
+            </a:r>
+          </a:p>
           <a:p>
             <a:pPr marL="342900" indent="-342900">
               <a:buAutoNum type="alphaUcPeriod"/>
@@ -10900,109 +10891,19 @@
             <a:r>
               <a:rPr lang="en-US" dirty="0">
                 <a:highlight>
-                  <a:srgbClr val="FFFF00"/>
-                </a:highlight>
-              </a:rPr>
-              <a:t>Big</a:t>
-            </a:r>
-            <a:r>
-              <a:rPr lang="en-US" dirty="0"/>
-              <a:t>, Green, </a:t>
-            </a:r>
-            <a:r>
-              <a:rPr lang="en-US" dirty="0">
-                <a:highlight>
-                  <a:srgbClr val="FFFF00"/>
-                </a:highlight>
-              </a:rPr>
-              <a:t>Front</a:t>
-            </a:r>
-          </a:p>
-          <a:p>
-            <a:pPr marL="342900" indent="-342900">
-              <a:buAutoNum type="alphaUcPeriod"/>
-            </a:pPr>
-            <a:r>
-              <a:rPr lang="en-US" dirty="0">
-                <a:highlight>
-                  <a:srgbClr val="FFFF00"/>
-                </a:highlight>
-              </a:rPr>
-              <a:t>Cube</a:t>
-            </a:r>
-            <a:r>
-              <a:rPr lang="en-US" dirty="0"/>
-              <a:t>, </a:t>
-            </a:r>
-            <a:r>
-              <a:rPr lang="en-US" dirty="0">
-                <a:highlight>
-                  <a:srgbClr val="FFFF00"/>
-                </a:highlight>
-              </a:rPr>
-              <a:t>Big</a:t>
-            </a:r>
-            <a:r>
-              <a:rPr lang="en-US" dirty="0"/>
-              <a:t>, </a:t>
-            </a:r>
-            <a:r>
-              <a:rPr lang="en-US" dirty="0">
-                <a:highlight>
-                  <a:srgbClr val="FFFF00"/>
-                </a:highlight>
-              </a:rPr>
-              <a:t>Red</a:t>
-            </a:r>
-            <a:r>
-              <a:rPr lang="en-US" dirty="0"/>
-              <a:t>, Right</a:t>
-            </a:r>
-          </a:p>
-          <a:p>
-            <a:pPr marL="342900" indent="-342900">
-              <a:buAutoNum type="alphaUcPeriod"/>
-            </a:pPr>
-            <a:r>
-              <a:rPr lang="en-US" dirty="0">
-                <a:highlight>
-                  <a:srgbClr val="FFFF00"/>
-                </a:highlight>
-              </a:rPr>
-              <a:t>Sphere</a:t>
-            </a:r>
-            <a:r>
-              <a:rPr lang="en-US" dirty="0"/>
-              <a:t>, </a:t>
-            </a:r>
-            <a:r>
-              <a:rPr lang="en-US" dirty="0">
-                <a:highlight>
-                  <a:srgbClr val="FFFF00"/>
+                  <a:srgbClr val="00FF00"/>
                 </a:highlight>
               </a:rPr>
               <a:t>Small</a:t>
             </a:r>
             <a:r>
               <a:rPr lang="en-US" dirty="0"/>
-              <a:t>, </a:t>
+              <a:t>, Blue, </a:t>
             </a:r>
             <a:r>
               <a:rPr lang="en-US" dirty="0">
                 <a:highlight>
-                  <a:srgbClr val="FFFF00"/>
-                </a:highlight>
-              </a:rPr>
-              <a:t>Red</a:t>
-            </a:r>
-            <a:r>
-              <a:rPr lang="en-US" dirty="0"/>
-              <a:t>, </a:t>
-            </a:r>
-            <a:r>
-              <a:rPr lang="en-US" dirty="0">
-                <a:highlight>
-                  <a:srgbClr val="FFFF00"/>
+                  <a:srgbClr val="FF00FF"/>
                 </a:highlight>
               </a:rPr>
               <a:t>Behind</a:t>
@@ -11012,10 +10913,10 @@
       </p:sp>
       <p:sp>
         <p:nvSpPr>
-          <p:cNvPr id="14" name="TextBox 13">
-            <a:extLst>
-              <a:ext uri="{FF2B5EF4-FFF2-40B4-BE49-F238E27FC236}">
-                <a16:creationId xmlns:a16="http://schemas.microsoft.com/office/drawing/2014/main" id="{77D7668C-374B-DD95-6723-44C959CECB4E}"/>
+          <p:cNvPr id="12" name="TextBox 11">
+            <a:extLst>
+              <a:ext uri="{FF2B5EF4-FFF2-40B4-BE49-F238E27FC236}">
+                <a16:creationId xmlns:a16="http://schemas.microsoft.com/office/drawing/2014/main" id="{4A5DC98C-CEC8-CAEC-15C2-E88D0D5706D9}"/>
               </a:ext>
             </a:extLst>
           </p:cNvPr>
@@ -11024,8 +10925,8 @@
         </p:nvSpPr>
         <p:spPr>
           <a:xfrm>
-            <a:off x="6977898" y="1440245"/>
-            <a:ext cx="2892905" cy="4247317"/>
+            <a:off x="6663119" y="733717"/>
+            <a:ext cx="4442537" cy="369332"/>
           </a:xfrm>
           <a:prstGeom prst="rect">
             <a:avLst/>
@@ -11040,9 +10941,38 @@
           <a:p>
             <a:r>
               <a:rPr lang="en-US" dirty="0"/>
-              <a:t>Rules can be found</a:t>
-            </a:r>
-          </a:p>
+              <a:t>Learn rules relate with multiple objects</a:t>
+            </a:r>
+          </a:p>
+        </p:txBody>
+      </p:sp>
+      <p:sp>
+        <p:nvSpPr>
+          <p:cNvPr id="15" name="TextBox 14">
+            <a:extLst>
+              <a:ext uri="{FF2B5EF4-FFF2-40B4-BE49-F238E27FC236}">
+                <a16:creationId xmlns:a16="http://schemas.microsoft.com/office/drawing/2014/main" id="{CA059608-3EAB-1E9D-2CB0-D20D3A206D77}"/>
+              </a:ext>
+            </a:extLst>
+          </p:cNvPr>
+          <p:cNvSpPr txBox="1"/>
+          <p:nvPr/>
+        </p:nvSpPr>
+        <p:spPr>
+          <a:xfrm>
+            <a:off x="6632495" y="1158728"/>
+            <a:ext cx="3381994" cy="1754326"/>
+          </a:xfrm>
+          <a:prstGeom prst="rect">
+            <a:avLst/>
+          </a:prstGeom>
+          <a:noFill/>
+        </p:spPr>
+        <p:txBody>
+          <a:bodyPr wrap="square" rtlCol="0">
+            <a:spAutoFit/>
+          </a:bodyPr>
+          <a:lstStyle/>
           <a:p>
             <a:pPr marL="285750" indent="-285750">
               <a:buFont typeface="Arial" panose="020B0604020202020204" pitchFamily="34" charset="0"/>
@@ -11050,7 +10980,7 @@
             </a:pPr>
             <a:r>
               <a:rPr lang="en-US" dirty="0"/>
-              <a:t>Big, Cube</a:t>
+              <a:t>If exist</a:t>
             </a:r>
           </a:p>
           <a:p>
@@ -11060,7 +10990,7 @@
             </a:pPr>
             <a:r>
               <a:rPr lang="en-US" dirty="0"/>
-              <a:t>Blue (2)</a:t>
+              <a:t>A big cube </a:t>
             </a:r>
           </a:p>
           <a:p>
@@ -11070,7 +11000,17 @@
             </a:pPr>
             <a:r>
               <a:rPr lang="en-US" dirty="0"/>
-              <a:t>Blue Front (1)</a:t>
+              <a:t>A big sphere</a:t>
+            </a:r>
+          </a:p>
+          <a:p>
+            <a:pPr marL="742950" lvl="1" indent="-285750">
+              <a:buFont typeface="Arial" panose="020B0604020202020204" pitchFamily="34" charset="0"/>
+              <a:buChar char="•"/>
+            </a:pPr>
+            <a:r>
+              <a:rPr lang="en-US" dirty="0"/>
+              <a:t>small sphere</a:t>
             </a:r>
           </a:p>
           <a:p>
@@ -11080,9 +11020,83 @@
             </a:pPr>
             <a:r>
               <a:rPr lang="en-US" dirty="0"/>
-              <a:t>Big, Sphere</a:t>
-            </a:r>
-          </a:p>
+              <a:t>Then</a:t>
+            </a:r>
+          </a:p>
+          <a:p>
+            <a:pPr marL="742950" lvl="1" indent="-285750">
+              <a:buFont typeface="Arial" panose="020B0604020202020204" pitchFamily="34" charset="0"/>
+              <a:buChar char="•"/>
+            </a:pPr>
+            <a:r>
+              <a:rPr lang="en-US" dirty="0"/>
+              <a:t>Small sphere left of cube </a:t>
+            </a:r>
+          </a:p>
+        </p:txBody>
+      </p:sp>
+      <p:sp>
+        <p:nvSpPr>
+          <p:cNvPr id="4" name="TextBox 3">
+            <a:extLst>
+              <a:ext uri="{FF2B5EF4-FFF2-40B4-BE49-F238E27FC236}">
+                <a16:creationId xmlns:a16="http://schemas.microsoft.com/office/drawing/2014/main" id="{AA39B9DA-1915-347A-DF50-A6A1B1AD827F}"/>
+              </a:ext>
+            </a:extLst>
+          </p:cNvPr>
+          <p:cNvSpPr txBox="1"/>
+          <p:nvPr/>
+        </p:nvSpPr>
+        <p:spPr>
+          <a:xfrm>
+            <a:off x="9520647" y="6373525"/>
+            <a:ext cx="2529832" cy="369332"/>
+          </a:xfrm>
+          <a:prstGeom prst="rect">
+            <a:avLst/>
+          </a:prstGeom>
+          <a:noFill/>
+        </p:spPr>
+        <p:txBody>
+          <a:bodyPr wrap="square" rtlCol="0">
+            <a:spAutoFit/>
+          </a:bodyPr>
+          <a:lstStyle/>
+          <a:p>
+            <a:r>
+              <a:rPr lang="en-US" dirty="0"/>
+              <a:t>Exist Rule/ For All Rule</a:t>
+            </a:r>
+          </a:p>
+        </p:txBody>
+      </p:sp>
+      <p:sp>
+        <p:nvSpPr>
+          <p:cNvPr id="8" name="TextBox 7">
+            <a:extLst>
+              <a:ext uri="{FF2B5EF4-FFF2-40B4-BE49-F238E27FC236}">
+                <a16:creationId xmlns:a16="http://schemas.microsoft.com/office/drawing/2014/main" id="{CB6D7208-56E0-8A7F-7C11-6349C2C7D5FA}"/>
+              </a:ext>
+            </a:extLst>
+          </p:cNvPr>
+          <p:cNvSpPr txBox="1"/>
+          <p:nvPr/>
+        </p:nvSpPr>
+        <p:spPr>
+          <a:xfrm>
+            <a:off x="6634262" y="2984941"/>
+            <a:ext cx="5031086" cy="2308324"/>
+          </a:xfrm>
+          <a:prstGeom prst="rect">
+            <a:avLst/>
+          </a:prstGeom>
+          <a:noFill/>
+        </p:spPr>
+        <p:txBody>
+          <a:bodyPr wrap="square" rtlCol="0">
+            <a:spAutoFit/>
+          </a:bodyPr>
+          <a:lstStyle/>
           <a:p>
             <a:pPr marL="285750" indent="-285750">
               <a:buFont typeface="Arial" panose="020B0604020202020204" pitchFamily="34" charset="0"/>
@@ -11090,7 +11104,27 @@
             </a:pPr>
             <a:r>
               <a:rPr lang="en-US" dirty="0"/>
-              <a:t>Sphere, Behind</a:t>
+              <a:t>If exist</a:t>
+            </a:r>
+          </a:p>
+          <a:p>
+            <a:pPr marL="742950" lvl="1" indent="-285750">
+              <a:buFont typeface="Arial" panose="020B0604020202020204" pitchFamily="34" charset="0"/>
+              <a:buChar char="•"/>
+            </a:pPr>
+            <a:r>
+              <a:rPr lang="en-US" dirty="0"/>
+              <a:t>A big sphere	[1 1]</a:t>
+            </a:r>
+          </a:p>
+          <a:p>
+            <a:pPr marL="742950" lvl="1" indent="-285750">
+              <a:buFont typeface="Arial" panose="020B0604020202020204" pitchFamily="34" charset="0"/>
+              <a:buChar char="•"/>
+            </a:pPr>
+            <a:r>
+              <a:rPr lang="en-US" dirty="0"/>
+              <a:t>A small sphere	[1 0]</a:t>
             </a:r>
           </a:p>
           <a:p>
@@ -11100,7 +11134,37 @@
             </a:pPr>
             <a:r>
               <a:rPr lang="en-US" dirty="0"/>
-              <a:t>Red, Behind</a:t>
+              <a:t>Then</a:t>
+            </a:r>
+          </a:p>
+          <a:p>
+            <a:pPr marL="742950" lvl="1" indent="-285750">
+              <a:buFont typeface="Arial" panose="020B0604020202020204" pitchFamily="34" charset="0"/>
+              <a:buChar char="•"/>
+            </a:pPr>
+            <a:r>
+              <a:rPr lang="en-US" dirty="0"/>
+              <a:t>Small sphere left of sphere </a:t>
+            </a:r>
+          </a:p>
+          <a:p>
+            <a:pPr marL="742950" lvl="1" indent="-285750">
+              <a:buFont typeface="Arial" panose="020B0604020202020204" pitchFamily="34" charset="0"/>
+              <a:buChar char="•"/>
+            </a:pPr>
+            <a:r>
+              <a:rPr lang="en-US" dirty="0"/>
+              <a:t>[0 0]</a:t>
+            </a:r>
+          </a:p>
+          <a:p>
+            <a:pPr marL="742950" lvl="1" indent="-285750">
+              <a:buFont typeface="Arial" panose="020B0604020202020204" pitchFamily="34" charset="0"/>
+              <a:buChar char="•"/>
+            </a:pPr>
+            <a:r>
+              <a:rPr lang="en-US" dirty="0"/>
+              <a:t>[0 1] </a:t>
             </a:r>
           </a:p>
           <a:p>
@@ -11108,11 +11172,37 @@
               <a:buFont typeface="Arial" panose="020B0604020202020204" pitchFamily="34" charset="0"/>
               <a:buChar char="•"/>
             </a:pPr>
-            <a:r>
-              <a:rPr lang="en-US" dirty="0"/>
-              <a:t>Sphere, Red, Behind</a:t>
-            </a:r>
-          </a:p>
+            <a:endParaRPr lang="en-US" dirty="0"/>
+          </a:p>
+        </p:txBody>
+      </p:sp>
+      <p:sp>
+        <p:nvSpPr>
+          <p:cNvPr id="13" name="TextBox 12">
+            <a:extLst>
+              <a:ext uri="{FF2B5EF4-FFF2-40B4-BE49-F238E27FC236}">
+                <a16:creationId xmlns:a16="http://schemas.microsoft.com/office/drawing/2014/main" id="{1CC57A76-3C01-E546-0383-0A272113FD7E}"/>
+              </a:ext>
+            </a:extLst>
+          </p:cNvPr>
+          <p:cNvSpPr txBox="1"/>
+          <p:nvPr/>
+        </p:nvSpPr>
+        <p:spPr>
+          <a:xfrm>
+            <a:off x="6430154" y="5137384"/>
+            <a:ext cx="5031086" cy="646331"/>
+          </a:xfrm>
+          <a:prstGeom prst="rect">
+            <a:avLst/>
+          </a:prstGeom>
+          <a:noFill/>
+        </p:spPr>
+        <p:txBody>
+          <a:bodyPr wrap="square" rtlCol="0">
+            <a:spAutoFit/>
+          </a:bodyPr>
+          <a:lstStyle/>
           <a:p>
             <a:pPr marL="285750" indent="-285750">
               <a:buFont typeface="Arial" panose="020B0604020202020204" pitchFamily="34" charset="0"/>
@@ -11120,7 +11210,15 @@
             </a:pPr>
             <a:r>
               <a:rPr lang="en-US" dirty="0"/>
-              <a:t>Sphere, Small</a:t>
+              <a:t>Input: </a:t>
+            </a:r>
+            <a:r>
+              <a:rPr lang="en-US" dirty="0" err="1"/>
+              <a:t>Obj_Num</a:t>
+            </a:r>
+            <a:r>
+              <a:rPr lang="en-US" dirty="0"/>
+              <a:t> * Property*Num</a:t>
             </a:r>
           </a:p>
           <a:p>
@@ -11130,182 +11228,7 @@
             </a:pPr>
             <a:r>
               <a:rPr lang="en-US" dirty="0"/>
-              <a:t>Sphere, Red</a:t>
-            </a:r>
-          </a:p>
-          <a:p>
-            <a:pPr marL="742950" lvl="1" indent="-285750">
-              <a:buFont typeface="Arial" panose="020B0604020202020204" pitchFamily="34" charset="0"/>
-              <a:buChar char="•"/>
-            </a:pPr>
-            <a:r>
-              <a:rPr lang="en-US" dirty="0"/>
-              <a:t>Small (3)</a:t>
-            </a:r>
-          </a:p>
-          <a:p>
-            <a:pPr marL="742950" lvl="1" indent="-285750">
-              <a:buFont typeface="Arial" panose="020B0604020202020204" pitchFamily="34" charset="0"/>
-              <a:buChar char="•"/>
-            </a:pPr>
-            <a:r>
-              <a:rPr lang="en-US" dirty="0"/>
-              <a:t>Small Right (1)</a:t>
-            </a:r>
-          </a:p>
-          <a:p>
-            <a:pPr marL="285750" indent="-285750">
-              <a:buFont typeface="Arial" panose="020B0604020202020204" pitchFamily="34" charset="0"/>
-              <a:buChar char="•"/>
-            </a:pPr>
-            <a:r>
-              <a:rPr lang="en-US" dirty="0"/>
-              <a:t>Small Red</a:t>
-            </a:r>
-          </a:p>
-          <a:p>
-            <a:pPr marL="742950" lvl="1" indent="-285750">
-              <a:buFont typeface="Arial" panose="020B0604020202020204" pitchFamily="34" charset="0"/>
-              <a:buChar char="•"/>
-            </a:pPr>
-            <a:r>
-              <a:rPr lang="en-US" dirty="0"/>
-              <a:t>Sphere, Right (1)</a:t>
-            </a:r>
-          </a:p>
-          <a:p>
-            <a:pPr marL="285750" indent="-285750">
-              <a:buFont typeface="Arial" panose="020B0604020202020204" pitchFamily="34" charset="0"/>
-              <a:buChar char="•"/>
-            </a:pPr>
-            <a:r>
-              <a:rPr lang="en-US" dirty="0"/>
-              <a:t>Sphere, Small, Red</a:t>
-            </a:r>
-          </a:p>
-        </p:txBody>
-      </p:sp>
-      <p:sp>
-        <p:nvSpPr>
-          <p:cNvPr id="4" name="TextBox 3">
-            <a:extLst>
-              <a:ext uri="{FF2B5EF4-FFF2-40B4-BE49-F238E27FC236}">
-                <a16:creationId xmlns:a16="http://schemas.microsoft.com/office/drawing/2014/main" id="{887F491C-B8A4-AC40-8467-CC280FAD66D7}"/>
-              </a:ext>
-            </a:extLst>
-          </p:cNvPr>
-          <p:cNvSpPr txBox="1"/>
-          <p:nvPr/>
-        </p:nvSpPr>
-        <p:spPr>
-          <a:xfrm>
-            <a:off x="6977898" y="5934492"/>
-            <a:ext cx="1012503" cy="369332"/>
-          </a:xfrm>
-          <a:prstGeom prst="rect">
-            <a:avLst/>
-          </a:prstGeom>
-          <a:noFill/>
-        </p:spPr>
-        <p:txBody>
-          <a:bodyPr wrap="square" rtlCol="0">
-            <a:spAutoFit/>
-          </a:bodyPr>
-          <a:lstStyle/>
-          <a:p>
-            <a:r>
-              <a:rPr lang="en-US" dirty="0"/>
-              <a:t>5 rules</a:t>
-            </a:r>
-          </a:p>
-        </p:txBody>
-      </p:sp>
-      <p:sp>
-        <p:nvSpPr>
-          <p:cNvPr id="26" name="Oval 25">
-            <a:extLst>
-              <a:ext uri="{FF2B5EF4-FFF2-40B4-BE49-F238E27FC236}">
-                <a16:creationId xmlns:a16="http://schemas.microsoft.com/office/drawing/2014/main" id="{5D26DD76-FFF7-A832-FD87-4674211A33AF}"/>
-              </a:ext>
-            </a:extLst>
-          </p:cNvPr>
-          <p:cNvSpPr/>
-          <p:nvPr/>
-        </p:nvSpPr>
-        <p:spPr>
-          <a:xfrm>
-            <a:off x="615154" y="5018792"/>
-            <a:ext cx="405233" cy="420414"/>
-          </a:xfrm>
-          <a:prstGeom prst="ellipse">
-            <a:avLst/>
-          </a:prstGeom>
-        </p:spPr>
-        <p:style>
-          <a:lnRef idx="2">
-            <a:schemeClr val="accent1">
-              <a:shade val="50000"/>
-            </a:schemeClr>
-          </a:lnRef>
-          <a:fillRef idx="1">
-            <a:schemeClr val="accent1"/>
-          </a:fillRef>
-          <a:effectRef idx="0">
-            <a:schemeClr val="accent1"/>
-          </a:effectRef>
-          <a:fontRef idx="minor">
-            <a:schemeClr val="lt1"/>
-          </a:fontRef>
-        </p:style>
-        <p:txBody>
-          <a:bodyPr rtlCol="0" anchor="ctr"/>
-          <a:lstStyle/>
-          <a:p>
-            <a:pPr algn="ctr"/>
-            <a:r>
-              <a:rPr lang="en-US" dirty="0"/>
-              <a:t>C</a:t>
-            </a:r>
-          </a:p>
-        </p:txBody>
-      </p:sp>
-      <p:sp>
-        <p:nvSpPr>
-          <p:cNvPr id="2" name="TextBox 1">
-            <a:extLst>
-              <a:ext uri="{FF2B5EF4-FFF2-40B4-BE49-F238E27FC236}">
-                <a16:creationId xmlns:a16="http://schemas.microsoft.com/office/drawing/2014/main" id="{CA64DCF3-DAA5-8513-6D8C-2D48A5668748}"/>
-              </a:ext>
-            </a:extLst>
-          </p:cNvPr>
-          <p:cNvSpPr txBox="1"/>
-          <p:nvPr/>
-        </p:nvSpPr>
-        <p:spPr>
-          <a:xfrm>
-            <a:off x="6822518" y="487384"/>
-            <a:ext cx="4442537" cy="646331"/>
-          </a:xfrm>
-          <a:prstGeom prst="rect">
-            <a:avLst/>
-          </a:prstGeom>
-          <a:noFill/>
-        </p:spPr>
-        <p:txBody>
-          <a:bodyPr wrap="square" rtlCol="0">
-            <a:spAutoFit/>
-          </a:bodyPr>
-          <a:lstStyle/>
-          <a:p>
-            <a:r>
-              <a:rPr lang="en-US" dirty="0"/>
-              <a:t>First, search attribute by attribute</a:t>
-            </a:r>
-          </a:p>
-          <a:p>
-            <a:r>
-              <a:rPr lang="en-US" dirty="0"/>
-              <a:t>Then, add attributes as  priors to each rules</a:t>
+              <a:t>Output: spatial relation vector</a:t>
             </a:r>
           </a:p>
         </p:txBody>
@@ -11313,7 +11236,7 @@
     </p:spTree>
     <p:extLst>
       <p:ext uri="{BB962C8B-B14F-4D97-AF65-F5344CB8AC3E}">
-        <p14:creationId xmlns:p14="http://schemas.microsoft.com/office/powerpoint/2010/main" val="3475406260"/>
+        <p14:creationId xmlns:p14="http://schemas.microsoft.com/office/powerpoint/2010/main" val="1931751519"/>
       </p:ext>
     </p:extLst>
   </p:cSld>
@@ -11340,17 +11263,244 @@
           <a:chExt cx="0" cy="0"/>
         </a:xfrm>
       </p:grpSpPr>
+      <p:sp>
+        <p:nvSpPr>
+          <p:cNvPr id="3" name="TextBox 2">
+            <a:extLst>
+              <a:ext uri="{FF2B5EF4-FFF2-40B4-BE49-F238E27FC236}">
+                <a16:creationId xmlns:a16="http://schemas.microsoft.com/office/drawing/2014/main" id="{B5C314BA-CA09-0A3A-C4A3-97F4CD6E4B9A}"/>
+              </a:ext>
+            </a:extLst>
+          </p:cNvPr>
+          <p:cNvSpPr txBox="1"/>
+          <p:nvPr/>
+        </p:nvSpPr>
+        <p:spPr>
+          <a:xfrm>
+            <a:off x="1012828" y="49730"/>
+            <a:ext cx="655503" cy="369332"/>
+          </a:xfrm>
+          <a:prstGeom prst="rect">
+            <a:avLst/>
+          </a:prstGeom>
+          <a:noFill/>
+        </p:spPr>
+        <p:txBody>
+          <a:bodyPr wrap="square" rtlCol="0">
+            <a:spAutoFit/>
+          </a:bodyPr>
+          <a:lstStyle/>
+          <a:p>
+            <a:r>
+              <a:rPr lang="en-US" dirty="0"/>
+              <a:t>Train</a:t>
+            </a:r>
+          </a:p>
+        </p:txBody>
+      </p:sp>
+      <p:sp>
+        <p:nvSpPr>
+          <p:cNvPr id="12" name="TextBox 11">
+            <a:extLst>
+              <a:ext uri="{FF2B5EF4-FFF2-40B4-BE49-F238E27FC236}">
+                <a16:creationId xmlns:a16="http://schemas.microsoft.com/office/drawing/2014/main" id="{4A5DC98C-CEC8-CAEC-15C2-E88D0D5706D9}"/>
+              </a:ext>
+            </a:extLst>
+          </p:cNvPr>
+          <p:cNvSpPr txBox="1"/>
+          <p:nvPr/>
+        </p:nvSpPr>
+        <p:spPr>
+          <a:xfrm>
+            <a:off x="3029023" y="897349"/>
+            <a:ext cx="4442537" cy="2031325"/>
+          </a:xfrm>
+          <a:prstGeom prst="rect">
+            <a:avLst/>
+          </a:prstGeom>
+          <a:noFill/>
+        </p:spPr>
+        <p:txBody>
+          <a:bodyPr wrap="square" rtlCol="0">
+            <a:spAutoFit/>
+          </a:bodyPr>
+          <a:lstStyle/>
+          <a:p>
+            <a:r>
+              <a:rPr lang="en-US" dirty="0"/>
+              <a:t>Rules could be learned:</a:t>
+            </a:r>
+          </a:p>
+          <a:p>
+            <a:pPr marL="342900" indent="-342900">
+              <a:buAutoNum type="arabicPeriod"/>
+            </a:pPr>
+            <a:r>
+              <a:rPr lang="en-US" dirty="0"/>
+              <a:t>If exist, then </a:t>
+            </a:r>
+          </a:p>
+          <a:p>
+            <a:pPr marL="342900" indent="-342900">
+              <a:buAutoNum type="arabicPeriod"/>
+            </a:pPr>
+            <a:endParaRPr lang="en-US" dirty="0"/>
+          </a:p>
+          <a:p>
+            <a:r>
+              <a:rPr lang="en-US" dirty="0"/>
+              <a:t>Predict a feature map, which related with a rules, and then explain the feature maps with some probabilistic models</a:t>
+            </a:r>
+          </a:p>
+          <a:p>
+            <a:endParaRPr lang="en-US" dirty="0"/>
+          </a:p>
+        </p:txBody>
+      </p:sp>
+      <p:sp>
+        <p:nvSpPr>
+          <p:cNvPr id="14" name="TextBox 13">
+            <a:extLst>
+              <a:ext uri="{FF2B5EF4-FFF2-40B4-BE49-F238E27FC236}">
+                <a16:creationId xmlns:a16="http://schemas.microsoft.com/office/drawing/2014/main" id="{77D7668C-374B-DD95-6723-44C959CECB4E}"/>
+              </a:ext>
+            </a:extLst>
+          </p:cNvPr>
+          <p:cNvSpPr txBox="1"/>
+          <p:nvPr/>
+        </p:nvSpPr>
+        <p:spPr>
+          <a:xfrm>
+            <a:off x="2963946" y="221441"/>
+            <a:ext cx="4572693" cy="923330"/>
+          </a:xfrm>
+          <a:prstGeom prst="rect">
+            <a:avLst/>
+          </a:prstGeom>
+          <a:noFill/>
+        </p:spPr>
+        <p:txBody>
+          <a:bodyPr wrap="square" rtlCol="0">
+            <a:spAutoFit/>
+          </a:bodyPr>
+          <a:lstStyle/>
+          <a:p>
+            <a:r>
+              <a:rPr lang="en-US" dirty="0"/>
+              <a:t>How to use network to predict the rules?</a:t>
+            </a:r>
+          </a:p>
+          <a:p>
+            <a:endParaRPr lang="en-US" dirty="0"/>
+          </a:p>
+          <a:p>
+            <a:endParaRPr lang="en-US" dirty="0"/>
+          </a:p>
+        </p:txBody>
+      </p:sp>
+      <p:sp>
+        <p:nvSpPr>
+          <p:cNvPr id="7" name="TextBox 6">
+            <a:extLst>
+              <a:ext uri="{FF2B5EF4-FFF2-40B4-BE49-F238E27FC236}">
+                <a16:creationId xmlns:a16="http://schemas.microsoft.com/office/drawing/2014/main" id="{B4C04576-B793-4F27-DF97-873A188A9712}"/>
+              </a:ext>
+            </a:extLst>
+          </p:cNvPr>
+          <p:cNvSpPr txBox="1"/>
+          <p:nvPr/>
+        </p:nvSpPr>
+        <p:spPr>
+          <a:xfrm>
+            <a:off x="2799054" y="3020902"/>
+            <a:ext cx="4442537" cy="3693319"/>
+          </a:xfrm>
+          <a:prstGeom prst="rect">
+            <a:avLst/>
+          </a:prstGeom>
+          <a:noFill/>
+        </p:spPr>
+        <p:txBody>
+          <a:bodyPr wrap="square" rtlCol="0">
+            <a:spAutoFit/>
+          </a:bodyPr>
+          <a:lstStyle/>
+          <a:p>
+            <a:r>
+              <a:rPr lang="en-US" dirty="0"/>
+              <a:t>Predict Feature maps</a:t>
+            </a:r>
+          </a:p>
+          <a:p>
+            <a:r>
+              <a:rPr lang="en-US" dirty="0"/>
+              <a:t>F1: Sphere left of big sphere</a:t>
+            </a:r>
+          </a:p>
+          <a:p>
+            <a:r>
+              <a:rPr lang="en-US" dirty="0"/>
+              <a:t>F2: Sphere left of big cube</a:t>
+            </a:r>
+          </a:p>
+          <a:p>
+            <a:r>
+              <a:rPr lang="en-US" dirty="0"/>
+              <a:t>F1 != F2, but they can be summarized as one same rule</a:t>
+            </a:r>
+          </a:p>
+          <a:p>
+            <a:endParaRPr lang="en-US" dirty="0"/>
+          </a:p>
+          <a:p>
+            <a:r>
+              <a:rPr lang="en-US" dirty="0"/>
+              <a:t>Just consider the size for now</a:t>
+            </a:r>
+          </a:p>
+          <a:p>
+            <a:r>
+              <a:rPr lang="en-US" dirty="0"/>
+              <a:t>Predict F1 –&gt; rules: </a:t>
+            </a:r>
+          </a:p>
+          <a:p>
+            <a:r>
+              <a:rPr lang="en-US" dirty="0"/>
+              <a:t>small orange ball left, big blue cube right</a:t>
+            </a:r>
+          </a:p>
+          <a:p>
+            <a:r>
+              <a:rPr lang="en-US" dirty="0"/>
+              <a:t>Small orange ball left, big pink cube right</a:t>
+            </a:r>
+          </a:p>
+          <a:p>
+            <a:r>
+              <a:rPr lang="en-US" dirty="0"/>
+              <a:t>Predict F2 -&gt; </a:t>
+            </a:r>
+          </a:p>
+          <a:p>
+            <a:endParaRPr lang="en-US" dirty="0"/>
+          </a:p>
+          <a:p>
+            <a:endParaRPr lang="en-US" dirty="0"/>
+          </a:p>
+        </p:txBody>
+      </p:sp>
       <p:pic>
         <p:nvPicPr>
-          <p:cNvPr id="2" name="Picture 2">
-            <a:extLst>
-              <a:ext uri="{FF2B5EF4-FFF2-40B4-BE49-F238E27FC236}">
-                <a16:creationId xmlns:a16="http://schemas.microsoft.com/office/drawing/2014/main" id="{2173C773-10D5-2FE3-0482-D71CF55B926A}"/>
+          <p:cNvPr id="15" name="Picture 14" descr="A picture containing icon&#10;&#10;Description automatically generated">
+            <a:extLst>
+              <a:ext uri="{FF2B5EF4-FFF2-40B4-BE49-F238E27FC236}">
+                <a16:creationId xmlns:a16="http://schemas.microsoft.com/office/drawing/2014/main" id="{889CF60C-8F6B-9828-F799-E01859800786}"/>
               </a:ext>
             </a:extLst>
           </p:cNvPr>
           <p:cNvPicPr>
-            <a:picLocks noChangeAspect="1" noChangeArrowheads="1"/>
+            <a:picLocks noChangeAspect="1"/>
           </p:cNvPicPr>
           <p:nvPr/>
         </p:nvPicPr>
@@ -11362,42 +11512,31 @@
               </a:ext>
             </a:extLst>
           </a:blip>
-          <a:srcRect/>
           <a:stretch>
             <a:fillRect/>
           </a:stretch>
         </p:blipFill>
-        <p:spPr bwMode="auto">
-          <a:xfrm>
-            <a:off x="73187" y="188784"/>
-            <a:ext cx="3038885" cy="2026236"/>
+        <p:spPr>
+          <a:xfrm>
+            <a:off x="701392" y="683106"/>
+            <a:ext cx="1440000" cy="1440000"/>
           </a:xfrm>
           <a:prstGeom prst="rect">
             <a:avLst/>
           </a:prstGeom>
-          <a:noFill/>
-          <a:extLst>
-            <a:ext uri="{909E8E84-426E-40DD-AFC4-6F175D3DCCD1}">
-              <a14:hiddenFill xmlns:a14="http://schemas.microsoft.com/office/drawing/2010/main">
-                <a:solidFill>
-                  <a:srgbClr val="FFFFFF"/>
-                </a:solidFill>
-              </a14:hiddenFill>
-            </a:ext>
-          </a:extLst>
         </p:spPr>
       </p:pic>
       <p:pic>
         <p:nvPicPr>
-          <p:cNvPr id="7" name="Picture 4">
-            <a:extLst>
-              <a:ext uri="{FF2B5EF4-FFF2-40B4-BE49-F238E27FC236}">
-                <a16:creationId xmlns:a16="http://schemas.microsoft.com/office/drawing/2014/main" id="{0C336ECA-0517-9C03-462B-76648529BA81}"/>
+          <p:cNvPr id="20" name="Picture 19" descr="A picture containing icon&#10;&#10;Description automatically generated">
+            <a:extLst>
+              <a:ext uri="{FF2B5EF4-FFF2-40B4-BE49-F238E27FC236}">
+                <a16:creationId xmlns:a16="http://schemas.microsoft.com/office/drawing/2014/main" id="{6C00EBCC-15DB-F3BF-AD5E-05AF2C4C04E7}"/>
               </a:ext>
             </a:extLst>
           </p:cNvPr>
           <p:cNvPicPr>
-            <a:picLocks noChangeAspect="1" noChangeArrowheads="1"/>
+            <a:picLocks noChangeAspect="1"/>
           </p:cNvPicPr>
           <p:nvPr/>
         </p:nvPicPr>
@@ -11409,42 +11548,31 @@
               </a:ext>
             </a:extLst>
           </a:blip>
-          <a:srcRect/>
           <a:stretch>
             <a:fillRect/>
           </a:stretch>
         </p:blipFill>
-        <p:spPr bwMode="auto">
-          <a:xfrm>
-            <a:off x="73188" y="2323650"/>
-            <a:ext cx="2856390" cy="2137468"/>
+        <p:spPr>
+          <a:xfrm>
+            <a:off x="701392" y="2445636"/>
+            <a:ext cx="1440000" cy="1440000"/>
           </a:xfrm>
           <a:prstGeom prst="rect">
             <a:avLst/>
           </a:prstGeom>
-          <a:noFill/>
-          <a:extLst>
-            <a:ext uri="{909E8E84-426E-40DD-AFC4-6F175D3DCCD1}">
-              <a14:hiddenFill xmlns:a14="http://schemas.microsoft.com/office/drawing/2010/main">
-                <a:solidFill>
-                  <a:srgbClr val="FFFFFF"/>
-                </a:solidFill>
-              </a14:hiddenFill>
-            </a:ext>
-          </a:extLst>
         </p:spPr>
       </p:pic>
       <p:pic>
         <p:nvPicPr>
-          <p:cNvPr id="8" name="Picture 6">
-            <a:extLst>
-              <a:ext uri="{FF2B5EF4-FFF2-40B4-BE49-F238E27FC236}">
-                <a16:creationId xmlns:a16="http://schemas.microsoft.com/office/drawing/2014/main" id="{D75CCB94-0794-BF1E-825F-4D31AF7C35B0}"/>
+          <p:cNvPr id="28" name="Picture 27" descr="A picture containing light, orange&#10;&#10;Description automatically generated">
+            <a:extLst>
+              <a:ext uri="{FF2B5EF4-FFF2-40B4-BE49-F238E27FC236}">
+                <a16:creationId xmlns:a16="http://schemas.microsoft.com/office/drawing/2014/main" id="{BA1C7DB0-139E-6830-719B-44C8DF6B5057}"/>
               </a:ext>
             </a:extLst>
           </p:cNvPr>
           <p:cNvPicPr>
-            <a:picLocks noChangeAspect="1" noChangeArrowheads="1"/>
+            <a:picLocks noChangeAspect="1"/>
           </p:cNvPicPr>
           <p:nvPr/>
         </p:nvPicPr>
@@ -11456,37 +11584,26 @@
               </a:ext>
             </a:extLst>
           </a:blip>
-          <a:srcRect/>
           <a:stretch>
             <a:fillRect/>
           </a:stretch>
         </p:blipFill>
-        <p:spPr bwMode="auto">
-          <a:xfrm>
-            <a:off x="73187" y="4569748"/>
-            <a:ext cx="3038886" cy="2155663"/>
+        <p:spPr>
+          <a:xfrm>
+            <a:off x="701392" y="4247407"/>
+            <a:ext cx="1440000" cy="1440000"/>
           </a:xfrm>
           <a:prstGeom prst="rect">
             <a:avLst/>
           </a:prstGeom>
-          <a:noFill/>
-          <a:extLst>
-            <a:ext uri="{909E8E84-426E-40DD-AFC4-6F175D3DCCD1}">
-              <a14:hiddenFill xmlns:a14="http://schemas.microsoft.com/office/drawing/2010/main">
-                <a:solidFill>
-                  <a:srgbClr val="FFFFFF"/>
-                </a:solidFill>
-              </a14:hiddenFill>
-            </a:ext>
-          </a:extLst>
         </p:spPr>
       </p:pic>
       <p:sp>
         <p:nvSpPr>
-          <p:cNvPr id="6" name="TextBox 5">
-            <a:extLst>
-              <a:ext uri="{FF2B5EF4-FFF2-40B4-BE49-F238E27FC236}">
-                <a16:creationId xmlns:a16="http://schemas.microsoft.com/office/drawing/2014/main" id="{353061C3-FEA3-E95B-5669-5CC96E1B21AE}"/>
+          <p:cNvPr id="29" name="TextBox 28">
+            <a:extLst>
+              <a:ext uri="{FF2B5EF4-FFF2-40B4-BE49-F238E27FC236}">
+                <a16:creationId xmlns:a16="http://schemas.microsoft.com/office/drawing/2014/main" id="{9C83AD23-52DF-B15D-77AC-BAEF765BBBA2}"/>
               </a:ext>
             </a:extLst>
           </p:cNvPr>
@@ -11495,8 +11612,8 @@
         </p:nvSpPr>
         <p:spPr>
           <a:xfrm>
-            <a:off x="3071791" y="883750"/>
-            <a:ext cx="3422322" cy="1200329"/>
+            <a:off x="7601716" y="554088"/>
+            <a:ext cx="4442537" cy="4801314"/>
           </a:xfrm>
           <a:prstGeom prst="rect">
             <a:avLst/>
@@ -11509,1072 +11626,123 @@
           </a:bodyPr>
           <a:lstStyle/>
           <a:p>
+            <a:r>
+              <a:rPr lang="en-US" dirty="0"/>
+              <a:t>What can NN do?</a:t>
+            </a:r>
+          </a:p>
+          <a:p>
+            <a:endParaRPr lang="en-US" dirty="0"/>
+          </a:p>
+          <a:p>
             <a:pPr marL="342900" indent="-342900">
-              <a:buAutoNum type="alphaUcPeriod"/>
-            </a:pPr>
-            <a:r>
-              <a:rPr lang="en-US" dirty="0">
-                <a:highlight>
-                  <a:srgbClr val="FFFF00"/>
-                </a:highlight>
-              </a:rPr>
-              <a:t>Cube</a:t>
-            </a:r>
-            <a:r>
-              <a:rPr lang="en-US" dirty="0"/>
-              <a:t>, </a:t>
-            </a:r>
-            <a:r>
-              <a:rPr lang="en-US" dirty="0">
-                <a:highlight>
-                  <a:srgbClr val="FFFF00"/>
-                </a:highlight>
-              </a:rPr>
-              <a:t>Big</a:t>
-            </a:r>
-            <a:r>
-              <a:rPr lang="en-US" dirty="0"/>
-              <a:t>, Blue, </a:t>
-            </a:r>
-            <a:r>
-              <a:rPr lang="en-US" dirty="0">
-                <a:highlight>
-                  <a:srgbClr val="FFFF00"/>
-                </a:highlight>
-              </a:rPr>
-              <a:t>Front</a:t>
+              <a:buAutoNum type="arabicPeriod"/>
+            </a:pPr>
+            <a:r>
+              <a:rPr lang="en-US" dirty="0"/>
+              <a:t>NN –&gt; classification</a:t>
             </a:r>
           </a:p>
           <a:p>
             <a:pPr marL="342900" indent="-342900">
-              <a:buAutoNum type="alphaUcPeriod"/>
-            </a:pPr>
-            <a:r>
-              <a:rPr lang="en-US" dirty="0">
-                <a:highlight>
-                  <a:srgbClr val="FFFF00"/>
-                </a:highlight>
-              </a:rPr>
-              <a:t>Sphere</a:t>
-            </a:r>
-            <a:r>
-              <a:rPr lang="en-US" dirty="0"/>
-              <a:t>, </a:t>
-            </a:r>
-            <a:r>
-              <a:rPr lang="en-US" dirty="0">
-                <a:highlight>
-                  <a:srgbClr val="FFFF00"/>
-                </a:highlight>
-              </a:rPr>
-              <a:t>Big</a:t>
-            </a:r>
-            <a:r>
-              <a:rPr lang="en-US" dirty="0"/>
-              <a:t>, </a:t>
-            </a:r>
-            <a:r>
-              <a:rPr lang="en-US" dirty="0">
-                <a:highlight>
-                  <a:srgbClr val="FFFF00"/>
-                </a:highlight>
-              </a:rPr>
-              <a:t>Red</a:t>
-            </a:r>
-            <a:r>
-              <a:rPr lang="en-US" dirty="0"/>
-              <a:t>, </a:t>
-            </a:r>
-            <a:r>
-              <a:rPr lang="en-US" dirty="0">
-                <a:highlight>
-                  <a:srgbClr val="FFFF00"/>
-                </a:highlight>
-              </a:rPr>
-              <a:t>Behind</a:t>
+              <a:buAutoNum type="arabicPeriod"/>
+            </a:pPr>
+            <a:r>
+              <a:rPr lang="en-US" dirty="0"/>
+              <a:t>Predict A and B</a:t>
             </a:r>
           </a:p>
           <a:p>
             <a:pPr marL="342900" indent="-342900">
-              <a:buAutoNum type="alphaUcPeriod"/>
-            </a:pPr>
-            <a:r>
-              <a:rPr lang="en-US" dirty="0">
-                <a:highlight>
-                  <a:srgbClr val="FFFF00"/>
-                </a:highlight>
-              </a:rPr>
-              <a:t>Sphere</a:t>
-            </a:r>
-            <a:r>
-              <a:rPr lang="en-US" dirty="0"/>
-              <a:t>, </a:t>
-            </a:r>
-            <a:r>
-              <a:rPr lang="en-US" dirty="0">
-                <a:highlight>
-                  <a:srgbClr val="FFFF00"/>
-                </a:highlight>
-              </a:rPr>
-              <a:t>Small</a:t>
-            </a:r>
-            <a:r>
-              <a:rPr lang="en-US" dirty="0"/>
-              <a:t>, </a:t>
-            </a:r>
-            <a:r>
-              <a:rPr lang="en-US" dirty="0">
-                <a:highlight>
-                  <a:srgbClr val="FFFF00"/>
-                </a:highlight>
-              </a:rPr>
-              <a:t>Red</a:t>
-            </a:r>
-            <a:r>
-              <a:rPr lang="en-US" dirty="0"/>
-              <a:t>, Right</a:t>
-            </a:r>
-          </a:p>
-          <a:p>
+              <a:buAutoNum type="arabicPeriod"/>
+            </a:pPr>
+            <a:r>
+              <a:rPr lang="en-US" dirty="0"/>
+              <a:t>The related feature maps</a:t>
+            </a:r>
+          </a:p>
+          <a:p>
+            <a:pPr marL="342900" indent="-342900">
+              <a:buAutoNum type="arabicPeriod"/>
+            </a:pPr>
+            <a:r>
+              <a:rPr lang="en-US" dirty="0"/>
+              <a:t>The feature maps A and B</a:t>
+            </a:r>
+          </a:p>
+          <a:p>
+            <a:pPr marL="342900" indent="-342900">
+              <a:buAutoNum type="arabicPeriod"/>
+            </a:pPr>
             <a:endParaRPr lang="en-US" dirty="0"/>
           </a:p>
-        </p:txBody>
-      </p:sp>
-      <p:sp>
-        <p:nvSpPr>
-          <p:cNvPr id="17" name="Oval 16">
-            <a:extLst>
-              <a:ext uri="{FF2B5EF4-FFF2-40B4-BE49-F238E27FC236}">
-                <a16:creationId xmlns:a16="http://schemas.microsoft.com/office/drawing/2014/main" id="{6673F793-5107-84F5-1EFC-9F96C5152DF1}"/>
-              </a:ext>
-            </a:extLst>
-          </p:cNvPr>
-          <p:cNvSpPr/>
-          <p:nvPr/>
-        </p:nvSpPr>
-        <p:spPr>
-          <a:xfrm>
-            <a:off x="608188" y="1873872"/>
-            <a:ext cx="405233" cy="420414"/>
-          </a:xfrm>
-          <a:prstGeom prst="ellipse">
-            <a:avLst/>
-          </a:prstGeom>
-        </p:spPr>
-        <p:style>
-          <a:lnRef idx="2">
-            <a:schemeClr val="accent1">
-              <a:shade val="50000"/>
-            </a:schemeClr>
-          </a:lnRef>
-          <a:fillRef idx="1">
-            <a:schemeClr val="accent1"/>
-          </a:fillRef>
-          <a:effectRef idx="0">
-            <a:schemeClr val="accent1"/>
-          </a:effectRef>
-          <a:fontRef idx="minor">
-            <a:schemeClr val="lt1"/>
-          </a:fontRef>
-        </p:style>
-        <p:txBody>
-          <a:bodyPr rtlCol="0" anchor="ctr"/>
-          <a:lstStyle/>
-          <a:p>
-            <a:pPr algn="ctr"/>
-            <a:r>
-              <a:rPr lang="en-US" dirty="0"/>
-              <a:t>A</a:t>
-            </a:r>
-          </a:p>
-        </p:txBody>
-      </p:sp>
-      <p:sp>
-        <p:nvSpPr>
-          <p:cNvPr id="18" name="Oval 17">
-            <a:extLst>
-              <a:ext uri="{FF2B5EF4-FFF2-40B4-BE49-F238E27FC236}">
-                <a16:creationId xmlns:a16="http://schemas.microsoft.com/office/drawing/2014/main" id="{D0D73A21-5B4E-ABCA-68EA-71F9B38C43C6}"/>
-              </a:ext>
-            </a:extLst>
-          </p:cNvPr>
-          <p:cNvSpPr/>
-          <p:nvPr/>
-        </p:nvSpPr>
-        <p:spPr>
-          <a:xfrm>
-            <a:off x="810804" y="1210420"/>
-            <a:ext cx="405233" cy="420414"/>
-          </a:xfrm>
-          <a:prstGeom prst="ellipse">
-            <a:avLst/>
-          </a:prstGeom>
-        </p:spPr>
-        <p:style>
-          <a:lnRef idx="2">
-            <a:schemeClr val="accent1">
-              <a:shade val="50000"/>
-            </a:schemeClr>
-          </a:lnRef>
-          <a:fillRef idx="1">
-            <a:schemeClr val="accent1"/>
-          </a:fillRef>
-          <a:effectRef idx="0">
-            <a:schemeClr val="accent1"/>
-          </a:effectRef>
-          <a:fontRef idx="minor">
-            <a:schemeClr val="lt1"/>
-          </a:fontRef>
-        </p:style>
-        <p:txBody>
-          <a:bodyPr rtlCol="0" anchor="ctr"/>
-          <a:lstStyle/>
-          <a:p>
-            <a:pPr algn="ctr"/>
-            <a:r>
-              <a:rPr lang="en-US" dirty="0"/>
-              <a:t>B</a:t>
-            </a:r>
-          </a:p>
-        </p:txBody>
-      </p:sp>
-      <p:sp>
-        <p:nvSpPr>
-          <p:cNvPr id="19" name="Oval 18">
-            <a:extLst>
-              <a:ext uri="{FF2B5EF4-FFF2-40B4-BE49-F238E27FC236}">
-                <a16:creationId xmlns:a16="http://schemas.microsoft.com/office/drawing/2014/main" id="{13BE3EF0-293C-F0D3-60A0-2DF596361A8F}"/>
-              </a:ext>
-            </a:extLst>
-          </p:cNvPr>
-          <p:cNvSpPr/>
-          <p:nvPr/>
-        </p:nvSpPr>
-        <p:spPr>
-          <a:xfrm>
-            <a:off x="1887940" y="1352803"/>
-            <a:ext cx="405233" cy="420414"/>
-          </a:xfrm>
-          <a:prstGeom prst="ellipse">
-            <a:avLst/>
-          </a:prstGeom>
-        </p:spPr>
-        <p:style>
-          <a:lnRef idx="2">
-            <a:schemeClr val="accent1">
-              <a:shade val="50000"/>
-            </a:schemeClr>
-          </a:lnRef>
-          <a:fillRef idx="1">
-            <a:schemeClr val="accent1"/>
-          </a:fillRef>
-          <a:effectRef idx="0">
-            <a:schemeClr val="accent1"/>
-          </a:effectRef>
-          <a:fontRef idx="minor">
-            <a:schemeClr val="lt1"/>
-          </a:fontRef>
-        </p:style>
-        <p:txBody>
-          <a:bodyPr rtlCol="0" anchor="ctr"/>
-          <a:lstStyle/>
-          <a:p>
-            <a:pPr algn="ctr"/>
-            <a:r>
-              <a:rPr lang="en-US" dirty="0"/>
-              <a:t>C</a:t>
-            </a:r>
-          </a:p>
-        </p:txBody>
-      </p:sp>
-      <p:sp>
-        <p:nvSpPr>
-          <p:cNvPr id="21" name="Oval 20">
-            <a:extLst>
-              <a:ext uri="{FF2B5EF4-FFF2-40B4-BE49-F238E27FC236}">
-                <a16:creationId xmlns:a16="http://schemas.microsoft.com/office/drawing/2014/main" id="{5A422E20-512A-3BA5-CB2A-71D0AA856232}"/>
-              </a:ext>
-            </a:extLst>
-          </p:cNvPr>
-          <p:cNvSpPr/>
-          <p:nvPr/>
-        </p:nvSpPr>
-        <p:spPr>
-          <a:xfrm>
-            <a:off x="1592631" y="4164138"/>
-            <a:ext cx="405233" cy="420414"/>
-          </a:xfrm>
-          <a:prstGeom prst="ellipse">
-            <a:avLst/>
-          </a:prstGeom>
-        </p:spPr>
-        <p:style>
-          <a:lnRef idx="2">
-            <a:schemeClr val="accent1">
-              <a:shade val="50000"/>
-            </a:schemeClr>
-          </a:lnRef>
-          <a:fillRef idx="1">
-            <a:schemeClr val="accent1"/>
-          </a:fillRef>
-          <a:effectRef idx="0">
-            <a:schemeClr val="accent1"/>
-          </a:effectRef>
-          <a:fontRef idx="minor">
-            <a:schemeClr val="lt1"/>
-          </a:fontRef>
-        </p:style>
-        <p:txBody>
-          <a:bodyPr rtlCol="0" anchor="ctr"/>
-          <a:lstStyle/>
-          <a:p>
-            <a:pPr algn="ctr"/>
-            <a:r>
-              <a:rPr lang="en-US" dirty="0"/>
-              <a:t>C</a:t>
-            </a:r>
-          </a:p>
-        </p:txBody>
-      </p:sp>
-      <p:sp>
-        <p:nvSpPr>
-          <p:cNvPr id="22" name="Oval 21">
-            <a:extLst>
-              <a:ext uri="{FF2B5EF4-FFF2-40B4-BE49-F238E27FC236}">
-                <a16:creationId xmlns:a16="http://schemas.microsoft.com/office/drawing/2014/main" id="{6ADF25AD-B46C-5331-B932-8C38061BE185}"/>
-              </a:ext>
-            </a:extLst>
-          </p:cNvPr>
-          <p:cNvSpPr/>
-          <p:nvPr/>
-        </p:nvSpPr>
-        <p:spPr>
-          <a:xfrm>
-            <a:off x="1886548" y="3026979"/>
-            <a:ext cx="405233" cy="420414"/>
-          </a:xfrm>
-          <a:prstGeom prst="ellipse">
-            <a:avLst/>
-          </a:prstGeom>
-        </p:spPr>
-        <p:style>
-          <a:lnRef idx="2">
-            <a:schemeClr val="accent1">
-              <a:shade val="50000"/>
-            </a:schemeClr>
-          </a:lnRef>
-          <a:fillRef idx="1">
-            <a:schemeClr val="accent1"/>
-          </a:fillRef>
-          <a:effectRef idx="0">
-            <a:schemeClr val="accent1"/>
-          </a:effectRef>
-          <a:fontRef idx="minor">
-            <a:schemeClr val="lt1"/>
-          </a:fontRef>
-        </p:style>
-        <p:txBody>
-          <a:bodyPr rtlCol="0" anchor="ctr"/>
-          <a:lstStyle/>
-          <a:p>
-            <a:pPr algn="ctr"/>
-            <a:r>
-              <a:rPr lang="en-US" dirty="0"/>
-              <a:t>B</a:t>
-            </a:r>
-          </a:p>
-        </p:txBody>
-      </p:sp>
-      <p:sp>
-        <p:nvSpPr>
-          <p:cNvPr id="23" name="Oval 22">
-            <a:extLst>
-              <a:ext uri="{FF2B5EF4-FFF2-40B4-BE49-F238E27FC236}">
-                <a16:creationId xmlns:a16="http://schemas.microsoft.com/office/drawing/2014/main" id="{96A39515-039B-9CEE-A14E-6D8AB6177386}"/>
-              </a:ext>
-            </a:extLst>
-          </p:cNvPr>
-          <p:cNvSpPr/>
-          <p:nvPr/>
-        </p:nvSpPr>
-        <p:spPr>
-          <a:xfrm>
-            <a:off x="412538" y="3521611"/>
-            <a:ext cx="405233" cy="420414"/>
-          </a:xfrm>
-          <a:prstGeom prst="ellipse">
-            <a:avLst/>
-          </a:prstGeom>
-        </p:spPr>
-        <p:style>
-          <a:lnRef idx="2">
-            <a:schemeClr val="accent1">
-              <a:shade val="50000"/>
-            </a:schemeClr>
-          </a:lnRef>
-          <a:fillRef idx="1">
-            <a:schemeClr val="accent1"/>
-          </a:fillRef>
-          <a:effectRef idx="0">
-            <a:schemeClr val="accent1"/>
-          </a:effectRef>
-          <a:fontRef idx="minor">
-            <a:schemeClr val="lt1"/>
-          </a:fontRef>
-        </p:style>
-        <p:txBody>
-          <a:bodyPr rtlCol="0" anchor="ctr"/>
-          <a:lstStyle/>
-          <a:p>
-            <a:pPr algn="ctr"/>
-            <a:r>
-              <a:rPr lang="en-US" dirty="0"/>
-              <a:t>A</a:t>
-            </a:r>
-          </a:p>
-        </p:txBody>
-      </p:sp>
-      <p:sp>
-        <p:nvSpPr>
-          <p:cNvPr id="24" name="TextBox 23">
-            <a:extLst>
-              <a:ext uri="{FF2B5EF4-FFF2-40B4-BE49-F238E27FC236}">
-                <a16:creationId xmlns:a16="http://schemas.microsoft.com/office/drawing/2014/main" id="{5DBA867C-5671-D3B4-4B39-5E0E5CEE5876}"/>
-              </a:ext>
-            </a:extLst>
-          </p:cNvPr>
-          <p:cNvSpPr txBox="1"/>
-          <p:nvPr/>
-        </p:nvSpPr>
-        <p:spPr>
-          <a:xfrm>
-            <a:off x="3154930" y="2921446"/>
-            <a:ext cx="3422322" cy="1200329"/>
-          </a:xfrm>
-          <a:prstGeom prst="rect">
-            <a:avLst/>
-          </a:prstGeom>
-          <a:noFill/>
-        </p:spPr>
-        <p:txBody>
-          <a:bodyPr wrap="square" rtlCol="0">
-            <a:spAutoFit/>
-          </a:bodyPr>
-          <a:lstStyle/>
           <a:p>
             <a:pPr marL="342900" indent="-342900">
-              <a:buAutoNum type="alphaUcPeriod"/>
-            </a:pPr>
-            <a:r>
-              <a:rPr lang="en-US" dirty="0">
-                <a:highlight>
-                  <a:srgbClr val="FFFF00"/>
-                </a:highlight>
-              </a:rPr>
-              <a:t>Cube</a:t>
-            </a:r>
-            <a:r>
-              <a:rPr lang="en-US" dirty="0"/>
-              <a:t>, </a:t>
-            </a:r>
-            <a:r>
-              <a:rPr lang="en-US" dirty="0">
-                <a:highlight>
-                  <a:srgbClr val="FFFF00"/>
-                </a:highlight>
-              </a:rPr>
-              <a:t>Big</a:t>
-            </a:r>
-            <a:r>
-              <a:rPr lang="en-US" dirty="0"/>
-              <a:t>, Blue, Left</a:t>
-            </a:r>
+              <a:buAutoNum type="arabicPeriod"/>
+            </a:pPr>
+            <a:endParaRPr lang="en-US" dirty="0"/>
           </a:p>
           <a:p>
             <a:pPr marL="342900" indent="-342900">
-              <a:buAutoNum type="alphaUcPeriod"/>
-            </a:pPr>
-            <a:r>
-              <a:rPr lang="en-US" dirty="0">
-                <a:highlight>
-                  <a:srgbClr val="FFFF00"/>
-                </a:highlight>
-              </a:rPr>
-              <a:t>Sphere</a:t>
-            </a:r>
-            <a:r>
-              <a:rPr lang="en-US" dirty="0"/>
-              <a:t>, </a:t>
-            </a:r>
-            <a:r>
-              <a:rPr lang="en-US" dirty="0">
-                <a:highlight>
-                  <a:srgbClr val="FFFF00"/>
-                </a:highlight>
-              </a:rPr>
-              <a:t>Small</a:t>
-            </a:r>
-            <a:r>
-              <a:rPr lang="en-US" dirty="0"/>
-              <a:t>, </a:t>
-            </a:r>
-            <a:r>
-              <a:rPr lang="en-US" dirty="0">
-                <a:highlight>
-                  <a:srgbClr val="FFFF00"/>
-                </a:highlight>
-              </a:rPr>
-              <a:t>Red</a:t>
-            </a:r>
-            <a:r>
-              <a:rPr lang="en-US" dirty="0"/>
-              <a:t>, </a:t>
-            </a:r>
-            <a:r>
-              <a:rPr lang="en-US" dirty="0">
-                <a:highlight>
-                  <a:srgbClr val="FFFF00"/>
-                </a:highlight>
-              </a:rPr>
-              <a:t>Behind</a:t>
-            </a:r>
+              <a:buAutoNum type="arabicPeriod"/>
+            </a:pPr>
+            <a:endParaRPr lang="en-US" dirty="0"/>
           </a:p>
           <a:p>
             <a:pPr marL="342900" indent="-342900">
-              <a:buAutoNum type="alphaUcPeriod"/>
-            </a:pPr>
-            <a:r>
-              <a:rPr lang="en-US" dirty="0">
-                <a:highlight>
-                  <a:srgbClr val="FFFF00"/>
-                </a:highlight>
-              </a:rPr>
-              <a:t>Sphere</a:t>
-            </a:r>
-            <a:r>
-              <a:rPr lang="en-US" dirty="0"/>
-              <a:t>, </a:t>
-            </a:r>
-            <a:r>
-              <a:rPr lang="en-US" dirty="0">
-                <a:highlight>
-                  <a:srgbClr val="FFFF00"/>
-                </a:highlight>
-              </a:rPr>
-              <a:t>Big</a:t>
-            </a:r>
-            <a:r>
-              <a:rPr lang="en-US" dirty="0"/>
-              <a:t>, Green, </a:t>
-            </a:r>
-            <a:r>
-              <a:rPr lang="en-US" dirty="0">
-                <a:highlight>
-                  <a:srgbClr val="FFFF00"/>
-                </a:highlight>
-              </a:rPr>
-              <a:t>Front</a:t>
-            </a:r>
-          </a:p>
-          <a:p>
+              <a:buAutoNum type="arabicPeriod"/>
+            </a:pPr>
             <a:endParaRPr lang="en-US" dirty="0"/>
           </a:p>
-        </p:txBody>
-      </p:sp>
-      <p:sp>
-        <p:nvSpPr>
-          <p:cNvPr id="9" name="Oval 8">
-            <a:extLst>
-              <a:ext uri="{FF2B5EF4-FFF2-40B4-BE49-F238E27FC236}">
-                <a16:creationId xmlns:a16="http://schemas.microsoft.com/office/drawing/2014/main" id="{4EA29935-2A2A-B43E-C1A0-0D6082F12A7B}"/>
-              </a:ext>
-            </a:extLst>
-          </p:cNvPr>
-          <p:cNvSpPr/>
-          <p:nvPr/>
-        </p:nvSpPr>
-        <p:spPr>
-          <a:xfrm>
-            <a:off x="417579" y="6058210"/>
-            <a:ext cx="405233" cy="420414"/>
-          </a:xfrm>
-          <a:prstGeom prst="ellipse">
-            <a:avLst/>
-          </a:prstGeom>
-        </p:spPr>
-        <p:style>
-          <a:lnRef idx="2">
-            <a:schemeClr val="accent1">
-              <a:shade val="50000"/>
-            </a:schemeClr>
-          </a:lnRef>
-          <a:fillRef idx="1">
-            <a:schemeClr val="accent1"/>
-          </a:fillRef>
-          <a:effectRef idx="0">
-            <a:schemeClr val="accent1"/>
-          </a:effectRef>
-          <a:fontRef idx="minor">
-            <a:schemeClr val="lt1"/>
-          </a:fontRef>
-        </p:style>
-        <p:txBody>
-          <a:bodyPr rtlCol="0" anchor="ctr"/>
-          <a:lstStyle/>
-          <a:p>
-            <a:pPr algn="ctr"/>
-            <a:r>
-              <a:rPr lang="en-US" dirty="0"/>
-              <a:t>A</a:t>
-            </a:r>
-          </a:p>
-        </p:txBody>
-      </p:sp>
-      <p:sp>
-        <p:nvSpPr>
-          <p:cNvPr id="10" name="Oval 9">
-            <a:extLst>
-              <a:ext uri="{FF2B5EF4-FFF2-40B4-BE49-F238E27FC236}">
-                <a16:creationId xmlns:a16="http://schemas.microsoft.com/office/drawing/2014/main" id="{9DAA15ED-2077-3B94-D487-7AD1D37A352F}"/>
-              </a:ext>
-            </a:extLst>
-          </p:cNvPr>
-          <p:cNvSpPr/>
-          <p:nvPr/>
-        </p:nvSpPr>
-        <p:spPr>
-          <a:xfrm>
-            <a:off x="1390988" y="5451112"/>
-            <a:ext cx="405233" cy="420414"/>
-          </a:xfrm>
-          <a:prstGeom prst="ellipse">
-            <a:avLst/>
-          </a:prstGeom>
-        </p:spPr>
-        <p:style>
-          <a:lnRef idx="2">
-            <a:schemeClr val="accent1">
-              <a:shade val="50000"/>
-            </a:schemeClr>
-          </a:lnRef>
-          <a:fillRef idx="1">
-            <a:schemeClr val="accent1"/>
-          </a:fillRef>
-          <a:effectRef idx="0">
-            <a:schemeClr val="accent1"/>
-          </a:effectRef>
-          <a:fontRef idx="minor">
-            <a:schemeClr val="lt1"/>
-          </a:fontRef>
-        </p:style>
-        <p:txBody>
-          <a:bodyPr rtlCol="0" anchor="ctr"/>
-          <a:lstStyle/>
-          <a:p>
-            <a:pPr algn="ctr"/>
-            <a:r>
-              <a:rPr lang="en-US" dirty="0"/>
-              <a:t>B</a:t>
-            </a:r>
-          </a:p>
-        </p:txBody>
-      </p:sp>
-      <p:sp>
-        <p:nvSpPr>
-          <p:cNvPr id="11" name="TextBox 10">
-            <a:extLst>
-              <a:ext uri="{FF2B5EF4-FFF2-40B4-BE49-F238E27FC236}">
-                <a16:creationId xmlns:a16="http://schemas.microsoft.com/office/drawing/2014/main" id="{A322CBD9-F434-4AD6-1C15-8925F243D897}"/>
-              </a:ext>
-            </a:extLst>
-          </p:cNvPr>
-          <p:cNvSpPr txBox="1"/>
-          <p:nvPr/>
-        </p:nvSpPr>
-        <p:spPr>
-          <a:xfrm>
-            <a:off x="3320950" y="5331833"/>
-            <a:ext cx="3422322" cy="923330"/>
-          </a:xfrm>
-          <a:prstGeom prst="rect">
-            <a:avLst/>
-          </a:prstGeom>
-          <a:noFill/>
-        </p:spPr>
-        <p:txBody>
-          <a:bodyPr wrap="square" rtlCol="0">
-            <a:spAutoFit/>
-          </a:bodyPr>
-          <a:lstStyle/>
           <a:p>
             <a:pPr marL="342900" indent="-342900">
-              <a:buAutoNum type="alphaUcPeriod"/>
-            </a:pPr>
-            <a:r>
-              <a:rPr lang="en-US" dirty="0">
-                <a:highlight>
-                  <a:srgbClr val="FFFF00"/>
-                </a:highlight>
-              </a:rPr>
-              <a:t>Sphere</a:t>
-            </a:r>
-            <a:r>
-              <a:rPr lang="en-US" dirty="0"/>
-              <a:t>, </a:t>
-            </a:r>
-            <a:r>
-              <a:rPr lang="en-US" dirty="0">
-                <a:highlight>
-                  <a:srgbClr val="FFFF00"/>
-                </a:highlight>
-              </a:rPr>
-              <a:t>Big</a:t>
-            </a:r>
-            <a:r>
-              <a:rPr lang="en-US" dirty="0"/>
-              <a:t>, Green, </a:t>
-            </a:r>
-            <a:r>
-              <a:rPr lang="en-US" dirty="0">
-                <a:highlight>
-                  <a:srgbClr val="FFFF00"/>
-                </a:highlight>
-              </a:rPr>
-              <a:t>Front</a:t>
-            </a:r>
+              <a:buAutoNum type="arabicPeriod"/>
+            </a:pPr>
+            <a:endParaRPr lang="en-US"/>
           </a:p>
           <a:p>
             <a:pPr marL="342900" indent="-342900">
-              <a:buAutoNum type="alphaUcPeriod"/>
-            </a:pPr>
-            <a:r>
-              <a:rPr lang="en-US" dirty="0">
-                <a:highlight>
-                  <a:srgbClr val="FFFF00"/>
-                </a:highlight>
-              </a:rPr>
-              <a:t>Cube</a:t>
-            </a:r>
-            <a:r>
-              <a:rPr lang="en-US" dirty="0"/>
-              <a:t>, </a:t>
-            </a:r>
-            <a:r>
-              <a:rPr lang="en-US" dirty="0">
-                <a:highlight>
-                  <a:srgbClr val="FFFF00"/>
-                </a:highlight>
-              </a:rPr>
-              <a:t>Big</a:t>
-            </a:r>
-            <a:r>
-              <a:rPr lang="en-US" dirty="0"/>
-              <a:t>, </a:t>
-            </a:r>
-            <a:r>
-              <a:rPr lang="en-US" dirty="0">
-                <a:highlight>
-                  <a:srgbClr val="FFFF00"/>
-                </a:highlight>
-              </a:rPr>
-              <a:t>Red</a:t>
-            </a:r>
-            <a:r>
-              <a:rPr lang="en-US" dirty="0"/>
-              <a:t>, Right</a:t>
+              <a:buAutoNum type="arabicPeriod"/>
+            </a:pPr>
+            <a:r>
+              <a:rPr lang="en-US" dirty="0"/>
+              <a:t>Learn correct relation vector.</a:t>
             </a:r>
           </a:p>
           <a:p>
             <a:pPr marL="342900" indent="-342900">
-              <a:buAutoNum type="alphaUcPeriod"/>
-            </a:pPr>
-            <a:r>
-              <a:rPr lang="en-US" dirty="0">
-                <a:highlight>
-                  <a:srgbClr val="FFFF00"/>
-                </a:highlight>
-              </a:rPr>
-              <a:t>Sphere</a:t>
-            </a:r>
-            <a:r>
-              <a:rPr lang="en-US" dirty="0"/>
-              <a:t>, </a:t>
-            </a:r>
-            <a:r>
-              <a:rPr lang="en-US" dirty="0">
-                <a:highlight>
-                  <a:srgbClr val="FFFF00"/>
-                </a:highlight>
-              </a:rPr>
-              <a:t>Small</a:t>
-            </a:r>
-            <a:r>
-              <a:rPr lang="en-US" dirty="0"/>
-              <a:t>, </a:t>
-            </a:r>
-            <a:r>
-              <a:rPr lang="en-US" dirty="0">
-                <a:highlight>
-                  <a:srgbClr val="FFFF00"/>
-                </a:highlight>
-              </a:rPr>
-              <a:t>Red</a:t>
-            </a:r>
-            <a:r>
-              <a:rPr lang="en-US" dirty="0"/>
-              <a:t>, </a:t>
-            </a:r>
-            <a:r>
-              <a:rPr lang="en-US" dirty="0">
-                <a:highlight>
-                  <a:srgbClr val="FFFF00"/>
-                </a:highlight>
-              </a:rPr>
-              <a:t>Behind</a:t>
-            </a:r>
-          </a:p>
-        </p:txBody>
-      </p:sp>
-      <p:sp>
-        <p:nvSpPr>
-          <p:cNvPr id="12" name="TextBox 11">
-            <a:extLst>
-              <a:ext uri="{FF2B5EF4-FFF2-40B4-BE49-F238E27FC236}">
-                <a16:creationId xmlns:a16="http://schemas.microsoft.com/office/drawing/2014/main" id="{4A5DC98C-CEC8-CAEC-15C2-E88D0D5706D9}"/>
-              </a:ext>
-            </a:extLst>
-          </p:cNvPr>
-          <p:cNvSpPr txBox="1"/>
-          <p:nvPr/>
-        </p:nvSpPr>
-        <p:spPr>
-          <a:xfrm>
-            <a:off x="7442593" y="683106"/>
-            <a:ext cx="4442537" cy="369332"/>
-          </a:xfrm>
-          <a:prstGeom prst="rect">
-            <a:avLst/>
-          </a:prstGeom>
-          <a:noFill/>
-        </p:spPr>
-        <p:txBody>
-          <a:bodyPr wrap="square" rtlCol="0">
-            <a:spAutoFit/>
-          </a:bodyPr>
-          <a:lstStyle/>
-          <a:p>
-            <a:r>
-              <a:rPr lang="en-US" dirty="0"/>
-              <a:t>First, search attribute by attribute</a:t>
-            </a:r>
-          </a:p>
-        </p:txBody>
-      </p:sp>
-      <p:sp>
-        <p:nvSpPr>
-          <p:cNvPr id="14" name="TextBox 13">
-            <a:extLst>
-              <a:ext uri="{FF2B5EF4-FFF2-40B4-BE49-F238E27FC236}">
-                <a16:creationId xmlns:a16="http://schemas.microsoft.com/office/drawing/2014/main" id="{77D7668C-374B-DD95-6723-44C959CECB4E}"/>
-              </a:ext>
-            </a:extLst>
-          </p:cNvPr>
-          <p:cNvSpPr txBox="1"/>
-          <p:nvPr/>
-        </p:nvSpPr>
-        <p:spPr>
-          <a:xfrm>
-            <a:off x="7908240" y="1352803"/>
-            <a:ext cx="2892905" cy="2862322"/>
-          </a:xfrm>
-          <a:prstGeom prst="rect">
-            <a:avLst/>
-          </a:prstGeom>
-          <a:noFill/>
-        </p:spPr>
-        <p:txBody>
-          <a:bodyPr wrap="square" rtlCol="0">
-            <a:spAutoFit/>
-          </a:bodyPr>
-          <a:lstStyle/>
-          <a:p>
-            <a:r>
-              <a:rPr lang="en-US" dirty="0"/>
-              <a:t>Rules can be found</a:t>
-            </a:r>
-          </a:p>
-          <a:p>
-            <a:pPr marL="285750" indent="-285750">
-              <a:buFont typeface="Arial" panose="020B0604020202020204" pitchFamily="34" charset="0"/>
-              <a:buChar char="•"/>
-            </a:pPr>
-            <a:r>
-              <a:rPr lang="en-US" dirty="0"/>
-              <a:t>Big, Cube</a:t>
-            </a:r>
-          </a:p>
-          <a:p>
-            <a:pPr marL="285750" indent="-285750">
-              <a:buFont typeface="Arial" panose="020B0604020202020204" pitchFamily="34" charset="0"/>
-              <a:buChar char="•"/>
-            </a:pPr>
-            <a:r>
-              <a:rPr lang="en-US" dirty="0"/>
-              <a:t>Big, Sphere</a:t>
-            </a:r>
-          </a:p>
-          <a:p>
-            <a:pPr marL="285750" indent="-285750">
-              <a:buFont typeface="Arial" panose="020B0604020202020204" pitchFamily="34" charset="0"/>
-              <a:buChar char="•"/>
-            </a:pPr>
-            <a:r>
-              <a:rPr lang="en-US" dirty="0"/>
-              <a:t>Sphere, Behind</a:t>
-            </a:r>
-          </a:p>
-          <a:p>
-            <a:pPr marL="285750" indent="-285750">
-              <a:buFont typeface="Arial" panose="020B0604020202020204" pitchFamily="34" charset="0"/>
-              <a:buChar char="•"/>
-            </a:pPr>
-            <a:r>
-              <a:rPr lang="en-US" dirty="0"/>
-              <a:t>Red, Behind</a:t>
-            </a:r>
-          </a:p>
-          <a:p>
-            <a:pPr marL="285750" indent="-285750">
-              <a:buFont typeface="Arial" panose="020B0604020202020204" pitchFamily="34" charset="0"/>
-              <a:buChar char="•"/>
-            </a:pPr>
-            <a:r>
-              <a:rPr lang="en-US" dirty="0"/>
-              <a:t>Sphere, Red, Behind</a:t>
-            </a:r>
-          </a:p>
-          <a:p>
-            <a:pPr marL="285750" indent="-285750">
-              <a:buFont typeface="Arial" panose="020B0604020202020204" pitchFamily="34" charset="0"/>
-              <a:buChar char="•"/>
-            </a:pPr>
-            <a:r>
-              <a:rPr lang="en-US" dirty="0"/>
-              <a:t>Sphere, Small</a:t>
-            </a:r>
-          </a:p>
-          <a:p>
-            <a:pPr marL="285750" indent="-285750">
-              <a:buFont typeface="Arial" panose="020B0604020202020204" pitchFamily="34" charset="0"/>
-              <a:buChar char="•"/>
-            </a:pPr>
-            <a:r>
-              <a:rPr lang="en-US" dirty="0"/>
-              <a:t>Sphere, Red</a:t>
-            </a:r>
-          </a:p>
-          <a:p>
-            <a:pPr marL="285750" indent="-285750">
-              <a:buFont typeface="Arial" panose="020B0604020202020204" pitchFamily="34" charset="0"/>
-              <a:buChar char="•"/>
-            </a:pPr>
-            <a:r>
-              <a:rPr lang="en-US" dirty="0"/>
-              <a:t>Small Red,</a:t>
-            </a:r>
-          </a:p>
-          <a:p>
-            <a:pPr marL="285750" indent="-285750">
-              <a:buFont typeface="Arial" panose="020B0604020202020204" pitchFamily="34" charset="0"/>
-              <a:buChar char="•"/>
-            </a:pPr>
-            <a:r>
-              <a:rPr lang="en-US" dirty="0"/>
-              <a:t>Sphere, Small, Red</a:t>
-            </a:r>
-          </a:p>
-        </p:txBody>
-      </p:sp>
-      <p:sp>
-        <p:nvSpPr>
-          <p:cNvPr id="4" name="TextBox 3">
-            <a:extLst>
-              <a:ext uri="{FF2B5EF4-FFF2-40B4-BE49-F238E27FC236}">
-                <a16:creationId xmlns:a16="http://schemas.microsoft.com/office/drawing/2014/main" id="{887F491C-B8A4-AC40-8467-CC280FAD66D7}"/>
-              </a:ext>
-            </a:extLst>
-          </p:cNvPr>
-          <p:cNvSpPr txBox="1"/>
-          <p:nvPr/>
-        </p:nvSpPr>
-        <p:spPr>
-          <a:xfrm>
-            <a:off x="7908240" y="4569748"/>
-            <a:ext cx="1012503" cy="369332"/>
-          </a:xfrm>
-          <a:prstGeom prst="rect">
-            <a:avLst/>
-          </a:prstGeom>
-          <a:noFill/>
-        </p:spPr>
-        <p:txBody>
-          <a:bodyPr wrap="square" rtlCol="0">
-            <a:spAutoFit/>
-          </a:bodyPr>
-          <a:lstStyle/>
-          <a:p>
-            <a:r>
-              <a:rPr lang="en-US" dirty="0"/>
-              <a:t>9 rules</a:t>
-            </a:r>
-          </a:p>
-        </p:txBody>
-      </p:sp>
-      <p:sp>
-        <p:nvSpPr>
-          <p:cNvPr id="26" name="Oval 25">
-            <a:extLst>
-              <a:ext uri="{FF2B5EF4-FFF2-40B4-BE49-F238E27FC236}">
-                <a16:creationId xmlns:a16="http://schemas.microsoft.com/office/drawing/2014/main" id="{5D26DD76-FFF7-A832-FD87-4674211A33AF}"/>
-              </a:ext>
-            </a:extLst>
-          </p:cNvPr>
-          <p:cNvSpPr/>
-          <p:nvPr/>
-        </p:nvSpPr>
-        <p:spPr>
-          <a:xfrm>
-            <a:off x="615154" y="5018792"/>
-            <a:ext cx="405233" cy="420414"/>
-          </a:xfrm>
-          <a:prstGeom prst="ellipse">
-            <a:avLst/>
-          </a:prstGeom>
-        </p:spPr>
-        <p:style>
-          <a:lnRef idx="2">
-            <a:schemeClr val="accent1">
-              <a:shade val="50000"/>
-            </a:schemeClr>
-          </a:lnRef>
-          <a:fillRef idx="1">
-            <a:schemeClr val="accent1"/>
-          </a:fillRef>
-          <a:effectRef idx="0">
-            <a:schemeClr val="accent1"/>
-          </a:effectRef>
-          <a:fontRef idx="minor">
-            <a:schemeClr val="lt1"/>
-          </a:fontRef>
-        </p:style>
-        <p:txBody>
-          <a:bodyPr rtlCol="0" anchor="ctr"/>
-          <a:lstStyle/>
-          <a:p>
-            <a:pPr algn="ctr"/>
-            <a:r>
-              <a:rPr lang="en-US" dirty="0"/>
-              <a:t>C</a:t>
+              <a:buAutoNum type="arabicPeriod"/>
+            </a:pPr>
+            <a:r>
+              <a:rPr lang="en-US" dirty="0"/>
+              <a:t>Image-&gt; objects, shift vector</a:t>
+            </a:r>
+          </a:p>
+          <a:p>
+            <a:pPr marL="342900" indent="-342900">
+              <a:buAutoNum type="arabicPeriod"/>
+            </a:pPr>
+            <a:r>
+              <a:rPr lang="en-US" dirty="0"/>
+              <a:t> Shifted Feature Maps to predict directions</a:t>
+            </a:r>
+          </a:p>
+          <a:p>
+            <a:pPr marL="342900" indent="-342900">
+              <a:buAutoNum type="arabicPeriod"/>
+            </a:pPr>
+            <a:r>
+              <a:rPr lang="en-US" dirty="0"/>
+              <a:t>Existed objects &amp; Relations</a:t>
+            </a:r>
+          </a:p>
+          <a:p>
+            <a:pPr marL="342900" indent="-342900">
+              <a:buAutoNum type="arabicPeriod"/>
+            </a:pPr>
+            <a:r>
+              <a:rPr lang="en-US" dirty="0"/>
+              <a:t>Rule relation vector</a:t>
             </a:r>
           </a:p>
         </p:txBody>
@@ -12582,7 +11750,7 @@
     </p:spTree>
     <p:extLst>
       <p:ext uri="{BB962C8B-B14F-4D97-AF65-F5344CB8AC3E}">
-        <p14:creationId xmlns:p14="http://schemas.microsoft.com/office/powerpoint/2010/main" val="2674403913"/>
+        <p14:creationId xmlns:p14="http://schemas.microsoft.com/office/powerpoint/2010/main" val="2932168644"/>
       </p:ext>
     </p:extLst>
   </p:cSld>
@@ -12611,15 +11779,15 @@
       </p:grpSpPr>
       <p:pic>
         <p:nvPicPr>
-          <p:cNvPr id="2" name="Picture 2">
-            <a:extLst>
-              <a:ext uri="{FF2B5EF4-FFF2-40B4-BE49-F238E27FC236}">
-                <a16:creationId xmlns:a16="http://schemas.microsoft.com/office/drawing/2014/main" id="{2173C773-10D5-2FE3-0482-D71CF55B926A}"/>
+          <p:cNvPr id="25" name="Picture 24">
+            <a:extLst>
+              <a:ext uri="{FF2B5EF4-FFF2-40B4-BE49-F238E27FC236}">
+                <a16:creationId xmlns:a16="http://schemas.microsoft.com/office/drawing/2014/main" id="{0F1B27DF-2D2E-8860-533F-120F28114A7F}"/>
               </a:ext>
             </a:extLst>
           </p:cNvPr>
           <p:cNvPicPr>
-            <a:picLocks noChangeAspect="1" noChangeArrowheads="1"/>
+            <a:picLocks noChangeAspect="1"/>
           </p:cNvPicPr>
           <p:nvPr/>
         </p:nvPicPr>
@@ -12631,42 +11799,31 @@
               </a:ext>
             </a:extLst>
           </a:blip>
-          <a:srcRect/>
           <a:stretch>
             <a:fillRect/>
           </a:stretch>
         </p:blipFill>
-        <p:spPr bwMode="auto">
-          <a:xfrm>
-            <a:off x="73187" y="188784"/>
-            <a:ext cx="3038885" cy="2026236"/>
+        <p:spPr>
+          <a:xfrm>
+            <a:off x="356539" y="4734367"/>
+            <a:ext cx="2019600" cy="2019600"/>
           </a:xfrm>
           <a:prstGeom prst="rect">
             <a:avLst/>
           </a:prstGeom>
-          <a:noFill/>
-          <a:extLst>
-            <a:ext uri="{909E8E84-426E-40DD-AFC4-6F175D3DCCD1}">
-              <a14:hiddenFill xmlns:a14="http://schemas.microsoft.com/office/drawing/2010/main">
-                <a:solidFill>
-                  <a:srgbClr val="FFFFFF"/>
-                </a:solidFill>
-              </a14:hiddenFill>
-            </a:ext>
-          </a:extLst>
         </p:spPr>
       </p:pic>
       <p:pic>
         <p:nvPicPr>
-          <p:cNvPr id="7" name="Picture 4">
-            <a:extLst>
-              <a:ext uri="{FF2B5EF4-FFF2-40B4-BE49-F238E27FC236}">
-                <a16:creationId xmlns:a16="http://schemas.microsoft.com/office/drawing/2014/main" id="{0C336ECA-0517-9C03-462B-76648529BA81}"/>
+          <p:cNvPr id="13" name="Picture 12" descr="A picture containing vector graphics&#10;&#10;Description automatically generated">
+            <a:extLst>
+              <a:ext uri="{FF2B5EF4-FFF2-40B4-BE49-F238E27FC236}">
+                <a16:creationId xmlns:a16="http://schemas.microsoft.com/office/drawing/2014/main" id="{F585A31C-DB00-684D-FD72-D1A8398A0EEC}"/>
               </a:ext>
             </a:extLst>
           </p:cNvPr>
           <p:cNvPicPr>
-            <a:picLocks noChangeAspect="1" noChangeArrowheads="1"/>
+            <a:picLocks noChangeAspect="1"/>
           </p:cNvPicPr>
           <p:nvPr/>
         </p:nvPicPr>
@@ -12678,42 +11835,31 @@
               </a:ext>
             </a:extLst>
           </a:blip>
-          <a:srcRect/>
           <a:stretch>
             <a:fillRect/>
           </a:stretch>
         </p:blipFill>
-        <p:spPr bwMode="auto">
-          <a:xfrm>
-            <a:off x="73188" y="2323650"/>
-            <a:ext cx="2856390" cy="2137468"/>
+        <p:spPr>
+          <a:xfrm>
+            <a:off x="366860" y="2681140"/>
+            <a:ext cx="2019600" cy="2019600"/>
           </a:xfrm>
           <a:prstGeom prst="rect">
             <a:avLst/>
           </a:prstGeom>
-          <a:noFill/>
-          <a:extLst>
-            <a:ext uri="{909E8E84-426E-40DD-AFC4-6F175D3DCCD1}">
-              <a14:hiddenFill xmlns:a14="http://schemas.microsoft.com/office/drawing/2010/main">
-                <a:solidFill>
-                  <a:srgbClr val="FFFFFF"/>
-                </a:solidFill>
-              </a14:hiddenFill>
-            </a:ext>
-          </a:extLst>
         </p:spPr>
       </p:pic>
       <p:pic>
         <p:nvPicPr>
-          <p:cNvPr id="8" name="Picture 6">
-            <a:extLst>
-              <a:ext uri="{FF2B5EF4-FFF2-40B4-BE49-F238E27FC236}">
-                <a16:creationId xmlns:a16="http://schemas.microsoft.com/office/drawing/2014/main" id="{D75CCB94-0794-BF1E-825F-4D31AF7C35B0}"/>
+          <p:cNvPr id="5" name="Picture 4">
+            <a:extLst>
+              <a:ext uri="{FF2B5EF4-FFF2-40B4-BE49-F238E27FC236}">
+                <a16:creationId xmlns:a16="http://schemas.microsoft.com/office/drawing/2014/main" id="{8B2CD27F-C52C-2F1C-A79B-EFE9DC8ADEDD}"/>
               </a:ext>
             </a:extLst>
           </p:cNvPr>
           <p:cNvPicPr>
-            <a:picLocks noChangeAspect="1" noChangeArrowheads="1"/>
+            <a:picLocks noChangeAspect="1"/>
           </p:cNvPicPr>
           <p:nvPr/>
         </p:nvPicPr>
@@ -12725,29 +11871,18 @@
               </a:ext>
             </a:extLst>
           </a:blip>
-          <a:srcRect/>
           <a:stretch>
             <a:fillRect/>
           </a:stretch>
         </p:blipFill>
-        <p:spPr bwMode="auto">
-          <a:xfrm>
-            <a:off x="73187" y="4569748"/>
-            <a:ext cx="3038886" cy="2155663"/>
+        <p:spPr>
+          <a:xfrm>
+            <a:off x="396637" y="625621"/>
+            <a:ext cx="2019600" cy="2019600"/>
           </a:xfrm>
           <a:prstGeom prst="rect">
             <a:avLst/>
           </a:prstGeom>
-          <a:noFill/>
-          <a:extLst>
-            <a:ext uri="{909E8E84-426E-40DD-AFC4-6F175D3DCCD1}">
-              <a14:hiddenFill xmlns:a14="http://schemas.microsoft.com/office/drawing/2010/main">
-                <a:solidFill>
-                  <a:srgbClr val="FFFFFF"/>
-                </a:solidFill>
-              </a14:hiddenFill>
-            </a:ext>
-          </a:extLst>
         </p:spPr>
       </p:pic>
       <p:sp>
@@ -12764,7 +11899,7 @@
         </p:nvSpPr>
         <p:spPr>
           <a:xfrm>
-            <a:off x="3071791" y="883750"/>
+            <a:off x="2616863" y="962846"/>
             <a:ext cx="3422322" cy="1200329"/>
           </a:xfrm>
           <a:prstGeom prst="rect">
@@ -13217,8 +12352,8 @@
         </p:nvSpPr>
         <p:spPr>
           <a:xfrm>
-            <a:off x="3154930" y="2921446"/>
-            <a:ext cx="3422322" cy="1200329"/>
+            <a:off x="2540298" y="3229275"/>
+            <a:ext cx="3422322" cy="923330"/>
           </a:xfrm>
           <a:prstGeom prst="rect">
             <a:avLst/>
@@ -13345,8 +12480,40 @@
               <a:t>Front</a:t>
             </a:r>
           </a:p>
-          <a:p>
-            <a:endParaRPr lang="en-US" dirty="0"/>
+        </p:txBody>
+      </p:sp>
+      <p:sp>
+        <p:nvSpPr>
+          <p:cNvPr id="3" name="TextBox 2">
+            <a:extLst>
+              <a:ext uri="{FF2B5EF4-FFF2-40B4-BE49-F238E27FC236}">
+                <a16:creationId xmlns:a16="http://schemas.microsoft.com/office/drawing/2014/main" id="{B5C314BA-CA09-0A3A-C4A3-97F4CD6E4B9A}"/>
+              </a:ext>
+            </a:extLst>
+          </p:cNvPr>
+          <p:cNvSpPr txBox="1"/>
+          <p:nvPr/>
+        </p:nvSpPr>
+        <p:spPr>
+          <a:xfrm>
+            <a:off x="1012828" y="49730"/>
+            <a:ext cx="655503" cy="369332"/>
+          </a:xfrm>
+          <a:prstGeom prst="rect">
+            <a:avLst/>
+          </a:prstGeom>
+          <a:noFill/>
+        </p:spPr>
+        <p:txBody>
+          <a:bodyPr wrap="square" rtlCol="0">
+            <a:spAutoFit/>
+          </a:bodyPr>
+          <a:lstStyle/>
+          <a:p>
+            <a:r>
+              <a:rPr lang="en-US" dirty="0"/>
+              <a:t>Train</a:t>
+            </a:r>
           </a:p>
         </p:txBody>
       </p:sp>
@@ -13462,7 +12629,7 @@
         </p:nvSpPr>
         <p:spPr>
           <a:xfrm>
-            <a:off x="3320950" y="5331833"/>
+            <a:off x="2673678" y="5380494"/>
             <a:ext cx="3422322" cy="923330"/>
           </a:xfrm>
           <a:prstGeom prst="rect">
@@ -13606,10 +12773,10 @@
       </p:sp>
       <p:sp>
         <p:nvSpPr>
-          <p:cNvPr id="12" name="TextBox 11">
-            <a:extLst>
-              <a:ext uri="{FF2B5EF4-FFF2-40B4-BE49-F238E27FC236}">
-                <a16:creationId xmlns:a16="http://schemas.microsoft.com/office/drawing/2014/main" id="{4A5DC98C-CEC8-CAEC-15C2-E88D0D5706D9}"/>
+          <p:cNvPr id="14" name="TextBox 13">
+            <a:extLst>
+              <a:ext uri="{FF2B5EF4-FFF2-40B4-BE49-F238E27FC236}">
+                <a16:creationId xmlns:a16="http://schemas.microsoft.com/office/drawing/2014/main" id="{77D7668C-374B-DD95-6723-44C959CECB4E}"/>
               </a:ext>
             </a:extLst>
           </p:cNvPr>
@@ -13618,8 +12785,8 @@
         </p:nvSpPr>
         <p:spPr>
           <a:xfrm>
-            <a:off x="7442593" y="683106"/>
-            <a:ext cx="4442537" cy="369332"/>
+            <a:off x="6977898" y="1440245"/>
+            <a:ext cx="2892905" cy="4247317"/>
           </a:xfrm>
           <a:prstGeom prst="rect">
             <a:avLst/>
@@ -13634,17 +12801,157 @@
           <a:p>
             <a:r>
               <a:rPr lang="en-US" dirty="0"/>
-              <a:t>First, search attribute by attribute</a:t>
-            </a:r>
-          </a:p>
-        </p:txBody>
-      </p:sp>
-      <p:sp>
-        <p:nvSpPr>
-          <p:cNvPr id="14" name="TextBox 13">
-            <a:extLst>
-              <a:ext uri="{FF2B5EF4-FFF2-40B4-BE49-F238E27FC236}">
-                <a16:creationId xmlns:a16="http://schemas.microsoft.com/office/drawing/2014/main" id="{77D7668C-374B-DD95-6723-44C959CECB4E}"/>
+              <a:t>Rules can be found</a:t>
+            </a:r>
+          </a:p>
+          <a:p>
+            <a:pPr marL="285750" indent="-285750">
+              <a:buFont typeface="Arial" panose="020B0604020202020204" pitchFamily="34" charset="0"/>
+              <a:buChar char="•"/>
+            </a:pPr>
+            <a:r>
+              <a:rPr lang="en-US" dirty="0"/>
+              <a:t>Big, Cube</a:t>
+            </a:r>
+          </a:p>
+          <a:p>
+            <a:pPr marL="742950" lvl="1" indent="-285750">
+              <a:buFont typeface="Arial" panose="020B0604020202020204" pitchFamily="34" charset="0"/>
+              <a:buChar char="•"/>
+            </a:pPr>
+            <a:r>
+              <a:rPr lang="en-US" dirty="0"/>
+              <a:t>Blue (2)</a:t>
+            </a:r>
+          </a:p>
+          <a:p>
+            <a:pPr marL="742950" lvl="1" indent="-285750">
+              <a:buFont typeface="Arial" panose="020B0604020202020204" pitchFamily="34" charset="0"/>
+              <a:buChar char="•"/>
+            </a:pPr>
+            <a:r>
+              <a:rPr lang="en-US" dirty="0"/>
+              <a:t>Blue Front (1)</a:t>
+            </a:r>
+          </a:p>
+          <a:p>
+            <a:pPr marL="285750" indent="-285750">
+              <a:buFont typeface="Arial" panose="020B0604020202020204" pitchFamily="34" charset="0"/>
+              <a:buChar char="•"/>
+            </a:pPr>
+            <a:r>
+              <a:rPr lang="en-US" dirty="0"/>
+              <a:t>Big, Sphere</a:t>
+            </a:r>
+          </a:p>
+          <a:p>
+            <a:pPr marL="285750" indent="-285750">
+              <a:buFont typeface="Arial" panose="020B0604020202020204" pitchFamily="34" charset="0"/>
+              <a:buChar char="•"/>
+            </a:pPr>
+            <a:r>
+              <a:rPr lang="en-US" dirty="0"/>
+              <a:t>Sphere, Behind</a:t>
+            </a:r>
+          </a:p>
+          <a:p>
+            <a:pPr marL="285750" indent="-285750">
+              <a:buFont typeface="Arial" panose="020B0604020202020204" pitchFamily="34" charset="0"/>
+              <a:buChar char="•"/>
+            </a:pPr>
+            <a:r>
+              <a:rPr lang="en-US" dirty="0"/>
+              <a:t>Red, Behind</a:t>
+            </a:r>
+          </a:p>
+          <a:p>
+            <a:pPr marL="285750" indent="-285750">
+              <a:buFont typeface="Arial" panose="020B0604020202020204" pitchFamily="34" charset="0"/>
+              <a:buChar char="•"/>
+            </a:pPr>
+            <a:r>
+              <a:rPr lang="en-US" dirty="0"/>
+              <a:t>Sphere, Red, Behind</a:t>
+            </a:r>
+          </a:p>
+          <a:p>
+            <a:pPr marL="285750" indent="-285750">
+              <a:buFont typeface="Arial" panose="020B0604020202020204" pitchFamily="34" charset="0"/>
+              <a:buChar char="•"/>
+            </a:pPr>
+            <a:r>
+              <a:rPr lang="en-US" dirty="0"/>
+              <a:t>Sphere, Small</a:t>
+            </a:r>
+          </a:p>
+          <a:p>
+            <a:pPr marL="285750" indent="-285750">
+              <a:buFont typeface="Arial" panose="020B0604020202020204" pitchFamily="34" charset="0"/>
+              <a:buChar char="•"/>
+            </a:pPr>
+            <a:r>
+              <a:rPr lang="en-US" dirty="0"/>
+              <a:t>Sphere, Red</a:t>
+            </a:r>
+          </a:p>
+          <a:p>
+            <a:pPr marL="742950" lvl="1" indent="-285750">
+              <a:buFont typeface="Arial" panose="020B0604020202020204" pitchFamily="34" charset="0"/>
+              <a:buChar char="•"/>
+            </a:pPr>
+            <a:r>
+              <a:rPr lang="en-US" dirty="0"/>
+              <a:t>Small (3)</a:t>
+            </a:r>
+          </a:p>
+          <a:p>
+            <a:pPr marL="742950" lvl="1" indent="-285750">
+              <a:buFont typeface="Arial" panose="020B0604020202020204" pitchFamily="34" charset="0"/>
+              <a:buChar char="•"/>
+            </a:pPr>
+            <a:r>
+              <a:rPr lang="en-US" dirty="0"/>
+              <a:t>Small Right (1)</a:t>
+            </a:r>
+          </a:p>
+          <a:p>
+            <a:pPr marL="285750" indent="-285750">
+              <a:buFont typeface="Arial" panose="020B0604020202020204" pitchFamily="34" charset="0"/>
+              <a:buChar char="•"/>
+            </a:pPr>
+            <a:r>
+              <a:rPr lang="en-US" dirty="0"/>
+              <a:t>Small Red</a:t>
+            </a:r>
+          </a:p>
+          <a:p>
+            <a:pPr marL="742950" lvl="1" indent="-285750">
+              <a:buFont typeface="Arial" panose="020B0604020202020204" pitchFamily="34" charset="0"/>
+              <a:buChar char="•"/>
+            </a:pPr>
+            <a:r>
+              <a:rPr lang="en-US" dirty="0"/>
+              <a:t>Sphere, Right (1)</a:t>
+            </a:r>
+          </a:p>
+          <a:p>
+            <a:pPr marL="285750" indent="-285750">
+              <a:buFont typeface="Arial" panose="020B0604020202020204" pitchFamily="34" charset="0"/>
+              <a:buChar char="•"/>
+            </a:pPr>
+            <a:r>
+              <a:rPr lang="en-US" dirty="0"/>
+              <a:t>Sphere, Small, Red</a:t>
+            </a:r>
+          </a:p>
+        </p:txBody>
+      </p:sp>
+      <p:sp>
+        <p:nvSpPr>
+          <p:cNvPr id="4" name="TextBox 3">
+            <a:extLst>
+              <a:ext uri="{FF2B5EF4-FFF2-40B4-BE49-F238E27FC236}">
+                <a16:creationId xmlns:a16="http://schemas.microsoft.com/office/drawing/2014/main" id="{887F491C-B8A4-AC40-8467-CC280FAD66D7}"/>
               </a:ext>
             </a:extLst>
           </p:cNvPr>
@@ -13653,8 +12960,8 @@
         </p:nvSpPr>
         <p:spPr>
           <a:xfrm>
-            <a:off x="7908240" y="1352803"/>
-            <a:ext cx="2892905" cy="2862322"/>
+            <a:off x="6977898" y="5934492"/>
+            <a:ext cx="1012503" cy="369332"/>
           </a:xfrm>
           <a:prstGeom prst="rect">
             <a:avLst/>
@@ -13669,132 +12976,7 @@
           <a:p>
             <a:r>
               <a:rPr lang="en-US" dirty="0"/>
-              <a:t>Rules can be found</a:t>
-            </a:r>
-          </a:p>
-          <a:p>
-            <a:pPr marL="285750" indent="-285750">
-              <a:buFont typeface="Arial" panose="020B0604020202020204" pitchFamily="34" charset="0"/>
-              <a:buChar char="•"/>
-            </a:pPr>
-            <a:r>
-              <a:rPr lang="en-US" dirty="0"/>
-              <a:t>Big, Cube</a:t>
-            </a:r>
-          </a:p>
-          <a:p>
-            <a:pPr marL="285750" indent="-285750">
-              <a:buFont typeface="Arial" panose="020B0604020202020204" pitchFamily="34" charset="0"/>
-              <a:buChar char="•"/>
-            </a:pPr>
-            <a:r>
-              <a:rPr lang="en-US" dirty="0"/>
-              <a:t>Big, Sphere</a:t>
-            </a:r>
-          </a:p>
-          <a:p>
-            <a:pPr marL="285750" indent="-285750">
-              <a:buFont typeface="Arial" panose="020B0604020202020204" pitchFamily="34" charset="0"/>
-              <a:buChar char="•"/>
-            </a:pPr>
-            <a:r>
-              <a:rPr lang="en-US" dirty="0"/>
-              <a:t>Sphere, Behind</a:t>
-            </a:r>
-          </a:p>
-          <a:p>
-            <a:pPr marL="285750" indent="-285750">
-              <a:buFont typeface="Arial" panose="020B0604020202020204" pitchFamily="34" charset="0"/>
-              <a:buChar char="•"/>
-            </a:pPr>
-            <a:r>
-              <a:rPr lang="en-US" dirty="0"/>
-              <a:t>Red, Behind</a:t>
-            </a:r>
-          </a:p>
-          <a:p>
-            <a:pPr marL="285750" indent="-285750">
-              <a:buFont typeface="Arial" panose="020B0604020202020204" pitchFamily="34" charset="0"/>
-              <a:buChar char="•"/>
-            </a:pPr>
-            <a:r>
-              <a:rPr lang="en-US" dirty="0"/>
-              <a:t>Sphere, Red, Behind</a:t>
-            </a:r>
-          </a:p>
-          <a:p>
-            <a:pPr marL="285750" indent="-285750">
-              <a:buFont typeface="Arial" panose="020B0604020202020204" pitchFamily="34" charset="0"/>
-              <a:buChar char="•"/>
-            </a:pPr>
-            <a:r>
-              <a:rPr lang="en-US" dirty="0"/>
-              <a:t>Sphere, Small</a:t>
-            </a:r>
-          </a:p>
-          <a:p>
-            <a:pPr marL="285750" indent="-285750">
-              <a:buFont typeface="Arial" panose="020B0604020202020204" pitchFamily="34" charset="0"/>
-              <a:buChar char="•"/>
-            </a:pPr>
-            <a:r>
-              <a:rPr lang="en-US" dirty="0"/>
-              <a:t>Sphere, Red</a:t>
-            </a:r>
-          </a:p>
-          <a:p>
-            <a:pPr marL="285750" indent="-285750">
-              <a:buFont typeface="Arial" panose="020B0604020202020204" pitchFamily="34" charset="0"/>
-              <a:buChar char="•"/>
-            </a:pPr>
-            <a:r>
-              <a:rPr lang="en-US" dirty="0"/>
-              <a:t>Small Red,</a:t>
-            </a:r>
-          </a:p>
-          <a:p>
-            <a:pPr marL="285750" indent="-285750">
-              <a:buFont typeface="Arial" panose="020B0604020202020204" pitchFamily="34" charset="0"/>
-              <a:buChar char="•"/>
-            </a:pPr>
-            <a:r>
-              <a:rPr lang="en-US" dirty="0"/>
-              <a:t>Sphere, Small, Red</a:t>
-            </a:r>
-          </a:p>
-        </p:txBody>
-      </p:sp>
-      <p:sp>
-        <p:nvSpPr>
-          <p:cNvPr id="4" name="TextBox 3">
-            <a:extLst>
-              <a:ext uri="{FF2B5EF4-FFF2-40B4-BE49-F238E27FC236}">
-                <a16:creationId xmlns:a16="http://schemas.microsoft.com/office/drawing/2014/main" id="{887F491C-B8A4-AC40-8467-CC280FAD66D7}"/>
-              </a:ext>
-            </a:extLst>
-          </p:cNvPr>
-          <p:cNvSpPr txBox="1"/>
-          <p:nvPr/>
-        </p:nvSpPr>
-        <p:spPr>
-          <a:xfrm>
-            <a:off x="7908240" y="4569748"/>
-            <a:ext cx="1012503" cy="369332"/>
-          </a:xfrm>
-          <a:prstGeom prst="rect">
-            <a:avLst/>
-          </a:prstGeom>
-          <a:noFill/>
-        </p:spPr>
-        <p:txBody>
-          <a:bodyPr wrap="square" rtlCol="0">
-            <a:spAutoFit/>
-          </a:bodyPr>
-          <a:lstStyle/>
-          <a:p>
-            <a:r>
-              <a:rPr lang="en-US" dirty="0"/>
-              <a:t>9 rules</a:t>
+              <a:t>5 rules</a:t>
             </a:r>
           </a:p>
         </p:txBody>
@@ -13848,10 +13030,51 @@
           </a:p>
         </p:txBody>
       </p:sp>
+      <p:sp>
+        <p:nvSpPr>
+          <p:cNvPr id="2" name="TextBox 1">
+            <a:extLst>
+              <a:ext uri="{FF2B5EF4-FFF2-40B4-BE49-F238E27FC236}">
+                <a16:creationId xmlns:a16="http://schemas.microsoft.com/office/drawing/2014/main" id="{CA64DCF3-DAA5-8513-6D8C-2D48A5668748}"/>
+              </a:ext>
+            </a:extLst>
+          </p:cNvPr>
+          <p:cNvSpPr txBox="1"/>
+          <p:nvPr/>
+        </p:nvSpPr>
+        <p:spPr>
+          <a:xfrm>
+            <a:off x="6822518" y="487384"/>
+            <a:ext cx="4442537" cy="646331"/>
+          </a:xfrm>
+          <a:prstGeom prst="rect">
+            <a:avLst/>
+          </a:prstGeom>
+          <a:noFill/>
+        </p:spPr>
+        <p:txBody>
+          <a:bodyPr wrap="square" rtlCol="0">
+            <a:spAutoFit/>
+          </a:bodyPr>
+          <a:lstStyle/>
+          <a:p>
+            <a:r>
+              <a:rPr lang="en-US" dirty="0"/>
+              <a:t>First, search attribute by attribute</a:t>
+            </a:r>
+          </a:p>
+          <a:p>
+            <a:r>
+              <a:rPr lang="en-US" dirty="0"/>
+              <a:t>Then, add attributes as  priors to each rules</a:t>
+            </a:r>
+          </a:p>
+        </p:txBody>
+      </p:sp>
     </p:spTree>
     <p:extLst>
       <p:ext uri="{BB962C8B-B14F-4D97-AF65-F5344CB8AC3E}">
-        <p14:creationId xmlns:p14="http://schemas.microsoft.com/office/powerpoint/2010/main" val="936425008"/>
+        <p14:creationId xmlns:p14="http://schemas.microsoft.com/office/powerpoint/2010/main" val="3475406260"/>
       </p:ext>
     </p:extLst>
   </p:cSld>
@@ -14443,12 +13666,153 @@
           <a:chExt cx="0" cy="0"/>
         </a:xfrm>
       </p:grpSpPr>
-      <p:sp>
-        <p:nvSpPr>
-          <p:cNvPr id="4" name="TextBox 3">
-            <a:extLst>
-              <a:ext uri="{FF2B5EF4-FFF2-40B4-BE49-F238E27FC236}">
-                <a16:creationId xmlns:a16="http://schemas.microsoft.com/office/drawing/2014/main" id="{BA8162A7-CA46-E5D9-CD66-53849C6285C6}"/>
+      <p:pic>
+        <p:nvPicPr>
+          <p:cNvPr id="2" name="Picture 2">
+            <a:extLst>
+              <a:ext uri="{FF2B5EF4-FFF2-40B4-BE49-F238E27FC236}">
+                <a16:creationId xmlns:a16="http://schemas.microsoft.com/office/drawing/2014/main" id="{2173C773-10D5-2FE3-0482-D71CF55B926A}"/>
+              </a:ext>
+            </a:extLst>
+          </p:cNvPr>
+          <p:cNvPicPr>
+            <a:picLocks noChangeAspect="1" noChangeArrowheads="1"/>
+          </p:cNvPicPr>
+          <p:nvPr/>
+        </p:nvPicPr>
+        <p:blipFill>
+          <a:blip r:embed="rId2">
+            <a:extLst>
+              <a:ext uri="{28A0092B-C50C-407E-A947-70E740481C1C}">
+                <a14:useLocalDpi xmlns:a14="http://schemas.microsoft.com/office/drawing/2010/main" val="0"/>
+              </a:ext>
+            </a:extLst>
+          </a:blip>
+          <a:srcRect/>
+          <a:stretch>
+            <a:fillRect/>
+          </a:stretch>
+        </p:blipFill>
+        <p:spPr bwMode="auto">
+          <a:xfrm>
+            <a:off x="83617" y="132963"/>
+            <a:ext cx="3038885" cy="2026236"/>
+          </a:xfrm>
+          <a:prstGeom prst="rect">
+            <a:avLst/>
+          </a:prstGeom>
+          <a:noFill/>
+          <a:extLst>
+            <a:ext uri="{909E8E84-426E-40DD-AFC4-6F175D3DCCD1}">
+              <a14:hiddenFill xmlns:a14="http://schemas.microsoft.com/office/drawing/2010/main">
+                <a:solidFill>
+                  <a:srgbClr val="FFFFFF"/>
+                </a:solidFill>
+              </a14:hiddenFill>
+            </a:ext>
+          </a:extLst>
+        </p:spPr>
+      </p:pic>
+      <p:pic>
+        <p:nvPicPr>
+          <p:cNvPr id="7" name="Picture 4">
+            <a:extLst>
+              <a:ext uri="{FF2B5EF4-FFF2-40B4-BE49-F238E27FC236}">
+                <a16:creationId xmlns:a16="http://schemas.microsoft.com/office/drawing/2014/main" id="{0C336ECA-0517-9C03-462B-76648529BA81}"/>
+              </a:ext>
+            </a:extLst>
+          </p:cNvPr>
+          <p:cNvPicPr>
+            <a:picLocks noChangeAspect="1" noChangeArrowheads="1"/>
+          </p:cNvPicPr>
+          <p:nvPr/>
+        </p:nvPicPr>
+        <p:blipFill>
+          <a:blip r:embed="rId3">
+            <a:extLst>
+              <a:ext uri="{28A0092B-C50C-407E-A947-70E740481C1C}">
+                <a14:useLocalDpi xmlns:a14="http://schemas.microsoft.com/office/drawing/2010/main" val="0"/>
+              </a:ext>
+            </a:extLst>
+          </a:blip>
+          <a:srcRect/>
+          <a:stretch>
+            <a:fillRect/>
+          </a:stretch>
+        </p:blipFill>
+        <p:spPr bwMode="auto">
+          <a:xfrm>
+            <a:off x="73188" y="2323650"/>
+            <a:ext cx="2856390" cy="2137468"/>
+          </a:xfrm>
+          <a:prstGeom prst="rect">
+            <a:avLst/>
+          </a:prstGeom>
+          <a:noFill/>
+          <a:extLst>
+            <a:ext uri="{909E8E84-426E-40DD-AFC4-6F175D3DCCD1}">
+              <a14:hiddenFill xmlns:a14="http://schemas.microsoft.com/office/drawing/2010/main">
+                <a:solidFill>
+                  <a:srgbClr val="FFFFFF"/>
+                </a:solidFill>
+              </a14:hiddenFill>
+            </a:ext>
+          </a:extLst>
+        </p:spPr>
+      </p:pic>
+      <p:pic>
+        <p:nvPicPr>
+          <p:cNvPr id="8" name="Picture 6">
+            <a:extLst>
+              <a:ext uri="{FF2B5EF4-FFF2-40B4-BE49-F238E27FC236}">
+                <a16:creationId xmlns:a16="http://schemas.microsoft.com/office/drawing/2014/main" id="{D75CCB94-0794-BF1E-825F-4D31AF7C35B0}"/>
+              </a:ext>
+            </a:extLst>
+          </p:cNvPr>
+          <p:cNvPicPr>
+            <a:picLocks noChangeAspect="1" noChangeArrowheads="1"/>
+          </p:cNvPicPr>
+          <p:nvPr/>
+        </p:nvPicPr>
+        <p:blipFill>
+          <a:blip r:embed="rId4">
+            <a:extLst>
+              <a:ext uri="{28A0092B-C50C-407E-A947-70E740481C1C}">
+                <a14:useLocalDpi xmlns:a14="http://schemas.microsoft.com/office/drawing/2010/main" val="0"/>
+              </a:ext>
+            </a:extLst>
+          </a:blip>
+          <a:srcRect/>
+          <a:stretch>
+            <a:fillRect/>
+          </a:stretch>
+        </p:blipFill>
+        <p:spPr bwMode="auto">
+          <a:xfrm>
+            <a:off x="73187" y="4569748"/>
+            <a:ext cx="3038886" cy="2155663"/>
+          </a:xfrm>
+          <a:prstGeom prst="rect">
+            <a:avLst/>
+          </a:prstGeom>
+          <a:noFill/>
+          <a:extLst>
+            <a:ext uri="{909E8E84-426E-40DD-AFC4-6F175D3DCCD1}">
+              <a14:hiddenFill xmlns:a14="http://schemas.microsoft.com/office/drawing/2010/main">
+                <a:solidFill>
+                  <a:srgbClr val="FFFFFF"/>
+                </a:solidFill>
+              </a14:hiddenFill>
+            </a:ext>
+          </a:extLst>
+        </p:spPr>
+      </p:pic>
+      <p:sp>
+        <p:nvSpPr>
+          <p:cNvPr id="6" name="TextBox 5">
+            <a:extLst>
+              <a:ext uri="{FF2B5EF4-FFF2-40B4-BE49-F238E27FC236}">
+                <a16:creationId xmlns:a16="http://schemas.microsoft.com/office/drawing/2014/main" id="{353061C3-FEA3-E95B-5669-5CC96E1B21AE}"/>
               </a:ext>
             </a:extLst>
           </p:cNvPr>
@@ -14457,8 +13821,8 @@
         </p:nvSpPr>
         <p:spPr>
           <a:xfrm>
-            <a:off x="736100" y="730302"/>
-            <a:ext cx="5150992" cy="3139321"/>
+            <a:off x="3071791" y="883750"/>
+            <a:ext cx="3422322" cy="1200329"/>
           </a:xfrm>
           <a:prstGeom prst="rect">
             <a:avLst/>
@@ -14471,95 +13835,143 @@
           </a:bodyPr>
           <a:lstStyle/>
           <a:p>
-            <a:r>
-              <a:rPr lang="en-US" dirty="0"/>
-              <a:t>Imagine there is a new vacant bedroom, </a:t>
-            </a:r>
-          </a:p>
-          <a:p>
-            <a:r>
-              <a:rPr lang="en-US" dirty="0"/>
-              <a:t>Now, we put some furniture inside</a:t>
-            </a:r>
-          </a:p>
-          <a:p>
-            <a:pPr marL="285750" indent="-285750">
-              <a:buFont typeface="Arial" panose="020B0604020202020204" pitchFamily="34" charset="0"/>
-              <a:buChar char="•"/>
-            </a:pPr>
-            <a:r>
-              <a:rPr lang="en-US" dirty="0"/>
-              <a:t>A bed</a:t>
-            </a:r>
-          </a:p>
-          <a:p>
-            <a:pPr marL="285750" indent="-285750">
-              <a:buFont typeface="Arial" panose="020B0604020202020204" pitchFamily="34" charset="0"/>
-              <a:buChar char="•"/>
-            </a:pPr>
-            <a:r>
-              <a:rPr lang="en-US" dirty="0"/>
-              <a:t>A wardrobe</a:t>
-            </a:r>
-          </a:p>
-          <a:p>
-            <a:pPr marL="285750" indent="-285750">
-              <a:buFont typeface="Arial" panose="020B0604020202020204" pitchFamily="34" charset="0"/>
-              <a:buChar char="•"/>
-            </a:pPr>
-            <a:r>
-              <a:rPr lang="en-US" dirty="0"/>
-              <a:t>An armchair</a:t>
-            </a:r>
-          </a:p>
-          <a:p>
-            <a:pPr marL="285750" indent="-285750">
-              <a:buFont typeface="Arial" panose="020B0604020202020204" pitchFamily="34" charset="0"/>
-              <a:buChar char="•"/>
-            </a:pPr>
-            <a:r>
-              <a:rPr lang="en-US" dirty="0"/>
-              <a:t>A carpet</a:t>
-            </a:r>
-          </a:p>
-          <a:p>
-            <a:pPr marL="285750" indent="-285750">
-              <a:buFont typeface="Arial" panose="020B0604020202020204" pitchFamily="34" charset="0"/>
-              <a:buChar char="•"/>
-            </a:pPr>
-            <a:r>
-              <a:rPr lang="en-US" dirty="0"/>
-              <a:t>Two bedside tables</a:t>
-            </a:r>
-          </a:p>
-          <a:p>
-            <a:pPr marL="285750" indent="-285750">
-              <a:buFont typeface="Arial" panose="020B0604020202020204" pitchFamily="34" charset="0"/>
-              <a:buChar char="•"/>
-            </a:pPr>
+            <a:pPr marL="342900" indent="-342900">
+              <a:buAutoNum type="alphaUcPeriod"/>
+            </a:pPr>
+            <a:r>
+              <a:rPr lang="en-US" dirty="0">
+                <a:highlight>
+                  <a:srgbClr val="FFFF00"/>
+                </a:highlight>
+              </a:rPr>
+              <a:t>Cube</a:t>
+            </a:r>
+            <a:r>
+              <a:rPr lang="en-US" dirty="0"/>
+              <a:t>, </a:t>
+            </a:r>
+            <a:r>
+              <a:rPr lang="en-US" dirty="0">
+                <a:highlight>
+                  <a:srgbClr val="FFFF00"/>
+                </a:highlight>
+              </a:rPr>
+              <a:t>Big</a:t>
+            </a:r>
+            <a:r>
+              <a:rPr lang="en-US" dirty="0"/>
+              <a:t>, Blue, </a:t>
+            </a:r>
+            <a:r>
+              <a:rPr lang="en-US" dirty="0">
+                <a:highlight>
+                  <a:srgbClr val="FFFF00"/>
+                </a:highlight>
+              </a:rPr>
+              <a:t>Front</a:t>
+            </a:r>
+          </a:p>
+          <a:p>
+            <a:pPr marL="342900" indent="-342900">
+              <a:buAutoNum type="alphaUcPeriod"/>
+            </a:pPr>
+            <a:r>
+              <a:rPr lang="en-US" dirty="0">
+                <a:highlight>
+                  <a:srgbClr val="FFFF00"/>
+                </a:highlight>
+              </a:rPr>
+              <a:t>Sphere</a:t>
+            </a:r>
+            <a:r>
+              <a:rPr lang="en-US" dirty="0"/>
+              <a:t>, </a:t>
+            </a:r>
+            <a:r>
+              <a:rPr lang="en-US" dirty="0">
+                <a:highlight>
+                  <a:srgbClr val="FFFF00"/>
+                </a:highlight>
+              </a:rPr>
+              <a:t>Big</a:t>
+            </a:r>
+            <a:r>
+              <a:rPr lang="en-US" dirty="0"/>
+              <a:t>, </a:t>
+            </a:r>
+            <a:r>
+              <a:rPr lang="en-US" dirty="0">
+                <a:highlight>
+                  <a:srgbClr val="FFFF00"/>
+                </a:highlight>
+              </a:rPr>
+              <a:t>Red</a:t>
+            </a:r>
+            <a:r>
+              <a:rPr lang="en-US" dirty="0"/>
+              <a:t>, </a:t>
+            </a:r>
+            <a:r>
+              <a:rPr lang="en-US" dirty="0">
+                <a:highlight>
+                  <a:srgbClr val="FFFF00"/>
+                </a:highlight>
+              </a:rPr>
+              <a:t>Behind</a:t>
+            </a:r>
+          </a:p>
+          <a:p>
+            <a:pPr marL="342900" indent="-342900">
+              <a:buAutoNum type="alphaUcPeriod"/>
+            </a:pPr>
+            <a:r>
+              <a:rPr lang="en-US" dirty="0">
+                <a:highlight>
+                  <a:srgbClr val="FFFF00"/>
+                </a:highlight>
+              </a:rPr>
+              <a:t>Sphere</a:t>
+            </a:r>
+            <a:r>
+              <a:rPr lang="en-US" dirty="0"/>
+              <a:t>, </a:t>
+            </a:r>
+            <a:r>
+              <a:rPr lang="en-US" dirty="0">
+                <a:highlight>
+                  <a:srgbClr val="FFFF00"/>
+                </a:highlight>
+              </a:rPr>
+              <a:t>Small</a:t>
+            </a:r>
+            <a:r>
+              <a:rPr lang="en-US" dirty="0"/>
+              <a:t>, </a:t>
+            </a:r>
+            <a:r>
+              <a:rPr lang="en-US" dirty="0">
+                <a:highlight>
+                  <a:srgbClr val="FFFF00"/>
+                </a:highlight>
+              </a:rPr>
+              <a:t>Red</a:t>
+            </a:r>
+            <a:r>
+              <a:rPr lang="en-US" dirty="0"/>
+              <a:t>, Right</a:t>
+            </a:r>
+          </a:p>
+          <a:p>
             <a:endParaRPr lang="en-US" dirty="0"/>
           </a:p>
-          <a:p>
-            <a:pPr marL="285750" indent="-285750">
-              <a:buFont typeface="Arial" panose="020B0604020202020204" pitchFamily="34" charset="0"/>
-              <a:buChar char="•"/>
-            </a:pPr>
-            <a:endParaRPr lang="en-US" dirty="0"/>
-          </a:p>
-          <a:p>
-            <a:r>
-              <a:rPr lang="en-US" dirty="0"/>
-              <a:t>How to automatically decide the positions of these objects?</a:t>
-            </a:r>
-          </a:p>
-        </p:txBody>
-      </p:sp>
-      <p:sp>
-        <p:nvSpPr>
-          <p:cNvPr id="5" name="Oval 4">
-            <a:extLst>
-              <a:ext uri="{FF2B5EF4-FFF2-40B4-BE49-F238E27FC236}">
-                <a16:creationId xmlns:a16="http://schemas.microsoft.com/office/drawing/2014/main" id="{7016D2C4-C1DA-7C14-DE3A-2D43E503DED5}"/>
+        </p:txBody>
+      </p:sp>
+      <p:sp>
+        <p:nvSpPr>
+          <p:cNvPr id="17" name="Oval 16">
+            <a:extLst>
+              <a:ext uri="{FF2B5EF4-FFF2-40B4-BE49-F238E27FC236}">
+                <a16:creationId xmlns:a16="http://schemas.microsoft.com/office/drawing/2014/main" id="{6673F793-5107-84F5-1EFC-9F96C5152DF1}"/>
               </a:ext>
             </a:extLst>
           </p:cNvPr>
@@ -14568,7 +13980,7 @@
         </p:nvSpPr>
         <p:spPr>
           <a:xfrm>
-            <a:off x="1193814" y="5792707"/>
+            <a:off x="608188" y="1873872"/>
             <a:ext cx="405233" cy="420414"/>
           </a:xfrm>
           <a:prstGeom prst="ellipse">
@@ -14605,10 +14017,10 @@
       </p:sp>
       <p:sp>
         <p:nvSpPr>
-          <p:cNvPr id="6" name="Oval 5">
-            <a:extLst>
-              <a:ext uri="{FF2B5EF4-FFF2-40B4-BE49-F238E27FC236}">
-                <a16:creationId xmlns:a16="http://schemas.microsoft.com/office/drawing/2014/main" id="{79743750-3C5B-E257-AB51-D091010F16AB}"/>
+          <p:cNvPr id="18" name="Oval 17">
+            <a:extLst>
+              <a:ext uri="{FF2B5EF4-FFF2-40B4-BE49-F238E27FC236}">
+                <a16:creationId xmlns:a16="http://schemas.microsoft.com/office/drawing/2014/main" id="{D0D73A21-5B4E-ABCA-68EA-71F9B38C43C6}"/>
               </a:ext>
             </a:extLst>
           </p:cNvPr>
@@ -14617,7 +14029,7 @@
         </p:nvSpPr>
         <p:spPr>
           <a:xfrm>
-            <a:off x="2601374" y="6002914"/>
+            <a:off x="796071" y="1244131"/>
             <a:ext cx="405233" cy="420414"/>
           </a:xfrm>
           <a:prstGeom prst="ellipse">
@@ -14654,10 +14066,10 @@
       </p:sp>
       <p:sp>
         <p:nvSpPr>
-          <p:cNvPr id="7" name="Oval 6">
-            <a:extLst>
-              <a:ext uri="{FF2B5EF4-FFF2-40B4-BE49-F238E27FC236}">
-                <a16:creationId xmlns:a16="http://schemas.microsoft.com/office/drawing/2014/main" id="{D3F11292-5AEB-03A5-870C-046C6A8F83A7}"/>
+          <p:cNvPr id="19" name="Oval 18">
+            <a:extLst>
+              <a:ext uri="{FF2B5EF4-FFF2-40B4-BE49-F238E27FC236}">
+                <a16:creationId xmlns:a16="http://schemas.microsoft.com/office/drawing/2014/main" id="{13BE3EF0-293C-F0D3-60A0-2DF596361A8F}"/>
               </a:ext>
             </a:extLst>
           </p:cNvPr>
@@ -14666,7 +14078,7 @@
         </p:nvSpPr>
         <p:spPr>
           <a:xfrm>
-            <a:off x="3706465" y="6002914"/>
+            <a:off x="593455" y="204713"/>
             <a:ext cx="405233" cy="420414"/>
           </a:xfrm>
           <a:prstGeom prst="ellipse">
@@ -14703,10 +14115,157 @@
       </p:sp>
       <p:sp>
         <p:nvSpPr>
-          <p:cNvPr id="10" name="TextBox 9">
-            <a:extLst>
-              <a:ext uri="{FF2B5EF4-FFF2-40B4-BE49-F238E27FC236}">
-                <a16:creationId xmlns:a16="http://schemas.microsoft.com/office/drawing/2014/main" id="{36CD8D63-730C-3AD2-1C56-046C66ACEDD2}"/>
+          <p:cNvPr id="21" name="Oval 20">
+            <a:extLst>
+              <a:ext uri="{FF2B5EF4-FFF2-40B4-BE49-F238E27FC236}">
+                <a16:creationId xmlns:a16="http://schemas.microsoft.com/office/drawing/2014/main" id="{5A422E20-512A-3BA5-CB2A-71D0AA856232}"/>
+              </a:ext>
+            </a:extLst>
+          </p:cNvPr>
+          <p:cNvSpPr/>
+          <p:nvPr/>
+        </p:nvSpPr>
+        <p:spPr>
+          <a:xfrm>
+            <a:off x="2084203" y="2769165"/>
+            <a:ext cx="405233" cy="420414"/>
+          </a:xfrm>
+          <a:prstGeom prst="ellipse">
+            <a:avLst/>
+          </a:prstGeom>
+        </p:spPr>
+        <p:style>
+          <a:lnRef idx="2">
+            <a:schemeClr val="accent1">
+              <a:shade val="50000"/>
+            </a:schemeClr>
+          </a:lnRef>
+          <a:fillRef idx="1">
+            <a:schemeClr val="accent1"/>
+          </a:fillRef>
+          <a:effectRef idx="0">
+            <a:schemeClr val="accent1"/>
+          </a:effectRef>
+          <a:fontRef idx="minor">
+            <a:schemeClr val="lt1"/>
+          </a:fontRef>
+        </p:style>
+        <p:txBody>
+          <a:bodyPr rtlCol="0" anchor="ctr"/>
+          <a:lstStyle/>
+          <a:p>
+            <a:pPr algn="ctr"/>
+            <a:r>
+              <a:rPr lang="en-US" dirty="0"/>
+              <a:t>C</a:t>
+            </a:r>
+          </a:p>
+        </p:txBody>
+      </p:sp>
+      <p:sp>
+        <p:nvSpPr>
+          <p:cNvPr id="22" name="Oval 21">
+            <a:extLst>
+              <a:ext uri="{FF2B5EF4-FFF2-40B4-BE49-F238E27FC236}">
+                <a16:creationId xmlns:a16="http://schemas.microsoft.com/office/drawing/2014/main" id="{6ADF25AD-B46C-5331-B932-8C38061BE185}"/>
+              </a:ext>
+            </a:extLst>
+          </p:cNvPr>
+          <p:cNvSpPr/>
+          <p:nvPr/>
+        </p:nvSpPr>
+        <p:spPr>
+          <a:xfrm>
+            <a:off x="1946142" y="3635094"/>
+            <a:ext cx="405233" cy="420414"/>
+          </a:xfrm>
+          <a:prstGeom prst="ellipse">
+            <a:avLst/>
+          </a:prstGeom>
+        </p:spPr>
+        <p:style>
+          <a:lnRef idx="2">
+            <a:schemeClr val="accent1">
+              <a:shade val="50000"/>
+            </a:schemeClr>
+          </a:lnRef>
+          <a:fillRef idx="1">
+            <a:schemeClr val="accent1"/>
+          </a:fillRef>
+          <a:effectRef idx="0">
+            <a:schemeClr val="accent1"/>
+          </a:effectRef>
+          <a:fontRef idx="minor">
+            <a:schemeClr val="lt1"/>
+          </a:fontRef>
+        </p:style>
+        <p:txBody>
+          <a:bodyPr rtlCol="0" anchor="ctr"/>
+          <a:lstStyle/>
+          <a:p>
+            <a:pPr algn="ctr"/>
+            <a:r>
+              <a:rPr lang="en-US" dirty="0"/>
+              <a:t>B</a:t>
+            </a:r>
+          </a:p>
+        </p:txBody>
+      </p:sp>
+      <p:sp>
+        <p:nvSpPr>
+          <p:cNvPr id="23" name="Oval 22">
+            <a:extLst>
+              <a:ext uri="{FF2B5EF4-FFF2-40B4-BE49-F238E27FC236}">
+                <a16:creationId xmlns:a16="http://schemas.microsoft.com/office/drawing/2014/main" id="{96A39515-039B-9CEE-A14E-6D8AB6177386}"/>
+              </a:ext>
+            </a:extLst>
+          </p:cNvPr>
+          <p:cNvSpPr/>
+          <p:nvPr/>
+        </p:nvSpPr>
+        <p:spPr>
+          <a:xfrm>
+            <a:off x="412538" y="3521611"/>
+            <a:ext cx="405233" cy="420414"/>
+          </a:xfrm>
+          <a:prstGeom prst="ellipse">
+            <a:avLst/>
+          </a:prstGeom>
+        </p:spPr>
+        <p:style>
+          <a:lnRef idx="2">
+            <a:schemeClr val="accent1">
+              <a:shade val="50000"/>
+            </a:schemeClr>
+          </a:lnRef>
+          <a:fillRef idx="1">
+            <a:schemeClr val="accent1"/>
+          </a:fillRef>
+          <a:effectRef idx="0">
+            <a:schemeClr val="accent1"/>
+          </a:effectRef>
+          <a:fontRef idx="minor">
+            <a:schemeClr val="lt1"/>
+          </a:fontRef>
+        </p:style>
+        <p:txBody>
+          <a:bodyPr rtlCol="0" anchor="ctr"/>
+          <a:lstStyle/>
+          <a:p>
+            <a:pPr algn="ctr"/>
+            <a:r>
+              <a:rPr lang="en-US" dirty="0"/>
+              <a:t>A</a:t>
+            </a:r>
+          </a:p>
+        </p:txBody>
+      </p:sp>
+      <p:sp>
+        <p:nvSpPr>
+          <p:cNvPr id="24" name="TextBox 23">
+            <a:extLst>
+              <a:ext uri="{FF2B5EF4-FFF2-40B4-BE49-F238E27FC236}">
+                <a16:creationId xmlns:a16="http://schemas.microsoft.com/office/drawing/2014/main" id="{5DBA867C-5671-D3B4-4B39-5E0E5CEE5876}"/>
               </a:ext>
             </a:extLst>
           </p:cNvPr>
@@ -14715,8 +14274,8 @@
         </p:nvSpPr>
         <p:spPr>
           <a:xfrm>
-            <a:off x="6407436" y="1007301"/>
-            <a:ext cx="5150992" cy="1477328"/>
+            <a:off x="3154930" y="2921446"/>
+            <a:ext cx="3422322" cy="1200329"/>
           </a:xfrm>
           <a:prstGeom prst="rect">
             <a:avLst/>
@@ -14729,21 +14288,619 @@
           </a:bodyPr>
           <a:lstStyle/>
           <a:p>
-            <a:r>
-              <a:rPr lang="en-US" dirty="0"/>
-              <a:t>Crazier, if there is a bedroom, how should it look like.</a:t>
-            </a:r>
-          </a:p>
-          <a:p>
-            <a:r>
-              <a:rPr lang="en-US" dirty="0"/>
-              <a:t>Possibly, there is a bed, a wardrobe, some paintings, lights, carpets. </a:t>
-            </a:r>
-          </a:p>
-          <a:p>
-            <a:r>
-              <a:rPr lang="en-US" dirty="0"/>
-              <a:t>Can AI think about with it and place everything properly?</a:t>
+            <a:pPr marL="342900" indent="-342900">
+              <a:buAutoNum type="alphaUcPeriod"/>
+            </a:pPr>
+            <a:r>
+              <a:rPr lang="en-US" dirty="0">
+                <a:highlight>
+                  <a:srgbClr val="FFFF00"/>
+                </a:highlight>
+              </a:rPr>
+              <a:t>Cube</a:t>
+            </a:r>
+            <a:r>
+              <a:rPr lang="en-US" dirty="0"/>
+              <a:t>, </a:t>
+            </a:r>
+            <a:r>
+              <a:rPr lang="en-US" dirty="0">
+                <a:highlight>
+                  <a:srgbClr val="FFFF00"/>
+                </a:highlight>
+              </a:rPr>
+              <a:t>Big</a:t>
+            </a:r>
+            <a:r>
+              <a:rPr lang="en-US" dirty="0"/>
+              <a:t>, Blue, Left</a:t>
+            </a:r>
+          </a:p>
+          <a:p>
+            <a:pPr marL="342900" indent="-342900">
+              <a:buAutoNum type="alphaUcPeriod"/>
+            </a:pPr>
+            <a:r>
+              <a:rPr lang="en-US" dirty="0">
+                <a:highlight>
+                  <a:srgbClr val="FFFF00"/>
+                </a:highlight>
+              </a:rPr>
+              <a:t>Sphere</a:t>
+            </a:r>
+            <a:r>
+              <a:rPr lang="en-US" dirty="0"/>
+              <a:t>, </a:t>
+            </a:r>
+            <a:r>
+              <a:rPr lang="en-US" dirty="0">
+                <a:highlight>
+                  <a:srgbClr val="FFFF00"/>
+                </a:highlight>
+              </a:rPr>
+              <a:t>Small</a:t>
+            </a:r>
+            <a:r>
+              <a:rPr lang="en-US" dirty="0"/>
+              <a:t>, </a:t>
+            </a:r>
+            <a:r>
+              <a:rPr lang="en-US" dirty="0">
+                <a:highlight>
+                  <a:srgbClr val="FFFF00"/>
+                </a:highlight>
+              </a:rPr>
+              <a:t>Red</a:t>
+            </a:r>
+            <a:r>
+              <a:rPr lang="en-US" dirty="0"/>
+              <a:t>, </a:t>
+            </a:r>
+            <a:r>
+              <a:rPr lang="en-US" dirty="0">
+                <a:highlight>
+                  <a:srgbClr val="FFFF00"/>
+                </a:highlight>
+              </a:rPr>
+              <a:t>Behind</a:t>
+            </a:r>
+          </a:p>
+          <a:p>
+            <a:pPr marL="342900" indent="-342900">
+              <a:buAutoNum type="alphaUcPeriod"/>
+            </a:pPr>
+            <a:r>
+              <a:rPr lang="en-US" dirty="0">
+                <a:highlight>
+                  <a:srgbClr val="FFFF00"/>
+                </a:highlight>
+              </a:rPr>
+              <a:t>Sphere</a:t>
+            </a:r>
+            <a:r>
+              <a:rPr lang="en-US" dirty="0"/>
+              <a:t>, </a:t>
+            </a:r>
+            <a:r>
+              <a:rPr lang="en-US" dirty="0">
+                <a:highlight>
+                  <a:srgbClr val="FFFF00"/>
+                </a:highlight>
+              </a:rPr>
+              <a:t>Big</a:t>
+            </a:r>
+            <a:r>
+              <a:rPr lang="en-US" dirty="0"/>
+              <a:t>, Green, </a:t>
+            </a:r>
+            <a:r>
+              <a:rPr lang="en-US" dirty="0">
+                <a:highlight>
+                  <a:srgbClr val="FFFF00"/>
+                </a:highlight>
+              </a:rPr>
+              <a:t>Front</a:t>
+            </a:r>
+          </a:p>
+          <a:p>
+            <a:endParaRPr lang="en-US" dirty="0"/>
+          </a:p>
+        </p:txBody>
+      </p:sp>
+      <p:sp>
+        <p:nvSpPr>
+          <p:cNvPr id="9" name="Oval 8">
+            <a:extLst>
+              <a:ext uri="{FF2B5EF4-FFF2-40B4-BE49-F238E27FC236}">
+                <a16:creationId xmlns:a16="http://schemas.microsoft.com/office/drawing/2014/main" id="{4EA29935-2A2A-B43E-C1A0-0D6082F12A7B}"/>
+              </a:ext>
+            </a:extLst>
+          </p:cNvPr>
+          <p:cNvSpPr/>
+          <p:nvPr/>
+        </p:nvSpPr>
+        <p:spPr>
+          <a:xfrm>
+            <a:off x="417579" y="6058210"/>
+            <a:ext cx="405233" cy="420414"/>
+          </a:xfrm>
+          <a:prstGeom prst="ellipse">
+            <a:avLst/>
+          </a:prstGeom>
+        </p:spPr>
+        <p:style>
+          <a:lnRef idx="2">
+            <a:schemeClr val="accent1">
+              <a:shade val="50000"/>
+            </a:schemeClr>
+          </a:lnRef>
+          <a:fillRef idx="1">
+            <a:schemeClr val="accent1"/>
+          </a:fillRef>
+          <a:effectRef idx="0">
+            <a:schemeClr val="accent1"/>
+          </a:effectRef>
+          <a:fontRef idx="minor">
+            <a:schemeClr val="lt1"/>
+          </a:fontRef>
+        </p:style>
+        <p:txBody>
+          <a:bodyPr rtlCol="0" anchor="ctr"/>
+          <a:lstStyle/>
+          <a:p>
+            <a:pPr algn="ctr"/>
+            <a:r>
+              <a:rPr lang="en-US" dirty="0"/>
+              <a:t>A</a:t>
+            </a:r>
+          </a:p>
+        </p:txBody>
+      </p:sp>
+      <p:sp>
+        <p:nvSpPr>
+          <p:cNvPr id="10" name="Oval 9">
+            <a:extLst>
+              <a:ext uri="{FF2B5EF4-FFF2-40B4-BE49-F238E27FC236}">
+                <a16:creationId xmlns:a16="http://schemas.microsoft.com/office/drawing/2014/main" id="{9DAA15ED-2077-3B94-D487-7AD1D37A352F}"/>
+              </a:ext>
+            </a:extLst>
+          </p:cNvPr>
+          <p:cNvSpPr/>
+          <p:nvPr/>
+        </p:nvSpPr>
+        <p:spPr>
+          <a:xfrm>
+            <a:off x="1201304" y="5793498"/>
+            <a:ext cx="405233" cy="420414"/>
+          </a:xfrm>
+          <a:prstGeom prst="ellipse">
+            <a:avLst/>
+          </a:prstGeom>
+        </p:spPr>
+        <p:style>
+          <a:lnRef idx="2">
+            <a:schemeClr val="accent1">
+              <a:shade val="50000"/>
+            </a:schemeClr>
+          </a:lnRef>
+          <a:fillRef idx="1">
+            <a:schemeClr val="accent1"/>
+          </a:fillRef>
+          <a:effectRef idx="0">
+            <a:schemeClr val="accent1"/>
+          </a:effectRef>
+          <a:fontRef idx="minor">
+            <a:schemeClr val="lt1"/>
+          </a:fontRef>
+        </p:style>
+        <p:txBody>
+          <a:bodyPr rtlCol="0" anchor="ctr"/>
+          <a:lstStyle/>
+          <a:p>
+            <a:pPr algn="ctr"/>
+            <a:r>
+              <a:rPr lang="en-US" dirty="0"/>
+              <a:t>B</a:t>
+            </a:r>
+          </a:p>
+        </p:txBody>
+      </p:sp>
+      <p:sp>
+        <p:nvSpPr>
+          <p:cNvPr id="11" name="TextBox 10">
+            <a:extLst>
+              <a:ext uri="{FF2B5EF4-FFF2-40B4-BE49-F238E27FC236}">
+                <a16:creationId xmlns:a16="http://schemas.microsoft.com/office/drawing/2014/main" id="{A322CBD9-F434-4AD6-1C15-8925F243D897}"/>
+              </a:ext>
+            </a:extLst>
+          </p:cNvPr>
+          <p:cNvSpPr txBox="1"/>
+          <p:nvPr/>
+        </p:nvSpPr>
+        <p:spPr>
+          <a:xfrm>
+            <a:off x="3320950" y="5331833"/>
+            <a:ext cx="3422322" cy="923330"/>
+          </a:xfrm>
+          <a:prstGeom prst="rect">
+            <a:avLst/>
+          </a:prstGeom>
+          <a:noFill/>
+        </p:spPr>
+        <p:txBody>
+          <a:bodyPr wrap="square" rtlCol="0">
+            <a:spAutoFit/>
+          </a:bodyPr>
+          <a:lstStyle/>
+          <a:p>
+            <a:pPr marL="342900" indent="-342900">
+              <a:buAutoNum type="alphaUcPeriod"/>
+            </a:pPr>
+            <a:r>
+              <a:rPr lang="en-US" dirty="0">
+                <a:highlight>
+                  <a:srgbClr val="FFFF00"/>
+                </a:highlight>
+              </a:rPr>
+              <a:t>Sphere</a:t>
+            </a:r>
+            <a:r>
+              <a:rPr lang="en-US" dirty="0"/>
+              <a:t>, </a:t>
+            </a:r>
+            <a:r>
+              <a:rPr lang="en-US" dirty="0">
+                <a:highlight>
+                  <a:srgbClr val="FFFF00"/>
+                </a:highlight>
+              </a:rPr>
+              <a:t>Big</a:t>
+            </a:r>
+            <a:r>
+              <a:rPr lang="en-US" dirty="0"/>
+              <a:t>, Green, </a:t>
+            </a:r>
+            <a:r>
+              <a:rPr lang="en-US" dirty="0">
+                <a:highlight>
+                  <a:srgbClr val="FFFF00"/>
+                </a:highlight>
+              </a:rPr>
+              <a:t>Front</a:t>
+            </a:r>
+          </a:p>
+          <a:p>
+            <a:pPr marL="342900" indent="-342900">
+              <a:buAutoNum type="alphaUcPeriod"/>
+            </a:pPr>
+            <a:r>
+              <a:rPr lang="en-US" dirty="0">
+                <a:highlight>
+                  <a:srgbClr val="FFFF00"/>
+                </a:highlight>
+              </a:rPr>
+              <a:t>Cube</a:t>
+            </a:r>
+            <a:r>
+              <a:rPr lang="en-US" dirty="0"/>
+              <a:t>, </a:t>
+            </a:r>
+            <a:r>
+              <a:rPr lang="en-US" dirty="0">
+                <a:highlight>
+                  <a:srgbClr val="FFFF00"/>
+                </a:highlight>
+              </a:rPr>
+              <a:t>Big</a:t>
+            </a:r>
+            <a:r>
+              <a:rPr lang="en-US" dirty="0"/>
+              <a:t>, </a:t>
+            </a:r>
+            <a:r>
+              <a:rPr lang="en-US" dirty="0">
+                <a:highlight>
+                  <a:srgbClr val="FFFF00"/>
+                </a:highlight>
+              </a:rPr>
+              <a:t>Red</a:t>
+            </a:r>
+            <a:r>
+              <a:rPr lang="en-US" dirty="0"/>
+              <a:t>, Right</a:t>
+            </a:r>
+          </a:p>
+          <a:p>
+            <a:pPr marL="342900" indent="-342900">
+              <a:buAutoNum type="alphaUcPeriod"/>
+            </a:pPr>
+            <a:r>
+              <a:rPr lang="en-US" dirty="0">
+                <a:highlight>
+                  <a:srgbClr val="FFFF00"/>
+                </a:highlight>
+              </a:rPr>
+              <a:t>Sphere</a:t>
+            </a:r>
+            <a:r>
+              <a:rPr lang="en-US" dirty="0"/>
+              <a:t>, </a:t>
+            </a:r>
+            <a:r>
+              <a:rPr lang="en-US" dirty="0">
+                <a:highlight>
+                  <a:srgbClr val="FFFF00"/>
+                </a:highlight>
+              </a:rPr>
+              <a:t>Small</a:t>
+            </a:r>
+            <a:r>
+              <a:rPr lang="en-US" dirty="0"/>
+              <a:t>, </a:t>
+            </a:r>
+            <a:r>
+              <a:rPr lang="en-US" dirty="0">
+                <a:highlight>
+                  <a:srgbClr val="FFFF00"/>
+                </a:highlight>
+              </a:rPr>
+              <a:t>Red</a:t>
+            </a:r>
+            <a:r>
+              <a:rPr lang="en-US" dirty="0"/>
+              <a:t>, </a:t>
+            </a:r>
+            <a:r>
+              <a:rPr lang="en-US" dirty="0">
+                <a:highlight>
+                  <a:srgbClr val="FFFF00"/>
+                </a:highlight>
+              </a:rPr>
+              <a:t>Behind</a:t>
+            </a:r>
+          </a:p>
+        </p:txBody>
+      </p:sp>
+      <p:sp>
+        <p:nvSpPr>
+          <p:cNvPr id="12" name="TextBox 11">
+            <a:extLst>
+              <a:ext uri="{FF2B5EF4-FFF2-40B4-BE49-F238E27FC236}">
+                <a16:creationId xmlns:a16="http://schemas.microsoft.com/office/drawing/2014/main" id="{4A5DC98C-CEC8-CAEC-15C2-E88D0D5706D9}"/>
+              </a:ext>
+            </a:extLst>
+          </p:cNvPr>
+          <p:cNvSpPr txBox="1"/>
+          <p:nvPr/>
+        </p:nvSpPr>
+        <p:spPr>
+          <a:xfrm>
+            <a:off x="7442593" y="683106"/>
+            <a:ext cx="4442537" cy="369332"/>
+          </a:xfrm>
+          <a:prstGeom prst="rect">
+            <a:avLst/>
+          </a:prstGeom>
+          <a:noFill/>
+        </p:spPr>
+        <p:txBody>
+          <a:bodyPr wrap="square" rtlCol="0">
+            <a:spAutoFit/>
+          </a:bodyPr>
+          <a:lstStyle/>
+          <a:p>
+            <a:r>
+              <a:rPr lang="en-US" dirty="0"/>
+              <a:t>First, search attribute by attribute</a:t>
+            </a:r>
+          </a:p>
+        </p:txBody>
+      </p:sp>
+      <p:sp>
+        <p:nvSpPr>
+          <p:cNvPr id="14" name="TextBox 13">
+            <a:extLst>
+              <a:ext uri="{FF2B5EF4-FFF2-40B4-BE49-F238E27FC236}">
+                <a16:creationId xmlns:a16="http://schemas.microsoft.com/office/drawing/2014/main" id="{77D7668C-374B-DD95-6723-44C959CECB4E}"/>
+              </a:ext>
+            </a:extLst>
+          </p:cNvPr>
+          <p:cNvSpPr txBox="1"/>
+          <p:nvPr/>
+        </p:nvSpPr>
+        <p:spPr>
+          <a:xfrm>
+            <a:off x="7908240" y="1352803"/>
+            <a:ext cx="2892905" cy="2862322"/>
+          </a:xfrm>
+          <a:prstGeom prst="rect">
+            <a:avLst/>
+          </a:prstGeom>
+          <a:noFill/>
+        </p:spPr>
+        <p:txBody>
+          <a:bodyPr wrap="square" rtlCol="0">
+            <a:spAutoFit/>
+          </a:bodyPr>
+          <a:lstStyle/>
+          <a:p>
+            <a:r>
+              <a:rPr lang="en-US" dirty="0"/>
+              <a:t>Rules can be found</a:t>
+            </a:r>
+          </a:p>
+          <a:p>
+            <a:pPr marL="285750" indent="-285750">
+              <a:buFont typeface="Arial" panose="020B0604020202020204" pitchFamily="34" charset="0"/>
+              <a:buChar char="•"/>
+            </a:pPr>
+            <a:r>
+              <a:rPr lang="en-US" dirty="0"/>
+              <a:t>Big, Cube</a:t>
+            </a:r>
+          </a:p>
+          <a:p>
+            <a:pPr marL="285750" indent="-285750">
+              <a:buFont typeface="Arial" panose="020B0604020202020204" pitchFamily="34" charset="0"/>
+              <a:buChar char="•"/>
+            </a:pPr>
+            <a:r>
+              <a:rPr lang="en-US" dirty="0"/>
+              <a:t>Big, Sphere</a:t>
+            </a:r>
+          </a:p>
+          <a:p>
+            <a:pPr marL="285750" indent="-285750">
+              <a:buFont typeface="Arial" panose="020B0604020202020204" pitchFamily="34" charset="0"/>
+              <a:buChar char="•"/>
+            </a:pPr>
+            <a:r>
+              <a:rPr lang="en-US" dirty="0"/>
+              <a:t>Sphere, Behind</a:t>
+            </a:r>
+          </a:p>
+          <a:p>
+            <a:pPr marL="285750" indent="-285750">
+              <a:buFont typeface="Arial" panose="020B0604020202020204" pitchFamily="34" charset="0"/>
+              <a:buChar char="•"/>
+            </a:pPr>
+            <a:r>
+              <a:rPr lang="en-US" dirty="0"/>
+              <a:t>Red, Behind</a:t>
+            </a:r>
+          </a:p>
+          <a:p>
+            <a:pPr marL="285750" indent="-285750">
+              <a:buFont typeface="Arial" panose="020B0604020202020204" pitchFamily="34" charset="0"/>
+              <a:buChar char="•"/>
+            </a:pPr>
+            <a:r>
+              <a:rPr lang="en-US" dirty="0"/>
+              <a:t>Sphere, Red, Behind</a:t>
+            </a:r>
+          </a:p>
+          <a:p>
+            <a:pPr marL="285750" indent="-285750">
+              <a:buFont typeface="Arial" panose="020B0604020202020204" pitchFamily="34" charset="0"/>
+              <a:buChar char="•"/>
+            </a:pPr>
+            <a:r>
+              <a:rPr lang="en-US" dirty="0"/>
+              <a:t>Sphere, Small</a:t>
+            </a:r>
+          </a:p>
+          <a:p>
+            <a:pPr marL="285750" indent="-285750">
+              <a:buFont typeface="Arial" panose="020B0604020202020204" pitchFamily="34" charset="0"/>
+              <a:buChar char="•"/>
+            </a:pPr>
+            <a:r>
+              <a:rPr lang="en-US" dirty="0"/>
+              <a:t>Sphere, Red</a:t>
+            </a:r>
+          </a:p>
+          <a:p>
+            <a:pPr marL="285750" indent="-285750">
+              <a:buFont typeface="Arial" panose="020B0604020202020204" pitchFamily="34" charset="0"/>
+              <a:buChar char="•"/>
+            </a:pPr>
+            <a:r>
+              <a:rPr lang="en-US" dirty="0"/>
+              <a:t>Small Red,</a:t>
+            </a:r>
+          </a:p>
+          <a:p>
+            <a:pPr marL="285750" indent="-285750">
+              <a:buFont typeface="Arial" panose="020B0604020202020204" pitchFamily="34" charset="0"/>
+              <a:buChar char="•"/>
+            </a:pPr>
+            <a:r>
+              <a:rPr lang="en-US" dirty="0"/>
+              <a:t>Sphere, Small, Red</a:t>
+            </a:r>
+          </a:p>
+        </p:txBody>
+      </p:sp>
+      <p:sp>
+        <p:nvSpPr>
+          <p:cNvPr id="4" name="TextBox 3">
+            <a:extLst>
+              <a:ext uri="{FF2B5EF4-FFF2-40B4-BE49-F238E27FC236}">
+                <a16:creationId xmlns:a16="http://schemas.microsoft.com/office/drawing/2014/main" id="{887F491C-B8A4-AC40-8467-CC280FAD66D7}"/>
+              </a:ext>
+            </a:extLst>
+          </p:cNvPr>
+          <p:cNvSpPr txBox="1"/>
+          <p:nvPr/>
+        </p:nvSpPr>
+        <p:spPr>
+          <a:xfrm>
+            <a:off x="7908240" y="4569748"/>
+            <a:ext cx="1012503" cy="369332"/>
+          </a:xfrm>
+          <a:prstGeom prst="rect">
+            <a:avLst/>
+          </a:prstGeom>
+          <a:noFill/>
+        </p:spPr>
+        <p:txBody>
+          <a:bodyPr wrap="square" rtlCol="0">
+            <a:spAutoFit/>
+          </a:bodyPr>
+          <a:lstStyle/>
+          <a:p>
+            <a:r>
+              <a:rPr lang="en-US" dirty="0"/>
+              <a:t>9 rules</a:t>
+            </a:r>
+          </a:p>
+        </p:txBody>
+      </p:sp>
+      <p:sp>
+        <p:nvSpPr>
+          <p:cNvPr id="26" name="Oval 25">
+            <a:extLst>
+              <a:ext uri="{FF2B5EF4-FFF2-40B4-BE49-F238E27FC236}">
+                <a16:creationId xmlns:a16="http://schemas.microsoft.com/office/drawing/2014/main" id="{5D26DD76-FFF7-A832-FD87-4674211A33AF}"/>
+              </a:ext>
+            </a:extLst>
+          </p:cNvPr>
+          <p:cNvSpPr/>
+          <p:nvPr/>
+        </p:nvSpPr>
+        <p:spPr>
+          <a:xfrm>
+            <a:off x="615154" y="5018792"/>
+            <a:ext cx="405233" cy="420414"/>
+          </a:xfrm>
+          <a:prstGeom prst="ellipse">
+            <a:avLst/>
+          </a:prstGeom>
+        </p:spPr>
+        <p:style>
+          <a:lnRef idx="2">
+            <a:schemeClr val="accent1">
+              <a:shade val="50000"/>
+            </a:schemeClr>
+          </a:lnRef>
+          <a:fillRef idx="1">
+            <a:schemeClr val="accent1"/>
+          </a:fillRef>
+          <a:effectRef idx="0">
+            <a:schemeClr val="accent1"/>
+          </a:effectRef>
+          <a:fontRef idx="minor">
+            <a:schemeClr val="lt1"/>
+          </a:fontRef>
+        </p:style>
+        <p:txBody>
+          <a:bodyPr rtlCol="0" anchor="ctr"/>
+          <a:lstStyle/>
+          <a:p>
+            <a:pPr algn="ctr"/>
+            <a:r>
+              <a:rPr lang="en-US" dirty="0"/>
+              <a:t>C</a:t>
             </a:r>
           </a:p>
         </p:txBody>
@@ -14751,7 +14908,7 @@
     </p:spTree>
     <p:extLst>
       <p:ext uri="{BB962C8B-B14F-4D97-AF65-F5344CB8AC3E}">
-        <p14:creationId xmlns:p14="http://schemas.microsoft.com/office/powerpoint/2010/main" val="2837795320"/>
+        <p14:creationId xmlns:p14="http://schemas.microsoft.com/office/powerpoint/2010/main" val="2674403913"/>
       </p:ext>
     </p:extLst>
   </p:cSld>
@@ -14778,12 +14935,153 @@
           <a:chExt cx="0" cy="0"/>
         </a:xfrm>
       </p:grpSpPr>
-      <p:sp>
-        <p:nvSpPr>
-          <p:cNvPr id="4" name="TextBox 3">
-            <a:extLst>
-              <a:ext uri="{FF2B5EF4-FFF2-40B4-BE49-F238E27FC236}">
-                <a16:creationId xmlns:a16="http://schemas.microsoft.com/office/drawing/2014/main" id="{BA8162A7-CA46-E5D9-CD66-53849C6285C6}"/>
+      <p:pic>
+        <p:nvPicPr>
+          <p:cNvPr id="2" name="Picture 2">
+            <a:extLst>
+              <a:ext uri="{FF2B5EF4-FFF2-40B4-BE49-F238E27FC236}">
+                <a16:creationId xmlns:a16="http://schemas.microsoft.com/office/drawing/2014/main" id="{2173C773-10D5-2FE3-0482-D71CF55B926A}"/>
+              </a:ext>
+            </a:extLst>
+          </p:cNvPr>
+          <p:cNvPicPr>
+            <a:picLocks noChangeAspect="1" noChangeArrowheads="1"/>
+          </p:cNvPicPr>
+          <p:nvPr/>
+        </p:nvPicPr>
+        <p:blipFill>
+          <a:blip r:embed="rId2">
+            <a:extLst>
+              <a:ext uri="{28A0092B-C50C-407E-A947-70E740481C1C}">
+                <a14:useLocalDpi xmlns:a14="http://schemas.microsoft.com/office/drawing/2010/main" val="0"/>
+              </a:ext>
+            </a:extLst>
+          </a:blip>
+          <a:srcRect/>
+          <a:stretch>
+            <a:fillRect/>
+          </a:stretch>
+        </p:blipFill>
+        <p:spPr bwMode="auto">
+          <a:xfrm>
+            <a:off x="73187" y="188784"/>
+            <a:ext cx="3038885" cy="2026236"/>
+          </a:xfrm>
+          <a:prstGeom prst="rect">
+            <a:avLst/>
+          </a:prstGeom>
+          <a:noFill/>
+          <a:extLst>
+            <a:ext uri="{909E8E84-426E-40DD-AFC4-6F175D3DCCD1}">
+              <a14:hiddenFill xmlns:a14="http://schemas.microsoft.com/office/drawing/2010/main">
+                <a:solidFill>
+                  <a:srgbClr val="FFFFFF"/>
+                </a:solidFill>
+              </a14:hiddenFill>
+            </a:ext>
+          </a:extLst>
+        </p:spPr>
+      </p:pic>
+      <p:pic>
+        <p:nvPicPr>
+          <p:cNvPr id="7" name="Picture 4">
+            <a:extLst>
+              <a:ext uri="{FF2B5EF4-FFF2-40B4-BE49-F238E27FC236}">
+                <a16:creationId xmlns:a16="http://schemas.microsoft.com/office/drawing/2014/main" id="{0C336ECA-0517-9C03-462B-76648529BA81}"/>
+              </a:ext>
+            </a:extLst>
+          </p:cNvPr>
+          <p:cNvPicPr>
+            <a:picLocks noChangeAspect="1" noChangeArrowheads="1"/>
+          </p:cNvPicPr>
+          <p:nvPr/>
+        </p:nvPicPr>
+        <p:blipFill>
+          <a:blip r:embed="rId3">
+            <a:extLst>
+              <a:ext uri="{28A0092B-C50C-407E-A947-70E740481C1C}">
+                <a14:useLocalDpi xmlns:a14="http://schemas.microsoft.com/office/drawing/2010/main" val="0"/>
+              </a:ext>
+            </a:extLst>
+          </a:blip>
+          <a:srcRect/>
+          <a:stretch>
+            <a:fillRect/>
+          </a:stretch>
+        </p:blipFill>
+        <p:spPr bwMode="auto">
+          <a:xfrm>
+            <a:off x="73188" y="2323650"/>
+            <a:ext cx="2856390" cy="2137468"/>
+          </a:xfrm>
+          <a:prstGeom prst="rect">
+            <a:avLst/>
+          </a:prstGeom>
+          <a:noFill/>
+          <a:extLst>
+            <a:ext uri="{909E8E84-426E-40DD-AFC4-6F175D3DCCD1}">
+              <a14:hiddenFill xmlns:a14="http://schemas.microsoft.com/office/drawing/2010/main">
+                <a:solidFill>
+                  <a:srgbClr val="FFFFFF"/>
+                </a:solidFill>
+              </a14:hiddenFill>
+            </a:ext>
+          </a:extLst>
+        </p:spPr>
+      </p:pic>
+      <p:pic>
+        <p:nvPicPr>
+          <p:cNvPr id="8" name="Picture 6">
+            <a:extLst>
+              <a:ext uri="{FF2B5EF4-FFF2-40B4-BE49-F238E27FC236}">
+                <a16:creationId xmlns:a16="http://schemas.microsoft.com/office/drawing/2014/main" id="{D75CCB94-0794-BF1E-825F-4D31AF7C35B0}"/>
+              </a:ext>
+            </a:extLst>
+          </p:cNvPr>
+          <p:cNvPicPr>
+            <a:picLocks noChangeAspect="1" noChangeArrowheads="1"/>
+          </p:cNvPicPr>
+          <p:nvPr/>
+        </p:nvPicPr>
+        <p:blipFill>
+          <a:blip r:embed="rId4">
+            <a:extLst>
+              <a:ext uri="{28A0092B-C50C-407E-A947-70E740481C1C}">
+                <a14:useLocalDpi xmlns:a14="http://schemas.microsoft.com/office/drawing/2010/main" val="0"/>
+              </a:ext>
+            </a:extLst>
+          </a:blip>
+          <a:srcRect/>
+          <a:stretch>
+            <a:fillRect/>
+          </a:stretch>
+        </p:blipFill>
+        <p:spPr bwMode="auto">
+          <a:xfrm>
+            <a:off x="73187" y="4569748"/>
+            <a:ext cx="3038886" cy="2155663"/>
+          </a:xfrm>
+          <a:prstGeom prst="rect">
+            <a:avLst/>
+          </a:prstGeom>
+          <a:noFill/>
+          <a:extLst>
+            <a:ext uri="{909E8E84-426E-40DD-AFC4-6F175D3DCCD1}">
+              <a14:hiddenFill xmlns:a14="http://schemas.microsoft.com/office/drawing/2010/main">
+                <a:solidFill>
+                  <a:srgbClr val="FFFFFF"/>
+                </a:solidFill>
+              </a14:hiddenFill>
+            </a:ext>
+          </a:extLst>
+        </p:spPr>
+      </p:pic>
+      <p:sp>
+        <p:nvSpPr>
+          <p:cNvPr id="6" name="TextBox 5">
+            <a:extLst>
+              <a:ext uri="{FF2B5EF4-FFF2-40B4-BE49-F238E27FC236}">
+                <a16:creationId xmlns:a16="http://schemas.microsoft.com/office/drawing/2014/main" id="{353061C3-FEA3-E95B-5669-5CC96E1B21AE}"/>
               </a:ext>
             </a:extLst>
           </p:cNvPr>
@@ -14792,8 +15090,8 @@
         </p:nvSpPr>
         <p:spPr>
           <a:xfrm>
-            <a:off x="736100" y="730302"/>
-            <a:ext cx="5150992" cy="5078313"/>
+            <a:off x="3071791" y="883750"/>
+            <a:ext cx="3422322" cy="1200329"/>
           </a:xfrm>
           <a:prstGeom prst="rect">
             <a:avLst/>
@@ -14806,37 +15104,40 @@
           </a:bodyPr>
           <a:lstStyle/>
           <a:p>
-            <a:pPr marL="285750" indent="-285750">
-              <a:buFont typeface="Arial" panose="020B0604020202020204" pitchFamily="34" charset="0"/>
-              <a:buChar char="•"/>
-            </a:pPr>
-            <a:endParaRPr lang="en-US" dirty="0"/>
-          </a:p>
-          <a:p>
-            <a:r>
-              <a:rPr lang="en-US" dirty="0"/>
-              <a:t>How to automatically decide the positions of these objects?</a:t>
-            </a:r>
-          </a:p>
-          <a:p>
-            <a:endParaRPr lang="en-US" dirty="0"/>
-          </a:p>
-          <a:p>
-            <a:r>
-              <a:rPr lang="en-US" dirty="0"/>
-              <a:t>Training image</a:t>
-            </a:r>
-          </a:p>
-          <a:p>
-            <a:endParaRPr lang="en-US" dirty="0"/>
-          </a:p>
-          <a:p>
             <a:pPr marL="342900" indent="-342900">
               <a:buAutoNum type="alphaUcPeriod"/>
             </a:pPr>
             <a:r>
-              <a:rPr lang="en-US" dirty="0"/>
-              <a:t>phone, bed (phone on the bed)</a:t>
+              <a:rPr lang="en-US" dirty="0">
+                <a:highlight>
+                  <a:srgbClr val="FFFF00"/>
+                </a:highlight>
+              </a:rPr>
+              <a:t>Cube</a:t>
+            </a:r>
+            <a:r>
+              <a:rPr lang="en-US" dirty="0"/>
+              <a:t>, </a:t>
+            </a:r>
+            <a:r>
+              <a:rPr lang="en-US" dirty="0">
+                <a:highlight>
+                  <a:srgbClr val="FFFF00"/>
+                </a:highlight>
+              </a:rPr>
+              <a:t>Big</a:t>
+            </a:r>
+            <a:r>
+              <a:rPr lang="en-US" dirty="0"/>
+              <a:t>, Blue, </a:t>
+            </a:r>
+            <a:r>
+              <a:rPr lang="en-US" dirty="0">
+                <a:highlight>
+                  <a:srgbClr val="FFFF00"/>
+                </a:highlight>
+              </a:rPr>
+              <a:t>Front</a:t>
             </a:r>
           </a:p>
           <a:p>
@@ -14844,8 +15145,48 @@
               <a:buAutoNum type="alphaUcPeriod"/>
             </a:pPr>
             <a:r>
-              <a:rPr lang="en-US" dirty="0"/>
-              <a:t>phone, desk (phone on the desk)</a:t>
+              <a:rPr lang="en-US" dirty="0">
+                <a:highlight>
+                  <a:srgbClr val="FFFF00"/>
+                </a:highlight>
+              </a:rPr>
+              <a:t>Sphere</a:t>
+            </a:r>
+            <a:r>
+              <a:rPr lang="en-US" dirty="0"/>
+              <a:t>, </a:t>
+            </a:r>
+            <a:r>
+              <a:rPr lang="en-US" dirty="0">
+                <a:highlight>
+                  <a:srgbClr val="FFFF00"/>
+                </a:highlight>
+              </a:rPr>
+              <a:t>Big</a:t>
+            </a:r>
+            <a:r>
+              <a:rPr lang="en-US" dirty="0"/>
+              <a:t>, </a:t>
+            </a:r>
+            <a:r>
+              <a:rPr lang="en-US" dirty="0">
+                <a:highlight>
+                  <a:srgbClr val="FFFF00"/>
+                </a:highlight>
+              </a:rPr>
+              <a:t>Red</a:t>
+            </a:r>
+            <a:r>
+              <a:rPr lang="en-US" dirty="0"/>
+              <a:t>, </a:t>
+            </a:r>
+            <a:r>
+              <a:rPr lang="en-US" dirty="0">
+                <a:highlight>
+                  <a:srgbClr val="FFFF00"/>
+                </a:highlight>
+              </a:rPr>
+              <a:t>Behind</a:t>
             </a:r>
           </a:p>
           <a:p>
@@ -14853,93 +15194,53 @@
               <a:buAutoNum type="alphaUcPeriod"/>
             </a:pPr>
             <a:r>
-              <a:rPr lang="en-US" dirty="0"/>
-              <a:t>phone, desk, bed (phone on the desk)</a:t>
-            </a:r>
-          </a:p>
-          <a:p>
-            <a:pPr marL="342900" indent="-342900">
-              <a:buAutoNum type="alphaUcPeriod"/>
-            </a:pPr>
+              <a:rPr lang="en-US" dirty="0">
+                <a:highlight>
+                  <a:srgbClr val="FFFF00"/>
+                </a:highlight>
+              </a:rPr>
+              <a:t>Sphere</a:t>
+            </a:r>
+            <a:r>
+              <a:rPr lang="en-US" dirty="0"/>
+              <a:t>, </a:t>
+            </a:r>
+            <a:r>
+              <a:rPr lang="en-US" dirty="0">
+                <a:highlight>
+                  <a:srgbClr val="FFFF00"/>
+                </a:highlight>
+              </a:rPr>
+              <a:t>Small</a:t>
+            </a:r>
+            <a:r>
+              <a:rPr lang="en-US" dirty="0"/>
+              <a:t>, </a:t>
+            </a:r>
+            <a:r>
+              <a:rPr lang="en-US" dirty="0">
+                <a:highlight>
+                  <a:srgbClr val="FFFF00"/>
+                </a:highlight>
+              </a:rPr>
+              <a:t>Red</a:t>
+            </a:r>
+            <a:r>
+              <a:rPr lang="en-US" dirty="0"/>
+              <a:t>, Right</a:t>
+            </a:r>
+          </a:p>
+          <a:p>
             <a:endParaRPr lang="en-US" dirty="0"/>
           </a:p>
-          <a:p>
-            <a:r>
-              <a:rPr lang="en-US" dirty="0"/>
-              <a:t>5 relations</a:t>
-            </a:r>
-          </a:p>
-          <a:p>
-            <a:pPr marL="285750" indent="-285750">
-              <a:buFont typeface="Arial" panose="020B0604020202020204" pitchFamily="34" charset="0"/>
-              <a:buChar char="•"/>
-            </a:pPr>
-            <a:r>
-              <a:rPr lang="en-US" dirty="0"/>
-              <a:t>Left</a:t>
-            </a:r>
-          </a:p>
-          <a:p>
-            <a:pPr marL="285750" indent="-285750">
-              <a:buFont typeface="Arial" panose="020B0604020202020204" pitchFamily="34" charset="0"/>
-              <a:buChar char="•"/>
-            </a:pPr>
-            <a:r>
-              <a:rPr lang="en-US" dirty="0"/>
-              <a:t>Right</a:t>
-            </a:r>
-          </a:p>
-          <a:p>
-            <a:pPr marL="285750" indent="-285750">
-              <a:buFont typeface="Arial" panose="020B0604020202020204" pitchFamily="34" charset="0"/>
-              <a:buChar char="•"/>
-            </a:pPr>
-            <a:r>
-              <a:rPr lang="en-US" dirty="0"/>
-              <a:t>Front</a:t>
-            </a:r>
-          </a:p>
-          <a:p>
-            <a:pPr marL="285750" indent="-285750">
-              <a:buFont typeface="Arial" panose="020B0604020202020204" pitchFamily="34" charset="0"/>
-              <a:buChar char="•"/>
-            </a:pPr>
-            <a:r>
-              <a:rPr lang="en-US" dirty="0"/>
-              <a:t>Behind</a:t>
-            </a:r>
-          </a:p>
-          <a:p>
-            <a:pPr marL="285750" indent="-285750">
-              <a:buFont typeface="Arial" panose="020B0604020202020204" pitchFamily="34" charset="0"/>
-              <a:buChar char="•"/>
-            </a:pPr>
-            <a:r>
-              <a:rPr lang="en-US" dirty="0"/>
-              <a:t>Above</a:t>
-            </a:r>
-          </a:p>
-          <a:p>
-            <a:pPr marL="285750" indent="-285750">
-              <a:buFont typeface="Arial" panose="020B0604020202020204" pitchFamily="34" charset="0"/>
-              <a:buChar char="•"/>
-            </a:pPr>
-            <a:r>
-              <a:rPr lang="en-US" dirty="0"/>
-              <a:t>On</a:t>
-            </a:r>
-          </a:p>
-          <a:p>
-            <a:endParaRPr lang="en-US" dirty="0"/>
-          </a:p>
-        </p:txBody>
-      </p:sp>
-      <p:sp>
-        <p:nvSpPr>
-          <p:cNvPr id="5" name="Oval 4">
-            <a:extLst>
-              <a:ext uri="{FF2B5EF4-FFF2-40B4-BE49-F238E27FC236}">
-                <a16:creationId xmlns:a16="http://schemas.microsoft.com/office/drawing/2014/main" id="{7016D2C4-C1DA-7C14-DE3A-2D43E503DED5}"/>
+        </p:txBody>
+      </p:sp>
+      <p:sp>
+        <p:nvSpPr>
+          <p:cNvPr id="17" name="Oval 16">
+            <a:extLst>
+              <a:ext uri="{FF2B5EF4-FFF2-40B4-BE49-F238E27FC236}">
+                <a16:creationId xmlns:a16="http://schemas.microsoft.com/office/drawing/2014/main" id="{6673F793-5107-84F5-1EFC-9F96C5152DF1}"/>
               </a:ext>
             </a:extLst>
           </p:cNvPr>
@@ -14948,7 +15249,7 @@
         </p:nvSpPr>
         <p:spPr>
           <a:xfrm>
-            <a:off x="1193814" y="5792707"/>
+            <a:off x="608188" y="1873872"/>
             <a:ext cx="405233" cy="420414"/>
           </a:xfrm>
           <a:prstGeom prst="ellipse">
@@ -14985,10 +15286,10 @@
       </p:sp>
       <p:sp>
         <p:nvSpPr>
-          <p:cNvPr id="6" name="Oval 5">
-            <a:extLst>
-              <a:ext uri="{FF2B5EF4-FFF2-40B4-BE49-F238E27FC236}">
-                <a16:creationId xmlns:a16="http://schemas.microsoft.com/office/drawing/2014/main" id="{79743750-3C5B-E257-AB51-D091010F16AB}"/>
+          <p:cNvPr id="18" name="Oval 17">
+            <a:extLst>
+              <a:ext uri="{FF2B5EF4-FFF2-40B4-BE49-F238E27FC236}">
+                <a16:creationId xmlns:a16="http://schemas.microsoft.com/office/drawing/2014/main" id="{D0D73A21-5B4E-ABCA-68EA-71F9B38C43C6}"/>
               </a:ext>
             </a:extLst>
           </p:cNvPr>
@@ -14997,7 +15298,7 @@
         </p:nvSpPr>
         <p:spPr>
           <a:xfrm>
-            <a:off x="2601374" y="6002914"/>
+            <a:off x="810804" y="1210420"/>
             <a:ext cx="405233" cy="420414"/>
           </a:xfrm>
           <a:prstGeom prst="ellipse">
@@ -15034,10 +15335,10 @@
       </p:sp>
       <p:sp>
         <p:nvSpPr>
-          <p:cNvPr id="7" name="Oval 6">
-            <a:extLst>
-              <a:ext uri="{FF2B5EF4-FFF2-40B4-BE49-F238E27FC236}">
-                <a16:creationId xmlns:a16="http://schemas.microsoft.com/office/drawing/2014/main" id="{D3F11292-5AEB-03A5-870C-046C6A8F83A7}"/>
+          <p:cNvPr id="19" name="Oval 18">
+            <a:extLst>
+              <a:ext uri="{FF2B5EF4-FFF2-40B4-BE49-F238E27FC236}">
+                <a16:creationId xmlns:a16="http://schemas.microsoft.com/office/drawing/2014/main" id="{13BE3EF0-293C-F0D3-60A0-2DF596361A8F}"/>
               </a:ext>
             </a:extLst>
           </p:cNvPr>
@@ -15046,7 +15347,7 @@
         </p:nvSpPr>
         <p:spPr>
           <a:xfrm>
-            <a:off x="3706465" y="6002914"/>
+            <a:off x="1887940" y="1352803"/>
             <a:ext cx="405233" cy="420414"/>
           </a:xfrm>
           <a:prstGeom prst="ellipse">
@@ -15083,6 +15384,1466 @@
       </p:sp>
       <p:sp>
         <p:nvSpPr>
+          <p:cNvPr id="21" name="Oval 20">
+            <a:extLst>
+              <a:ext uri="{FF2B5EF4-FFF2-40B4-BE49-F238E27FC236}">
+                <a16:creationId xmlns:a16="http://schemas.microsoft.com/office/drawing/2014/main" id="{5A422E20-512A-3BA5-CB2A-71D0AA856232}"/>
+              </a:ext>
+            </a:extLst>
+          </p:cNvPr>
+          <p:cNvSpPr/>
+          <p:nvPr/>
+        </p:nvSpPr>
+        <p:spPr>
+          <a:xfrm>
+            <a:off x="1592631" y="4164138"/>
+            <a:ext cx="405233" cy="420414"/>
+          </a:xfrm>
+          <a:prstGeom prst="ellipse">
+            <a:avLst/>
+          </a:prstGeom>
+        </p:spPr>
+        <p:style>
+          <a:lnRef idx="2">
+            <a:schemeClr val="accent1">
+              <a:shade val="50000"/>
+            </a:schemeClr>
+          </a:lnRef>
+          <a:fillRef idx="1">
+            <a:schemeClr val="accent1"/>
+          </a:fillRef>
+          <a:effectRef idx="0">
+            <a:schemeClr val="accent1"/>
+          </a:effectRef>
+          <a:fontRef idx="minor">
+            <a:schemeClr val="lt1"/>
+          </a:fontRef>
+        </p:style>
+        <p:txBody>
+          <a:bodyPr rtlCol="0" anchor="ctr"/>
+          <a:lstStyle/>
+          <a:p>
+            <a:pPr algn="ctr"/>
+            <a:r>
+              <a:rPr lang="en-US" dirty="0"/>
+              <a:t>C</a:t>
+            </a:r>
+          </a:p>
+        </p:txBody>
+      </p:sp>
+      <p:sp>
+        <p:nvSpPr>
+          <p:cNvPr id="22" name="Oval 21">
+            <a:extLst>
+              <a:ext uri="{FF2B5EF4-FFF2-40B4-BE49-F238E27FC236}">
+                <a16:creationId xmlns:a16="http://schemas.microsoft.com/office/drawing/2014/main" id="{6ADF25AD-B46C-5331-B932-8C38061BE185}"/>
+              </a:ext>
+            </a:extLst>
+          </p:cNvPr>
+          <p:cNvSpPr/>
+          <p:nvPr/>
+        </p:nvSpPr>
+        <p:spPr>
+          <a:xfrm>
+            <a:off x="1886548" y="3026979"/>
+            <a:ext cx="405233" cy="420414"/>
+          </a:xfrm>
+          <a:prstGeom prst="ellipse">
+            <a:avLst/>
+          </a:prstGeom>
+        </p:spPr>
+        <p:style>
+          <a:lnRef idx="2">
+            <a:schemeClr val="accent1">
+              <a:shade val="50000"/>
+            </a:schemeClr>
+          </a:lnRef>
+          <a:fillRef idx="1">
+            <a:schemeClr val="accent1"/>
+          </a:fillRef>
+          <a:effectRef idx="0">
+            <a:schemeClr val="accent1"/>
+          </a:effectRef>
+          <a:fontRef idx="minor">
+            <a:schemeClr val="lt1"/>
+          </a:fontRef>
+        </p:style>
+        <p:txBody>
+          <a:bodyPr rtlCol="0" anchor="ctr"/>
+          <a:lstStyle/>
+          <a:p>
+            <a:pPr algn="ctr"/>
+            <a:r>
+              <a:rPr lang="en-US" dirty="0"/>
+              <a:t>B</a:t>
+            </a:r>
+          </a:p>
+        </p:txBody>
+      </p:sp>
+      <p:sp>
+        <p:nvSpPr>
+          <p:cNvPr id="23" name="Oval 22">
+            <a:extLst>
+              <a:ext uri="{FF2B5EF4-FFF2-40B4-BE49-F238E27FC236}">
+                <a16:creationId xmlns:a16="http://schemas.microsoft.com/office/drawing/2014/main" id="{96A39515-039B-9CEE-A14E-6D8AB6177386}"/>
+              </a:ext>
+            </a:extLst>
+          </p:cNvPr>
+          <p:cNvSpPr/>
+          <p:nvPr/>
+        </p:nvSpPr>
+        <p:spPr>
+          <a:xfrm>
+            <a:off x="412538" y="3521611"/>
+            <a:ext cx="405233" cy="420414"/>
+          </a:xfrm>
+          <a:prstGeom prst="ellipse">
+            <a:avLst/>
+          </a:prstGeom>
+        </p:spPr>
+        <p:style>
+          <a:lnRef idx="2">
+            <a:schemeClr val="accent1">
+              <a:shade val="50000"/>
+            </a:schemeClr>
+          </a:lnRef>
+          <a:fillRef idx="1">
+            <a:schemeClr val="accent1"/>
+          </a:fillRef>
+          <a:effectRef idx="0">
+            <a:schemeClr val="accent1"/>
+          </a:effectRef>
+          <a:fontRef idx="minor">
+            <a:schemeClr val="lt1"/>
+          </a:fontRef>
+        </p:style>
+        <p:txBody>
+          <a:bodyPr rtlCol="0" anchor="ctr"/>
+          <a:lstStyle/>
+          <a:p>
+            <a:pPr algn="ctr"/>
+            <a:r>
+              <a:rPr lang="en-US" dirty="0"/>
+              <a:t>A</a:t>
+            </a:r>
+          </a:p>
+        </p:txBody>
+      </p:sp>
+      <p:sp>
+        <p:nvSpPr>
+          <p:cNvPr id="24" name="TextBox 23">
+            <a:extLst>
+              <a:ext uri="{FF2B5EF4-FFF2-40B4-BE49-F238E27FC236}">
+                <a16:creationId xmlns:a16="http://schemas.microsoft.com/office/drawing/2014/main" id="{5DBA867C-5671-D3B4-4B39-5E0E5CEE5876}"/>
+              </a:ext>
+            </a:extLst>
+          </p:cNvPr>
+          <p:cNvSpPr txBox="1"/>
+          <p:nvPr/>
+        </p:nvSpPr>
+        <p:spPr>
+          <a:xfrm>
+            <a:off x="3154930" y="2921446"/>
+            <a:ext cx="3422322" cy="1200329"/>
+          </a:xfrm>
+          <a:prstGeom prst="rect">
+            <a:avLst/>
+          </a:prstGeom>
+          <a:noFill/>
+        </p:spPr>
+        <p:txBody>
+          <a:bodyPr wrap="square" rtlCol="0">
+            <a:spAutoFit/>
+          </a:bodyPr>
+          <a:lstStyle/>
+          <a:p>
+            <a:pPr marL="342900" indent="-342900">
+              <a:buAutoNum type="alphaUcPeriod"/>
+            </a:pPr>
+            <a:r>
+              <a:rPr lang="en-US" dirty="0">
+                <a:highlight>
+                  <a:srgbClr val="FFFF00"/>
+                </a:highlight>
+              </a:rPr>
+              <a:t>Cube</a:t>
+            </a:r>
+            <a:r>
+              <a:rPr lang="en-US" dirty="0"/>
+              <a:t>, </a:t>
+            </a:r>
+            <a:r>
+              <a:rPr lang="en-US" dirty="0">
+                <a:highlight>
+                  <a:srgbClr val="FFFF00"/>
+                </a:highlight>
+              </a:rPr>
+              <a:t>Big</a:t>
+            </a:r>
+            <a:r>
+              <a:rPr lang="en-US" dirty="0"/>
+              <a:t>, Blue, Left</a:t>
+            </a:r>
+          </a:p>
+          <a:p>
+            <a:pPr marL="342900" indent="-342900">
+              <a:buAutoNum type="alphaUcPeriod"/>
+            </a:pPr>
+            <a:r>
+              <a:rPr lang="en-US" dirty="0">
+                <a:highlight>
+                  <a:srgbClr val="FFFF00"/>
+                </a:highlight>
+              </a:rPr>
+              <a:t>Sphere</a:t>
+            </a:r>
+            <a:r>
+              <a:rPr lang="en-US" dirty="0"/>
+              <a:t>, </a:t>
+            </a:r>
+            <a:r>
+              <a:rPr lang="en-US" dirty="0">
+                <a:highlight>
+                  <a:srgbClr val="FFFF00"/>
+                </a:highlight>
+              </a:rPr>
+              <a:t>Small</a:t>
+            </a:r>
+            <a:r>
+              <a:rPr lang="en-US" dirty="0"/>
+              <a:t>, </a:t>
+            </a:r>
+            <a:r>
+              <a:rPr lang="en-US" dirty="0">
+                <a:highlight>
+                  <a:srgbClr val="FFFF00"/>
+                </a:highlight>
+              </a:rPr>
+              <a:t>Red</a:t>
+            </a:r>
+            <a:r>
+              <a:rPr lang="en-US" dirty="0"/>
+              <a:t>, </a:t>
+            </a:r>
+            <a:r>
+              <a:rPr lang="en-US" dirty="0">
+                <a:highlight>
+                  <a:srgbClr val="FFFF00"/>
+                </a:highlight>
+              </a:rPr>
+              <a:t>Behind</a:t>
+            </a:r>
+          </a:p>
+          <a:p>
+            <a:pPr marL="342900" indent="-342900">
+              <a:buAutoNum type="alphaUcPeriod"/>
+            </a:pPr>
+            <a:r>
+              <a:rPr lang="en-US" dirty="0">
+                <a:highlight>
+                  <a:srgbClr val="FFFF00"/>
+                </a:highlight>
+              </a:rPr>
+              <a:t>Sphere</a:t>
+            </a:r>
+            <a:r>
+              <a:rPr lang="en-US" dirty="0"/>
+              <a:t>, </a:t>
+            </a:r>
+            <a:r>
+              <a:rPr lang="en-US" dirty="0">
+                <a:highlight>
+                  <a:srgbClr val="FFFF00"/>
+                </a:highlight>
+              </a:rPr>
+              <a:t>Big</a:t>
+            </a:r>
+            <a:r>
+              <a:rPr lang="en-US" dirty="0"/>
+              <a:t>, Green, </a:t>
+            </a:r>
+            <a:r>
+              <a:rPr lang="en-US" dirty="0">
+                <a:highlight>
+                  <a:srgbClr val="FFFF00"/>
+                </a:highlight>
+              </a:rPr>
+              <a:t>Front</a:t>
+            </a:r>
+          </a:p>
+          <a:p>
+            <a:endParaRPr lang="en-US" dirty="0"/>
+          </a:p>
+        </p:txBody>
+      </p:sp>
+      <p:sp>
+        <p:nvSpPr>
+          <p:cNvPr id="9" name="Oval 8">
+            <a:extLst>
+              <a:ext uri="{FF2B5EF4-FFF2-40B4-BE49-F238E27FC236}">
+                <a16:creationId xmlns:a16="http://schemas.microsoft.com/office/drawing/2014/main" id="{4EA29935-2A2A-B43E-C1A0-0D6082F12A7B}"/>
+              </a:ext>
+            </a:extLst>
+          </p:cNvPr>
+          <p:cNvSpPr/>
+          <p:nvPr/>
+        </p:nvSpPr>
+        <p:spPr>
+          <a:xfrm>
+            <a:off x="417579" y="6058210"/>
+            <a:ext cx="405233" cy="420414"/>
+          </a:xfrm>
+          <a:prstGeom prst="ellipse">
+            <a:avLst/>
+          </a:prstGeom>
+        </p:spPr>
+        <p:style>
+          <a:lnRef idx="2">
+            <a:schemeClr val="accent1">
+              <a:shade val="50000"/>
+            </a:schemeClr>
+          </a:lnRef>
+          <a:fillRef idx="1">
+            <a:schemeClr val="accent1"/>
+          </a:fillRef>
+          <a:effectRef idx="0">
+            <a:schemeClr val="accent1"/>
+          </a:effectRef>
+          <a:fontRef idx="minor">
+            <a:schemeClr val="lt1"/>
+          </a:fontRef>
+        </p:style>
+        <p:txBody>
+          <a:bodyPr rtlCol="0" anchor="ctr"/>
+          <a:lstStyle/>
+          <a:p>
+            <a:pPr algn="ctr"/>
+            <a:r>
+              <a:rPr lang="en-US" dirty="0"/>
+              <a:t>A</a:t>
+            </a:r>
+          </a:p>
+        </p:txBody>
+      </p:sp>
+      <p:sp>
+        <p:nvSpPr>
+          <p:cNvPr id="10" name="Oval 9">
+            <a:extLst>
+              <a:ext uri="{FF2B5EF4-FFF2-40B4-BE49-F238E27FC236}">
+                <a16:creationId xmlns:a16="http://schemas.microsoft.com/office/drawing/2014/main" id="{9DAA15ED-2077-3B94-D487-7AD1D37A352F}"/>
+              </a:ext>
+            </a:extLst>
+          </p:cNvPr>
+          <p:cNvSpPr/>
+          <p:nvPr/>
+        </p:nvSpPr>
+        <p:spPr>
+          <a:xfrm>
+            <a:off x="1390988" y="5451112"/>
+            <a:ext cx="405233" cy="420414"/>
+          </a:xfrm>
+          <a:prstGeom prst="ellipse">
+            <a:avLst/>
+          </a:prstGeom>
+        </p:spPr>
+        <p:style>
+          <a:lnRef idx="2">
+            <a:schemeClr val="accent1">
+              <a:shade val="50000"/>
+            </a:schemeClr>
+          </a:lnRef>
+          <a:fillRef idx="1">
+            <a:schemeClr val="accent1"/>
+          </a:fillRef>
+          <a:effectRef idx="0">
+            <a:schemeClr val="accent1"/>
+          </a:effectRef>
+          <a:fontRef idx="minor">
+            <a:schemeClr val="lt1"/>
+          </a:fontRef>
+        </p:style>
+        <p:txBody>
+          <a:bodyPr rtlCol="0" anchor="ctr"/>
+          <a:lstStyle/>
+          <a:p>
+            <a:pPr algn="ctr"/>
+            <a:r>
+              <a:rPr lang="en-US" dirty="0"/>
+              <a:t>B</a:t>
+            </a:r>
+          </a:p>
+        </p:txBody>
+      </p:sp>
+      <p:sp>
+        <p:nvSpPr>
+          <p:cNvPr id="11" name="TextBox 10">
+            <a:extLst>
+              <a:ext uri="{FF2B5EF4-FFF2-40B4-BE49-F238E27FC236}">
+                <a16:creationId xmlns:a16="http://schemas.microsoft.com/office/drawing/2014/main" id="{A322CBD9-F434-4AD6-1C15-8925F243D897}"/>
+              </a:ext>
+            </a:extLst>
+          </p:cNvPr>
+          <p:cNvSpPr txBox="1"/>
+          <p:nvPr/>
+        </p:nvSpPr>
+        <p:spPr>
+          <a:xfrm>
+            <a:off x="3320950" y="5331833"/>
+            <a:ext cx="3422322" cy="923330"/>
+          </a:xfrm>
+          <a:prstGeom prst="rect">
+            <a:avLst/>
+          </a:prstGeom>
+          <a:noFill/>
+        </p:spPr>
+        <p:txBody>
+          <a:bodyPr wrap="square" rtlCol="0">
+            <a:spAutoFit/>
+          </a:bodyPr>
+          <a:lstStyle/>
+          <a:p>
+            <a:pPr marL="342900" indent="-342900">
+              <a:buAutoNum type="alphaUcPeriod"/>
+            </a:pPr>
+            <a:r>
+              <a:rPr lang="en-US" dirty="0">
+                <a:highlight>
+                  <a:srgbClr val="FFFF00"/>
+                </a:highlight>
+              </a:rPr>
+              <a:t>Sphere</a:t>
+            </a:r>
+            <a:r>
+              <a:rPr lang="en-US" dirty="0"/>
+              <a:t>, </a:t>
+            </a:r>
+            <a:r>
+              <a:rPr lang="en-US" dirty="0">
+                <a:highlight>
+                  <a:srgbClr val="FFFF00"/>
+                </a:highlight>
+              </a:rPr>
+              <a:t>Big</a:t>
+            </a:r>
+            <a:r>
+              <a:rPr lang="en-US" dirty="0"/>
+              <a:t>, Green, </a:t>
+            </a:r>
+            <a:r>
+              <a:rPr lang="en-US" dirty="0">
+                <a:highlight>
+                  <a:srgbClr val="FFFF00"/>
+                </a:highlight>
+              </a:rPr>
+              <a:t>Front</a:t>
+            </a:r>
+          </a:p>
+          <a:p>
+            <a:pPr marL="342900" indent="-342900">
+              <a:buAutoNum type="alphaUcPeriod"/>
+            </a:pPr>
+            <a:r>
+              <a:rPr lang="en-US" dirty="0">
+                <a:highlight>
+                  <a:srgbClr val="FFFF00"/>
+                </a:highlight>
+              </a:rPr>
+              <a:t>Cube</a:t>
+            </a:r>
+            <a:r>
+              <a:rPr lang="en-US" dirty="0"/>
+              <a:t>, </a:t>
+            </a:r>
+            <a:r>
+              <a:rPr lang="en-US" dirty="0">
+                <a:highlight>
+                  <a:srgbClr val="FFFF00"/>
+                </a:highlight>
+              </a:rPr>
+              <a:t>Big</a:t>
+            </a:r>
+            <a:r>
+              <a:rPr lang="en-US" dirty="0"/>
+              <a:t>, </a:t>
+            </a:r>
+            <a:r>
+              <a:rPr lang="en-US" dirty="0">
+                <a:highlight>
+                  <a:srgbClr val="FFFF00"/>
+                </a:highlight>
+              </a:rPr>
+              <a:t>Red</a:t>
+            </a:r>
+            <a:r>
+              <a:rPr lang="en-US" dirty="0"/>
+              <a:t>, Right</a:t>
+            </a:r>
+          </a:p>
+          <a:p>
+            <a:pPr marL="342900" indent="-342900">
+              <a:buAutoNum type="alphaUcPeriod"/>
+            </a:pPr>
+            <a:r>
+              <a:rPr lang="en-US" dirty="0">
+                <a:highlight>
+                  <a:srgbClr val="FFFF00"/>
+                </a:highlight>
+              </a:rPr>
+              <a:t>Sphere</a:t>
+            </a:r>
+            <a:r>
+              <a:rPr lang="en-US" dirty="0"/>
+              <a:t>, </a:t>
+            </a:r>
+            <a:r>
+              <a:rPr lang="en-US" dirty="0">
+                <a:highlight>
+                  <a:srgbClr val="FFFF00"/>
+                </a:highlight>
+              </a:rPr>
+              <a:t>Small</a:t>
+            </a:r>
+            <a:r>
+              <a:rPr lang="en-US" dirty="0"/>
+              <a:t>, </a:t>
+            </a:r>
+            <a:r>
+              <a:rPr lang="en-US" dirty="0">
+                <a:highlight>
+                  <a:srgbClr val="FFFF00"/>
+                </a:highlight>
+              </a:rPr>
+              <a:t>Red</a:t>
+            </a:r>
+            <a:r>
+              <a:rPr lang="en-US" dirty="0"/>
+              <a:t>, </a:t>
+            </a:r>
+            <a:r>
+              <a:rPr lang="en-US" dirty="0">
+                <a:highlight>
+                  <a:srgbClr val="FFFF00"/>
+                </a:highlight>
+              </a:rPr>
+              <a:t>Behind</a:t>
+            </a:r>
+          </a:p>
+        </p:txBody>
+      </p:sp>
+      <p:sp>
+        <p:nvSpPr>
+          <p:cNvPr id="12" name="TextBox 11">
+            <a:extLst>
+              <a:ext uri="{FF2B5EF4-FFF2-40B4-BE49-F238E27FC236}">
+                <a16:creationId xmlns:a16="http://schemas.microsoft.com/office/drawing/2014/main" id="{4A5DC98C-CEC8-CAEC-15C2-E88D0D5706D9}"/>
+              </a:ext>
+            </a:extLst>
+          </p:cNvPr>
+          <p:cNvSpPr txBox="1"/>
+          <p:nvPr/>
+        </p:nvSpPr>
+        <p:spPr>
+          <a:xfrm>
+            <a:off x="7442593" y="683106"/>
+            <a:ext cx="4442537" cy="369332"/>
+          </a:xfrm>
+          <a:prstGeom prst="rect">
+            <a:avLst/>
+          </a:prstGeom>
+          <a:noFill/>
+        </p:spPr>
+        <p:txBody>
+          <a:bodyPr wrap="square" rtlCol="0">
+            <a:spAutoFit/>
+          </a:bodyPr>
+          <a:lstStyle/>
+          <a:p>
+            <a:r>
+              <a:rPr lang="en-US" dirty="0"/>
+              <a:t>First, search attribute by attribute</a:t>
+            </a:r>
+          </a:p>
+        </p:txBody>
+      </p:sp>
+      <p:sp>
+        <p:nvSpPr>
+          <p:cNvPr id="14" name="TextBox 13">
+            <a:extLst>
+              <a:ext uri="{FF2B5EF4-FFF2-40B4-BE49-F238E27FC236}">
+                <a16:creationId xmlns:a16="http://schemas.microsoft.com/office/drawing/2014/main" id="{77D7668C-374B-DD95-6723-44C959CECB4E}"/>
+              </a:ext>
+            </a:extLst>
+          </p:cNvPr>
+          <p:cNvSpPr txBox="1"/>
+          <p:nvPr/>
+        </p:nvSpPr>
+        <p:spPr>
+          <a:xfrm>
+            <a:off x="7908240" y="1352803"/>
+            <a:ext cx="2892905" cy="2862322"/>
+          </a:xfrm>
+          <a:prstGeom prst="rect">
+            <a:avLst/>
+          </a:prstGeom>
+          <a:noFill/>
+        </p:spPr>
+        <p:txBody>
+          <a:bodyPr wrap="square" rtlCol="0">
+            <a:spAutoFit/>
+          </a:bodyPr>
+          <a:lstStyle/>
+          <a:p>
+            <a:r>
+              <a:rPr lang="en-US" dirty="0"/>
+              <a:t>Rules can be found</a:t>
+            </a:r>
+          </a:p>
+          <a:p>
+            <a:pPr marL="285750" indent="-285750">
+              <a:buFont typeface="Arial" panose="020B0604020202020204" pitchFamily="34" charset="0"/>
+              <a:buChar char="•"/>
+            </a:pPr>
+            <a:r>
+              <a:rPr lang="en-US" dirty="0"/>
+              <a:t>Big, Cube</a:t>
+            </a:r>
+          </a:p>
+          <a:p>
+            <a:pPr marL="285750" indent="-285750">
+              <a:buFont typeface="Arial" panose="020B0604020202020204" pitchFamily="34" charset="0"/>
+              <a:buChar char="•"/>
+            </a:pPr>
+            <a:r>
+              <a:rPr lang="en-US" dirty="0"/>
+              <a:t>Big, Sphere</a:t>
+            </a:r>
+          </a:p>
+          <a:p>
+            <a:pPr marL="285750" indent="-285750">
+              <a:buFont typeface="Arial" panose="020B0604020202020204" pitchFamily="34" charset="0"/>
+              <a:buChar char="•"/>
+            </a:pPr>
+            <a:r>
+              <a:rPr lang="en-US" dirty="0"/>
+              <a:t>Sphere, Behind</a:t>
+            </a:r>
+          </a:p>
+          <a:p>
+            <a:pPr marL="285750" indent="-285750">
+              <a:buFont typeface="Arial" panose="020B0604020202020204" pitchFamily="34" charset="0"/>
+              <a:buChar char="•"/>
+            </a:pPr>
+            <a:r>
+              <a:rPr lang="en-US" dirty="0"/>
+              <a:t>Red, Behind</a:t>
+            </a:r>
+          </a:p>
+          <a:p>
+            <a:pPr marL="285750" indent="-285750">
+              <a:buFont typeface="Arial" panose="020B0604020202020204" pitchFamily="34" charset="0"/>
+              <a:buChar char="•"/>
+            </a:pPr>
+            <a:r>
+              <a:rPr lang="en-US" dirty="0"/>
+              <a:t>Sphere, Red, Behind</a:t>
+            </a:r>
+          </a:p>
+          <a:p>
+            <a:pPr marL="285750" indent="-285750">
+              <a:buFont typeface="Arial" panose="020B0604020202020204" pitchFamily="34" charset="0"/>
+              <a:buChar char="•"/>
+            </a:pPr>
+            <a:r>
+              <a:rPr lang="en-US" dirty="0"/>
+              <a:t>Sphere, Small</a:t>
+            </a:r>
+          </a:p>
+          <a:p>
+            <a:pPr marL="285750" indent="-285750">
+              <a:buFont typeface="Arial" panose="020B0604020202020204" pitchFamily="34" charset="0"/>
+              <a:buChar char="•"/>
+            </a:pPr>
+            <a:r>
+              <a:rPr lang="en-US" dirty="0"/>
+              <a:t>Sphere, Red</a:t>
+            </a:r>
+          </a:p>
+          <a:p>
+            <a:pPr marL="285750" indent="-285750">
+              <a:buFont typeface="Arial" panose="020B0604020202020204" pitchFamily="34" charset="0"/>
+              <a:buChar char="•"/>
+            </a:pPr>
+            <a:r>
+              <a:rPr lang="en-US" dirty="0"/>
+              <a:t>Small Red,</a:t>
+            </a:r>
+          </a:p>
+          <a:p>
+            <a:pPr marL="285750" indent="-285750">
+              <a:buFont typeface="Arial" panose="020B0604020202020204" pitchFamily="34" charset="0"/>
+              <a:buChar char="•"/>
+            </a:pPr>
+            <a:r>
+              <a:rPr lang="en-US" dirty="0"/>
+              <a:t>Sphere, Small, Red</a:t>
+            </a:r>
+          </a:p>
+        </p:txBody>
+      </p:sp>
+      <p:sp>
+        <p:nvSpPr>
+          <p:cNvPr id="4" name="TextBox 3">
+            <a:extLst>
+              <a:ext uri="{FF2B5EF4-FFF2-40B4-BE49-F238E27FC236}">
+                <a16:creationId xmlns:a16="http://schemas.microsoft.com/office/drawing/2014/main" id="{887F491C-B8A4-AC40-8467-CC280FAD66D7}"/>
+              </a:ext>
+            </a:extLst>
+          </p:cNvPr>
+          <p:cNvSpPr txBox="1"/>
+          <p:nvPr/>
+        </p:nvSpPr>
+        <p:spPr>
+          <a:xfrm>
+            <a:off x="7908240" y="4569748"/>
+            <a:ext cx="1012503" cy="369332"/>
+          </a:xfrm>
+          <a:prstGeom prst="rect">
+            <a:avLst/>
+          </a:prstGeom>
+          <a:noFill/>
+        </p:spPr>
+        <p:txBody>
+          <a:bodyPr wrap="square" rtlCol="0">
+            <a:spAutoFit/>
+          </a:bodyPr>
+          <a:lstStyle/>
+          <a:p>
+            <a:r>
+              <a:rPr lang="en-US" dirty="0"/>
+              <a:t>9 rules</a:t>
+            </a:r>
+          </a:p>
+        </p:txBody>
+      </p:sp>
+      <p:sp>
+        <p:nvSpPr>
+          <p:cNvPr id="26" name="Oval 25">
+            <a:extLst>
+              <a:ext uri="{FF2B5EF4-FFF2-40B4-BE49-F238E27FC236}">
+                <a16:creationId xmlns:a16="http://schemas.microsoft.com/office/drawing/2014/main" id="{5D26DD76-FFF7-A832-FD87-4674211A33AF}"/>
+              </a:ext>
+            </a:extLst>
+          </p:cNvPr>
+          <p:cNvSpPr/>
+          <p:nvPr/>
+        </p:nvSpPr>
+        <p:spPr>
+          <a:xfrm>
+            <a:off x="615154" y="5018792"/>
+            <a:ext cx="405233" cy="420414"/>
+          </a:xfrm>
+          <a:prstGeom prst="ellipse">
+            <a:avLst/>
+          </a:prstGeom>
+        </p:spPr>
+        <p:style>
+          <a:lnRef idx="2">
+            <a:schemeClr val="accent1">
+              <a:shade val="50000"/>
+            </a:schemeClr>
+          </a:lnRef>
+          <a:fillRef idx="1">
+            <a:schemeClr val="accent1"/>
+          </a:fillRef>
+          <a:effectRef idx="0">
+            <a:schemeClr val="accent1"/>
+          </a:effectRef>
+          <a:fontRef idx="minor">
+            <a:schemeClr val="lt1"/>
+          </a:fontRef>
+        </p:style>
+        <p:txBody>
+          <a:bodyPr rtlCol="0" anchor="ctr"/>
+          <a:lstStyle/>
+          <a:p>
+            <a:pPr algn="ctr"/>
+            <a:r>
+              <a:rPr lang="en-US" dirty="0"/>
+              <a:t>C</a:t>
+            </a:r>
+          </a:p>
+        </p:txBody>
+      </p:sp>
+    </p:spTree>
+    <p:extLst>
+      <p:ext uri="{BB962C8B-B14F-4D97-AF65-F5344CB8AC3E}">
+        <p14:creationId xmlns:p14="http://schemas.microsoft.com/office/powerpoint/2010/main" val="936425008"/>
+      </p:ext>
+    </p:extLst>
+  </p:cSld>
+  <p:clrMapOvr>
+    <a:masterClrMapping/>
+  </p:clrMapOvr>
+</p:sld>
+</file>
+
+<file path=ppt/slides/slide22.xml><?xml version="1.0" encoding="utf-8"?>
+<p:sld xmlns:a="http://schemas.openxmlformats.org/drawingml/2006/main" xmlns:r="http://schemas.openxmlformats.org/officeDocument/2006/relationships" xmlns:p="http://schemas.openxmlformats.org/presentationml/2006/main">
+  <p:cSld>
+    <p:spTree>
+      <p:nvGrpSpPr>
+        <p:cNvPr id="1" name=""/>
+        <p:cNvGrpSpPr/>
+        <p:nvPr/>
+      </p:nvGrpSpPr>
+      <p:grpSpPr>
+        <a:xfrm>
+          <a:off x="0" y="0"/>
+          <a:ext cx="0" cy="0"/>
+          <a:chOff x="0" y="0"/>
+          <a:chExt cx="0" cy="0"/>
+        </a:xfrm>
+      </p:grpSpPr>
+      <p:sp>
+        <p:nvSpPr>
+          <p:cNvPr id="4" name="TextBox 3">
+            <a:extLst>
+              <a:ext uri="{FF2B5EF4-FFF2-40B4-BE49-F238E27FC236}">
+                <a16:creationId xmlns:a16="http://schemas.microsoft.com/office/drawing/2014/main" id="{BA8162A7-CA46-E5D9-CD66-53849C6285C6}"/>
+              </a:ext>
+            </a:extLst>
+          </p:cNvPr>
+          <p:cNvSpPr txBox="1"/>
+          <p:nvPr/>
+        </p:nvSpPr>
+        <p:spPr>
+          <a:xfrm>
+            <a:off x="736100" y="730302"/>
+            <a:ext cx="5150992" cy="3139321"/>
+          </a:xfrm>
+          <a:prstGeom prst="rect">
+            <a:avLst/>
+          </a:prstGeom>
+          <a:noFill/>
+        </p:spPr>
+        <p:txBody>
+          <a:bodyPr wrap="square" rtlCol="0">
+            <a:spAutoFit/>
+          </a:bodyPr>
+          <a:lstStyle/>
+          <a:p>
+            <a:r>
+              <a:rPr lang="en-US" dirty="0"/>
+              <a:t>Imagine there is a new vacant bedroom, </a:t>
+            </a:r>
+          </a:p>
+          <a:p>
+            <a:r>
+              <a:rPr lang="en-US" dirty="0"/>
+              <a:t>Now, we put some furniture inside</a:t>
+            </a:r>
+          </a:p>
+          <a:p>
+            <a:pPr marL="285750" indent="-285750">
+              <a:buFont typeface="Arial" panose="020B0604020202020204" pitchFamily="34" charset="0"/>
+              <a:buChar char="•"/>
+            </a:pPr>
+            <a:r>
+              <a:rPr lang="en-US" dirty="0"/>
+              <a:t>A bed</a:t>
+            </a:r>
+          </a:p>
+          <a:p>
+            <a:pPr marL="285750" indent="-285750">
+              <a:buFont typeface="Arial" panose="020B0604020202020204" pitchFamily="34" charset="0"/>
+              <a:buChar char="•"/>
+            </a:pPr>
+            <a:r>
+              <a:rPr lang="en-US" dirty="0"/>
+              <a:t>A wardrobe</a:t>
+            </a:r>
+          </a:p>
+          <a:p>
+            <a:pPr marL="285750" indent="-285750">
+              <a:buFont typeface="Arial" panose="020B0604020202020204" pitchFamily="34" charset="0"/>
+              <a:buChar char="•"/>
+            </a:pPr>
+            <a:r>
+              <a:rPr lang="en-US" dirty="0"/>
+              <a:t>An armchair</a:t>
+            </a:r>
+          </a:p>
+          <a:p>
+            <a:pPr marL="285750" indent="-285750">
+              <a:buFont typeface="Arial" panose="020B0604020202020204" pitchFamily="34" charset="0"/>
+              <a:buChar char="•"/>
+            </a:pPr>
+            <a:r>
+              <a:rPr lang="en-US" dirty="0"/>
+              <a:t>A carpet</a:t>
+            </a:r>
+          </a:p>
+          <a:p>
+            <a:pPr marL="285750" indent="-285750">
+              <a:buFont typeface="Arial" panose="020B0604020202020204" pitchFamily="34" charset="0"/>
+              <a:buChar char="•"/>
+            </a:pPr>
+            <a:r>
+              <a:rPr lang="en-US" dirty="0"/>
+              <a:t>Two bedside tables</a:t>
+            </a:r>
+          </a:p>
+          <a:p>
+            <a:pPr marL="285750" indent="-285750">
+              <a:buFont typeface="Arial" panose="020B0604020202020204" pitchFamily="34" charset="0"/>
+              <a:buChar char="•"/>
+            </a:pPr>
+            <a:endParaRPr lang="en-US" dirty="0"/>
+          </a:p>
+          <a:p>
+            <a:pPr marL="285750" indent="-285750">
+              <a:buFont typeface="Arial" panose="020B0604020202020204" pitchFamily="34" charset="0"/>
+              <a:buChar char="•"/>
+            </a:pPr>
+            <a:endParaRPr lang="en-US" dirty="0"/>
+          </a:p>
+          <a:p>
+            <a:r>
+              <a:rPr lang="en-US" dirty="0"/>
+              <a:t>How to automatically decide the positions of these objects?</a:t>
+            </a:r>
+          </a:p>
+        </p:txBody>
+      </p:sp>
+      <p:sp>
+        <p:nvSpPr>
+          <p:cNvPr id="5" name="Oval 4">
+            <a:extLst>
+              <a:ext uri="{FF2B5EF4-FFF2-40B4-BE49-F238E27FC236}">
+                <a16:creationId xmlns:a16="http://schemas.microsoft.com/office/drawing/2014/main" id="{7016D2C4-C1DA-7C14-DE3A-2D43E503DED5}"/>
+              </a:ext>
+            </a:extLst>
+          </p:cNvPr>
+          <p:cNvSpPr/>
+          <p:nvPr/>
+        </p:nvSpPr>
+        <p:spPr>
+          <a:xfrm>
+            <a:off x="1193814" y="5792707"/>
+            <a:ext cx="405233" cy="420414"/>
+          </a:xfrm>
+          <a:prstGeom prst="ellipse">
+            <a:avLst/>
+          </a:prstGeom>
+        </p:spPr>
+        <p:style>
+          <a:lnRef idx="2">
+            <a:schemeClr val="accent1">
+              <a:shade val="50000"/>
+            </a:schemeClr>
+          </a:lnRef>
+          <a:fillRef idx="1">
+            <a:schemeClr val="accent1"/>
+          </a:fillRef>
+          <a:effectRef idx="0">
+            <a:schemeClr val="accent1"/>
+          </a:effectRef>
+          <a:fontRef idx="minor">
+            <a:schemeClr val="lt1"/>
+          </a:fontRef>
+        </p:style>
+        <p:txBody>
+          <a:bodyPr rtlCol="0" anchor="ctr"/>
+          <a:lstStyle/>
+          <a:p>
+            <a:pPr algn="ctr"/>
+            <a:r>
+              <a:rPr lang="en-US" dirty="0"/>
+              <a:t>A</a:t>
+            </a:r>
+          </a:p>
+        </p:txBody>
+      </p:sp>
+      <p:sp>
+        <p:nvSpPr>
+          <p:cNvPr id="6" name="Oval 5">
+            <a:extLst>
+              <a:ext uri="{FF2B5EF4-FFF2-40B4-BE49-F238E27FC236}">
+                <a16:creationId xmlns:a16="http://schemas.microsoft.com/office/drawing/2014/main" id="{79743750-3C5B-E257-AB51-D091010F16AB}"/>
+              </a:ext>
+            </a:extLst>
+          </p:cNvPr>
+          <p:cNvSpPr/>
+          <p:nvPr/>
+        </p:nvSpPr>
+        <p:spPr>
+          <a:xfrm>
+            <a:off x="2601374" y="6002914"/>
+            <a:ext cx="405233" cy="420414"/>
+          </a:xfrm>
+          <a:prstGeom prst="ellipse">
+            <a:avLst/>
+          </a:prstGeom>
+        </p:spPr>
+        <p:style>
+          <a:lnRef idx="2">
+            <a:schemeClr val="accent1">
+              <a:shade val="50000"/>
+            </a:schemeClr>
+          </a:lnRef>
+          <a:fillRef idx="1">
+            <a:schemeClr val="accent1"/>
+          </a:fillRef>
+          <a:effectRef idx="0">
+            <a:schemeClr val="accent1"/>
+          </a:effectRef>
+          <a:fontRef idx="minor">
+            <a:schemeClr val="lt1"/>
+          </a:fontRef>
+        </p:style>
+        <p:txBody>
+          <a:bodyPr rtlCol="0" anchor="ctr"/>
+          <a:lstStyle/>
+          <a:p>
+            <a:pPr algn="ctr"/>
+            <a:r>
+              <a:rPr lang="en-US" dirty="0"/>
+              <a:t>B</a:t>
+            </a:r>
+          </a:p>
+        </p:txBody>
+      </p:sp>
+      <p:sp>
+        <p:nvSpPr>
+          <p:cNvPr id="7" name="Oval 6">
+            <a:extLst>
+              <a:ext uri="{FF2B5EF4-FFF2-40B4-BE49-F238E27FC236}">
+                <a16:creationId xmlns:a16="http://schemas.microsoft.com/office/drawing/2014/main" id="{D3F11292-5AEB-03A5-870C-046C6A8F83A7}"/>
+              </a:ext>
+            </a:extLst>
+          </p:cNvPr>
+          <p:cNvSpPr/>
+          <p:nvPr/>
+        </p:nvSpPr>
+        <p:spPr>
+          <a:xfrm>
+            <a:off x="3706465" y="6002914"/>
+            <a:ext cx="405233" cy="420414"/>
+          </a:xfrm>
+          <a:prstGeom prst="ellipse">
+            <a:avLst/>
+          </a:prstGeom>
+        </p:spPr>
+        <p:style>
+          <a:lnRef idx="2">
+            <a:schemeClr val="accent1">
+              <a:shade val="50000"/>
+            </a:schemeClr>
+          </a:lnRef>
+          <a:fillRef idx="1">
+            <a:schemeClr val="accent1"/>
+          </a:fillRef>
+          <a:effectRef idx="0">
+            <a:schemeClr val="accent1"/>
+          </a:effectRef>
+          <a:fontRef idx="minor">
+            <a:schemeClr val="lt1"/>
+          </a:fontRef>
+        </p:style>
+        <p:txBody>
+          <a:bodyPr rtlCol="0" anchor="ctr"/>
+          <a:lstStyle/>
+          <a:p>
+            <a:pPr algn="ctr"/>
+            <a:r>
+              <a:rPr lang="en-US" dirty="0"/>
+              <a:t>C</a:t>
+            </a:r>
+          </a:p>
+        </p:txBody>
+      </p:sp>
+      <p:sp>
+        <p:nvSpPr>
+          <p:cNvPr id="10" name="TextBox 9">
+            <a:extLst>
+              <a:ext uri="{FF2B5EF4-FFF2-40B4-BE49-F238E27FC236}">
+                <a16:creationId xmlns:a16="http://schemas.microsoft.com/office/drawing/2014/main" id="{36CD8D63-730C-3AD2-1C56-046C66ACEDD2}"/>
+              </a:ext>
+            </a:extLst>
+          </p:cNvPr>
+          <p:cNvSpPr txBox="1"/>
+          <p:nvPr/>
+        </p:nvSpPr>
+        <p:spPr>
+          <a:xfrm>
+            <a:off x="6407436" y="1007301"/>
+            <a:ext cx="5150992" cy="1477328"/>
+          </a:xfrm>
+          <a:prstGeom prst="rect">
+            <a:avLst/>
+          </a:prstGeom>
+          <a:noFill/>
+        </p:spPr>
+        <p:txBody>
+          <a:bodyPr wrap="square" rtlCol="0">
+            <a:spAutoFit/>
+          </a:bodyPr>
+          <a:lstStyle/>
+          <a:p>
+            <a:r>
+              <a:rPr lang="en-US" dirty="0"/>
+              <a:t>Crazier, if there is a bedroom, how should it look like.</a:t>
+            </a:r>
+          </a:p>
+          <a:p>
+            <a:r>
+              <a:rPr lang="en-US" dirty="0"/>
+              <a:t>Possibly, there is a bed, a wardrobe, some paintings, lights, carpets. </a:t>
+            </a:r>
+          </a:p>
+          <a:p>
+            <a:r>
+              <a:rPr lang="en-US" dirty="0"/>
+              <a:t>Can AI think about with it and place everything properly?</a:t>
+            </a:r>
+          </a:p>
+        </p:txBody>
+      </p:sp>
+    </p:spTree>
+    <p:extLst>
+      <p:ext uri="{BB962C8B-B14F-4D97-AF65-F5344CB8AC3E}">
+        <p14:creationId xmlns:p14="http://schemas.microsoft.com/office/powerpoint/2010/main" val="2837795320"/>
+      </p:ext>
+    </p:extLst>
+  </p:cSld>
+  <p:clrMapOvr>
+    <a:masterClrMapping/>
+  </p:clrMapOvr>
+</p:sld>
+</file>
+
+<file path=ppt/slides/slide23.xml><?xml version="1.0" encoding="utf-8"?>
+<p:sld xmlns:a="http://schemas.openxmlformats.org/drawingml/2006/main" xmlns:r="http://schemas.openxmlformats.org/officeDocument/2006/relationships" xmlns:p="http://schemas.openxmlformats.org/presentationml/2006/main">
+  <p:cSld>
+    <p:spTree>
+      <p:nvGrpSpPr>
+        <p:cNvPr id="1" name=""/>
+        <p:cNvGrpSpPr/>
+        <p:nvPr/>
+      </p:nvGrpSpPr>
+      <p:grpSpPr>
+        <a:xfrm>
+          <a:off x="0" y="0"/>
+          <a:ext cx="0" cy="0"/>
+          <a:chOff x="0" y="0"/>
+          <a:chExt cx="0" cy="0"/>
+        </a:xfrm>
+      </p:grpSpPr>
+      <p:sp>
+        <p:nvSpPr>
+          <p:cNvPr id="4" name="TextBox 3">
+            <a:extLst>
+              <a:ext uri="{FF2B5EF4-FFF2-40B4-BE49-F238E27FC236}">
+                <a16:creationId xmlns:a16="http://schemas.microsoft.com/office/drawing/2014/main" id="{BA8162A7-CA46-E5D9-CD66-53849C6285C6}"/>
+              </a:ext>
+            </a:extLst>
+          </p:cNvPr>
+          <p:cNvSpPr txBox="1"/>
+          <p:nvPr/>
+        </p:nvSpPr>
+        <p:spPr>
+          <a:xfrm>
+            <a:off x="736100" y="730302"/>
+            <a:ext cx="5150992" cy="5078313"/>
+          </a:xfrm>
+          <a:prstGeom prst="rect">
+            <a:avLst/>
+          </a:prstGeom>
+          <a:noFill/>
+        </p:spPr>
+        <p:txBody>
+          <a:bodyPr wrap="square" rtlCol="0">
+            <a:spAutoFit/>
+          </a:bodyPr>
+          <a:lstStyle/>
+          <a:p>
+            <a:pPr marL="285750" indent="-285750">
+              <a:buFont typeface="Arial" panose="020B0604020202020204" pitchFamily="34" charset="0"/>
+              <a:buChar char="•"/>
+            </a:pPr>
+            <a:endParaRPr lang="en-US" dirty="0"/>
+          </a:p>
+          <a:p>
+            <a:r>
+              <a:rPr lang="en-US" dirty="0"/>
+              <a:t>How to automatically decide the positions of these objects?</a:t>
+            </a:r>
+          </a:p>
+          <a:p>
+            <a:endParaRPr lang="en-US" dirty="0"/>
+          </a:p>
+          <a:p>
+            <a:r>
+              <a:rPr lang="en-US" dirty="0"/>
+              <a:t>Training image</a:t>
+            </a:r>
+          </a:p>
+          <a:p>
+            <a:endParaRPr lang="en-US" dirty="0"/>
+          </a:p>
+          <a:p>
+            <a:pPr marL="342900" indent="-342900">
+              <a:buAutoNum type="alphaUcPeriod"/>
+            </a:pPr>
+            <a:r>
+              <a:rPr lang="en-US" dirty="0"/>
+              <a:t>phone, bed (phone on the bed)</a:t>
+            </a:r>
+          </a:p>
+          <a:p>
+            <a:pPr marL="342900" indent="-342900">
+              <a:buAutoNum type="alphaUcPeriod"/>
+            </a:pPr>
+            <a:r>
+              <a:rPr lang="en-US" dirty="0"/>
+              <a:t>phone, desk (phone on the desk)</a:t>
+            </a:r>
+          </a:p>
+          <a:p>
+            <a:pPr marL="342900" indent="-342900">
+              <a:buAutoNum type="alphaUcPeriod"/>
+            </a:pPr>
+            <a:r>
+              <a:rPr lang="en-US" dirty="0"/>
+              <a:t>phone, desk, bed (phone on the desk)</a:t>
+            </a:r>
+          </a:p>
+          <a:p>
+            <a:pPr marL="342900" indent="-342900">
+              <a:buAutoNum type="alphaUcPeriod"/>
+            </a:pPr>
+            <a:endParaRPr lang="en-US" dirty="0"/>
+          </a:p>
+          <a:p>
+            <a:r>
+              <a:rPr lang="en-US" dirty="0"/>
+              <a:t>5 relations</a:t>
+            </a:r>
+          </a:p>
+          <a:p>
+            <a:pPr marL="285750" indent="-285750">
+              <a:buFont typeface="Arial" panose="020B0604020202020204" pitchFamily="34" charset="0"/>
+              <a:buChar char="•"/>
+            </a:pPr>
+            <a:r>
+              <a:rPr lang="en-US" dirty="0"/>
+              <a:t>Left</a:t>
+            </a:r>
+          </a:p>
+          <a:p>
+            <a:pPr marL="285750" indent="-285750">
+              <a:buFont typeface="Arial" panose="020B0604020202020204" pitchFamily="34" charset="0"/>
+              <a:buChar char="•"/>
+            </a:pPr>
+            <a:r>
+              <a:rPr lang="en-US" dirty="0"/>
+              <a:t>Right</a:t>
+            </a:r>
+          </a:p>
+          <a:p>
+            <a:pPr marL="285750" indent="-285750">
+              <a:buFont typeface="Arial" panose="020B0604020202020204" pitchFamily="34" charset="0"/>
+              <a:buChar char="•"/>
+            </a:pPr>
+            <a:r>
+              <a:rPr lang="en-US" dirty="0"/>
+              <a:t>Front</a:t>
+            </a:r>
+          </a:p>
+          <a:p>
+            <a:pPr marL="285750" indent="-285750">
+              <a:buFont typeface="Arial" panose="020B0604020202020204" pitchFamily="34" charset="0"/>
+              <a:buChar char="•"/>
+            </a:pPr>
+            <a:r>
+              <a:rPr lang="en-US" dirty="0"/>
+              <a:t>Behind</a:t>
+            </a:r>
+          </a:p>
+          <a:p>
+            <a:pPr marL="285750" indent="-285750">
+              <a:buFont typeface="Arial" panose="020B0604020202020204" pitchFamily="34" charset="0"/>
+              <a:buChar char="•"/>
+            </a:pPr>
+            <a:r>
+              <a:rPr lang="en-US" dirty="0"/>
+              <a:t>Above</a:t>
+            </a:r>
+          </a:p>
+          <a:p>
+            <a:pPr marL="285750" indent="-285750">
+              <a:buFont typeface="Arial" panose="020B0604020202020204" pitchFamily="34" charset="0"/>
+              <a:buChar char="•"/>
+            </a:pPr>
+            <a:r>
+              <a:rPr lang="en-US" dirty="0"/>
+              <a:t>On</a:t>
+            </a:r>
+          </a:p>
+          <a:p>
+            <a:endParaRPr lang="en-US" dirty="0"/>
+          </a:p>
+        </p:txBody>
+      </p:sp>
+      <p:sp>
+        <p:nvSpPr>
+          <p:cNvPr id="5" name="Oval 4">
+            <a:extLst>
+              <a:ext uri="{FF2B5EF4-FFF2-40B4-BE49-F238E27FC236}">
+                <a16:creationId xmlns:a16="http://schemas.microsoft.com/office/drawing/2014/main" id="{7016D2C4-C1DA-7C14-DE3A-2D43E503DED5}"/>
+              </a:ext>
+            </a:extLst>
+          </p:cNvPr>
+          <p:cNvSpPr/>
+          <p:nvPr/>
+        </p:nvSpPr>
+        <p:spPr>
+          <a:xfrm>
+            <a:off x="1193814" y="5792707"/>
+            <a:ext cx="405233" cy="420414"/>
+          </a:xfrm>
+          <a:prstGeom prst="ellipse">
+            <a:avLst/>
+          </a:prstGeom>
+        </p:spPr>
+        <p:style>
+          <a:lnRef idx="2">
+            <a:schemeClr val="accent1">
+              <a:shade val="50000"/>
+            </a:schemeClr>
+          </a:lnRef>
+          <a:fillRef idx="1">
+            <a:schemeClr val="accent1"/>
+          </a:fillRef>
+          <a:effectRef idx="0">
+            <a:schemeClr val="accent1"/>
+          </a:effectRef>
+          <a:fontRef idx="minor">
+            <a:schemeClr val="lt1"/>
+          </a:fontRef>
+        </p:style>
+        <p:txBody>
+          <a:bodyPr rtlCol="0" anchor="ctr"/>
+          <a:lstStyle/>
+          <a:p>
+            <a:pPr algn="ctr"/>
+            <a:r>
+              <a:rPr lang="en-US" dirty="0"/>
+              <a:t>A</a:t>
+            </a:r>
+          </a:p>
+        </p:txBody>
+      </p:sp>
+      <p:sp>
+        <p:nvSpPr>
+          <p:cNvPr id="6" name="Oval 5">
+            <a:extLst>
+              <a:ext uri="{FF2B5EF4-FFF2-40B4-BE49-F238E27FC236}">
+                <a16:creationId xmlns:a16="http://schemas.microsoft.com/office/drawing/2014/main" id="{79743750-3C5B-E257-AB51-D091010F16AB}"/>
+              </a:ext>
+            </a:extLst>
+          </p:cNvPr>
+          <p:cNvSpPr/>
+          <p:nvPr/>
+        </p:nvSpPr>
+        <p:spPr>
+          <a:xfrm>
+            <a:off x="2601374" y="6002914"/>
+            <a:ext cx="405233" cy="420414"/>
+          </a:xfrm>
+          <a:prstGeom prst="ellipse">
+            <a:avLst/>
+          </a:prstGeom>
+        </p:spPr>
+        <p:style>
+          <a:lnRef idx="2">
+            <a:schemeClr val="accent1">
+              <a:shade val="50000"/>
+            </a:schemeClr>
+          </a:lnRef>
+          <a:fillRef idx="1">
+            <a:schemeClr val="accent1"/>
+          </a:fillRef>
+          <a:effectRef idx="0">
+            <a:schemeClr val="accent1"/>
+          </a:effectRef>
+          <a:fontRef idx="minor">
+            <a:schemeClr val="lt1"/>
+          </a:fontRef>
+        </p:style>
+        <p:txBody>
+          <a:bodyPr rtlCol="0" anchor="ctr"/>
+          <a:lstStyle/>
+          <a:p>
+            <a:pPr algn="ctr"/>
+            <a:r>
+              <a:rPr lang="en-US" dirty="0"/>
+              <a:t>B</a:t>
+            </a:r>
+          </a:p>
+        </p:txBody>
+      </p:sp>
+      <p:sp>
+        <p:nvSpPr>
+          <p:cNvPr id="7" name="Oval 6">
+            <a:extLst>
+              <a:ext uri="{FF2B5EF4-FFF2-40B4-BE49-F238E27FC236}">
+                <a16:creationId xmlns:a16="http://schemas.microsoft.com/office/drawing/2014/main" id="{D3F11292-5AEB-03A5-870C-046C6A8F83A7}"/>
+              </a:ext>
+            </a:extLst>
+          </p:cNvPr>
+          <p:cNvSpPr/>
+          <p:nvPr/>
+        </p:nvSpPr>
+        <p:spPr>
+          <a:xfrm>
+            <a:off x="3706465" y="6002914"/>
+            <a:ext cx="405233" cy="420414"/>
+          </a:xfrm>
+          <a:prstGeom prst="ellipse">
+            <a:avLst/>
+          </a:prstGeom>
+        </p:spPr>
+        <p:style>
+          <a:lnRef idx="2">
+            <a:schemeClr val="accent1">
+              <a:shade val="50000"/>
+            </a:schemeClr>
+          </a:lnRef>
+          <a:fillRef idx="1">
+            <a:schemeClr val="accent1"/>
+          </a:fillRef>
+          <a:effectRef idx="0">
+            <a:schemeClr val="accent1"/>
+          </a:effectRef>
+          <a:fontRef idx="minor">
+            <a:schemeClr val="lt1"/>
+          </a:fontRef>
+        </p:style>
+        <p:txBody>
+          <a:bodyPr rtlCol="0" anchor="ctr"/>
+          <a:lstStyle/>
+          <a:p>
+            <a:pPr algn="ctr"/>
+            <a:r>
+              <a:rPr lang="en-US" dirty="0"/>
+              <a:t>C</a:t>
+            </a:r>
+          </a:p>
+        </p:txBody>
+      </p:sp>
+      <p:sp>
+        <p:nvSpPr>
           <p:cNvPr id="2" name="TextBox 1">
             <a:extLst>
               <a:ext uri="{FF2B5EF4-FFF2-40B4-BE49-F238E27FC236}">
@@ -15263,7 +17024,102 @@
 </p:sld>
 </file>
 
-<file path=ppt/slides/slide22.xml><?xml version="1.0" encoding="utf-8"?>
+<file path=ppt/slides/slide24.xml><?xml version="1.0" encoding="utf-8"?>
+<p:sld xmlns:a="http://schemas.openxmlformats.org/drawingml/2006/main" xmlns:r="http://schemas.openxmlformats.org/officeDocument/2006/relationships" xmlns:p="http://schemas.openxmlformats.org/presentationml/2006/main">
+  <p:cSld>
+    <p:spTree>
+      <p:nvGrpSpPr>
+        <p:cNvPr id="1" name=""/>
+        <p:cNvGrpSpPr/>
+        <p:nvPr/>
+      </p:nvGrpSpPr>
+      <p:grpSpPr>
+        <a:xfrm>
+          <a:off x="0" y="0"/>
+          <a:ext cx="0" cy="0"/>
+          <a:chOff x="0" y="0"/>
+          <a:chExt cx="0" cy="0"/>
+        </a:xfrm>
+      </p:grpSpPr>
+      <p:sp>
+        <p:nvSpPr>
+          <p:cNvPr id="2" name="Title 1">
+            <a:extLst>
+              <a:ext uri="{FF2B5EF4-FFF2-40B4-BE49-F238E27FC236}">
+                <a16:creationId xmlns:a16="http://schemas.microsoft.com/office/drawing/2014/main" id="{D8D15CC4-7140-0AE7-EE5A-49110199ABE1}"/>
+              </a:ext>
+            </a:extLst>
+          </p:cNvPr>
+          <p:cNvSpPr>
+            <a:spLocks noGrp="1"/>
+          </p:cNvSpPr>
+          <p:nvPr>
+            <p:ph type="title"/>
+          </p:nvPr>
+        </p:nvSpPr>
+        <p:spPr/>
+        <p:txBody>
+          <a:bodyPr/>
+          <a:lstStyle/>
+          <a:p>
+            <a:endParaRPr lang="en-US"/>
+          </a:p>
+        </p:txBody>
+      </p:sp>
+      <p:sp>
+        <p:nvSpPr>
+          <p:cNvPr id="3" name="Content Placeholder 2">
+            <a:extLst>
+              <a:ext uri="{FF2B5EF4-FFF2-40B4-BE49-F238E27FC236}">
+                <a16:creationId xmlns:a16="http://schemas.microsoft.com/office/drawing/2014/main" id="{D4755AC9-721B-B6BC-2040-BE7DBDB2448B}"/>
+              </a:ext>
+            </a:extLst>
+          </p:cNvPr>
+          <p:cNvSpPr>
+            <a:spLocks noGrp="1"/>
+          </p:cNvSpPr>
+          <p:nvPr>
+            <p:ph idx="1"/>
+          </p:nvPr>
+        </p:nvSpPr>
+        <p:spPr/>
+        <p:txBody>
+          <a:bodyPr/>
+          <a:lstStyle/>
+          <a:p>
+            <a:r>
+              <a:rPr lang="en-US" dirty="0"/>
+              <a:t>Table, belong here</a:t>
+            </a:r>
+          </a:p>
+          <a:p>
+            <a:r>
+              <a:rPr lang="en-US" dirty="0"/>
+              <a:t>Shelf, not belong here</a:t>
+            </a:r>
+          </a:p>
+          <a:p>
+            <a:r>
+              <a:rPr lang="en-US" dirty="0"/>
+              <a:t>Dust Bin, useless things</a:t>
+            </a:r>
+          </a:p>
+        </p:txBody>
+      </p:sp>
+    </p:spTree>
+    <p:extLst>
+      <p:ext uri="{BB962C8B-B14F-4D97-AF65-F5344CB8AC3E}">
+        <p14:creationId xmlns:p14="http://schemas.microsoft.com/office/powerpoint/2010/main" val="1382569673"/>
+      </p:ext>
+    </p:extLst>
+  </p:cSld>
+  <p:clrMapOvr>
+    <a:masterClrMapping/>
+  </p:clrMapOvr>
+</p:sld>
+</file>
+
+<file path=ppt/slides/slide25.xml><?xml version="1.0" encoding="utf-8"?>
 <p:sld xmlns:a="http://schemas.openxmlformats.org/drawingml/2006/main" xmlns:r="http://schemas.openxmlformats.org/officeDocument/2006/relationships" xmlns:p="http://schemas.openxmlformats.org/presentationml/2006/main">
   <p:cSld>
     <p:spTree>
@@ -17356,7 +19212,7 @@
               <a:buNone/>
             </a:pPr>
             <a:r>
-              <a:rPr lang="en-US" sz="2400"/>
+              <a:rPr lang="en-US" sz="2400" dirty="0"/>
               <a:t>Learn regular patterns (positional relationship) from training dataset</a:t>
             </a:r>
           </a:p>
@@ -17720,7 +19576,7 @@
           <p:nvPr/>
         </p:nvPicPr>
         <p:blipFill rotWithShape="1">
-          <a:blip r:embed="rId2"/>
+          <a:blip r:embed="rId3"/>
           <a:srcRect r="3935" b="2"/>
           <a:stretch/>
         </p:blipFill>
@@ -17740,35 +19596,6 @@
             <a:extLst>
               <a:ext uri="{FF2B5EF4-FFF2-40B4-BE49-F238E27FC236}">
                 <a16:creationId xmlns:a16="http://schemas.microsoft.com/office/drawing/2014/main" id="{AC690203-1FC8-1650-0965-B8620339EEA8}"/>
-              </a:ext>
-            </a:extLst>
-          </p:cNvPr>
-          <p:cNvPicPr>
-            <a:picLocks noChangeAspect="1"/>
-          </p:cNvPicPr>
-          <p:nvPr/>
-        </p:nvPicPr>
-        <p:blipFill rotWithShape="1">
-          <a:blip r:embed="rId3"/>
-          <a:srcRect l="4531" r="7" b="7"/>
-          <a:stretch/>
-        </p:blipFill>
-        <p:spPr>
-          <a:xfrm>
-            <a:off x="3178938" y="2931941"/>
-            <a:ext cx="2832069" cy="2966489"/>
-          </a:xfrm>
-          <a:prstGeom prst="rect">
-            <a:avLst/>
-          </a:prstGeom>
-        </p:spPr>
-      </p:pic>
-      <p:pic>
-        <p:nvPicPr>
-          <p:cNvPr id="3" name="Picture 2" descr="Icon&#10;&#10;Description automatically generated">
-            <a:extLst>
-              <a:ext uri="{FF2B5EF4-FFF2-40B4-BE49-F238E27FC236}">
-                <a16:creationId xmlns:a16="http://schemas.microsoft.com/office/drawing/2014/main" id="{288E4185-50BB-ECAD-9E29-30E88B12AF09}"/>
               </a:ext>
             </a:extLst>
           </p:cNvPr>
@@ -17779,13 +19606,13 @@
         </p:nvPicPr>
         <p:blipFill rotWithShape="1">
           <a:blip r:embed="rId4"/>
-          <a:srcRect l="4108" r="3" b="3"/>
+          <a:srcRect l="4531" r="7" b="7"/>
           <a:stretch/>
         </p:blipFill>
         <p:spPr>
           <a:xfrm>
-            <a:off x="6180993" y="2938487"/>
-            <a:ext cx="2832069" cy="2953397"/>
+            <a:off x="3178938" y="2931941"/>
+            <a:ext cx="2832069" cy="2966489"/>
           </a:xfrm>
           <a:prstGeom prst="rect">
             <a:avLst/>
@@ -17794,10 +19621,10 @@
       </p:pic>
       <p:pic>
         <p:nvPicPr>
-          <p:cNvPr id="5" name="Picture 4" descr="Icon&#10;&#10;Description automatically generated">
-            <a:extLst>
-              <a:ext uri="{FF2B5EF4-FFF2-40B4-BE49-F238E27FC236}">
-                <a16:creationId xmlns:a16="http://schemas.microsoft.com/office/drawing/2014/main" id="{CCE32E71-A949-AB67-B2E2-F1AA6C19C0F9}"/>
+          <p:cNvPr id="3" name="Picture 2" descr="Icon&#10;&#10;Description automatically generated">
+            <a:extLst>
+              <a:ext uri="{FF2B5EF4-FFF2-40B4-BE49-F238E27FC236}">
+                <a16:creationId xmlns:a16="http://schemas.microsoft.com/office/drawing/2014/main" id="{288E4185-50BB-ECAD-9E29-30E88B12AF09}"/>
               </a:ext>
             </a:extLst>
           </p:cNvPr>
@@ -17808,6 +19635,35 @@
         </p:nvPicPr>
         <p:blipFill rotWithShape="1">
           <a:blip r:embed="rId5"/>
+          <a:srcRect l="4108" r="3" b="3"/>
+          <a:stretch/>
+        </p:blipFill>
+        <p:spPr>
+          <a:xfrm>
+            <a:off x="6180993" y="2938487"/>
+            <a:ext cx="2832069" cy="2953397"/>
+          </a:xfrm>
+          <a:prstGeom prst="rect">
+            <a:avLst/>
+          </a:prstGeom>
+        </p:spPr>
+      </p:pic>
+      <p:pic>
+        <p:nvPicPr>
+          <p:cNvPr id="5" name="Picture 4" descr="Icon&#10;&#10;Description automatically generated">
+            <a:extLst>
+              <a:ext uri="{FF2B5EF4-FFF2-40B4-BE49-F238E27FC236}">
+                <a16:creationId xmlns:a16="http://schemas.microsoft.com/office/drawing/2014/main" id="{CCE32E71-A949-AB67-B2E2-F1AA6C19C0F9}"/>
+              </a:ext>
+            </a:extLst>
+          </p:cNvPr>
+          <p:cNvPicPr>
+            <a:picLocks noChangeAspect="1"/>
+          </p:cNvPicPr>
+          <p:nvPr/>
+        </p:nvPicPr>
+        <p:blipFill rotWithShape="1">
+          <a:blip r:embed="rId6"/>
           <a:srcRect l="4278" r="-7" b="-7"/>
           <a:stretch/>
         </p:blipFill>
@@ -17815,6 +19671,42 @@
           <a:xfrm>
             <a:off x="9161797" y="2935870"/>
             <a:ext cx="2832069" cy="2958630"/>
+          </a:xfrm>
+          <a:prstGeom prst="rect">
+            <a:avLst/>
+          </a:prstGeom>
+        </p:spPr>
+      </p:pic>
+      <p:pic>
+        <p:nvPicPr>
+          <p:cNvPr id="4" name="Picture 3" descr="A picture containing pool ball&#10;&#10;Description automatically generated">
+            <a:extLst>
+              <a:ext uri="{FF2B5EF4-FFF2-40B4-BE49-F238E27FC236}">
+                <a16:creationId xmlns:a16="http://schemas.microsoft.com/office/drawing/2014/main" id="{482DD5A7-8334-B7BD-6E9B-BC76F91C50B5}"/>
+              </a:ext>
+            </a:extLst>
+          </p:cNvPr>
+          <p:cNvPicPr>
+            <a:picLocks noChangeAspect="1"/>
+          </p:cNvPicPr>
+          <p:nvPr/>
+        </p:nvPicPr>
+        <p:blipFill>
+          <a:blip r:embed="rId7">
+            <a:extLst>
+              <a:ext uri="{28A0092B-C50C-407E-A947-70E740481C1C}">
+                <a14:useLocalDpi xmlns:a14="http://schemas.microsoft.com/office/drawing/2010/main" val="0"/>
+              </a:ext>
+            </a:extLst>
+          </a:blip>
+          <a:stretch>
+            <a:fillRect/>
+          </a:stretch>
+        </p:blipFill>
+        <p:spPr>
+          <a:xfrm>
+            <a:off x="10577831" y="1576363"/>
+            <a:ext cx="1269407" cy="1269407"/>
           </a:xfrm>
           <a:prstGeom prst="rect">
             <a:avLst/>
